--- a/AS91883(1.7) & AS91884(1.8) Documentation.pptx
+++ b/AS91883(1.7) & AS91884(1.8) Documentation.pptx
@@ -5,7 +5,7 @@
     <p:sldMasterId id="2147483648" r:id="rId1"/>
   </p:sldMasterIdLst>
   <p:notesMasterIdLst>
-    <p:notesMasterId r:id="rId38"/>
+    <p:notesMasterId r:id="rId39"/>
   </p:notesMasterIdLst>
   <p:sldIdLst>
     <p:sldId id="256" r:id="rId2"/>
@@ -31,19 +31,20 @@
     <p:sldId id="287" r:id="rId22"/>
     <p:sldId id="288" r:id="rId23"/>
     <p:sldId id="289" r:id="rId24"/>
-    <p:sldId id="304" r:id="rId25"/>
-    <p:sldId id="290" r:id="rId26"/>
-    <p:sldId id="291" r:id="rId27"/>
-    <p:sldId id="292" r:id="rId28"/>
-    <p:sldId id="293" r:id="rId29"/>
-    <p:sldId id="263" r:id="rId30"/>
-    <p:sldId id="294" r:id="rId31"/>
-    <p:sldId id="296" r:id="rId32"/>
-    <p:sldId id="295" r:id="rId33"/>
-    <p:sldId id="297" r:id="rId34"/>
-    <p:sldId id="270" r:id="rId35"/>
-    <p:sldId id="261" r:id="rId36"/>
-    <p:sldId id="266" r:id="rId37"/>
+    <p:sldId id="305" r:id="rId25"/>
+    <p:sldId id="304" r:id="rId26"/>
+    <p:sldId id="290" r:id="rId27"/>
+    <p:sldId id="291" r:id="rId28"/>
+    <p:sldId id="292" r:id="rId29"/>
+    <p:sldId id="293" r:id="rId30"/>
+    <p:sldId id="263" r:id="rId31"/>
+    <p:sldId id="294" r:id="rId32"/>
+    <p:sldId id="296" r:id="rId33"/>
+    <p:sldId id="295" r:id="rId34"/>
+    <p:sldId id="297" r:id="rId35"/>
+    <p:sldId id="270" r:id="rId36"/>
+    <p:sldId id="261" r:id="rId37"/>
+    <p:sldId id="266" r:id="rId38"/>
   </p:sldIdLst>
   <p:sldSz cx="12192000" cy="6858000"/>
   <p:notesSz cx="6858000" cy="9144000"/>
@@ -153,7 +154,7 @@
 <file path=ppt/revisionInfo.xml><?xml version="1.0" encoding="utf-8"?>
 <p1510:revInfo xmlns:a="http://schemas.openxmlformats.org/drawingml/2006/main" xmlns:r="http://schemas.openxmlformats.org/officeDocument/2006/relationships" xmlns:p1510="http://schemas.microsoft.com/office/powerpoint/2015/10/main">
   <p1510:revLst>
-    <p1510:client id="{F1BAABD6-565A-4B4D-9F14-502B1B8F4095}" v="32" dt="2022-05-19T00:17:09.745"/>
+    <p1510:client id="{F1BAABD6-565A-4B4D-9F14-502B1B8F4095}" v="34" dt="2022-05-22T22:59:43.561"/>
   </p1510:revLst>
 </p1510:revInfo>
 </file>
@@ -3217,7 +3218,7 @@
   <pc:docChgLst>
     <pc:chgData name="Molly Sankey" userId="944469c7-6883-451f-9b55-4524bc4915b3" providerId="ADAL" clId="{F1BAABD6-565A-4B4D-9F14-502B1B8F4095}"/>
     <pc:docChg chg="undo custSel addSld delSld modSld sldOrd">
-      <pc:chgData name="Molly Sankey" userId="944469c7-6883-451f-9b55-4524bc4915b3" providerId="ADAL" clId="{F1BAABD6-565A-4B4D-9F14-502B1B8F4095}" dt="2022-05-19T00:20:31.949" v="4342" actId="2696"/>
+      <pc:chgData name="Molly Sankey" userId="944469c7-6883-451f-9b55-4524bc4915b3" providerId="ADAL" clId="{F1BAABD6-565A-4B4D-9F14-502B1B8F4095}" dt="2022-05-22T23:14:56.360" v="4989" actId="20577"/>
       <pc:docMkLst>
         <pc:docMk/>
       </pc:docMkLst>
@@ -4234,13 +4235,13 @@
         </pc:picChg>
       </pc:sldChg>
       <pc:sldChg chg="addSp delSp modSp mod">
-        <pc:chgData name="Molly Sankey" userId="944469c7-6883-451f-9b55-4524bc4915b3" providerId="ADAL" clId="{F1BAABD6-565A-4B4D-9F14-502B1B8F4095}" dt="2022-05-18T01:47:06.310" v="4199" actId="478"/>
+        <pc:chgData name="Molly Sankey" userId="944469c7-6883-451f-9b55-4524bc4915b3" providerId="ADAL" clId="{F1BAABD6-565A-4B4D-9F14-502B1B8F4095}" dt="2022-05-22T23:04:30.028" v="4686" actId="20577"/>
         <pc:sldMkLst>
           <pc:docMk/>
           <pc:sldMk cId="3535405805" sldId="289"/>
         </pc:sldMkLst>
-        <pc:spChg chg="mod">
-          <ac:chgData name="Molly Sankey" userId="944469c7-6883-451f-9b55-4524bc4915b3" providerId="ADAL" clId="{F1BAABD6-565A-4B4D-9F14-502B1B8F4095}" dt="2022-05-18T01:46:58.550" v="4197" actId="20577"/>
+        <pc:spChg chg="add del mod">
+          <ac:chgData name="Molly Sankey" userId="944469c7-6883-451f-9b55-4524bc4915b3" providerId="ADAL" clId="{F1BAABD6-565A-4B4D-9F14-502B1B8F4095}" dt="2022-05-22T23:01:02.449" v="4392" actId="20577"/>
           <ac:spMkLst>
             <pc:docMk/>
             <pc:sldMk cId="3535405805" sldId="289"/>
@@ -4271,6 +4272,14 @@
             <ac:spMk id="22" creationId="{876553AD-1C12-40EC-A6DC-10F88DD686A1}"/>
           </ac:spMkLst>
         </pc:spChg>
+        <pc:spChg chg="add mod">
+          <ac:chgData name="Molly Sankey" userId="944469c7-6883-451f-9b55-4524bc4915b3" providerId="ADAL" clId="{F1BAABD6-565A-4B4D-9F14-502B1B8F4095}" dt="2022-05-22T23:01:08.077" v="4394" actId="20577"/>
+          <ac:spMkLst>
+            <pc:docMk/>
+            <pc:sldMk cId="3535405805" sldId="289"/>
+            <ac:spMk id="23" creationId="{564483B0-9915-433D-8810-9E3B07994EA9}"/>
+          </ac:spMkLst>
+        </pc:spChg>
         <pc:spChg chg="del">
           <ac:chgData name="Molly Sankey" userId="944469c7-6883-451f-9b55-4524bc4915b3" providerId="ADAL" clId="{F1BAABD6-565A-4B4D-9F14-502B1B8F4095}" dt="2022-05-18T01:43:39.074" v="4179" actId="478"/>
           <ac:spMkLst>
@@ -4303,6 +4312,14 @@
             <ac:spMk id="29" creationId="{7CD36262-FD25-49F2-8F42-1841E11757AC}"/>
           </ac:spMkLst>
         </pc:spChg>
+        <pc:spChg chg="add mod">
+          <ac:chgData name="Molly Sankey" userId="944469c7-6883-451f-9b55-4524bc4915b3" providerId="ADAL" clId="{F1BAABD6-565A-4B4D-9F14-502B1B8F4095}" dt="2022-05-22T23:04:00.232" v="4665" actId="20577"/>
+          <ac:spMkLst>
+            <pc:docMk/>
+            <pc:sldMk cId="3535405805" sldId="289"/>
+            <ac:spMk id="31" creationId="{2FAF4B17-426A-4F82-BCDE-37CC593F2534}"/>
+          </ac:spMkLst>
+        </pc:spChg>
         <pc:spChg chg="del">
           <ac:chgData name="Molly Sankey" userId="944469c7-6883-451f-9b55-4524bc4915b3" providerId="ADAL" clId="{F1BAABD6-565A-4B4D-9F14-502B1B8F4095}" dt="2022-05-18T01:43:34.560" v="4176" actId="478"/>
           <ac:spMkLst>
@@ -4319,6 +4336,14 @@
             <ac:spMk id="35" creationId="{9E764370-C62E-415D-9AF4-198059DF1226}"/>
           </ac:spMkLst>
         </pc:spChg>
+        <pc:spChg chg="mod">
+          <ac:chgData name="Molly Sankey" userId="944469c7-6883-451f-9b55-4524bc4915b3" providerId="ADAL" clId="{F1BAABD6-565A-4B4D-9F14-502B1B8F4095}" dt="2022-05-22T23:04:30.028" v="4686" actId="20577"/>
+          <ac:spMkLst>
+            <pc:docMk/>
+            <pc:sldMk cId="3535405805" sldId="289"/>
+            <ac:spMk id="91" creationId="{00000000-0000-0000-0000-000000000000}"/>
+          </ac:spMkLst>
+        </pc:spChg>
         <pc:picChg chg="del mod">
           <ac:chgData name="Molly Sankey" userId="944469c7-6883-451f-9b55-4524bc4915b3" providerId="ADAL" clId="{F1BAABD6-565A-4B4D-9F14-502B1B8F4095}" dt="2022-05-18T01:43:37.535" v="4178" actId="478"/>
           <ac:picMkLst>
@@ -4328,11 +4353,19 @@
           </ac:picMkLst>
         </pc:picChg>
         <pc:picChg chg="add mod">
-          <ac:chgData name="Molly Sankey" userId="944469c7-6883-451f-9b55-4524bc4915b3" providerId="ADAL" clId="{F1BAABD6-565A-4B4D-9F14-502B1B8F4095}" dt="2022-05-18T01:46:45.805" v="4188" actId="1076"/>
+          <ac:chgData name="Molly Sankey" userId="944469c7-6883-451f-9b55-4524bc4915b3" providerId="ADAL" clId="{F1BAABD6-565A-4B4D-9F14-502B1B8F4095}" dt="2022-05-22T22:58:46.345" v="4358" actId="1076"/>
           <ac:picMkLst>
             <pc:docMk/>
             <pc:sldMk cId="3535405805" sldId="289"/>
             <ac:picMk id="4" creationId="{07156F24-A070-41AF-806C-29E04701D013}"/>
+          </ac:picMkLst>
+        </pc:picChg>
+        <pc:picChg chg="add del mod">
+          <ac:chgData name="Molly Sankey" userId="944469c7-6883-451f-9b55-4524bc4915b3" providerId="ADAL" clId="{F1BAABD6-565A-4B4D-9F14-502B1B8F4095}" dt="2022-05-22T23:00:44.709" v="4374" actId="478"/>
+          <ac:picMkLst>
+            <pc:docMk/>
+            <pc:sldMk cId="3535405805" sldId="289"/>
+            <ac:picMk id="6" creationId="{FEE5190F-CEEB-4292-8E5C-57691580B126}"/>
           </ac:picMkLst>
         </pc:picChg>
         <pc:picChg chg="del">
@@ -4341,6 +4374,30 @@
             <pc:docMk/>
             <pc:sldMk cId="3535405805" sldId="289"/>
             <ac:picMk id="7" creationId="{F03138DF-23C0-43BD-8225-3201C72C9ABC}"/>
+          </ac:picMkLst>
+        </pc:picChg>
+        <pc:picChg chg="add del mod">
+          <ac:chgData name="Molly Sankey" userId="944469c7-6883-451f-9b55-4524bc4915b3" providerId="ADAL" clId="{F1BAABD6-565A-4B4D-9F14-502B1B8F4095}" dt="2022-05-22T23:00:46.165" v="4375" actId="478"/>
+          <ac:picMkLst>
+            <pc:docMk/>
+            <pc:sldMk cId="3535405805" sldId="289"/>
+            <ac:picMk id="10" creationId="{548E6550-3B77-4310-B0F3-336F21AECD94}"/>
+          </ac:picMkLst>
+        </pc:picChg>
+        <pc:picChg chg="add mod">
+          <ac:chgData name="Molly Sankey" userId="944469c7-6883-451f-9b55-4524bc4915b3" providerId="ADAL" clId="{F1BAABD6-565A-4B4D-9F14-502B1B8F4095}" dt="2022-05-22T23:00:51.782" v="4378" actId="1076"/>
+          <ac:picMkLst>
+            <pc:docMk/>
+            <pc:sldMk cId="3535405805" sldId="289"/>
+            <ac:picMk id="12" creationId="{82F48614-AA26-4504-AC3D-63327F0E9331}"/>
+          </ac:picMkLst>
+        </pc:picChg>
+        <pc:picChg chg="add mod">
+          <ac:chgData name="Molly Sankey" userId="944469c7-6883-451f-9b55-4524bc4915b3" providerId="ADAL" clId="{F1BAABD6-565A-4B4D-9F14-502B1B8F4095}" dt="2022-05-22T23:01:40.016" v="4398" actId="1076"/>
+          <ac:picMkLst>
+            <pc:docMk/>
+            <pc:sldMk cId="3535405805" sldId="289"/>
+            <ac:picMk id="15" creationId="{2D0FBB80-F653-42E4-8887-1EF49E9FA43E}"/>
           </ac:picMkLst>
         </pc:picChg>
         <pc:picChg chg="del">
@@ -4461,6 +4518,21 @@
           </ac:picMkLst>
         </pc:picChg>
       </pc:sldChg>
+      <pc:sldChg chg="modSp mod">
+        <pc:chgData name="Molly Sankey" userId="944469c7-6883-451f-9b55-4524bc4915b3" providerId="ADAL" clId="{F1BAABD6-565A-4B4D-9F14-502B1B8F4095}" dt="2022-05-22T23:14:56.360" v="4989" actId="20577"/>
+        <pc:sldMkLst>
+          <pc:docMk/>
+          <pc:sldMk cId="2923615682" sldId="293"/>
+        </pc:sldMkLst>
+        <pc:graphicFrameChg chg="modGraphic">
+          <ac:chgData name="Molly Sankey" userId="944469c7-6883-451f-9b55-4524bc4915b3" providerId="ADAL" clId="{F1BAABD6-565A-4B4D-9F14-502B1B8F4095}" dt="2022-05-22T23:14:56.360" v="4989" actId="20577"/>
+          <ac:graphicFrameMkLst>
+            <pc:docMk/>
+            <pc:sldMk cId="2923615682" sldId="293"/>
+            <ac:graphicFrameMk id="92" creationId="{00000000-0000-0000-0000-000000000000}"/>
+          </ac:graphicFrameMkLst>
+        </pc:graphicFrameChg>
+      </pc:sldChg>
       <pc:sldChg chg="modSp add mod">
         <pc:chgData name="Molly Sankey" userId="944469c7-6883-451f-9b55-4524bc4915b3" providerId="ADAL" clId="{F1BAABD6-565A-4B4D-9F14-502B1B8F4095}" dt="2022-05-08T23:22:31.564" v="1069" actId="2165"/>
         <pc:sldMkLst>
@@ -5501,6 +5573,93 @@
             <ac:inkMk id="16" creationId="{2CB1BD2C-F2C7-4B99-946E-0D5A07A64931}"/>
           </ac:inkMkLst>
         </pc:inkChg>
+      </pc:sldChg>
+      <pc:sldChg chg="addSp delSp modSp add mod">
+        <pc:chgData name="Molly Sankey" userId="944469c7-6883-451f-9b55-4524bc4915b3" providerId="ADAL" clId="{F1BAABD6-565A-4B4D-9F14-502B1B8F4095}" dt="2022-05-22T23:11:31.690" v="4975" actId="20577"/>
+        <pc:sldMkLst>
+          <pc:docMk/>
+          <pc:sldMk cId="90095012" sldId="305"/>
+        </pc:sldMkLst>
+        <pc:spChg chg="mod">
+          <ac:chgData name="Molly Sankey" userId="944469c7-6883-451f-9b55-4524bc4915b3" providerId="ADAL" clId="{F1BAABD6-565A-4B4D-9F14-502B1B8F4095}" dt="2022-05-22T23:04:15.416" v="4668" actId="20577"/>
+          <ac:spMkLst>
+            <pc:docMk/>
+            <pc:sldMk cId="90095012" sldId="305"/>
+            <ac:spMk id="8" creationId="{7E610201-FFE5-4624-A948-6074560B6FEF}"/>
+          </ac:spMkLst>
+        </pc:spChg>
+        <pc:spChg chg="mod">
+          <ac:chgData name="Molly Sankey" userId="944469c7-6883-451f-9b55-4524bc4915b3" providerId="ADAL" clId="{F1BAABD6-565A-4B4D-9F14-502B1B8F4095}" dt="2022-05-22T23:04:41.037" v="4691" actId="20577"/>
+          <ac:spMkLst>
+            <pc:docMk/>
+            <pc:sldMk cId="90095012" sldId="305"/>
+            <ac:spMk id="23" creationId="{564483B0-9915-433D-8810-9E3B07994EA9}"/>
+          </ac:spMkLst>
+        </pc:spChg>
+        <pc:spChg chg="mod">
+          <ac:chgData name="Molly Sankey" userId="944469c7-6883-451f-9b55-4524bc4915b3" providerId="ADAL" clId="{F1BAABD6-565A-4B4D-9F14-502B1B8F4095}" dt="2022-05-22T23:11:31.690" v="4975" actId="20577"/>
+          <ac:spMkLst>
+            <pc:docMk/>
+            <pc:sldMk cId="90095012" sldId="305"/>
+            <ac:spMk id="31" creationId="{2FAF4B17-426A-4F82-BCDE-37CC593F2534}"/>
+          </ac:spMkLst>
+        </pc:spChg>
+        <pc:spChg chg="mod">
+          <ac:chgData name="Molly Sankey" userId="944469c7-6883-451f-9b55-4524bc4915b3" providerId="ADAL" clId="{F1BAABD6-565A-4B4D-9F14-502B1B8F4095}" dt="2022-05-22T23:04:19.765" v="4676" actId="20577"/>
+          <ac:spMkLst>
+            <pc:docMk/>
+            <pc:sldMk cId="90095012" sldId="305"/>
+            <ac:spMk id="91" creationId="{00000000-0000-0000-0000-000000000000}"/>
+          </ac:spMkLst>
+        </pc:spChg>
+        <pc:picChg chg="add mod">
+          <ac:chgData name="Molly Sankey" userId="944469c7-6883-451f-9b55-4524bc4915b3" providerId="ADAL" clId="{F1BAABD6-565A-4B4D-9F14-502B1B8F4095}" dt="2022-05-22T23:05:13.023" v="4694" actId="1076"/>
+          <ac:picMkLst>
+            <pc:docMk/>
+            <pc:sldMk cId="90095012" sldId="305"/>
+            <ac:picMk id="3" creationId="{D5FFEA51-1C60-4C80-B0D2-099B41DCBBD0}"/>
+          </ac:picMkLst>
+        </pc:picChg>
+        <pc:picChg chg="del">
+          <ac:chgData name="Molly Sankey" userId="944469c7-6883-451f-9b55-4524bc4915b3" providerId="ADAL" clId="{F1BAABD6-565A-4B4D-9F14-502B1B8F4095}" dt="2022-05-22T23:04:35.699" v="4687" actId="478"/>
+          <ac:picMkLst>
+            <pc:docMk/>
+            <pc:sldMk cId="90095012" sldId="305"/>
+            <ac:picMk id="4" creationId="{07156F24-A070-41AF-806C-29E04701D013}"/>
+          </ac:picMkLst>
+        </pc:picChg>
+        <pc:picChg chg="add mod">
+          <ac:chgData name="Molly Sankey" userId="944469c7-6883-451f-9b55-4524bc4915b3" providerId="ADAL" clId="{F1BAABD6-565A-4B4D-9F14-502B1B8F4095}" dt="2022-05-22T23:06:52.283" v="4791" actId="14100"/>
+          <ac:picMkLst>
+            <pc:docMk/>
+            <pc:sldMk cId="90095012" sldId="305"/>
+            <ac:picMk id="6" creationId="{8785C604-5831-43B8-85C9-5C7BAA6F5180}"/>
+          </ac:picMkLst>
+        </pc:picChg>
+        <pc:picChg chg="add mod">
+          <ac:chgData name="Molly Sankey" userId="944469c7-6883-451f-9b55-4524bc4915b3" providerId="ADAL" clId="{F1BAABD6-565A-4B4D-9F14-502B1B8F4095}" dt="2022-05-22T23:07:26.606" v="4794" actId="14100"/>
+          <ac:picMkLst>
+            <pc:docMk/>
+            <pc:sldMk cId="90095012" sldId="305"/>
+            <ac:picMk id="9" creationId="{7386C7C7-D4CB-4AA0-84CB-A9CA1C755938}"/>
+          </ac:picMkLst>
+        </pc:picChg>
+        <pc:picChg chg="del">
+          <ac:chgData name="Molly Sankey" userId="944469c7-6883-451f-9b55-4524bc4915b3" providerId="ADAL" clId="{F1BAABD6-565A-4B4D-9F14-502B1B8F4095}" dt="2022-05-22T23:04:37.195" v="4688" actId="478"/>
+          <ac:picMkLst>
+            <pc:docMk/>
+            <pc:sldMk cId="90095012" sldId="305"/>
+            <ac:picMk id="12" creationId="{82F48614-AA26-4504-AC3D-63327F0E9331}"/>
+          </ac:picMkLst>
+        </pc:picChg>
+        <pc:picChg chg="del">
+          <ac:chgData name="Molly Sankey" userId="944469c7-6883-451f-9b55-4524bc4915b3" providerId="ADAL" clId="{F1BAABD6-565A-4B4D-9F14-502B1B8F4095}" dt="2022-05-22T23:04:38.670" v="4689" actId="478"/>
+          <ac:picMkLst>
+            <pc:docMk/>
+            <pc:sldMk cId="90095012" sldId="305"/>
+            <ac:picMk id="15" creationId="{2D0FBB80-F653-42E4-8887-1EF49E9FA43E}"/>
+          </ac:picMkLst>
+        </pc:picChg>
       </pc:sldChg>
     </pc:docChg>
   </pc:docChgLst>
@@ -8112,7 +8271,7 @@
     </p:spTree>
     <p:extLst>
       <p:ext uri="{BB962C8B-B14F-4D97-AF65-F5344CB8AC3E}">
-        <p14:creationId xmlns:p14="http://schemas.microsoft.com/office/powerpoint/2010/main" val="2221494019"/>
+        <p14:creationId xmlns:p14="http://schemas.microsoft.com/office/powerpoint/2010/main" val="2450671793"/>
       </p:ext>
     </p:extLst>
   </p:cSld>
@@ -8210,6 +8369,138 @@
 </file>
 
 <file path=ppt/notesSlides/notesSlide20.xml><?xml version="1.0" encoding="utf-8"?>
+<p:notes xmlns:a="http://schemas.openxmlformats.org/drawingml/2006/main" xmlns:r="http://schemas.openxmlformats.org/officeDocument/2006/relationships" xmlns:p="http://schemas.openxmlformats.org/presentationml/2006/main" showMasterSp="0" showMasterPhAnim="0">
+  <p:cSld>
+    <p:spTree>
+      <p:nvGrpSpPr>
+        <p:cNvPr id="1" name="Shape 87"/>
+        <p:cNvGrpSpPr/>
+        <p:nvPr/>
+      </p:nvGrpSpPr>
+      <p:grpSpPr>
+        <a:xfrm>
+          <a:off x="0" y="0"/>
+          <a:ext cx="0" cy="0"/>
+          <a:chOff x="0" y="0"/>
+          <a:chExt cx="0" cy="0"/>
+        </a:xfrm>
+      </p:grpSpPr>
+      <p:sp>
+        <p:nvSpPr>
+          <p:cNvPr id="88" name="Google Shape;88;g5f5670a123_0_30:notes"/>
+          <p:cNvSpPr>
+            <a:spLocks noGrp="1" noRot="1" noChangeAspect="1"/>
+          </p:cNvSpPr>
+          <p:nvPr>
+            <p:ph type="sldImg" idx="2"/>
+          </p:nvPr>
+        </p:nvSpPr>
+        <p:spPr>
+          <a:xfrm>
+            <a:off x="381000" y="685800"/>
+            <a:ext cx="6096000" cy="3429000"/>
+          </a:xfrm>
+          <a:custGeom>
+            <a:avLst/>
+            <a:gdLst/>
+            <a:ahLst/>
+            <a:cxnLst/>
+            <a:rect l="l" t="t" r="r" b="b"/>
+            <a:pathLst>
+              <a:path w="120000" h="120000" extrusionOk="0">
+                <a:moveTo>
+                  <a:pt x="0" y="0"/>
+                </a:moveTo>
+                <a:lnTo>
+                  <a:pt x="120000" y="0"/>
+                </a:lnTo>
+                <a:lnTo>
+                  <a:pt x="120000" y="120000"/>
+                </a:lnTo>
+                <a:lnTo>
+                  <a:pt x="0" y="120000"/>
+                </a:lnTo>
+                <a:close/>
+              </a:path>
+            </a:pathLst>
+          </a:custGeom>
+        </p:spPr>
+      </p:sp>
+      <p:sp>
+        <p:nvSpPr>
+          <p:cNvPr id="89" name="Google Shape;89;g5f5670a123_0_30:notes"/>
+          <p:cNvSpPr txBox="1">
+            <a:spLocks noGrp="1"/>
+          </p:cNvSpPr>
+          <p:nvPr>
+            <p:ph type="body" idx="1"/>
+          </p:nvPr>
+        </p:nvSpPr>
+        <p:spPr>
+          <a:xfrm>
+            <a:off x="685800" y="4343400"/>
+            <a:ext cx="5486400" cy="4114800"/>
+          </a:xfrm>
+          <a:prstGeom prst="rect">
+            <a:avLst/>
+          </a:prstGeom>
+        </p:spPr>
+        <p:txBody>
+          <a:bodyPr spcFirstLastPara="1" wrap="square" lIns="91425" tIns="91425" rIns="91425" bIns="91425" anchor="t" anchorCtr="0">
+            <a:noAutofit/>
+          </a:bodyPr>
+          <a:lstStyle/>
+          <a:p>
+            <a:pPr marL="0" marR="0" lvl="0" indent="0" algn="l" defTabSz="914400" rtl="0" eaLnBrk="1" fontAlgn="auto" latinLnBrk="0" hangingPunct="1">
+              <a:lnSpc>
+                <a:spcPct val="100000"/>
+              </a:lnSpc>
+              <a:spcBef>
+                <a:spcPts val="0"/>
+              </a:spcBef>
+              <a:spcAft>
+                <a:spcPts val="0"/>
+              </a:spcAft>
+              <a:buClrTx/>
+              <a:buSzTx/>
+              <a:buFontTx/>
+              <a:buNone/>
+              <a:tabLst/>
+              <a:defRPr/>
+            </a:pPr>
+            <a:r>
+              <a:rPr lang="en-NZ" dirty="0"/>
+              <a:t>Additional rows can be added by clicking in the last cell and then using the Tab key </a:t>
+            </a:r>
+          </a:p>
+          <a:p>
+            <a:pPr marL="0" lvl="0" indent="0" algn="l" rtl="0">
+              <a:spcBef>
+                <a:spcPts val="0"/>
+              </a:spcBef>
+              <a:spcAft>
+                <a:spcPts val="0"/>
+              </a:spcAft>
+              <a:buNone/>
+            </a:pPr>
+            <a:endParaRPr dirty="0"/>
+          </a:p>
+        </p:txBody>
+      </p:sp>
+    </p:spTree>
+    <p:extLst>
+      <p:ext uri="{BB962C8B-B14F-4D97-AF65-F5344CB8AC3E}">
+        <p14:creationId xmlns:p14="http://schemas.microsoft.com/office/powerpoint/2010/main" val="2221494019"/>
+      </p:ext>
+    </p:extLst>
+  </p:cSld>
+  <p:clrMapOvr>
+    <a:masterClrMapping/>
+  </p:clrMapOvr>
+</p:notes>
+</file>
+
+<file path=ppt/notesSlides/notesSlide21.xml><?xml version="1.0" encoding="utf-8"?>
 <p:notes xmlns:a="http://schemas.openxmlformats.org/drawingml/2006/main" xmlns:r="http://schemas.openxmlformats.org/officeDocument/2006/relationships" xmlns:p="http://schemas.openxmlformats.org/presentationml/2006/main" showMasterSp="0" showMasterPhAnim="0">
   <p:cSld>
     <p:spTree>
@@ -8309,138 +8600,6 @@
     <p:extLst>
       <p:ext uri="{BB962C8B-B14F-4D97-AF65-F5344CB8AC3E}">
         <p14:creationId xmlns:p14="http://schemas.microsoft.com/office/powerpoint/2010/main" val="762500941"/>
-      </p:ext>
-    </p:extLst>
-  </p:cSld>
-  <p:clrMapOvr>
-    <a:masterClrMapping/>
-  </p:clrMapOvr>
-</p:notes>
-</file>
-
-<file path=ppt/notesSlides/notesSlide21.xml><?xml version="1.0" encoding="utf-8"?>
-<p:notes xmlns:a="http://schemas.openxmlformats.org/drawingml/2006/main" xmlns:r="http://schemas.openxmlformats.org/officeDocument/2006/relationships" xmlns:p="http://schemas.openxmlformats.org/presentationml/2006/main" showMasterSp="0" showMasterPhAnim="0">
-  <p:cSld>
-    <p:spTree>
-      <p:nvGrpSpPr>
-        <p:cNvPr id="1" name="Shape 87"/>
-        <p:cNvGrpSpPr/>
-        <p:nvPr/>
-      </p:nvGrpSpPr>
-      <p:grpSpPr>
-        <a:xfrm>
-          <a:off x="0" y="0"/>
-          <a:ext cx="0" cy="0"/>
-          <a:chOff x="0" y="0"/>
-          <a:chExt cx="0" cy="0"/>
-        </a:xfrm>
-      </p:grpSpPr>
-      <p:sp>
-        <p:nvSpPr>
-          <p:cNvPr id="88" name="Google Shape;88;g5f5670a123_0_30:notes"/>
-          <p:cNvSpPr>
-            <a:spLocks noGrp="1" noRot="1" noChangeAspect="1"/>
-          </p:cNvSpPr>
-          <p:nvPr>
-            <p:ph type="sldImg" idx="2"/>
-          </p:nvPr>
-        </p:nvSpPr>
-        <p:spPr>
-          <a:xfrm>
-            <a:off x="381000" y="685800"/>
-            <a:ext cx="6096000" cy="3429000"/>
-          </a:xfrm>
-          <a:custGeom>
-            <a:avLst/>
-            <a:gdLst/>
-            <a:ahLst/>
-            <a:cxnLst/>
-            <a:rect l="l" t="t" r="r" b="b"/>
-            <a:pathLst>
-              <a:path w="120000" h="120000" extrusionOk="0">
-                <a:moveTo>
-                  <a:pt x="0" y="0"/>
-                </a:moveTo>
-                <a:lnTo>
-                  <a:pt x="120000" y="0"/>
-                </a:lnTo>
-                <a:lnTo>
-                  <a:pt x="120000" y="120000"/>
-                </a:lnTo>
-                <a:lnTo>
-                  <a:pt x="0" y="120000"/>
-                </a:lnTo>
-                <a:close/>
-              </a:path>
-            </a:pathLst>
-          </a:custGeom>
-        </p:spPr>
-      </p:sp>
-      <p:sp>
-        <p:nvSpPr>
-          <p:cNvPr id="89" name="Google Shape;89;g5f5670a123_0_30:notes"/>
-          <p:cNvSpPr txBox="1">
-            <a:spLocks noGrp="1"/>
-          </p:cNvSpPr>
-          <p:nvPr>
-            <p:ph type="body" idx="1"/>
-          </p:nvPr>
-        </p:nvSpPr>
-        <p:spPr>
-          <a:xfrm>
-            <a:off x="685800" y="4343400"/>
-            <a:ext cx="5486400" cy="4114800"/>
-          </a:xfrm>
-          <a:prstGeom prst="rect">
-            <a:avLst/>
-          </a:prstGeom>
-        </p:spPr>
-        <p:txBody>
-          <a:bodyPr spcFirstLastPara="1" wrap="square" lIns="91425" tIns="91425" rIns="91425" bIns="91425" anchor="t" anchorCtr="0">
-            <a:noAutofit/>
-          </a:bodyPr>
-          <a:lstStyle/>
-          <a:p>
-            <a:pPr marL="0" marR="0" lvl="0" indent="0" algn="l" defTabSz="914400" rtl="0" eaLnBrk="1" fontAlgn="auto" latinLnBrk="0" hangingPunct="1">
-              <a:lnSpc>
-                <a:spcPct val="100000"/>
-              </a:lnSpc>
-              <a:spcBef>
-                <a:spcPts val="0"/>
-              </a:spcBef>
-              <a:spcAft>
-                <a:spcPts val="0"/>
-              </a:spcAft>
-              <a:buClrTx/>
-              <a:buSzTx/>
-              <a:buFontTx/>
-              <a:buNone/>
-              <a:tabLst/>
-              <a:defRPr/>
-            </a:pPr>
-            <a:r>
-              <a:rPr lang="en-NZ" dirty="0"/>
-              <a:t>Additional rows can be added by clicking in the last cell and then using the Tab key </a:t>
-            </a:r>
-          </a:p>
-          <a:p>
-            <a:pPr marL="0" lvl="0" indent="0" algn="l" rtl="0">
-              <a:spcBef>
-                <a:spcPts val="0"/>
-              </a:spcBef>
-              <a:spcAft>
-                <a:spcPts val="0"/>
-              </a:spcAft>
-              <a:buNone/>
-            </a:pPr>
-            <a:endParaRPr dirty="0"/>
-          </a:p>
-        </p:txBody>
-      </p:sp>
-    </p:spTree>
-    <p:extLst>
-      <p:ext uri="{BB962C8B-B14F-4D97-AF65-F5344CB8AC3E}">
-        <p14:creationId xmlns:p14="http://schemas.microsoft.com/office/powerpoint/2010/main" val="2005392440"/>
       </p:ext>
     </p:extLst>
   </p:cSld>
@@ -8572,7 +8731,7 @@
     </p:spTree>
     <p:extLst>
       <p:ext uri="{BB962C8B-B14F-4D97-AF65-F5344CB8AC3E}">
-        <p14:creationId xmlns:p14="http://schemas.microsoft.com/office/powerpoint/2010/main" val="1003044305"/>
+        <p14:creationId xmlns:p14="http://schemas.microsoft.com/office/powerpoint/2010/main" val="2005392440"/>
       </p:ext>
     </p:extLst>
   </p:cSld>
@@ -8704,7 +8863,7 @@
     </p:spTree>
     <p:extLst>
       <p:ext uri="{BB962C8B-B14F-4D97-AF65-F5344CB8AC3E}">
-        <p14:creationId xmlns:p14="http://schemas.microsoft.com/office/powerpoint/2010/main" val="1314629252"/>
+        <p14:creationId xmlns:p14="http://schemas.microsoft.com/office/powerpoint/2010/main" val="1003044305"/>
       </p:ext>
     </p:extLst>
   </p:cSld>
@@ -8715,114 +8874,6 @@
 </file>
 
 <file path=ppt/notesSlides/notesSlide24.xml><?xml version="1.0" encoding="utf-8"?>
-<p:notes xmlns:a="http://schemas.openxmlformats.org/drawingml/2006/main" xmlns:r="http://schemas.openxmlformats.org/officeDocument/2006/relationships" xmlns:p="http://schemas.openxmlformats.org/presentationml/2006/main">
-  <p:cSld>
-    <p:spTree>
-      <p:nvGrpSpPr>
-        <p:cNvPr id="1" name=""/>
-        <p:cNvGrpSpPr/>
-        <p:nvPr/>
-      </p:nvGrpSpPr>
-      <p:grpSpPr>
-        <a:xfrm>
-          <a:off x="0" y="0"/>
-          <a:ext cx="0" cy="0"/>
-          <a:chOff x="0" y="0"/>
-          <a:chExt cx="0" cy="0"/>
-        </a:xfrm>
-      </p:grpSpPr>
-      <p:sp>
-        <p:nvSpPr>
-          <p:cNvPr id="2" name="Slide Image Placeholder 1"/>
-          <p:cNvSpPr>
-            <a:spLocks noGrp="1" noRot="1" noChangeAspect="1"/>
-          </p:cNvSpPr>
-          <p:nvPr>
-            <p:ph type="sldImg"/>
-          </p:nvPr>
-        </p:nvSpPr>
-        <p:spPr/>
-      </p:sp>
-      <p:sp>
-        <p:nvSpPr>
-          <p:cNvPr id="3" name="Notes Placeholder 2"/>
-          <p:cNvSpPr>
-            <a:spLocks noGrp="1"/>
-          </p:cNvSpPr>
-          <p:nvPr>
-            <p:ph type="body" idx="1"/>
-          </p:nvPr>
-        </p:nvSpPr>
-        <p:spPr/>
-        <p:txBody>
-          <a:bodyPr/>
-          <a:lstStyle/>
-          <a:p>
-            <a:pPr marL="0" marR="0" lvl="0" indent="0" algn="l" defTabSz="914400" rtl="0" eaLnBrk="1" fontAlgn="auto" latinLnBrk="0" hangingPunct="1">
-              <a:lnSpc>
-                <a:spcPct val="100000"/>
-              </a:lnSpc>
-              <a:spcBef>
-                <a:spcPts val="0"/>
-              </a:spcBef>
-              <a:spcAft>
-                <a:spcPts val="0"/>
-              </a:spcAft>
-              <a:buClrTx/>
-              <a:buSzTx/>
-              <a:buFontTx/>
-              <a:buNone/>
-              <a:tabLst/>
-              <a:defRPr/>
-            </a:pPr>
-            <a:r>
-              <a:rPr lang="en-NZ" i="1" dirty="0">
-                <a:latin typeface="Arial" panose="020B0604020202020204" pitchFamily="34" charset="0"/>
-                <a:ea typeface="Arial" panose="020B0604020202020204" pitchFamily="34" charset="0"/>
-              </a:rPr>
-              <a:t>Show testing for your assembled outcome below.  This should include a test plan followed by screenshot proof.  </a:t>
-            </a:r>
-            <a:endParaRPr lang="en-NZ" dirty="0"/>
-          </a:p>
-        </p:txBody>
-      </p:sp>
-      <p:sp>
-        <p:nvSpPr>
-          <p:cNvPr id="4" name="Slide Number Placeholder 3"/>
-          <p:cNvSpPr>
-            <a:spLocks noGrp="1"/>
-          </p:cNvSpPr>
-          <p:nvPr>
-            <p:ph type="sldNum" sz="quarter" idx="5"/>
-          </p:nvPr>
-        </p:nvSpPr>
-        <p:spPr/>
-        <p:txBody>
-          <a:bodyPr/>
-          <a:lstStyle/>
-          <a:p>
-            <a:fld id="{D89B2B17-F4B1-4A14-AF99-5A366D45E74A}" type="slidenum">
-              <a:rPr lang="en-NZ" smtClean="0"/>
-              <a:t>29</a:t>
-            </a:fld>
-            <a:endParaRPr lang="en-NZ"/>
-          </a:p>
-        </p:txBody>
-      </p:sp>
-    </p:spTree>
-    <p:extLst>
-      <p:ext uri="{BB962C8B-B14F-4D97-AF65-F5344CB8AC3E}">
-        <p14:creationId xmlns:p14="http://schemas.microsoft.com/office/powerpoint/2010/main" val="234755665"/>
-      </p:ext>
-    </p:extLst>
-  </p:cSld>
-  <p:clrMapOvr>
-    <a:masterClrMapping/>
-  </p:clrMapOvr>
-</p:notes>
-</file>
-
-<file path=ppt/notesSlides/notesSlide25.xml><?xml version="1.0" encoding="utf-8"?>
 <p:notes xmlns:a="http://schemas.openxmlformats.org/drawingml/2006/main" xmlns:r="http://schemas.openxmlformats.org/officeDocument/2006/relationships" xmlns:p="http://schemas.openxmlformats.org/presentationml/2006/main" showMasterSp="0" showMasterPhAnim="0">
   <p:cSld>
     <p:spTree>
@@ -8944,7 +8995,7 @@
     </p:spTree>
     <p:extLst>
       <p:ext uri="{BB962C8B-B14F-4D97-AF65-F5344CB8AC3E}">
-        <p14:creationId xmlns:p14="http://schemas.microsoft.com/office/powerpoint/2010/main" val="2420645919"/>
+        <p14:creationId xmlns:p14="http://schemas.microsoft.com/office/powerpoint/2010/main" val="1314629252"/>
       </p:ext>
     </p:extLst>
   </p:cSld>
@@ -8954,7 +9005,7 @@
 </p:notes>
 </file>
 
-<file path=ppt/notesSlides/notesSlide26.xml><?xml version="1.0" encoding="utf-8"?>
+<file path=ppt/notesSlides/notesSlide25.xml><?xml version="1.0" encoding="utf-8"?>
 <p:notes xmlns:a="http://schemas.openxmlformats.org/drawingml/2006/main" xmlns:r="http://schemas.openxmlformats.org/officeDocument/2006/relationships" xmlns:p="http://schemas.openxmlformats.org/presentationml/2006/main">
   <p:cSld>
     <p:spTree>
@@ -9043,7 +9094,7 @@
           <a:p>
             <a:fld id="{D89B2B17-F4B1-4A14-AF99-5A366D45E74A}" type="slidenum">
               <a:rPr lang="en-NZ" smtClean="0"/>
-              <a:t>31</a:t>
+              <a:t>30</a:t>
             </a:fld>
             <a:endParaRPr lang="en-NZ"/>
           </a:p>
@@ -9052,7 +9103,7 @@
     </p:spTree>
     <p:extLst>
       <p:ext uri="{BB962C8B-B14F-4D97-AF65-F5344CB8AC3E}">
-        <p14:creationId xmlns:p14="http://schemas.microsoft.com/office/powerpoint/2010/main" val="1114558811"/>
+        <p14:creationId xmlns:p14="http://schemas.microsoft.com/office/powerpoint/2010/main" val="234755665"/>
       </p:ext>
     </p:extLst>
   </p:cSld>
@@ -9062,7 +9113,7 @@
 </p:notes>
 </file>
 
-<file path=ppt/notesSlides/notesSlide27.xml><?xml version="1.0" encoding="utf-8"?>
+<file path=ppt/notesSlides/notesSlide26.xml><?xml version="1.0" encoding="utf-8"?>
 <p:notes xmlns:a="http://schemas.openxmlformats.org/drawingml/2006/main" xmlns:r="http://schemas.openxmlformats.org/officeDocument/2006/relationships" xmlns:p="http://schemas.openxmlformats.org/presentationml/2006/main" showMasterSp="0" showMasterPhAnim="0">
   <p:cSld>
     <p:spTree>
@@ -9184,7 +9235,7 @@
     </p:spTree>
     <p:extLst>
       <p:ext uri="{BB962C8B-B14F-4D97-AF65-F5344CB8AC3E}">
-        <p14:creationId xmlns:p14="http://schemas.microsoft.com/office/powerpoint/2010/main" val="3347785190"/>
+        <p14:creationId xmlns:p14="http://schemas.microsoft.com/office/powerpoint/2010/main" val="2420645919"/>
       </p:ext>
     </p:extLst>
   </p:cSld>
@@ -9194,7 +9245,7 @@
 </p:notes>
 </file>
 
-<file path=ppt/notesSlides/notesSlide28.xml><?xml version="1.0" encoding="utf-8"?>
+<file path=ppt/notesSlides/notesSlide27.xml><?xml version="1.0" encoding="utf-8"?>
 <p:notes xmlns:a="http://schemas.openxmlformats.org/drawingml/2006/main" xmlns:r="http://schemas.openxmlformats.org/officeDocument/2006/relationships" xmlns:p="http://schemas.openxmlformats.org/presentationml/2006/main">
   <p:cSld>
     <p:spTree>
@@ -9283,7 +9334,7 @@
           <a:p>
             <a:fld id="{D89B2B17-F4B1-4A14-AF99-5A366D45E74A}" type="slidenum">
               <a:rPr lang="en-NZ" smtClean="0"/>
-              <a:t>33</a:t>
+              <a:t>32</a:t>
             </a:fld>
             <a:endParaRPr lang="en-NZ"/>
           </a:p>
@@ -9292,7 +9343,139 @@
     </p:spTree>
     <p:extLst>
       <p:ext uri="{BB962C8B-B14F-4D97-AF65-F5344CB8AC3E}">
-        <p14:creationId xmlns:p14="http://schemas.microsoft.com/office/powerpoint/2010/main" val="4045927793"/>
+        <p14:creationId xmlns:p14="http://schemas.microsoft.com/office/powerpoint/2010/main" val="1114558811"/>
+      </p:ext>
+    </p:extLst>
+  </p:cSld>
+  <p:clrMapOvr>
+    <a:masterClrMapping/>
+  </p:clrMapOvr>
+</p:notes>
+</file>
+
+<file path=ppt/notesSlides/notesSlide28.xml><?xml version="1.0" encoding="utf-8"?>
+<p:notes xmlns:a="http://schemas.openxmlformats.org/drawingml/2006/main" xmlns:r="http://schemas.openxmlformats.org/officeDocument/2006/relationships" xmlns:p="http://schemas.openxmlformats.org/presentationml/2006/main" showMasterSp="0" showMasterPhAnim="0">
+  <p:cSld>
+    <p:spTree>
+      <p:nvGrpSpPr>
+        <p:cNvPr id="1" name="Shape 87"/>
+        <p:cNvGrpSpPr/>
+        <p:nvPr/>
+      </p:nvGrpSpPr>
+      <p:grpSpPr>
+        <a:xfrm>
+          <a:off x="0" y="0"/>
+          <a:ext cx="0" cy="0"/>
+          <a:chOff x="0" y="0"/>
+          <a:chExt cx="0" cy="0"/>
+        </a:xfrm>
+      </p:grpSpPr>
+      <p:sp>
+        <p:nvSpPr>
+          <p:cNvPr id="88" name="Google Shape;88;g5f5670a123_0_30:notes"/>
+          <p:cNvSpPr>
+            <a:spLocks noGrp="1" noRot="1" noChangeAspect="1"/>
+          </p:cNvSpPr>
+          <p:nvPr>
+            <p:ph type="sldImg" idx="2"/>
+          </p:nvPr>
+        </p:nvSpPr>
+        <p:spPr>
+          <a:xfrm>
+            <a:off x="381000" y="685800"/>
+            <a:ext cx="6096000" cy="3429000"/>
+          </a:xfrm>
+          <a:custGeom>
+            <a:avLst/>
+            <a:gdLst/>
+            <a:ahLst/>
+            <a:cxnLst/>
+            <a:rect l="l" t="t" r="r" b="b"/>
+            <a:pathLst>
+              <a:path w="120000" h="120000" extrusionOk="0">
+                <a:moveTo>
+                  <a:pt x="0" y="0"/>
+                </a:moveTo>
+                <a:lnTo>
+                  <a:pt x="120000" y="0"/>
+                </a:lnTo>
+                <a:lnTo>
+                  <a:pt x="120000" y="120000"/>
+                </a:lnTo>
+                <a:lnTo>
+                  <a:pt x="0" y="120000"/>
+                </a:lnTo>
+                <a:close/>
+              </a:path>
+            </a:pathLst>
+          </a:custGeom>
+        </p:spPr>
+      </p:sp>
+      <p:sp>
+        <p:nvSpPr>
+          <p:cNvPr id="89" name="Google Shape;89;g5f5670a123_0_30:notes"/>
+          <p:cNvSpPr txBox="1">
+            <a:spLocks noGrp="1"/>
+          </p:cNvSpPr>
+          <p:nvPr>
+            <p:ph type="body" idx="1"/>
+          </p:nvPr>
+        </p:nvSpPr>
+        <p:spPr>
+          <a:xfrm>
+            <a:off x="685800" y="4343400"/>
+            <a:ext cx="5486400" cy="4114800"/>
+          </a:xfrm>
+          <a:prstGeom prst="rect">
+            <a:avLst/>
+          </a:prstGeom>
+        </p:spPr>
+        <p:txBody>
+          <a:bodyPr spcFirstLastPara="1" wrap="square" lIns="91425" tIns="91425" rIns="91425" bIns="91425" anchor="t" anchorCtr="0">
+            <a:noAutofit/>
+          </a:bodyPr>
+          <a:lstStyle/>
+          <a:p>
+            <a:pPr marL="0" marR="0" lvl="0" indent="0" algn="l" defTabSz="914400" rtl="0" eaLnBrk="1" fontAlgn="auto" latinLnBrk="0" hangingPunct="1">
+              <a:lnSpc>
+                <a:spcPct val="100000"/>
+              </a:lnSpc>
+              <a:spcBef>
+                <a:spcPts val="0"/>
+              </a:spcBef>
+              <a:spcAft>
+                <a:spcPts val="0"/>
+              </a:spcAft>
+              <a:buClrTx/>
+              <a:buSzTx/>
+              <a:buFontTx/>
+              <a:buNone/>
+              <a:tabLst/>
+              <a:defRPr/>
+            </a:pPr>
+            <a:r>
+              <a:rPr lang="en-NZ" dirty="0"/>
+              <a:t>Additional rows can be added by clicking in the last cell and then using the Tab key </a:t>
+            </a:r>
+          </a:p>
+          <a:p>
+            <a:pPr marL="0" lvl="0" indent="0" algn="l" rtl="0">
+              <a:spcBef>
+                <a:spcPts val="0"/>
+              </a:spcBef>
+              <a:spcAft>
+                <a:spcPts val="0"/>
+              </a:spcAft>
+              <a:buNone/>
+            </a:pPr>
+            <a:endParaRPr dirty="0"/>
+          </a:p>
+        </p:txBody>
+      </p:sp>
+    </p:spTree>
+    <p:extLst>
+      <p:ext uri="{BB962C8B-B14F-4D97-AF65-F5344CB8AC3E}">
+        <p14:creationId xmlns:p14="http://schemas.microsoft.com/office/powerpoint/2010/main" val="3347785190"/>
       </p:ext>
     </p:extLst>
   </p:cSld>
@@ -9368,14 +9551,8 @@
                 <a:latin typeface="Arial" panose="020B0604020202020204" pitchFamily="34" charset="0"/>
                 <a:ea typeface="Arial" panose="020B0604020202020204" pitchFamily="34" charset="0"/>
               </a:rPr>
-              <a:t>Your version control evidence should go here.  This could be in the form of screenshots (both of your GitHub repository as well as your local project folder) as evidence of your incremental development.</a:t>
+              <a:t>Show testing for your assembled outcome below.  This should include a test plan followed by screenshot proof.  </a:t>
             </a:r>
-            <a:endParaRPr lang="en-NZ" dirty="0">
-              <a:latin typeface="Arial" panose="020B0604020202020204" pitchFamily="34" charset="0"/>
-              <a:ea typeface="Arial" panose="020B0604020202020204" pitchFamily="34" charset="0"/>
-            </a:endParaRPr>
-          </a:p>
-          <a:p>
             <a:endParaRPr lang="en-NZ" dirty="0"/>
           </a:p>
         </p:txBody>
@@ -9397,7 +9574,7 @@
           <a:p>
             <a:fld id="{D89B2B17-F4B1-4A14-AF99-5A366D45E74A}" type="slidenum">
               <a:rPr lang="en-NZ" smtClean="0"/>
-              <a:t>35</a:t>
+              <a:t>34</a:t>
             </a:fld>
             <a:endParaRPr lang="en-NZ"/>
           </a:p>
@@ -9406,7 +9583,7 @@
     </p:spTree>
     <p:extLst>
       <p:ext uri="{BB962C8B-B14F-4D97-AF65-F5344CB8AC3E}">
-        <p14:creationId xmlns:p14="http://schemas.microsoft.com/office/powerpoint/2010/main" val="1431557508"/>
+        <p14:creationId xmlns:p14="http://schemas.microsoft.com/office/powerpoint/2010/main" val="4045927793"/>
       </p:ext>
     </p:extLst>
   </p:cSld>
@@ -9567,9 +9744,14 @@
             <a:r>
               <a:rPr lang="en-NZ" i="1" dirty="0">
                 <a:latin typeface="Arial" panose="020B0604020202020204" pitchFamily="34" charset="0"/>
+                <a:ea typeface="Arial" panose="020B0604020202020204" pitchFamily="34" charset="0"/>
               </a:rPr>
-              <a:t>Discuss how the information from planning, testing and trialling of components assisted in the development of a high-quality outcome.</a:t>
+              <a:t>Your version control evidence should go here.  This could be in the form of screenshots (both of your GitHub repository as well as your local project folder) as evidence of your incremental development.</a:t>
             </a:r>
+            <a:endParaRPr lang="en-NZ" dirty="0">
+              <a:latin typeface="Arial" panose="020B0604020202020204" pitchFamily="34" charset="0"/>
+              <a:ea typeface="Arial" panose="020B0604020202020204" pitchFamily="34" charset="0"/>
+            </a:endParaRPr>
           </a:p>
           <a:p>
             <a:endParaRPr lang="en-NZ" dirty="0"/>
@@ -9594,6 +9776,115 @@
             <a:fld id="{D89B2B17-F4B1-4A14-AF99-5A366D45E74A}" type="slidenum">
               <a:rPr lang="en-NZ" smtClean="0"/>
               <a:t>36</a:t>
+            </a:fld>
+            <a:endParaRPr lang="en-NZ"/>
+          </a:p>
+        </p:txBody>
+      </p:sp>
+    </p:spTree>
+    <p:extLst>
+      <p:ext uri="{BB962C8B-B14F-4D97-AF65-F5344CB8AC3E}">
+        <p14:creationId xmlns:p14="http://schemas.microsoft.com/office/powerpoint/2010/main" val="1431557508"/>
+      </p:ext>
+    </p:extLst>
+  </p:cSld>
+  <p:clrMapOvr>
+    <a:masterClrMapping/>
+  </p:clrMapOvr>
+</p:notes>
+</file>
+
+<file path=ppt/notesSlides/notesSlide31.xml><?xml version="1.0" encoding="utf-8"?>
+<p:notes xmlns:a="http://schemas.openxmlformats.org/drawingml/2006/main" xmlns:r="http://schemas.openxmlformats.org/officeDocument/2006/relationships" xmlns:p="http://schemas.openxmlformats.org/presentationml/2006/main">
+  <p:cSld>
+    <p:spTree>
+      <p:nvGrpSpPr>
+        <p:cNvPr id="1" name=""/>
+        <p:cNvGrpSpPr/>
+        <p:nvPr/>
+      </p:nvGrpSpPr>
+      <p:grpSpPr>
+        <a:xfrm>
+          <a:off x="0" y="0"/>
+          <a:ext cx="0" cy="0"/>
+          <a:chOff x="0" y="0"/>
+          <a:chExt cx="0" cy="0"/>
+        </a:xfrm>
+      </p:grpSpPr>
+      <p:sp>
+        <p:nvSpPr>
+          <p:cNvPr id="2" name="Slide Image Placeholder 1"/>
+          <p:cNvSpPr>
+            <a:spLocks noGrp="1" noRot="1" noChangeAspect="1"/>
+          </p:cNvSpPr>
+          <p:nvPr>
+            <p:ph type="sldImg"/>
+          </p:nvPr>
+        </p:nvSpPr>
+        <p:spPr/>
+      </p:sp>
+      <p:sp>
+        <p:nvSpPr>
+          <p:cNvPr id="3" name="Notes Placeholder 2"/>
+          <p:cNvSpPr>
+            <a:spLocks noGrp="1"/>
+          </p:cNvSpPr>
+          <p:nvPr>
+            <p:ph type="body" idx="1"/>
+          </p:nvPr>
+        </p:nvSpPr>
+        <p:spPr/>
+        <p:txBody>
+          <a:bodyPr/>
+          <a:lstStyle/>
+          <a:p>
+            <a:pPr marL="0" marR="0" lvl="0" indent="0" algn="l" defTabSz="914400" rtl="0" eaLnBrk="1" fontAlgn="auto" latinLnBrk="0" hangingPunct="1">
+              <a:lnSpc>
+                <a:spcPct val="100000"/>
+              </a:lnSpc>
+              <a:spcBef>
+                <a:spcPts val="0"/>
+              </a:spcBef>
+              <a:spcAft>
+                <a:spcPts val="0"/>
+              </a:spcAft>
+              <a:buClrTx/>
+              <a:buSzTx/>
+              <a:buFontTx/>
+              <a:buNone/>
+              <a:tabLst/>
+              <a:defRPr/>
+            </a:pPr>
+            <a:r>
+              <a:rPr lang="en-NZ" i="1" dirty="0">
+                <a:latin typeface="Arial" panose="020B0604020202020204" pitchFamily="34" charset="0"/>
+              </a:rPr>
+              <a:t>Discuss how the information from planning, testing and trialling of components assisted in the development of a high-quality outcome.</a:t>
+            </a:r>
+          </a:p>
+          <a:p>
+            <a:endParaRPr lang="en-NZ" dirty="0"/>
+          </a:p>
+        </p:txBody>
+      </p:sp>
+      <p:sp>
+        <p:nvSpPr>
+          <p:cNvPr id="4" name="Slide Number Placeholder 3"/>
+          <p:cNvSpPr>
+            <a:spLocks noGrp="1"/>
+          </p:cNvSpPr>
+          <p:nvPr>
+            <p:ph type="sldNum" sz="quarter" idx="5"/>
+          </p:nvPr>
+        </p:nvSpPr>
+        <p:spPr/>
+        <p:txBody>
+          <a:bodyPr/>
+          <a:lstStyle/>
+          <a:p>
+            <a:fld id="{D89B2B17-F4B1-4A14-AF99-5A366D45E74A}" type="slidenum">
+              <a:rPr lang="en-NZ" smtClean="0"/>
+              <a:t>37</a:t>
             </a:fld>
             <a:endParaRPr lang="en-NZ"/>
           </a:p>
@@ -20942,7 +21233,7 @@
           <a:p>
             <a:r>
               <a:rPr lang="en" sz="4000" dirty="0"/>
-              <a:t>Looping and Game Mechanics - Testing</a:t>
+              <a:t>Looping and Game Mechanics –Trialling Part 1</a:t>
             </a:r>
             <a:endParaRPr sz="4000" dirty="0"/>
           </a:p>
@@ -20978,7 +21269,7 @@
           <a:p>
             <a:r>
               <a:rPr lang="en-NZ" b="1" dirty="0"/>
-              <a:t>V1 Code</a:t>
+              <a:t>V1 Output</a:t>
             </a:r>
           </a:p>
         </p:txBody>
@@ -21005,8 +21296,138 @@
         </p:blipFill>
         <p:spPr>
           <a:xfrm>
-            <a:off x="680639" y="1577006"/>
+            <a:off x="680639" y="1577005"/>
             <a:ext cx="5283334" cy="3472513"/>
+          </a:xfrm>
+          <a:prstGeom prst="rect">
+            <a:avLst/>
+          </a:prstGeom>
+        </p:spPr>
+      </p:pic>
+      <p:sp>
+        <p:nvSpPr>
+          <p:cNvPr id="23" name="TextBox 22">
+            <a:extLst>
+              <a:ext uri="{FF2B5EF4-FFF2-40B4-BE49-F238E27FC236}">
+                <a16:creationId xmlns:a16="http://schemas.microsoft.com/office/drawing/2014/main" id="{564483B0-9915-433D-8810-9E3B07994EA9}"/>
+              </a:ext>
+            </a:extLst>
+          </p:cNvPr>
+          <p:cNvSpPr txBox="1"/>
+          <p:nvPr/>
+        </p:nvSpPr>
+        <p:spPr>
+          <a:xfrm>
+            <a:off x="6730267" y="909694"/>
+            <a:ext cx="5274129" cy="369332"/>
+          </a:xfrm>
+          <a:prstGeom prst="rect">
+            <a:avLst/>
+          </a:prstGeom>
+          <a:noFill/>
+        </p:spPr>
+        <p:txBody>
+          <a:bodyPr wrap="square" rtlCol="0">
+            <a:spAutoFit/>
+          </a:bodyPr>
+          <a:lstStyle/>
+          <a:p>
+            <a:r>
+              <a:rPr lang="en-NZ" b="1" dirty="0"/>
+              <a:t>V1 Code</a:t>
+            </a:r>
+          </a:p>
+        </p:txBody>
+      </p:sp>
+      <p:sp>
+        <p:nvSpPr>
+          <p:cNvPr id="31" name="TextBox 30">
+            <a:extLst>
+              <a:ext uri="{FF2B5EF4-FFF2-40B4-BE49-F238E27FC236}">
+                <a16:creationId xmlns:a16="http://schemas.microsoft.com/office/drawing/2014/main" id="{2FAF4B17-426A-4F82-BCDE-37CC593F2534}"/>
+              </a:ext>
+            </a:extLst>
+          </p:cNvPr>
+          <p:cNvSpPr txBox="1"/>
+          <p:nvPr/>
+        </p:nvSpPr>
+        <p:spPr>
+          <a:xfrm>
+            <a:off x="547604" y="5162831"/>
+            <a:ext cx="5274129" cy="1477328"/>
+          </a:xfrm>
+          <a:prstGeom prst="rect">
+            <a:avLst/>
+          </a:prstGeom>
+          <a:noFill/>
+        </p:spPr>
+        <p:txBody>
+          <a:bodyPr wrap="square" rtlCol="0">
+            <a:spAutoFit/>
+          </a:bodyPr>
+          <a:lstStyle/>
+          <a:p>
+            <a:r>
+              <a:rPr lang="en-NZ" b="1" dirty="0"/>
+              <a:t>This code is easy to run as it has few components and is based off a while loop. This means that it will continue looping until ‘x’ is pressed. Because of these reasons I have chosen to use this code in my final program. </a:t>
+            </a:r>
+          </a:p>
+        </p:txBody>
+      </p:sp>
+      <p:pic>
+        <p:nvPicPr>
+          <p:cNvPr id="12" name="Picture 11">
+            <a:extLst>
+              <a:ext uri="{FF2B5EF4-FFF2-40B4-BE49-F238E27FC236}">
+                <a16:creationId xmlns:a16="http://schemas.microsoft.com/office/drawing/2014/main" id="{82F48614-AA26-4504-AC3D-63327F0E9331}"/>
+              </a:ext>
+            </a:extLst>
+          </p:cNvPr>
+          <p:cNvPicPr>
+            <a:picLocks noChangeAspect="1"/>
+          </p:cNvPicPr>
+          <p:nvPr/>
+        </p:nvPicPr>
+        <p:blipFill>
+          <a:blip r:embed="rId4"/>
+          <a:stretch>
+            <a:fillRect/>
+          </a:stretch>
+        </p:blipFill>
+        <p:spPr>
+          <a:xfrm>
+            <a:off x="6730267" y="1429640"/>
+            <a:ext cx="4584538" cy="1411588"/>
+          </a:xfrm>
+          <a:prstGeom prst="rect">
+            <a:avLst/>
+          </a:prstGeom>
+        </p:spPr>
+      </p:pic>
+      <p:pic>
+        <p:nvPicPr>
+          <p:cNvPr id="15" name="Picture 14">
+            <a:extLst>
+              <a:ext uri="{FF2B5EF4-FFF2-40B4-BE49-F238E27FC236}">
+                <a16:creationId xmlns:a16="http://schemas.microsoft.com/office/drawing/2014/main" id="{2D0FBB80-F653-42E4-8887-1EF49E9FA43E}"/>
+              </a:ext>
+            </a:extLst>
+          </p:cNvPr>
+          <p:cNvPicPr>
+            <a:picLocks noChangeAspect="1"/>
+          </p:cNvPicPr>
+          <p:nvPr/>
+        </p:nvPicPr>
+        <p:blipFill>
+          <a:blip r:embed="rId5"/>
+          <a:stretch>
+            <a:fillRect/>
+          </a:stretch>
+        </p:blipFill>
+        <p:spPr>
+          <a:xfrm>
+            <a:off x="5286468" y="2841228"/>
+            <a:ext cx="6905532" cy="871491"/>
           </a:xfrm>
           <a:prstGeom prst="rect">
             <a:avLst/>
@@ -21027,6 +21448,264 @@
 </file>
 
 <file path=ppt/slides/slide24.xml><?xml version="1.0" encoding="utf-8"?>
+<p:sld xmlns:a="http://schemas.openxmlformats.org/drawingml/2006/main" xmlns:r="http://schemas.openxmlformats.org/officeDocument/2006/relationships" xmlns:p="http://schemas.openxmlformats.org/presentationml/2006/main">
+  <p:cSld>
+    <p:spTree>
+      <p:nvGrpSpPr>
+        <p:cNvPr id="1" name="Shape 90"/>
+        <p:cNvGrpSpPr/>
+        <p:nvPr/>
+      </p:nvGrpSpPr>
+      <p:grpSpPr>
+        <a:xfrm>
+          <a:off x="0" y="0"/>
+          <a:ext cx="0" cy="0"/>
+          <a:chOff x="0" y="0"/>
+          <a:chExt cx="0" cy="0"/>
+        </a:xfrm>
+      </p:grpSpPr>
+      <p:sp>
+        <p:nvSpPr>
+          <p:cNvPr id="91" name="Google Shape;91;p19"/>
+          <p:cNvSpPr txBox="1">
+            <a:spLocks noGrp="1"/>
+          </p:cNvSpPr>
+          <p:nvPr>
+            <p:ph type="title"/>
+          </p:nvPr>
+        </p:nvSpPr>
+        <p:spPr>
+          <a:xfrm>
+            <a:off x="415600" y="217447"/>
+            <a:ext cx="11360800" cy="763600"/>
+          </a:xfrm>
+          <a:prstGeom prst="rect">
+            <a:avLst/>
+          </a:prstGeom>
+        </p:spPr>
+        <p:txBody>
+          <a:bodyPr spcFirstLastPara="1" vert="horz" wrap="square" lIns="121900" tIns="121900" rIns="121900" bIns="121900" rtlCol="0" anchor="t" anchorCtr="0">
+            <a:noAutofit/>
+          </a:bodyPr>
+          <a:lstStyle/>
+          <a:p>
+            <a:r>
+              <a:rPr lang="en" sz="4000" dirty="0"/>
+              <a:t>Looping and Game Mechanics –Trialling Part 2</a:t>
+            </a:r>
+            <a:endParaRPr sz="4000" dirty="0"/>
+          </a:p>
+        </p:txBody>
+      </p:sp>
+      <p:sp>
+        <p:nvSpPr>
+          <p:cNvPr id="8" name="TextBox 7">
+            <a:extLst>
+              <a:ext uri="{FF2B5EF4-FFF2-40B4-BE49-F238E27FC236}">
+                <a16:creationId xmlns:a16="http://schemas.microsoft.com/office/drawing/2014/main" id="{7E610201-FFE5-4624-A948-6074560B6FEF}"/>
+              </a:ext>
+            </a:extLst>
+          </p:cNvPr>
+          <p:cNvSpPr txBox="1"/>
+          <p:nvPr/>
+        </p:nvSpPr>
+        <p:spPr>
+          <a:xfrm>
+            <a:off x="680639" y="1094360"/>
+            <a:ext cx="5274129" cy="369332"/>
+          </a:xfrm>
+          <a:prstGeom prst="rect">
+            <a:avLst/>
+          </a:prstGeom>
+          <a:noFill/>
+        </p:spPr>
+        <p:txBody>
+          <a:bodyPr wrap="square" rtlCol="0">
+            <a:spAutoFit/>
+          </a:bodyPr>
+          <a:lstStyle/>
+          <a:p>
+            <a:r>
+              <a:rPr lang="en-NZ" b="1" dirty="0"/>
+              <a:t>V2 Output</a:t>
+            </a:r>
+          </a:p>
+        </p:txBody>
+      </p:sp>
+      <p:sp>
+        <p:nvSpPr>
+          <p:cNvPr id="23" name="TextBox 22">
+            <a:extLst>
+              <a:ext uri="{FF2B5EF4-FFF2-40B4-BE49-F238E27FC236}">
+                <a16:creationId xmlns:a16="http://schemas.microsoft.com/office/drawing/2014/main" id="{564483B0-9915-433D-8810-9E3B07994EA9}"/>
+              </a:ext>
+            </a:extLst>
+          </p:cNvPr>
+          <p:cNvSpPr txBox="1"/>
+          <p:nvPr/>
+        </p:nvSpPr>
+        <p:spPr>
+          <a:xfrm>
+            <a:off x="6730267" y="909694"/>
+            <a:ext cx="5274129" cy="369332"/>
+          </a:xfrm>
+          <a:prstGeom prst="rect">
+            <a:avLst/>
+          </a:prstGeom>
+          <a:noFill/>
+        </p:spPr>
+        <p:txBody>
+          <a:bodyPr wrap="square" rtlCol="0">
+            <a:spAutoFit/>
+          </a:bodyPr>
+          <a:lstStyle/>
+          <a:p>
+            <a:r>
+              <a:rPr lang="en-NZ" b="1" dirty="0"/>
+              <a:t>V2 Code</a:t>
+            </a:r>
+          </a:p>
+        </p:txBody>
+      </p:sp>
+      <p:sp>
+        <p:nvSpPr>
+          <p:cNvPr id="31" name="TextBox 30">
+            <a:extLst>
+              <a:ext uri="{FF2B5EF4-FFF2-40B4-BE49-F238E27FC236}">
+                <a16:creationId xmlns:a16="http://schemas.microsoft.com/office/drawing/2014/main" id="{2FAF4B17-426A-4F82-BCDE-37CC593F2534}"/>
+              </a:ext>
+            </a:extLst>
+          </p:cNvPr>
+          <p:cNvSpPr txBox="1"/>
+          <p:nvPr/>
+        </p:nvSpPr>
+        <p:spPr>
+          <a:xfrm>
+            <a:off x="547604" y="5162831"/>
+            <a:ext cx="5274129" cy="1200329"/>
+          </a:xfrm>
+          <a:prstGeom prst="rect">
+            <a:avLst/>
+          </a:prstGeom>
+          <a:noFill/>
+        </p:spPr>
+        <p:txBody>
+          <a:bodyPr wrap="square" rtlCol="0">
+            <a:spAutoFit/>
+          </a:bodyPr>
+          <a:lstStyle/>
+          <a:p>
+            <a:r>
+              <a:rPr lang="en-NZ" b="1" dirty="0"/>
+              <a:t>This code uses less code to run and is also easily adaptable. But because the code is not based off a while loop it will only have the option to run for 2 rounds. This is why this code has not been chosen.</a:t>
+            </a:r>
+          </a:p>
+        </p:txBody>
+      </p:sp>
+      <p:pic>
+        <p:nvPicPr>
+          <p:cNvPr id="3" name="Picture 2">
+            <a:extLst>
+              <a:ext uri="{FF2B5EF4-FFF2-40B4-BE49-F238E27FC236}">
+                <a16:creationId xmlns:a16="http://schemas.microsoft.com/office/drawing/2014/main" id="{D5FFEA51-1C60-4C80-B0D2-099B41DCBBD0}"/>
+              </a:ext>
+            </a:extLst>
+          </p:cNvPr>
+          <p:cNvPicPr>
+            <a:picLocks noChangeAspect="1"/>
+          </p:cNvPicPr>
+          <p:nvPr/>
+        </p:nvPicPr>
+        <p:blipFill>
+          <a:blip r:embed="rId3"/>
+          <a:stretch>
+            <a:fillRect/>
+          </a:stretch>
+        </p:blipFill>
+        <p:spPr>
+          <a:xfrm>
+            <a:off x="5954768" y="1446927"/>
+            <a:ext cx="6212085" cy="1383689"/>
+          </a:xfrm>
+          <a:prstGeom prst="rect">
+            <a:avLst/>
+          </a:prstGeom>
+        </p:spPr>
+      </p:pic>
+      <p:pic>
+        <p:nvPicPr>
+          <p:cNvPr id="6" name="Picture 5">
+            <a:extLst>
+              <a:ext uri="{FF2B5EF4-FFF2-40B4-BE49-F238E27FC236}">
+                <a16:creationId xmlns:a16="http://schemas.microsoft.com/office/drawing/2014/main" id="{8785C604-5831-43B8-85C9-5C7BAA6F5180}"/>
+              </a:ext>
+            </a:extLst>
+          </p:cNvPr>
+          <p:cNvPicPr>
+            <a:picLocks noChangeAspect="1"/>
+          </p:cNvPicPr>
+          <p:nvPr/>
+        </p:nvPicPr>
+        <p:blipFill>
+          <a:blip r:embed="rId4"/>
+          <a:stretch>
+            <a:fillRect/>
+          </a:stretch>
+        </p:blipFill>
+        <p:spPr>
+          <a:xfrm>
+            <a:off x="547604" y="1577005"/>
+            <a:ext cx="4461842" cy="1383689"/>
+          </a:xfrm>
+          <a:prstGeom prst="rect">
+            <a:avLst/>
+          </a:prstGeom>
+        </p:spPr>
+      </p:pic>
+      <p:pic>
+        <p:nvPicPr>
+          <p:cNvPr id="9" name="Picture 8">
+            <a:extLst>
+              <a:ext uri="{FF2B5EF4-FFF2-40B4-BE49-F238E27FC236}">
+                <a16:creationId xmlns:a16="http://schemas.microsoft.com/office/drawing/2014/main" id="{7386C7C7-D4CB-4AA0-84CB-A9CA1C755938}"/>
+              </a:ext>
+            </a:extLst>
+          </p:cNvPr>
+          <p:cNvPicPr>
+            <a:picLocks noChangeAspect="1"/>
+          </p:cNvPicPr>
+          <p:nvPr/>
+        </p:nvPicPr>
+        <p:blipFill>
+          <a:blip r:embed="rId5"/>
+          <a:stretch>
+            <a:fillRect/>
+          </a:stretch>
+        </p:blipFill>
+        <p:spPr>
+          <a:xfrm>
+            <a:off x="415600" y="2960694"/>
+            <a:ext cx="5392953" cy="1631626"/>
+          </a:xfrm>
+          <a:prstGeom prst="rect">
+            <a:avLst/>
+          </a:prstGeom>
+        </p:spPr>
+      </p:pic>
+    </p:spTree>
+    <p:extLst>
+      <p:ext uri="{BB962C8B-B14F-4D97-AF65-F5344CB8AC3E}">
+        <p14:creationId xmlns:p14="http://schemas.microsoft.com/office/powerpoint/2010/main" val="90095012"/>
+      </p:ext>
+    </p:extLst>
+  </p:cSld>
+  <p:clrMapOvr>
+    <a:masterClrMapping/>
+  </p:clrMapOvr>
+</p:sld>
+</file>
+
+<file path=ppt/slides/slide25.xml><?xml version="1.0" encoding="utf-8"?>
 <p:sld xmlns:a="http://schemas.openxmlformats.org/drawingml/2006/main" xmlns:r="http://schemas.openxmlformats.org/officeDocument/2006/relationships" xmlns:p="http://schemas.openxmlformats.org/presentationml/2006/main">
   <p:cSld>
     <p:spTree>
@@ -21372,7 +22051,7 @@
 </p:sld>
 </file>
 
-<file path=ppt/slides/slide25.xml><?xml version="1.0" encoding="utf-8"?>
+<file path=ppt/slides/slide26.xml><?xml version="1.0" encoding="utf-8"?>
 <p:sld xmlns:a="http://schemas.openxmlformats.org/drawingml/2006/main" xmlns:r="http://schemas.openxmlformats.org/officeDocument/2006/relationships" xmlns:p="http://schemas.openxmlformats.org/presentationml/2006/main">
   <p:cSld>
     <p:spTree>
@@ -21503,7 +22182,7 @@
 </p:sld>
 </file>
 
-<file path=ppt/slides/slide26.xml><?xml version="1.0" encoding="utf-8"?>
+<file path=ppt/slides/slide27.xml><?xml version="1.0" encoding="utf-8"?>
 <p:sld xmlns:a="http://schemas.openxmlformats.org/drawingml/2006/main" xmlns:r="http://schemas.openxmlformats.org/officeDocument/2006/relationships" xmlns:p="http://schemas.openxmlformats.org/presentationml/2006/main">
   <p:cSld>
     <p:spTree>
@@ -22144,7 +22823,7 @@
 </p:sld>
 </file>
 
-<file path=ppt/slides/slide27.xml><?xml version="1.0" encoding="utf-8"?>
+<file path=ppt/slides/slide28.xml><?xml version="1.0" encoding="utf-8"?>
 <p:sld xmlns:a="http://schemas.openxmlformats.org/drawingml/2006/main" xmlns:r="http://schemas.openxmlformats.org/officeDocument/2006/relationships" xmlns:p="http://schemas.openxmlformats.org/presentationml/2006/main">
   <p:cSld>
     <p:spTree>
@@ -22272,7 +22951,7 @@
 </p:sld>
 </file>
 
-<file path=ppt/slides/slide28.xml><?xml version="1.0" encoding="utf-8"?>
+<file path=ppt/slides/slide29.xml><?xml version="1.0" encoding="utf-8"?>
 <p:sld xmlns:a="http://schemas.openxmlformats.org/drawingml/2006/main" xmlns:r="http://schemas.openxmlformats.org/officeDocument/2006/relationships" xmlns:p="http://schemas.openxmlformats.org/presentationml/2006/main">
   <p:cSld>
     <p:spTree>
@@ -22329,7 +23008,7 @@
           <p:nvPr>
             <p:extLst>
               <p:ext uri="{D42A27DB-BD31-4B8C-83A1-F6EECF244321}">
-                <p14:modId xmlns:p14="http://schemas.microsoft.com/office/powerpoint/2010/main" val="896637277"/>
+                <p14:modId xmlns:p14="http://schemas.microsoft.com/office/powerpoint/2010/main" val="3461293700"/>
               </p:ext>
             </p:extLst>
           </p:nvPr>
@@ -22573,84 +23252,8 @@
                         <a:buNone/>
                       </a:pPr>
                       <a:r>
-                        <a:rPr lang="en-NZ" sz="2400" dirty="0"/>
-                        <a:t>Enter amount to play with</a:t>
-                      </a:r>
-                    </a:p>
-                    <a:p>
-                      <a:pPr marL="0" lvl="0" indent="0" algn="l" rtl="0">
-                        <a:spcBef>
-                          <a:spcPts val="0"/>
-                        </a:spcBef>
-                        <a:spcAft>
-                          <a:spcPts val="0"/>
-                        </a:spcAft>
-                        <a:buNone/>
-                      </a:pPr>
-                      <a:r>
-                        <a:rPr lang="en-NZ" sz="2400" dirty="0" err="1"/>
-                        <a:t>Xiii</a:t>
-                      </a:r>
-                      <a:endParaRPr lang="en-NZ" sz="2400" dirty="0"/>
-                    </a:p>
-                    <a:p>
-                      <a:pPr marL="0" lvl="0" indent="0" algn="l" rtl="0">
-                        <a:spcBef>
-                          <a:spcPts val="0"/>
-                        </a:spcBef>
-                        <a:spcAft>
-                          <a:spcPts val="0"/>
-                        </a:spcAft>
-                        <a:buNone/>
-                      </a:pPr>
-                      <a:r>
-                        <a:rPr lang="en-NZ" sz="2400" dirty="0"/>
-                        <a:t>o.5</a:t>
-                      </a:r>
-                    </a:p>
-                    <a:p>
-                      <a:pPr marL="0" lvl="0" indent="0" algn="l" rtl="0">
-                        <a:spcBef>
-                          <a:spcPts val="0"/>
-                        </a:spcBef>
-                        <a:spcAft>
-                          <a:spcPts val="0"/>
-                        </a:spcAft>
-                        <a:buNone/>
-                      </a:pPr>
-                      <a:r>
-                        <a:rPr lang="en-NZ" sz="2400" dirty="0"/>
-                        <a:t>0</a:t>
-                      </a:r>
-                    </a:p>
-                    <a:p>
-                      <a:pPr marL="0" lvl="0" indent="0" algn="l" rtl="0">
-                        <a:spcBef>
-                          <a:spcPts val="0"/>
-                        </a:spcBef>
-                        <a:spcAft>
-                          <a:spcPts val="0"/>
-                        </a:spcAft>
-                        <a:buNone/>
-                      </a:pPr>
-                      <a:r>
-                        <a:rPr lang="en-NZ" sz="2400" dirty="0"/>
-                        <a:t>11</a:t>
-                      </a:r>
-                    </a:p>
-                    <a:p>
-                      <a:pPr marL="0" lvl="0" indent="0" algn="l" rtl="0">
-                        <a:spcBef>
-                          <a:spcPts val="0"/>
-                        </a:spcBef>
-                        <a:spcAft>
-                          <a:spcPts val="0"/>
-                        </a:spcAft>
-                        <a:buNone/>
-                      </a:pPr>
-                      <a:r>
-                        <a:rPr lang="en-NZ" sz="2400" dirty="0"/>
-                        <a:t>1</a:t>
+                        <a:rPr lang="en-NZ" sz="2400"/>
+                        <a:t>Run program</a:t>
                       </a:r>
                       <a:endParaRPr sz="2400" dirty="0"/>
                     </a:p>
@@ -22822,7 +23425,329 @@
 </p:sld>
 </file>
 
-<file path=ppt/slides/slide29.xml><?xml version="1.0" encoding="utf-8"?>
+<file path=ppt/slides/slide3.xml><?xml version="1.0" encoding="utf-8"?>
+<p:sld xmlns:a="http://schemas.openxmlformats.org/drawingml/2006/main" xmlns:r="http://schemas.openxmlformats.org/officeDocument/2006/relationships" xmlns:p="http://schemas.openxmlformats.org/presentationml/2006/main">
+  <p:cSld>
+    <p:spTree>
+      <p:nvGrpSpPr>
+        <p:cNvPr id="1" name=""/>
+        <p:cNvGrpSpPr/>
+        <p:nvPr/>
+      </p:nvGrpSpPr>
+      <p:grpSpPr>
+        <a:xfrm>
+          <a:off x="0" y="0"/>
+          <a:ext cx="0" cy="0"/>
+          <a:chOff x="0" y="0"/>
+          <a:chExt cx="0" cy="0"/>
+        </a:xfrm>
+      </p:grpSpPr>
+      <p:sp>
+        <p:nvSpPr>
+          <p:cNvPr id="2" name="Title 1">
+            <a:extLst>
+              <a:ext uri="{FF2B5EF4-FFF2-40B4-BE49-F238E27FC236}">
+                <a16:creationId xmlns:a16="http://schemas.microsoft.com/office/drawing/2014/main" id="{0D168B5A-EFF4-4803-8DA6-5994B306EBAF}"/>
+              </a:ext>
+            </a:extLst>
+          </p:cNvPr>
+          <p:cNvSpPr>
+            <a:spLocks noGrp="1"/>
+          </p:cNvSpPr>
+          <p:nvPr>
+            <p:ph type="title"/>
+          </p:nvPr>
+        </p:nvSpPr>
+        <p:spPr>
+          <a:xfrm>
+            <a:off x="838200" y="365125"/>
+            <a:ext cx="10515600" cy="559435"/>
+          </a:xfrm>
+        </p:spPr>
+        <p:txBody>
+          <a:bodyPr>
+            <a:normAutofit fontScale="90000"/>
+          </a:bodyPr>
+          <a:lstStyle/>
+          <a:p>
+            <a:pPr>
+              <a:lnSpc>
+                <a:spcPct val="115000"/>
+              </a:lnSpc>
+              <a:spcAft>
+                <a:spcPts val="0"/>
+              </a:spcAft>
+            </a:pPr>
+            <a:r>
+              <a:rPr lang="en-NZ" dirty="0"/>
+              <a:t>Describe relevant Implications:</a:t>
+            </a:r>
+          </a:p>
+        </p:txBody>
+      </p:sp>
+      <p:sp>
+        <p:nvSpPr>
+          <p:cNvPr id="5" name="Rectangle 4">
+            <a:extLst>
+              <a:ext uri="{FF2B5EF4-FFF2-40B4-BE49-F238E27FC236}">
+                <a16:creationId xmlns:a16="http://schemas.microsoft.com/office/drawing/2014/main" id="{ACAE53BB-FF7D-43E7-AF26-E5A3D9A837CF}"/>
+              </a:ext>
+            </a:extLst>
+          </p:cNvPr>
+          <p:cNvSpPr/>
+          <p:nvPr/>
+        </p:nvSpPr>
+        <p:spPr>
+          <a:xfrm>
+            <a:off x="726440" y="1028343"/>
+            <a:ext cx="9999846" cy="369332"/>
+          </a:xfrm>
+          <a:prstGeom prst="rect">
+            <a:avLst/>
+          </a:prstGeom>
+        </p:spPr>
+        <p:txBody>
+          <a:bodyPr wrap="square">
+            <a:spAutoFit/>
+          </a:bodyPr>
+          <a:lstStyle/>
+          <a:p>
+            <a:pPr marL="0" marR="0" lvl="0" indent="0" algn="l" defTabSz="914400" rtl="0" eaLnBrk="1" fontAlgn="auto" latinLnBrk="0" hangingPunct="1">
+              <a:lnSpc>
+                <a:spcPct val="100000"/>
+              </a:lnSpc>
+              <a:spcBef>
+                <a:spcPts val="0"/>
+              </a:spcBef>
+              <a:spcAft>
+                <a:spcPts val="0"/>
+              </a:spcAft>
+              <a:buClrTx/>
+              <a:buSzTx/>
+              <a:buFontTx/>
+              <a:buNone/>
+              <a:tabLst/>
+              <a:defRPr/>
+            </a:pPr>
+            <a:r>
+              <a:rPr lang="en-NZ" i="1" dirty="0"/>
+              <a:t>Additional rows can be added by clicking in the last cell and then using the Tab key </a:t>
+            </a:r>
+          </a:p>
+        </p:txBody>
+      </p:sp>
+      <p:graphicFrame>
+        <p:nvGraphicFramePr>
+          <p:cNvPr id="6" name="Table 4">
+            <a:extLst>
+              <a:ext uri="{FF2B5EF4-FFF2-40B4-BE49-F238E27FC236}">
+                <a16:creationId xmlns:a16="http://schemas.microsoft.com/office/drawing/2014/main" id="{A02ECB3F-5E1A-4602-8844-49609D54ADF8}"/>
+              </a:ext>
+            </a:extLst>
+          </p:cNvPr>
+          <p:cNvGraphicFramePr>
+            <a:graphicFrameLocks noGrp="1"/>
+          </p:cNvGraphicFramePr>
+          <p:nvPr>
+            <p:extLst>
+              <p:ext uri="{D42A27DB-BD31-4B8C-83A1-F6EECF244321}">
+                <p14:modId xmlns:p14="http://schemas.microsoft.com/office/powerpoint/2010/main" val="1648609359"/>
+              </p:ext>
+            </p:extLst>
+          </p:nvPr>
+        </p:nvGraphicFramePr>
+        <p:xfrm>
+          <a:off x="589280" y="1574800"/>
+          <a:ext cx="10515600" cy="3022600"/>
+        </p:xfrm>
+        <a:graphic>
+          <a:graphicData uri="http://schemas.openxmlformats.org/drawingml/2006/table">
+            <a:tbl>
+              <a:tblPr firstRow="1" bandRow="1">
+                <a:tableStyleId>{5C22544A-7EE6-4342-B048-85BDC9FD1C3A}</a:tableStyleId>
+              </a:tblPr>
+              <a:tblGrid>
+                <a:gridCol w="4017753">
+                  <a:extLst>
+                    <a:ext uri="{9D8B030D-6E8A-4147-A177-3AD203B41FA5}">
+                      <a16:colId xmlns:a16="http://schemas.microsoft.com/office/drawing/2014/main" val="2849256304"/>
+                    </a:ext>
+                  </a:extLst>
+                </a:gridCol>
+                <a:gridCol w="6497847">
+                  <a:extLst>
+                    <a:ext uri="{9D8B030D-6E8A-4147-A177-3AD203B41FA5}">
+                      <a16:colId xmlns:a16="http://schemas.microsoft.com/office/drawing/2014/main" val="2106481727"/>
+                    </a:ext>
+                  </a:extLst>
+                </a:gridCol>
+              </a:tblGrid>
+              <a:tr h="370840">
+                <a:tc>
+                  <a:txBody>
+                    <a:bodyPr/>
+                    <a:lstStyle/>
+                    <a:p>
+                      <a:r>
+                        <a:rPr lang="en-NZ" dirty="0"/>
+                        <a:t>Relevant implication</a:t>
+                      </a:r>
+                    </a:p>
+                  </a:txBody>
+                  <a:tcPr/>
+                </a:tc>
+                <a:tc>
+                  <a:txBody>
+                    <a:bodyPr/>
+                    <a:lstStyle/>
+                    <a:p>
+                      <a:r>
+                        <a:rPr lang="en-NZ" dirty="0"/>
+                        <a:t>Describe the implication and give an example</a:t>
+                      </a:r>
+                    </a:p>
+                  </a:txBody>
+                  <a:tcPr/>
+                </a:tc>
+                <a:extLst>
+                  <a:ext uri="{0D108BD9-81ED-4DB2-BD59-A6C34878D82A}">
+                    <a16:rowId xmlns:a16="http://schemas.microsoft.com/office/drawing/2014/main" val="2286542890"/>
+                  </a:ext>
+                </a:extLst>
+              </a:tr>
+              <a:tr h="370840">
+                <a:tc>
+                  <a:txBody>
+                    <a:bodyPr/>
+                    <a:lstStyle/>
+                    <a:p>
+                      <a:pPr algn="l" fontAlgn="base"/>
+                      <a:r>
+                        <a:rPr lang="en-NZ" b="0" dirty="0">
+                          <a:effectLst/>
+                          <a:latin typeface="inherit"/>
+                        </a:rPr>
+                        <a:t>Social</a:t>
+                      </a:r>
+                      <a:r>
+                        <a:rPr lang="en-NZ" b="0" dirty="0">
+                          <a:effectLst/>
+                          <a:latin typeface="Calibri" panose="020F0502020204030204" pitchFamily="34" charset="0"/>
+                        </a:rPr>
+                        <a:t>​</a:t>
+                      </a:r>
+                      <a:endParaRPr lang="en-NZ" b="0" dirty="0">
+                        <a:effectLst/>
+                      </a:endParaRPr>
+                    </a:p>
+                  </a:txBody>
+                  <a:tcPr/>
+                </a:tc>
+                <a:tc>
+                  <a:txBody>
+                    <a:bodyPr/>
+                    <a:lstStyle/>
+                    <a:p>
+                      <a:pPr algn="l" fontAlgn="base"/>
+                      <a:r>
+                        <a:rPr lang="en-US" b="0" dirty="0">
+                          <a:effectLst/>
+                          <a:latin typeface="inherit"/>
+                        </a:rPr>
+                        <a:t>Social implications are about the affect a computer program might have on users, the wider community, and society overall. For example, programs about gambling would be negative. Use clear instructions, and inoffensive feedback.</a:t>
+                      </a:r>
+                      <a:r>
+                        <a:rPr lang="en-US" b="0" dirty="0">
+                          <a:effectLst/>
+                          <a:latin typeface="Calibri" panose="020F0502020204030204" pitchFamily="34" charset="0"/>
+                        </a:rPr>
+                        <a:t>​</a:t>
+                      </a:r>
+                      <a:endParaRPr lang="en-US" b="0" dirty="0">
+                        <a:effectLst/>
+                      </a:endParaRPr>
+                    </a:p>
+                  </a:txBody>
+                  <a:tcPr/>
+                </a:tc>
+                <a:extLst>
+                  <a:ext uri="{0D108BD9-81ED-4DB2-BD59-A6C34878D82A}">
+                    <a16:rowId xmlns:a16="http://schemas.microsoft.com/office/drawing/2014/main" val="1830660943"/>
+                  </a:ext>
+                </a:extLst>
+              </a:tr>
+              <a:tr h="370840">
+                <a:tc>
+                  <a:txBody>
+                    <a:bodyPr/>
+                    <a:lstStyle/>
+                    <a:p>
+                      <a:pPr algn="l" fontAlgn="base"/>
+                      <a:r>
+                        <a:rPr lang="en-NZ" b="0">
+                          <a:effectLst/>
+                          <a:latin typeface="inherit"/>
+                        </a:rPr>
+                        <a:t>Future Proofing</a:t>
+                      </a:r>
+                      <a:r>
+                        <a:rPr lang="en-NZ" b="0">
+                          <a:effectLst/>
+                          <a:latin typeface="Calibri" panose="020F0502020204030204" pitchFamily="34" charset="0"/>
+                        </a:rPr>
+                        <a:t>​</a:t>
+                      </a:r>
+                      <a:endParaRPr lang="en-NZ" b="0">
+                        <a:effectLst/>
+                      </a:endParaRPr>
+                    </a:p>
+                  </a:txBody>
+                  <a:tcPr/>
+                </a:tc>
+                <a:tc>
+                  <a:txBody>
+                    <a:bodyPr/>
+                    <a:lstStyle/>
+                    <a:p>
+                      <a:pPr algn="l" fontAlgn="base"/>
+                      <a:r>
+                        <a:rPr lang="en-US" b="0" dirty="0">
+                          <a:effectLst/>
+                          <a:latin typeface="inherit"/>
+                        </a:rPr>
+                        <a:t>Future proofing makes sure a program is flexible, adaptable, and easily modified. A programmer should be able to easily make changes, if it is well set out and commented. They should understand the purpose and reasoning behind the code. It is important to use constants rather than literals.</a:t>
+                      </a:r>
+                      <a:endParaRPr lang="en-US" b="0" dirty="0">
+                        <a:effectLst/>
+                      </a:endParaRPr>
+                    </a:p>
+                  </a:txBody>
+                  <a:tcPr/>
+                </a:tc>
+                <a:extLst>
+                  <a:ext uri="{0D108BD9-81ED-4DB2-BD59-A6C34878D82A}">
+                    <a16:rowId xmlns:a16="http://schemas.microsoft.com/office/drawing/2014/main" val="1038612699"/>
+                  </a:ext>
+                </a:extLst>
+              </a:tr>
+            </a:tbl>
+          </a:graphicData>
+        </a:graphic>
+      </p:graphicFrame>
+    </p:spTree>
+    <p:extLst>
+      <p:ext uri="{BB962C8B-B14F-4D97-AF65-F5344CB8AC3E}">
+        <p14:creationId xmlns:p14="http://schemas.microsoft.com/office/powerpoint/2010/main" val="975627948"/>
+      </p:ext>
+    </p:extLst>
+  </p:cSld>
+  <p:clrMapOvr>
+    <a:masterClrMapping/>
+  </p:clrMapOvr>
+</p:sld>
+</file>
+
+<file path=ppt/slides/slide30.xml><?xml version="1.0" encoding="utf-8"?>
 <p:sld xmlns:a="http://schemas.openxmlformats.org/drawingml/2006/main" xmlns:r="http://schemas.openxmlformats.org/officeDocument/2006/relationships" xmlns:p="http://schemas.openxmlformats.org/presentationml/2006/main">
   <p:cSld>
     <p:spTree>
@@ -23339,329 +24264,7 @@
 </p:sld>
 </file>
 
-<file path=ppt/slides/slide3.xml><?xml version="1.0" encoding="utf-8"?>
-<p:sld xmlns:a="http://schemas.openxmlformats.org/drawingml/2006/main" xmlns:r="http://schemas.openxmlformats.org/officeDocument/2006/relationships" xmlns:p="http://schemas.openxmlformats.org/presentationml/2006/main">
-  <p:cSld>
-    <p:spTree>
-      <p:nvGrpSpPr>
-        <p:cNvPr id="1" name=""/>
-        <p:cNvGrpSpPr/>
-        <p:nvPr/>
-      </p:nvGrpSpPr>
-      <p:grpSpPr>
-        <a:xfrm>
-          <a:off x="0" y="0"/>
-          <a:ext cx="0" cy="0"/>
-          <a:chOff x="0" y="0"/>
-          <a:chExt cx="0" cy="0"/>
-        </a:xfrm>
-      </p:grpSpPr>
-      <p:sp>
-        <p:nvSpPr>
-          <p:cNvPr id="2" name="Title 1">
-            <a:extLst>
-              <a:ext uri="{FF2B5EF4-FFF2-40B4-BE49-F238E27FC236}">
-                <a16:creationId xmlns:a16="http://schemas.microsoft.com/office/drawing/2014/main" id="{0D168B5A-EFF4-4803-8DA6-5994B306EBAF}"/>
-              </a:ext>
-            </a:extLst>
-          </p:cNvPr>
-          <p:cNvSpPr>
-            <a:spLocks noGrp="1"/>
-          </p:cNvSpPr>
-          <p:nvPr>
-            <p:ph type="title"/>
-          </p:nvPr>
-        </p:nvSpPr>
-        <p:spPr>
-          <a:xfrm>
-            <a:off x="838200" y="365125"/>
-            <a:ext cx="10515600" cy="559435"/>
-          </a:xfrm>
-        </p:spPr>
-        <p:txBody>
-          <a:bodyPr>
-            <a:normAutofit fontScale="90000"/>
-          </a:bodyPr>
-          <a:lstStyle/>
-          <a:p>
-            <a:pPr>
-              <a:lnSpc>
-                <a:spcPct val="115000"/>
-              </a:lnSpc>
-              <a:spcAft>
-                <a:spcPts val="0"/>
-              </a:spcAft>
-            </a:pPr>
-            <a:r>
-              <a:rPr lang="en-NZ" dirty="0"/>
-              <a:t>Describe relevant Implications:</a:t>
-            </a:r>
-          </a:p>
-        </p:txBody>
-      </p:sp>
-      <p:sp>
-        <p:nvSpPr>
-          <p:cNvPr id="5" name="Rectangle 4">
-            <a:extLst>
-              <a:ext uri="{FF2B5EF4-FFF2-40B4-BE49-F238E27FC236}">
-                <a16:creationId xmlns:a16="http://schemas.microsoft.com/office/drawing/2014/main" id="{ACAE53BB-FF7D-43E7-AF26-E5A3D9A837CF}"/>
-              </a:ext>
-            </a:extLst>
-          </p:cNvPr>
-          <p:cNvSpPr/>
-          <p:nvPr/>
-        </p:nvSpPr>
-        <p:spPr>
-          <a:xfrm>
-            <a:off x="726440" y="1028343"/>
-            <a:ext cx="9999846" cy="369332"/>
-          </a:xfrm>
-          <a:prstGeom prst="rect">
-            <a:avLst/>
-          </a:prstGeom>
-        </p:spPr>
-        <p:txBody>
-          <a:bodyPr wrap="square">
-            <a:spAutoFit/>
-          </a:bodyPr>
-          <a:lstStyle/>
-          <a:p>
-            <a:pPr marL="0" marR="0" lvl="0" indent="0" algn="l" defTabSz="914400" rtl="0" eaLnBrk="1" fontAlgn="auto" latinLnBrk="0" hangingPunct="1">
-              <a:lnSpc>
-                <a:spcPct val="100000"/>
-              </a:lnSpc>
-              <a:spcBef>
-                <a:spcPts val="0"/>
-              </a:spcBef>
-              <a:spcAft>
-                <a:spcPts val="0"/>
-              </a:spcAft>
-              <a:buClrTx/>
-              <a:buSzTx/>
-              <a:buFontTx/>
-              <a:buNone/>
-              <a:tabLst/>
-              <a:defRPr/>
-            </a:pPr>
-            <a:r>
-              <a:rPr lang="en-NZ" i="1" dirty="0"/>
-              <a:t>Additional rows can be added by clicking in the last cell and then using the Tab key </a:t>
-            </a:r>
-          </a:p>
-        </p:txBody>
-      </p:sp>
-      <p:graphicFrame>
-        <p:nvGraphicFramePr>
-          <p:cNvPr id="6" name="Table 4">
-            <a:extLst>
-              <a:ext uri="{FF2B5EF4-FFF2-40B4-BE49-F238E27FC236}">
-                <a16:creationId xmlns:a16="http://schemas.microsoft.com/office/drawing/2014/main" id="{A02ECB3F-5E1A-4602-8844-49609D54ADF8}"/>
-              </a:ext>
-            </a:extLst>
-          </p:cNvPr>
-          <p:cNvGraphicFramePr>
-            <a:graphicFrameLocks noGrp="1"/>
-          </p:cNvGraphicFramePr>
-          <p:nvPr>
-            <p:extLst>
-              <p:ext uri="{D42A27DB-BD31-4B8C-83A1-F6EECF244321}">
-                <p14:modId xmlns:p14="http://schemas.microsoft.com/office/powerpoint/2010/main" val="1648609359"/>
-              </p:ext>
-            </p:extLst>
-          </p:nvPr>
-        </p:nvGraphicFramePr>
-        <p:xfrm>
-          <a:off x="589280" y="1574800"/>
-          <a:ext cx="10515600" cy="3022600"/>
-        </p:xfrm>
-        <a:graphic>
-          <a:graphicData uri="http://schemas.openxmlformats.org/drawingml/2006/table">
-            <a:tbl>
-              <a:tblPr firstRow="1" bandRow="1">
-                <a:tableStyleId>{5C22544A-7EE6-4342-B048-85BDC9FD1C3A}</a:tableStyleId>
-              </a:tblPr>
-              <a:tblGrid>
-                <a:gridCol w="4017753">
-                  <a:extLst>
-                    <a:ext uri="{9D8B030D-6E8A-4147-A177-3AD203B41FA5}">
-                      <a16:colId xmlns:a16="http://schemas.microsoft.com/office/drawing/2014/main" val="2849256304"/>
-                    </a:ext>
-                  </a:extLst>
-                </a:gridCol>
-                <a:gridCol w="6497847">
-                  <a:extLst>
-                    <a:ext uri="{9D8B030D-6E8A-4147-A177-3AD203B41FA5}">
-                      <a16:colId xmlns:a16="http://schemas.microsoft.com/office/drawing/2014/main" val="2106481727"/>
-                    </a:ext>
-                  </a:extLst>
-                </a:gridCol>
-              </a:tblGrid>
-              <a:tr h="370840">
-                <a:tc>
-                  <a:txBody>
-                    <a:bodyPr/>
-                    <a:lstStyle/>
-                    <a:p>
-                      <a:r>
-                        <a:rPr lang="en-NZ" dirty="0"/>
-                        <a:t>Relevant implication</a:t>
-                      </a:r>
-                    </a:p>
-                  </a:txBody>
-                  <a:tcPr/>
-                </a:tc>
-                <a:tc>
-                  <a:txBody>
-                    <a:bodyPr/>
-                    <a:lstStyle/>
-                    <a:p>
-                      <a:r>
-                        <a:rPr lang="en-NZ" dirty="0"/>
-                        <a:t>Describe the implication and give an example</a:t>
-                      </a:r>
-                    </a:p>
-                  </a:txBody>
-                  <a:tcPr/>
-                </a:tc>
-                <a:extLst>
-                  <a:ext uri="{0D108BD9-81ED-4DB2-BD59-A6C34878D82A}">
-                    <a16:rowId xmlns:a16="http://schemas.microsoft.com/office/drawing/2014/main" val="2286542890"/>
-                  </a:ext>
-                </a:extLst>
-              </a:tr>
-              <a:tr h="370840">
-                <a:tc>
-                  <a:txBody>
-                    <a:bodyPr/>
-                    <a:lstStyle/>
-                    <a:p>
-                      <a:pPr algn="l" fontAlgn="base"/>
-                      <a:r>
-                        <a:rPr lang="en-NZ" b="0" dirty="0">
-                          <a:effectLst/>
-                          <a:latin typeface="inherit"/>
-                        </a:rPr>
-                        <a:t>Social</a:t>
-                      </a:r>
-                      <a:r>
-                        <a:rPr lang="en-NZ" b="0" dirty="0">
-                          <a:effectLst/>
-                          <a:latin typeface="Calibri" panose="020F0502020204030204" pitchFamily="34" charset="0"/>
-                        </a:rPr>
-                        <a:t>​</a:t>
-                      </a:r>
-                      <a:endParaRPr lang="en-NZ" b="0" dirty="0">
-                        <a:effectLst/>
-                      </a:endParaRPr>
-                    </a:p>
-                  </a:txBody>
-                  <a:tcPr/>
-                </a:tc>
-                <a:tc>
-                  <a:txBody>
-                    <a:bodyPr/>
-                    <a:lstStyle/>
-                    <a:p>
-                      <a:pPr algn="l" fontAlgn="base"/>
-                      <a:r>
-                        <a:rPr lang="en-US" b="0" dirty="0">
-                          <a:effectLst/>
-                          <a:latin typeface="inherit"/>
-                        </a:rPr>
-                        <a:t>Social implications are about the affect a computer program might have on users, the wider community, and society overall. For example, programs about gambling would be negative. Use clear instructions, and inoffensive feedback.</a:t>
-                      </a:r>
-                      <a:r>
-                        <a:rPr lang="en-US" b="0" dirty="0">
-                          <a:effectLst/>
-                          <a:latin typeface="Calibri" panose="020F0502020204030204" pitchFamily="34" charset="0"/>
-                        </a:rPr>
-                        <a:t>​</a:t>
-                      </a:r>
-                      <a:endParaRPr lang="en-US" b="0" dirty="0">
-                        <a:effectLst/>
-                      </a:endParaRPr>
-                    </a:p>
-                  </a:txBody>
-                  <a:tcPr/>
-                </a:tc>
-                <a:extLst>
-                  <a:ext uri="{0D108BD9-81ED-4DB2-BD59-A6C34878D82A}">
-                    <a16:rowId xmlns:a16="http://schemas.microsoft.com/office/drawing/2014/main" val="1830660943"/>
-                  </a:ext>
-                </a:extLst>
-              </a:tr>
-              <a:tr h="370840">
-                <a:tc>
-                  <a:txBody>
-                    <a:bodyPr/>
-                    <a:lstStyle/>
-                    <a:p>
-                      <a:pPr algn="l" fontAlgn="base"/>
-                      <a:r>
-                        <a:rPr lang="en-NZ" b="0">
-                          <a:effectLst/>
-                          <a:latin typeface="inherit"/>
-                        </a:rPr>
-                        <a:t>Future Proofing</a:t>
-                      </a:r>
-                      <a:r>
-                        <a:rPr lang="en-NZ" b="0">
-                          <a:effectLst/>
-                          <a:latin typeface="Calibri" panose="020F0502020204030204" pitchFamily="34" charset="0"/>
-                        </a:rPr>
-                        <a:t>​</a:t>
-                      </a:r>
-                      <a:endParaRPr lang="en-NZ" b="0">
-                        <a:effectLst/>
-                      </a:endParaRPr>
-                    </a:p>
-                  </a:txBody>
-                  <a:tcPr/>
-                </a:tc>
-                <a:tc>
-                  <a:txBody>
-                    <a:bodyPr/>
-                    <a:lstStyle/>
-                    <a:p>
-                      <a:pPr algn="l" fontAlgn="base"/>
-                      <a:r>
-                        <a:rPr lang="en-US" b="0" dirty="0">
-                          <a:effectLst/>
-                          <a:latin typeface="inherit"/>
-                        </a:rPr>
-                        <a:t>Future proofing makes sure a program is flexible, adaptable, and easily modified. A programmer should be able to easily make changes, if it is well set out and commented. They should understand the purpose and reasoning behind the code. It is important to use constants rather than literals.</a:t>
-                      </a:r>
-                      <a:endParaRPr lang="en-US" b="0" dirty="0">
-                        <a:effectLst/>
-                      </a:endParaRPr>
-                    </a:p>
-                  </a:txBody>
-                  <a:tcPr/>
-                </a:tc>
-                <a:extLst>
-                  <a:ext uri="{0D108BD9-81ED-4DB2-BD59-A6C34878D82A}">
-                    <a16:rowId xmlns:a16="http://schemas.microsoft.com/office/drawing/2014/main" val="1038612699"/>
-                  </a:ext>
-                </a:extLst>
-              </a:tr>
-            </a:tbl>
-          </a:graphicData>
-        </a:graphic>
-      </p:graphicFrame>
-    </p:spTree>
-    <p:extLst>
-      <p:ext uri="{BB962C8B-B14F-4D97-AF65-F5344CB8AC3E}">
-        <p14:creationId xmlns:p14="http://schemas.microsoft.com/office/powerpoint/2010/main" val="975627948"/>
-      </p:ext>
-    </p:extLst>
-  </p:cSld>
-  <p:clrMapOvr>
-    <a:masterClrMapping/>
-  </p:clrMapOvr>
-</p:sld>
-</file>
-
-<file path=ppt/slides/slide30.xml><?xml version="1.0" encoding="utf-8"?>
+<file path=ppt/slides/slide31.xml><?xml version="1.0" encoding="utf-8"?>
 <p:sld xmlns:a="http://schemas.openxmlformats.org/drawingml/2006/main" xmlns:r="http://schemas.openxmlformats.org/officeDocument/2006/relationships" xmlns:p="http://schemas.openxmlformats.org/presentationml/2006/main">
   <p:cSld>
     <p:spTree>
@@ -24097,7 +24700,7 @@
 </p:sld>
 </file>
 
-<file path=ppt/slides/slide31.xml><?xml version="1.0" encoding="utf-8"?>
+<file path=ppt/slides/slide32.xml><?xml version="1.0" encoding="utf-8"?>
 <p:sld xmlns:a="http://schemas.openxmlformats.org/drawingml/2006/main" xmlns:r="http://schemas.openxmlformats.org/officeDocument/2006/relationships" xmlns:p="http://schemas.openxmlformats.org/presentationml/2006/main">
   <p:cSld>
     <p:spTree>
@@ -24469,7 +25072,7 @@
 </p:sld>
 </file>
 
-<file path=ppt/slides/slide32.xml><?xml version="1.0" encoding="utf-8"?>
+<file path=ppt/slides/slide33.xml><?xml version="1.0" encoding="utf-8"?>
 <p:sld xmlns:a="http://schemas.openxmlformats.org/drawingml/2006/main" xmlns:r="http://schemas.openxmlformats.org/officeDocument/2006/relationships" xmlns:p="http://schemas.openxmlformats.org/presentationml/2006/main">
   <p:cSld>
     <p:spTree>
@@ -24865,7 +25468,7 @@
 </p:sld>
 </file>
 
-<file path=ppt/slides/slide33.xml><?xml version="1.0" encoding="utf-8"?>
+<file path=ppt/slides/slide34.xml><?xml version="1.0" encoding="utf-8"?>
 <p:sld xmlns:a="http://schemas.openxmlformats.org/drawingml/2006/main" xmlns:r="http://schemas.openxmlformats.org/officeDocument/2006/relationships" xmlns:p="http://schemas.openxmlformats.org/presentationml/2006/main">
   <p:cSld>
     <p:spTree>
@@ -25440,7 +26043,7 @@
 </p:sld>
 </file>
 
-<file path=ppt/slides/slide34.xml><?xml version="1.0" encoding="utf-8"?>
+<file path=ppt/slides/slide35.xml><?xml version="1.0" encoding="utf-8"?>
 <p:sld xmlns:a="http://schemas.openxmlformats.org/drawingml/2006/main" xmlns:r="http://schemas.openxmlformats.org/officeDocument/2006/relationships" xmlns:p="http://schemas.openxmlformats.org/presentationml/2006/main">
   <p:cSld>
     <p:spTree>
@@ -25736,7 +26339,7 @@
 </p:sld>
 </file>
 
-<file path=ppt/slides/slide35.xml><?xml version="1.0" encoding="utf-8"?>
+<file path=ppt/slides/slide36.xml><?xml version="1.0" encoding="utf-8"?>
 <p:sld xmlns:a="http://schemas.openxmlformats.org/drawingml/2006/main" xmlns:r="http://schemas.openxmlformats.org/officeDocument/2006/relationships" xmlns:p="http://schemas.openxmlformats.org/presentationml/2006/main">
   <p:cSld>
     <p:spTree>
@@ -25861,7 +26464,7 @@
 </p:sld>
 </file>
 
-<file path=ppt/slides/slide36.xml><?xml version="1.0" encoding="utf-8"?>
+<file path=ppt/slides/slide37.xml><?xml version="1.0" encoding="utf-8"?>
 <p:sld xmlns:a="http://schemas.openxmlformats.org/drawingml/2006/main" xmlns:r="http://schemas.openxmlformats.org/officeDocument/2006/relationships" xmlns:p="http://schemas.openxmlformats.org/presentationml/2006/main">
   <p:cSld>
     <p:spTree>

--- a/AS91883(1.7) & AS91884(1.8) Documentation.pptx
+++ b/AS91883(1.7) & AS91884(1.8) Documentation.pptx
@@ -5,7 +5,7 @@
     <p:sldMasterId id="2147483648" r:id="rId1"/>
   </p:sldMasterIdLst>
   <p:notesMasterIdLst>
-    <p:notesMasterId r:id="rId39"/>
+    <p:notesMasterId r:id="rId41"/>
   </p:notesMasterIdLst>
   <p:sldIdLst>
     <p:sldId id="256" r:id="rId2"/>
@@ -38,13 +38,15 @@
     <p:sldId id="292" r:id="rId29"/>
     <p:sldId id="293" r:id="rId30"/>
     <p:sldId id="263" r:id="rId31"/>
-    <p:sldId id="294" r:id="rId32"/>
-    <p:sldId id="296" r:id="rId33"/>
-    <p:sldId id="295" r:id="rId34"/>
-    <p:sldId id="297" r:id="rId35"/>
-    <p:sldId id="270" r:id="rId36"/>
-    <p:sldId id="261" r:id="rId37"/>
-    <p:sldId id="266" r:id="rId38"/>
+    <p:sldId id="306" r:id="rId32"/>
+    <p:sldId id="307" r:id="rId33"/>
+    <p:sldId id="294" r:id="rId34"/>
+    <p:sldId id="296" r:id="rId35"/>
+    <p:sldId id="295" r:id="rId36"/>
+    <p:sldId id="297" r:id="rId37"/>
+    <p:sldId id="270" r:id="rId38"/>
+    <p:sldId id="261" r:id="rId39"/>
+    <p:sldId id="266" r:id="rId40"/>
   </p:sldIdLst>
   <p:sldSz cx="12192000" cy="6858000"/>
   <p:notesSz cx="6858000" cy="9144000"/>
@@ -154,7 +156,7 @@
 <file path=ppt/revisionInfo.xml><?xml version="1.0" encoding="utf-8"?>
 <p1510:revInfo xmlns:a="http://schemas.openxmlformats.org/drawingml/2006/main" xmlns:r="http://schemas.openxmlformats.org/officeDocument/2006/relationships" xmlns:p1510="http://schemas.microsoft.com/office/powerpoint/2015/10/main">
   <p1510:revLst>
-    <p1510:client id="{F1BAABD6-565A-4B4D-9F14-502B1B8F4095}" v="34" dt="2022-05-22T22:59:43.561"/>
+    <p1510:client id="{F1BAABD6-565A-4B4D-9F14-502B1B8F4095}" v="36" dt="2022-05-22T23:25:55.250"/>
   </p1510:revLst>
 </p1510:revInfo>
 </file>
@@ -3218,7 +3220,7 @@
   <pc:docChgLst>
     <pc:chgData name="Molly Sankey" userId="944469c7-6883-451f-9b55-4524bc4915b3" providerId="ADAL" clId="{F1BAABD6-565A-4B4D-9F14-502B1B8F4095}"/>
     <pc:docChg chg="undo custSel addSld delSld modSld sldOrd">
-      <pc:chgData name="Molly Sankey" userId="944469c7-6883-451f-9b55-4524bc4915b3" providerId="ADAL" clId="{F1BAABD6-565A-4B4D-9F14-502B1B8F4095}" dt="2022-05-22T23:14:56.360" v="4989" actId="20577"/>
+      <pc:chgData name="Molly Sankey" userId="944469c7-6883-451f-9b55-4524bc4915b3" providerId="ADAL" clId="{F1BAABD6-565A-4B4D-9F14-502B1B8F4095}" dt="2022-05-22T23:29:57.883" v="5572" actId="478"/>
       <pc:docMkLst>
         <pc:docMk/>
       </pc:docMkLst>
@@ -3456,6 +3458,29 @@
             <pc:docMk/>
             <pc:sldMk cId="3760331451" sldId="260"/>
             <ac:picMk id="9" creationId="{0CE74815-ED95-48B3-8898-ADCA0F6053FE}"/>
+          </ac:picMkLst>
+        </pc:picChg>
+      </pc:sldChg>
+      <pc:sldChg chg="delSp mod ord">
+        <pc:chgData name="Molly Sankey" userId="944469c7-6883-451f-9b55-4524bc4915b3" providerId="ADAL" clId="{F1BAABD6-565A-4B4D-9F14-502B1B8F4095}" dt="2022-05-22T23:29:57.883" v="5572" actId="478"/>
+        <pc:sldMkLst>
+          <pc:docMk/>
+          <pc:sldMk cId="1084233196" sldId="263"/>
+        </pc:sldMkLst>
+        <pc:picChg chg="del">
+          <ac:chgData name="Molly Sankey" userId="944469c7-6883-451f-9b55-4524bc4915b3" providerId="ADAL" clId="{F1BAABD6-565A-4B4D-9F14-502B1B8F4095}" dt="2022-05-22T23:29:56.426" v="5571" actId="478"/>
+          <ac:picMkLst>
+            <pc:docMk/>
+            <pc:sldMk cId="1084233196" sldId="263"/>
+            <ac:picMk id="5" creationId="{BD966466-7808-4863-A56B-AD392239E71E}"/>
+          </ac:picMkLst>
+        </pc:picChg>
+        <pc:picChg chg="del">
+          <ac:chgData name="Molly Sankey" userId="944469c7-6883-451f-9b55-4524bc4915b3" providerId="ADAL" clId="{F1BAABD6-565A-4B4D-9F14-502B1B8F4095}" dt="2022-05-22T23:29:57.883" v="5572" actId="478"/>
+          <ac:picMkLst>
+            <pc:docMk/>
+            <pc:sldMk cId="1084233196" sldId="263"/>
+            <ac:picMk id="7" creationId="{82E7DC16-FF8D-40A0-96B9-9F8F61F48538}"/>
           </ac:picMkLst>
         </pc:picChg>
       </pc:sldChg>
@@ -4519,13 +4544,21 @@
         </pc:picChg>
       </pc:sldChg>
       <pc:sldChg chg="modSp mod">
-        <pc:chgData name="Molly Sankey" userId="944469c7-6883-451f-9b55-4524bc4915b3" providerId="ADAL" clId="{F1BAABD6-565A-4B4D-9F14-502B1B8F4095}" dt="2022-05-22T23:14:56.360" v="4989" actId="20577"/>
+        <pc:chgData name="Molly Sankey" userId="944469c7-6883-451f-9b55-4524bc4915b3" providerId="ADAL" clId="{F1BAABD6-565A-4B4D-9F14-502B1B8F4095}" dt="2022-05-22T23:21:08.063" v="5044" actId="20577"/>
         <pc:sldMkLst>
           <pc:docMk/>
           <pc:sldMk cId="2923615682" sldId="293"/>
         </pc:sldMkLst>
+        <pc:spChg chg="mod">
+          <ac:chgData name="Molly Sankey" userId="944469c7-6883-451f-9b55-4524bc4915b3" providerId="ADAL" clId="{F1BAABD6-565A-4B4D-9F14-502B1B8F4095}" dt="2022-05-22T23:21:08.063" v="5044" actId="20577"/>
+          <ac:spMkLst>
+            <pc:docMk/>
+            <pc:sldMk cId="2923615682" sldId="293"/>
+            <ac:spMk id="91" creationId="{00000000-0000-0000-0000-000000000000}"/>
+          </ac:spMkLst>
+        </pc:spChg>
         <pc:graphicFrameChg chg="modGraphic">
-          <ac:chgData name="Molly Sankey" userId="944469c7-6883-451f-9b55-4524bc4915b3" providerId="ADAL" clId="{F1BAABD6-565A-4B4D-9F14-502B1B8F4095}" dt="2022-05-22T23:14:56.360" v="4989" actId="20577"/>
+          <ac:chgData name="Molly Sankey" userId="944469c7-6883-451f-9b55-4524bc4915b3" providerId="ADAL" clId="{F1BAABD6-565A-4B4D-9F14-502B1B8F4095}" dt="2022-05-22T23:20:55.913" v="5025" actId="14100"/>
           <ac:graphicFrameMkLst>
             <pc:docMk/>
             <pc:sldMk cId="2923615682" sldId="293"/>
@@ -5660,6 +5693,52 @@
             <ac:picMk id="15" creationId="{2D0FBB80-F653-42E4-8887-1EF49E9FA43E}"/>
           </ac:picMkLst>
         </pc:picChg>
+      </pc:sldChg>
+      <pc:sldChg chg="modSp add mod">
+        <pc:chgData name="Molly Sankey" userId="944469c7-6883-451f-9b55-4524bc4915b3" providerId="ADAL" clId="{F1BAABD6-565A-4B4D-9F14-502B1B8F4095}" dt="2022-05-22T23:26:35.099" v="5399" actId="14734"/>
+        <pc:sldMkLst>
+          <pc:docMk/>
+          <pc:sldMk cId="459849828" sldId="306"/>
+        </pc:sldMkLst>
+        <pc:spChg chg="mod">
+          <ac:chgData name="Molly Sankey" userId="944469c7-6883-451f-9b55-4524bc4915b3" providerId="ADAL" clId="{F1BAABD6-565A-4B4D-9F14-502B1B8F4095}" dt="2022-05-22T23:21:18.254" v="5047" actId="20577"/>
+          <ac:spMkLst>
+            <pc:docMk/>
+            <pc:sldMk cId="459849828" sldId="306"/>
+            <ac:spMk id="91" creationId="{00000000-0000-0000-0000-000000000000}"/>
+          </ac:spMkLst>
+        </pc:spChg>
+        <pc:graphicFrameChg chg="mod modGraphic">
+          <ac:chgData name="Molly Sankey" userId="944469c7-6883-451f-9b55-4524bc4915b3" providerId="ADAL" clId="{F1BAABD6-565A-4B4D-9F14-502B1B8F4095}" dt="2022-05-22T23:26:35.099" v="5399" actId="14734"/>
+          <ac:graphicFrameMkLst>
+            <pc:docMk/>
+            <pc:sldMk cId="459849828" sldId="306"/>
+            <ac:graphicFrameMk id="92" creationId="{00000000-0000-0000-0000-000000000000}"/>
+          </ac:graphicFrameMkLst>
+        </pc:graphicFrameChg>
+      </pc:sldChg>
+      <pc:sldChg chg="modSp add mod ord">
+        <pc:chgData name="Molly Sankey" userId="944469c7-6883-451f-9b55-4524bc4915b3" providerId="ADAL" clId="{F1BAABD6-565A-4B4D-9F14-502B1B8F4095}" dt="2022-05-22T23:29:47.205" v="5568" actId="20577"/>
+        <pc:sldMkLst>
+          <pc:docMk/>
+          <pc:sldMk cId="2057603850" sldId="307"/>
+        </pc:sldMkLst>
+        <pc:spChg chg="mod">
+          <ac:chgData name="Molly Sankey" userId="944469c7-6883-451f-9b55-4524bc4915b3" providerId="ADAL" clId="{F1BAABD6-565A-4B4D-9F14-502B1B8F4095}" dt="2022-05-22T23:27:05.869" v="5404" actId="20577"/>
+          <ac:spMkLst>
+            <pc:docMk/>
+            <pc:sldMk cId="2057603850" sldId="307"/>
+            <ac:spMk id="91" creationId="{00000000-0000-0000-0000-000000000000}"/>
+          </ac:spMkLst>
+        </pc:spChg>
+        <pc:graphicFrameChg chg="modGraphic">
+          <ac:chgData name="Molly Sankey" userId="944469c7-6883-451f-9b55-4524bc4915b3" providerId="ADAL" clId="{F1BAABD6-565A-4B4D-9F14-502B1B8F4095}" dt="2022-05-22T23:29:47.205" v="5568" actId="20577"/>
+          <ac:graphicFrameMkLst>
+            <pc:docMk/>
+            <pc:sldMk cId="2057603850" sldId="307"/>
+            <ac:graphicFrameMk id="92" creationId="{00000000-0000-0000-0000-000000000000}"/>
+          </ac:graphicFrameMkLst>
+        </pc:graphicFrameChg>
       </pc:sldChg>
     </pc:docChg>
   </pc:docChgLst>
@@ -9235,7 +9314,7 @@
     </p:spTree>
     <p:extLst>
       <p:ext uri="{BB962C8B-B14F-4D97-AF65-F5344CB8AC3E}">
-        <p14:creationId xmlns:p14="http://schemas.microsoft.com/office/powerpoint/2010/main" val="2420645919"/>
+        <p14:creationId xmlns:p14="http://schemas.microsoft.com/office/powerpoint/2010/main" val="2496049038"/>
       </p:ext>
     </p:extLst>
   </p:cSld>
@@ -9246,11 +9325,11 @@
 </file>
 
 <file path=ppt/notesSlides/notesSlide27.xml><?xml version="1.0" encoding="utf-8"?>
-<p:notes xmlns:a="http://schemas.openxmlformats.org/drawingml/2006/main" xmlns:r="http://schemas.openxmlformats.org/officeDocument/2006/relationships" xmlns:p="http://schemas.openxmlformats.org/presentationml/2006/main">
+<p:notes xmlns:a="http://schemas.openxmlformats.org/drawingml/2006/main" xmlns:r="http://schemas.openxmlformats.org/officeDocument/2006/relationships" xmlns:p="http://schemas.openxmlformats.org/presentationml/2006/main" showMasterSp="0" showMasterPhAnim="0">
   <p:cSld>
     <p:spTree>
       <p:nvGrpSpPr>
-        <p:cNvPr id="1" name=""/>
+        <p:cNvPr id="1" name="Shape 87"/>
         <p:cNvGrpSpPr/>
         <p:nvPr/>
       </p:nvGrpSpPr>
@@ -9264,29 +9343,68 @@
       </p:grpSpPr>
       <p:sp>
         <p:nvSpPr>
-          <p:cNvPr id="2" name="Slide Image Placeholder 1"/>
+          <p:cNvPr id="88" name="Google Shape;88;g5f5670a123_0_30:notes"/>
           <p:cNvSpPr>
             <a:spLocks noGrp="1" noRot="1" noChangeAspect="1"/>
           </p:cNvSpPr>
           <p:nvPr>
-            <p:ph type="sldImg"/>
+            <p:ph type="sldImg" idx="2"/>
           </p:nvPr>
         </p:nvSpPr>
-        <p:spPr/>
+        <p:spPr>
+          <a:xfrm>
+            <a:off x="381000" y="685800"/>
+            <a:ext cx="6096000" cy="3429000"/>
+          </a:xfrm>
+          <a:custGeom>
+            <a:avLst/>
+            <a:gdLst/>
+            <a:ahLst/>
+            <a:cxnLst/>
+            <a:rect l="l" t="t" r="r" b="b"/>
+            <a:pathLst>
+              <a:path w="120000" h="120000" extrusionOk="0">
+                <a:moveTo>
+                  <a:pt x="0" y="0"/>
+                </a:moveTo>
+                <a:lnTo>
+                  <a:pt x="120000" y="0"/>
+                </a:lnTo>
+                <a:lnTo>
+                  <a:pt x="120000" y="120000"/>
+                </a:lnTo>
+                <a:lnTo>
+                  <a:pt x="0" y="120000"/>
+                </a:lnTo>
+                <a:close/>
+              </a:path>
+            </a:pathLst>
+          </a:custGeom>
+        </p:spPr>
       </p:sp>
       <p:sp>
         <p:nvSpPr>
-          <p:cNvPr id="3" name="Notes Placeholder 2"/>
-          <p:cNvSpPr>
+          <p:cNvPr id="89" name="Google Shape;89;g5f5670a123_0_30:notes"/>
+          <p:cNvSpPr txBox="1">
             <a:spLocks noGrp="1"/>
           </p:cNvSpPr>
           <p:nvPr>
             <p:ph type="body" idx="1"/>
           </p:nvPr>
         </p:nvSpPr>
-        <p:spPr/>
+        <p:spPr>
+          <a:xfrm>
+            <a:off x="685800" y="4343400"/>
+            <a:ext cx="5486400" cy="4114800"/>
+          </a:xfrm>
+          <a:prstGeom prst="rect">
+            <a:avLst/>
+          </a:prstGeom>
+        </p:spPr>
         <p:txBody>
-          <a:bodyPr/>
+          <a:bodyPr spcFirstLastPara="1" wrap="square" lIns="91425" tIns="91425" rIns="91425" bIns="91425" anchor="t" anchorCtr="0">
+            <a:noAutofit/>
+          </a:bodyPr>
           <a:lstStyle/>
           <a:p>
             <a:pPr marL="0" marR="0" lvl="0" indent="0" algn="l" defTabSz="914400" rtl="0" eaLnBrk="1" fontAlgn="auto" latinLnBrk="0" hangingPunct="1">
@@ -9307,43 +9425,28 @@
               <a:defRPr/>
             </a:pPr>
             <a:r>
-              <a:rPr lang="en-NZ" i="1" dirty="0">
-                <a:latin typeface="Arial" panose="020B0604020202020204" pitchFamily="34" charset="0"/>
-                <a:ea typeface="Arial" panose="020B0604020202020204" pitchFamily="34" charset="0"/>
-              </a:rPr>
-              <a:t>Show testing for your assembled outcome below.  This should include a test plan followed by screenshot proof.  </a:t>
+              <a:rPr lang="en-NZ" dirty="0"/>
+              <a:t>Additional rows can be added by clicking in the last cell and then using the Tab key </a:t>
             </a:r>
-            <a:endParaRPr lang="en-NZ" dirty="0"/>
-          </a:p>
-        </p:txBody>
-      </p:sp>
-      <p:sp>
-        <p:nvSpPr>
-          <p:cNvPr id="4" name="Slide Number Placeholder 3"/>
-          <p:cNvSpPr>
-            <a:spLocks noGrp="1"/>
-          </p:cNvSpPr>
-          <p:nvPr>
-            <p:ph type="sldNum" sz="quarter" idx="5"/>
-          </p:nvPr>
-        </p:nvSpPr>
-        <p:spPr/>
-        <p:txBody>
-          <a:bodyPr/>
-          <a:lstStyle/>
-          <a:p>
-            <a:fld id="{D89B2B17-F4B1-4A14-AF99-5A366D45E74A}" type="slidenum">
-              <a:rPr lang="en-NZ" smtClean="0"/>
-              <a:t>32</a:t>
-            </a:fld>
-            <a:endParaRPr lang="en-NZ"/>
+          </a:p>
+          <a:p>
+            <a:pPr marL="0" lvl="0" indent="0" algn="l" rtl="0">
+              <a:spcBef>
+                <a:spcPts val="0"/>
+              </a:spcBef>
+              <a:spcAft>
+                <a:spcPts val="0"/>
+              </a:spcAft>
+              <a:buNone/>
+            </a:pPr>
+            <a:endParaRPr dirty="0"/>
           </a:p>
         </p:txBody>
       </p:sp>
     </p:spTree>
     <p:extLst>
       <p:ext uri="{BB962C8B-B14F-4D97-AF65-F5344CB8AC3E}">
-        <p14:creationId xmlns:p14="http://schemas.microsoft.com/office/powerpoint/2010/main" val="1114558811"/>
+        <p14:creationId xmlns:p14="http://schemas.microsoft.com/office/powerpoint/2010/main" val="1266313216"/>
       </p:ext>
     </p:extLst>
   </p:cSld>
@@ -9475,7 +9578,7 @@
     </p:spTree>
     <p:extLst>
       <p:ext uri="{BB962C8B-B14F-4D97-AF65-F5344CB8AC3E}">
-        <p14:creationId xmlns:p14="http://schemas.microsoft.com/office/powerpoint/2010/main" val="3347785190"/>
+        <p14:creationId xmlns:p14="http://schemas.microsoft.com/office/powerpoint/2010/main" val="2420645919"/>
       </p:ext>
     </p:extLst>
   </p:cSld>
@@ -9583,7 +9686,7 @@
     </p:spTree>
     <p:extLst>
       <p:ext uri="{BB962C8B-B14F-4D97-AF65-F5344CB8AC3E}">
-        <p14:creationId xmlns:p14="http://schemas.microsoft.com/office/powerpoint/2010/main" val="4045927793"/>
+        <p14:creationId xmlns:p14="http://schemas.microsoft.com/office/powerpoint/2010/main" val="1114558811"/>
       </p:ext>
     </p:extLst>
   </p:cSld>
@@ -9681,11 +9784,11 @@
 </file>
 
 <file path=ppt/notesSlides/notesSlide30.xml><?xml version="1.0" encoding="utf-8"?>
-<p:notes xmlns:a="http://schemas.openxmlformats.org/drawingml/2006/main" xmlns:r="http://schemas.openxmlformats.org/officeDocument/2006/relationships" xmlns:p="http://schemas.openxmlformats.org/presentationml/2006/main">
+<p:notes xmlns:a="http://schemas.openxmlformats.org/drawingml/2006/main" xmlns:r="http://schemas.openxmlformats.org/officeDocument/2006/relationships" xmlns:p="http://schemas.openxmlformats.org/presentationml/2006/main" showMasterSp="0" showMasterPhAnim="0">
   <p:cSld>
     <p:spTree>
       <p:nvGrpSpPr>
-        <p:cNvPr id="1" name=""/>
+        <p:cNvPr id="1" name="Shape 87"/>
         <p:cNvGrpSpPr/>
         <p:nvPr/>
       </p:nvGrpSpPr>
@@ -9699,29 +9802,68 @@
       </p:grpSpPr>
       <p:sp>
         <p:nvSpPr>
-          <p:cNvPr id="2" name="Slide Image Placeholder 1"/>
+          <p:cNvPr id="88" name="Google Shape;88;g5f5670a123_0_30:notes"/>
           <p:cNvSpPr>
             <a:spLocks noGrp="1" noRot="1" noChangeAspect="1"/>
           </p:cNvSpPr>
           <p:nvPr>
-            <p:ph type="sldImg"/>
+            <p:ph type="sldImg" idx="2"/>
           </p:nvPr>
         </p:nvSpPr>
-        <p:spPr/>
+        <p:spPr>
+          <a:xfrm>
+            <a:off x="381000" y="685800"/>
+            <a:ext cx="6096000" cy="3429000"/>
+          </a:xfrm>
+          <a:custGeom>
+            <a:avLst/>
+            <a:gdLst/>
+            <a:ahLst/>
+            <a:cxnLst/>
+            <a:rect l="l" t="t" r="r" b="b"/>
+            <a:pathLst>
+              <a:path w="120000" h="120000" extrusionOk="0">
+                <a:moveTo>
+                  <a:pt x="0" y="0"/>
+                </a:moveTo>
+                <a:lnTo>
+                  <a:pt x="120000" y="0"/>
+                </a:lnTo>
+                <a:lnTo>
+                  <a:pt x="120000" y="120000"/>
+                </a:lnTo>
+                <a:lnTo>
+                  <a:pt x="0" y="120000"/>
+                </a:lnTo>
+                <a:close/>
+              </a:path>
+            </a:pathLst>
+          </a:custGeom>
+        </p:spPr>
       </p:sp>
       <p:sp>
         <p:nvSpPr>
-          <p:cNvPr id="3" name="Notes Placeholder 2"/>
-          <p:cNvSpPr>
+          <p:cNvPr id="89" name="Google Shape;89;g5f5670a123_0_30:notes"/>
+          <p:cNvSpPr txBox="1">
             <a:spLocks noGrp="1"/>
           </p:cNvSpPr>
           <p:nvPr>
             <p:ph type="body" idx="1"/>
           </p:nvPr>
         </p:nvSpPr>
-        <p:spPr/>
+        <p:spPr>
+          <a:xfrm>
+            <a:off x="685800" y="4343400"/>
+            <a:ext cx="5486400" cy="4114800"/>
+          </a:xfrm>
+          <a:prstGeom prst="rect">
+            <a:avLst/>
+          </a:prstGeom>
+        </p:spPr>
         <p:txBody>
-          <a:bodyPr/>
+          <a:bodyPr spcFirstLastPara="1" wrap="square" lIns="91425" tIns="91425" rIns="91425" bIns="91425" anchor="t" anchorCtr="0">
+            <a:noAutofit/>
+          </a:bodyPr>
           <a:lstStyle/>
           <a:p>
             <a:pPr marL="0" marR="0" lvl="0" indent="0" algn="l" defTabSz="914400" rtl="0" eaLnBrk="1" fontAlgn="auto" latinLnBrk="0" hangingPunct="1">
@@ -9742,49 +9884,28 @@
               <a:defRPr/>
             </a:pPr>
             <a:r>
-              <a:rPr lang="en-NZ" i="1" dirty="0">
-                <a:latin typeface="Arial" panose="020B0604020202020204" pitchFamily="34" charset="0"/>
-                <a:ea typeface="Arial" panose="020B0604020202020204" pitchFamily="34" charset="0"/>
-              </a:rPr>
-              <a:t>Your version control evidence should go here.  This could be in the form of screenshots (both of your GitHub repository as well as your local project folder) as evidence of your incremental development.</a:t>
+              <a:rPr lang="en-NZ" dirty="0"/>
+              <a:t>Additional rows can be added by clicking in the last cell and then using the Tab key </a:t>
             </a:r>
-            <a:endParaRPr lang="en-NZ" dirty="0">
-              <a:latin typeface="Arial" panose="020B0604020202020204" pitchFamily="34" charset="0"/>
-              <a:ea typeface="Arial" panose="020B0604020202020204" pitchFamily="34" charset="0"/>
-            </a:endParaRPr>
-          </a:p>
-          <a:p>
-            <a:endParaRPr lang="en-NZ" dirty="0"/>
-          </a:p>
-        </p:txBody>
-      </p:sp>
-      <p:sp>
-        <p:nvSpPr>
-          <p:cNvPr id="4" name="Slide Number Placeholder 3"/>
-          <p:cNvSpPr>
-            <a:spLocks noGrp="1"/>
-          </p:cNvSpPr>
-          <p:nvPr>
-            <p:ph type="sldNum" sz="quarter" idx="5"/>
-          </p:nvPr>
-        </p:nvSpPr>
-        <p:spPr/>
-        <p:txBody>
-          <a:bodyPr/>
-          <a:lstStyle/>
-          <a:p>
-            <a:fld id="{D89B2B17-F4B1-4A14-AF99-5A366D45E74A}" type="slidenum">
-              <a:rPr lang="en-NZ" smtClean="0"/>
-              <a:t>36</a:t>
-            </a:fld>
-            <a:endParaRPr lang="en-NZ"/>
+          </a:p>
+          <a:p>
+            <a:pPr marL="0" lvl="0" indent="0" algn="l" rtl="0">
+              <a:spcBef>
+                <a:spcPts val="0"/>
+              </a:spcBef>
+              <a:spcAft>
+                <a:spcPts val="0"/>
+              </a:spcAft>
+              <a:buNone/>
+            </a:pPr>
+            <a:endParaRPr dirty="0"/>
           </a:p>
         </p:txBody>
       </p:sp>
     </p:spTree>
     <p:extLst>
       <p:ext uri="{BB962C8B-B14F-4D97-AF65-F5344CB8AC3E}">
-        <p14:creationId xmlns:p14="http://schemas.microsoft.com/office/powerpoint/2010/main" val="1431557508"/>
+        <p14:creationId xmlns:p14="http://schemas.microsoft.com/office/powerpoint/2010/main" val="3347785190"/>
       </p:ext>
     </p:extLst>
   </p:cSld>
@@ -9858,11 +9979,10 @@
             <a:r>
               <a:rPr lang="en-NZ" i="1" dirty="0">
                 <a:latin typeface="Arial" panose="020B0604020202020204" pitchFamily="34" charset="0"/>
+                <a:ea typeface="Arial" panose="020B0604020202020204" pitchFamily="34" charset="0"/>
               </a:rPr>
-              <a:t>Discuss how the information from planning, testing and trialling of components assisted in the development of a high-quality outcome.</a:t>
+              <a:t>Show testing for your assembled outcome below.  This should include a test plan followed by screenshot proof.  </a:t>
             </a:r>
-          </a:p>
-          <a:p>
             <a:endParaRPr lang="en-NZ" dirty="0"/>
           </a:p>
         </p:txBody>
@@ -9884,7 +10004,230 @@
           <a:p>
             <a:fld id="{D89B2B17-F4B1-4A14-AF99-5A366D45E74A}" type="slidenum">
               <a:rPr lang="en-NZ" smtClean="0"/>
-              <a:t>37</a:t>
+              <a:t>36</a:t>
+            </a:fld>
+            <a:endParaRPr lang="en-NZ"/>
+          </a:p>
+        </p:txBody>
+      </p:sp>
+    </p:spTree>
+    <p:extLst>
+      <p:ext uri="{BB962C8B-B14F-4D97-AF65-F5344CB8AC3E}">
+        <p14:creationId xmlns:p14="http://schemas.microsoft.com/office/powerpoint/2010/main" val="4045927793"/>
+      </p:ext>
+    </p:extLst>
+  </p:cSld>
+  <p:clrMapOvr>
+    <a:masterClrMapping/>
+  </p:clrMapOvr>
+</p:notes>
+</file>
+
+<file path=ppt/notesSlides/notesSlide32.xml><?xml version="1.0" encoding="utf-8"?>
+<p:notes xmlns:a="http://schemas.openxmlformats.org/drawingml/2006/main" xmlns:r="http://schemas.openxmlformats.org/officeDocument/2006/relationships" xmlns:p="http://schemas.openxmlformats.org/presentationml/2006/main">
+  <p:cSld>
+    <p:spTree>
+      <p:nvGrpSpPr>
+        <p:cNvPr id="1" name=""/>
+        <p:cNvGrpSpPr/>
+        <p:nvPr/>
+      </p:nvGrpSpPr>
+      <p:grpSpPr>
+        <a:xfrm>
+          <a:off x="0" y="0"/>
+          <a:ext cx="0" cy="0"/>
+          <a:chOff x="0" y="0"/>
+          <a:chExt cx="0" cy="0"/>
+        </a:xfrm>
+      </p:grpSpPr>
+      <p:sp>
+        <p:nvSpPr>
+          <p:cNvPr id="2" name="Slide Image Placeholder 1"/>
+          <p:cNvSpPr>
+            <a:spLocks noGrp="1" noRot="1" noChangeAspect="1"/>
+          </p:cNvSpPr>
+          <p:nvPr>
+            <p:ph type="sldImg"/>
+          </p:nvPr>
+        </p:nvSpPr>
+        <p:spPr/>
+      </p:sp>
+      <p:sp>
+        <p:nvSpPr>
+          <p:cNvPr id="3" name="Notes Placeholder 2"/>
+          <p:cNvSpPr>
+            <a:spLocks noGrp="1"/>
+          </p:cNvSpPr>
+          <p:nvPr>
+            <p:ph type="body" idx="1"/>
+          </p:nvPr>
+        </p:nvSpPr>
+        <p:spPr/>
+        <p:txBody>
+          <a:bodyPr/>
+          <a:lstStyle/>
+          <a:p>
+            <a:pPr marL="0" marR="0" lvl="0" indent="0" algn="l" defTabSz="914400" rtl="0" eaLnBrk="1" fontAlgn="auto" latinLnBrk="0" hangingPunct="1">
+              <a:lnSpc>
+                <a:spcPct val="100000"/>
+              </a:lnSpc>
+              <a:spcBef>
+                <a:spcPts val="0"/>
+              </a:spcBef>
+              <a:spcAft>
+                <a:spcPts val="0"/>
+              </a:spcAft>
+              <a:buClrTx/>
+              <a:buSzTx/>
+              <a:buFontTx/>
+              <a:buNone/>
+              <a:tabLst/>
+              <a:defRPr/>
+            </a:pPr>
+            <a:r>
+              <a:rPr lang="en-NZ" i="1" dirty="0">
+                <a:latin typeface="Arial" panose="020B0604020202020204" pitchFamily="34" charset="0"/>
+                <a:ea typeface="Arial" panose="020B0604020202020204" pitchFamily="34" charset="0"/>
+              </a:rPr>
+              <a:t>Your version control evidence should go here.  This could be in the form of screenshots (both of your GitHub repository as well as your local project folder) as evidence of your incremental development.</a:t>
+            </a:r>
+            <a:endParaRPr lang="en-NZ" dirty="0">
+              <a:latin typeface="Arial" panose="020B0604020202020204" pitchFamily="34" charset="0"/>
+              <a:ea typeface="Arial" panose="020B0604020202020204" pitchFamily="34" charset="0"/>
+            </a:endParaRPr>
+          </a:p>
+          <a:p>
+            <a:endParaRPr lang="en-NZ" dirty="0"/>
+          </a:p>
+        </p:txBody>
+      </p:sp>
+      <p:sp>
+        <p:nvSpPr>
+          <p:cNvPr id="4" name="Slide Number Placeholder 3"/>
+          <p:cNvSpPr>
+            <a:spLocks noGrp="1"/>
+          </p:cNvSpPr>
+          <p:nvPr>
+            <p:ph type="sldNum" sz="quarter" idx="5"/>
+          </p:nvPr>
+        </p:nvSpPr>
+        <p:spPr/>
+        <p:txBody>
+          <a:bodyPr/>
+          <a:lstStyle/>
+          <a:p>
+            <a:fld id="{D89B2B17-F4B1-4A14-AF99-5A366D45E74A}" type="slidenum">
+              <a:rPr lang="en-NZ" smtClean="0"/>
+              <a:t>38</a:t>
+            </a:fld>
+            <a:endParaRPr lang="en-NZ"/>
+          </a:p>
+        </p:txBody>
+      </p:sp>
+    </p:spTree>
+    <p:extLst>
+      <p:ext uri="{BB962C8B-B14F-4D97-AF65-F5344CB8AC3E}">
+        <p14:creationId xmlns:p14="http://schemas.microsoft.com/office/powerpoint/2010/main" val="1431557508"/>
+      </p:ext>
+    </p:extLst>
+  </p:cSld>
+  <p:clrMapOvr>
+    <a:masterClrMapping/>
+  </p:clrMapOvr>
+</p:notes>
+</file>
+
+<file path=ppt/notesSlides/notesSlide33.xml><?xml version="1.0" encoding="utf-8"?>
+<p:notes xmlns:a="http://schemas.openxmlformats.org/drawingml/2006/main" xmlns:r="http://schemas.openxmlformats.org/officeDocument/2006/relationships" xmlns:p="http://schemas.openxmlformats.org/presentationml/2006/main">
+  <p:cSld>
+    <p:spTree>
+      <p:nvGrpSpPr>
+        <p:cNvPr id="1" name=""/>
+        <p:cNvGrpSpPr/>
+        <p:nvPr/>
+      </p:nvGrpSpPr>
+      <p:grpSpPr>
+        <a:xfrm>
+          <a:off x="0" y="0"/>
+          <a:ext cx="0" cy="0"/>
+          <a:chOff x="0" y="0"/>
+          <a:chExt cx="0" cy="0"/>
+        </a:xfrm>
+      </p:grpSpPr>
+      <p:sp>
+        <p:nvSpPr>
+          <p:cNvPr id="2" name="Slide Image Placeholder 1"/>
+          <p:cNvSpPr>
+            <a:spLocks noGrp="1" noRot="1" noChangeAspect="1"/>
+          </p:cNvSpPr>
+          <p:nvPr>
+            <p:ph type="sldImg"/>
+          </p:nvPr>
+        </p:nvSpPr>
+        <p:spPr/>
+      </p:sp>
+      <p:sp>
+        <p:nvSpPr>
+          <p:cNvPr id="3" name="Notes Placeholder 2"/>
+          <p:cNvSpPr>
+            <a:spLocks noGrp="1"/>
+          </p:cNvSpPr>
+          <p:nvPr>
+            <p:ph type="body" idx="1"/>
+          </p:nvPr>
+        </p:nvSpPr>
+        <p:spPr/>
+        <p:txBody>
+          <a:bodyPr/>
+          <a:lstStyle/>
+          <a:p>
+            <a:pPr marL="0" marR="0" lvl="0" indent="0" algn="l" defTabSz="914400" rtl="0" eaLnBrk="1" fontAlgn="auto" latinLnBrk="0" hangingPunct="1">
+              <a:lnSpc>
+                <a:spcPct val="100000"/>
+              </a:lnSpc>
+              <a:spcBef>
+                <a:spcPts val="0"/>
+              </a:spcBef>
+              <a:spcAft>
+                <a:spcPts val="0"/>
+              </a:spcAft>
+              <a:buClrTx/>
+              <a:buSzTx/>
+              <a:buFontTx/>
+              <a:buNone/>
+              <a:tabLst/>
+              <a:defRPr/>
+            </a:pPr>
+            <a:r>
+              <a:rPr lang="en-NZ" i="1" dirty="0">
+                <a:latin typeface="Arial" panose="020B0604020202020204" pitchFamily="34" charset="0"/>
+              </a:rPr>
+              <a:t>Discuss how the information from planning, testing and trialling of components assisted in the development of a high-quality outcome.</a:t>
+            </a:r>
+          </a:p>
+          <a:p>
+            <a:endParaRPr lang="en-NZ" dirty="0"/>
+          </a:p>
+        </p:txBody>
+      </p:sp>
+      <p:sp>
+        <p:nvSpPr>
+          <p:cNvPr id="4" name="Slide Number Placeholder 3"/>
+          <p:cNvSpPr>
+            <a:spLocks noGrp="1"/>
+          </p:cNvSpPr>
+          <p:nvPr>
+            <p:ph type="sldNum" sz="quarter" idx="5"/>
+          </p:nvPr>
+        </p:nvSpPr>
+        <p:spPr/>
+        <p:txBody>
+          <a:bodyPr/>
+          <a:lstStyle/>
+          <a:p>
+            <a:fld id="{D89B2B17-F4B1-4A14-AF99-5A366D45E74A}" type="slidenum">
+              <a:rPr lang="en-NZ" smtClean="0"/>
+              <a:t>39</a:t>
             </a:fld>
             <a:endParaRPr lang="en-NZ"/>
           </a:p>
@@ -22995,7 +23338,7 @@
           <a:p>
             <a:r>
               <a:rPr lang="en" sz="4000" dirty="0"/>
-              <a:t>Test Plan: Assembled outcome </a:t>
+              <a:t>Test Plan: Assembled outcome – Part 1</a:t>
             </a:r>
             <a:endParaRPr sz="4000" dirty="0"/>
           </a:p>
@@ -23008,14 +23351,14 @@
           <p:nvPr>
             <p:extLst>
               <p:ext uri="{D42A27DB-BD31-4B8C-83A1-F6EECF244321}">
-                <p14:modId xmlns:p14="http://schemas.microsoft.com/office/powerpoint/2010/main" val="3461293700"/>
+                <p14:modId xmlns:p14="http://schemas.microsoft.com/office/powerpoint/2010/main" val="4205688971"/>
               </p:ext>
             </p:extLst>
           </p:nvPr>
         </p:nvGraphicFramePr>
         <p:xfrm>
           <a:off x="415600" y="910592"/>
-          <a:ext cx="11776400" cy="4948913"/>
+          <a:ext cx="11776400" cy="4646928"/>
         </p:xfrm>
         <a:graphic>
           <a:graphicData uri="http://schemas.openxmlformats.org/drawingml/2006/table">
@@ -23039,7 +23382,7 @@
                   </a:extLst>
                 </a:gridCol>
               </a:tblGrid>
-              <a:tr h="803713">
+              <a:tr h="1088619">
                 <a:tc>
                   <a:txBody>
                     <a:bodyPr/>
@@ -23100,7 +23443,7 @@
                   </a:ext>
                 </a:extLst>
               </a:tr>
-              <a:tr h="1285972">
+              <a:tr h="1816476">
                 <a:tc>
                   <a:txBody>
                     <a:bodyPr/>
@@ -23236,7 +23579,7 @@
                   </a:ext>
                 </a:extLst>
               </a:tr>
-              <a:tr h="1285972">
+              <a:tr h="1741833">
                 <a:tc>
                   <a:txBody>
                     <a:bodyPr/>
@@ -23252,8 +23595,23 @@
                         <a:buNone/>
                       </a:pPr>
                       <a:r>
-                        <a:rPr lang="en-NZ" sz="2400"/>
+                        <a:rPr lang="en-NZ" sz="2400" dirty="0"/>
                         <a:t>Run program</a:t>
+                      </a:r>
+                    </a:p>
+                    <a:p>
+                      <a:pPr marL="0" lvl="0" indent="0" algn="l" rtl="0">
+                        <a:spcBef>
+                          <a:spcPts val="0"/>
+                        </a:spcBef>
+                        <a:spcAft>
+                          <a:spcPts val="0"/>
+                        </a:spcAft>
+                        <a:buNone/>
+                      </a:pPr>
+                      <a:r>
+                        <a:rPr lang="en-NZ" sz="2400" dirty="0"/>
+                        <a:t>Played before = yes</a:t>
                       </a:r>
                       <a:endParaRPr sz="2400" dirty="0"/>
                     </a:p>
@@ -23282,121 +23640,9 @@
                         <a:tabLst/>
                         <a:defRPr/>
                       </a:pPr>
-                      <a:endParaRPr lang="en-NZ" sz="2400" dirty="0"/>
-                    </a:p>
-                    <a:p>
-                      <a:pPr marL="0" marR="0" lvl="0" indent="0" algn="l" defTabSz="914400" rtl="0" eaLnBrk="1" fontAlgn="auto" latinLnBrk="0" hangingPunct="1">
-                        <a:lnSpc>
-                          <a:spcPct val="100000"/>
-                        </a:lnSpc>
-                        <a:spcBef>
-                          <a:spcPts val="0"/>
-                        </a:spcBef>
-                        <a:spcAft>
-                          <a:spcPts val="0"/>
-                        </a:spcAft>
-                        <a:buClrTx/>
-                        <a:buSzTx/>
-                        <a:buFontTx/>
-                        <a:buNone/>
-                        <a:tabLst/>
-                        <a:defRPr/>
-                      </a:pPr>
                       <a:r>
                         <a:rPr lang="en-NZ" sz="2400" dirty="0"/>
-                        <a:t>Error</a:t>
-                      </a:r>
-                    </a:p>
-                    <a:p>
-                      <a:pPr marL="0" marR="0" lvl="0" indent="0" algn="l" defTabSz="914400" rtl="0" eaLnBrk="1" fontAlgn="auto" latinLnBrk="0" hangingPunct="1">
-                        <a:lnSpc>
-                          <a:spcPct val="100000"/>
-                        </a:lnSpc>
-                        <a:spcBef>
-                          <a:spcPts val="0"/>
-                        </a:spcBef>
-                        <a:spcAft>
-                          <a:spcPts val="0"/>
-                        </a:spcAft>
-                        <a:buClrTx/>
-                        <a:buSzTx/>
-                        <a:buFontTx/>
-                        <a:buNone/>
-                        <a:tabLst/>
-                        <a:defRPr/>
-                      </a:pPr>
-                      <a:r>
-                        <a:rPr lang="en-NZ" sz="2400" dirty="0"/>
-                        <a:t>Error </a:t>
-                      </a:r>
-                    </a:p>
-                    <a:p>
-                      <a:pPr marL="0" marR="0" lvl="0" indent="0" algn="l" defTabSz="914400" rtl="0" eaLnBrk="1" fontAlgn="auto" latinLnBrk="0" hangingPunct="1">
-                        <a:lnSpc>
-                          <a:spcPct val="100000"/>
-                        </a:lnSpc>
-                        <a:spcBef>
-                          <a:spcPts val="0"/>
-                        </a:spcBef>
-                        <a:spcAft>
-                          <a:spcPts val="0"/>
-                        </a:spcAft>
-                        <a:buClrTx/>
-                        <a:buSzTx/>
-                        <a:buFontTx/>
-                        <a:buNone/>
-                        <a:tabLst/>
-                        <a:defRPr/>
-                      </a:pPr>
-                      <a:r>
-                        <a:rPr lang="en-NZ" sz="2400" dirty="0"/>
-                        <a:t>Error</a:t>
-                      </a:r>
-                    </a:p>
-                    <a:p>
-                      <a:pPr marL="0" marR="0" lvl="0" indent="0" algn="l" defTabSz="914400" rtl="0" eaLnBrk="1" fontAlgn="auto" latinLnBrk="0" hangingPunct="1">
-                        <a:lnSpc>
-                          <a:spcPct val="100000"/>
-                        </a:lnSpc>
-                        <a:spcBef>
-                          <a:spcPts val="0"/>
-                        </a:spcBef>
-                        <a:spcAft>
-                          <a:spcPts val="0"/>
-                        </a:spcAft>
-                        <a:buClrTx/>
-                        <a:buSzTx/>
-                        <a:buFontTx/>
-                        <a:buNone/>
-                        <a:tabLst/>
-                        <a:defRPr/>
-                      </a:pPr>
-                      <a:r>
-                        <a:rPr lang="en-NZ" sz="2400" dirty="0"/>
-                        <a:t>Error</a:t>
-                      </a:r>
-                    </a:p>
-                    <a:p>
-                      <a:pPr marL="0" marR="0" lvl="0" indent="0" algn="l" defTabSz="914400" rtl="0" eaLnBrk="1" fontAlgn="auto" latinLnBrk="0" hangingPunct="1">
-                        <a:lnSpc>
-                          <a:spcPct val="100000"/>
-                        </a:lnSpc>
-                        <a:spcBef>
-                          <a:spcPts val="0"/>
-                        </a:spcBef>
-                        <a:spcAft>
-                          <a:spcPts val="0"/>
-                        </a:spcAft>
-                        <a:buClrTx/>
-                        <a:buSzTx/>
-                        <a:buFontTx/>
-                        <a:buNone/>
-                        <a:tabLst/>
-                        <a:defRPr/>
-                      </a:pPr>
-                      <a:r>
-                        <a:rPr lang="en-NZ" sz="2400" dirty="0"/>
-                        <a:t>You are playing with $1. Press &lt;enter&gt; to start</a:t>
+                        <a:t>Start quiz</a:t>
                       </a:r>
                     </a:p>
                   </a:txBody>
@@ -23799,69 +24045,9 @@
           </a:p>
         </p:txBody>
       </p:sp>
-      <p:pic>
-        <p:nvPicPr>
-          <p:cNvPr id="5" name="Picture 4">
-            <a:extLst>
-              <a:ext uri="{FF2B5EF4-FFF2-40B4-BE49-F238E27FC236}">
-                <a16:creationId xmlns:a16="http://schemas.microsoft.com/office/drawing/2014/main" id="{BD966466-7808-4863-A56B-AD392239E71E}"/>
-              </a:ext>
-            </a:extLst>
-          </p:cNvPr>
-          <p:cNvPicPr>
-            <a:picLocks noChangeAspect="1"/>
-          </p:cNvPicPr>
-          <p:nvPr/>
-        </p:nvPicPr>
-        <p:blipFill>
-          <a:blip r:embed="rId3"/>
-          <a:stretch>
-            <a:fillRect/>
-          </a:stretch>
-        </p:blipFill>
-        <p:spPr>
-          <a:xfrm>
-            <a:off x="476514" y="1080311"/>
-            <a:ext cx="7385430" cy="3733992"/>
-          </a:xfrm>
-          <a:prstGeom prst="rect">
-            <a:avLst/>
-          </a:prstGeom>
-        </p:spPr>
-      </p:pic>
-      <p:pic>
-        <p:nvPicPr>
-          <p:cNvPr id="7" name="Picture 6">
-            <a:extLst>
-              <a:ext uri="{FF2B5EF4-FFF2-40B4-BE49-F238E27FC236}">
-                <a16:creationId xmlns:a16="http://schemas.microsoft.com/office/drawing/2014/main" id="{82E7DC16-FF8D-40A0-96B9-9F8F61F48538}"/>
-              </a:ext>
-            </a:extLst>
-          </p:cNvPr>
-          <p:cNvPicPr>
-            <a:picLocks noChangeAspect="1"/>
-          </p:cNvPicPr>
-          <p:nvPr/>
-        </p:nvPicPr>
-        <p:blipFill>
-          <a:blip r:embed="rId4"/>
-          <a:stretch>
-            <a:fillRect/>
-          </a:stretch>
-        </p:blipFill>
-        <p:spPr>
-          <a:xfrm>
-            <a:off x="8038647" y="841729"/>
-            <a:ext cx="3676839" cy="3835597"/>
-          </a:xfrm>
-          <a:prstGeom prst="rect">
-            <a:avLst/>
-          </a:prstGeom>
-        </p:spPr>
-      </p:pic>
       <mc:AlternateContent xmlns:mc="http://schemas.openxmlformats.org/markup-compatibility/2006" xmlns:p14="http://schemas.microsoft.com/office/powerpoint/2010/main">
         <mc:Choice Requires="p14">
-          <p:contentPart p14:bwMode="auto" r:id="rId5">
+          <p:contentPart p14:bwMode="auto" r:id="rId3">
             <p14:nvContentPartPr>
               <p14:cNvPr id="8" name="Ink 7">
                 <a:extLst>
@@ -24308,6 +24494,924 @@
           <a:p>
             <a:r>
               <a:rPr lang="en" sz="4000" dirty="0"/>
+              <a:t>Test Plan: Assembled outcome – Part 2</a:t>
+            </a:r>
+            <a:endParaRPr sz="4000" dirty="0"/>
+          </a:p>
+        </p:txBody>
+      </p:sp>
+      <p:graphicFrame>
+        <p:nvGraphicFramePr>
+          <p:cNvPr id="92" name="Google Shape;92;p19"/>
+          <p:cNvGraphicFramePr/>
+          <p:nvPr>
+            <p:extLst>
+              <p:ext uri="{D42A27DB-BD31-4B8C-83A1-F6EECF244321}">
+                <p14:modId xmlns:p14="http://schemas.microsoft.com/office/powerpoint/2010/main" val="1718566420"/>
+              </p:ext>
+            </p:extLst>
+          </p:nvPr>
+        </p:nvGraphicFramePr>
+        <p:xfrm>
+          <a:off x="415600" y="944880"/>
+          <a:ext cx="11776400" cy="6217800"/>
+        </p:xfrm>
+        <a:graphic>
+          <a:graphicData uri="http://schemas.openxmlformats.org/drawingml/2006/table">
+            <a:tbl>
+              <a:tblPr>
+                <a:noFill/>
+              </a:tblPr>
+              <a:tblGrid>
+                <a:gridCol w="5888200">
+                  <a:extLst>
+                    <a:ext uri="{9D8B030D-6E8A-4147-A177-3AD203B41FA5}">
+                      <a16:colId xmlns:a16="http://schemas.microsoft.com/office/drawing/2014/main" val="20000"/>
+                    </a:ext>
+                  </a:extLst>
+                </a:gridCol>
+                <a:gridCol w="5888200">
+                  <a:extLst>
+                    <a:ext uri="{9D8B030D-6E8A-4147-A177-3AD203B41FA5}">
+                      <a16:colId xmlns:a16="http://schemas.microsoft.com/office/drawing/2014/main" val="20001"/>
+                    </a:ext>
+                  </a:extLst>
+                </a:gridCol>
+              </a:tblGrid>
+              <a:tr h="471332">
+                <a:tc>
+                  <a:txBody>
+                    <a:bodyPr/>
+                    <a:lstStyle/>
+                    <a:p>
+                      <a:pPr marL="0" lvl="0" indent="0" algn="l" rtl="0">
+                        <a:spcBef>
+                          <a:spcPts val="0"/>
+                        </a:spcBef>
+                        <a:spcAft>
+                          <a:spcPts val="0"/>
+                        </a:spcAft>
+                        <a:buNone/>
+                      </a:pPr>
+                      <a:r>
+                        <a:rPr lang="en" sz="2400" b="1" dirty="0"/>
+                        <a:t>Test Cases - input</a:t>
+                      </a:r>
+                      <a:endParaRPr sz="2400" b="1" dirty="0"/>
+                    </a:p>
+                  </a:txBody>
+                  <a:tcPr marL="121900" marR="121900" marT="121900" marB="121900">
+                    <a:solidFill>
+                      <a:srgbClr val="CCCCCC"/>
+                    </a:solidFill>
+                  </a:tcPr>
+                </a:tc>
+                <a:tc>
+                  <a:txBody>
+                    <a:bodyPr/>
+                    <a:lstStyle/>
+                    <a:p>
+                      <a:pPr marL="0" lvl="0" indent="0" algn="l" rtl="0">
+                        <a:spcBef>
+                          <a:spcPts val="0"/>
+                        </a:spcBef>
+                        <a:spcAft>
+                          <a:spcPts val="0"/>
+                        </a:spcAft>
+                        <a:buNone/>
+                      </a:pPr>
+                      <a:r>
+                        <a:rPr lang="en" sz="2400" b="1" dirty="0"/>
+                        <a:t>Expected output</a:t>
+                      </a:r>
+                      <a:endParaRPr sz="2400" b="1" dirty="0"/>
+                    </a:p>
+                  </a:txBody>
+                  <a:tcPr marL="121900" marR="121900" marT="121900" marB="121900">
+                    <a:solidFill>
+                      <a:srgbClr val="CCCCCC"/>
+                    </a:solidFill>
+                  </a:tcPr>
+                </a:tc>
+                <a:extLst>
+                  <a:ext uri="{0D108BD9-81ED-4DB2-BD59-A6C34878D82A}">
+                    <a16:rowId xmlns:a16="http://schemas.microsoft.com/office/drawing/2014/main" val="10000"/>
+                  </a:ext>
+                </a:extLst>
+              </a:tr>
+              <a:tr h="2682178">
+                <a:tc>
+                  <a:txBody>
+                    <a:bodyPr/>
+                    <a:lstStyle/>
+                    <a:p>
+                      <a:pPr marL="0" lvl="0" indent="0" algn="l" rtl="0">
+                        <a:spcBef>
+                          <a:spcPts val="0"/>
+                        </a:spcBef>
+                        <a:spcAft>
+                          <a:spcPts val="0"/>
+                        </a:spcAft>
+                        <a:buNone/>
+                      </a:pPr>
+                      <a:r>
+                        <a:rPr lang="en-NZ" sz="2400" dirty="0"/>
+                        <a:t>User answers every question wrong</a:t>
+                      </a:r>
+                      <a:endParaRPr sz="2400" dirty="0"/>
+                    </a:p>
+                  </a:txBody>
+                  <a:tcPr marL="121900" marR="121900" marT="121900" marB="121900"/>
+                </a:tc>
+                <a:tc>
+                  <a:txBody>
+                    <a:bodyPr/>
+                    <a:lstStyle/>
+                    <a:p>
+                      <a:pPr marL="0" marR="0" lvl="0" indent="0" algn="l" defTabSz="914400" rtl="0" eaLnBrk="1" fontAlgn="auto" latinLnBrk="0" hangingPunct="1">
+                        <a:lnSpc>
+                          <a:spcPct val="100000"/>
+                        </a:lnSpc>
+                        <a:spcBef>
+                          <a:spcPts val="0"/>
+                        </a:spcBef>
+                        <a:spcAft>
+                          <a:spcPts val="0"/>
+                        </a:spcAft>
+                        <a:buClrTx/>
+                        <a:buSzTx/>
+                        <a:buFontTx/>
+                        <a:buNone/>
+                        <a:tabLst/>
+                        <a:defRPr/>
+                      </a:pPr>
+                      <a:r>
+                        <a:rPr lang="en-NZ" sz="2400" dirty="0"/>
+                        <a:t>For each question:</a:t>
+                      </a:r>
+                    </a:p>
+                    <a:p>
+                      <a:pPr marL="0" marR="0" lvl="0" indent="0" algn="l" defTabSz="914400" rtl="0" eaLnBrk="1" fontAlgn="auto" latinLnBrk="0" hangingPunct="1">
+                        <a:lnSpc>
+                          <a:spcPct val="100000"/>
+                        </a:lnSpc>
+                        <a:spcBef>
+                          <a:spcPts val="0"/>
+                        </a:spcBef>
+                        <a:spcAft>
+                          <a:spcPts val="0"/>
+                        </a:spcAft>
+                        <a:buClrTx/>
+                        <a:buSzTx/>
+                        <a:buFontTx/>
+                        <a:buNone/>
+                        <a:tabLst/>
+                        <a:defRPr/>
+                      </a:pPr>
+                      <a:r>
+                        <a:rPr lang="en-NZ" sz="2400" dirty="0"/>
+                        <a:t>Print – “incorrect”</a:t>
+                      </a:r>
+                    </a:p>
+                    <a:p>
+                      <a:pPr marL="0" marR="0" lvl="0" indent="0" algn="l" defTabSz="914400" rtl="0" eaLnBrk="1" fontAlgn="auto" latinLnBrk="0" hangingPunct="1">
+                        <a:lnSpc>
+                          <a:spcPct val="100000"/>
+                        </a:lnSpc>
+                        <a:spcBef>
+                          <a:spcPts val="0"/>
+                        </a:spcBef>
+                        <a:spcAft>
+                          <a:spcPts val="0"/>
+                        </a:spcAft>
+                        <a:buClrTx/>
+                        <a:buSzTx/>
+                        <a:buFontTx/>
+                        <a:buNone/>
+                        <a:tabLst/>
+                        <a:defRPr/>
+                      </a:pPr>
+                      <a:r>
+                        <a:rPr lang="en-NZ" sz="2400" dirty="0"/>
+                        <a:t>“The answer was {}”</a:t>
+                      </a:r>
+                    </a:p>
+                    <a:p>
+                      <a:pPr marL="0" marR="0" lvl="0" indent="0" algn="l" defTabSz="914400" rtl="0" eaLnBrk="1" fontAlgn="auto" latinLnBrk="0" hangingPunct="1">
+                        <a:lnSpc>
+                          <a:spcPct val="100000"/>
+                        </a:lnSpc>
+                        <a:spcBef>
+                          <a:spcPts val="0"/>
+                        </a:spcBef>
+                        <a:spcAft>
+                          <a:spcPts val="0"/>
+                        </a:spcAft>
+                        <a:buClrTx/>
+                        <a:buSzTx/>
+                        <a:buFontTx/>
+                        <a:buNone/>
+                        <a:tabLst/>
+                        <a:defRPr/>
+                      </a:pPr>
+                      <a:endParaRPr lang="en-NZ" sz="2400" dirty="0"/>
+                    </a:p>
+                    <a:p>
+                      <a:pPr marL="0" marR="0" lvl="0" indent="0" algn="l" defTabSz="914400" rtl="0" eaLnBrk="1" fontAlgn="auto" latinLnBrk="0" hangingPunct="1">
+                        <a:lnSpc>
+                          <a:spcPct val="100000"/>
+                        </a:lnSpc>
+                        <a:spcBef>
+                          <a:spcPts val="0"/>
+                        </a:spcBef>
+                        <a:spcAft>
+                          <a:spcPts val="0"/>
+                        </a:spcAft>
+                        <a:buClrTx/>
+                        <a:buSzTx/>
+                        <a:buFontTx/>
+                        <a:buNone/>
+                        <a:tabLst/>
+                        <a:defRPr/>
+                      </a:pPr>
+                      <a:r>
+                        <a:rPr lang="en-NZ" sz="2400" dirty="0"/>
+                        <a:t>At the end:</a:t>
+                      </a:r>
+                    </a:p>
+                    <a:p>
+                      <a:pPr marL="0" marR="0" lvl="0" indent="0" algn="l" defTabSz="914400" rtl="0" eaLnBrk="1" fontAlgn="auto" latinLnBrk="0" hangingPunct="1">
+                        <a:lnSpc>
+                          <a:spcPct val="100000"/>
+                        </a:lnSpc>
+                        <a:spcBef>
+                          <a:spcPts val="0"/>
+                        </a:spcBef>
+                        <a:spcAft>
+                          <a:spcPts val="0"/>
+                        </a:spcAft>
+                        <a:buClrTx/>
+                        <a:buSzTx/>
+                        <a:buFontTx/>
+                        <a:buNone/>
+                        <a:tabLst/>
+                        <a:defRPr/>
+                      </a:pPr>
+                      <a:r>
+                        <a:rPr lang="en-NZ" sz="2400" dirty="0"/>
+                        <a:t>Show score of 0/10 </a:t>
+                      </a:r>
+                    </a:p>
+                    <a:p>
+                      <a:pPr marL="0" marR="0" lvl="0" indent="0" algn="l" defTabSz="914400" rtl="0" eaLnBrk="1" fontAlgn="auto" latinLnBrk="0" hangingPunct="1">
+                        <a:lnSpc>
+                          <a:spcPct val="100000"/>
+                        </a:lnSpc>
+                        <a:spcBef>
+                          <a:spcPts val="0"/>
+                        </a:spcBef>
+                        <a:spcAft>
+                          <a:spcPts val="0"/>
+                        </a:spcAft>
+                        <a:buClrTx/>
+                        <a:buSzTx/>
+                        <a:buFontTx/>
+                        <a:buNone/>
+                        <a:tabLst/>
+                        <a:defRPr/>
+                      </a:pPr>
+                      <a:r>
+                        <a:rPr lang="en-NZ" sz="2400" dirty="0"/>
+                        <a:t>Print – “</a:t>
+                      </a:r>
+                      <a:r>
+                        <a:rPr lang="en-US" sz="1800" b="1" kern="1200" dirty="0">
+                          <a:solidFill>
+                            <a:schemeClr val="tx1"/>
+                          </a:solidFill>
+                          <a:effectLst/>
+                          <a:latin typeface="+mn-lt"/>
+                          <a:ea typeface="+mn-ea"/>
+                          <a:cs typeface="+mn-cs"/>
+                        </a:rPr>
+                        <a:t>You should probably do some more studying!”</a:t>
+                      </a:r>
+                      <a:endParaRPr lang="en-NZ" sz="2400" dirty="0"/>
+                    </a:p>
+                  </a:txBody>
+                  <a:tcPr marL="121900" marR="121900" marT="121900" marB="121900"/>
+                </a:tc>
+                <a:extLst>
+                  <a:ext uri="{0D108BD9-81ED-4DB2-BD59-A6C34878D82A}">
+                    <a16:rowId xmlns:a16="http://schemas.microsoft.com/office/drawing/2014/main" val="10001"/>
+                  </a:ext>
+                </a:extLst>
+              </a:tr>
+              <a:tr h="2468938">
+                <a:tc>
+                  <a:txBody>
+                    <a:bodyPr/>
+                    <a:lstStyle/>
+                    <a:p>
+                      <a:pPr marL="0" lvl="0" indent="0" algn="l" rtl="0">
+                        <a:spcBef>
+                          <a:spcPts val="0"/>
+                        </a:spcBef>
+                        <a:spcAft>
+                          <a:spcPts val="0"/>
+                        </a:spcAft>
+                        <a:buNone/>
+                      </a:pPr>
+                      <a:r>
+                        <a:rPr lang="en-NZ" sz="2400" dirty="0"/>
+                        <a:t>User answers every question correct</a:t>
+                      </a:r>
+                      <a:endParaRPr sz="2400" dirty="0"/>
+                    </a:p>
+                  </a:txBody>
+                  <a:tcPr marL="121900" marR="121900" marT="121900" marB="121900"/>
+                </a:tc>
+                <a:tc>
+                  <a:txBody>
+                    <a:bodyPr/>
+                    <a:lstStyle/>
+                    <a:p>
+                      <a:pPr marL="0" marR="0" lvl="0" indent="0" algn="l" defTabSz="914400" rtl="0" eaLnBrk="1" fontAlgn="auto" latinLnBrk="0" hangingPunct="1">
+                        <a:lnSpc>
+                          <a:spcPct val="100000"/>
+                        </a:lnSpc>
+                        <a:spcBef>
+                          <a:spcPts val="0"/>
+                        </a:spcBef>
+                        <a:spcAft>
+                          <a:spcPts val="0"/>
+                        </a:spcAft>
+                        <a:buClrTx/>
+                        <a:buSzTx/>
+                        <a:buFontTx/>
+                        <a:buNone/>
+                        <a:tabLst/>
+                        <a:defRPr/>
+                      </a:pPr>
+                      <a:r>
+                        <a:rPr lang="en-NZ" sz="2400" dirty="0"/>
+                        <a:t>For each question:</a:t>
+                      </a:r>
+                    </a:p>
+                    <a:p>
+                      <a:pPr marL="0" marR="0" lvl="0" indent="0" algn="l" defTabSz="914400" rtl="0" eaLnBrk="1" fontAlgn="auto" latinLnBrk="0" hangingPunct="1">
+                        <a:lnSpc>
+                          <a:spcPct val="100000"/>
+                        </a:lnSpc>
+                        <a:spcBef>
+                          <a:spcPts val="0"/>
+                        </a:spcBef>
+                        <a:spcAft>
+                          <a:spcPts val="0"/>
+                        </a:spcAft>
+                        <a:buClrTx/>
+                        <a:buSzTx/>
+                        <a:buFontTx/>
+                        <a:buNone/>
+                        <a:tabLst/>
+                        <a:defRPr/>
+                      </a:pPr>
+                      <a:r>
+                        <a:rPr lang="en-NZ" sz="2400" dirty="0"/>
+                        <a:t>Print – “Correct”</a:t>
+                      </a:r>
+                    </a:p>
+                    <a:p>
+                      <a:pPr marL="0" marR="0" lvl="0" indent="0" algn="l" defTabSz="914400" rtl="0" eaLnBrk="1" fontAlgn="auto" latinLnBrk="0" hangingPunct="1">
+                        <a:lnSpc>
+                          <a:spcPct val="100000"/>
+                        </a:lnSpc>
+                        <a:spcBef>
+                          <a:spcPts val="0"/>
+                        </a:spcBef>
+                        <a:spcAft>
+                          <a:spcPts val="0"/>
+                        </a:spcAft>
+                        <a:buClrTx/>
+                        <a:buSzTx/>
+                        <a:buFontTx/>
+                        <a:buNone/>
+                        <a:tabLst/>
+                        <a:defRPr/>
+                      </a:pPr>
+                      <a:endParaRPr lang="en-NZ" sz="2400" dirty="0"/>
+                    </a:p>
+                    <a:p>
+                      <a:pPr marL="0" marR="0" lvl="0" indent="0" algn="l" defTabSz="914400" rtl="0" eaLnBrk="1" fontAlgn="auto" latinLnBrk="0" hangingPunct="1">
+                        <a:lnSpc>
+                          <a:spcPct val="100000"/>
+                        </a:lnSpc>
+                        <a:spcBef>
+                          <a:spcPts val="0"/>
+                        </a:spcBef>
+                        <a:spcAft>
+                          <a:spcPts val="0"/>
+                        </a:spcAft>
+                        <a:buClrTx/>
+                        <a:buSzTx/>
+                        <a:buFontTx/>
+                        <a:buNone/>
+                        <a:tabLst/>
+                        <a:defRPr/>
+                      </a:pPr>
+                      <a:r>
+                        <a:rPr lang="en-NZ" sz="2400" dirty="0"/>
+                        <a:t>At the end:</a:t>
+                      </a:r>
+                    </a:p>
+                    <a:p>
+                      <a:pPr marL="0" marR="0" lvl="0" indent="0" algn="l" defTabSz="914400" rtl="0" eaLnBrk="1" fontAlgn="auto" latinLnBrk="0" hangingPunct="1">
+                        <a:lnSpc>
+                          <a:spcPct val="100000"/>
+                        </a:lnSpc>
+                        <a:spcBef>
+                          <a:spcPts val="0"/>
+                        </a:spcBef>
+                        <a:spcAft>
+                          <a:spcPts val="0"/>
+                        </a:spcAft>
+                        <a:buClrTx/>
+                        <a:buSzTx/>
+                        <a:buFontTx/>
+                        <a:buNone/>
+                        <a:tabLst/>
+                        <a:defRPr/>
+                      </a:pPr>
+                      <a:r>
+                        <a:rPr lang="en-NZ" sz="2400" dirty="0"/>
+                        <a:t>Show score of 10/10</a:t>
+                      </a:r>
+                    </a:p>
+                    <a:p>
+                      <a:pPr marL="0" marR="0" lvl="0" indent="0" algn="l" defTabSz="914400" rtl="0" eaLnBrk="1" fontAlgn="auto" latinLnBrk="0" hangingPunct="1">
+                        <a:lnSpc>
+                          <a:spcPct val="100000"/>
+                        </a:lnSpc>
+                        <a:spcBef>
+                          <a:spcPts val="0"/>
+                        </a:spcBef>
+                        <a:spcAft>
+                          <a:spcPts val="0"/>
+                        </a:spcAft>
+                        <a:buClrTx/>
+                        <a:buSzTx/>
+                        <a:buFontTx/>
+                        <a:buNone/>
+                        <a:tabLst/>
+                        <a:defRPr/>
+                      </a:pPr>
+                      <a:r>
+                        <a:rPr lang="en-NZ" sz="2400" dirty="0"/>
+                        <a:t>Print – “</a:t>
+                      </a:r>
+                      <a:r>
+                        <a:rPr lang="en-NZ" sz="1800" b="1" kern="1200" dirty="0">
+                          <a:solidFill>
+                            <a:schemeClr val="tx1"/>
+                          </a:solidFill>
+                          <a:effectLst/>
+                          <a:latin typeface="+mn-lt"/>
+                          <a:ea typeface="+mn-ea"/>
+                          <a:cs typeface="+mn-cs"/>
+                        </a:rPr>
+                        <a:t>10/10 THAT'S AMAZING!!!”</a:t>
+                      </a:r>
+                      <a:endParaRPr lang="en-NZ" sz="2400" dirty="0"/>
+                    </a:p>
+                    <a:p>
+                      <a:pPr marL="0" marR="0" lvl="0" indent="0" algn="l" defTabSz="914400" rtl="0" eaLnBrk="1" fontAlgn="auto" latinLnBrk="0" hangingPunct="1">
+                        <a:lnSpc>
+                          <a:spcPct val="100000"/>
+                        </a:lnSpc>
+                        <a:spcBef>
+                          <a:spcPts val="0"/>
+                        </a:spcBef>
+                        <a:spcAft>
+                          <a:spcPts val="0"/>
+                        </a:spcAft>
+                        <a:buClrTx/>
+                        <a:buSzTx/>
+                        <a:buFontTx/>
+                        <a:buNone/>
+                        <a:tabLst/>
+                        <a:defRPr/>
+                      </a:pPr>
+                      <a:endParaRPr lang="en-NZ" sz="2400" dirty="0"/>
+                    </a:p>
+                  </a:txBody>
+                  <a:tcPr marL="121900" marR="121900" marT="121900" marB="121900"/>
+                </a:tc>
+                <a:extLst>
+                  <a:ext uri="{0D108BD9-81ED-4DB2-BD59-A6C34878D82A}">
+                    <a16:rowId xmlns:a16="http://schemas.microsoft.com/office/drawing/2014/main" val="2099733630"/>
+                  </a:ext>
+                </a:extLst>
+              </a:tr>
+            </a:tbl>
+          </a:graphicData>
+        </a:graphic>
+      </p:graphicFrame>
+    </p:spTree>
+    <p:extLst>
+      <p:ext uri="{BB962C8B-B14F-4D97-AF65-F5344CB8AC3E}">
+        <p14:creationId xmlns:p14="http://schemas.microsoft.com/office/powerpoint/2010/main" val="459849828"/>
+      </p:ext>
+    </p:extLst>
+  </p:cSld>
+  <p:clrMapOvr>
+    <a:masterClrMapping/>
+  </p:clrMapOvr>
+</p:sld>
+</file>
+
+<file path=ppt/slides/slide32.xml><?xml version="1.0" encoding="utf-8"?>
+<p:sld xmlns:a="http://schemas.openxmlformats.org/drawingml/2006/main" xmlns:r="http://schemas.openxmlformats.org/officeDocument/2006/relationships" xmlns:p="http://schemas.openxmlformats.org/presentationml/2006/main">
+  <p:cSld>
+    <p:spTree>
+      <p:nvGrpSpPr>
+        <p:cNvPr id="1" name="Shape 90"/>
+        <p:cNvGrpSpPr/>
+        <p:nvPr/>
+      </p:nvGrpSpPr>
+      <p:grpSpPr>
+        <a:xfrm>
+          <a:off x="0" y="0"/>
+          <a:ext cx="0" cy="0"/>
+          <a:chOff x="0" y="0"/>
+          <a:chExt cx="0" cy="0"/>
+        </a:xfrm>
+      </p:grpSpPr>
+      <p:sp>
+        <p:nvSpPr>
+          <p:cNvPr id="91" name="Google Shape;91;p19"/>
+          <p:cNvSpPr txBox="1">
+            <a:spLocks noGrp="1"/>
+          </p:cNvSpPr>
+          <p:nvPr>
+            <p:ph type="title"/>
+          </p:nvPr>
+        </p:nvSpPr>
+        <p:spPr>
+          <a:xfrm>
+            <a:off x="415600" y="217447"/>
+            <a:ext cx="11360800" cy="763600"/>
+          </a:xfrm>
+          <a:prstGeom prst="rect">
+            <a:avLst/>
+          </a:prstGeom>
+        </p:spPr>
+        <p:txBody>
+          <a:bodyPr spcFirstLastPara="1" vert="horz" wrap="square" lIns="121900" tIns="121900" rIns="121900" bIns="121900" rtlCol="0" anchor="t" anchorCtr="0">
+            <a:noAutofit/>
+          </a:bodyPr>
+          <a:lstStyle/>
+          <a:p>
+            <a:r>
+              <a:rPr lang="en" sz="4000" dirty="0"/>
+              <a:t>Test Plan: Assembled outcome – Part 3</a:t>
+            </a:r>
+            <a:endParaRPr sz="4000" dirty="0"/>
+          </a:p>
+        </p:txBody>
+      </p:sp>
+      <p:graphicFrame>
+        <p:nvGraphicFramePr>
+          <p:cNvPr id="92" name="Google Shape;92;p19"/>
+          <p:cNvGraphicFramePr/>
+          <p:nvPr>
+            <p:extLst>
+              <p:ext uri="{D42A27DB-BD31-4B8C-83A1-F6EECF244321}">
+                <p14:modId xmlns:p14="http://schemas.microsoft.com/office/powerpoint/2010/main" val="100394948"/>
+              </p:ext>
+            </p:extLst>
+          </p:nvPr>
+        </p:nvGraphicFramePr>
+        <p:xfrm>
+          <a:off x="415600" y="910592"/>
+          <a:ext cx="11776400" cy="4646928"/>
+        </p:xfrm>
+        <a:graphic>
+          <a:graphicData uri="http://schemas.openxmlformats.org/drawingml/2006/table">
+            <a:tbl>
+              <a:tblPr>
+                <a:noFill/>
+              </a:tblPr>
+              <a:tblGrid>
+                <a:gridCol w="5888200">
+                  <a:extLst>
+                    <a:ext uri="{9D8B030D-6E8A-4147-A177-3AD203B41FA5}">
+                      <a16:colId xmlns:a16="http://schemas.microsoft.com/office/drawing/2014/main" val="20000"/>
+                    </a:ext>
+                  </a:extLst>
+                </a:gridCol>
+                <a:gridCol w="5888200">
+                  <a:extLst>
+                    <a:ext uri="{9D8B030D-6E8A-4147-A177-3AD203B41FA5}">
+                      <a16:colId xmlns:a16="http://schemas.microsoft.com/office/drawing/2014/main" val="20001"/>
+                    </a:ext>
+                  </a:extLst>
+                </a:gridCol>
+              </a:tblGrid>
+              <a:tr h="1088619">
+                <a:tc>
+                  <a:txBody>
+                    <a:bodyPr/>
+                    <a:lstStyle/>
+                    <a:p>
+                      <a:pPr marL="0" lvl="0" indent="0" algn="l" rtl="0">
+                        <a:spcBef>
+                          <a:spcPts val="0"/>
+                        </a:spcBef>
+                        <a:spcAft>
+                          <a:spcPts val="0"/>
+                        </a:spcAft>
+                        <a:buNone/>
+                      </a:pPr>
+                      <a:r>
+                        <a:rPr lang="en" sz="2400" b="1" dirty="0"/>
+                        <a:t>Test Cases - input</a:t>
+                      </a:r>
+                      <a:endParaRPr sz="2400" b="1" dirty="0"/>
+                    </a:p>
+                  </a:txBody>
+                  <a:tcPr marL="121900" marR="121900" marT="121900" marB="121900">
+                    <a:solidFill>
+                      <a:srgbClr val="CCCCCC"/>
+                    </a:solidFill>
+                  </a:tcPr>
+                </a:tc>
+                <a:tc>
+                  <a:txBody>
+                    <a:bodyPr/>
+                    <a:lstStyle/>
+                    <a:p>
+                      <a:pPr marL="0" lvl="0" indent="0" algn="l" rtl="0">
+                        <a:spcBef>
+                          <a:spcPts val="0"/>
+                        </a:spcBef>
+                        <a:spcAft>
+                          <a:spcPts val="0"/>
+                        </a:spcAft>
+                        <a:buNone/>
+                      </a:pPr>
+                      <a:r>
+                        <a:rPr lang="en" sz="2400" b="1" dirty="0"/>
+                        <a:t>Expected output</a:t>
+                      </a:r>
+                      <a:endParaRPr sz="2400" b="1" dirty="0"/>
+                    </a:p>
+                  </a:txBody>
+                  <a:tcPr marL="121900" marR="121900" marT="121900" marB="121900">
+                    <a:solidFill>
+                      <a:srgbClr val="CCCCCC"/>
+                    </a:solidFill>
+                  </a:tcPr>
+                </a:tc>
+                <a:extLst>
+                  <a:ext uri="{0D108BD9-81ED-4DB2-BD59-A6C34878D82A}">
+                    <a16:rowId xmlns:a16="http://schemas.microsoft.com/office/drawing/2014/main" val="10000"/>
+                  </a:ext>
+                </a:extLst>
+              </a:tr>
+              <a:tr h="1816476">
+                <a:tc>
+                  <a:txBody>
+                    <a:bodyPr/>
+                    <a:lstStyle/>
+                    <a:p>
+                      <a:pPr marL="0" lvl="0" indent="0" algn="l" rtl="0">
+                        <a:spcBef>
+                          <a:spcPts val="0"/>
+                        </a:spcBef>
+                        <a:spcAft>
+                          <a:spcPts val="0"/>
+                        </a:spcAft>
+                        <a:buNone/>
+                      </a:pPr>
+                      <a:r>
+                        <a:rPr lang="en-NZ" sz="2400" dirty="0"/>
+                        <a:t>Quiz ends</a:t>
+                      </a:r>
+                    </a:p>
+                    <a:p>
+                      <a:pPr marL="0" lvl="0" indent="0" algn="l" rtl="0">
+                        <a:spcBef>
+                          <a:spcPts val="0"/>
+                        </a:spcBef>
+                        <a:spcAft>
+                          <a:spcPts val="0"/>
+                        </a:spcAft>
+                        <a:buNone/>
+                      </a:pPr>
+                      <a:r>
+                        <a:rPr lang="en-NZ" sz="2400" dirty="0"/>
+                        <a:t>User presses &lt;enter&gt; to play again</a:t>
+                      </a:r>
+                      <a:endParaRPr sz="2400" dirty="0"/>
+                    </a:p>
+                  </a:txBody>
+                  <a:tcPr marL="121900" marR="121900" marT="121900" marB="121900"/>
+                </a:tc>
+                <a:tc>
+                  <a:txBody>
+                    <a:bodyPr/>
+                    <a:lstStyle/>
+                    <a:p>
+                      <a:pPr marL="0" marR="0" lvl="0" indent="0" algn="l" defTabSz="914400" rtl="0" eaLnBrk="1" fontAlgn="auto" latinLnBrk="0" hangingPunct="1">
+                        <a:lnSpc>
+                          <a:spcPct val="100000"/>
+                        </a:lnSpc>
+                        <a:spcBef>
+                          <a:spcPts val="0"/>
+                        </a:spcBef>
+                        <a:spcAft>
+                          <a:spcPts val="0"/>
+                        </a:spcAft>
+                        <a:buClrTx/>
+                        <a:buSzTx/>
+                        <a:buFontTx/>
+                        <a:buNone/>
+                        <a:tabLst/>
+                        <a:defRPr/>
+                      </a:pPr>
+                      <a:r>
+                        <a:rPr lang="en-NZ" sz="2400" dirty="0"/>
+                        <a:t>Questions reset to 1</a:t>
+                      </a:r>
+                    </a:p>
+                    <a:p>
+                      <a:pPr marL="0" marR="0" lvl="0" indent="0" algn="l" defTabSz="914400" rtl="0" eaLnBrk="1" fontAlgn="auto" latinLnBrk="0" hangingPunct="1">
+                        <a:lnSpc>
+                          <a:spcPct val="100000"/>
+                        </a:lnSpc>
+                        <a:spcBef>
+                          <a:spcPts val="0"/>
+                        </a:spcBef>
+                        <a:spcAft>
+                          <a:spcPts val="0"/>
+                        </a:spcAft>
+                        <a:buClrTx/>
+                        <a:buSzTx/>
+                        <a:buFontTx/>
+                        <a:buNone/>
+                        <a:tabLst/>
+                        <a:defRPr/>
+                      </a:pPr>
+                      <a:r>
+                        <a:rPr lang="en-NZ" sz="2400" dirty="0"/>
+                        <a:t>Quiz continues </a:t>
+                      </a:r>
+                    </a:p>
+                  </a:txBody>
+                  <a:tcPr marL="121900" marR="121900" marT="121900" marB="121900"/>
+                </a:tc>
+                <a:extLst>
+                  <a:ext uri="{0D108BD9-81ED-4DB2-BD59-A6C34878D82A}">
+                    <a16:rowId xmlns:a16="http://schemas.microsoft.com/office/drawing/2014/main" val="10001"/>
+                  </a:ext>
+                </a:extLst>
+              </a:tr>
+              <a:tr h="1741833">
+                <a:tc>
+                  <a:txBody>
+                    <a:bodyPr/>
+                    <a:lstStyle/>
+                    <a:p>
+                      <a:pPr marL="0" lvl="0" indent="0" algn="l" rtl="0">
+                        <a:spcBef>
+                          <a:spcPts val="0"/>
+                        </a:spcBef>
+                        <a:spcAft>
+                          <a:spcPts val="0"/>
+                        </a:spcAft>
+                        <a:buNone/>
+                      </a:pPr>
+                      <a:r>
+                        <a:rPr lang="en-NZ" sz="2400" dirty="0"/>
+                        <a:t>Quiz ends </a:t>
+                      </a:r>
+                    </a:p>
+                    <a:p>
+                      <a:pPr marL="0" lvl="0" indent="0" algn="l" rtl="0">
+                        <a:spcBef>
+                          <a:spcPts val="0"/>
+                        </a:spcBef>
+                        <a:spcAft>
+                          <a:spcPts val="0"/>
+                        </a:spcAft>
+                        <a:buNone/>
+                      </a:pPr>
+                      <a:r>
+                        <a:rPr lang="en-NZ" sz="2400" dirty="0"/>
+                        <a:t>User presses ‘x’ to finish</a:t>
+                      </a:r>
+                      <a:endParaRPr sz="2400" dirty="0"/>
+                    </a:p>
+                  </a:txBody>
+                  <a:tcPr marL="121900" marR="121900" marT="121900" marB="121900"/>
+                </a:tc>
+                <a:tc>
+                  <a:txBody>
+                    <a:bodyPr/>
+                    <a:lstStyle/>
+                    <a:p>
+                      <a:pPr marL="0" marR="0" lvl="0" indent="0" algn="l" defTabSz="914400" rtl="0" eaLnBrk="1" fontAlgn="auto" latinLnBrk="0" hangingPunct="1">
+                        <a:lnSpc>
+                          <a:spcPct val="100000"/>
+                        </a:lnSpc>
+                        <a:spcBef>
+                          <a:spcPts val="0"/>
+                        </a:spcBef>
+                        <a:spcAft>
+                          <a:spcPts val="0"/>
+                        </a:spcAft>
+                        <a:buClrTx/>
+                        <a:buSzTx/>
+                        <a:buFontTx/>
+                        <a:buNone/>
+                        <a:tabLst/>
+                        <a:defRPr/>
+                      </a:pPr>
+                      <a:r>
+                        <a:rPr lang="en-NZ" sz="2400" dirty="0"/>
+                        <a:t>Show farewell screen</a:t>
+                      </a:r>
+                    </a:p>
+                  </a:txBody>
+                  <a:tcPr marL="121900" marR="121900" marT="121900" marB="121900"/>
+                </a:tc>
+                <a:extLst>
+                  <a:ext uri="{0D108BD9-81ED-4DB2-BD59-A6C34878D82A}">
+                    <a16:rowId xmlns:a16="http://schemas.microsoft.com/office/drawing/2014/main" val="2099733630"/>
+                  </a:ext>
+                </a:extLst>
+              </a:tr>
+            </a:tbl>
+          </a:graphicData>
+        </a:graphic>
+      </p:graphicFrame>
+    </p:spTree>
+    <p:extLst>
+      <p:ext uri="{BB962C8B-B14F-4D97-AF65-F5344CB8AC3E}">
+        <p14:creationId xmlns:p14="http://schemas.microsoft.com/office/powerpoint/2010/main" val="2057603850"/>
+      </p:ext>
+    </p:extLst>
+  </p:cSld>
+  <p:clrMapOvr>
+    <a:masterClrMapping/>
+  </p:clrMapOvr>
+</p:sld>
+</file>
+
+<file path=ppt/slides/slide33.xml><?xml version="1.0" encoding="utf-8"?>
+<p:sld xmlns:a="http://schemas.openxmlformats.org/drawingml/2006/main" xmlns:r="http://schemas.openxmlformats.org/officeDocument/2006/relationships" xmlns:p="http://schemas.openxmlformats.org/presentationml/2006/main">
+  <p:cSld>
+    <p:spTree>
+      <p:nvGrpSpPr>
+        <p:cNvPr id="1" name="Shape 90"/>
+        <p:cNvGrpSpPr/>
+        <p:nvPr/>
+      </p:nvGrpSpPr>
+      <p:grpSpPr>
+        <a:xfrm>
+          <a:off x="0" y="0"/>
+          <a:ext cx="0" cy="0"/>
+          <a:chOff x="0" y="0"/>
+          <a:chExt cx="0" cy="0"/>
+        </a:xfrm>
+      </p:grpSpPr>
+      <p:sp>
+        <p:nvSpPr>
+          <p:cNvPr id="91" name="Google Shape;91;p19"/>
+          <p:cNvSpPr txBox="1">
+            <a:spLocks noGrp="1"/>
+          </p:cNvSpPr>
+          <p:nvPr>
+            <p:ph type="title"/>
+          </p:nvPr>
+        </p:nvSpPr>
+        <p:spPr>
+          <a:xfrm>
+            <a:off x="415600" y="217447"/>
+            <a:ext cx="11360800" cy="763600"/>
+          </a:xfrm>
+          <a:prstGeom prst="rect">
+            <a:avLst/>
+          </a:prstGeom>
+        </p:spPr>
+        <p:txBody>
+          <a:bodyPr spcFirstLastPara="1" vert="horz" wrap="square" lIns="121900" tIns="121900" rIns="121900" bIns="121900" rtlCol="0" anchor="t" anchorCtr="0">
+            <a:noAutofit/>
+          </a:bodyPr>
+          <a:lstStyle/>
+          <a:p>
+            <a:r>
+              <a:rPr lang="en" sz="4000" dirty="0"/>
               <a:t>Test Plan: Assembled outcome 2 </a:t>
             </a:r>
             <a:endParaRPr sz="4000" dirty="0"/>
@@ -24700,7 +25804,7 @@
 </p:sld>
 </file>
 
-<file path=ppt/slides/slide32.xml><?xml version="1.0" encoding="utf-8"?>
+<file path=ppt/slides/slide34.xml><?xml version="1.0" encoding="utf-8"?>
 <p:sld xmlns:a="http://schemas.openxmlformats.org/drawingml/2006/main" xmlns:r="http://schemas.openxmlformats.org/officeDocument/2006/relationships" xmlns:p="http://schemas.openxmlformats.org/presentationml/2006/main">
   <p:cSld>
     <p:spTree>
@@ -25072,7 +26176,7 @@
 </p:sld>
 </file>
 
-<file path=ppt/slides/slide33.xml><?xml version="1.0" encoding="utf-8"?>
+<file path=ppt/slides/slide35.xml><?xml version="1.0" encoding="utf-8"?>
 <p:sld xmlns:a="http://schemas.openxmlformats.org/drawingml/2006/main" xmlns:r="http://schemas.openxmlformats.org/officeDocument/2006/relationships" xmlns:p="http://schemas.openxmlformats.org/presentationml/2006/main">
   <p:cSld>
     <p:spTree>
@@ -25468,7 +26572,7 @@
 </p:sld>
 </file>
 
-<file path=ppt/slides/slide34.xml><?xml version="1.0" encoding="utf-8"?>
+<file path=ppt/slides/slide36.xml><?xml version="1.0" encoding="utf-8"?>
 <p:sld xmlns:a="http://schemas.openxmlformats.org/drawingml/2006/main" xmlns:r="http://schemas.openxmlformats.org/officeDocument/2006/relationships" xmlns:p="http://schemas.openxmlformats.org/presentationml/2006/main">
   <p:cSld>
     <p:spTree>
@@ -26043,7 +27147,7 @@
 </p:sld>
 </file>
 
-<file path=ppt/slides/slide35.xml><?xml version="1.0" encoding="utf-8"?>
+<file path=ppt/slides/slide37.xml><?xml version="1.0" encoding="utf-8"?>
 <p:sld xmlns:a="http://schemas.openxmlformats.org/drawingml/2006/main" xmlns:r="http://schemas.openxmlformats.org/officeDocument/2006/relationships" xmlns:p="http://schemas.openxmlformats.org/presentationml/2006/main">
   <p:cSld>
     <p:spTree>
@@ -26339,7 +27443,7 @@
 </p:sld>
 </file>
 
-<file path=ppt/slides/slide36.xml><?xml version="1.0" encoding="utf-8"?>
+<file path=ppt/slides/slide38.xml><?xml version="1.0" encoding="utf-8"?>
 <p:sld xmlns:a="http://schemas.openxmlformats.org/drawingml/2006/main" xmlns:r="http://schemas.openxmlformats.org/officeDocument/2006/relationships" xmlns:p="http://schemas.openxmlformats.org/presentationml/2006/main">
   <p:cSld>
     <p:spTree>
@@ -26464,7 +27568,7 @@
 </p:sld>
 </file>
 
-<file path=ppt/slides/slide37.xml><?xml version="1.0" encoding="utf-8"?>
+<file path=ppt/slides/slide39.xml><?xml version="1.0" encoding="utf-8"?>
 <p:sld xmlns:a="http://schemas.openxmlformats.org/drawingml/2006/main" xmlns:r="http://schemas.openxmlformats.org/officeDocument/2006/relationships" xmlns:p="http://schemas.openxmlformats.org/presentationml/2006/main">
   <p:cSld>
     <p:spTree>

--- a/AS91883(1.7) & AS91884(1.8) Documentation.pptx
+++ b/AS91883(1.7) & AS91884(1.8) Documentation.pptx
@@ -5,7 +5,7 @@
     <p:sldMasterId id="2147483648" r:id="rId1"/>
   </p:sldMasterIdLst>
   <p:notesMasterIdLst>
-    <p:notesMasterId r:id="rId41"/>
+    <p:notesMasterId r:id="rId42"/>
   </p:notesMasterIdLst>
   <p:sldIdLst>
     <p:sldId id="256" r:id="rId2"/>
@@ -39,14 +39,15 @@
     <p:sldId id="293" r:id="rId30"/>
     <p:sldId id="263" r:id="rId31"/>
     <p:sldId id="306" r:id="rId32"/>
-    <p:sldId id="307" r:id="rId33"/>
-    <p:sldId id="294" r:id="rId34"/>
-    <p:sldId id="296" r:id="rId35"/>
+    <p:sldId id="296" r:id="rId33"/>
+    <p:sldId id="307" r:id="rId34"/>
+    <p:sldId id="294" r:id="rId35"/>
     <p:sldId id="295" r:id="rId36"/>
     <p:sldId id="297" r:id="rId37"/>
     <p:sldId id="270" r:id="rId38"/>
     <p:sldId id="261" r:id="rId39"/>
-    <p:sldId id="266" r:id="rId40"/>
+    <p:sldId id="308" r:id="rId40"/>
+    <p:sldId id="266" r:id="rId41"/>
   </p:sldIdLst>
   <p:sldSz cx="12192000" cy="6858000"/>
   <p:notesSz cx="6858000" cy="9144000"/>
@@ -3220,7 +3221,7 @@
   <pc:docChgLst>
     <pc:chgData name="Molly Sankey" userId="944469c7-6883-451f-9b55-4524bc4915b3" providerId="ADAL" clId="{F1BAABD6-565A-4B4D-9F14-502B1B8F4095}"/>
     <pc:docChg chg="undo custSel addSld delSld modSld sldOrd">
-      <pc:chgData name="Molly Sankey" userId="944469c7-6883-451f-9b55-4524bc4915b3" providerId="ADAL" clId="{F1BAABD6-565A-4B4D-9F14-502B1B8F4095}" dt="2022-05-22T23:29:57.883" v="5572" actId="478"/>
+      <pc:chgData name="Molly Sankey" userId="944469c7-6883-451f-9b55-4524bc4915b3" providerId="ADAL" clId="{F1BAABD6-565A-4B4D-9F14-502B1B8F4095}" dt="2022-05-23T00:27:30.051" v="5628" actId="20577"/>
       <pc:docMkLst>
         <pc:docMk/>
       </pc:docMkLst>
@@ -3461,12 +3462,36 @@
           </ac:picMkLst>
         </pc:picChg>
       </pc:sldChg>
-      <pc:sldChg chg="delSp mod ord">
-        <pc:chgData name="Molly Sankey" userId="944469c7-6883-451f-9b55-4524bc4915b3" providerId="ADAL" clId="{F1BAABD6-565A-4B4D-9F14-502B1B8F4095}" dt="2022-05-22T23:29:57.883" v="5572" actId="478"/>
+      <pc:sldChg chg="addSp delSp modSp mod ord">
+        <pc:chgData name="Molly Sankey" userId="944469c7-6883-451f-9b55-4524bc4915b3" providerId="ADAL" clId="{F1BAABD6-565A-4B4D-9F14-502B1B8F4095}" dt="2022-05-22T23:40:18.597" v="5596" actId="113"/>
         <pc:sldMkLst>
           <pc:docMk/>
           <pc:sldMk cId="1084233196" sldId="263"/>
         </pc:sldMkLst>
+        <pc:spChg chg="mod">
+          <ac:chgData name="Molly Sankey" userId="944469c7-6883-451f-9b55-4524bc4915b3" providerId="ADAL" clId="{F1BAABD6-565A-4B4D-9F14-502B1B8F4095}" dt="2022-05-22T23:40:18.597" v="5596" actId="113"/>
+          <ac:spMkLst>
+            <pc:docMk/>
+            <pc:sldMk cId="1084233196" sldId="263"/>
+            <ac:spMk id="15" creationId="{191A371F-3DCB-4C3D-8390-5779AB1576D0}"/>
+          </ac:spMkLst>
+        </pc:spChg>
+        <pc:spChg chg="add mod">
+          <ac:chgData name="Molly Sankey" userId="944469c7-6883-451f-9b55-4524bc4915b3" providerId="ADAL" clId="{F1BAABD6-565A-4B4D-9F14-502B1B8F4095}" dt="2022-05-22T23:39:49.484" v="5589" actId="14100"/>
+          <ac:spMkLst>
+            <pc:docMk/>
+            <pc:sldMk cId="1084233196" sldId="263"/>
+            <ac:spMk id="34" creationId="{7C1C6A1E-A0D1-4AC0-B4A8-A4099DF96017}"/>
+          </ac:spMkLst>
+        </pc:spChg>
+        <pc:picChg chg="add mod">
+          <ac:chgData name="Molly Sankey" userId="944469c7-6883-451f-9b55-4524bc4915b3" providerId="ADAL" clId="{F1BAABD6-565A-4B4D-9F14-502B1B8F4095}" dt="2022-05-22T23:38:01.556" v="5577" actId="1076"/>
+          <ac:picMkLst>
+            <pc:docMk/>
+            <pc:sldMk cId="1084233196" sldId="263"/>
+            <ac:picMk id="4" creationId="{E984195E-C380-4CD3-B2CE-27C0048BADCE}"/>
+          </ac:picMkLst>
+        </pc:picChg>
         <pc:picChg chg="del">
           <ac:chgData name="Molly Sankey" userId="944469c7-6883-451f-9b55-4524bc4915b3" providerId="ADAL" clId="{F1BAABD6-565A-4B4D-9F14-502B1B8F4095}" dt="2022-05-22T23:29:56.426" v="5571" actId="478"/>
           <ac:picMkLst>
@@ -3483,6 +3508,118 @@
             <ac:picMk id="7" creationId="{82E7DC16-FF8D-40A0-96B9-9F8F61F48538}"/>
           </ac:picMkLst>
         </pc:picChg>
+        <pc:picChg chg="add mod">
+          <ac:chgData name="Molly Sankey" userId="944469c7-6883-451f-9b55-4524bc4915b3" providerId="ADAL" clId="{F1BAABD6-565A-4B4D-9F14-502B1B8F4095}" dt="2022-05-22T23:38:32.242" v="5581" actId="1076"/>
+          <ac:picMkLst>
+            <pc:docMk/>
+            <pc:sldMk cId="1084233196" sldId="263"/>
+            <ac:picMk id="16" creationId="{7A0EA225-9758-43B6-8654-DD1ED07D2FE7}"/>
+          </ac:picMkLst>
+        </pc:picChg>
+        <pc:inkChg chg="del">
+          <ac:chgData name="Molly Sankey" userId="944469c7-6883-451f-9b55-4524bc4915b3" providerId="ADAL" clId="{F1BAABD6-565A-4B4D-9F14-502B1B8F4095}" dt="2022-05-22T23:34:44.890" v="5575" actId="478"/>
+          <ac:inkMkLst>
+            <pc:docMk/>
+            <pc:sldMk cId="1084233196" sldId="263"/>
+            <ac:inkMk id="8" creationId="{B41B9D85-833B-45B3-9B1E-499E15D92C5F}"/>
+          </ac:inkMkLst>
+        </pc:inkChg>
+        <pc:inkChg chg="del">
+          <ac:chgData name="Molly Sankey" userId="944469c7-6883-451f-9b55-4524bc4915b3" providerId="ADAL" clId="{F1BAABD6-565A-4B4D-9F14-502B1B8F4095}" dt="2022-05-22T23:34:40.548" v="5573" actId="478"/>
+          <ac:inkMkLst>
+            <pc:docMk/>
+            <pc:sldMk cId="1084233196" sldId="263"/>
+            <ac:inkMk id="9" creationId="{FA239718-D912-4EC5-B38C-E3AB4EB44DFE}"/>
+          </ac:inkMkLst>
+        </pc:inkChg>
+        <pc:inkChg chg="del">
+          <ac:chgData name="Molly Sankey" userId="944469c7-6883-451f-9b55-4524bc4915b3" providerId="ADAL" clId="{F1BAABD6-565A-4B4D-9F14-502B1B8F4095}" dt="2022-05-22T23:34:40.548" v="5573" actId="478"/>
+          <ac:inkMkLst>
+            <pc:docMk/>
+            <pc:sldMk cId="1084233196" sldId="263"/>
+            <ac:inkMk id="10" creationId="{4201B590-33CA-4770-BE16-81227B1428C2}"/>
+          </ac:inkMkLst>
+        </pc:inkChg>
+        <pc:inkChg chg="del">
+          <ac:chgData name="Molly Sankey" userId="944469c7-6883-451f-9b55-4524bc4915b3" providerId="ADAL" clId="{F1BAABD6-565A-4B4D-9F14-502B1B8F4095}" dt="2022-05-22T23:34:40.548" v="5573" actId="478"/>
+          <ac:inkMkLst>
+            <pc:docMk/>
+            <pc:sldMk cId="1084233196" sldId="263"/>
+            <ac:inkMk id="11" creationId="{600189F9-5F8E-432F-8D2D-D4542FEF6F40}"/>
+          </ac:inkMkLst>
+        </pc:inkChg>
+        <pc:inkChg chg="del">
+          <ac:chgData name="Molly Sankey" userId="944469c7-6883-451f-9b55-4524bc4915b3" providerId="ADAL" clId="{F1BAABD6-565A-4B4D-9F14-502B1B8F4095}" dt="2022-05-22T23:34:40.548" v="5573" actId="478"/>
+          <ac:inkMkLst>
+            <pc:docMk/>
+            <pc:sldMk cId="1084233196" sldId="263"/>
+            <ac:inkMk id="12" creationId="{8D49F908-8932-4775-A2B2-C3E223016DF8}"/>
+          </ac:inkMkLst>
+        </pc:inkChg>
+        <pc:inkChg chg="del">
+          <ac:chgData name="Molly Sankey" userId="944469c7-6883-451f-9b55-4524bc4915b3" providerId="ADAL" clId="{F1BAABD6-565A-4B4D-9F14-502B1B8F4095}" dt="2022-05-22T23:34:40.548" v="5573" actId="478"/>
+          <ac:inkMkLst>
+            <pc:docMk/>
+            <pc:sldMk cId="1084233196" sldId="263"/>
+            <ac:inkMk id="13" creationId="{603ACE94-E06B-42F3-8F6B-8818F6B9DBBF}"/>
+          </ac:inkMkLst>
+        </pc:inkChg>
+        <pc:inkChg chg="del">
+          <ac:chgData name="Molly Sankey" userId="944469c7-6883-451f-9b55-4524bc4915b3" providerId="ADAL" clId="{F1BAABD6-565A-4B4D-9F14-502B1B8F4095}" dt="2022-05-22T23:34:40.548" v="5573" actId="478"/>
+          <ac:inkMkLst>
+            <pc:docMk/>
+            <pc:sldMk cId="1084233196" sldId="263"/>
+            <ac:inkMk id="14" creationId="{051C41BE-6D93-4D7A-8F03-476098BB6A47}"/>
+          </ac:inkMkLst>
+        </pc:inkChg>
+        <pc:inkChg chg="add del">
+          <ac:chgData name="Molly Sankey" userId="944469c7-6883-451f-9b55-4524bc4915b3" providerId="ADAL" clId="{F1BAABD6-565A-4B4D-9F14-502B1B8F4095}" dt="2022-05-22T23:38:50.467" v="5583" actId="9405"/>
+          <ac:inkMkLst>
+            <pc:docMk/>
+            <pc:sldMk cId="1084233196" sldId="263"/>
+            <ac:inkMk id="17" creationId="{9E30E7D1-46DE-4C77-8677-D0CEE9698728}"/>
+          </ac:inkMkLst>
+        </pc:inkChg>
+        <pc:inkChg chg="add">
+          <ac:chgData name="Molly Sankey" userId="944469c7-6883-451f-9b55-4524bc4915b3" providerId="ADAL" clId="{F1BAABD6-565A-4B4D-9F14-502B1B8F4095}" dt="2022-05-22T23:38:51.782" v="5584" actId="9405"/>
+          <ac:inkMkLst>
+            <pc:docMk/>
+            <pc:sldMk cId="1084233196" sldId="263"/>
+            <ac:inkMk id="18" creationId="{7EBA2AEB-62AA-4B1B-BEEB-C7BCAB152D0D}"/>
+          </ac:inkMkLst>
+        </pc:inkChg>
+        <pc:inkChg chg="add del">
+          <ac:chgData name="Molly Sankey" userId="944469c7-6883-451f-9b55-4524bc4915b3" providerId="ADAL" clId="{F1BAABD6-565A-4B4D-9F14-502B1B8F4095}" dt="2022-05-22T23:39:43.508" v="5588" actId="34122"/>
+          <ac:inkMkLst>
+            <pc:docMk/>
+            <pc:sldMk cId="1084233196" sldId="263"/>
+            <ac:inkMk id="19" creationId="{F22FEB6E-FE1B-43FB-8BA7-553D696418C2}"/>
+          </ac:inkMkLst>
+        </pc:inkChg>
+        <pc:inkChg chg="add">
+          <ac:chgData name="Molly Sankey" userId="944469c7-6883-451f-9b55-4524bc4915b3" providerId="ADAL" clId="{F1BAABD6-565A-4B4D-9F14-502B1B8F4095}" dt="2022-05-22T23:39:01.584" v="5586" actId="9405"/>
+          <ac:inkMkLst>
+            <pc:docMk/>
+            <pc:sldMk cId="1084233196" sldId="263"/>
+            <ac:inkMk id="20" creationId="{B0553B4E-BEF2-4AB8-8735-A089775365EB}"/>
+          </ac:inkMkLst>
+        </pc:inkChg>
+        <pc:inkChg chg="add del">
+          <ac:chgData name="Molly Sankey" userId="944469c7-6883-451f-9b55-4524bc4915b3" providerId="ADAL" clId="{F1BAABD6-565A-4B4D-9F14-502B1B8F4095}" dt="2022-05-22T23:39:43.508" v="5588" actId="34122"/>
+          <ac:inkMkLst>
+            <pc:docMk/>
+            <pc:sldMk cId="1084233196" sldId="263"/>
+            <ac:inkMk id="21" creationId="{9D6AD30A-5AE2-489E-BE1C-734487B90507}"/>
+          </ac:inkMkLst>
+        </pc:inkChg>
+        <pc:inkChg chg="add">
+          <ac:chgData name="Molly Sankey" userId="944469c7-6883-451f-9b55-4524bc4915b3" providerId="ADAL" clId="{F1BAABD6-565A-4B4D-9F14-502B1B8F4095}" dt="2022-05-22T23:40:05.500" v="5590" actId="9405"/>
+          <ac:inkMkLst>
+            <pc:docMk/>
+            <pc:sldMk cId="1084233196" sldId="263"/>
+            <ac:inkMk id="22" creationId="{6D57A88F-6A49-430B-979C-5B0A06FAE203}"/>
+          </ac:inkMkLst>
+        </pc:inkChg>
       </pc:sldChg>
       <pc:sldChg chg="addSp delSp modSp mod">
         <pc:chgData name="Molly Sankey" userId="944469c7-6883-451f-9b55-4524bc4915b3" providerId="ADAL" clId="{F1BAABD6-565A-4B4D-9F14-502B1B8F4095}" dt="2022-05-09T21:12:34.052" v="2451" actId="14100"/>
@@ -4566,6 +4703,85 @@
           </ac:graphicFrameMkLst>
         </pc:graphicFrameChg>
       </pc:sldChg>
+      <pc:sldChg chg="addSp delSp modSp mod ord">
+        <pc:chgData name="Molly Sankey" userId="944469c7-6883-451f-9b55-4524bc4915b3" providerId="ADAL" clId="{F1BAABD6-565A-4B4D-9F14-502B1B8F4095}" dt="2022-05-22T23:44:37.038" v="5610" actId="14100"/>
+        <pc:sldMkLst>
+          <pc:docMk/>
+          <pc:sldMk cId="2493281480" sldId="296"/>
+        </pc:sldMkLst>
+        <pc:spChg chg="del">
+          <ac:chgData name="Molly Sankey" userId="944469c7-6883-451f-9b55-4524bc4915b3" providerId="ADAL" clId="{F1BAABD6-565A-4B4D-9F14-502B1B8F4095}" dt="2022-05-22T23:40:27.979" v="5599" actId="478"/>
+          <ac:spMkLst>
+            <pc:docMk/>
+            <pc:sldMk cId="2493281480" sldId="296"/>
+            <ac:spMk id="21" creationId="{15929154-5457-4AD7-B6D0-394BDC1ACC78}"/>
+          </ac:spMkLst>
+        </pc:spChg>
+        <pc:spChg chg="add mod">
+          <ac:chgData name="Molly Sankey" userId="944469c7-6883-451f-9b55-4524bc4915b3" providerId="ADAL" clId="{F1BAABD6-565A-4B4D-9F14-502B1B8F4095}" dt="2022-05-22T23:44:37.038" v="5610" actId="14100"/>
+          <ac:spMkLst>
+            <pc:docMk/>
+            <pc:sldMk cId="2493281480" sldId="296"/>
+            <ac:spMk id="21" creationId="{7884ADE6-5EE6-4A92-A943-A0F4B0901E30}"/>
+          </ac:spMkLst>
+        </pc:spChg>
+        <pc:picChg chg="del">
+          <ac:chgData name="Molly Sankey" userId="944469c7-6883-451f-9b55-4524bc4915b3" providerId="ADAL" clId="{F1BAABD6-565A-4B4D-9F14-502B1B8F4095}" dt="2022-05-22T23:40:40.539" v="5601" actId="478"/>
+          <ac:picMkLst>
+            <pc:docMk/>
+            <pc:sldMk cId="2493281480" sldId="296"/>
+            <ac:picMk id="4" creationId="{A88F6254-2930-4C9A-9CCB-0C31DBC0D80F}"/>
+          </ac:picMkLst>
+        </pc:picChg>
+        <pc:picChg chg="add mod">
+          <ac:chgData name="Molly Sankey" userId="944469c7-6883-451f-9b55-4524bc4915b3" providerId="ADAL" clId="{F1BAABD6-565A-4B4D-9F14-502B1B8F4095}" dt="2022-05-22T23:44:08.202" v="5605" actId="14100"/>
+          <ac:picMkLst>
+            <pc:docMk/>
+            <pc:sldMk cId="2493281480" sldId="296"/>
+            <ac:picMk id="5" creationId="{7CB0229C-868A-482C-8FAE-4EE54FF9845A}"/>
+          </ac:picMkLst>
+        </pc:picChg>
+        <pc:picChg chg="del">
+          <ac:chgData name="Molly Sankey" userId="944469c7-6883-451f-9b55-4524bc4915b3" providerId="ADAL" clId="{F1BAABD6-565A-4B4D-9F14-502B1B8F4095}" dt="2022-05-22T23:40:42.201" v="5602" actId="478"/>
+          <ac:picMkLst>
+            <pc:docMk/>
+            <pc:sldMk cId="2493281480" sldId="296"/>
+            <ac:picMk id="31" creationId="{CB88BDA4-58ED-4D33-8EC5-7E7E7848553A}"/>
+          </ac:picMkLst>
+        </pc:picChg>
+        <pc:inkChg chg="add del">
+          <ac:chgData name="Molly Sankey" userId="944469c7-6883-451f-9b55-4524bc4915b3" providerId="ADAL" clId="{F1BAABD6-565A-4B4D-9F14-502B1B8F4095}" dt="2022-05-22T23:44:24.972" v="5607" actId="34122"/>
+          <ac:inkMkLst>
+            <pc:docMk/>
+            <pc:sldMk cId="2493281480" sldId="296"/>
+            <ac:inkMk id="6" creationId="{16DF8819-8725-4F44-A814-D4C281280986}"/>
+          </ac:inkMkLst>
+        </pc:inkChg>
+        <pc:inkChg chg="del">
+          <ac:chgData name="Molly Sankey" userId="944469c7-6883-451f-9b55-4524bc4915b3" providerId="ADAL" clId="{F1BAABD6-565A-4B4D-9F14-502B1B8F4095}" dt="2022-05-22T23:40:35.621" v="5600" actId="478"/>
+          <ac:inkMkLst>
+            <pc:docMk/>
+            <pc:sldMk cId="2493281480" sldId="296"/>
+            <ac:inkMk id="29" creationId="{2B5712CB-AEA7-44A0-B309-2AECFD804629}"/>
+          </ac:inkMkLst>
+        </pc:inkChg>
+        <pc:inkChg chg="del">
+          <ac:chgData name="Molly Sankey" userId="944469c7-6883-451f-9b55-4524bc4915b3" providerId="ADAL" clId="{F1BAABD6-565A-4B4D-9F14-502B1B8F4095}" dt="2022-05-22T23:40:35.621" v="5600" actId="478"/>
+          <ac:inkMkLst>
+            <pc:docMk/>
+            <pc:sldMk cId="2493281480" sldId="296"/>
+            <ac:inkMk id="32" creationId="{F8823078-E861-4DA5-AF5E-EDBA3102740B}"/>
+          </ac:inkMkLst>
+        </pc:inkChg>
+        <pc:inkChg chg="del">
+          <ac:chgData name="Molly Sankey" userId="944469c7-6883-451f-9b55-4524bc4915b3" providerId="ADAL" clId="{F1BAABD6-565A-4B4D-9F14-502B1B8F4095}" dt="2022-05-22T23:40:35.621" v="5600" actId="478"/>
+          <ac:inkMkLst>
+            <pc:docMk/>
+            <pc:sldMk cId="2493281480" sldId="296"/>
+            <ac:inkMk id="33" creationId="{60E87934-33AC-4F35-A3E0-F95584EF58BF}"/>
+          </ac:inkMkLst>
+        </pc:inkChg>
+      </pc:sldChg>
       <pc:sldChg chg="modSp add mod">
         <pc:chgData name="Molly Sankey" userId="944469c7-6883-451f-9b55-4524bc4915b3" providerId="ADAL" clId="{F1BAABD6-565A-4B4D-9F14-502B1B8F4095}" dt="2022-05-08T23:22:31.564" v="1069" actId="2165"/>
         <pc:sldMkLst>
@@ -5739,6 +5955,37 @@
             <ac:graphicFrameMk id="92" creationId="{00000000-0000-0000-0000-000000000000}"/>
           </ac:graphicFrameMkLst>
         </pc:graphicFrameChg>
+      </pc:sldChg>
+      <pc:sldChg chg="addSp delSp modSp add mod ord">
+        <pc:chgData name="Molly Sankey" userId="944469c7-6883-451f-9b55-4524bc4915b3" providerId="ADAL" clId="{F1BAABD6-565A-4B4D-9F14-502B1B8F4095}" dt="2022-05-23T00:27:30.051" v="5628" actId="20577"/>
+        <pc:sldMkLst>
+          <pc:docMk/>
+          <pc:sldMk cId="2856955835" sldId="308"/>
+        </pc:sldMkLst>
+        <pc:spChg chg="mod">
+          <ac:chgData name="Molly Sankey" userId="944469c7-6883-451f-9b55-4524bc4915b3" providerId="ADAL" clId="{F1BAABD6-565A-4B4D-9F14-502B1B8F4095}" dt="2022-05-23T00:27:30.051" v="5628" actId="20577"/>
+          <ac:spMkLst>
+            <pc:docMk/>
+            <pc:sldMk cId="2856955835" sldId="308"/>
+            <ac:spMk id="2" creationId="{0AC904DD-5A10-446B-A89E-8DA5AC00DE23}"/>
+          </ac:spMkLst>
+        </pc:spChg>
+        <pc:spChg chg="del">
+          <ac:chgData name="Molly Sankey" userId="944469c7-6883-451f-9b55-4524bc4915b3" providerId="ADAL" clId="{F1BAABD6-565A-4B4D-9F14-502B1B8F4095}" dt="2022-05-23T00:27:08.495" v="5614" actId="478"/>
+          <ac:spMkLst>
+            <pc:docMk/>
+            <pc:sldMk cId="2856955835" sldId="308"/>
+            <ac:spMk id="4" creationId="{3E0C2D1D-B6B1-4382-96F8-EC3E0ABBE3A6}"/>
+          </ac:spMkLst>
+        </pc:spChg>
+        <pc:picChg chg="add mod">
+          <ac:chgData name="Molly Sankey" userId="944469c7-6883-451f-9b55-4524bc4915b3" providerId="ADAL" clId="{F1BAABD6-565A-4B4D-9F14-502B1B8F4095}" dt="2022-05-23T00:27:11.620" v="5616" actId="1076"/>
+          <ac:picMkLst>
+            <pc:docMk/>
+            <pc:sldMk cId="2856955835" sldId="308"/>
+            <ac:picMk id="5" creationId="{54BE8EB9-2A93-4965-946D-8BDE7B1CCEC9}"/>
+          </ac:picMkLst>
+        </pc:picChg>
       </pc:sldChg>
     </pc:docChg>
   </pc:docChgLst>
@@ -6282,7 +6529,7 @@
           <inkml:channelProperty channel="F" name="resolution" value="0" units="1/dev"/>
         </inkml:channelProperties>
       </inkml:inkSource>
-      <inkml:timestamp xml:id="ts0" timeString="2022-04-21T02:52:47.781"/>
+      <inkml:timestamp xml:id="ts0" timeString="2022-05-22T23:38:51.782"/>
     </inkml:context>
     <inkml:brush xml:id="br0">
       <inkml:brushProperty name="width" value="0.2" units="cm"/>
@@ -6290,7 +6537,7 @@
       <inkml:brushProperty name="color" value="#66CC00"/>
     </inkml:brush>
   </inkml:definitions>
-  <inkml:trace contextRef="#ctx0" brushRef="#br0">13 129 3097,'-2'2'296,"-8"11"2358,10-12-2621,0-1 1,0 0 0,0 1 0,0-1-1,0 0 1,0 1 0,1-1-1,-1 0 1,0 1 0,0-1 0,0 0-1,1 1 1,-1-1 0,0 0-1,0 1 1,1-1 0,-1 0 0,0 0-1,0 0 1,1 1 0,-1-1 0,0 0-1,1 0 1,-1 0 0,0 0-1,1 1 1,-1-1 0,1 0 0,-1 0-1,0 0 1,1 0 0,-1 0-1,0 0 1,1 0 0,-1 0 0,1 0-1,-1 0 1,0 0 0,1 0-1,-1 0 1,1-1 0,45 4 417,1-3 0,-1-1 0,1-3 0,-1-1 0,0-3 1,0-1-1,50-19 0,80-21-124,-148 44-266,1 1 0,-1 1 1,1 1-1,38 3 0,-61 0-52,5 0 31,-1-1 0,22-1 1,-24-2-56,-8-1-86,-7-2-179,-20-8 45,10 4 105</inkml:trace>
+  <inkml:trace contextRef="#ctx0" brushRef="#br0">0 26 1616,'9'1'249,"0"-1"0,1 0 0,-1-1 0,0 0 0,0-1 0,0 0 0,17-5 0,-13 3 312,0 1 0,22-3-1,-1 5-11,-1 3 0,1 0 0,49 11-1,34 3 54,278-7 403,-159-7-648,-178 0-371,25 0-324,111-10 0,-189 8 263,-2 0 44,0 0-1,-1-1 1,1 1-1,0 0 1,0-1-1,-1 0 1,1 0-1,0 0 1,-1 0-1,6-3 1,-7-4-225</inkml:trace>
 </inkml:ink>
 </file>
 
@@ -6310,7 +6557,7 @@
           <inkml:channelProperty channel="F" name="resolution" value="0" units="1/dev"/>
         </inkml:channelProperties>
       </inkml:inkSource>
-      <inkml:timestamp xml:id="ts0" timeString="2022-04-21T02:52:48.903"/>
+      <inkml:timestamp xml:id="ts0" timeString="2022-05-22T23:39:01.584"/>
     </inkml:context>
     <inkml:brush xml:id="br0">
       <inkml:brushProperty name="width" value="0.2" units="cm"/>
@@ -6318,7 +6565,7 @@
       <inkml:brushProperty name="color" value="#66CC00"/>
     </inkml:brush>
   </inkml:definitions>
-  <inkml:trace contextRef="#ctx0" brushRef="#br0">0 13 4209,'6'1'331,"-1"0"-1,1-1 1,0 1 0,0-1 0,-1-1 0,1 1-1,0-1 1,9-2 0,9-1 253,54-2 739,122 5 0,-157 5-1257,0 1-1,0 2 1,0 2 0,58 20 0,-93-26-94,-2-6-23</inkml:trace>
+  <inkml:trace contextRef="#ctx0" brushRef="#br0">4 101 3225,'-4'-3'3847,"22"-2"-2424,-10 3-1213,0 0 1,0 1-1,17-1 1,40 13 454,-38-6-415,48 4-1,17-10-88,-49 0-33,-1 1 0,61 9 0,-77-4-31,1-1 0,-1-1 0,1-2 0,0 0 0,35-5 0,-28-1-36,0 0 1,0 3-1,0 0 1,1 3 0,-1 0-1,44 9 1,-45-5 28,0-2 1,40-1 0,-7 0 5,51 2 39,-60-4 28,1 3 1,77 14-1,-28-5 35,-8-1-140,-81-9-33,0-1 0,0 0 0,0-2 0,25-2-1,-18 0 14,35 2-1,221-8 132,-220 5-150,508 3 337,-489 9-345,-44-4 10,0-1-1,38-2 0,298-24 76,-193 8-105,-37 2 2,177 2 64,-36-20-39,-224 24-14,237-20 13,-12 7-2,-231 22-19,-43 0 2,0-1 0,1-1 0,-1 0 1,1 0-1,13-3 0,-7 0-15,14-4-166,-31 7 167,0 0 0,1 0 1,-1 0-1,0 0 0,0 0 0,0 0 0,0 0 0,0 0 1,0 0-1,0 0 0,0 0 0,1-1 0,-1 1 1,0 0-1,0 0 0,0 0 0,0 0 0,0 0 0,0 0 1,0 0-1,0 0 0,0-1 0,0 1 0,0 0 0,0 0 1,0 0-1,0 0 0,0 0 0,0 0 0,0-1 1,0 1-1,0 0 0,0 0 0,0 0 0,0 0 0,0 0 1,0 0-1,0-1 0,0 1 0,0 0 0,0 0 1,0 0-1,0 0 0,0 0 0,0 0 0,0 0 0,0-1 1,-1 1-1,-7-6-254,-10-3 96,-2 1-103</inkml:trace>
 </inkml:ink>
 </file>
 
@@ -6338,7 +6585,7 @@
           <inkml:channelProperty channel="F" name="resolution" value="0" units="1/dev"/>
         </inkml:channelProperties>
       </inkml:inkSource>
-      <inkml:timestamp xml:id="ts0" timeString="2022-04-21T02:52:49.935"/>
+      <inkml:timestamp xml:id="ts0" timeString="2022-05-22T23:40:05.498"/>
     </inkml:context>
     <inkml:brush xml:id="br0">
       <inkml:brushProperty name="width" value="0.2" units="cm"/>
@@ -6346,35 +6593,7 @@
       <inkml:brushProperty name="color" value="#66CC00"/>
     </inkml:brush>
   </inkml:definitions>
-  <inkml:trace contextRef="#ctx0" brushRef="#br0">1 31 2881,'-1'2'1372,"9"-2"-515,12-2 149,17-5 190,104-14 1302,-121 20-2426,0 0-1,0 1 0,0 1 0,0 1 0,21 4 0,-25 0-103,-8-1-27</inkml:trace>
-</inkml:ink>
-</file>
-
-<file path=ppt/ink/ink29.xml><?xml version="1.0" encoding="utf-8"?>
-<inkml:ink xmlns:inkml="http://www.w3.org/2003/InkML">
-  <inkml:definitions>
-    <inkml:context xml:id="ctx0">
-      <inkml:inkSource xml:id="inkSrc0">
-        <inkml:traceFormat>
-          <inkml:channel name="X" type="integer" min="-2.14748E9" max="2.14748E9" units="cm"/>
-          <inkml:channel name="Y" type="integer" min="-2.14748E9" max="2.14748E9" units="cm"/>
-          <inkml:channel name="F" type="integer" max="32767" units="dev"/>
-        </inkml:traceFormat>
-        <inkml:channelProperties>
-          <inkml:channelProperty channel="X" name="resolution" value="1000" units="1/cm"/>
-          <inkml:channelProperty channel="Y" name="resolution" value="1000" units="1/cm"/>
-          <inkml:channelProperty channel="F" name="resolution" value="0" units="1/dev"/>
-        </inkml:channelProperties>
-      </inkml:inkSource>
-      <inkml:timestamp xml:id="ts0" timeString="2022-04-21T02:52:50.782"/>
-    </inkml:context>
-    <inkml:brush xml:id="br0">
-      <inkml:brushProperty name="width" value="0.2" units="cm"/>
-      <inkml:brushProperty name="height" value="0.2" units="cm"/>
-      <inkml:brushProperty name="color" value="#66CC00"/>
-    </inkml:brush>
-  </inkml:definitions>
-  <inkml:trace contextRef="#ctx0" brushRef="#br0">1 5 4441,'0'3'744,"0"0"-376,1 1-40,2 0 464,5 0-55,4-1-25,6 1-120,3-2-72,10-2-96,1-2-32,8-2-112,-2 0-48,-3-2-232,-1 2-80,-12 0 72,-11 0-32,-18 1-16</inkml:trace>
+  <inkml:trace contextRef="#ctx0" brushRef="#br0">394 92 2320,'-5'0'137,"-1"1"0,1 0 0,0 0-1,0 1 1,-1 0 0,1 0 0,0 0-1,1 0 1,-1 1 0,0 0 0,1 0-1,-8 11 2538,12-14-2613,9 2 921,15-6-748,-22 4-82,341-33 1232,3 26-821,-37 3-338,-276 3-212,49-2 207,154-24 0,-208 22-168,27-7 267,-55 12-308,1 0 1,-1-1-1,0 1 1,0 0-1,1 0 1,-1-1-1,0 1 0,0 0 1,0-1-1,0 1 1,0 0-1,0 0 1,1-1-1,-1 1 1,0 0-1,0-1 1,0 1-1,0 0 1,0-1-1,0 1 1,0 0-1,0-1 1,0 1-1,0 0 1,-1-1-1,1 1 0,0 0 1,0-1-1,0 1 1,0 0-1,0 0 1,-1-1-1,1 1 1,0-1-1,-6-8 17,3 7-32,0 0-1,-1 1 1,0-1 0,1 1-1,-1-1 1,0 1-1,0 0 1,0 1 0,0-1-1,0 1 1,-5-1-1,-47 5 29,37-1-18,-307 8-2,152-9 8,-56 16-4,80-1-7,98-10-3,-70 2 1,-76-14 18,168 5 10,-1 1-1,-49 10 0,45-6 4,-53 2 0,-55-5 146,176-6-588,-54-4 310</inkml:trace>
 </inkml:ink>
 </file>
 
@@ -6402,173 +6621,6 @@
     </inkml:brush>
   </inkml:definitions>
   <inkml:trace contextRef="#ctx0" brushRef="#br0">0 1,'8212'0,"-8175"0,-30 0,-20 0,-34 0,17 0</inkml:trace>
-</inkml:ink>
-</file>
-
-<file path=ppt/ink/ink30.xml><?xml version="1.0" encoding="utf-8"?>
-<inkml:ink xmlns:inkml="http://www.w3.org/2003/InkML">
-  <inkml:definitions>
-    <inkml:context xml:id="ctx0">
-      <inkml:inkSource xml:id="inkSrc0">
-        <inkml:traceFormat>
-          <inkml:channel name="X" type="integer" min="-2.14748E9" max="2.14748E9" units="cm"/>
-          <inkml:channel name="Y" type="integer" min="-2.14748E9" max="2.14748E9" units="cm"/>
-          <inkml:channel name="F" type="integer" max="32767" units="dev"/>
-        </inkml:traceFormat>
-        <inkml:channelProperties>
-          <inkml:channelProperty channel="X" name="resolution" value="1000" units="1/cm"/>
-          <inkml:channelProperty channel="Y" name="resolution" value="1000" units="1/cm"/>
-          <inkml:channelProperty channel="F" name="resolution" value="0" units="1/dev"/>
-        </inkml:channelProperties>
-      </inkml:inkSource>
-      <inkml:timestamp xml:id="ts0" timeString="2022-04-21T02:52:51.734"/>
-    </inkml:context>
-    <inkml:brush xml:id="br0">
-      <inkml:brushProperty name="width" value="0.2" units="cm"/>
-      <inkml:brushProperty name="height" value="0.2" units="cm"/>
-      <inkml:brushProperty name="color" value="#66CC00"/>
-    </inkml:brush>
-  </inkml:definitions>
-  <inkml:trace contextRef="#ctx0" brushRef="#br0">0 74 5665,'7'2'209,"0"-1"0,0 1 0,-1-1 0,1 0 0,0-1-1,0 0 1,0 0 0,0 0 0,0-1 0,10-2 0,1 1 220,195-31 1993,-123 17-1638,174-9 1,-252 25-863,-1 2 0,1-1 0,13 4 0,-38-9-22</inkml:trace>
-</inkml:ink>
-</file>
-
-<file path=ppt/ink/ink31.xml><?xml version="1.0" encoding="utf-8"?>
-<inkml:ink xmlns:inkml="http://www.w3.org/2003/InkML">
-  <inkml:definitions>
-    <inkml:context xml:id="ctx0">
-      <inkml:inkSource xml:id="inkSrc0">
-        <inkml:traceFormat>
-          <inkml:channel name="X" type="integer" min="-2.14748E9" max="2.14748E9" units="cm"/>
-          <inkml:channel name="Y" type="integer" min="-2.14748E9" max="2.14748E9" units="cm"/>
-          <inkml:channel name="F" type="integer" max="32767" units="dev"/>
-        </inkml:traceFormat>
-        <inkml:channelProperties>
-          <inkml:channelProperty channel="X" name="resolution" value="1000" units="1/cm"/>
-          <inkml:channelProperty channel="Y" name="resolution" value="1000" units="1/cm"/>
-          <inkml:channelProperty channel="F" name="resolution" value="0" units="1/dev"/>
-        </inkml:channelProperties>
-      </inkml:inkSource>
-      <inkml:timestamp xml:id="ts0" timeString="2022-04-21T02:52:53.998"/>
-    </inkml:context>
-    <inkml:brush xml:id="br0">
-      <inkml:brushProperty name="width" value="0.2" units="cm"/>
-      <inkml:brushProperty name="height" value="0.2" units="cm"/>
-      <inkml:brushProperty name="color" value="#66CC00"/>
-    </inkml:brush>
-  </inkml:definitions>
-  <inkml:trace contextRef="#ctx0" brushRef="#br0">1 42 4137,'0'1'21,"0"-1"1,0 0-1,0 0 1,0 1-1,1-1 1,-1 0-1,0 0 1,0 1-1,0-1 1,1 0-1,-1 0 1,0 0-1,0 1 1,0-1-1,1 0 1,-1 0-1,0 0 1,0 0-1,1 0 1,-1 0-1,0 0 1,1 1-1,-1-1 1,0 0-1,0 0 0,1 0 1,-1 0-1,0 0 1,1 0-1,-1 0 1,0 0-1,0 0 1,1 0-1,-1-1 1,0 1-1,1 0 1,-1 0-1,0 0 1,0 0-1,1 0 1,-1 0-1,0-1 1,0 1-1,18-10 519,-8 3-417,4 2 7,-1 0 0,1 0 0,0 2 0,1 0 0,-1 0 0,0 1 0,26 0 0,6 4 583,50 7-1,-30-1-308,108 6-5,0-7 1,1-7-1,237-32 1,-358 25-475,-49 6 28</inkml:trace>
-</inkml:ink>
-</file>
-
-<file path=ppt/ink/ink32.xml><?xml version="1.0" encoding="utf-8"?>
-<inkml:ink xmlns:inkml="http://www.w3.org/2003/InkML">
-  <inkml:definitions>
-    <inkml:context xml:id="ctx0">
-      <inkml:inkSource xml:id="inkSrc0">
-        <inkml:traceFormat>
-          <inkml:channel name="X" type="integer" min="-2.14748E9" max="2.14748E9" units="cm"/>
-          <inkml:channel name="Y" type="integer" min="-2.14748E9" max="2.14748E9" units="cm"/>
-          <inkml:channel name="F" type="integer" max="32767" units="dev"/>
-        </inkml:traceFormat>
-        <inkml:channelProperties>
-          <inkml:channelProperty channel="X" name="resolution" value="1000" units="1/cm"/>
-          <inkml:channelProperty channel="Y" name="resolution" value="1000" units="1/cm"/>
-          <inkml:channelProperty channel="F" name="resolution" value="0" units="1/dev"/>
-        </inkml:channelProperties>
-      </inkml:inkSource>
-      <inkml:timestamp xml:id="ts0" timeString="2022-04-21T02:52:54.803"/>
-    </inkml:context>
-    <inkml:brush xml:id="br0">
-      <inkml:brushProperty name="width" value="0.2" units="cm"/>
-      <inkml:brushProperty name="height" value="0.2" units="cm"/>
-      <inkml:brushProperty name="color" value="#66CC00"/>
-    </inkml:brush>
-  </inkml:definitions>
-  <inkml:trace contextRef="#ctx0" brushRef="#br0">1 59 4753,'28'-6'472,"4"-4"-240,6 0-72,14 0 304,3 2-32,4 1 0,2 1-23,1 5-65,1 1-24,2 4-80,-2 2-64,-12 2-80,-12 3-16,-29-5-64</inkml:trace>
-</inkml:ink>
-</file>
-
-<file path=ppt/ink/ink33.xml><?xml version="1.0" encoding="utf-8"?>
-<inkml:ink xmlns:inkml="http://www.w3.org/2003/InkML">
-  <inkml:definitions>
-    <inkml:context xml:id="ctx0">
-      <inkml:inkSource xml:id="inkSrc0">
-        <inkml:traceFormat>
-          <inkml:channel name="X" type="integer" min="-2.14748E9" max="2.14748E9" units="cm"/>
-          <inkml:channel name="Y" type="integer" min="-2.14748E9" max="2.14748E9" units="cm"/>
-        </inkml:traceFormat>
-        <inkml:channelProperties>
-          <inkml:channelProperty channel="X" name="resolution" value="1000" units="1/cm"/>
-          <inkml:channelProperty channel="Y" name="resolution" value="1000" units="1/cm"/>
-        </inkml:channelProperties>
-      </inkml:inkSource>
-      <inkml:timestamp xml:id="ts0" timeString="2022-04-21T22:55:14.710"/>
-    </inkml:context>
-    <inkml:brush xml:id="br0">
-      <inkml:brushProperty name="width" value="0.2" units="cm"/>
-      <inkml:brushProperty name="height" value="0.2" units="cm"/>
-      <inkml:brushProperty name="color" value="#66CC00"/>
-      <inkml:brushProperty name="ignorePressure" value="1"/>
-    </inkml:brush>
-  </inkml:definitions>
-  <inkml:trace contextRef="#ctx0" brushRef="#br0">0 0,'8248'0,"-8255"0</inkml:trace>
-</inkml:ink>
-</file>
-
-<file path=ppt/ink/ink34.xml><?xml version="1.0" encoding="utf-8"?>
-<inkml:ink xmlns:inkml="http://www.w3.org/2003/InkML">
-  <inkml:definitions>
-    <inkml:context xml:id="ctx0">
-      <inkml:inkSource xml:id="inkSrc0">
-        <inkml:traceFormat>
-          <inkml:channel name="X" type="integer" min="-2.14748E9" max="2.14748E9" units="cm"/>
-          <inkml:channel name="Y" type="integer" min="-2.14748E9" max="2.14748E9" units="cm"/>
-          <inkml:channel name="F" type="integer" max="32767" units="dev"/>
-        </inkml:traceFormat>
-        <inkml:channelProperties>
-          <inkml:channelProperty channel="X" name="resolution" value="1000" units="1/cm"/>
-          <inkml:channelProperty channel="Y" name="resolution" value="1000" units="1/cm"/>
-          <inkml:channelProperty channel="F" name="resolution" value="0" units="1/dev"/>
-        </inkml:channelProperties>
-      </inkml:inkSource>
-      <inkml:timestamp xml:id="ts0" timeString="2022-04-21T22:56:14.849"/>
-    </inkml:context>
-    <inkml:brush xml:id="br0">
-      <inkml:brushProperty name="width" value="0.2" units="cm"/>
-      <inkml:brushProperty name="height" value="0.2" units="cm"/>
-      <inkml:brushProperty name="color" value="#66CC00"/>
-    </inkml:brush>
-  </inkml:definitions>
-  <inkml:trace contextRef="#ctx0" brushRef="#br0">42 51 2801,'-41'-28'6671,"41"28"-6625,9-2 806,16 1-333,-16 2-449,807 1 3123,-750-11-3642,-87 1-367,2 2 580</inkml:trace>
-</inkml:ink>
-</file>
-
-<file path=ppt/ink/ink35.xml><?xml version="1.0" encoding="utf-8"?>
-<inkml:ink xmlns:inkml="http://www.w3.org/2003/InkML">
-  <inkml:definitions>
-    <inkml:context xml:id="ctx0">
-      <inkml:inkSource xml:id="inkSrc0">
-        <inkml:traceFormat>
-          <inkml:channel name="X" type="integer" min="-2.14748E9" max="2.14748E9" units="cm"/>
-          <inkml:channel name="Y" type="integer" min="-2.14748E9" max="2.14748E9" units="cm"/>
-          <inkml:channel name="F" type="integer" max="32767" units="dev"/>
-        </inkml:traceFormat>
-        <inkml:channelProperties>
-          <inkml:channelProperty channel="X" name="resolution" value="1000" units="1/cm"/>
-          <inkml:channelProperty channel="Y" name="resolution" value="1000" units="1/cm"/>
-          <inkml:channelProperty channel="F" name="resolution" value="0" units="1/dev"/>
-        </inkml:channelProperties>
-      </inkml:inkSource>
-      <inkml:timestamp xml:id="ts0" timeString="2022-04-21T22:56:15.578"/>
-    </inkml:context>
-    <inkml:brush xml:id="br0">
-      <inkml:brushProperty name="width" value="0.2" units="cm"/>
-      <inkml:brushProperty name="height" value="0.2" units="cm"/>
-      <inkml:brushProperty name="color" value="#66CC00"/>
-    </inkml:brush>
-  </inkml:definitions>
-  <inkml:trace contextRef="#ctx0" brushRef="#br0">0 47 2296,'21'-7'753,"2"1"-153,6 3-72,8 2 520,8 1 0,7 0-7,5 0-137,2 1-88,3-1-184,-2 0-96,-1-5-184,-5-2-64,-9-1-112,-7 1-80,-13 3-312,-7 4 216,-13 7-24,-5 2-56</inkml:trace>
 </inkml:ink>
 </file>
 
@@ -9325,11 +9377,11 @@
 </file>
 
 <file path=ppt/notesSlides/notesSlide27.xml><?xml version="1.0" encoding="utf-8"?>
-<p:notes xmlns:a="http://schemas.openxmlformats.org/drawingml/2006/main" xmlns:r="http://schemas.openxmlformats.org/officeDocument/2006/relationships" xmlns:p="http://schemas.openxmlformats.org/presentationml/2006/main" showMasterSp="0" showMasterPhAnim="0">
+<p:notes xmlns:a="http://schemas.openxmlformats.org/drawingml/2006/main" xmlns:r="http://schemas.openxmlformats.org/officeDocument/2006/relationships" xmlns:p="http://schemas.openxmlformats.org/presentationml/2006/main">
   <p:cSld>
     <p:spTree>
       <p:nvGrpSpPr>
-        <p:cNvPr id="1" name="Shape 87"/>
+        <p:cNvPr id="1" name=""/>
         <p:cNvGrpSpPr/>
         <p:nvPr/>
       </p:nvGrpSpPr>
@@ -9343,68 +9395,29 @@
       </p:grpSpPr>
       <p:sp>
         <p:nvSpPr>
-          <p:cNvPr id="88" name="Google Shape;88;g5f5670a123_0_30:notes"/>
+          <p:cNvPr id="2" name="Slide Image Placeholder 1"/>
           <p:cNvSpPr>
             <a:spLocks noGrp="1" noRot="1" noChangeAspect="1"/>
           </p:cNvSpPr>
           <p:nvPr>
-            <p:ph type="sldImg" idx="2"/>
+            <p:ph type="sldImg"/>
           </p:nvPr>
         </p:nvSpPr>
-        <p:spPr>
-          <a:xfrm>
-            <a:off x="381000" y="685800"/>
-            <a:ext cx="6096000" cy="3429000"/>
-          </a:xfrm>
-          <a:custGeom>
-            <a:avLst/>
-            <a:gdLst/>
-            <a:ahLst/>
-            <a:cxnLst/>
-            <a:rect l="l" t="t" r="r" b="b"/>
-            <a:pathLst>
-              <a:path w="120000" h="120000" extrusionOk="0">
-                <a:moveTo>
-                  <a:pt x="0" y="0"/>
-                </a:moveTo>
-                <a:lnTo>
-                  <a:pt x="120000" y="0"/>
-                </a:lnTo>
-                <a:lnTo>
-                  <a:pt x="120000" y="120000"/>
-                </a:lnTo>
-                <a:lnTo>
-                  <a:pt x="0" y="120000"/>
-                </a:lnTo>
-                <a:close/>
-              </a:path>
-            </a:pathLst>
-          </a:custGeom>
-        </p:spPr>
+        <p:spPr/>
       </p:sp>
       <p:sp>
         <p:nvSpPr>
-          <p:cNvPr id="89" name="Google Shape;89;g5f5670a123_0_30:notes"/>
-          <p:cNvSpPr txBox="1">
+          <p:cNvPr id="3" name="Notes Placeholder 2"/>
+          <p:cNvSpPr>
             <a:spLocks noGrp="1"/>
           </p:cNvSpPr>
           <p:nvPr>
             <p:ph type="body" idx="1"/>
           </p:nvPr>
         </p:nvSpPr>
-        <p:spPr>
-          <a:xfrm>
-            <a:off x="685800" y="4343400"/>
-            <a:ext cx="5486400" cy="4114800"/>
-          </a:xfrm>
-          <a:prstGeom prst="rect">
-            <a:avLst/>
-          </a:prstGeom>
-        </p:spPr>
+        <p:spPr/>
         <p:txBody>
-          <a:bodyPr spcFirstLastPara="1" wrap="square" lIns="91425" tIns="91425" rIns="91425" bIns="91425" anchor="t" anchorCtr="0">
-            <a:noAutofit/>
-          </a:bodyPr>
+          <a:bodyPr/>
           <a:lstStyle/>
           <a:p>
             <a:pPr marL="0" marR="0" lvl="0" indent="0" algn="l" defTabSz="914400" rtl="0" eaLnBrk="1" fontAlgn="auto" latinLnBrk="0" hangingPunct="1">
@@ -9425,28 +9438,43 @@
               <a:defRPr/>
             </a:pPr>
             <a:r>
-              <a:rPr lang="en-NZ" dirty="0"/>
-              <a:t>Additional rows can be added by clicking in the last cell and then using the Tab key </a:t>
+              <a:rPr lang="en-NZ" i="1" dirty="0">
+                <a:latin typeface="Arial" panose="020B0604020202020204" pitchFamily="34" charset="0"/>
+                <a:ea typeface="Arial" panose="020B0604020202020204" pitchFamily="34" charset="0"/>
+              </a:rPr>
+              <a:t>Show testing for your assembled outcome below.  This should include a test plan followed by screenshot proof.  </a:t>
             </a:r>
-          </a:p>
-          <a:p>
-            <a:pPr marL="0" lvl="0" indent="0" algn="l" rtl="0">
-              <a:spcBef>
-                <a:spcPts val="0"/>
-              </a:spcBef>
-              <a:spcAft>
-                <a:spcPts val="0"/>
-              </a:spcAft>
-              <a:buNone/>
-            </a:pPr>
-            <a:endParaRPr dirty="0"/>
+            <a:endParaRPr lang="en-NZ" dirty="0"/>
+          </a:p>
+        </p:txBody>
+      </p:sp>
+      <p:sp>
+        <p:nvSpPr>
+          <p:cNvPr id="4" name="Slide Number Placeholder 3"/>
+          <p:cNvSpPr>
+            <a:spLocks noGrp="1"/>
+          </p:cNvSpPr>
+          <p:nvPr>
+            <p:ph type="sldNum" sz="quarter" idx="5"/>
+          </p:nvPr>
+        </p:nvSpPr>
+        <p:spPr/>
+        <p:txBody>
+          <a:bodyPr/>
+          <a:lstStyle/>
+          <a:p>
+            <a:fld id="{D89B2B17-F4B1-4A14-AF99-5A366D45E74A}" type="slidenum">
+              <a:rPr lang="en-NZ" smtClean="0"/>
+              <a:t>32</a:t>
+            </a:fld>
+            <a:endParaRPr lang="en-NZ"/>
           </a:p>
         </p:txBody>
       </p:sp>
     </p:spTree>
     <p:extLst>
       <p:ext uri="{BB962C8B-B14F-4D97-AF65-F5344CB8AC3E}">
-        <p14:creationId xmlns:p14="http://schemas.microsoft.com/office/powerpoint/2010/main" val="1266313216"/>
+        <p14:creationId xmlns:p14="http://schemas.microsoft.com/office/powerpoint/2010/main" val="1114558811"/>
       </p:ext>
     </p:extLst>
   </p:cSld>
@@ -9578,7 +9606,7 @@
     </p:spTree>
     <p:extLst>
       <p:ext uri="{BB962C8B-B14F-4D97-AF65-F5344CB8AC3E}">
-        <p14:creationId xmlns:p14="http://schemas.microsoft.com/office/powerpoint/2010/main" val="2420645919"/>
+        <p14:creationId xmlns:p14="http://schemas.microsoft.com/office/powerpoint/2010/main" val="1266313216"/>
       </p:ext>
     </p:extLst>
   </p:cSld>
@@ -9589,11 +9617,11 @@
 </file>
 
 <file path=ppt/notesSlides/notesSlide29.xml><?xml version="1.0" encoding="utf-8"?>
-<p:notes xmlns:a="http://schemas.openxmlformats.org/drawingml/2006/main" xmlns:r="http://schemas.openxmlformats.org/officeDocument/2006/relationships" xmlns:p="http://schemas.openxmlformats.org/presentationml/2006/main">
+<p:notes xmlns:a="http://schemas.openxmlformats.org/drawingml/2006/main" xmlns:r="http://schemas.openxmlformats.org/officeDocument/2006/relationships" xmlns:p="http://schemas.openxmlformats.org/presentationml/2006/main" showMasterSp="0" showMasterPhAnim="0">
   <p:cSld>
     <p:spTree>
       <p:nvGrpSpPr>
-        <p:cNvPr id="1" name=""/>
+        <p:cNvPr id="1" name="Shape 87"/>
         <p:cNvGrpSpPr/>
         <p:nvPr/>
       </p:nvGrpSpPr>
@@ -9607,29 +9635,68 @@
       </p:grpSpPr>
       <p:sp>
         <p:nvSpPr>
-          <p:cNvPr id="2" name="Slide Image Placeholder 1"/>
+          <p:cNvPr id="88" name="Google Shape;88;g5f5670a123_0_30:notes"/>
           <p:cNvSpPr>
             <a:spLocks noGrp="1" noRot="1" noChangeAspect="1"/>
           </p:cNvSpPr>
           <p:nvPr>
-            <p:ph type="sldImg"/>
+            <p:ph type="sldImg" idx="2"/>
           </p:nvPr>
         </p:nvSpPr>
-        <p:spPr/>
+        <p:spPr>
+          <a:xfrm>
+            <a:off x="381000" y="685800"/>
+            <a:ext cx="6096000" cy="3429000"/>
+          </a:xfrm>
+          <a:custGeom>
+            <a:avLst/>
+            <a:gdLst/>
+            <a:ahLst/>
+            <a:cxnLst/>
+            <a:rect l="l" t="t" r="r" b="b"/>
+            <a:pathLst>
+              <a:path w="120000" h="120000" extrusionOk="0">
+                <a:moveTo>
+                  <a:pt x="0" y="0"/>
+                </a:moveTo>
+                <a:lnTo>
+                  <a:pt x="120000" y="0"/>
+                </a:lnTo>
+                <a:lnTo>
+                  <a:pt x="120000" y="120000"/>
+                </a:lnTo>
+                <a:lnTo>
+                  <a:pt x="0" y="120000"/>
+                </a:lnTo>
+                <a:close/>
+              </a:path>
+            </a:pathLst>
+          </a:custGeom>
+        </p:spPr>
       </p:sp>
       <p:sp>
         <p:nvSpPr>
-          <p:cNvPr id="3" name="Notes Placeholder 2"/>
-          <p:cNvSpPr>
+          <p:cNvPr id="89" name="Google Shape;89;g5f5670a123_0_30:notes"/>
+          <p:cNvSpPr txBox="1">
             <a:spLocks noGrp="1"/>
           </p:cNvSpPr>
           <p:nvPr>
             <p:ph type="body" idx="1"/>
           </p:nvPr>
         </p:nvSpPr>
-        <p:spPr/>
+        <p:spPr>
+          <a:xfrm>
+            <a:off x="685800" y="4343400"/>
+            <a:ext cx="5486400" cy="4114800"/>
+          </a:xfrm>
+          <a:prstGeom prst="rect">
+            <a:avLst/>
+          </a:prstGeom>
+        </p:spPr>
         <p:txBody>
-          <a:bodyPr/>
+          <a:bodyPr spcFirstLastPara="1" wrap="square" lIns="91425" tIns="91425" rIns="91425" bIns="91425" anchor="t" anchorCtr="0">
+            <a:noAutofit/>
+          </a:bodyPr>
           <a:lstStyle/>
           <a:p>
             <a:pPr marL="0" marR="0" lvl="0" indent="0" algn="l" defTabSz="914400" rtl="0" eaLnBrk="1" fontAlgn="auto" latinLnBrk="0" hangingPunct="1">
@@ -9650,43 +9717,28 @@
               <a:defRPr/>
             </a:pPr>
             <a:r>
-              <a:rPr lang="en-NZ" i="1" dirty="0">
-                <a:latin typeface="Arial" panose="020B0604020202020204" pitchFamily="34" charset="0"/>
-                <a:ea typeface="Arial" panose="020B0604020202020204" pitchFamily="34" charset="0"/>
-              </a:rPr>
-              <a:t>Show testing for your assembled outcome below.  This should include a test plan followed by screenshot proof.  </a:t>
+              <a:rPr lang="en-NZ" dirty="0"/>
+              <a:t>Additional rows can be added by clicking in the last cell and then using the Tab key </a:t>
             </a:r>
-            <a:endParaRPr lang="en-NZ" dirty="0"/>
-          </a:p>
-        </p:txBody>
-      </p:sp>
-      <p:sp>
-        <p:nvSpPr>
-          <p:cNvPr id="4" name="Slide Number Placeholder 3"/>
-          <p:cNvSpPr>
-            <a:spLocks noGrp="1"/>
-          </p:cNvSpPr>
-          <p:nvPr>
-            <p:ph type="sldNum" sz="quarter" idx="5"/>
-          </p:nvPr>
-        </p:nvSpPr>
-        <p:spPr/>
-        <p:txBody>
-          <a:bodyPr/>
-          <a:lstStyle/>
-          <a:p>
-            <a:fld id="{D89B2B17-F4B1-4A14-AF99-5A366D45E74A}" type="slidenum">
-              <a:rPr lang="en-NZ" smtClean="0"/>
-              <a:t>34</a:t>
-            </a:fld>
-            <a:endParaRPr lang="en-NZ"/>
+          </a:p>
+          <a:p>
+            <a:pPr marL="0" lvl="0" indent="0" algn="l" rtl="0">
+              <a:spcBef>
+                <a:spcPts val="0"/>
+              </a:spcBef>
+              <a:spcAft>
+                <a:spcPts val="0"/>
+              </a:spcAft>
+              <a:buNone/>
+            </a:pPr>
+            <a:endParaRPr dirty="0"/>
           </a:p>
         </p:txBody>
       </p:sp>
     </p:spTree>
     <p:extLst>
       <p:ext uri="{BB962C8B-B14F-4D97-AF65-F5344CB8AC3E}">
-        <p14:creationId xmlns:p14="http://schemas.microsoft.com/office/powerpoint/2010/main" val="1114558811"/>
+        <p14:creationId xmlns:p14="http://schemas.microsoft.com/office/powerpoint/2010/main" val="2420645919"/>
       </p:ext>
     </p:extLst>
   </p:cSld>
@@ -10228,6 +10280,115 @@
             <a:fld id="{D89B2B17-F4B1-4A14-AF99-5A366D45E74A}" type="slidenum">
               <a:rPr lang="en-NZ" smtClean="0"/>
               <a:t>39</a:t>
+            </a:fld>
+            <a:endParaRPr lang="en-NZ"/>
+          </a:p>
+        </p:txBody>
+      </p:sp>
+    </p:spTree>
+    <p:extLst>
+      <p:ext uri="{BB962C8B-B14F-4D97-AF65-F5344CB8AC3E}">
+        <p14:creationId xmlns:p14="http://schemas.microsoft.com/office/powerpoint/2010/main" val="906380562"/>
+      </p:ext>
+    </p:extLst>
+  </p:cSld>
+  <p:clrMapOvr>
+    <a:masterClrMapping/>
+  </p:clrMapOvr>
+</p:notes>
+</file>
+
+<file path=ppt/notesSlides/notesSlide34.xml><?xml version="1.0" encoding="utf-8"?>
+<p:notes xmlns:a="http://schemas.openxmlformats.org/drawingml/2006/main" xmlns:r="http://schemas.openxmlformats.org/officeDocument/2006/relationships" xmlns:p="http://schemas.openxmlformats.org/presentationml/2006/main">
+  <p:cSld>
+    <p:spTree>
+      <p:nvGrpSpPr>
+        <p:cNvPr id="1" name=""/>
+        <p:cNvGrpSpPr/>
+        <p:nvPr/>
+      </p:nvGrpSpPr>
+      <p:grpSpPr>
+        <a:xfrm>
+          <a:off x="0" y="0"/>
+          <a:ext cx="0" cy="0"/>
+          <a:chOff x="0" y="0"/>
+          <a:chExt cx="0" cy="0"/>
+        </a:xfrm>
+      </p:grpSpPr>
+      <p:sp>
+        <p:nvSpPr>
+          <p:cNvPr id="2" name="Slide Image Placeholder 1"/>
+          <p:cNvSpPr>
+            <a:spLocks noGrp="1" noRot="1" noChangeAspect="1"/>
+          </p:cNvSpPr>
+          <p:nvPr>
+            <p:ph type="sldImg"/>
+          </p:nvPr>
+        </p:nvSpPr>
+        <p:spPr/>
+      </p:sp>
+      <p:sp>
+        <p:nvSpPr>
+          <p:cNvPr id="3" name="Notes Placeholder 2"/>
+          <p:cNvSpPr>
+            <a:spLocks noGrp="1"/>
+          </p:cNvSpPr>
+          <p:nvPr>
+            <p:ph type="body" idx="1"/>
+          </p:nvPr>
+        </p:nvSpPr>
+        <p:spPr/>
+        <p:txBody>
+          <a:bodyPr/>
+          <a:lstStyle/>
+          <a:p>
+            <a:pPr marL="0" marR="0" lvl="0" indent="0" algn="l" defTabSz="914400" rtl="0" eaLnBrk="1" fontAlgn="auto" latinLnBrk="0" hangingPunct="1">
+              <a:lnSpc>
+                <a:spcPct val="100000"/>
+              </a:lnSpc>
+              <a:spcBef>
+                <a:spcPts val="0"/>
+              </a:spcBef>
+              <a:spcAft>
+                <a:spcPts val="0"/>
+              </a:spcAft>
+              <a:buClrTx/>
+              <a:buSzTx/>
+              <a:buFontTx/>
+              <a:buNone/>
+              <a:tabLst/>
+              <a:defRPr/>
+            </a:pPr>
+            <a:r>
+              <a:rPr lang="en-NZ" i="1" dirty="0">
+                <a:latin typeface="Arial" panose="020B0604020202020204" pitchFamily="34" charset="0"/>
+              </a:rPr>
+              <a:t>Discuss how the information from planning, testing and trialling of components assisted in the development of a high-quality outcome.</a:t>
+            </a:r>
+          </a:p>
+          <a:p>
+            <a:endParaRPr lang="en-NZ" dirty="0"/>
+          </a:p>
+        </p:txBody>
+      </p:sp>
+      <p:sp>
+        <p:nvSpPr>
+          <p:cNvPr id="4" name="Slide Number Placeholder 3"/>
+          <p:cNvSpPr>
+            <a:spLocks noGrp="1"/>
+          </p:cNvSpPr>
+          <p:nvPr>
+            <p:ph type="sldNum" sz="quarter" idx="5"/>
+          </p:nvPr>
+        </p:nvSpPr>
+        <p:spPr/>
+        <p:txBody>
+          <a:bodyPr/>
+          <a:lstStyle/>
+          <a:p>
+            <a:fld id="{D89B2B17-F4B1-4A14-AF99-5A366D45E74A}" type="slidenum">
+              <a:rPr lang="en-NZ" smtClean="0"/>
+              <a:t>40</a:t>
             </a:fld>
             <a:endParaRPr lang="en-NZ"/>
           </a:p>
@@ -24045,14 +24206,109 @@
           </a:p>
         </p:txBody>
       </p:sp>
-      <mc:AlternateContent xmlns:mc="http://schemas.openxmlformats.org/markup-compatibility/2006" xmlns:p14="http://schemas.microsoft.com/office/powerpoint/2010/main">
-        <mc:Choice Requires="p14">
-          <p:contentPart p14:bwMode="auto" r:id="rId3">
+      <p:sp>
+        <p:nvSpPr>
+          <p:cNvPr id="15" name="TextBox 14">
+            <a:extLst>
+              <a:ext uri="{FF2B5EF4-FFF2-40B4-BE49-F238E27FC236}">
+                <a16:creationId xmlns:a16="http://schemas.microsoft.com/office/drawing/2014/main" id="{191A371F-3DCB-4C3D-8390-5779AB1576D0}"/>
+              </a:ext>
+            </a:extLst>
+          </p:cNvPr>
+          <p:cNvSpPr txBox="1"/>
+          <p:nvPr/>
+        </p:nvSpPr>
+        <p:spPr>
+          <a:xfrm>
+            <a:off x="5479108" y="4923621"/>
+            <a:ext cx="3581002" cy="954107"/>
+          </a:xfrm>
+          <a:prstGeom prst="rect">
+            <a:avLst/>
+          </a:prstGeom>
+          <a:noFill/>
+        </p:spPr>
+        <p:txBody>
+          <a:bodyPr wrap="square" rtlCol="0">
+            <a:spAutoFit/>
+          </a:bodyPr>
+          <a:lstStyle/>
+          <a:p>
+            <a:r>
+              <a:rPr lang="en-NZ" sz="2800" b="1" dirty="0"/>
+              <a:t>All results worked as expected</a:t>
+            </a:r>
+          </a:p>
+        </p:txBody>
+      </p:sp>
+      <p:pic>
+        <p:nvPicPr>
+          <p:cNvPr id="4" name="Picture 3">
+            <a:extLst>
+              <a:ext uri="{FF2B5EF4-FFF2-40B4-BE49-F238E27FC236}">
+                <a16:creationId xmlns:a16="http://schemas.microsoft.com/office/drawing/2014/main" id="{E984195E-C380-4CD3-B2CE-27C0048BADCE}"/>
+              </a:ext>
+            </a:extLst>
+          </p:cNvPr>
+          <p:cNvPicPr>
+            <a:picLocks noChangeAspect="1"/>
+          </p:cNvPicPr>
+          <p:nvPr/>
+        </p:nvPicPr>
+        <p:blipFill>
+          <a:blip r:embed="rId3"/>
+          <a:stretch>
+            <a:fillRect/>
+          </a:stretch>
+        </p:blipFill>
+        <p:spPr>
+          <a:xfrm>
+            <a:off x="537694" y="1111074"/>
+            <a:ext cx="5874052" cy="3841947"/>
+          </a:xfrm>
+          <a:prstGeom prst="rect">
+            <a:avLst/>
+          </a:prstGeom>
+        </p:spPr>
+      </p:pic>
+      <p:pic>
+        <p:nvPicPr>
+          <p:cNvPr id="16" name="Picture 15">
+            <a:extLst>
+              <a:ext uri="{FF2B5EF4-FFF2-40B4-BE49-F238E27FC236}">
+                <a16:creationId xmlns:a16="http://schemas.microsoft.com/office/drawing/2014/main" id="{7A0EA225-9758-43B6-8654-DD1ED07D2FE7}"/>
+              </a:ext>
+            </a:extLst>
+          </p:cNvPr>
+          <p:cNvPicPr>
+            <a:picLocks noChangeAspect="1"/>
+          </p:cNvPicPr>
+          <p:nvPr/>
+        </p:nvPicPr>
+        <p:blipFill>
+          <a:blip r:embed="rId4"/>
+          <a:stretch>
+            <a:fillRect/>
+          </a:stretch>
+        </p:blipFill>
+        <p:spPr>
+          <a:xfrm>
+            <a:off x="6095999" y="1111074"/>
+            <a:ext cx="5706174" cy="2359696"/>
+          </a:xfrm>
+          <a:prstGeom prst="rect">
+            <a:avLst/>
+          </a:prstGeom>
+        </p:spPr>
+      </p:pic>
+      <mc:AlternateContent xmlns:mc="http://schemas.openxmlformats.org/markup-compatibility/2006">
+        <mc:Choice xmlns:p14="http://schemas.microsoft.com/office/powerpoint/2010/main" Requires="p14">
+          <p:contentPart p14:bwMode="auto" r:id="rId5">
             <p14:nvContentPartPr>
-              <p14:cNvPr id="8" name="Ink 7">
+              <p14:cNvPr id="18" name="Ink 17">
                 <a:extLst>
                   <a:ext uri="{FF2B5EF4-FFF2-40B4-BE49-F238E27FC236}">
-                    <a16:creationId xmlns:a16="http://schemas.microsoft.com/office/drawing/2014/main" id="{B41B9D85-833B-45B3-9B1E-499E15D92C5F}"/>
+                    <a16:creationId xmlns:a16="http://schemas.microsoft.com/office/drawing/2014/main" id="{7EBA2AEB-62AA-4B1B-BEEB-C7BCAB152D0D}"/>
                   </a:ext>
                 </a:extLst>
               </p14:cNvPr>
@@ -24060,18 +24316,18 @@
               <p14:nvPr/>
             </p14:nvContentPartPr>
             <p14:xfrm>
-              <a:off x="11063327" y="1104081"/>
-              <a:ext cx="308880" cy="55440"/>
+              <a:off x="3131559" y="2163547"/>
+              <a:ext cx="525600" cy="17640"/>
             </p14:xfrm>
           </p:contentPart>
         </mc:Choice>
-        <mc:Fallback xmlns="">
+        <mc:Fallback>
           <p:pic>
             <p:nvPicPr>
-              <p:cNvPr id="8" name="Ink 7">
+              <p:cNvPr id="18" name="Ink 17">
                 <a:extLst>
                   <a:ext uri="{FF2B5EF4-FFF2-40B4-BE49-F238E27FC236}">
-                    <a16:creationId xmlns:a16="http://schemas.microsoft.com/office/drawing/2014/main" id="{B41B9D85-833B-45B3-9B1E-499E15D92C5F}"/>
+                    <a16:creationId xmlns:a16="http://schemas.microsoft.com/office/drawing/2014/main" id="{7EBA2AEB-62AA-4B1B-BEEB-C7BCAB152D0D}"/>
                   </a:ext>
                 </a:extLst>
               </p:cNvPr>
@@ -24086,8 +24342,8 @@
             </p:blipFill>
             <p:spPr>
               <a:xfrm>
-                <a:off x="11027687" y="1068441"/>
-                <a:ext cx="380520" cy="127080"/>
+                <a:off x="3095559" y="2127547"/>
+                <a:ext cx="597240" cy="89280"/>
               </a:xfrm>
               <a:prstGeom prst="rect">
                 <a:avLst/>
@@ -24096,14 +24352,14 @@
           </p:pic>
         </mc:Fallback>
       </mc:AlternateContent>
-      <mc:AlternateContent xmlns:mc="http://schemas.openxmlformats.org/markup-compatibility/2006" xmlns:p14="http://schemas.microsoft.com/office/powerpoint/2010/main">
-        <mc:Choice Requires="p14">
+      <mc:AlternateContent xmlns:mc="http://schemas.openxmlformats.org/markup-compatibility/2006">
+        <mc:Choice xmlns:p14="http://schemas.microsoft.com/office/powerpoint/2010/main" Requires="p14">
           <p:contentPart p14:bwMode="auto" r:id="rId7">
             <p14:nvContentPartPr>
-              <p14:cNvPr id="9" name="Ink 8">
+              <p14:cNvPr id="20" name="Ink 19">
                 <a:extLst>
                   <a:ext uri="{FF2B5EF4-FFF2-40B4-BE49-F238E27FC236}">
-                    <a16:creationId xmlns:a16="http://schemas.microsoft.com/office/drawing/2014/main" id="{FA239718-D912-4EC5-B38C-E3AB4EB44DFE}"/>
+                    <a16:creationId xmlns:a16="http://schemas.microsoft.com/office/drawing/2014/main" id="{B0553B4E-BEF2-4AB8-8735-A089775365EB}"/>
                   </a:ext>
                 </a:extLst>
               </p14:cNvPr>
@@ -24111,18 +24367,18 @@
               <p14:nvPr/>
             </p14:nvContentPartPr>
             <p14:xfrm>
-              <a:off x="11097527" y="1979961"/>
-              <a:ext cx="234360" cy="20520"/>
+              <a:off x="732159" y="2343907"/>
+              <a:ext cx="1879560" cy="68400"/>
             </p14:xfrm>
           </p:contentPart>
         </mc:Choice>
-        <mc:Fallback xmlns="">
+        <mc:Fallback>
           <p:pic>
             <p:nvPicPr>
-              <p:cNvPr id="9" name="Ink 8">
+              <p:cNvPr id="20" name="Ink 19">
                 <a:extLst>
                   <a:ext uri="{FF2B5EF4-FFF2-40B4-BE49-F238E27FC236}">
-                    <a16:creationId xmlns:a16="http://schemas.microsoft.com/office/drawing/2014/main" id="{FA239718-D912-4EC5-B38C-E3AB4EB44DFE}"/>
+                    <a16:creationId xmlns:a16="http://schemas.microsoft.com/office/drawing/2014/main" id="{B0553B4E-BEF2-4AB8-8735-A089775365EB}"/>
                   </a:ext>
                 </a:extLst>
               </p:cNvPr>
@@ -24137,8 +24393,8 @@
             </p:blipFill>
             <p:spPr>
               <a:xfrm>
-                <a:off x="11061527" y="1943961"/>
-                <a:ext cx="306000" cy="92160"/>
+                <a:off x="696159" y="2307907"/>
+                <a:ext cx="1951200" cy="140040"/>
               </a:xfrm>
               <a:prstGeom prst="rect">
                 <a:avLst/>
@@ -24147,14 +24403,73 @@
           </p:pic>
         </mc:Fallback>
       </mc:AlternateContent>
-      <mc:AlternateContent xmlns:mc="http://schemas.openxmlformats.org/markup-compatibility/2006" xmlns:p14="http://schemas.microsoft.com/office/powerpoint/2010/main">
-        <mc:Choice Requires="p14">
+      <p:sp>
+        <p:nvSpPr>
+          <p:cNvPr id="34" name="직사각형 33">
+            <a:extLst>
+              <a:ext uri="{FF2B5EF4-FFF2-40B4-BE49-F238E27FC236}">
+                <a16:creationId xmlns:a16="http://schemas.microsoft.com/office/drawing/2014/main" id="{7C1C6A1E-A0D1-4AC0-B4A8-A4099DF96017}"/>
+              </a:ext>
+            </a:extLst>
+          </p:cNvPr>
+          <p:cNvSpPr/>
+          <p:nvPr/>
+        </p:nvSpPr>
+        <p:spPr>
+          <a:xfrm>
+            <a:off x="565560" y="2786400"/>
+            <a:ext cx="5465370" cy="1645920"/>
+          </a:xfrm>
+          <a:prstGeom prst="rect">
+            <a:avLst/>
+          </a:prstGeom>
+          <a:solidFill>
+            <a:srgbClr val="66CC00">
+              <a:alpha val="5000"/>
+            </a:srgbClr>
+          </a:solidFill>
+          <a:ln w="72000">
+            <a:solidFill>
+              <a:srgbClr val="66CC00"/>
+            </a:solidFill>
+          </a:ln>
+        </p:spPr>
+        <p:style>
+          <a:lnRef idx="2">
+            <a:schemeClr val="accent1">
+              <a:shade val="50000"/>
+            </a:schemeClr>
+          </a:lnRef>
+          <a:fillRef idx="1">
+            <a:schemeClr val="accent1"/>
+          </a:fillRef>
+          <a:effectRef idx="0">
+            <a:schemeClr val="accent1"/>
+          </a:effectRef>
+          <a:fontRef idx="minor">
+            <a:schemeClr val="lt1"/>
+          </a:fontRef>
+        </p:style>
+        <p:txBody>
+          <a:bodyPr wrap="none" rtlCol="0" anchor="ctr" anchorCtr="1"/>
+          <a:lstStyle/>
+          <a:p>
+            <a:endParaRPr lang="ja-JP" altLang="en-US">
+              <a:solidFill>
+                <a:srgbClr val="66CC00"/>
+              </a:solidFill>
+            </a:endParaRPr>
+          </a:p>
+        </p:txBody>
+      </p:sp>
+      <mc:AlternateContent xmlns:mc="http://schemas.openxmlformats.org/markup-compatibility/2006">
+        <mc:Choice xmlns:p14="http://schemas.microsoft.com/office/powerpoint/2010/main" Requires="p14">
           <p:contentPart p14:bwMode="auto" r:id="rId9">
             <p14:nvContentPartPr>
-              <p14:cNvPr id="10" name="Ink 9">
+              <p14:cNvPr id="22" name="Ink 21">
                 <a:extLst>
                   <a:ext uri="{FF2B5EF4-FFF2-40B4-BE49-F238E27FC236}">
-                    <a16:creationId xmlns:a16="http://schemas.microsoft.com/office/drawing/2014/main" id="{4201B590-33CA-4770-BE16-81227B1428C2}"/>
+                    <a16:creationId xmlns:a16="http://schemas.microsoft.com/office/drawing/2014/main" id="{6D57A88F-6A49-430B-979C-5B0A06FAE203}"/>
                   </a:ext>
                 </a:extLst>
               </p14:cNvPr>
@@ -24162,18 +24477,18 @@
               <p14:nvPr/>
             </p14:nvContentPartPr>
             <p14:xfrm>
-              <a:off x="11092127" y="2814081"/>
-              <a:ext cx="133920" cy="11880"/>
+              <a:off x="10422116" y="2884479"/>
+              <a:ext cx="645480" cy="46800"/>
             </p14:xfrm>
           </p:contentPart>
         </mc:Choice>
-        <mc:Fallback xmlns="">
+        <mc:Fallback>
           <p:pic>
             <p:nvPicPr>
-              <p:cNvPr id="10" name="Ink 9">
+              <p:cNvPr id="22" name="Ink 21">
                 <a:extLst>
                   <a:ext uri="{FF2B5EF4-FFF2-40B4-BE49-F238E27FC236}">
-                    <a16:creationId xmlns:a16="http://schemas.microsoft.com/office/drawing/2014/main" id="{4201B590-33CA-4770-BE16-81227B1428C2}"/>
+                    <a16:creationId xmlns:a16="http://schemas.microsoft.com/office/drawing/2014/main" id="{6D57A88F-6A49-430B-979C-5B0A06FAE203}"/>
                   </a:ext>
                 </a:extLst>
               </p:cNvPr>
@@ -24188,8 +24503,8 @@
             </p:blipFill>
             <p:spPr>
               <a:xfrm>
-                <a:off x="11056127" y="2778441"/>
-                <a:ext cx="205560" cy="83520"/>
+                <a:off x="10386116" y="2848479"/>
+                <a:ext cx="717120" cy="118440"/>
               </a:xfrm>
               <a:prstGeom prst="rect">
                 <a:avLst/>
@@ -24198,245 +24513,6 @@
           </p:pic>
         </mc:Fallback>
       </mc:AlternateContent>
-      <mc:AlternateContent xmlns:mc="http://schemas.openxmlformats.org/markup-compatibility/2006" xmlns:p14="http://schemas.microsoft.com/office/powerpoint/2010/main">
-        <mc:Choice Requires="p14">
-          <p:contentPart p14:bwMode="auto" r:id="rId11">
-            <p14:nvContentPartPr>
-              <p14:cNvPr id="11" name="Ink 10">
-                <a:extLst>
-                  <a:ext uri="{FF2B5EF4-FFF2-40B4-BE49-F238E27FC236}">
-                    <a16:creationId xmlns:a16="http://schemas.microsoft.com/office/drawing/2014/main" id="{600189F9-5F8E-432F-8D2D-D4542FEF6F40}"/>
-                  </a:ext>
-                </a:extLst>
-              </p14:cNvPr>
-              <p14:cNvContentPartPr/>
-              <p14:nvPr/>
-            </p14:nvContentPartPr>
-            <p14:xfrm>
-              <a:off x="11102927" y="3655041"/>
-              <a:ext cx="110880" cy="11520"/>
-            </p14:xfrm>
-          </p:contentPart>
-        </mc:Choice>
-        <mc:Fallback xmlns="">
-          <p:pic>
-            <p:nvPicPr>
-              <p:cNvPr id="11" name="Ink 10">
-                <a:extLst>
-                  <a:ext uri="{FF2B5EF4-FFF2-40B4-BE49-F238E27FC236}">
-                    <a16:creationId xmlns:a16="http://schemas.microsoft.com/office/drawing/2014/main" id="{600189F9-5F8E-432F-8D2D-D4542FEF6F40}"/>
-                  </a:ext>
-                </a:extLst>
-              </p:cNvPr>
-              <p:cNvPicPr/>
-              <p:nvPr/>
-            </p:nvPicPr>
-            <p:blipFill>
-              <a:blip r:embed="rId12"/>
-              <a:stretch>
-                <a:fillRect/>
-              </a:stretch>
-            </p:blipFill>
-            <p:spPr>
-              <a:xfrm>
-                <a:off x="11067287" y="3619401"/>
-                <a:ext cx="182520" cy="83160"/>
-              </a:xfrm>
-              <a:prstGeom prst="rect">
-                <a:avLst/>
-              </a:prstGeom>
-            </p:spPr>
-          </p:pic>
-        </mc:Fallback>
-      </mc:AlternateContent>
-      <mc:AlternateContent xmlns:mc="http://schemas.openxmlformats.org/markup-compatibility/2006" xmlns:p14="http://schemas.microsoft.com/office/powerpoint/2010/main">
-        <mc:Choice Requires="p14">
-          <p:contentPart p14:bwMode="auto" r:id="rId13">
-            <p14:nvContentPartPr>
-              <p14:cNvPr id="12" name="Ink 11">
-                <a:extLst>
-                  <a:ext uri="{FF2B5EF4-FFF2-40B4-BE49-F238E27FC236}">
-                    <a16:creationId xmlns:a16="http://schemas.microsoft.com/office/drawing/2014/main" id="{8D49F908-8932-4775-A2B2-C3E223016DF8}"/>
-                  </a:ext>
-                </a:extLst>
-              </p14:cNvPr>
-              <p14:cNvContentPartPr/>
-              <p14:nvPr/>
-            </p14:nvContentPartPr>
-            <p14:xfrm>
-              <a:off x="11043167" y="4475121"/>
-              <a:ext cx="263160" cy="29160"/>
-            </p14:xfrm>
-          </p:contentPart>
-        </mc:Choice>
-        <mc:Fallback xmlns="">
-          <p:pic>
-            <p:nvPicPr>
-              <p:cNvPr id="12" name="Ink 11">
-                <a:extLst>
-                  <a:ext uri="{FF2B5EF4-FFF2-40B4-BE49-F238E27FC236}">
-                    <a16:creationId xmlns:a16="http://schemas.microsoft.com/office/drawing/2014/main" id="{8D49F908-8932-4775-A2B2-C3E223016DF8}"/>
-                  </a:ext>
-                </a:extLst>
-              </p:cNvPr>
-              <p:cNvPicPr/>
-              <p:nvPr/>
-            </p:nvPicPr>
-            <p:blipFill>
-              <a:blip r:embed="rId14"/>
-              <a:stretch>
-                <a:fillRect/>
-              </a:stretch>
-            </p:blipFill>
-            <p:spPr>
-              <a:xfrm>
-                <a:off x="11007167" y="4439481"/>
-                <a:ext cx="334800" cy="100800"/>
-              </a:xfrm>
-              <a:prstGeom prst="rect">
-                <a:avLst/>
-              </a:prstGeom>
-            </p:spPr>
-          </p:pic>
-        </mc:Fallback>
-      </mc:AlternateContent>
-      <mc:AlternateContent xmlns:mc="http://schemas.openxmlformats.org/markup-compatibility/2006" xmlns:p14="http://schemas.microsoft.com/office/powerpoint/2010/main">
-        <mc:Choice Requires="p14">
-          <p:contentPart p14:bwMode="auto" r:id="rId15">
-            <p14:nvContentPartPr>
-              <p14:cNvPr id="13" name="Ink 12">
-                <a:extLst>
-                  <a:ext uri="{FF2B5EF4-FFF2-40B4-BE49-F238E27FC236}">
-                    <a16:creationId xmlns:a16="http://schemas.microsoft.com/office/drawing/2014/main" id="{603ACE94-E06B-42F3-8F6B-8818F6B9DBBF}"/>
-                  </a:ext>
-                </a:extLst>
-              </p14:cNvPr>
-              <p14:cNvContentPartPr/>
-              <p14:nvPr/>
-            </p14:nvContentPartPr>
-            <p14:xfrm>
-              <a:off x="3220007" y="2175081"/>
-              <a:ext cx="496440" cy="17280"/>
-            </p14:xfrm>
-          </p:contentPart>
-        </mc:Choice>
-        <mc:Fallback xmlns="">
-          <p:pic>
-            <p:nvPicPr>
-              <p:cNvPr id="13" name="Ink 12">
-                <a:extLst>
-                  <a:ext uri="{FF2B5EF4-FFF2-40B4-BE49-F238E27FC236}">
-                    <a16:creationId xmlns:a16="http://schemas.microsoft.com/office/drawing/2014/main" id="{603ACE94-E06B-42F3-8F6B-8818F6B9DBBF}"/>
-                  </a:ext>
-                </a:extLst>
-              </p:cNvPr>
-              <p:cNvPicPr/>
-              <p:nvPr/>
-            </p:nvPicPr>
-            <p:blipFill>
-              <a:blip r:embed="rId16"/>
-              <a:stretch>
-                <a:fillRect/>
-              </a:stretch>
-            </p:blipFill>
-            <p:spPr>
-              <a:xfrm>
-                <a:off x="3184367" y="2139081"/>
-                <a:ext cx="568080" cy="88920"/>
-              </a:xfrm>
-              <a:prstGeom prst="rect">
-                <a:avLst/>
-              </a:prstGeom>
-            </p:spPr>
-          </p:pic>
-        </mc:Fallback>
-      </mc:AlternateContent>
-      <mc:AlternateContent xmlns:mc="http://schemas.openxmlformats.org/markup-compatibility/2006" xmlns:p14="http://schemas.microsoft.com/office/powerpoint/2010/main">
-        <mc:Choice Requires="p14">
-          <p:contentPart p14:bwMode="auto" r:id="rId17">
-            <p14:nvContentPartPr>
-              <p14:cNvPr id="14" name="Ink 13">
-                <a:extLst>
-                  <a:ext uri="{FF2B5EF4-FFF2-40B4-BE49-F238E27FC236}">
-                    <a16:creationId xmlns:a16="http://schemas.microsoft.com/office/drawing/2014/main" id="{051C41BE-6D93-4D7A-8F03-476098BB6A47}"/>
-                  </a:ext>
-                </a:extLst>
-              </p14:cNvPr>
-              <p14:cNvContentPartPr/>
-              <p14:nvPr/>
-            </p14:nvContentPartPr>
-            <p14:xfrm>
-              <a:off x="3149087" y="2804721"/>
-              <a:ext cx="244800" cy="21240"/>
-            </p14:xfrm>
-          </p:contentPart>
-        </mc:Choice>
-        <mc:Fallback xmlns="">
-          <p:pic>
-            <p:nvPicPr>
-              <p:cNvPr id="14" name="Ink 13">
-                <a:extLst>
-                  <a:ext uri="{FF2B5EF4-FFF2-40B4-BE49-F238E27FC236}">
-                    <a16:creationId xmlns:a16="http://schemas.microsoft.com/office/drawing/2014/main" id="{051C41BE-6D93-4D7A-8F03-476098BB6A47}"/>
-                  </a:ext>
-                </a:extLst>
-              </p:cNvPr>
-              <p:cNvPicPr/>
-              <p:nvPr/>
-            </p:nvPicPr>
-            <p:blipFill>
-              <a:blip r:embed="rId18"/>
-              <a:stretch>
-                <a:fillRect/>
-              </a:stretch>
-            </p:blipFill>
-            <p:spPr>
-              <a:xfrm>
-                <a:off x="3113447" y="2769081"/>
-                <a:ext cx="316440" cy="92880"/>
-              </a:xfrm>
-              <a:prstGeom prst="rect">
-                <a:avLst/>
-              </a:prstGeom>
-            </p:spPr>
-          </p:pic>
-        </mc:Fallback>
-      </mc:AlternateContent>
-      <p:sp>
-        <p:nvSpPr>
-          <p:cNvPr id="15" name="TextBox 14">
-            <a:extLst>
-              <a:ext uri="{FF2B5EF4-FFF2-40B4-BE49-F238E27FC236}">
-                <a16:creationId xmlns:a16="http://schemas.microsoft.com/office/drawing/2014/main" id="{191A371F-3DCB-4C3D-8390-5779AB1576D0}"/>
-              </a:ext>
-            </a:extLst>
-          </p:cNvPr>
-          <p:cNvSpPr txBox="1"/>
-          <p:nvPr/>
-        </p:nvSpPr>
-        <p:spPr>
-          <a:xfrm>
-            <a:off x="8254093" y="220436"/>
-            <a:ext cx="2661557" cy="646331"/>
-          </a:xfrm>
-          <a:prstGeom prst="rect">
-            <a:avLst/>
-          </a:prstGeom>
-          <a:noFill/>
-        </p:spPr>
-        <p:txBody>
-          <a:bodyPr wrap="square" rtlCol="0">
-            <a:spAutoFit/>
-          </a:bodyPr>
-          <a:lstStyle/>
-          <a:p>
-            <a:r>
-              <a:rPr lang="en-NZ" dirty="0"/>
-              <a:t>All results worked as expected</a:t>
-            </a:r>
-          </a:p>
-        </p:txBody>
-      </p:sp>
     </p:spTree>
     <p:extLst>
       <p:ext uri="{BB962C8B-B14F-4D97-AF65-F5344CB8AC3E}">
@@ -25034,7 +25110,7 @@
   <p:cSld>
     <p:spTree>
       <p:nvGrpSpPr>
-        <p:cNvPr id="1" name="Shape 90"/>
+        <p:cNvPr id="1" name=""/>
         <p:cNvGrpSpPr/>
         <p:nvPr/>
       </p:nvGrpSpPr>
@@ -25048,8 +25124,14 @@
       </p:grpSpPr>
       <p:sp>
         <p:nvSpPr>
-          <p:cNvPr id="91" name="Google Shape;91;p19"/>
-          <p:cNvSpPr txBox="1">
+          <p:cNvPr id="2" name="Title 1">
+            <a:extLst>
+              <a:ext uri="{FF2B5EF4-FFF2-40B4-BE49-F238E27FC236}">
+                <a16:creationId xmlns:a16="http://schemas.microsoft.com/office/drawing/2014/main" id="{183CAE4A-E189-4CAA-B3F5-7E97BC5188E3}"/>
+              </a:ext>
+            </a:extLst>
+          </p:cNvPr>
+          <p:cNvSpPr>
             <a:spLocks noGrp="1"/>
           </p:cNvSpPr>
           <p:nvPr>
@@ -25058,307 +25140,151 @@
         </p:nvSpPr>
         <p:spPr>
           <a:xfrm>
-            <a:off x="415600" y="217447"/>
-            <a:ext cx="11360800" cy="763600"/>
+            <a:off x="838199" y="406400"/>
+            <a:ext cx="10515600" cy="583248"/>
+          </a:xfrm>
+        </p:spPr>
+        <p:txBody>
+          <a:bodyPr>
+            <a:normAutofit fontScale="90000"/>
+          </a:bodyPr>
+          <a:lstStyle/>
+          <a:p>
+            <a:r>
+              <a:rPr lang="en-NZ" sz="4000" dirty="0"/>
+              <a:t>Assembled Outcome Testing: 2</a:t>
+            </a:r>
+          </a:p>
+        </p:txBody>
+      </p:sp>
+      <p:sp>
+        <p:nvSpPr>
+          <p:cNvPr id="34" name="TextBox 33">
+            <a:extLst>
+              <a:ext uri="{FF2B5EF4-FFF2-40B4-BE49-F238E27FC236}">
+                <a16:creationId xmlns:a16="http://schemas.microsoft.com/office/drawing/2014/main" id="{D9250A60-5C90-4E48-8298-31D81BFB450D}"/>
+              </a:ext>
+            </a:extLst>
+          </p:cNvPr>
+          <p:cNvSpPr txBox="1"/>
+          <p:nvPr/>
+        </p:nvSpPr>
+        <p:spPr>
+          <a:xfrm>
+            <a:off x="5706836" y="4457700"/>
+            <a:ext cx="2662314" cy="646331"/>
+          </a:xfrm>
+          <a:prstGeom prst="rect">
+            <a:avLst/>
+          </a:prstGeom>
+          <a:noFill/>
+        </p:spPr>
+        <p:txBody>
+          <a:bodyPr wrap="square" rtlCol="0">
+            <a:spAutoFit/>
+          </a:bodyPr>
+          <a:lstStyle/>
+          <a:p>
+            <a:r>
+              <a:rPr lang="en-NZ" dirty="0"/>
+              <a:t>Results worked  as expected </a:t>
+            </a:r>
+          </a:p>
+        </p:txBody>
+      </p:sp>
+      <p:pic>
+        <p:nvPicPr>
+          <p:cNvPr id="5" name="Picture 4">
+            <a:extLst>
+              <a:ext uri="{FF2B5EF4-FFF2-40B4-BE49-F238E27FC236}">
+                <a16:creationId xmlns:a16="http://schemas.microsoft.com/office/drawing/2014/main" id="{7CB0229C-868A-482C-8FAE-4EE54FF9845A}"/>
+              </a:ext>
+            </a:extLst>
+          </p:cNvPr>
+          <p:cNvPicPr>
+            <a:picLocks noChangeAspect="1"/>
+          </p:cNvPicPr>
+          <p:nvPr/>
+        </p:nvPicPr>
+        <p:blipFill>
+          <a:blip r:embed="rId3"/>
+          <a:stretch>
+            <a:fillRect/>
+          </a:stretch>
+        </p:blipFill>
+        <p:spPr>
+          <a:xfrm>
+            <a:off x="480425" y="1114013"/>
+            <a:ext cx="4468511" cy="3843881"/>
           </a:xfrm>
           <a:prstGeom prst="rect">
             <a:avLst/>
           </a:prstGeom>
         </p:spPr>
+      </p:pic>
+      <p:sp>
+        <p:nvSpPr>
+          <p:cNvPr id="21" name="Rectangle 20">
+            <a:extLst>
+              <a:ext uri="{FF2B5EF4-FFF2-40B4-BE49-F238E27FC236}">
+                <a16:creationId xmlns:a16="http://schemas.microsoft.com/office/drawing/2014/main" id="{7884ADE6-5EE6-4A92-A943-A0F4B0901E30}"/>
+              </a:ext>
+            </a:extLst>
+          </p:cNvPr>
+          <p:cNvSpPr/>
+          <p:nvPr/>
+        </p:nvSpPr>
+        <p:spPr>
+          <a:xfrm>
+            <a:off x="570450" y="3338640"/>
+            <a:ext cx="3938909" cy="696465"/>
+          </a:xfrm>
+          <a:prstGeom prst="rect">
+            <a:avLst/>
+          </a:prstGeom>
+          <a:solidFill>
+            <a:srgbClr val="66CC00">
+              <a:alpha val="5000"/>
+            </a:srgbClr>
+          </a:solidFill>
+          <a:ln w="72000">
+            <a:solidFill>
+              <a:srgbClr val="66CC00"/>
+            </a:solidFill>
+          </a:ln>
+        </p:spPr>
+        <p:style>
+          <a:lnRef idx="2">
+            <a:schemeClr val="accent1">
+              <a:shade val="50000"/>
+            </a:schemeClr>
+          </a:lnRef>
+          <a:fillRef idx="1">
+            <a:schemeClr val="accent1"/>
+          </a:fillRef>
+          <a:effectRef idx="0">
+            <a:schemeClr val="accent1"/>
+          </a:effectRef>
+          <a:fontRef idx="minor">
+            <a:schemeClr val="lt1"/>
+          </a:fontRef>
+        </p:style>
         <p:txBody>
-          <a:bodyPr spcFirstLastPara="1" vert="horz" wrap="square" lIns="121900" tIns="121900" rIns="121900" bIns="121900" rtlCol="0" anchor="t" anchorCtr="0">
-            <a:noAutofit/>
-          </a:bodyPr>
+          <a:bodyPr wrap="none" rtlCol="0" anchor="ctr" anchorCtr="1"/>
           <a:lstStyle/>
           <a:p>
-            <a:r>
-              <a:rPr lang="en" sz="4000" dirty="0"/>
-              <a:t>Test Plan: Assembled outcome – Part 3</a:t>
-            </a:r>
-            <a:endParaRPr sz="4000" dirty="0"/>
+            <a:endParaRPr lang="en-US">
+              <a:solidFill>
+                <a:srgbClr val="66CC00"/>
+              </a:solidFill>
+            </a:endParaRPr>
           </a:p>
         </p:txBody>
       </p:sp>
-      <p:graphicFrame>
-        <p:nvGraphicFramePr>
-          <p:cNvPr id="92" name="Google Shape;92;p19"/>
-          <p:cNvGraphicFramePr/>
-          <p:nvPr>
-            <p:extLst>
-              <p:ext uri="{D42A27DB-BD31-4B8C-83A1-F6EECF244321}">
-                <p14:modId xmlns:p14="http://schemas.microsoft.com/office/powerpoint/2010/main" val="100394948"/>
-              </p:ext>
-            </p:extLst>
-          </p:nvPr>
-        </p:nvGraphicFramePr>
-        <p:xfrm>
-          <a:off x="415600" y="910592"/>
-          <a:ext cx="11776400" cy="4646928"/>
-        </p:xfrm>
-        <a:graphic>
-          <a:graphicData uri="http://schemas.openxmlformats.org/drawingml/2006/table">
-            <a:tbl>
-              <a:tblPr>
-                <a:noFill/>
-              </a:tblPr>
-              <a:tblGrid>
-                <a:gridCol w="5888200">
-                  <a:extLst>
-                    <a:ext uri="{9D8B030D-6E8A-4147-A177-3AD203B41FA5}">
-                      <a16:colId xmlns:a16="http://schemas.microsoft.com/office/drawing/2014/main" val="20000"/>
-                    </a:ext>
-                  </a:extLst>
-                </a:gridCol>
-                <a:gridCol w="5888200">
-                  <a:extLst>
-                    <a:ext uri="{9D8B030D-6E8A-4147-A177-3AD203B41FA5}">
-                      <a16:colId xmlns:a16="http://schemas.microsoft.com/office/drawing/2014/main" val="20001"/>
-                    </a:ext>
-                  </a:extLst>
-                </a:gridCol>
-              </a:tblGrid>
-              <a:tr h="1088619">
-                <a:tc>
-                  <a:txBody>
-                    <a:bodyPr/>
-                    <a:lstStyle/>
-                    <a:p>
-                      <a:pPr marL="0" lvl="0" indent="0" algn="l" rtl="0">
-                        <a:spcBef>
-                          <a:spcPts val="0"/>
-                        </a:spcBef>
-                        <a:spcAft>
-                          <a:spcPts val="0"/>
-                        </a:spcAft>
-                        <a:buNone/>
-                      </a:pPr>
-                      <a:r>
-                        <a:rPr lang="en" sz="2400" b="1" dirty="0"/>
-                        <a:t>Test Cases - input</a:t>
-                      </a:r>
-                      <a:endParaRPr sz="2400" b="1" dirty="0"/>
-                    </a:p>
-                  </a:txBody>
-                  <a:tcPr marL="121900" marR="121900" marT="121900" marB="121900">
-                    <a:solidFill>
-                      <a:srgbClr val="CCCCCC"/>
-                    </a:solidFill>
-                  </a:tcPr>
-                </a:tc>
-                <a:tc>
-                  <a:txBody>
-                    <a:bodyPr/>
-                    <a:lstStyle/>
-                    <a:p>
-                      <a:pPr marL="0" lvl="0" indent="0" algn="l" rtl="0">
-                        <a:spcBef>
-                          <a:spcPts val="0"/>
-                        </a:spcBef>
-                        <a:spcAft>
-                          <a:spcPts val="0"/>
-                        </a:spcAft>
-                        <a:buNone/>
-                      </a:pPr>
-                      <a:r>
-                        <a:rPr lang="en" sz="2400" b="1" dirty="0"/>
-                        <a:t>Expected output</a:t>
-                      </a:r>
-                      <a:endParaRPr sz="2400" b="1" dirty="0"/>
-                    </a:p>
-                  </a:txBody>
-                  <a:tcPr marL="121900" marR="121900" marT="121900" marB="121900">
-                    <a:solidFill>
-                      <a:srgbClr val="CCCCCC"/>
-                    </a:solidFill>
-                  </a:tcPr>
-                </a:tc>
-                <a:extLst>
-                  <a:ext uri="{0D108BD9-81ED-4DB2-BD59-A6C34878D82A}">
-                    <a16:rowId xmlns:a16="http://schemas.microsoft.com/office/drawing/2014/main" val="10000"/>
-                  </a:ext>
-                </a:extLst>
-              </a:tr>
-              <a:tr h="1816476">
-                <a:tc>
-                  <a:txBody>
-                    <a:bodyPr/>
-                    <a:lstStyle/>
-                    <a:p>
-                      <a:pPr marL="0" lvl="0" indent="0" algn="l" rtl="0">
-                        <a:spcBef>
-                          <a:spcPts val="0"/>
-                        </a:spcBef>
-                        <a:spcAft>
-                          <a:spcPts val="0"/>
-                        </a:spcAft>
-                        <a:buNone/>
-                      </a:pPr>
-                      <a:r>
-                        <a:rPr lang="en-NZ" sz="2400" dirty="0"/>
-                        <a:t>Quiz ends</a:t>
-                      </a:r>
-                    </a:p>
-                    <a:p>
-                      <a:pPr marL="0" lvl="0" indent="0" algn="l" rtl="0">
-                        <a:spcBef>
-                          <a:spcPts val="0"/>
-                        </a:spcBef>
-                        <a:spcAft>
-                          <a:spcPts val="0"/>
-                        </a:spcAft>
-                        <a:buNone/>
-                      </a:pPr>
-                      <a:r>
-                        <a:rPr lang="en-NZ" sz="2400" dirty="0"/>
-                        <a:t>User presses &lt;enter&gt; to play again</a:t>
-                      </a:r>
-                      <a:endParaRPr sz="2400" dirty="0"/>
-                    </a:p>
-                  </a:txBody>
-                  <a:tcPr marL="121900" marR="121900" marT="121900" marB="121900"/>
-                </a:tc>
-                <a:tc>
-                  <a:txBody>
-                    <a:bodyPr/>
-                    <a:lstStyle/>
-                    <a:p>
-                      <a:pPr marL="0" marR="0" lvl="0" indent="0" algn="l" defTabSz="914400" rtl="0" eaLnBrk="1" fontAlgn="auto" latinLnBrk="0" hangingPunct="1">
-                        <a:lnSpc>
-                          <a:spcPct val="100000"/>
-                        </a:lnSpc>
-                        <a:spcBef>
-                          <a:spcPts val="0"/>
-                        </a:spcBef>
-                        <a:spcAft>
-                          <a:spcPts val="0"/>
-                        </a:spcAft>
-                        <a:buClrTx/>
-                        <a:buSzTx/>
-                        <a:buFontTx/>
-                        <a:buNone/>
-                        <a:tabLst/>
-                        <a:defRPr/>
-                      </a:pPr>
-                      <a:r>
-                        <a:rPr lang="en-NZ" sz="2400" dirty="0"/>
-                        <a:t>Questions reset to 1</a:t>
-                      </a:r>
-                    </a:p>
-                    <a:p>
-                      <a:pPr marL="0" marR="0" lvl="0" indent="0" algn="l" defTabSz="914400" rtl="0" eaLnBrk="1" fontAlgn="auto" latinLnBrk="0" hangingPunct="1">
-                        <a:lnSpc>
-                          <a:spcPct val="100000"/>
-                        </a:lnSpc>
-                        <a:spcBef>
-                          <a:spcPts val="0"/>
-                        </a:spcBef>
-                        <a:spcAft>
-                          <a:spcPts val="0"/>
-                        </a:spcAft>
-                        <a:buClrTx/>
-                        <a:buSzTx/>
-                        <a:buFontTx/>
-                        <a:buNone/>
-                        <a:tabLst/>
-                        <a:defRPr/>
-                      </a:pPr>
-                      <a:r>
-                        <a:rPr lang="en-NZ" sz="2400" dirty="0"/>
-                        <a:t>Quiz continues </a:t>
-                      </a:r>
-                    </a:p>
-                  </a:txBody>
-                  <a:tcPr marL="121900" marR="121900" marT="121900" marB="121900"/>
-                </a:tc>
-                <a:extLst>
-                  <a:ext uri="{0D108BD9-81ED-4DB2-BD59-A6C34878D82A}">
-                    <a16:rowId xmlns:a16="http://schemas.microsoft.com/office/drawing/2014/main" val="10001"/>
-                  </a:ext>
-                </a:extLst>
-              </a:tr>
-              <a:tr h="1741833">
-                <a:tc>
-                  <a:txBody>
-                    <a:bodyPr/>
-                    <a:lstStyle/>
-                    <a:p>
-                      <a:pPr marL="0" lvl="0" indent="0" algn="l" rtl="0">
-                        <a:spcBef>
-                          <a:spcPts val="0"/>
-                        </a:spcBef>
-                        <a:spcAft>
-                          <a:spcPts val="0"/>
-                        </a:spcAft>
-                        <a:buNone/>
-                      </a:pPr>
-                      <a:r>
-                        <a:rPr lang="en-NZ" sz="2400" dirty="0"/>
-                        <a:t>Quiz ends </a:t>
-                      </a:r>
-                    </a:p>
-                    <a:p>
-                      <a:pPr marL="0" lvl="0" indent="0" algn="l" rtl="0">
-                        <a:spcBef>
-                          <a:spcPts val="0"/>
-                        </a:spcBef>
-                        <a:spcAft>
-                          <a:spcPts val="0"/>
-                        </a:spcAft>
-                        <a:buNone/>
-                      </a:pPr>
-                      <a:r>
-                        <a:rPr lang="en-NZ" sz="2400" dirty="0"/>
-                        <a:t>User presses ‘x’ to finish</a:t>
-                      </a:r>
-                      <a:endParaRPr sz="2400" dirty="0"/>
-                    </a:p>
-                  </a:txBody>
-                  <a:tcPr marL="121900" marR="121900" marT="121900" marB="121900"/>
-                </a:tc>
-                <a:tc>
-                  <a:txBody>
-                    <a:bodyPr/>
-                    <a:lstStyle/>
-                    <a:p>
-                      <a:pPr marL="0" marR="0" lvl="0" indent="0" algn="l" defTabSz="914400" rtl="0" eaLnBrk="1" fontAlgn="auto" latinLnBrk="0" hangingPunct="1">
-                        <a:lnSpc>
-                          <a:spcPct val="100000"/>
-                        </a:lnSpc>
-                        <a:spcBef>
-                          <a:spcPts val="0"/>
-                        </a:spcBef>
-                        <a:spcAft>
-                          <a:spcPts val="0"/>
-                        </a:spcAft>
-                        <a:buClrTx/>
-                        <a:buSzTx/>
-                        <a:buFontTx/>
-                        <a:buNone/>
-                        <a:tabLst/>
-                        <a:defRPr/>
-                      </a:pPr>
-                      <a:r>
-                        <a:rPr lang="en-NZ" sz="2400" dirty="0"/>
-                        <a:t>Show farewell screen</a:t>
-                      </a:r>
-                    </a:p>
-                  </a:txBody>
-                  <a:tcPr marL="121900" marR="121900" marT="121900" marB="121900"/>
-                </a:tc>
-                <a:extLst>
-                  <a:ext uri="{0D108BD9-81ED-4DB2-BD59-A6C34878D82A}">
-                    <a16:rowId xmlns:a16="http://schemas.microsoft.com/office/drawing/2014/main" val="2099733630"/>
-                  </a:ext>
-                </a:extLst>
-              </a:tr>
-            </a:tbl>
-          </a:graphicData>
-        </a:graphic>
-      </p:graphicFrame>
     </p:spTree>
     <p:extLst>
       <p:ext uri="{BB962C8B-B14F-4D97-AF65-F5344CB8AC3E}">
-        <p14:creationId xmlns:p14="http://schemas.microsoft.com/office/powerpoint/2010/main" val="2057603850"/>
+        <p14:creationId xmlns:p14="http://schemas.microsoft.com/office/powerpoint/2010/main" val="2493281480"/>
       </p:ext>
     </p:extLst>
   </p:cSld>
@@ -25412,6 +25338,345 @@
           <a:p>
             <a:r>
               <a:rPr lang="en" sz="4000" dirty="0"/>
+              <a:t>Test Plan: Assembled outcome – Part 3</a:t>
+            </a:r>
+            <a:endParaRPr sz="4000" dirty="0"/>
+          </a:p>
+        </p:txBody>
+      </p:sp>
+      <p:graphicFrame>
+        <p:nvGraphicFramePr>
+          <p:cNvPr id="92" name="Google Shape;92;p19"/>
+          <p:cNvGraphicFramePr/>
+          <p:nvPr>
+            <p:extLst>
+              <p:ext uri="{D42A27DB-BD31-4B8C-83A1-F6EECF244321}">
+                <p14:modId xmlns:p14="http://schemas.microsoft.com/office/powerpoint/2010/main" val="100394948"/>
+              </p:ext>
+            </p:extLst>
+          </p:nvPr>
+        </p:nvGraphicFramePr>
+        <p:xfrm>
+          <a:off x="415600" y="910592"/>
+          <a:ext cx="11776400" cy="4646928"/>
+        </p:xfrm>
+        <a:graphic>
+          <a:graphicData uri="http://schemas.openxmlformats.org/drawingml/2006/table">
+            <a:tbl>
+              <a:tblPr>
+                <a:noFill/>
+              </a:tblPr>
+              <a:tblGrid>
+                <a:gridCol w="5888200">
+                  <a:extLst>
+                    <a:ext uri="{9D8B030D-6E8A-4147-A177-3AD203B41FA5}">
+                      <a16:colId xmlns:a16="http://schemas.microsoft.com/office/drawing/2014/main" val="20000"/>
+                    </a:ext>
+                  </a:extLst>
+                </a:gridCol>
+                <a:gridCol w="5888200">
+                  <a:extLst>
+                    <a:ext uri="{9D8B030D-6E8A-4147-A177-3AD203B41FA5}">
+                      <a16:colId xmlns:a16="http://schemas.microsoft.com/office/drawing/2014/main" val="20001"/>
+                    </a:ext>
+                  </a:extLst>
+                </a:gridCol>
+              </a:tblGrid>
+              <a:tr h="1088619">
+                <a:tc>
+                  <a:txBody>
+                    <a:bodyPr/>
+                    <a:lstStyle/>
+                    <a:p>
+                      <a:pPr marL="0" lvl="0" indent="0" algn="l" rtl="0">
+                        <a:spcBef>
+                          <a:spcPts val="0"/>
+                        </a:spcBef>
+                        <a:spcAft>
+                          <a:spcPts val="0"/>
+                        </a:spcAft>
+                        <a:buNone/>
+                      </a:pPr>
+                      <a:r>
+                        <a:rPr lang="en" sz="2400" b="1" dirty="0"/>
+                        <a:t>Test Cases - input</a:t>
+                      </a:r>
+                      <a:endParaRPr sz="2400" b="1" dirty="0"/>
+                    </a:p>
+                  </a:txBody>
+                  <a:tcPr marL="121900" marR="121900" marT="121900" marB="121900">
+                    <a:solidFill>
+                      <a:srgbClr val="CCCCCC"/>
+                    </a:solidFill>
+                  </a:tcPr>
+                </a:tc>
+                <a:tc>
+                  <a:txBody>
+                    <a:bodyPr/>
+                    <a:lstStyle/>
+                    <a:p>
+                      <a:pPr marL="0" lvl="0" indent="0" algn="l" rtl="0">
+                        <a:spcBef>
+                          <a:spcPts val="0"/>
+                        </a:spcBef>
+                        <a:spcAft>
+                          <a:spcPts val="0"/>
+                        </a:spcAft>
+                        <a:buNone/>
+                      </a:pPr>
+                      <a:r>
+                        <a:rPr lang="en" sz="2400" b="1" dirty="0"/>
+                        <a:t>Expected output</a:t>
+                      </a:r>
+                      <a:endParaRPr sz="2400" b="1" dirty="0"/>
+                    </a:p>
+                  </a:txBody>
+                  <a:tcPr marL="121900" marR="121900" marT="121900" marB="121900">
+                    <a:solidFill>
+                      <a:srgbClr val="CCCCCC"/>
+                    </a:solidFill>
+                  </a:tcPr>
+                </a:tc>
+                <a:extLst>
+                  <a:ext uri="{0D108BD9-81ED-4DB2-BD59-A6C34878D82A}">
+                    <a16:rowId xmlns:a16="http://schemas.microsoft.com/office/drawing/2014/main" val="10000"/>
+                  </a:ext>
+                </a:extLst>
+              </a:tr>
+              <a:tr h="1816476">
+                <a:tc>
+                  <a:txBody>
+                    <a:bodyPr/>
+                    <a:lstStyle/>
+                    <a:p>
+                      <a:pPr marL="0" lvl="0" indent="0" algn="l" rtl="0">
+                        <a:spcBef>
+                          <a:spcPts val="0"/>
+                        </a:spcBef>
+                        <a:spcAft>
+                          <a:spcPts val="0"/>
+                        </a:spcAft>
+                        <a:buNone/>
+                      </a:pPr>
+                      <a:r>
+                        <a:rPr lang="en-NZ" sz="2400" dirty="0"/>
+                        <a:t>Quiz ends</a:t>
+                      </a:r>
+                    </a:p>
+                    <a:p>
+                      <a:pPr marL="0" lvl="0" indent="0" algn="l" rtl="0">
+                        <a:spcBef>
+                          <a:spcPts val="0"/>
+                        </a:spcBef>
+                        <a:spcAft>
+                          <a:spcPts val="0"/>
+                        </a:spcAft>
+                        <a:buNone/>
+                      </a:pPr>
+                      <a:r>
+                        <a:rPr lang="en-NZ" sz="2400" dirty="0"/>
+                        <a:t>User presses &lt;enter&gt; to play again</a:t>
+                      </a:r>
+                      <a:endParaRPr sz="2400" dirty="0"/>
+                    </a:p>
+                  </a:txBody>
+                  <a:tcPr marL="121900" marR="121900" marT="121900" marB="121900"/>
+                </a:tc>
+                <a:tc>
+                  <a:txBody>
+                    <a:bodyPr/>
+                    <a:lstStyle/>
+                    <a:p>
+                      <a:pPr marL="0" marR="0" lvl="0" indent="0" algn="l" defTabSz="914400" rtl="0" eaLnBrk="1" fontAlgn="auto" latinLnBrk="0" hangingPunct="1">
+                        <a:lnSpc>
+                          <a:spcPct val="100000"/>
+                        </a:lnSpc>
+                        <a:spcBef>
+                          <a:spcPts val="0"/>
+                        </a:spcBef>
+                        <a:spcAft>
+                          <a:spcPts val="0"/>
+                        </a:spcAft>
+                        <a:buClrTx/>
+                        <a:buSzTx/>
+                        <a:buFontTx/>
+                        <a:buNone/>
+                        <a:tabLst/>
+                        <a:defRPr/>
+                      </a:pPr>
+                      <a:r>
+                        <a:rPr lang="en-NZ" sz="2400" dirty="0"/>
+                        <a:t>Questions reset to 1</a:t>
+                      </a:r>
+                    </a:p>
+                    <a:p>
+                      <a:pPr marL="0" marR="0" lvl="0" indent="0" algn="l" defTabSz="914400" rtl="0" eaLnBrk="1" fontAlgn="auto" latinLnBrk="0" hangingPunct="1">
+                        <a:lnSpc>
+                          <a:spcPct val="100000"/>
+                        </a:lnSpc>
+                        <a:spcBef>
+                          <a:spcPts val="0"/>
+                        </a:spcBef>
+                        <a:spcAft>
+                          <a:spcPts val="0"/>
+                        </a:spcAft>
+                        <a:buClrTx/>
+                        <a:buSzTx/>
+                        <a:buFontTx/>
+                        <a:buNone/>
+                        <a:tabLst/>
+                        <a:defRPr/>
+                      </a:pPr>
+                      <a:r>
+                        <a:rPr lang="en-NZ" sz="2400" dirty="0"/>
+                        <a:t>Quiz continues </a:t>
+                      </a:r>
+                    </a:p>
+                  </a:txBody>
+                  <a:tcPr marL="121900" marR="121900" marT="121900" marB="121900"/>
+                </a:tc>
+                <a:extLst>
+                  <a:ext uri="{0D108BD9-81ED-4DB2-BD59-A6C34878D82A}">
+                    <a16:rowId xmlns:a16="http://schemas.microsoft.com/office/drawing/2014/main" val="10001"/>
+                  </a:ext>
+                </a:extLst>
+              </a:tr>
+              <a:tr h="1741833">
+                <a:tc>
+                  <a:txBody>
+                    <a:bodyPr/>
+                    <a:lstStyle/>
+                    <a:p>
+                      <a:pPr marL="0" lvl="0" indent="0" algn="l" rtl="0">
+                        <a:spcBef>
+                          <a:spcPts val="0"/>
+                        </a:spcBef>
+                        <a:spcAft>
+                          <a:spcPts val="0"/>
+                        </a:spcAft>
+                        <a:buNone/>
+                      </a:pPr>
+                      <a:r>
+                        <a:rPr lang="en-NZ" sz="2400" dirty="0"/>
+                        <a:t>Quiz ends </a:t>
+                      </a:r>
+                    </a:p>
+                    <a:p>
+                      <a:pPr marL="0" lvl="0" indent="0" algn="l" rtl="0">
+                        <a:spcBef>
+                          <a:spcPts val="0"/>
+                        </a:spcBef>
+                        <a:spcAft>
+                          <a:spcPts val="0"/>
+                        </a:spcAft>
+                        <a:buNone/>
+                      </a:pPr>
+                      <a:r>
+                        <a:rPr lang="en-NZ" sz="2400" dirty="0"/>
+                        <a:t>User presses ‘x’ to finish</a:t>
+                      </a:r>
+                      <a:endParaRPr sz="2400" dirty="0"/>
+                    </a:p>
+                  </a:txBody>
+                  <a:tcPr marL="121900" marR="121900" marT="121900" marB="121900"/>
+                </a:tc>
+                <a:tc>
+                  <a:txBody>
+                    <a:bodyPr/>
+                    <a:lstStyle/>
+                    <a:p>
+                      <a:pPr marL="0" marR="0" lvl="0" indent="0" algn="l" defTabSz="914400" rtl="0" eaLnBrk="1" fontAlgn="auto" latinLnBrk="0" hangingPunct="1">
+                        <a:lnSpc>
+                          <a:spcPct val="100000"/>
+                        </a:lnSpc>
+                        <a:spcBef>
+                          <a:spcPts val="0"/>
+                        </a:spcBef>
+                        <a:spcAft>
+                          <a:spcPts val="0"/>
+                        </a:spcAft>
+                        <a:buClrTx/>
+                        <a:buSzTx/>
+                        <a:buFontTx/>
+                        <a:buNone/>
+                        <a:tabLst/>
+                        <a:defRPr/>
+                      </a:pPr>
+                      <a:r>
+                        <a:rPr lang="en-NZ" sz="2400" dirty="0"/>
+                        <a:t>Show farewell screen</a:t>
+                      </a:r>
+                    </a:p>
+                  </a:txBody>
+                  <a:tcPr marL="121900" marR="121900" marT="121900" marB="121900"/>
+                </a:tc>
+                <a:extLst>
+                  <a:ext uri="{0D108BD9-81ED-4DB2-BD59-A6C34878D82A}">
+                    <a16:rowId xmlns:a16="http://schemas.microsoft.com/office/drawing/2014/main" val="2099733630"/>
+                  </a:ext>
+                </a:extLst>
+              </a:tr>
+            </a:tbl>
+          </a:graphicData>
+        </a:graphic>
+      </p:graphicFrame>
+    </p:spTree>
+    <p:extLst>
+      <p:ext uri="{BB962C8B-B14F-4D97-AF65-F5344CB8AC3E}">
+        <p14:creationId xmlns:p14="http://schemas.microsoft.com/office/powerpoint/2010/main" val="2057603850"/>
+      </p:ext>
+    </p:extLst>
+  </p:cSld>
+  <p:clrMapOvr>
+    <a:masterClrMapping/>
+  </p:clrMapOvr>
+</p:sld>
+</file>
+
+<file path=ppt/slides/slide34.xml><?xml version="1.0" encoding="utf-8"?>
+<p:sld xmlns:a="http://schemas.openxmlformats.org/drawingml/2006/main" xmlns:r="http://schemas.openxmlformats.org/officeDocument/2006/relationships" xmlns:p="http://schemas.openxmlformats.org/presentationml/2006/main">
+  <p:cSld>
+    <p:spTree>
+      <p:nvGrpSpPr>
+        <p:cNvPr id="1" name="Shape 90"/>
+        <p:cNvGrpSpPr/>
+        <p:nvPr/>
+      </p:nvGrpSpPr>
+      <p:grpSpPr>
+        <a:xfrm>
+          <a:off x="0" y="0"/>
+          <a:ext cx="0" cy="0"/>
+          <a:chOff x="0" y="0"/>
+          <a:chExt cx="0" cy="0"/>
+        </a:xfrm>
+      </p:grpSpPr>
+      <p:sp>
+        <p:nvSpPr>
+          <p:cNvPr id="91" name="Google Shape;91;p19"/>
+          <p:cNvSpPr txBox="1">
+            <a:spLocks noGrp="1"/>
+          </p:cNvSpPr>
+          <p:nvPr>
+            <p:ph type="title"/>
+          </p:nvPr>
+        </p:nvSpPr>
+        <p:spPr>
+          <a:xfrm>
+            <a:off x="415600" y="217447"/>
+            <a:ext cx="11360800" cy="763600"/>
+          </a:xfrm>
+          <a:prstGeom prst="rect">
+            <a:avLst/>
+          </a:prstGeom>
+        </p:spPr>
+        <p:txBody>
+          <a:bodyPr spcFirstLastPara="1" vert="horz" wrap="square" lIns="121900" tIns="121900" rIns="121900" bIns="121900" rtlCol="0" anchor="t" anchorCtr="0">
+            <a:noAutofit/>
+          </a:bodyPr>
+          <a:lstStyle/>
+          <a:p>
+            <a:r>
+              <a:rPr lang="en" sz="4000" dirty="0"/>
               <a:t>Test Plan: Assembled outcome 2 </a:t>
             </a:r>
             <a:endParaRPr sz="4000" dirty="0"/>
@@ -25795,378 +26060,6 @@
     <p:extLst>
       <p:ext uri="{BB962C8B-B14F-4D97-AF65-F5344CB8AC3E}">
         <p14:creationId xmlns:p14="http://schemas.microsoft.com/office/powerpoint/2010/main" val="2197962000"/>
-      </p:ext>
-    </p:extLst>
-  </p:cSld>
-  <p:clrMapOvr>
-    <a:masterClrMapping/>
-  </p:clrMapOvr>
-</p:sld>
-</file>
-
-<file path=ppt/slides/slide34.xml><?xml version="1.0" encoding="utf-8"?>
-<p:sld xmlns:a="http://schemas.openxmlformats.org/drawingml/2006/main" xmlns:r="http://schemas.openxmlformats.org/officeDocument/2006/relationships" xmlns:p="http://schemas.openxmlformats.org/presentationml/2006/main">
-  <p:cSld>
-    <p:spTree>
-      <p:nvGrpSpPr>
-        <p:cNvPr id="1" name=""/>
-        <p:cNvGrpSpPr/>
-        <p:nvPr/>
-      </p:nvGrpSpPr>
-      <p:grpSpPr>
-        <a:xfrm>
-          <a:off x="0" y="0"/>
-          <a:ext cx="0" cy="0"/>
-          <a:chOff x="0" y="0"/>
-          <a:chExt cx="0" cy="0"/>
-        </a:xfrm>
-      </p:grpSpPr>
-      <p:sp>
-        <p:nvSpPr>
-          <p:cNvPr id="2" name="Title 1">
-            <a:extLst>
-              <a:ext uri="{FF2B5EF4-FFF2-40B4-BE49-F238E27FC236}">
-                <a16:creationId xmlns:a16="http://schemas.microsoft.com/office/drawing/2014/main" id="{183CAE4A-E189-4CAA-B3F5-7E97BC5188E3}"/>
-              </a:ext>
-            </a:extLst>
-          </p:cNvPr>
-          <p:cNvSpPr>
-            <a:spLocks noGrp="1"/>
-          </p:cNvSpPr>
-          <p:nvPr>
-            <p:ph type="title"/>
-          </p:nvPr>
-        </p:nvSpPr>
-        <p:spPr>
-          <a:xfrm>
-            <a:off x="838199" y="406400"/>
-            <a:ext cx="10515600" cy="583248"/>
-          </a:xfrm>
-        </p:spPr>
-        <p:txBody>
-          <a:bodyPr>
-            <a:normAutofit fontScale="90000"/>
-          </a:bodyPr>
-          <a:lstStyle/>
-          <a:p>
-            <a:r>
-              <a:rPr lang="en-NZ" sz="4000" dirty="0"/>
-              <a:t>Assembled Outcome Testing: 2</a:t>
-            </a:r>
-          </a:p>
-        </p:txBody>
-      </p:sp>
-      <p:pic>
-        <p:nvPicPr>
-          <p:cNvPr id="4" name="Picture 3">
-            <a:extLst>
-              <a:ext uri="{FF2B5EF4-FFF2-40B4-BE49-F238E27FC236}">
-                <a16:creationId xmlns:a16="http://schemas.microsoft.com/office/drawing/2014/main" id="{A88F6254-2930-4C9A-9CCB-0C31DBC0D80F}"/>
-              </a:ext>
-            </a:extLst>
-          </p:cNvPr>
-          <p:cNvPicPr>
-            <a:picLocks noChangeAspect="1"/>
-          </p:cNvPicPr>
-          <p:nvPr/>
-        </p:nvPicPr>
-        <p:blipFill>
-          <a:blip r:embed="rId3"/>
-          <a:stretch>
-            <a:fillRect/>
-          </a:stretch>
-        </p:blipFill>
-        <p:spPr>
-          <a:xfrm>
-            <a:off x="838199" y="1371500"/>
-            <a:ext cx="2984653" cy="3886400"/>
-          </a:xfrm>
-          <a:prstGeom prst="rect">
-            <a:avLst/>
-          </a:prstGeom>
-        </p:spPr>
-      </p:pic>
-      <p:sp>
-        <p:nvSpPr>
-          <p:cNvPr id="21" name="矩形 20">
-            <a:extLst>
-              <a:ext uri="{FF2B5EF4-FFF2-40B4-BE49-F238E27FC236}">
-                <a16:creationId xmlns:a16="http://schemas.microsoft.com/office/drawing/2014/main" id="{15929154-5457-4AD7-B6D0-394BDC1ACC78}"/>
-              </a:ext>
-            </a:extLst>
-          </p:cNvPr>
-          <p:cNvSpPr/>
-          <p:nvPr/>
-        </p:nvSpPr>
-        <p:spPr>
-          <a:xfrm>
-            <a:off x="818280" y="3438000"/>
-            <a:ext cx="2743200" cy="1828800"/>
-          </a:xfrm>
-          <a:prstGeom prst="rect">
-            <a:avLst/>
-          </a:prstGeom>
-          <a:solidFill>
-            <a:srgbClr val="66CC00">
-              <a:alpha val="5000"/>
-            </a:srgbClr>
-          </a:solidFill>
-          <a:ln w="72000">
-            <a:solidFill>
-              <a:srgbClr val="66CC00"/>
-            </a:solidFill>
-          </a:ln>
-        </p:spPr>
-        <p:style>
-          <a:lnRef idx="2">
-            <a:schemeClr val="accent1">
-              <a:shade val="50000"/>
-            </a:schemeClr>
-          </a:lnRef>
-          <a:fillRef idx="1">
-            <a:schemeClr val="accent1"/>
-          </a:fillRef>
-          <a:effectRef idx="0">
-            <a:schemeClr val="accent1"/>
-          </a:effectRef>
-          <a:fontRef idx="minor">
-            <a:schemeClr val="lt1"/>
-          </a:fontRef>
-        </p:style>
-        <p:txBody>
-          <a:bodyPr wrap="none" rtlCol="0" anchor="ctr" anchorCtr="1"/>
-          <a:lstStyle/>
-          <a:p>
-            <a:endParaRPr lang="en-US">
-              <a:solidFill>
-                <a:srgbClr val="66CC00"/>
-              </a:solidFill>
-            </a:endParaRPr>
-          </a:p>
-        </p:txBody>
-      </p:sp>
-      <mc:AlternateContent xmlns:mc="http://schemas.openxmlformats.org/markup-compatibility/2006" xmlns:p14="http://schemas.microsoft.com/office/powerpoint/2010/main">
-        <mc:Choice Requires="p14">
-          <p:contentPart p14:bwMode="auto" r:id="rId4">
-            <p14:nvContentPartPr>
-              <p14:cNvPr id="29" name="Ink 28">
-                <a:extLst>
-                  <a:ext uri="{FF2B5EF4-FFF2-40B4-BE49-F238E27FC236}">
-                    <a16:creationId xmlns:a16="http://schemas.microsoft.com/office/drawing/2014/main" id="{2B5712CB-AEA7-44A0-B309-2AECFD804629}"/>
-                  </a:ext>
-                </a:extLst>
-              </p14:cNvPr>
-              <p14:cNvContentPartPr/>
-              <p14:nvPr/>
-            </p14:nvContentPartPr>
-            <p14:xfrm>
-              <a:off x="764447" y="3256946"/>
-              <a:ext cx="2969640" cy="360"/>
-            </p14:xfrm>
-          </p:contentPart>
-        </mc:Choice>
-        <mc:Fallback xmlns="">
-          <p:pic>
-            <p:nvPicPr>
-              <p:cNvPr id="29" name="Ink 28">
-                <a:extLst>
-                  <a:ext uri="{FF2B5EF4-FFF2-40B4-BE49-F238E27FC236}">
-                    <a16:creationId xmlns:a16="http://schemas.microsoft.com/office/drawing/2014/main" id="{2B5712CB-AEA7-44A0-B309-2AECFD804629}"/>
-                  </a:ext>
-                </a:extLst>
-              </p:cNvPr>
-              <p:cNvPicPr/>
-              <p:nvPr/>
-            </p:nvPicPr>
-            <p:blipFill>
-              <a:blip r:embed="rId5"/>
-              <a:stretch>
-                <a:fillRect/>
-              </a:stretch>
-            </p:blipFill>
-            <p:spPr>
-              <a:xfrm>
-                <a:off x="728447" y="3220946"/>
-                <a:ext cx="3041280" cy="72000"/>
-              </a:xfrm>
-              <a:prstGeom prst="rect">
-                <a:avLst/>
-              </a:prstGeom>
-            </p:spPr>
-          </p:pic>
-        </mc:Fallback>
-      </mc:AlternateContent>
-      <p:pic>
-        <p:nvPicPr>
-          <p:cNvPr id="31" name="Picture 30">
-            <a:extLst>
-              <a:ext uri="{FF2B5EF4-FFF2-40B4-BE49-F238E27FC236}">
-                <a16:creationId xmlns:a16="http://schemas.microsoft.com/office/drawing/2014/main" id="{CB88BDA4-58ED-4D33-8EC5-7E7E7848553A}"/>
-              </a:ext>
-            </a:extLst>
-          </p:cNvPr>
-          <p:cNvPicPr>
-            <a:picLocks noChangeAspect="1"/>
-          </p:cNvPicPr>
-          <p:nvPr/>
-        </p:nvPicPr>
-        <p:blipFill>
-          <a:blip r:embed="rId6"/>
-          <a:stretch>
-            <a:fillRect/>
-          </a:stretch>
-        </p:blipFill>
-        <p:spPr>
-          <a:xfrm>
-            <a:off x="6190635" y="2250583"/>
-            <a:ext cx="5516952" cy="1524078"/>
-          </a:xfrm>
-          <a:prstGeom prst="rect">
-            <a:avLst/>
-          </a:prstGeom>
-        </p:spPr>
-      </p:pic>
-      <mc:AlternateContent xmlns:mc="http://schemas.openxmlformats.org/markup-compatibility/2006" xmlns:p14="http://schemas.microsoft.com/office/powerpoint/2010/main">
-        <mc:Choice Requires="p14">
-          <p:contentPart p14:bwMode="auto" r:id="rId7">
-            <p14:nvContentPartPr>
-              <p14:cNvPr id="32" name="Ink 31">
-                <a:extLst>
-                  <a:ext uri="{FF2B5EF4-FFF2-40B4-BE49-F238E27FC236}">
-                    <a16:creationId xmlns:a16="http://schemas.microsoft.com/office/drawing/2014/main" id="{F8823078-E861-4DA5-AF5E-EDBA3102740B}"/>
-                  </a:ext>
-                </a:extLst>
-              </p14:cNvPr>
-              <p14:cNvContentPartPr/>
-              <p14:nvPr/>
-            </p14:nvContentPartPr>
-            <p14:xfrm>
-              <a:off x="8813687" y="3530456"/>
-              <a:ext cx="333360" cy="18720"/>
-            </p14:xfrm>
-          </p:contentPart>
-        </mc:Choice>
-        <mc:Fallback xmlns="">
-          <p:pic>
-            <p:nvPicPr>
-              <p:cNvPr id="32" name="Ink 31">
-                <a:extLst>
-                  <a:ext uri="{FF2B5EF4-FFF2-40B4-BE49-F238E27FC236}">
-                    <a16:creationId xmlns:a16="http://schemas.microsoft.com/office/drawing/2014/main" id="{F8823078-E861-4DA5-AF5E-EDBA3102740B}"/>
-                  </a:ext>
-                </a:extLst>
-              </p:cNvPr>
-              <p:cNvPicPr/>
-              <p:nvPr/>
-            </p:nvPicPr>
-            <p:blipFill>
-              <a:blip r:embed="rId8"/>
-              <a:stretch>
-                <a:fillRect/>
-              </a:stretch>
-            </p:blipFill>
-            <p:spPr>
-              <a:xfrm>
-                <a:off x="8778047" y="3494456"/>
-                <a:ext cx="405000" cy="90360"/>
-              </a:xfrm>
-              <a:prstGeom prst="rect">
-                <a:avLst/>
-              </a:prstGeom>
-            </p:spPr>
-          </p:pic>
-        </mc:Fallback>
-      </mc:AlternateContent>
-      <mc:AlternateContent xmlns:mc="http://schemas.openxmlformats.org/markup-compatibility/2006" xmlns:p14="http://schemas.microsoft.com/office/powerpoint/2010/main">
-        <mc:Choice Requires="p14">
-          <p:contentPart p14:bwMode="auto" r:id="rId9">
-            <p14:nvContentPartPr>
-              <p14:cNvPr id="33" name="Ink 32">
-                <a:extLst>
-                  <a:ext uri="{FF2B5EF4-FFF2-40B4-BE49-F238E27FC236}">
-                    <a16:creationId xmlns:a16="http://schemas.microsoft.com/office/drawing/2014/main" id="{60E87934-33AC-4F35-A3E0-F95584EF58BF}"/>
-                  </a:ext>
-                </a:extLst>
-              </p14:cNvPr>
-              <p14:cNvContentPartPr/>
-              <p14:nvPr/>
-            </p14:nvContentPartPr>
-            <p14:xfrm>
-              <a:off x="8806847" y="3243176"/>
-              <a:ext cx="248040" cy="16920"/>
-            </p14:xfrm>
-          </p:contentPart>
-        </mc:Choice>
-        <mc:Fallback xmlns="">
-          <p:pic>
-            <p:nvPicPr>
-              <p:cNvPr id="33" name="Ink 32">
-                <a:extLst>
-                  <a:ext uri="{FF2B5EF4-FFF2-40B4-BE49-F238E27FC236}">
-                    <a16:creationId xmlns:a16="http://schemas.microsoft.com/office/drawing/2014/main" id="{60E87934-33AC-4F35-A3E0-F95584EF58BF}"/>
-                  </a:ext>
-                </a:extLst>
-              </p:cNvPr>
-              <p:cNvPicPr/>
-              <p:nvPr/>
-            </p:nvPicPr>
-            <p:blipFill>
-              <a:blip r:embed="rId10"/>
-              <a:stretch>
-                <a:fillRect/>
-              </a:stretch>
-            </p:blipFill>
-            <p:spPr>
-              <a:xfrm>
-                <a:off x="8770847" y="3207176"/>
-                <a:ext cx="319680" cy="88560"/>
-              </a:xfrm>
-              <a:prstGeom prst="rect">
-                <a:avLst/>
-              </a:prstGeom>
-            </p:spPr>
-          </p:pic>
-        </mc:Fallback>
-      </mc:AlternateContent>
-      <p:sp>
-        <p:nvSpPr>
-          <p:cNvPr id="34" name="TextBox 33">
-            <a:extLst>
-              <a:ext uri="{FF2B5EF4-FFF2-40B4-BE49-F238E27FC236}">
-                <a16:creationId xmlns:a16="http://schemas.microsoft.com/office/drawing/2014/main" id="{D9250A60-5C90-4E48-8298-31D81BFB450D}"/>
-              </a:ext>
-            </a:extLst>
-          </p:cNvPr>
-          <p:cNvSpPr txBox="1"/>
-          <p:nvPr/>
-        </p:nvSpPr>
-        <p:spPr>
-          <a:xfrm>
-            <a:off x="5706836" y="4457700"/>
-            <a:ext cx="2662314" cy="646331"/>
-          </a:xfrm>
-          <a:prstGeom prst="rect">
-            <a:avLst/>
-          </a:prstGeom>
-          <a:noFill/>
-        </p:spPr>
-        <p:txBody>
-          <a:bodyPr wrap="square" rtlCol="0">
-            <a:spAutoFit/>
-          </a:bodyPr>
-          <a:lstStyle/>
-          <a:p>
-            <a:r>
-              <a:rPr lang="en-NZ" dirty="0"/>
-              <a:t>Results worked  as expected </a:t>
-            </a:r>
-          </a:p>
-        </p:txBody>
-      </p:sp>
-    </p:spTree>
-    <p:extLst>
-      <p:ext uri="{BB962C8B-B14F-4D97-AF65-F5344CB8AC3E}">
-        <p14:creationId xmlns:p14="http://schemas.microsoft.com/office/powerpoint/2010/main" val="2493281480"/>
       </p:ext>
     </p:extLst>
   </p:cSld>
@@ -27603,7 +27496,7 @@
         </p:nvSpPr>
         <p:spPr>
           <a:xfrm>
-            <a:off x="838200" y="365125"/>
+            <a:off x="133525" y="113711"/>
             <a:ext cx="10515600" cy="721995"/>
           </a:xfrm>
         </p:spPr>
@@ -27615,108 +27508,45 @@
           <a:p>
             <a:r>
               <a:rPr lang="en-NZ" sz="4000" dirty="0"/>
-              <a:t>Final Discussion:</a:t>
+              <a:t>PP8 Check:</a:t>
             </a:r>
           </a:p>
         </p:txBody>
       </p:sp>
-      <p:sp>
-        <p:nvSpPr>
-          <p:cNvPr id="4" name="TextBox 3">
+      <p:pic>
+        <p:nvPicPr>
+          <p:cNvPr id="5" name="Picture 4">
             <a:extLst>
               <a:ext uri="{FF2B5EF4-FFF2-40B4-BE49-F238E27FC236}">
-                <a16:creationId xmlns:a16="http://schemas.microsoft.com/office/drawing/2014/main" id="{3E0C2D1D-B6B1-4382-96F8-EC3E0ABBE3A6}"/>
+                <a16:creationId xmlns:a16="http://schemas.microsoft.com/office/drawing/2014/main" id="{54BE8EB9-2A93-4965-946D-8BDE7B1CCEC9}"/>
               </a:ext>
             </a:extLst>
           </p:cNvPr>
-          <p:cNvSpPr txBox="1"/>
+          <p:cNvPicPr>
+            <a:picLocks noChangeAspect="1"/>
+          </p:cNvPicPr>
           <p:nvPr/>
-        </p:nvSpPr>
+        </p:nvPicPr>
+        <p:blipFill>
+          <a:blip r:embed="rId3"/>
+          <a:stretch>
+            <a:fillRect/>
+          </a:stretch>
+        </p:blipFill>
         <p:spPr>
           <a:xfrm>
-            <a:off x="838200" y="1159329"/>
-            <a:ext cx="8542564" cy="1754326"/>
+            <a:off x="1793654" y="726122"/>
+            <a:ext cx="8604692" cy="5296172"/>
           </a:xfrm>
           <a:prstGeom prst="rect">
             <a:avLst/>
           </a:prstGeom>
-          <a:noFill/>
         </p:spPr>
-        <p:txBody>
-          <a:bodyPr wrap="square" rtlCol="0">
-            <a:spAutoFit/>
-          </a:bodyPr>
-          <a:lstStyle/>
-          <a:p>
-            <a:pPr marL="285750" indent="-285750">
-              <a:buFontTx/>
-              <a:buChar char="-"/>
-            </a:pPr>
-            <a:r>
-              <a:rPr lang="en-US" sz="1800" kern="1200" dirty="0">
-                <a:solidFill>
-                  <a:schemeClr val="tx1"/>
-                </a:solidFill>
-                <a:latin typeface="+mn-lt"/>
-                <a:ea typeface="+mn-ea"/>
-                <a:cs typeface="+mn-cs"/>
-              </a:rPr>
-              <a:t>Throughout making this code I have tested and trialed every component</a:t>
-            </a:r>
-          </a:p>
-          <a:p>
-            <a:pPr marL="285750" indent="-285750">
-              <a:buFontTx/>
-              <a:buChar char="-"/>
-            </a:pPr>
-            <a:r>
-              <a:rPr lang="en-US" dirty="0"/>
-              <a:t>I have also applied all relevant implications </a:t>
-            </a:r>
-          </a:p>
-          <a:p>
-            <a:pPr marL="285750" indent="-285750">
-              <a:buFontTx/>
-              <a:buChar char="-"/>
-            </a:pPr>
-            <a:r>
-              <a:rPr lang="en-US" dirty="0"/>
-              <a:t>By making a large program smaller by using functions I have been able to code my program more efficiently</a:t>
-            </a:r>
-          </a:p>
-          <a:p>
-            <a:pPr marL="285750" indent="-285750">
-              <a:buFontTx/>
-              <a:buChar char="-"/>
-            </a:pPr>
-            <a:r>
-              <a:rPr lang="en-US" dirty="0"/>
-              <a:t>Through testing I was able to find flaws in my code </a:t>
-            </a:r>
-          </a:p>
-          <a:p>
-            <a:pPr marL="285750" indent="-285750">
-              <a:buFontTx/>
-              <a:buChar char="-"/>
-            </a:pPr>
-            <a:r>
-              <a:rPr lang="en-US" sz="1800" kern="1200" dirty="0">
-                <a:solidFill>
-                  <a:schemeClr val="tx1"/>
-                </a:solidFill>
-                <a:latin typeface="+mn-lt"/>
-                <a:ea typeface="+mn-ea"/>
-                <a:cs typeface="+mn-cs"/>
-              </a:rPr>
-              <a:t> </a:t>
-            </a:r>
-          </a:p>
-        </p:txBody>
-      </p:sp>
+      </p:pic>
     </p:spTree>
     <p:extLst>
       <p:ext uri="{BB962C8B-B14F-4D97-AF65-F5344CB8AC3E}">
-        <p14:creationId xmlns:p14="http://schemas.microsoft.com/office/powerpoint/2010/main" val="2276153040"/>
+        <p14:creationId xmlns:p14="http://schemas.microsoft.com/office/powerpoint/2010/main" val="2856955835"/>
       </p:ext>
     </p:extLst>
   </p:cSld>
@@ -28135,6 +27965,164 @@
     <p:extLst>
       <p:ext uri="{BB962C8B-B14F-4D97-AF65-F5344CB8AC3E}">
         <p14:creationId xmlns:p14="http://schemas.microsoft.com/office/powerpoint/2010/main" val="2202202434"/>
+      </p:ext>
+    </p:extLst>
+  </p:cSld>
+  <p:clrMapOvr>
+    <a:masterClrMapping/>
+  </p:clrMapOvr>
+</p:sld>
+</file>
+
+<file path=ppt/slides/slide40.xml><?xml version="1.0" encoding="utf-8"?>
+<p:sld xmlns:a="http://schemas.openxmlformats.org/drawingml/2006/main" xmlns:r="http://schemas.openxmlformats.org/officeDocument/2006/relationships" xmlns:p="http://schemas.openxmlformats.org/presentationml/2006/main">
+  <p:cSld>
+    <p:spTree>
+      <p:nvGrpSpPr>
+        <p:cNvPr id="1" name=""/>
+        <p:cNvGrpSpPr/>
+        <p:nvPr/>
+      </p:nvGrpSpPr>
+      <p:grpSpPr>
+        <a:xfrm>
+          <a:off x="0" y="0"/>
+          <a:ext cx="0" cy="0"/>
+          <a:chOff x="0" y="0"/>
+          <a:chExt cx="0" cy="0"/>
+        </a:xfrm>
+      </p:grpSpPr>
+      <p:sp>
+        <p:nvSpPr>
+          <p:cNvPr id="2" name="Title 1">
+            <a:extLst>
+              <a:ext uri="{FF2B5EF4-FFF2-40B4-BE49-F238E27FC236}">
+                <a16:creationId xmlns:a16="http://schemas.microsoft.com/office/drawing/2014/main" id="{0AC904DD-5A10-446B-A89E-8DA5AC00DE23}"/>
+              </a:ext>
+            </a:extLst>
+          </p:cNvPr>
+          <p:cNvSpPr>
+            <a:spLocks noGrp="1"/>
+          </p:cNvSpPr>
+          <p:nvPr>
+            <p:ph type="title"/>
+          </p:nvPr>
+        </p:nvSpPr>
+        <p:spPr>
+          <a:xfrm>
+            <a:off x="838200" y="365125"/>
+            <a:ext cx="10515600" cy="721995"/>
+          </a:xfrm>
+        </p:spPr>
+        <p:txBody>
+          <a:bodyPr>
+            <a:normAutofit/>
+          </a:bodyPr>
+          <a:lstStyle/>
+          <a:p>
+            <a:r>
+              <a:rPr lang="en-NZ" sz="4000" dirty="0"/>
+              <a:t>Final Discussion:</a:t>
+            </a:r>
+          </a:p>
+        </p:txBody>
+      </p:sp>
+      <p:sp>
+        <p:nvSpPr>
+          <p:cNvPr id="4" name="TextBox 3">
+            <a:extLst>
+              <a:ext uri="{FF2B5EF4-FFF2-40B4-BE49-F238E27FC236}">
+                <a16:creationId xmlns:a16="http://schemas.microsoft.com/office/drawing/2014/main" id="{3E0C2D1D-B6B1-4382-96F8-EC3E0ABBE3A6}"/>
+              </a:ext>
+            </a:extLst>
+          </p:cNvPr>
+          <p:cNvSpPr txBox="1"/>
+          <p:nvPr/>
+        </p:nvSpPr>
+        <p:spPr>
+          <a:xfrm>
+            <a:off x="838200" y="1159329"/>
+            <a:ext cx="8542564" cy="1754326"/>
+          </a:xfrm>
+          <a:prstGeom prst="rect">
+            <a:avLst/>
+          </a:prstGeom>
+          <a:noFill/>
+        </p:spPr>
+        <p:txBody>
+          <a:bodyPr wrap="square" rtlCol="0">
+            <a:spAutoFit/>
+          </a:bodyPr>
+          <a:lstStyle/>
+          <a:p>
+            <a:pPr marL="285750" indent="-285750">
+              <a:buFontTx/>
+              <a:buChar char="-"/>
+            </a:pPr>
+            <a:r>
+              <a:rPr lang="en-US" sz="1800" kern="1200" dirty="0">
+                <a:solidFill>
+                  <a:schemeClr val="tx1"/>
+                </a:solidFill>
+                <a:latin typeface="+mn-lt"/>
+                <a:ea typeface="+mn-ea"/>
+                <a:cs typeface="+mn-cs"/>
+              </a:rPr>
+              <a:t>Throughout making this code I have tested and trialed every component</a:t>
+            </a:r>
+          </a:p>
+          <a:p>
+            <a:pPr marL="285750" indent="-285750">
+              <a:buFontTx/>
+              <a:buChar char="-"/>
+            </a:pPr>
+            <a:r>
+              <a:rPr lang="en-US" dirty="0"/>
+              <a:t>I have also applied all relevant implications </a:t>
+            </a:r>
+          </a:p>
+          <a:p>
+            <a:pPr marL="285750" indent="-285750">
+              <a:buFontTx/>
+              <a:buChar char="-"/>
+            </a:pPr>
+            <a:r>
+              <a:rPr lang="en-US" dirty="0"/>
+              <a:t>By making a large program smaller by using functions I have been able to code my program more efficiently</a:t>
+            </a:r>
+          </a:p>
+          <a:p>
+            <a:pPr marL="285750" indent="-285750">
+              <a:buFontTx/>
+              <a:buChar char="-"/>
+            </a:pPr>
+            <a:r>
+              <a:rPr lang="en-US" dirty="0"/>
+              <a:t>Through testing I was able to find flaws in my code </a:t>
+            </a:r>
+          </a:p>
+          <a:p>
+            <a:pPr marL="285750" indent="-285750">
+              <a:buFontTx/>
+              <a:buChar char="-"/>
+            </a:pPr>
+            <a:r>
+              <a:rPr lang="en-US" sz="1800" kern="1200" dirty="0">
+                <a:solidFill>
+                  <a:schemeClr val="tx1"/>
+                </a:solidFill>
+                <a:latin typeface="+mn-lt"/>
+                <a:ea typeface="+mn-ea"/>
+                <a:cs typeface="+mn-cs"/>
+              </a:rPr>
+              <a:t> </a:t>
+            </a:r>
+          </a:p>
+        </p:txBody>
+      </p:sp>
+    </p:spTree>
+    <p:extLst>
+      <p:ext uri="{BB962C8B-B14F-4D97-AF65-F5344CB8AC3E}">
+        <p14:creationId xmlns:p14="http://schemas.microsoft.com/office/powerpoint/2010/main" val="2276153040"/>
       </p:ext>
     </p:extLst>
   </p:cSld>

--- a/AS91883(1.7) & AS91884(1.8) Documentation.pptx
+++ b/AS91883(1.7) & AS91884(1.8) Documentation.pptx
@@ -5,7 +5,7 @@
     <p:sldMasterId id="2147483648" r:id="rId1"/>
   </p:sldMasterIdLst>
   <p:notesMasterIdLst>
-    <p:notesMasterId r:id="rId42"/>
+    <p:notesMasterId r:id="rId40"/>
   </p:notesMasterIdLst>
   <p:sldIdLst>
     <p:sldId id="256" r:id="rId2"/>
@@ -41,13 +41,11 @@
     <p:sldId id="306" r:id="rId32"/>
     <p:sldId id="296" r:id="rId33"/>
     <p:sldId id="307" r:id="rId34"/>
-    <p:sldId id="294" r:id="rId35"/>
-    <p:sldId id="295" r:id="rId36"/>
-    <p:sldId id="297" r:id="rId37"/>
-    <p:sldId id="270" r:id="rId38"/>
-    <p:sldId id="261" r:id="rId39"/>
-    <p:sldId id="308" r:id="rId40"/>
-    <p:sldId id="266" r:id="rId41"/>
+    <p:sldId id="309" r:id="rId35"/>
+    <p:sldId id="270" r:id="rId36"/>
+    <p:sldId id="261" r:id="rId37"/>
+    <p:sldId id="308" r:id="rId38"/>
+    <p:sldId id="266" r:id="rId39"/>
   </p:sldIdLst>
   <p:sldSz cx="12192000" cy="6858000"/>
   <p:notesSz cx="6858000" cy="9144000"/>
@@ -157,7 +155,7 @@
 <file path=ppt/revisionInfo.xml><?xml version="1.0" encoding="utf-8"?>
 <p1510:revInfo xmlns:a="http://schemas.openxmlformats.org/drawingml/2006/main" xmlns:r="http://schemas.openxmlformats.org/officeDocument/2006/relationships" xmlns:p1510="http://schemas.microsoft.com/office/powerpoint/2015/10/main">
   <p1510:revLst>
-    <p1510:client id="{F1BAABD6-565A-4B4D-9F14-502B1B8F4095}" v="36" dt="2022-05-22T23:25:55.250"/>
+    <p1510:client id="{F1BAABD6-565A-4B4D-9F14-502B1B8F4095}" v="40" dt="2022-05-23T20:53:37.738"/>
   </p1510:revLst>
 </p1510:revInfo>
 </file>
@@ -3221,7 +3219,7 @@
   <pc:docChgLst>
     <pc:chgData name="Molly Sankey" userId="944469c7-6883-451f-9b55-4524bc4915b3" providerId="ADAL" clId="{F1BAABD6-565A-4B4D-9F14-502B1B8F4095}"/>
     <pc:docChg chg="undo custSel addSld delSld modSld sldOrd">
-      <pc:chgData name="Molly Sankey" userId="944469c7-6883-451f-9b55-4524bc4915b3" providerId="ADAL" clId="{F1BAABD6-565A-4B4D-9F14-502B1B8F4095}" dt="2022-05-23T00:27:30.051" v="5628" actId="20577"/>
+      <pc:chgData name="Molly Sankey" userId="944469c7-6883-451f-9b55-4524bc4915b3" providerId="ADAL" clId="{F1BAABD6-565A-4B4D-9F14-502B1B8F4095}" dt="2022-05-25T01:35:22.258" v="6487" actId="20577"/>
       <pc:docMkLst>
         <pc:docMk/>
       </pc:docMkLst>
@@ -3690,6 +3688,21 @@
             <ac:spMk id="91" creationId="{00000000-0000-0000-0000-000000000000}"/>
           </ac:spMkLst>
         </pc:spChg>
+      </pc:sldChg>
+      <pc:sldChg chg="modSp mod">
+        <pc:chgData name="Molly Sankey" userId="944469c7-6883-451f-9b55-4524bc4915b3" providerId="ADAL" clId="{F1BAABD6-565A-4B4D-9F14-502B1B8F4095}" dt="2022-05-25T01:35:22.258" v="6487" actId="20577"/>
+        <pc:sldMkLst>
+          <pc:docMk/>
+          <pc:sldMk cId="1053444694" sldId="270"/>
+        </pc:sldMkLst>
+        <pc:graphicFrameChg chg="modGraphic">
+          <ac:chgData name="Molly Sankey" userId="944469c7-6883-451f-9b55-4524bc4915b3" providerId="ADAL" clId="{F1BAABD6-565A-4B4D-9F14-502B1B8F4095}" dt="2022-05-25T01:35:22.258" v="6487" actId="20577"/>
+          <ac:graphicFrameMkLst>
+            <pc:docMk/>
+            <pc:sldMk cId="1053444694" sldId="270"/>
+            <ac:graphicFrameMk id="4" creationId="{54A393A9-6C94-409B-BDCB-65C4ABAA2DD1}"/>
+          </ac:graphicFrameMkLst>
+        </pc:graphicFrameChg>
       </pc:sldChg>
       <pc:sldChg chg="modSp mod">
         <pc:chgData name="Molly Sankey" userId="944469c7-6883-451f-9b55-4524bc4915b3" providerId="ADAL" clId="{F1BAABD6-565A-4B4D-9F14-502B1B8F4095}" dt="2022-05-11T02:17:40.826" v="3407" actId="20577"/>
@@ -4703,12 +4716,34 @@
           </ac:graphicFrameMkLst>
         </pc:graphicFrameChg>
       </pc:sldChg>
+      <pc:sldChg chg="del">
+        <pc:chgData name="Molly Sankey" userId="944469c7-6883-451f-9b55-4524bc4915b3" providerId="ADAL" clId="{F1BAABD6-565A-4B4D-9F14-502B1B8F4095}" dt="2022-05-23T20:55:55.992" v="5789" actId="2696"/>
+        <pc:sldMkLst>
+          <pc:docMk/>
+          <pc:sldMk cId="2197962000" sldId="294"/>
+        </pc:sldMkLst>
+      </pc:sldChg>
+      <pc:sldChg chg="del">
+        <pc:chgData name="Molly Sankey" userId="944469c7-6883-451f-9b55-4524bc4915b3" providerId="ADAL" clId="{F1BAABD6-565A-4B4D-9F14-502B1B8F4095}" dt="2022-05-23T20:56:01.463" v="5790" actId="2696"/>
+        <pc:sldMkLst>
+          <pc:docMk/>
+          <pc:sldMk cId="3397948323" sldId="295"/>
+        </pc:sldMkLst>
+      </pc:sldChg>
       <pc:sldChg chg="addSp delSp modSp mod ord">
-        <pc:chgData name="Molly Sankey" userId="944469c7-6883-451f-9b55-4524bc4915b3" providerId="ADAL" clId="{F1BAABD6-565A-4B4D-9F14-502B1B8F4095}" dt="2022-05-22T23:44:37.038" v="5610" actId="14100"/>
+        <pc:chgData name="Molly Sankey" userId="944469c7-6883-451f-9b55-4524bc4915b3" providerId="ADAL" clId="{F1BAABD6-565A-4B4D-9F14-502B1B8F4095}" dt="2022-05-23T20:51:31.904" v="5682" actId="1076"/>
         <pc:sldMkLst>
           <pc:docMk/>
           <pc:sldMk cId="2493281480" sldId="296"/>
         </pc:sldMkLst>
+        <pc:spChg chg="add mod">
+          <ac:chgData name="Molly Sankey" userId="944469c7-6883-451f-9b55-4524bc4915b3" providerId="ADAL" clId="{F1BAABD6-565A-4B4D-9F14-502B1B8F4095}" dt="2022-05-23T20:50:51.892" v="5672" actId="1076"/>
+          <ac:spMkLst>
+            <pc:docMk/>
+            <pc:sldMk cId="2493281480" sldId="296"/>
+            <ac:spMk id="17" creationId="{6A841B72-4418-4DEE-8250-6BD24060BC8A}"/>
+          </ac:spMkLst>
+        </pc:spChg>
         <pc:spChg chg="del">
           <ac:chgData name="Molly Sankey" userId="944469c7-6883-451f-9b55-4524bc4915b3" providerId="ADAL" clId="{F1BAABD6-565A-4B4D-9F14-502B1B8F4095}" dt="2022-05-22T23:40:27.979" v="5599" actId="478"/>
           <ac:spMkLst>
@@ -4718,11 +4753,59 @@
           </ac:spMkLst>
         </pc:spChg>
         <pc:spChg chg="add mod">
-          <ac:chgData name="Molly Sankey" userId="944469c7-6883-451f-9b55-4524bc4915b3" providerId="ADAL" clId="{F1BAABD6-565A-4B4D-9F14-502B1B8F4095}" dt="2022-05-22T23:44:37.038" v="5610" actId="14100"/>
+          <ac:chgData name="Molly Sankey" userId="944469c7-6883-451f-9b55-4524bc4915b3" providerId="ADAL" clId="{F1BAABD6-565A-4B4D-9F14-502B1B8F4095}" dt="2022-05-23T20:50:57.022" v="5673" actId="1076"/>
           <ac:spMkLst>
             <pc:docMk/>
             <pc:sldMk cId="2493281480" sldId="296"/>
             <ac:spMk id="21" creationId="{7884ADE6-5EE6-4A92-A943-A0F4B0901E30}"/>
+          </ac:spMkLst>
+        </pc:spChg>
+        <pc:spChg chg="add mod">
+          <ac:chgData name="Molly Sankey" userId="944469c7-6883-451f-9b55-4524bc4915b3" providerId="ADAL" clId="{F1BAABD6-565A-4B4D-9F14-502B1B8F4095}" dt="2022-05-23T20:51:14.001" v="5677" actId="1076"/>
+          <ac:spMkLst>
+            <pc:docMk/>
+            <pc:sldMk cId="2493281480" sldId="296"/>
+            <ac:spMk id="22" creationId="{C61E437E-2101-4F0F-A320-9DDFAFE9B4B5}"/>
+          </ac:spMkLst>
+        </pc:spChg>
+        <pc:spChg chg="add mod">
+          <ac:chgData name="Molly Sankey" userId="944469c7-6883-451f-9b55-4524bc4915b3" providerId="ADAL" clId="{F1BAABD6-565A-4B4D-9F14-502B1B8F4095}" dt="2022-05-23T20:51:24.403" v="5681" actId="20577"/>
+          <ac:spMkLst>
+            <pc:docMk/>
+            <pc:sldMk cId="2493281480" sldId="296"/>
+            <ac:spMk id="23" creationId="{9EF26EFE-0D5E-474D-8810-2EFEAC2CE894}"/>
+          </ac:spMkLst>
+        </pc:spChg>
+        <pc:spChg chg="add mod">
+          <ac:chgData name="Molly Sankey" userId="944469c7-6883-451f-9b55-4524bc4915b3" providerId="ADAL" clId="{F1BAABD6-565A-4B4D-9F14-502B1B8F4095}" dt="2022-05-23T20:51:09.745" v="5676" actId="1076"/>
+          <ac:spMkLst>
+            <pc:docMk/>
+            <pc:sldMk cId="2493281480" sldId="296"/>
+            <ac:spMk id="25" creationId="{0323F003-6446-413E-9EF5-EA2794C09445}"/>
+          </ac:spMkLst>
+        </pc:spChg>
+        <pc:spChg chg="add mod">
+          <ac:chgData name="Molly Sankey" userId="944469c7-6883-451f-9b55-4524bc4915b3" providerId="ADAL" clId="{F1BAABD6-565A-4B4D-9F14-502B1B8F4095}" dt="2022-05-23T20:51:06.941" v="5675" actId="1076"/>
+          <ac:spMkLst>
+            <pc:docMk/>
+            <pc:sldMk cId="2493281480" sldId="296"/>
+            <ac:spMk id="26" creationId="{6F0D13A5-585F-4FD0-94C9-0C552F039C55}"/>
+          </ac:spMkLst>
+        </pc:spChg>
+        <pc:spChg chg="add del">
+          <ac:chgData name="Molly Sankey" userId="944469c7-6883-451f-9b55-4524bc4915b3" providerId="ADAL" clId="{F1BAABD6-565A-4B4D-9F14-502B1B8F4095}" dt="2022-05-23T20:49:39.995" v="5646" actId="34124"/>
+          <ac:spMkLst>
+            <pc:docMk/>
+            <pc:sldMk cId="2493281480" sldId="296"/>
+            <ac:spMk id="28" creationId="{B4F0FF25-F130-42C3-BCC9-C2C878E0DEBF}"/>
+          </ac:spMkLst>
+        </pc:spChg>
+        <pc:spChg chg="mod">
+          <ac:chgData name="Molly Sankey" userId="944469c7-6883-451f-9b55-4524bc4915b3" providerId="ADAL" clId="{F1BAABD6-565A-4B4D-9F14-502B1B8F4095}" dt="2022-05-23T20:51:31.904" v="5682" actId="1076"/>
+          <ac:spMkLst>
+            <pc:docMk/>
+            <pc:sldMk cId="2493281480" sldId="296"/>
+            <ac:spMk id="34" creationId="{D9250A60-5C90-4E48-8298-31D81BFB450D}"/>
           </ac:spMkLst>
         </pc:spChg>
         <pc:picChg chg="del">
@@ -4734,11 +4817,19 @@
           </ac:picMkLst>
         </pc:picChg>
         <pc:picChg chg="add mod">
-          <ac:chgData name="Molly Sankey" userId="944469c7-6883-451f-9b55-4524bc4915b3" providerId="ADAL" clId="{F1BAABD6-565A-4B4D-9F14-502B1B8F4095}" dt="2022-05-22T23:44:08.202" v="5605" actId="14100"/>
+          <ac:chgData name="Molly Sankey" userId="944469c7-6883-451f-9b55-4524bc4915b3" providerId="ADAL" clId="{F1BAABD6-565A-4B4D-9F14-502B1B8F4095}" dt="2022-05-23T20:50:44.836" v="5671" actId="1076"/>
           <ac:picMkLst>
             <pc:docMk/>
             <pc:sldMk cId="2493281480" sldId="296"/>
             <ac:picMk id="5" creationId="{7CB0229C-868A-482C-8FAE-4EE54FF9845A}"/>
+          </ac:picMkLst>
+        </pc:picChg>
+        <pc:picChg chg="add mod">
+          <ac:chgData name="Molly Sankey" userId="944469c7-6883-451f-9b55-4524bc4915b3" providerId="ADAL" clId="{F1BAABD6-565A-4B4D-9F14-502B1B8F4095}" dt="2022-05-23T20:51:03.322" v="5674" actId="1076"/>
+          <ac:picMkLst>
+            <pc:docMk/>
+            <pc:sldMk cId="2493281480" sldId="296"/>
+            <ac:picMk id="8" creationId="{EC0809D8-9C4A-48B9-A259-950FDA88AEBF}"/>
           </ac:picMkLst>
         </pc:picChg>
         <pc:picChg chg="del">
@@ -4757,6 +4848,30 @@
             <ac:inkMk id="6" creationId="{16DF8819-8725-4F44-A814-D4C281280986}"/>
           </ac:inkMkLst>
         </pc:inkChg>
+        <pc:inkChg chg="add del">
+          <ac:chgData name="Molly Sankey" userId="944469c7-6883-451f-9b55-4524bc4915b3" providerId="ADAL" clId="{F1BAABD6-565A-4B4D-9F14-502B1B8F4095}" dt="2022-05-23T20:48:40.381" v="5639" actId="34122"/>
+          <ac:inkMkLst>
+            <pc:docMk/>
+            <pc:sldMk cId="2493281480" sldId="296"/>
+            <ac:inkMk id="9" creationId="{3040AB92-09FA-481D-AFE6-B699F6409C3D}"/>
+          </ac:inkMkLst>
+        </pc:inkChg>
+        <pc:inkChg chg="add del">
+          <ac:chgData name="Molly Sankey" userId="944469c7-6883-451f-9b55-4524bc4915b3" providerId="ADAL" clId="{F1BAABD6-565A-4B4D-9F14-502B1B8F4095}" dt="2022-05-23T20:49:19.522" v="5643" actId="34122"/>
+          <ac:inkMkLst>
+            <pc:docMk/>
+            <pc:sldMk cId="2493281480" sldId="296"/>
+            <ac:inkMk id="10" creationId="{65A16492-5F47-41C7-97E6-ADA8A683B8A5}"/>
+          </ac:inkMkLst>
+        </pc:inkChg>
+        <pc:inkChg chg="add del">
+          <ac:chgData name="Molly Sankey" userId="944469c7-6883-451f-9b55-4524bc4915b3" providerId="ADAL" clId="{F1BAABD6-565A-4B4D-9F14-502B1B8F4095}" dt="2022-05-23T20:49:36.055" v="5645" actId="34122"/>
+          <ac:inkMkLst>
+            <pc:docMk/>
+            <pc:sldMk cId="2493281480" sldId="296"/>
+            <ac:inkMk id="11" creationId="{95A0ACC1-361D-4933-A24A-D6F65FD8043E}"/>
+          </ac:inkMkLst>
+        </pc:inkChg>
         <pc:inkChg chg="del">
           <ac:chgData name="Molly Sankey" userId="944469c7-6883-451f-9b55-4524bc4915b3" providerId="ADAL" clId="{F1BAABD6-565A-4B4D-9F14-502B1B8F4095}" dt="2022-05-22T23:40:35.621" v="5600" actId="478"/>
           <ac:inkMkLst>
@@ -4781,6 +4896,13 @@
             <ac:inkMk id="33" creationId="{60E87934-33AC-4F35-A3E0-F95584EF58BF}"/>
           </ac:inkMkLst>
         </pc:inkChg>
+      </pc:sldChg>
+      <pc:sldChg chg="del">
+        <pc:chgData name="Molly Sankey" userId="944469c7-6883-451f-9b55-4524bc4915b3" providerId="ADAL" clId="{F1BAABD6-565A-4B4D-9F14-502B1B8F4095}" dt="2022-05-23T20:56:06.306" v="5791" actId="2696"/>
+        <pc:sldMkLst>
+          <pc:docMk/>
+          <pc:sldMk cId="2088247680" sldId="297"/>
+        </pc:sldMkLst>
       </pc:sldChg>
       <pc:sldChg chg="modSp add mod">
         <pc:chgData name="Molly Sankey" userId="944469c7-6883-451f-9b55-4524bc4915b3" providerId="ADAL" clId="{F1BAABD6-565A-4B4D-9F14-502B1B8F4095}" dt="2022-05-08T23:22:31.564" v="1069" actId="2165"/>
@@ -5986,6 +6108,189 @@
             <ac:picMk id="5" creationId="{54BE8EB9-2A93-4965-946D-8BDE7B1CCEC9}"/>
           </ac:picMkLst>
         </pc:picChg>
+      </pc:sldChg>
+      <pc:sldChg chg="addSp delSp modSp add mod ord">
+        <pc:chgData name="Molly Sankey" userId="944469c7-6883-451f-9b55-4524bc4915b3" providerId="ADAL" clId="{F1BAABD6-565A-4B4D-9F14-502B1B8F4095}" dt="2022-05-23T20:55:30.605" v="5788" actId="20577"/>
+        <pc:sldMkLst>
+          <pc:docMk/>
+          <pc:sldMk cId="2035673755" sldId="309"/>
+        </pc:sldMkLst>
+        <pc:spChg chg="mod">
+          <ac:chgData name="Molly Sankey" userId="944469c7-6883-451f-9b55-4524bc4915b3" providerId="ADAL" clId="{F1BAABD6-565A-4B4D-9F14-502B1B8F4095}" dt="2022-05-23T20:55:30.605" v="5788" actId="20577"/>
+          <ac:spMkLst>
+            <pc:docMk/>
+            <pc:sldMk cId="2035673755" sldId="309"/>
+            <ac:spMk id="2" creationId="{183CAE4A-E189-4CAA-B3F5-7E97BC5188E3}"/>
+          </ac:spMkLst>
+        </pc:spChg>
+        <pc:spChg chg="del">
+          <ac:chgData name="Molly Sankey" userId="944469c7-6883-451f-9b55-4524bc4915b3" providerId="ADAL" clId="{F1BAABD6-565A-4B4D-9F14-502B1B8F4095}" dt="2022-05-23T20:52:37.536" v="5694" actId="478"/>
+          <ac:spMkLst>
+            <pc:docMk/>
+            <pc:sldMk cId="2035673755" sldId="309"/>
+            <ac:spMk id="17" creationId="{6A841B72-4418-4DEE-8250-6BD24060BC8A}"/>
+          </ac:spMkLst>
+        </pc:spChg>
+        <pc:spChg chg="del">
+          <ac:chgData name="Molly Sankey" userId="944469c7-6883-451f-9b55-4524bc4915b3" providerId="ADAL" clId="{F1BAABD6-565A-4B4D-9F14-502B1B8F4095}" dt="2022-05-23T20:52:36.008" v="5693" actId="478"/>
+          <ac:spMkLst>
+            <pc:docMk/>
+            <pc:sldMk cId="2035673755" sldId="309"/>
+            <ac:spMk id="21" creationId="{7884ADE6-5EE6-4A92-A943-A0F4B0901E30}"/>
+          </ac:spMkLst>
+        </pc:spChg>
+        <pc:spChg chg="mod">
+          <ac:chgData name="Molly Sankey" userId="944469c7-6883-451f-9b55-4524bc4915b3" providerId="ADAL" clId="{F1BAABD6-565A-4B4D-9F14-502B1B8F4095}" dt="2022-05-23T20:55:20.390" v="5786" actId="1076"/>
+          <ac:spMkLst>
+            <pc:docMk/>
+            <pc:sldMk cId="2035673755" sldId="309"/>
+            <ac:spMk id="22" creationId="{C61E437E-2101-4F0F-A320-9DDFAFE9B4B5}"/>
+          </ac:spMkLst>
+        </pc:spChg>
+        <pc:spChg chg="mod">
+          <ac:chgData name="Molly Sankey" userId="944469c7-6883-451f-9b55-4524bc4915b3" providerId="ADAL" clId="{F1BAABD6-565A-4B4D-9F14-502B1B8F4095}" dt="2022-05-23T20:52:49.989" v="5720" actId="20577"/>
+          <ac:spMkLst>
+            <pc:docMk/>
+            <pc:sldMk cId="2035673755" sldId="309"/>
+            <ac:spMk id="23" creationId="{9EF26EFE-0D5E-474D-8810-2EFEAC2CE894}"/>
+          </ac:spMkLst>
+        </pc:spChg>
+        <pc:spChg chg="add">
+          <ac:chgData name="Molly Sankey" userId="944469c7-6883-451f-9b55-4524bc4915b3" providerId="ADAL" clId="{F1BAABD6-565A-4B4D-9F14-502B1B8F4095}" dt="2022-05-23T20:53:31.632" v="5747" actId="34122"/>
+          <ac:spMkLst>
+            <pc:docMk/>
+            <pc:sldMk cId="2035673755" sldId="309"/>
+            <ac:spMk id="24" creationId="{C914EA71-AFC2-4CE2-981B-634FDF7F198E}"/>
+          </ac:spMkLst>
+        </pc:spChg>
+        <pc:spChg chg="del">
+          <ac:chgData name="Molly Sankey" userId="944469c7-6883-451f-9b55-4524bc4915b3" providerId="ADAL" clId="{F1BAABD6-565A-4B4D-9F14-502B1B8F4095}" dt="2022-05-23T20:52:40.707" v="5696" actId="478"/>
+          <ac:spMkLst>
+            <pc:docMk/>
+            <pc:sldMk cId="2035673755" sldId="309"/>
+            <ac:spMk id="25" creationId="{0323F003-6446-413E-9EF5-EA2794C09445}"/>
+          </ac:spMkLst>
+        </pc:spChg>
+        <pc:spChg chg="del">
+          <ac:chgData name="Molly Sankey" userId="944469c7-6883-451f-9b55-4524bc4915b3" providerId="ADAL" clId="{F1BAABD6-565A-4B4D-9F14-502B1B8F4095}" dt="2022-05-23T20:52:42.043" v="5697" actId="478"/>
+          <ac:spMkLst>
+            <pc:docMk/>
+            <pc:sldMk cId="2035673755" sldId="309"/>
+            <ac:spMk id="26" creationId="{6F0D13A5-585F-4FD0-94C9-0C552F039C55}"/>
+          </ac:spMkLst>
+        </pc:spChg>
+        <pc:spChg chg="add">
+          <ac:chgData name="Molly Sankey" userId="944469c7-6883-451f-9b55-4524bc4915b3" providerId="ADAL" clId="{F1BAABD6-565A-4B4D-9F14-502B1B8F4095}" dt="2022-05-23T20:54:45.671" v="5762" actId="34122"/>
+          <ac:spMkLst>
+            <pc:docMk/>
+            <pc:sldMk cId="2035673755" sldId="309"/>
+            <ac:spMk id="32" creationId="{FBF078B9-0DDA-4A23-B274-D4AC51B17418}"/>
+          </ac:spMkLst>
+        </pc:spChg>
+        <pc:grpChg chg="mod">
+          <ac:chgData name="Molly Sankey" userId="944469c7-6883-451f-9b55-4524bc4915b3" providerId="ADAL" clId="{F1BAABD6-565A-4B4D-9F14-502B1B8F4095}" dt="2022-05-23T20:53:37.738" v="5752"/>
+          <ac:grpSpMkLst>
+            <pc:docMk/>
+            <pc:sldMk cId="2035673755" sldId="309"/>
+            <ac:grpSpMk id="10" creationId="{E36107F9-03E4-438B-901C-A301D8007D8E}"/>
+          </ac:grpSpMkLst>
+        </pc:grpChg>
+        <pc:picChg chg="add mod">
+          <ac:chgData name="Molly Sankey" userId="944469c7-6883-451f-9b55-4524bc4915b3" providerId="ADAL" clId="{F1BAABD6-565A-4B4D-9F14-502B1B8F4095}" dt="2022-05-23T20:53:12.135" v="5745" actId="14100"/>
+          <ac:picMkLst>
+            <pc:docMk/>
+            <pc:sldMk cId="2035673755" sldId="309"/>
+            <ac:picMk id="4" creationId="{740750CF-E2FA-4505-92FD-1CB938A0FD34}"/>
+          </ac:picMkLst>
+        </pc:picChg>
+        <pc:picChg chg="del">
+          <ac:chgData name="Molly Sankey" userId="944469c7-6883-451f-9b55-4524bc4915b3" providerId="ADAL" clId="{F1BAABD6-565A-4B4D-9F14-502B1B8F4095}" dt="2022-05-23T20:52:34.525" v="5692" actId="478"/>
+          <ac:picMkLst>
+            <pc:docMk/>
+            <pc:sldMk cId="2035673755" sldId="309"/>
+            <ac:picMk id="5" creationId="{7CB0229C-868A-482C-8FAE-4EE54FF9845A}"/>
+          </ac:picMkLst>
+        </pc:picChg>
+        <pc:picChg chg="del">
+          <ac:chgData name="Molly Sankey" userId="944469c7-6883-451f-9b55-4524bc4915b3" providerId="ADAL" clId="{F1BAABD6-565A-4B4D-9F14-502B1B8F4095}" dt="2022-05-23T20:52:39.189" v="5695" actId="478"/>
+          <ac:picMkLst>
+            <pc:docMk/>
+            <pc:sldMk cId="2035673755" sldId="309"/>
+            <ac:picMk id="8" creationId="{EC0809D8-9C4A-48B9-A259-950FDA88AEBF}"/>
+          </ac:picMkLst>
+        </pc:picChg>
+        <pc:picChg chg="add mod">
+          <ac:chgData name="Molly Sankey" userId="944469c7-6883-451f-9b55-4524bc4915b3" providerId="ADAL" clId="{F1BAABD6-565A-4B4D-9F14-502B1B8F4095}" dt="2022-05-23T20:54:27.740" v="5760" actId="14100"/>
+          <ac:picMkLst>
+            <pc:docMk/>
+            <pc:sldMk cId="2035673755" sldId="309"/>
+            <ac:picMk id="15" creationId="{C36ED0F3-B307-4705-ADE3-A584A86EBD1E}"/>
+          </ac:picMkLst>
+        </pc:picChg>
+        <pc:inkChg chg="add del">
+          <ac:chgData name="Molly Sankey" userId="944469c7-6883-451f-9b55-4524bc4915b3" providerId="ADAL" clId="{F1BAABD6-565A-4B4D-9F14-502B1B8F4095}" dt="2022-05-23T20:53:31.632" v="5747" actId="34122"/>
+          <ac:inkMkLst>
+            <pc:docMk/>
+            <pc:sldMk cId="2035673755" sldId="309"/>
+            <ac:inkMk id="6" creationId="{B04CEA4F-1995-47B6-975B-7E60CA1F658E}"/>
+          </ac:inkMkLst>
+        </pc:inkChg>
+        <pc:inkChg chg="add mod">
+          <ac:chgData name="Molly Sankey" userId="944469c7-6883-451f-9b55-4524bc4915b3" providerId="ADAL" clId="{F1BAABD6-565A-4B4D-9F14-502B1B8F4095}" dt="2022-05-23T20:53:37.738" v="5752"/>
+          <ac:inkMkLst>
+            <pc:docMk/>
+            <pc:sldMk cId="2035673755" sldId="309"/>
+            <ac:inkMk id="7" creationId="{193A78CC-AD72-4ED2-97A0-130BDA259269}"/>
+          </ac:inkMkLst>
+        </pc:inkChg>
+        <pc:inkChg chg="add del mod">
+          <ac:chgData name="Molly Sankey" userId="944469c7-6883-451f-9b55-4524bc4915b3" providerId="ADAL" clId="{F1BAABD6-565A-4B4D-9F14-502B1B8F4095}" dt="2022-05-23T20:53:37.738" v="5752"/>
+          <ac:inkMkLst>
+            <pc:docMk/>
+            <pc:sldMk cId="2035673755" sldId="309"/>
+            <ac:inkMk id="9" creationId="{E9053BF0-8A56-4566-9C99-2B6905A4BFEA}"/>
+          </ac:inkMkLst>
+        </pc:inkChg>
+        <pc:inkChg chg="add del">
+          <ac:chgData name="Molly Sankey" userId="944469c7-6883-451f-9b55-4524bc4915b3" providerId="ADAL" clId="{F1BAABD6-565A-4B4D-9F14-502B1B8F4095}" dt="2022-05-23T20:53:46.280" v="5754" actId="9405"/>
+          <ac:inkMkLst>
+            <pc:docMk/>
+            <pc:sldMk cId="2035673755" sldId="309"/>
+            <ac:inkMk id="11" creationId="{F56CB08D-40C2-4CE2-9B10-185C719B6720}"/>
+          </ac:inkMkLst>
+        </pc:inkChg>
+        <pc:inkChg chg="add del">
+          <ac:chgData name="Molly Sankey" userId="944469c7-6883-451f-9b55-4524bc4915b3" providerId="ADAL" clId="{F1BAABD6-565A-4B4D-9F14-502B1B8F4095}" dt="2022-05-23T20:53:48.778" v="5756" actId="9405"/>
+          <ac:inkMkLst>
+            <pc:docMk/>
+            <pc:sldMk cId="2035673755" sldId="309"/>
+            <ac:inkMk id="12" creationId="{3D5AE467-9F12-4D1C-8E23-7715A867B827}"/>
+          </ac:inkMkLst>
+        </pc:inkChg>
+        <pc:inkChg chg="add">
+          <ac:chgData name="Molly Sankey" userId="944469c7-6883-451f-9b55-4524bc4915b3" providerId="ADAL" clId="{F1BAABD6-565A-4B4D-9F14-502B1B8F4095}" dt="2022-05-23T20:53:51.290" v="5757" actId="9405"/>
+          <ac:inkMkLst>
+            <pc:docMk/>
+            <pc:sldMk cId="2035673755" sldId="309"/>
+            <ac:inkMk id="13" creationId="{9FFCC11F-8384-41CB-981C-16BD53FFCF0A}"/>
+          </ac:inkMkLst>
+        </pc:inkChg>
+        <pc:inkChg chg="add del">
+          <ac:chgData name="Molly Sankey" userId="944469c7-6883-451f-9b55-4524bc4915b3" providerId="ADAL" clId="{F1BAABD6-565A-4B4D-9F14-502B1B8F4095}" dt="2022-05-23T20:54:45.671" v="5762" actId="34122"/>
+          <ac:inkMkLst>
+            <pc:docMk/>
+            <pc:sldMk cId="2035673755" sldId="309"/>
+            <ac:inkMk id="16" creationId="{E62855CC-1A66-429F-B1C4-B1B264DE9916}"/>
+          </ac:inkMkLst>
+        </pc:inkChg>
+        <pc:inkChg chg="add">
+          <ac:chgData name="Molly Sankey" userId="944469c7-6883-451f-9b55-4524bc4915b3" providerId="ADAL" clId="{F1BAABD6-565A-4B4D-9F14-502B1B8F4095}" dt="2022-05-23T20:54:56.140" v="5763" actId="9405"/>
+          <ac:inkMkLst>
+            <pc:docMk/>
+            <pc:sldMk cId="2035673755" sldId="309"/>
+            <ac:inkMk id="18" creationId="{231A173E-73D6-4389-89B5-89A9EC0C1A33}"/>
+          </ac:inkMkLst>
+        </pc:inkChg>
       </pc:sldChg>
     </pc:docChg>
   </pc:docChgLst>
@@ -6597,6 +6902,34 @@
 </inkml:ink>
 </file>
 
+<file path=ppt/ink/ink29.xml><?xml version="1.0" encoding="utf-8"?>
+<inkml:ink xmlns:inkml="http://www.w3.org/2003/InkML">
+  <inkml:definitions>
+    <inkml:context xml:id="ctx0">
+      <inkml:inkSource xml:id="inkSrc0">
+        <inkml:traceFormat>
+          <inkml:channel name="X" type="integer" min="-2.14748E9" max="2.14748E9" units="cm"/>
+          <inkml:channel name="Y" type="integer" min="-2.14748E9" max="2.14748E9" units="cm"/>
+          <inkml:channel name="F" type="integer" max="32767" units="dev"/>
+        </inkml:traceFormat>
+        <inkml:channelProperties>
+          <inkml:channelProperty channel="X" name="resolution" value="1000" units="1/cm"/>
+          <inkml:channelProperty channel="Y" name="resolution" value="1000" units="1/cm"/>
+          <inkml:channelProperty channel="F" name="resolution" value="0" units="1/dev"/>
+        </inkml:channelProperties>
+      </inkml:inkSource>
+      <inkml:timestamp xml:id="ts0" timeString="2022-05-23T20:53:33.573"/>
+    </inkml:context>
+    <inkml:brush xml:id="br0">
+      <inkml:brushProperty name="width" value="0.2" units="cm"/>
+      <inkml:brushProperty name="height" value="0.2" units="cm"/>
+      <inkml:brushProperty name="color" value="#66CC00"/>
+    </inkml:brush>
+  </inkml:definitions>
+  <inkml:trace contextRef="#ctx0" brushRef="#br0">17 0 416,'-16'0'120</inkml:trace>
+</inkml:ink>
+</file>
+
 <file path=ppt/ink/ink3.xml><?xml version="1.0" encoding="utf-8"?>
 <inkml:ink xmlns:inkml="http://www.w3.org/2003/InkML">
   <inkml:definitions>
@@ -6621,6 +6954,62 @@
     </inkml:brush>
   </inkml:definitions>
   <inkml:trace contextRef="#ctx0" brushRef="#br0">0 1,'8212'0,"-8175"0,-30 0,-20 0,-34 0,17 0</inkml:trace>
+</inkml:ink>
+</file>
+
+<file path=ppt/ink/ink30.xml><?xml version="1.0" encoding="utf-8"?>
+<inkml:ink xmlns:inkml="http://www.w3.org/2003/InkML">
+  <inkml:definitions>
+    <inkml:context xml:id="ctx0">
+      <inkml:inkSource xml:id="inkSrc0">
+        <inkml:traceFormat>
+          <inkml:channel name="X" type="integer" min="-2.14748E9" max="2.14748E9" units="cm"/>
+          <inkml:channel name="Y" type="integer" min="-2.14748E9" max="2.14748E9" units="cm"/>
+          <inkml:channel name="F" type="integer" max="32767" units="dev"/>
+        </inkml:traceFormat>
+        <inkml:channelProperties>
+          <inkml:channelProperty channel="X" name="resolution" value="1000" units="1/cm"/>
+          <inkml:channelProperty channel="Y" name="resolution" value="1000" units="1/cm"/>
+          <inkml:channelProperty channel="F" name="resolution" value="0" units="1/dev"/>
+        </inkml:channelProperties>
+      </inkml:inkSource>
+      <inkml:timestamp xml:id="ts0" timeString="2022-05-23T20:53:51.289"/>
+    </inkml:context>
+    <inkml:brush xml:id="br0">
+      <inkml:brushProperty name="width" value="0.2" units="cm"/>
+      <inkml:brushProperty name="height" value="0.2" units="cm"/>
+      <inkml:brushProperty name="color" value="#66CC00"/>
+    </inkml:brush>
+  </inkml:definitions>
+  <inkml:trace contextRef="#ctx0" brushRef="#br0">26 148 1688,'-1'1'80,"1"0"0,0 0 0,-1 0 0,1 0 0,0 0-1,-1 0 1,1 0 0,-1 0 0,0 0 0,1 0 0,-1 0-1,0 0 1,1-1 0,-1 1 0,0 0 0,0-1 0,0 1-1,0 0 1,0-1 0,0 1 0,0-1 0,0 1 0,0-1 0,-7 1 1651,21 3-376,8-2-1122,0-1 1,-1-2 0,1 0 0,0-1-1,-1-1 1,34-9 0,-21 5 363,44-4 0,148 9 578,-83 3-759,4-4-54,321 6 596,-396-2-785,0-3 0,116-18 1,-100 9-91,-27 7-18,102 6 1,-46 1-31,87 15 107,1-1 62,95-28 235,-148-10-361,-131 18-63,0 0 0,36-12 0,-38 9-12,1 1 1,-1 1-1,33-3 1,183-6 20,-194 10-16,-17 2 5,-1-1 1,32-8-1,-37 6-12,-2-1 3,-1 2 0,1 0 0,19-1 0,-33 4 2,1-1-4,-2 1 2,-13-10-718,5 4 591</inkml:trace>
+</inkml:ink>
+</file>
+
+<file path=ppt/ink/ink31.xml><?xml version="1.0" encoding="utf-8"?>
+<inkml:ink xmlns:inkml="http://www.w3.org/2003/InkML">
+  <inkml:definitions>
+    <inkml:context xml:id="ctx0">
+      <inkml:inkSource xml:id="inkSrc0">
+        <inkml:traceFormat>
+          <inkml:channel name="X" type="integer" min="-2.14748E9" max="2.14748E9" units="cm"/>
+          <inkml:channel name="Y" type="integer" min="-2.14748E9" max="2.14748E9" units="cm"/>
+          <inkml:channel name="F" type="integer" max="32767" units="dev"/>
+        </inkml:traceFormat>
+        <inkml:channelProperties>
+          <inkml:channelProperty channel="X" name="resolution" value="1000" units="1/cm"/>
+          <inkml:channelProperty channel="Y" name="resolution" value="1000" units="1/cm"/>
+          <inkml:channelProperty channel="F" name="resolution" value="0" units="1/dev"/>
+        </inkml:channelProperties>
+      </inkml:inkSource>
+      <inkml:timestamp xml:id="ts0" timeString="2022-05-23T20:54:56.140"/>
+    </inkml:context>
+    <inkml:brush xml:id="br0">
+      <inkml:brushProperty name="width" value="0.2" units="cm"/>
+      <inkml:brushProperty name="height" value="0.2" units="cm"/>
+      <inkml:brushProperty name="color" value="#E71224"/>
+    </inkml:brush>
+  </inkml:definitions>
+  <inkml:trace contextRef="#ctx0" brushRef="#br0">39 10 2176,'-6'3'538,"-15"8"542,20-11-1005,1 1 0,-1-1-1,0 1 1,0-1 0,1 1 0,-1-1-1,0 1 1,1 0 0,-1 0 0,1-1-1,-1 1 1,1 0 0,-1 0 0,1-1-1,-1 1 1,1 0 0,0 0 0,-1 0-1,1 1 1,3 0 127,-1-1 0,1 1 0,0-1 0,0 0 0,0 0 0,0 0 0,0 0 0,0-1 1,6 1-1,112 14 1294,228-2 1,120-48-1058,-94-2-197,-265 31 50,155 12 0,-133 8-37,-64-5-130,0-3 0,132-6 1,-125 0-113,-75 0-9,-18-7-674,2 1 564,-3-2 84</inkml:trace>
 </inkml:ink>
 </file>
 
@@ -6869,7 +7258,7 @@
           <a:p>
             <a:fld id="{F37D28C0-BEB6-42B0-A203-EEE1023219C4}" type="datetimeFigureOut">
               <a:rPr lang="en-NZ" smtClean="0"/>
-              <a:t>17/05/2022</a:t>
+              <a:t>25/05/2022</a:t>
             </a:fld>
             <a:endParaRPr lang="en-NZ"/>
           </a:p>
@@ -9617,11 +10006,11 @@
 </file>
 
 <file path=ppt/notesSlides/notesSlide29.xml><?xml version="1.0" encoding="utf-8"?>
-<p:notes xmlns:a="http://schemas.openxmlformats.org/drawingml/2006/main" xmlns:r="http://schemas.openxmlformats.org/officeDocument/2006/relationships" xmlns:p="http://schemas.openxmlformats.org/presentationml/2006/main" showMasterSp="0" showMasterPhAnim="0">
+<p:notes xmlns:a="http://schemas.openxmlformats.org/drawingml/2006/main" xmlns:r="http://schemas.openxmlformats.org/officeDocument/2006/relationships" xmlns:p="http://schemas.openxmlformats.org/presentationml/2006/main">
   <p:cSld>
     <p:spTree>
       <p:nvGrpSpPr>
-        <p:cNvPr id="1" name="Shape 87"/>
+        <p:cNvPr id="1" name=""/>
         <p:cNvGrpSpPr/>
         <p:nvPr/>
       </p:nvGrpSpPr>
@@ -9635,68 +10024,29 @@
       </p:grpSpPr>
       <p:sp>
         <p:nvSpPr>
-          <p:cNvPr id="88" name="Google Shape;88;g5f5670a123_0_30:notes"/>
+          <p:cNvPr id="2" name="Slide Image Placeholder 1"/>
           <p:cNvSpPr>
             <a:spLocks noGrp="1" noRot="1" noChangeAspect="1"/>
           </p:cNvSpPr>
           <p:nvPr>
-            <p:ph type="sldImg" idx="2"/>
+            <p:ph type="sldImg"/>
           </p:nvPr>
         </p:nvSpPr>
-        <p:spPr>
-          <a:xfrm>
-            <a:off x="381000" y="685800"/>
-            <a:ext cx="6096000" cy="3429000"/>
-          </a:xfrm>
-          <a:custGeom>
-            <a:avLst/>
-            <a:gdLst/>
-            <a:ahLst/>
-            <a:cxnLst/>
-            <a:rect l="l" t="t" r="r" b="b"/>
-            <a:pathLst>
-              <a:path w="120000" h="120000" extrusionOk="0">
-                <a:moveTo>
-                  <a:pt x="0" y="0"/>
-                </a:moveTo>
-                <a:lnTo>
-                  <a:pt x="120000" y="0"/>
-                </a:lnTo>
-                <a:lnTo>
-                  <a:pt x="120000" y="120000"/>
-                </a:lnTo>
-                <a:lnTo>
-                  <a:pt x="0" y="120000"/>
-                </a:lnTo>
-                <a:close/>
-              </a:path>
-            </a:pathLst>
-          </a:custGeom>
-        </p:spPr>
+        <p:spPr/>
       </p:sp>
       <p:sp>
         <p:nvSpPr>
-          <p:cNvPr id="89" name="Google Shape;89;g5f5670a123_0_30:notes"/>
-          <p:cNvSpPr txBox="1">
+          <p:cNvPr id="3" name="Notes Placeholder 2"/>
+          <p:cNvSpPr>
             <a:spLocks noGrp="1"/>
           </p:cNvSpPr>
           <p:nvPr>
             <p:ph type="body" idx="1"/>
           </p:nvPr>
         </p:nvSpPr>
-        <p:spPr>
-          <a:xfrm>
-            <a:off x="685800" y="4343400"/>
-            <a:ext cx="5486400" cy="4114800"/>
-          </a:xfrm>
-          <a:prstGeom prst="rect">
-            <a:avLst/>
-          </a:prstGeom>
-        </p:spPr>
+        <p:spPr/>
         <p:txBody>
-          <a:bodyPr spcFirstLastPara="1" wrap="square" lIns="91425" tIns="91425" rIns="91425" bIns="91425" anchor="t" anchorCtr="0">
-            <a:noAutofit/>
-          </a:bodyPr>
+          <a:bodyPr/>
           <a:lstStyle/>
           <a:p>
             <a:pPr marL="0" marR="0" lvl="0" indent="0" algn="l" defTabSz="914400" rtl="0" eaLnBrk="1" fontAlgn="auto" latinLnBrk="0" hangingPunct="1">
@@ -9717,28 +10067,43 @@
               <a:defRPr/>
             </a:pPr>
             <a:r>
-              <a:rPr lang="en-NZ" dirty="0"/>
-              <a:t>Additional rows can be added by clicking in the last cell and then using the Tab key </a:t>
+              <a:rPr lang="en-NZ" i="1" dirty="0">
+                <a:latin typeface="Arial" panose="020B0604020202020204" pitchFamily="34" charset="0"/>
+                <a:ea typeface="Arial" panose="020B0604020202020204" pitchFamily="34" charset="0"/>
+              </a:rPr>
+              <a:t>Show testing for your assembled outcome below.  This should include a test plan followed by screenshot proof.  </a:t>
             </a:r>
-          </a:p>
-          <a:p>
-            <a:pPr marL="0" lvl="0" indent="0" algn="l" rtl="0">
-              <a:spcBef>
-                <a:spcPts val="0"/>
-              </a:spcBef>
-              <a:spcAft>
-                <a:spcPts val="0"/>
-              </a:spcAft>
-              <a:buNone/>
-            </a:pPr>
-            <a:endParaRPr dirty="0"/>
+            <a:endParaRPr lang="en-NZ" dirty="0"/>
+          </a:p>
+        </p:txBody>
+      </p:sp>
+      <p:sp>
+        <p:nvSpPr>
+          <p:cNvPr id="4" name="Slide Number Placeholder 3"/>
+          <p:cNvSpPr>
+            <a:spLocks noGrp="1"/>
+          </p:cNvSpPr>
+          <p:nvPr>
+            <p:ph type="sldNum" sz="quarter" idx="5"/>
+          </p:nvPr>
+        </p:nvSpPr>
+        <p:spPr/>
+        <p:txBody>
+          <a:bodyPr/>
+          <a:lstStyle/>
+          <a:p>
+            <a:fld id="{D89B2B17-F4B1-4A14-AF99-5A366D45E74A}" type="slidenum">
+              <a:rPr lang="en-NZ" smtClean="0"/>
+              <a:t>34</a:t>
+            </a:fld>
+            <a:endParaRPr lang="en-NZ"/>
           </a:p>
         </p:txBody>
       </p:sp>
     </p:spTree>
     <p:extLst>
       <p:ext uri="{BB962C8B-B14F-4D97-AF65-F5344CB8AC3E}">
-        <p14:creationId xmlns:p14="http://schemas.microsoft.com/office/powerpoint/2010/main" val="2420645919"/>
+        <p14:creationId xmlns:p14="http://schemas.microsoft.com/office/powerpoint/2010/main" val="134622718"/>
       </p:ext>
     </p:extLst>
   </p:cSld>
@@ -9836,11 +10201,11 @@
 </file>
 
 <file path=ppt/notesSlides/notesSlide30.xml><?xml version="1.0" encoding="utf-8"?>
-<p:notes xmlns:a="http://schemas.openxmlformats.org/drawingml/2006/main" xmlns:r="http://schemas.openxmlformats.org/officeDocument/2006/relationships" xmlns:p="http://schemas.openxmlformats.org/presentationml/2006/main" showMasterSp="0" showMasterPhAnim="0">
+<p:notes xmlns:a="http://schemas.openxmlformats.org/drawingml/2006/main" xmlns:r="http://schemas.openxmlformats.org/officeDocument/2006/relationships" xmlns:p="http://schemas.openxmlformats.org/presentationml/2006/main">
   <p:cSld>
     <p:spTree>
       <p:nvGrpSpPr>
-        <p:cNvPr id="1" name="Shape 87"/>
+        <p:cNvPr id="1" name=""/>
         <p:cNvGrpSpPr/>
         <p:nvPr/>
       </p:nvGrpSpPr>
@@ -9854,68 +10219,29 @@
       </p:grpSpPr>
       <p:sp>
         <p:nvSpPr>
-          <p:cNvPr id="88" name="Google Shape;88;g5f5670a123_0_30:notes"/>
+          <p:cNvPr id="2" name="Slide Image Placeholder 1"/>
           <p:cNvSpPr>
             <a:spLocks noGrp="1" noRot="1" noChangeAspect="1"/>
           </p:cNvSpPr>
           <p:nvPr>
-            <p:ph type="sldImg" idx="2"/>
+            <p:ph type="sldImg"/>
           </p:nvPr>
         </p:nvSpPr>
-        <p:spPr>
-          <a:xfrm>
-            <a:off x="381000" y="685800"/>
-            <a:ext cx="6096000" cy="3429000"/>
-          </a:xfrm>
-          <a:custGeom>
-            <a:avLst/>
-            <a:gdLst/>
-            <a:ahLst/>
-            <a:cxnLst/>
-            <a:rect l="l" t="t" r="r" b="b"/>
-            <a:pathLst>
-              <a:path w="120000" h="120000" extrusionOk="0">
-                <a:moveTo>
-                  <a:pt x="0" y="0"/>
-                </a:moveTo>
-                <a:lnTo>
-                  <a:pt x="120000" y="0"/>
-                </a:lnTo>
-                <a:lnTo>
-                  <a:pt x="120000" y="120000"/>
-                </a:lnTo>
-                <a:lnTo>
-                  <a:pt x="0" y="120000"/>
-                </a:lnTo>
-                <a:close/>
-              </a:path>
-            </a:pathLst>
-          </a:custGeom>
-        </p:spPr>
+        <p:spPr/>
       </p:sp>
       <p:sp>
         <p:nvSpPr>
-          <p:cNvPr id="89" name="Google Shape;89;g5f5670a123_0_30:notes"/>
-          <p:cNvSpPr txBox="1">
+          <p:cNvPr id="3" name="Notes Placeholder 2"/>
+          <p:cNvSpPr>
             <a:spLocks noGrp="1"/>
           </p:cNvSpPr>
           <p:nvPr>
             <p:ph type="body" idx="1"/>
           </p:nvPr>
         </p:nvSpPr>
-        <p:spPr>
-          <a:xfrm>
-            <a:off x="685800" y="4343400"/>
-            <a:ext cx="5486400" cy="4114800"/>
-          </a:xfrm>
-          <a:prstGeom prst="rect">
-            <a:avLst/>
-          </a:prstGeom>
-        </p:spPr>
+        <p:spPr/>
         <p:txBody>
-          <a:bodyPr spcFirstLastPara="1" wrap="square" lIns="91425" tIns="91425" rIns="91425" bIns="91425" anchor="t" anchorCtr="0">
-            <a:noAutofit/>
-          </a:bodyPr>
+          <a:bodyPr/>
           <a:lstStyle/>
           <a:p>
             <a:pPr marL="0" marR="0" lvl="0" indent="0" algn="l" defTabSz="914400" rtl="0" eaLnBrk="1" fontAlgn="auto" latinLnBrk="0" hangingPunct="1">
@@ -9936,28 +10262,49 @@
               <a:defRPr/>
             </a:pPr>
             <a:r>
-              <a:rPr lang="en-NZ" dirty="0"/>
-              <a:t>Additional rows can be added by clicking in the last cell and then using the Tab key </a:t>
+              <a:rPr lang="en-NZ" i="1" dirty="0">
+                <a:latin typeface="Arial" panose="020B0604020202020204" pitchFamily="34" charset="0"/>
+                <a:ea typeface="Arial" panose="020B0604020202020204" pitchFamily="34" charset="0"/>
+              </a:rPr>
+              <a:t>Your version control evidence should go here.  This could be in the form of screenshots (both of your GitHub repository as well as your local project folder) as evidence of your incremental development.</a:t>
             </a:r>
-          </a:p>
-          <a:p>
-            <a:pPr marL="0" lvl="0" indent="0" algn="l" rtl="0">
-              <a:spcBef>
-                <a:spcPts val="0"/>
-              </a:spcBef>
-              <a:spcAft>
-                <a:spcPts val="0"/>
-              </a:spcAft>
-              <a:buNone/>
-            </a:pPr>
-            <a:endParaRPr dirty="0"/>
+            <a:endParaRPr lang="en-NZ" dirty="0">
+              <a:latin typeface="Arial" panose="020B0604020202020204" pitchFamily="34" charset="0"/>
+              <a:ea typeface="Arial" panose="020B0604020202020204" pitchFamily="34" charset="0"/>
+            </a:endParaRPr>
+          </a:p>
+          <a:p>
+            <a:endParaRPr lang="en-NZ" dirty="0"/>
+          </a:p>
+        </p:txBody>
+      </p:sp>
+      <p:sp>
+        <p:nvSpPr>
+          <p:cNvPr id="4" name="Slide Number Placeholder 3"/>
+          <p:cNvSpPr>
+            <a:spLocks noGrp="1"/>
+          </p:cNvSpPr>
+          <p:nvPr>
+            <p:ph type="sldNum" sz="quarter" idx="5"/>
+          </p:nvPr>
+        </p:nvSpPr>
+        <p:spPr/>
+        <p:txBody>
+          <a:bodyPr/>
+          <a:lstStyle/>
+          <a:p>
+            <a:fld id="{D89B2B17-F4B1-4A14-AF99-5A366D45E74A}" type="slidenum">
+              <a:rPr lang="en-NZ" smtClean="0"/>
+              <a:t>36</a:t>
+            </a:fld>
+            <a:endParaRPr lang="en-NZ"/>
           </a:p>
         </p:txBody>
       </p:sp>
     </p:spTree>
     <p:extLst>
       <p:ext uri="{BB962C8B-B14F-4D97-AF65-F5344CB8AC3E}">
-        <p14:creationId xmlns:p14="http://schemas.microsoft.com/office/powerpoint/2010/main" val="3347785190"/>
+        <p14:creationId xmlns:p14="http://schemas.microsoft.com/office/powerpoint/2010/main" val="1431557508"/>
       </p:ext>
     </p:extLst>
   </p:cSld>
@@ -10031,10 +10378,11 @@
             <a:r>
               <a:rPr lang="en-NZ" i="1" dirty="0">
                 <a:latin typeface="Arial" panose="020B0604020202020204" pitchFamily="34" charset="0"/>
-                <a:ea typeface="Arial" panose="020B0604020202020204" pitchFamily="34" charset="0"/>
               </a:rPr>
-              <a:t>Show testing for your assembled outcome below.  This should include a test plan followed by screenshot proof.  </a:t>
+              <a:t>Discuss how the information from planning, testing and trialling of components assisted in the development of a high-quality outcome.</a:t>
             </a:r>
+          </a:p>
+          <a:p>
             <a:endParaRPr lang="en-NZ" dirty="0"/>
           </a:p>
         </p:txBody>
@@ -10056,7 +10404,7 @@
           <a:p>
             <a:fld id="{D89B2B17-F4B1-4A14-AF99-5A366D45E74A}" type="slidenum">
               <a:rPr lang="en-NZ" smtClean="0"/>
-              <a:t>36</a:t>
+              <a:t>37</a:t>
             </a:fld>
             <a:endParaRPr lang="en-NZ"/>
           </a:p>
@@ -10065,7 +10413,7 @@
     </p:spTree>
     <p:extLst>
       <p:ext uri="{BB962C8B-B14F-4D97-AF65-F5344CB8AC3E}">
-        <p14:creationId xmlns:p14="http://schemas.microsoft.com/office/powerpoint/2010/main" val="4045927793"/>
+        <p14:creationId xmlns:p14="http://schemas.microsoft.com/office/powerpoint/2010/main" val="906380562"/>
       </p:ext>
     </p:extLst>
   </p:cSld>
@@ -10139,14 +10487,9 @@
             <a:r>
               <a:rPr lang="en-NZ" i="1" dirty="0">
                 <a:latin typeface="Arial" panose="020B0604020202020204" pitchFamily="34" charset="0"/>
-                <a:ea typeface="Arial" panose="020B0604020202020204" pitchFamily="34" charset="0"/>
               </a:rPr>
-              <a:t>Your version control evidence should go here.  This could be in the form of screenshots (both of your GitHub repository as well as your local project folder) as evidence of your incremental development.</a:t>
+              <a:t>Discuss how the information from planning, testing and trialling of components assisted in the development of a high-quality outcome.</a:t>
             </a:r>
-            <a:endParaRPr lang="en-NZ" dirty="0">
-              <a:latin typeface="Arial" panose="020B0604020202020204" pitchFamily="34" charset="0"/>
-              <a:ea typeface="Arial" panose="020B0604020202020204" pitchFamily="34" charset="0"/>
-            </a:endParaRPr>
           </a:p>
           <a:p>
             <a:endParaRPr lang="en-NZ" dirty="0"/>
@@ -10171,224 +10514,6 @@
             <a:fld id="{D89B2B17-F4B1-4A14-AF99-5A366D45E74A}" type="slidenum">
               <a:rPr lang="en-NZ" smtClean="0"/>
               <a:t>38</a:t>
-            </a:fld>
-            <a:endParaRPr lang="en-NZ"/>
-          </a:p>
-        </p:txBody>
-      </p:sp>
-    </p:spTree>
-    <p:extLst>
-      <p:ext uri="{BB962C8B-B14F-4D97-AF65-F5344CB8AC3E}">
-        <p14:creationId xmlns:p14="http://schemas.microsoft.com/office/powerpoint/2010/main" val="1431557508"/>
-      </p:ext>
-    </p:extLst>
-  </p:cSld>
-  <p:clrMapOvr>
-    <a:masterClrMapping/>
-  </p:clrMapOvr>
-</p:notes>
-</file>
-
-<file path=ppt/notesSlides/notesSlide33.xml><?xml version="1.0" encoding="utf-8"?>
-<p:notes xmlns:a="http://schemas.openxmlformats.org/drawingml/2006/main" xmlns:r="http://schemas.openxmlformats.org/officeDocument/2006/relationships" xmlns:p="http://schemas.openxmlformats.org/presentationml/2006/main">
-  <p:cSld>
-    <p:spTree>
-      <p:nvGrpSpPr>
-        <p:cNvPr id="1" name=""/>
-        <p:cNvGrpSpPr/>
-        <p:nvPr/>
-      </p:nvGrpSpPr>
-      <p:grpSpPr>
-        <a:xfrm>
-          <a:off x="0" y="0"/>
-          <a:ext cx="0" cy="0"/>
-          <a:chOff x="0" y="0"/>
-          <a:chExt cx="0" cy="0"/>
-        </a:xfrm>
-      </p:grpSpPr>
-      <p:sp>
-        <p:nvSpPr>
-          <p:cNvPr id="2" name="Slide Image Placeholder 1"/>
-          <p:cNvSpPr>
-            <a:spLocks noGrp="1" noRot="1" noChangeAspect="1"/>
-          </p:cNvSpPr>
-          <p:nvPr>
-            <p:ph type="sldImg"/>
-          </p:nvPr>
-        </p:nvSpPr>
-        <p:spPr/>
-      </p:sp>
-      <p:sp>
-        <p:nvSpPr>
-          <p:cNvPr id="3" name="Notes Placeholder 2"/>
-          <p:cNvSpPr>
-            <a:spLocks noGrp="1"/>
-          </p:cNvSpPr>
-          <p:nvPr>
-            <p:ph type="body" idx="1"/>
-          </p:nvPr>
-        </p:nvSpPr>
-        <p:spPr/>
-        <p:txBody>
-          <a:bodyPr/>
-          <a:lstStyle/>
-          <a:p>
-            <a:pPr marL="0" marR="0" lvl="0" indent="0" algn="l" defTabSz="914400" rtl="0" eaLnBrk="1" fontAlgn="auto" latinLnBrk="0" hangingPunct="1">
-              <a:lnSpc>
-                <a:spcPct val="100000"/>
-              </a:lnSpc>
-              <a:spcBef>
-                <a:spcPts val="0"/>
-              </a:spcBef>
-              <a:spcAft>
-                <a:spcPts val="0"/>
-              </a:spcAft>
-              <a:buClrTx/>
-              <a:buSzTx/>
-              <a:buFontTx/>
-              <a:buNone/>
-              <a:tabLst/>
-              <a:defRPr/>
-            </a:pPr>
-            <a:r>
-              <a:rPr lang="en-NZ" i="1" dirty="0">
-                <a:latin typeface="Arial" panose="020B0604020202020204" pitchFamily="34" charset="0"/>
-              </a:rPr>
-              <a:t>Discuss how the information from planning, testing and trialling of components assisted in the development of a high-quality outcome.</a:t>
-            </a:r>
-          </a:p>
-          <a:p>
-            <a:endParaRPr lang="en-NZ" dirty="0"/>
-          </a:p>
-        </p:txBody>
-      </p:sp>
-      <p:sp>
-        <p:nvSpPr>
-          <p:cNvPr id="4" name="Slide Number Placeholder 3"/>
-          <p:cNvSpPr>
-            <a:spLocks noGrp="1"/>
-          </p:cNvSpPr>
-          <p:nvPr>
-            <p:ph type="sldNum" sz="quarter" idx="5"/>
-          </p:nvPr>
-        </p:nvSpPr>
-        <p:spPr/>
-        <p:txBody>
-          <a:bodyPr/>
-          <a:lstStyle/>
-          <a:p>
-            <a:fld id="{D89B2B17-F4B1-4A14-AF99-5A366D45E74A}" type="slidenum">
-              <a:rPr lang="en-NZ" smtClean="0"/>
-              <a:t>39</a:t>
-            </a:fld>
-            <a:endParaRPr lang="en-NZ"/>
-          </a:p>
-        </p:txBody>
-      </p:sp>
-    </p:spTree>
-    <p:extLst>
-      <p:ext uri="{BB962C8B-B14F-4D97-AF65-F5344CB8AC3E}">
-        <p14:creationId xmlns:p14="http://schemas.microsoft.com/office/powerpoint/2010/main" val="906380562"/>
-      </p:ext>
-    </p:extLst>
-  </p:cSld>
-  <p:clrMapOvr>
-    <a:masterClrMapping/>
-  </p:clrMapOvr>
-</p:notes>
-</file>
-
-<file path=ppt/notesSlides/notesSlide34.xml><?xml version="1.0" encoding="utf-8"?>
-<p:notes xmlns:a="http://schemas.openxmlformats.org/drawingml/2006/main" xmlns:r="http://schemas.openxmlformats.org/officeDocument/2006/relationships" xmlns:p="http://schemas.openxmlformats.org/presentationml/2006/main">
-  <p:cSld>
-    <p:spTree>
-      <p:nvGrpSpPr>
-        <p:cNvPr id="1" name=""/>
-        <p:cNvGrpSpPr/>
-        <p:nvPr/>
-      </p:nvGrpSpPr>
-      <p:grpSpPr>
-        <a:xfrm>
-          <a:off x="0" y="0"/>
-          <a:ext cx="0" cy="0"/>
-          <a:chOff x="0" y="0"/>
-          <a:chExt cx="0" cy="0"/>
-        </a:xfrm>
-      </p:grpSpPr>
-      <p:sp>
-        <p:nvSpPr>
-          <p:cNvPr id="2" name="Slide Image Placeholder 1"/>
-          <p:cNvSpPr>
-            <a:spLocks noGrp="1" noRot="1" noChangeAspect="1"/>
-          </p:cNvSpPr>
-          <p:nvPr>
-            <p:ph type="sldImg"/>
-          </p:nvPr>
-        </p:nvSpPr>
-        <p:spPr/>
-      </p:sp>
-      <p:sp>
-        <p:nvSpPr>
-          <p:cNvPr id="3" name="Notes Placeholder 2"/>
-          <p:cNvSpPr>
-            <a:spLocks noGrp="1"/>
-          </p:cNvSpPr>
-          <p:nvPr>
-            <p:ph type="body" idx="1"/>
-          </p:nvPr>
-        </p:nvSpPr>
-        <p:spPr/>
-        <p:txBody>
-          <a:bodyPr/>
-          <a:lstStyle/>
-          <a:p>
-            <a:pPr marL="0" marR="0" lvl="0" indent="0" algn="l" defTabSz="914400" rtl="0" eaLnBrk="1" fontAlgn="auto" latinLnBrk="0" hangingPunct="1">
-              <a:lnSpc>
-                <a:spcPct val="100000"/>
-              </a:lnSpc>
-              <a:spcBef>
-                <a:spcPts val="0"/>
-              </a:spcBef>
-              <a:spcAft>
-                <a:spcPts val="0"/>
-              </a:spcAft>
-              <a:buClrTx/>
-              <a:buSzTx/>
-              <a:buFontTx/>
-              <a:buNone/>
-              <a:tabLst/>
-              <a:defRPr/>
-            </a:pPr>
-            <a:r>
-              <a:rPr lang="en-NZ" i="1" dirty="0">
-                <a:latin typeface="Arial" panose="020B0604020202020204" pitchFamily="34" charset="0"/>
-              </a:rPr>
-              <a:t>Discuss how the information from planning, testing and trialling of components assisted in the development of a high-quality outcome.</a:t>
-            </a:r>
-          </a:p>
-          <a:p>
-            <a:endParaRPr lang="en-NZ" dirty="0"/>
-          </a:p>
-        </p:txBody>
-      </p:sp>
-      <p:sp>
-        <p:nvSpPr>
-          <p:cNvPr id="4" name="Slide Number Placeholder 3"/>
-          <p:cNvSpPr>
-            <a:spLocks noGrp="1"/>
-          </p:cNvSpPr>
-          <p:nvPr>
-            <p:ph type="sldNum" sz="quarter" idx="5"/>
-          </p:nvPr>
-        </p:nvSpPr>
-        <p:spPr/>
-        <p:txBody>
-          <a:bodyPr/>
-          <a:lstStyle/>
-          <a:p>
-            <a:fld id="{D89B2B17-F4B1-4A14-AF99-5A366D45E74A}" type="slidenum">
-              <a:rPr lang="en-NZ" smtClean="0"/>
-              <a:t>40</a:t>
             </a:fld>
             <a:endParaRPr lang="en-NZ"/>
           </a:p>
@@ -11247,7 +11372,7 @@
           <a:p>
             <a:fld id="{9C4A4F43-1C06-40E6-8F87-8B286982E50E}" type="datetimeFigureOut">
               <a:rPr lang="en-NZ" smtClean="0"/>
-              <a:t>17/05/2022</a:t>
+              <a:t>25/05/2022</a:t>
             </a:fld>
             <a:endParaRPr lang="en-NZ" dirty="0"/>
           </a:p>
@@ -11447,7 +11572,7 @@
           <a:p>
             <a:fld id="{9C4A4F43-1C06-40E6-8F87-8B286982E50E}" type="datetimeFigureOut">
               <a:rPr lang="en-NZ" smtClean="0"/>
-              <a:t>17/05/2022</a:t>
+              <a:t>25/05/2022</a:t>
             </a:fld>
             <a:endParaRPr lang="en-NZ" dirty="0"/>
           </a:p>
@@ -11657,7 +11782,7 @@
           <a:p>
             <a:fld id="{9C4A4F43-1C06-40E6-8F87-8B286982E50E}" type="datetimeFigureOut">
               <a:rPr lang="en-NZ" smtClean="0"/>
-              <a:t>17/05/2022</a:t>
+              <a:t>25/05/2022</a:t>
             </a:fld>
             <a:endParaRPr lang="en-NZ" dirty="0"/>
           </a:p>
@@ -12216,7 +12341,7 @@
           <a:p>
             <a:fld id="{9C4A4F43-1C06-40E6-8F87-8B286982E50E}" type="datetimeFigureOut">
               <a:rPr lang="en-NZ" smtClean="0"/>
-              <a:t>17/05/2022</a:t>
+              <a:t>25/05/2022</a:t>
             </a:fld>
             <a:endParaRPr lang="en-NZ" dirty="0"/>
           </a:p>
@@ -12492,7 +12617,7 @@
           <a:p>
             <a:fld id="{9C4A4F43-1C06-40E6-8F87-8B286982E50E}" type="datetimeFigureOut">
               <a:rPr lang="en-NZ" smtClean="0"/>
-              <a:t>17/05/2022</a:t>
+              <a:t>25/05/2022</a:t>
             </a:fld>
             <a:endParaRPr lang="en-NZ" dirty="0"/>
           </a:p>
@@ -12760,7 +12885,7 @@
           <a:p>
             <a:fld id="{9C4A4F43-1C06-40E6-8F87-8B286982E50E}" type="datetimeFigureOut">
               <a:rPr lang="en-NZ" smtClean="0"/>
-              <a:t>17/05/2022</a:t>
+              <a:t>25/05/2022</a:t>
             </a:fld>
             <a:endParaRPr lang="en-NZ" dirty="0"/>
           </a:p>
@@ -13175,7 +13300,7 @@
           <a:p>
             <a:fld id="{9C4A4F43-1C06-40E6-8F87-8B286982E50E}" type="datetimeFigureOut">
               <a:rPr lang="en-NZ" smtClean="0"/>
-              <a:t>17/05/2022</a:t>
+              <a:t>25/05/2022</a:t>
             </a:fld>
             <a:endParaRPr lang="en-NZ" dirty="0"/>
           </a:p>
@@ -13317,7 +13442,7 @@
           <a:p>
             <a:fld id="{9C4A4F43-1C06-40E6-8F87-8B286982E50E}" type="datetimeFigureOut">
               <a:rPr lang="en-NZ" smtClean="0"/>
-              <a:t>17/05/2022</a:t>
+              <a:t>25/05/2022</a:t>
             </a:fld>
             <a:endParaRPr lang="en-NZ" dirty="0"/>
           </a:p>
@@ -13430,7 +13555,7 @@
           <a:p>
             <a:fld id="{9C4A4F43-1C06-40E6-8F87-8B286982E50E}" type="datetimeFigureOut">
               <a:rPr lang="en-NZ" smtClean="0"/>
-              <a:t>17/05/2022</a:t>
+              <a:t>25/05/2022</a:t>
             </a:fld>
             <a:endParaRPr lang="en-NZ" dirty="0"/>
           </a:p>
@@ -13743,7 +13868,7 @@
           <a:p>
             <a:fld id="{9C4A4F43-1C06-40E6-8F87-8B286982E50E}" type="datetimeFigureOut">
               <a:rPr lang="en-NZ" smtClean="0"/>
-              <a:t>17/05/2022</a:t>
+              <a:t>25/05/2022</a:t>
             </a:fld>
             <a:endParaRPr lang="en-NZ" dirty="0"/>
           </a:p>
@@ -14032,7 +14157,7 @@
           <a:p>
             <a:fld id="{9C4A4F43-1C06-40E6-8F87-8B286982E50E}" type="datetimeFigureOut">
               <a:rPr lang="en-NZ" smtClean="0"/>
-              <a:t>17/05/2022</a:t>
+              <a:t>25/05/2022</a:t>
             </a:fld>
             <a:endParaRPr lang="en-NZ" dirty="0"/>
           </a:p>
@@ -14275,7 +14400,7 @@
           <a:p>
             <a:fld id="{9C4A4F43-1C06-40E6-8F87-8B286982E50E}" type="datetimeFigureOut">
               <a:rPr lang="en-NZ" smtClean="0"/>
-              <a:t>17/05/2022</a:t>
+              <a:t>25/05/2022</a:t>
             </a:fld>
             <a:endParaRPr lang="en-NZ" dirty="0"/>
           </a:p>
@@ -24301,8 +24426,8 @@
           </a:prstGeom>
         </p:spPr>
       </p:pic>
-      <mc:AlternateContent xmlns:mc="http://schemas.openxmlformats.org/markup-compatibility/2006">
-        <mc:Choice xmlns:p14="http://schemas.microsoft.com/office/powerpoint/2010/main" Requires="p14">
+      <mc:AlternateContent xmlns:mc="http://schemas.openxmlformats.org/markup-compatibility/2006" xmlns:p14="http://schemas.microsoft.com/office/powerpoint/2010/main">
+        <mc:Choice Requires="p14">
           <p:contentPart p14:bwMode="auto" r:id="rId5">
             <p14:nvContentPartPr>
               <p14:cNvPr id="18" name="Ink 17">
@@ -24321,7 +24446,7 @@
             </p14:xfrm>
           </p:contentPart>
         </mc:Choice>
-        <mc:Fallback>
+        <mc:Fallback xmlns="">
           <p:pic>
             <p:nvPicPr>
               <p:cNvPr id="18" name="Ink 17">
@@ -24352,8 +24477,8 @@
           </p:pic>
         </mc:Fallback>
       </mc:AlternateContent>
-      <mc:AlternateContent xmlns:mc="http://schemas.openxmlformats.org/markup-compatibility/2006">
-        <mc:Choice xmlns:p14="http://schemas.microsoft.com/office/powerpoint/2010/main" Requires="p14">
+      <mc:AlternateContent xmlns:mc="http://schemas.openxmlformats.org/markup-compatibility/2006" xmlns:p14="http://schemas.microsoft.com/office/powerpoint/2010/main">
+        <mc:Choice Requires="p14">
           <p:contentPart p14:bwMode="auto" r:id="rId7">
             <p14:nvContentPartPr>
               <p14:cNvPr id="20" name="Ink 19">
@@ -24372,7 +24497,7 @@
             </p14:xfrm>
           </p:contentPart>
         </mc:Choice>
-        <mc:Fallback>
+        <mc:Fallback xmlns="">
           <p:pic>
             <p:nvPicPr>
               <p:cNvPr id="20" name="Ink 19">
@@ -24462,8 +24587,8 @@
           </a:p>
         </p:txBody>
       </p:sp>
-      <mc:AlternateContent xmlns:mc="http://schemas.openxmlformats.org/markup-compatibility/2006">
-        <mc:Choice xmlns:p14="http://schemas.microsoft.com/office/powerpoint/2010/main" Requires="p14">
+      <mc:AlternateContent xmlns:mc="http://schemas.openxmlformats.org/markup-compatibility/2006" xmlns:p14="http://schemas.microsoft.com/office/powerpoint/2010/main">
+        <mc:Choice Requires="p14">
           <p:contentPart p14:bwMode="auto" r:id="rId9">
             <p14:nvContentPartPr>
               <p14:cNvPr id="22" name="Ink 21">
@@ -24482,7 +24607,7 @@
             </p14:xfrm>
           </p:contentPart>
         </mc:Choice>
-        <mc:Fallback>
+        <mc:Fallback xmlns="">
           <p:pic>
             <p:nvPicPr>
               <p:cNvPr id="22" name="Ink 21">
@@ -25171,7 +25296,7 @@
         </p:nvSpPr>
         <p:spPr>
           <a:xfrm>
-            <a:off x="5706836" y="4457700"/>
+            <a:off x="4490433" y="6011006"/>
             <a:ext cx="2662314" cy="646331"/>
           </a:xfrm>
           <a:prstGeom prst="rect">
@@ -25187,7 +25312,7 @@
           <a:p>
             <a:r>
               <a:rPr lang="en-NZ" dirty="0"/>
-              <a:t>Results worked  as expected </a:t>
+              <a:t>All Results worked  as expected </a:t>
             </a:r>
           </a:p>
         </p:txBody>
@@ -25214,7 +25339,7 @@
         </p:blipFill>
         <p:spPr>
           <a:xfrm>
-            <a:off x="480425" y="1114013"/>
+            <a:off x="357481" y="1764931"/>
             <a:ext cx="4468511" cy="3843881"/>
           </a:xfrm>
           <a:prstGeom prst="rect">
@@ -25236,7 +25361,7 @@
         </p:nvSpPr>
         <p:spPr>
           <a:xfrm>
-            <a:off x="570450" y="3338640"/>
+            <a:off x="436224" y="3932793"/>
             <a:ext cx="3938909" cy="696465"/>
           </a:xfrm>
           <a:prstGeom prst="rect">
@@ -25278,6 +25403,283 @@
                 <a:srgbClr val="66CC00"/>
               </a:solidFill>
             </a:endParaRPr>
+          </a:p>
+        </p:txBody>
+      </p:sp>
+      <p:pic>
+        <p:nvPicPr>
+          <p:cNvPr id="8" name="Picture 7">
+            <a:extLst>
+              <a:ext uri="{FF2B5EF4-FFF2-40B4-BE49-F238E27FC236}">
+                <a16:creationId xmlns:a16="http://schemas.microsoft.com/office/drawing/2014/main" id="{EC0809D8-9C4A-48B9-A259-950FDA88AEBF}"/>
+              </a:ext>
+            </a:extLst>
+          </p:cNvPr>
+          <p:cNvPicPr>
+            <a:picLocks noChangeAspect="1"/>
+          </p:cNvPicPr>
+          <p:nvPr/>
+        </p:nvPicPr>
+        <p:blipFill>
+          <a:blip r:embed="rId4"/>
+          <a:stretch>
+            <a:fillRect/>
+          </a:stretch>
+        </p:blipFill>
+        <p:spPr>
+          <a:xfrm>
+            <a:off x="6461292" y="1847517"/>
+            <a:ext cx="5176284" cy="3343687"/>
+          </a:xfrm>
+          <a:prstGeom prst="rect">
+            <a:avLst/>
+          </a:prstGeom>
+        </p:spPr>
+      </p:pic>
+      <p:sp>
+        <p:nvSpPr>
+          <p:cNvPr id="25" name="מלבן 24">
+            <a:extLst>
+              <a:ext uri="{FF2B5EF4-FFF2-40B4-BE49-F238E27FC236}">
+                <a16:creationId xmlns:a16="http://schemas.microsoft.com/office/drawing/2014/main" id="{0323F003-6446-413E-9EF5-EA2794C09445}"/>
+              </a:ext>
+            </a:extLst>
+          </p:cNvPr>
+          <p:cNvSpPr/>
+          <p:nvPr/>
+        </p:nvSpPr>
+        <p:spPr>
+          <a:xfrm>
+            <a:off x="6584638" y="3313650"/>
+            <a:ext cx="4937760" cy="746442"/>
+          </a:xfrm>
+          <a:prstGeom prst="rect">
+            <a:avLst/>
+          </a:prstGeom>
+          <a:solidFill>
+            <a:srgbClr val="E71224">
+              <a:alpha val="5000"/>
+            </a:srgbClr>
+          </a:solidFill>
+          <a:ln w="72000">
+            <a:solidFill>
+              <a:srgbClr val="E71224"/>
+            </a:solidFill>
+          </a:ln>
+        </p:spPr>
+        <p:style>
+          <a:lnRef idx="2">
+            <a:schemeClr val="accent1">
+              <a:shade val="50000"/>
+            </a:schemeClr>
+          </a:lnRef>
+          <a:fillRef idx="1">
+            <a:schemeClr val="accent1"/>
+          </a:fillRef>
+          <a:effectRef idx="0">
+            <a:schemeClr val="accent1"/>
+          </a:effectRef>
+          <a:fontRef idx="minor">
+            <a:schemeClr val="lt1"/>
+          </a:fontRef>
+        </p:style>
+        <p:txBody>
+          <a:bodyPr wrap="none" rtlCol="0" anchor="ctr" anchorCtr="1"/>
+          <a:lstStyle/>
+          <a:p>
+            <a:endParaRPr lang="ko-KR" altLang="en-US">
+              <a:solidFill>
+                <a:srgbClr val="E71224"/>
+              </a:solidFill>
+            </a:endParaRPr>
+          </a:p>
+        </p:txBody>
+      </p:sp>
+      <p:sp>
+        <p:nvSpPr>
+          <p:cNvPr id="26" name="Rectangle 25">
+            <a:extLst>
+              <a:ext uri="{FF2B5EF4-FFF2-40B4-BE49-F238E27FC236}">
+                <a16:creationId xmlns:a16="http://schemas.microsoft.com/office/drawing/2014/main" id="{6F0D13A5-585F-4FD0-94C9-0C552F039C55}"/>
+              </a:ext>
+            </a:extLst>
+          </p:cNvPr>
+          <p:cNvSpPr/>
+          <p:nvPr/>
+        </p:nvSpPr>
+        <p:spPr>
+          <a:xfrm>
+            <a:off x="6584638" y="4094535"/>
+            <a:ext cx="2560320" cy="365760"/>
+          </a:xfrm>
+          <a:prstGeom prst="rect">
+            <a:avLst/>
+          </a:prstGeom>
+          <a:solidFill>
+            <a:srgbClr val="E71224">
+              <a:alpha val="5000"/>
+            </a:srgbClr>
+          </a:solidFill>
+          <a:ln w="72000">
+            <a:solidFill>
+              <a:srgbClr val="E71224"/>
+            </a:solidFill>
+          </a:ln>
+        </p:spPr>
+        <p:style>
+          <a:lnRef idx="2">
+            <a:schemeClr val="accent1">
+              <a:shade val="50000"/>
+            </a:schemeClr>
+          </a:lnRef>
+          <a:fillRef idx="1">
+            <a:schemeClr val="accent1"/>
+          </a:fillRef>
+          <a:effectRef idx="0">
+            <a:schemeClr val="accent1"/>
+          </a:effectRef>
+          <a:fontRef idx="minor">
+            <a:schemeClr val="lt1"/>
+          </a:fontRef>
+        </p:style>
+        <p:txBody>
+          <a:bodyPr wrap="none" rtlCol="0" anchor="ctr" anchorCtr="1"/>
+          <a:lstStyle/>
+          <a:p>
+            <a:endParaRPr lang="ko-KR" altLang="en-US">
+              <a:solidFill>
+                <a:srgbClr val="E71224"/>
+              </a:solidFill>
+            </a:endParaRPr>
+          </a:p>
+        </p:txBody>
+      </p:sp>
+      <p:sp>
+        <p:nvSpPr>
+          <p:cNvPr id="17" name="직사각형 16">
+            <a:extLst>
+              <a:ext uri="{FF2B5EF4-FFF2-40B4-BE49-F238E27FC236}">
+                <a16:creationId xmlns:a16="http://schemas.microsoft.com/office/drawing/2014/main" id="{6A841B72-4418-4DEE-8250-6BD24060BC8A}"/>
+              </a:ext>
+            </a:extLst>
+          </p:cNvPr>
+          <p:cNvSpPr/>
+          <p:nvPr/>
+        </p:nvSpPr>
+        <p:spPr>
+          <a:xfrm rot="-10800000">
+            <a:off x="436224" y="4672953"/>
+            <a:ext cx="3598877" cy="298011"/>
+          </a:xfrm>
+          <a:prstGeom prst="rect">
+            <a:avLst/>
+          </a:prstGeom>
+          <a:solidFill>
+            <a:srgbClr val="66CC00">
+              <a:alpha val="5000"/>
+            </a:srgbClr>
+          </a:solidFill>
+          <a:ln w="72000">
+            <a:solidFill>
+              <a:srgbClr val="66CC00"/>
+            </a:solidFill>
+          </a:ln>
+        </p:spPr>
+        <p:style>
+          <a:lnRef idx="2">
+            <a:schemeClr val="accent1">
+              <a:shade val="50000"/>
+            </a:schemeClr>
+          </a:lnRef>
+          <a:fillRef idx="1">
+            <a:schemeClr val="accent1"/>
+          </a:fillRef>
+          <a:effectRef idx="0">
+            <a:schemeClr val="accent1"/>
+          </a:effectRef>
+          <a:fontRef idx="minor">
+            <a:schemeClr val="lt1"/>
+          </a:fontRef>
+        </p:style>
+        <p:txBody>
+          <a:bodyPr wrap="none" rtlCol="0" anchor="ctr" anchorCtr="1"/>
+          <a:lstStyle/>
+          <a:p>
+            <a:endParaRPr lang="en-US">
+              <a:solidFill>
+                <a:srgbClr val="66CC00"/>
+              </a:solidFill>
+            </a:endParaRPr>
+          </a:p>
+        </p:txBody>
+      </p:sp>
+      <p:sp>
+        <p:nvSpPr>
+          <p:cNvPr id="22" name="TextBox 21">
+            <a:extLst>
+              <a:ext uri="{FF2B5EF4-FFF2-40B4-BE49-F238E27FC236}">
+                <a16:creationId xmlns:a16="http://schemas.microsoft.com/office/drawing/2014/main" id="{C61E437E-2101-4F0F-A320-9DDFAFE9B4B5}"/>
+              </a:ext>
+            </a:extLst>
+          </p:cNvPr>
+          <p:cNvSpPr txBox="1"/>
+          <p:nvPr/>
+        </p:nvSpPr>
+        <p:spPr>
+          <a:xfrm>
+            <a:off x="6482644" y="1426946"/>
+            <a:ext cx="2662314" cy="369332"/>
+          </a:xfrm>
+          <a:prstGeom prst="rect">
+            <a:avLst/>
+          </a:prstGeom>
+          <a:noFill/>
+        </p:spPr>
+        <p:txBody>
+          <a:bodyPr wrap="square" rtlCol="0">
+            <a:spAutoFit/>
+          </a:bodyPr>
+          <a:lstStyle/>
+          <a:p>
+            <a:r>
+              <a:rPr lang="en-NZ" b="1" dirty="0"/>
+              <a:t>ALL CORRECT</a:t>
+            </a:r>
+          </a:p>
+        </p:txBody>
+      </p:sp>
+      <p:sp>
+        <p:nvSpPr>
+          <p:cNvPr id="23" name="TextBox 22">
+            <a:extLst>
+              <a:ext uri="{FF2B5EF4-FFF2-40B4-BE49-F238E27FC236}">
+                <a16:creationId xmlns:a16="http://schemas.microsoft.com/office/drawing/2014/main" id="{9EF26EFE-0D5E-474D-8810-2EFEAC2CE894}"/>
+              </a:ext>
+            </a:extLst>
+          </p:cNvPr>
+          <p:cNvSpPr txBox="1"/>
+          <p:nvPr/>
+        </p:nvSpPr>
+        <p:spPr>
+          <a:xfrm>
+            <a:off x="284577" y="1233916"/>
+            <a:ext cx="2662314" cy="369332"/>
+          </a:xfrm>
+          <a:prstGeom prst="rect">
+            <a:avLst/>
+          </a:prstGeom>
+          <a:noFill/>
+        </p:spPr>
+        <p:txBody>
+          <a:bodyPr wrap="square" rtlCol="0">
+            <a:spAutoFit/>
+          </a:bodyPr>
+          <a:lstStyle/>
+          <a:p>
+            <a:r>
+              <a:rPr lang="en-NZ" b="1" dirty="0"/>
+              <a:t>ALL INCORRECT</a:t>
+            </a:r>
           </a:p>
         </p:txBody>
       </p:sp>
@@ -25638,838 +26040,6 @@
   <p:cSld>
     <p:spTree>
       <p:nvGrpSpPr>
-        <p:cNvPr id="1" name="Shape 90"/>
-        <p:cNvGrpSpPr/>
-        <p:nvPr/>
-      </p:nvGrpSpPr>
-      <p:grpSpPr>
-        <a:xfrm>
-          <a:off x="0" y="0"/>
-          <a:ext cx="0" cy="0"/>
-          <a:chOff x="0" y="0"/>
-          <a:chExt cx="0" cy="0"/>
-        </a:xfrm>
-      </p:grpSpPr>
-      <p:sp>
-        <p:nvSpPr>
-          <p:cNvPr id="91" name="Google Shape;91;p19"/>
-          <p:cNvSpPr txBox="1">
-            <a:spLocks noGrp="1"/>
-          </p:cNvSpPr>
-          <p:nvPr>
-            <p:ph type="title"/>
-          </p:nvPr>
-        </p:nvSpPr>
-        <p:spPr>
-          <a:xfrm>
-            <a:off x="415600" y="217447"/>
-            <a:ext cx="11360800" cy="763600"/>
-          </a:xfrm>
-          <a:prstGeom prst="rect">
-            <a:avLst/>
-          </a:prstGeom>
-        </p:spPr>
-        <p:txBody>
-          <a:bodyPr spcFirstLastPara="1" vert="horz" wrap="square" lIns="121900" tIns="121900" rIns="121900" bIns="121900" rtlCol="0" anchor="t" anchorCtr="0">
-            <a:noAutofit/>
-          </a:bodyPr>
-          <a:lstStyle/>
-          <a:p>
-            <a:r>
-              <a:rPr lang="en" sz="4000" dirty="0"/>
-              <a:t>Test Plan: Assembled outcome 2 </a:t>
-            </a:r>
-            <a:endParaRPr sz="4000" dirty="0"/>
-          </a:p>
-        </p:txBody>
-      </p:sp>
-      <p:graphicFrame>
-        <p:nvGraphicFramePr>
-          <p:cNvPr id="92" name="Google Shape;92;p19"/>
-          <p:cNvGraphicFramePr/>
-          <p:nvPr>
-            <p:extLst>
-              <p:ext uri="{D42A27DB-BD31-4B8C-83A1-F6EECF244321}">
-                <p14:modId xmlns:p14="http://schemas.microsoft.com/office/powerpoint/2010/main" val="402843014"/>
-              </p:ext>
-            </p:extLst>
-          </p:nvPr>
-        </p:nvGraphicFramePr>
-        <p:xfrm>
-          <a:off x="415600" y="910592"/>
-          <a:ext cx="11776400" cy="4583153"/>
-        </p:xfrm>
-        <a:graphic>
-          <a:graphicData uri="http://schemas.openxmlformats.org/drawingml/2006/table">
-            <a:tbl>
-              <a:tblPr>
-                <a:noFill/>
-              </a:tblPr>
-              <a:tblGrid>
-                <a:gridCol w="5888200">
-                  <a:extLst>
-                    <a:ext uri="{9D8B030D-6E8A-4147-A177-3AD203B41FA5}">
-                      <a16:colId xmlns:a16="http://schemas.microsoft.com/office/drawing/2014/main" val="20000"/>
-                    </a:ext>
-                  </a:extLst>
-                </a:gridCol>
-                <a:gridCol w="5888200">
-                  <a:extLst>
-                    <a:ext uri="{9D8B030D-6E8A-4147-A177-3AD203B41FA5}">
-                      <a16:colId xmlns:a16="http://schemas.microsoft.com/office/drawing/2014/main" val="20001"/>
-                    </a:ext>
-                  </a:extLst>
-                </a:gridCol>
-              </a:tblGrid>
-              <a:tr h="803713">
-                <a:tc>
-                  <a:txBody>
-                    <a:bodyPr/>
-                    <a:lstStyle/>
-                    <a:p>
-                      <a:pPr marL="0" lvl="0" indent="0" algn="l" rtl="0">
-                        <a:spcBef>
-                          <a:spcPts val="0"/>
-                        </a:spcBef>
-                        <a:spcAft>
-                          <a:spcPts val="0"/>
-                        </a:spcAft>
-                        <a:buNone/>
-                      </a:pPr>
-                      <a:r>
-                        <a:rPr lang="en" sz="2400" b="1" dirty="0"/>
-                        <a:t>Test Cases - input</a:t>
-                      </a:r>
-                      <a:endParaRPr sz="2400" b="1" dirty="0"/>
-                    </a:p>
-                  </a:txBody>
-                  <a:tcPr marL="121900" marR="121900" marT="121900" marB="121900">
-                    <a:solidFill>
-                      <a:srgbClr val="CCCCCC"/>
-                    </a:solidFill>
-                  </a:tcPr>
-                </a:tc>
-                <a:tc>
-                  <a:txBody>
-                    <a:bodyPr/>
-                    <a:lstStyle/>
-                    <a:p>
-                      <a:pPr marL="0" lvl="0" indent="0" algn="l" rtl="0">
-                        <a:spcBef>
-                          <a:spcPts val="0"/>
-                        </a:spcBef>
-                        <a:spcAft>
-                          <a:spcPts val="0"/>
-                        </a:spcAft>
-                        <a:buNone/>
-                      </a:pPr>
-                      <a:r>
-                        <a:rPr lang="en" sz="2400" b="1" dirty="0"/>
-                        <a:t>Expected output</a:t>
-                      </a:r>
-                      <a:endParaRPr sz="2400" b="1" dirty="0"/>
-                    </a:p>
-                  </a:txBody>
-                  <a:tcPr marL="121900" marR="121900" marT="121900" marB="121900">
-                    <a:solidFill>
-                      <a:srgbClr val="CCCCCC"/>
-                    </a:solidFill>
-                  </a:tcPr>
-                </a:tc>
-                <a:extLst>
-                  <a:ext uri="{0D108BD9-81ED-4DB2-BD59-A6C34878D82A}">
-                    <a16:rowId xmlns:a16="http://schemas.microsoft.com/office/drawing/2014/main" val="10000"/>
-                  </a:ext>
-                </a:extLst>
-              </a:tr>
-              <a:tr h="1285972">
-                <a:tc>
-                  <a:txBody>
-                    <a:bodyPr/>
-                    <a:lstStyle/>
-                    <a:p>
-                      <a:pPr marL="0" lvl="0" indent="0" algn="l" rtl="0">
-                        <a:spcBef>
-                          <a:spcPts val="0"/>
-                        </a:spcBef>
-                        <a:spcAft>
-                          <a:spcPts val="0"/>
-                        </a:spcAft>
-                        <a:buNone/>
-                      </a:pPr>
-                      <a:r>
-                        <a:rPr lang="en-NZ" sz="2400" dirty="0"/>
-                        <a:t>Play with $1 until it runs out</a:t>
-                      </a:r>
-                      <a:endParaRPr sz="2400" dirty="0"/>
-                    </a:p>
-                  </a:txBody>
-                  <a:tcPr marL="121900" marR="121900" marT="121900" marB="121900"/>
-                </a:tc>
-                <a:tc>
-                  <a:txBody>
-                    <a:bodyPr/>
-                    <a:lstStyle/>
-                    <a:p>
-                      <a:pPr marL="0" marR="0" lvl="0" indent="0" algn="l" defTabSz="914400" rtl="0" eaLnBrk="1" fontAlgn="auto" latinLnBrk="0" hangingPunct="1">
-                        <a:lnSpc>
-                          <a:spcPct val="100000"/>
-                        </a:lnSpc>
-                        <a:spcBef>
-                          <a:spcPts val="0"/>
-                        </a:spcBef>
-                        <a:spcAft>
-                          <a:spcPts val="0"/>
-                        </a:spcAft>
-                        <a:buClrTx/>
-                        <a:buSzTx/>
-                        <a:buFontTx/>
-                        <a:buNone/>
-                        <a:tabLst/>
-                        <a:defRPr/>
-                      </a:pPr>
-                      <a:r>
-                        <a:rPr lang="en-NZ" sz="2400" dirty="0"/>
-                        <a:t>For each round:</a:t>
-                      </a:r>
-                    </a:p>
-                    <a:p>
-                      <a:pPr marL="0" marR="0" lvl="0" indent="0" algn="l" defTabSz="914400" rtl="0" eaLnBrk="1" fontAlgn="auto" latinLnBrk="0" hangingPunct="1">
-                        <a:lnSpc>
-                          <a:spcPct val="100000"/>
-                        </a:lnSpc>
-                        <a:spcBef>
-                          <a:spcPts val="0"/>
-                        </a:spcBef>
-                        <a:spcAft>
-                          <a:spcPts val="0"/>
-                        </a:spcAft>
-                        <a:buClrTx/>
-                        <a:buSzTx/>
-                        <a:buFontTx/>
-                        <a:buNone/>
-                        <a:tabLst/>
-                        <a:defRPr/>
-                      </a:pPr>
-                      <a:r>
-                        <a:rPr lang="en-NZ" sz="2400" dirty="0"/>
-                        <a:t>Random token is generated </a:t>
-                      </a:r>
-                    </a:p>
-                    <a:p>
-                      <a:pPr marL="0" marR="0" lvl="0" indent="0" algn="l" defTabSz="914400" rtl="0" eaLnBrk="1" fontAlgn="auto" latinLnBrk="0" hangingPunct="1">
-                        <a:lnSpc>
-                          <a:spcPct val="100000"/>
-                        </a:lnSpc>
-                        <a:spcBef>
-                          <a:spcPts val="0"/>
-                        </a:spcBef>
-                        <a:spcAft>
-                          <a:spcPts val="0"/>
-                        </a:spcAft>
-                        <a:buClrTx/>
-                        <a:buSzTx/>
-                        <a:buFontTx/>
-                        <a:buNone/>
-                        <a:tabLst/>
-                        <a:defRPr/>
-                      </a:pPr>
-                      <a:r>
-                        <a:rPr lang="en-NZ" sz="2400" dirty="0"/>
-                        <a:t>Balance and round number updated</a:t>
-                      </a:r>
-                    </a:p>
-                    <a:p>
-                      <a:pPr marL="0" marR="0" lvl="0" indent="0" algn="l" defTabSz="914400" rtl="0" eaLnBrk="1" fontAlgn="auto" latinLnBrk="0" hangingPunct="1">
-                        <a:lnSpc>
-                          <a:spcPct val="100000"/>
-                        </a:lnSpc>
-                        <a:spcBef>
-                          <a:spcPts val="0"/>
-                        </a:spcBef>
-                        <a:spcAft>
-                          <a:spcPts val="0"/>
-                        </a:spcAft>
-                        <a:buClrTx/>
-                        <a:buSzTx/>
-                        <a:buFontTx/>
-                        <a:buNone/>
-                        <a:tabLst/>
-                        <a:defRPr/>
-                      </a:pPr>
-                      <a:r>
-                        <a:rPr lang="en-NZ" sz="2400" dirty="0"/>
-                        <a:t>At end:</a:t>
-                      </a:r>
-                    </a:p>
-                    <a:p>
-                      <a:pPr marL="0" marR="0" lvl="0" indent="0" algn="l" defTabSz="914400" rtl="0" eaLnBrk="1" fontAlgn="auto" latinLnBrk="0" hangingPunct="1">
-                        <a:lnSpc>
-                          <a:spcPct val="100000"/>
-                        </a:lnSpc>
-                        <a:spcBef>
-                          <a:spcPts val="0"/>
-                        </a:spcBef>
-                        <a:spcAft>
-                          <a:spcPts val="0"/>
-                        </a:spcAft>
-                        <a:buClrTx/>
-                        <a:buSzTx/>
-                        <a:buFontTx/>
-                        <a:buNone/>
-                        <a:tabLst/>
-                        <a:defRPr/>
-                      </a:pPr>
-                      <a:r>
-                        <a:rPr lang="en-NZ" sz="2400" dirty="0"/>
-                        <a:t>Stats generated show the starting balance and final balance </a:t>
-                      </a:r>
-                    </a:p>
-                  </a:txBody>
-                  <a:tcPr marL="121900" marR="121900" marT="121900" marB="121900"/>
-                </a:tc>
-                <a:extLst>
-                  <a:ext uri="{0D108BD9-81ED-4DB2-BD59-A6C34878D82A}">
-                    <a16:rowId xmlns:a16="http://schemas.microsoft.com/office/drawing/2014/main" val="10001"/>
-                  </a:ext>
-                </a:extLst>
-              </a:tr>
-              <a:tr h="1285972">
-                <a:tc>
-                  <a:txBody>
-                    <a:bodyPr/>
-                    <a:lstStyle/>
-                    <a:p>
-                      <a:pPr marL="0" lvl="0" indent="0" algn="l" rtl="0">
-                        <a:spcBef>
-                          <a:spcPts val="0"/>
-                        </a:spcBef>
-                        <a:spcAft>
-                          <a:spcPts val="0"/>
-                        </a:spcAft>
-                        <a:buNone/>
-                      </a:pPr>
-                      <a:r>
-                        <a:rPr lang="en-NZ" sz="2400" dirty="0"/>
-                        <a:t>Run program </a:t>
-                      </a:r>
-                    </a:p>
-                    <a:p>
-                      <a:pPr marL="0" lvl="0" indent="0" algn="l" rtl="0">
-                        <a:spcBef>
-                          <a:spcPts val="0"/>
-                        </a:spcBef>
-                        <a:spcAft>
-                          <a:spcPts val="0"/>
-                        </a:spcAft>
-                        <a:buNone/>
-                      </a:pPr>
-                      <a:r>
-                        <a:rPr lang="en-NZ" sz="2400" dirty="0"/>
-                        <a:t>Played before = yes</a:t>
-                      </a:r>
-                    </a:p>
-                    <a:p>
-                      <a:pPr marL="0" lvl="0" indent="0" algn="l" rtl="0">
-                        <a:spcBef>
-                          <a:spcPts val="0"/>
-                        </a:spcBef>
-                        <a:spcAft>
-                          <a:spcPts val="0"/>
-                        </a:spcAft>
-                        <a:buNone/>
-                      </a:pPr>
-                      <a:r>
-                        <a:rPr lang="en-NZ" sz="2400" dirty="0"/>
-                        <a:t>Amount to play with = 10</a:t>
-                      </a:r>
-                      <a:endParaRPr sz="2400" dirty="0"/>
-                    </a:p>
-                  </a:txBody>
-                  <a:tcPr marL="121900" marR="121900" marT="121900" marB="121900"/>
-                </a:tc>
-                <a:tc>
-                  <a:txBody>
-                    <a:bodyPr/>
-                    <a:lstStyle/>
-                    <a:p>
-                      <a:pPr marL="0" marR="0" lvl="0" indent="0" algn="l" defTabSz="914400" rtl="0" eaLnBrk="1" fontAlgn="auto" latinLnBrk="0" hangingPunct="1">
-                        <a:lnSpc>
-                          <a:spcPct val="100000"/>
-                        </a:lnSpc>
-                        <a:spcBef>
-                          <a:spcPts val="0"/>
-                        </a:spcBef>
-                        <a:spcAft>
-                          <a:spcPts val="0"/>
-                        </a:spcAft>
-                        <a:buClrTx/>
-                        <a:buSzTx/>
-                        <a:buFontTx/>
-                        <a:buNone/>
-                        <a:tabLst/>
-                        <a:defRPr/>
-                      </a:pPr>
-                      <a:r>
-                        <a:rPr lang="en-NZ" sz="2400" dirty="0"/>
-                        <a:t>Welcome message displays</a:t>
-                      </a:r>
-                    </a:p>
-                    <a:p>
-                      <a:pPr marL="0" marR="0" lvl="0" indent="0" algn="l" defTabSz="914400" rtl="0" eaLnBrk="1" fontAlgn="auto" latinLnBrk="0" hangingPunct="1">
-                        <a:lnSpc>
-                          <a:spcPct val="100000"/>
-                        </a:lnSpc>
-                        <a:spcBef>
-                          <a:spcPts val="0"/>
-                        </a:spcBef>
-                        <a:spcAft>
-                          <a:spcPts val="0"/>
-                        </a:spcAft>
-                        <a:buClrTx/>
-                        <a:buSzTx/>
-                        <a:buFontTx/>
-                        <a:buNone/>
-                        <a:tabLst/>
-                        <a:defRPr/>
-                      </a:pPr>
-                      <a:r>
-                        <a:rPr lang="en-NZ" sz="2400" dirty="0"/>
-                        <a:t>No instructions </a:t>
-                      </a:r>
-                      <a:r>
-                        <a:rPr lang="en-NZ" sz="2400" dirty="0" err="1"/>
-                        <a:t>diaplayed</a:t>
-                      </a:r>
-                      <a:endParaRPr lang="en-NZ" sz="2400" dirty="0"/>
-                    </a:p>
-                  </a:txBody>
-                  <a:tcPr marL="121900" marR="121900" marT="121900" marB="121900"/>
-                </a:tc>
-                <a:extLst>
-                  <a:ext uri="{0D108BD9-81ED-4DB2-BD59-A6C34878D82A}">
-                    <a16:rowId xmlns:a16="http://schemas.microsoft.com/office/drawing/2014/main" val="2099733630"/>
-                  </a:ext>
-                </a:extLst>
-              </a:tr>
-            </a:tbl>
-          </a:graphicData>
-        </a:graphic>
-      </p:graphicFrame>
-    </p:spTree>
-    <p:extLst>
-      <p:ext uri="{BB962C8B-B14F-4D97-AF65-F5344CB8AC3E}">
-        <p14:creationId xmlns:p14="http://schemas.microsoft.com/office/powerpoint/2010/main" val="2197962000"/>
-      </p:ext>
-    </p:extLst>
-  </p:cSld>
-  <p:clrMapOvr>
-    <a:masterClrMapping/>
-  </p:clrMapOvr>
-</p:sld>
-</file>
-
-<file path=ppt/slides/slide35.xml><?xml version="1.0" encoding="utf-8"?>
-<p:sld xmlns:a="http://schemas.openxmlformats.org/drawingml/2006/main" xmlns:r="http://schemas.openxmlformats.org/officeDocument/2006/relationships" xmlns:p="http://schemas.openxmlformats.org/presentationml/2006/main">
-  <p:cSld>
-    <p:spTree>
-      <p:nvGrpSpPr>
-        <p:cNvPr id="1" name="Shape 90"/>
-        <p:cNvGrpSpPr/>
-        <p:nvPr/>
-      </p:nvGrpSpPr>
-      <p:grpSpPr>
-        <a:xfrm>
-          <a:off x="0" y="0"/>
-          <a:ext cx="0" cy="0"/>
-          <a:chOff x="0" y="0"/>
-          <a:chExt cx="0" cy="0"/>
-        </a:xfrm>
-      </p:grpSpPr>
-      <p:sp>
-        <p:nvSpPr>
-          <p:cNvPr id="91" name="Google Shape;91;p19"/>
-          <p:cNvSpPr txBox="1">
-            <a:spLocks noGrp="1"/>
-          </p:cNvSpPr>
-          <p:nvPr>
-            <p:ph type="title"/>
-          </p:nvPr>
-        </p:nvSpPr>
-        <p:spPr>
-          <a:xfrm>
-            <a:off x="415600" y="217447"/>
-            <a:ext cx="11360800" cy="763600"/>
-          </a:xfrm>
-          <a:prstGeom prst="rect">
-            <a:avLst/>
-          </a:prstGeom>
-        </p:spPr>
-        <p:txBody>
-          <a:bodyPr spcFirstLastPara="1" vert="horz" wrap="square" lIns="121900" tIns="121900" rIns="121900" bIns="121900" rtlCol="0" anchor="t" anchorCtr="0">
-            <a:noAutofit/>
-          </a:bodyPr>
-          <a:lstStyle/>
-          <a:p>
-            <a:r>
-              <a:rPr lang="en" sz="4000" dirty="0"/>
-              <a:t>Test Plan: Assembled outcome 3 </a:t>
-            </a:r>
-            <a:endParaRPr sz="4000" dirty="0"/>
-          </a:p>
-        </p:txBody>
-      </p:sp>
-      <p:graphicFrame>
-        <p:nvGraphicFramePr>
-          <p:cNvPr id="92" name="Google Shape;92;p19"/>
-          <p:cNvGraphicFramePr/>
-          <p:nvPr>
-            <p:extLst>
-              <p:ext uri="{D42A27DB-BD31-4B8C-83A1-F6EECF244321}">
-                <p14:modId xmlns:p14="http://schemas.microsoft.com/office/powerpoint/2010/main" val="64218982"/>
-              </p:ext>
-            </p:extLst>
-          </p:nvPr>
-        </p:nvGraphicFramePr>
-        <p:xfrm>
-          <a:off x="415600" y="910592"/>
-          <a:ext cx="11776400" cy="4938598"/>
-        </p:xfrm>
-        <a:graphic>
-          <a:graphicData uri="http://schemas.openxmlformats.org/drawingml/2006/table">
-            <a:tbl>
-              <a:tblPr>
-                <a:noFill/>
-              </a:tblPr>
-              <a:tblGrid>
-                <a:gridCol w="5888200">
-                  <a:extLst>
-                    <a:ext uri="{9D8B030D-6E8A-4147-A177-3AD203B41FA5}">
-                      <a16:colId xmlns:a16="http://schemas.microsoft.com/office/drawing/2014/main" val="20000"/>
-                    </a:ext>
-                  </a:extLst>
-                </a:gridCol>
-                <a:gridCol w="5888200">
-                  <a:extLst>
-                    <a:ext uri="{9D8B030D-6E8A-4147-A177-3AD203B41FA5}">
-                      <a16:colId xmlns:a16="http://schemas.microsoft.com/office/drawing/2014/main" val="20001"/>
-                    </a:ext>
-                  </a:extLst>
-                </a:gridCol>
-              </a:tblGrid>
-              <a:tr h="1037198">
-                <a:tc>
-                  <a:txBody>
-                    <a:bodyPr/>
-                    <a:lstStyle/>
-                    <a:p>
-                      <a:pPr marL="0" lvl="0" indent="0" algn="l" rtl="0">
-                        <a:spcBef>
-                          <a:spcPts val="0"/>
-                        </a:spcBef>
-                        <a:spcAft>
-                          <a:spcPts val="0"/>
-                        </a:spcAft>
-                        <a:buNone/>
-                      </a:pPr>
-                      <a:r>
-                        <a:rPr lang="en" sz="2400" b="1" dirty="0"/>
-                        <a:t>Test Cases - input</a:t>
-                      </a:r>
-                      <a:endParaRPr sz="2400" b="1" dirty="0"/>
-                    </a:p>
-                  </a:txBody>
-                  <a:tcPr marL="121900" marR="121900" marT="121900" marB="121900">
-                    <a:solidFill>
-                      <a:srgbClr val="CCCCCC"/>
-                    </a:solidFill>
-                  </a:tcPr>
-                </a:tc>
-                <a:tc>
-                  <a:txBody>
-                    <a:bodyPr/>
-                    <a:lstStyle/>
-                    <a:p>
-                      <a:pPr marL="0" lvl="0" indent="0" algn="l" rtl="0">
-                        <a:spcBef>
-                          <a:spcPts val="0"/>
-                        </a:spcBef>
-                        <a:spcAft>
-                          <a:spcPts val="0"/>
-                        </a:spcAft>
-                        <a:buNone/>
-                      </a:pPr>
-                      <a:r>
-                        <a:rPr lang="en" sz="2400" b="1" dirty="0"/>
-                        <a:t>Expected output</a:t>
-                      </a:r>
-                      <a:endParaRPr sz="2400" b="1" dirty="0"/>
-                    </a:p>
-                  </a:txBody>
-                  <a:tcPr marL="121900" marR="121900" marT="121900" marB="121900">
-                    <a:solidFill>
-                      <a:srgbClr val="CCCCCC"/>
-                    </a:solidFill>
-                  </a:tcPr>
-                </a:tc>
-                <a:extLst>
-                  <a:ext uri="{0D108BD9-81ED-4DB2-BD59-A6C34878D82A}">
-                    <a16:rowId xmlns:a16="http://schemas.microsoft.com/office/drawing/2014/main" val="10000"/>
-                  </a:ext>
-                </a:extLst>
-              </a:tr>
-              <a:tr h="3146724">
-                <a:tc>
-                  <a:txBody>
-                    <a:bodyPr/>
-                    <a:lstStyle/>
-                    <a:p>
-                      <a:pPr marL="0" lvl="0" indent="0" algn="l" rtl="0">
-                        <a:spcBef>
-                          <a:spcPts val="0"/>
-                        </a:spcBef>
-                        <a:spcAft>
-                          <a:spcPts val="0"/>
-                        </a:spcAft>
-                        <a:buNone/>
-                      </a:pPr>
-                      <a:r>
-                        <a:rPr lang="en-NZ" sz="2400" dirty="0"/>
-                        <a:t>Play until balance is $3/2.50</a:t>
-                      </a:r>
-                    </a:p>
-                    <a:p>
-                      <a:pPr marL="0" lvl="0" indent="0" algn="l" rtl="0">
-                        <a:spcBef>
-                          <a:spcPts val="0"/>
-                        </a:spcBef>
-                        <a:spcAft>
-                          <a:spcPts val="0"/>
-                        </a:spcAft>
-                        <a:buNone/>
-                      </a:pPr>
-                      <a:r>
-                        <a:rPr lang="en-NZ" sz="2400" dirty="0"/>
-                        <a:t>Then x to exit</a:t>
-                      </a:r>
-                      <a:endParaRPr sz="2400" dirty="0"/>
-                    </a:p>
-                  </a:txBody>
-                  <a:tcPr marL="121900" marR="121900" marT="121900" marB="121900"/>
-                </a:tc>
-                <a:tc>
-                  <a:txBody>
-                    <a:bodyPr/>
-                    <a:lstStyle/>
-                    <a:p>
-                      <a:pPr marL="0" marR="0" lvl="0" indent="0" algn="l" defTabSz="914400" rtl="0" eaLnBrk="1" fontAlgn="auto" latinLnBrk="0" hangingPunct="1">
-                        <a:lnSpc>
-                          <a:spcPct val="100000"/>
-                        </a:lnSpc>
-                        <a:spcBef>
-                          <a:spcPts val="0"/>
-                        </a:spcBef>
-                        <a:spcAft>
-                          <a:spcPts val="0"/>
-                        </a:spcAft>
-                        <a:buClrTx/>
-                        <a:buSzTx/>
-                        <a:buFontTx/>
-                        <a:buNone/>
-                        <a:tabLst/>
-                        <a:defRPr/>
-                      </a:pPr>
-                      <a:r>
-                        <a:rPr lang="en-NZ" sz="2400" dirty="0"/>
-                        <a:t>For each round:</a:t>
-                      </a:r>
-                    </a:p>
-                    <a:p>
-                      <a:pPr marL="0" marR="0" lvl="0" indent="0" algn="l" defTabSz="914400" rtl="0" eaLnBrk="1" fontAlgn="auto" latinLnBrk="0" hangingPunct="1">
-                        <a:lnSpc>
-                          <a:spcPct val="100000"/>
-                        </a:lnSpc>
-                        <a:spcBef>
-                          <a:spcPts val="0"/>
-                        </a:spcBef>
-                        <a:spcAft>
-                          <a:spcPts val="0"/>
-                        </a:spcAft>
-                        <a:buClrTx/>
-                        <a:buSzTx/>
-                        <a:buFontTx/>
-                        <a:buNone/>
-                        <a:tabLst/>
-                        <a:defRPr/>
-                      </a:pPr>
-                      <a:r>
-                        <a:rPr lang="en-NZ" sz="2400" dirty="0"/>
-                        <a:t>Radom token is generated </a:t>
-                      </a:r>
-                    </a:p>
-                    <a:p>
-                      <a:pPr marL="0" marR="0" lvl="0" indent="0" algn="l" defTabSz="914400" rtl="0" eaLnBrk="1" fontAlgn="auto" latinLnBrk="0" hangingPunct="1">
-                        <a:lnSpc>
-                          <a:spcPct val="100000"/>
-                        </a:lnSpc>
-                        <a:spcBef>
-                          <a:spcPts val="0"/>
-                        </a:spcBef>
-                        <a:spcAft>
-                          <a:spcPts val="0"/>
-                        </a:spcAft>
-                        <a:buClrTx/>
-                        <a:buSzTx/>
-                        <a:buFontTx/>
-                        <a:buNone/>
-                        <a:tabLst/>
-                        <a:defRPr/>
-                      </a:pPr>
-                      <a:r>
-                        <a:rPr lang="en-NZ" sz="2400" dirty="0"/>
-                        <a:t>Balance and round number updated</a:t>
-                      </a:r>
-                    </a:p>
-                    <a:p>
-                      <a:pPr marL="0" marR="0" lvl="0" indent="0" algn="l" defTabSz="914400" rtl="0" eaLnBrk="1" fontAlgn="auto" latinLnBrk="0" hangingPunct="1">
-                        <a:lnSpc>
-                          <a:spcPct val="100000"/>
-                        </a:lnSpc>
-                        <a:spcBef>
-                          <a:spcPts val="0"/>
-                        </a:spcBef>
-                        <a:spcAft>
-                          <a:spcPts val="0"/>
-                        </a:spcAft>
-                        <a:buClrTx/>
-                        <a:buSzTx/>
-                        <a:buFontTx/>
-                        <a:buNone/>
-                        <a:tabLst/>
-                        <a:defRPr/>
-                      </a:pPr>
-                      <a:r>
-                        <a:rPr lang="en-NZ" sz="2400" dirty="0"/>
-                        <a:t>(lose $1 for donkeys, 0.5 for horses and zebras and win $4 for unicorns)</a:t>
-                      </a:r>
-                    </a:p>
-                    <a:p>
-                      <a:pPr marL="0" marR="0" lvl="0" indent="0" algn="l" defTabSz="914400" rtl="0" eaLnBrk="1" fontAlgn="auto" latinLnBrk="0" hangingPunct="1">
-                        <a:lnSpc>
-                          <a:spcPct val="100000"/>
-                        </a:lnSpc>
-                        <a:spcBef>
-                          <a:spcPts val="0"/>
-                        </a:spcBef>
-                        <a:spcAft>
-                          <a:spcPts val="0"/>
-                        </a:spcAft>
-                        <a:buClrTx/>
-                        <a:buSzTx/>
-                        <a:buFontTx/>
-                        <a:buNone/>
-                        <a:tabLst/>
-                        <a:defRPr/>
-                      </a:pPr>
-                      <a:endParaRPr lang="en-NZ" sz="2400" dirty="0"/>
-                    </a:p>
-                    <a:p>
-                      <a:pPr marL="0" marR="0" lvl="0" indent="0" algn="l" defTabSz="914400" rtl="0" eaLnBrk="1" fontAlgn="auto" latinLnBrk="0" hangingPunct="1">
-                        <a:lnSpc>
-                          <a:spcPct val="100000"/>
-                        </a:lnSpc>
-                        <a:spcBef>
-                          <a:spcPts val="0"/>
-                        </a:spcBef>
-                        <a:spcAft>
-                          <a:spcPts val="0"/>
-                        </a:spcAft>
-                        <a:buClrTx/>
-                        <a:buSzTx/>
-                        <a:buFontTx/>
-                        <a:buNone/>
-                        <a:tabLst/>
-                        <a:defRPr/>
-                      </a:pPr>
-                      <a:r>
-                        <a:rPr lang="en-NZ" sz="2400" dirty="0"/>
-                        <a:t>At end:</a:t>
-                      </a:r>
-                    </a:p>
-                    <a:p>
-                      <a:pPr marL="0" marR="0" lvl="0" indent="0" algn="l" defTabSz="914400" rtl="0" eaLnBrk="1" fontAlgn="auto" latinLnBrk="0" hangingPunct="1">
-                        <a:lnSpc>
-                          <a:spcPct val="100000"/>
-                        </a:lnSpc>
-                        <a:spcBef>
-                          <a:spcPts val="0"/>
-                        </a:spcBef>
-                        <a:spcAft>
-                          <a:spcPts val="0"/>
-                        </a:spcAft>
-                        <a:buClrTx/>
-                        <a:buSzTx/>
-                        <a:buFontTx/>
-                        <a:buNone/>
-                        <a:tabLst/>
-                        <a:defRPr/>
-                      </a:pPr>
-                      <a:r>
-                        <a:rPr lang="en-NZ" sz="2400" dirty="0"/>
-                        <a:t> Stats generated show the starting balance and final balance of $3/2.50</a:t>
-                      </a:r>
-                    </a:p>
-                    <a:p>
-                      <a:pPr marL="0" marR="0" lvl="0" indent="0" algn="l" defTabSz="914400" rtl="0" eaLnBrk="1" fontAlgn="auto" latinLnBrk="0" hangingPunct="1">
-                        <a:lnSpc>
-                          <a:spcPct val="100000"/>
-                        </a:lnSpc>
-                        <a:spcBef>
-                          <a:spcPts val="0"/>
-                        </a:spcBef>
-                        <a:spcAft>
-                          <a:spcPts val="0"/>
-                        </a:spcAft>
-                        <a:buClrTx/>
-                        <a:buSzTx/>
-                        <a:buFontTx/>
-                        <a:buNone/>
-                        <a:tabLst/>
-                        <a:defRPr/>
-                      </a:pPr>
-                      <a:endParaRPr lang="en-NZ" sz="2400" dirty="0"/>
-                    </a:p>
-                  </a:txBody>
-                  <a:tcPr marL="121900" marR="121900" marT="121900" marB="121900"/>
-                </a:tc>
-                <a:extLst>
-                  <a:ext uri="{0D108BD9-81ED-4DB2-BD59-A6C34878D82A}">
-                    <a16:rowId xmlns:a16="http://schemas.microsoft.com/office/drawing/2014/main" val="10001"/>
-                  </a:ext>
-                </a:extLst>
-              </a:tr>
-            </a:tbl>
-          </a:graphicData>
-        </a:graphic>
-      </p:graphicFrame>
-    </p:spTree>
-    <p:extLst>
-      <p:ext uri="{BB962C8B-B14F-4D97-AF65-F5344CB8AC3E}">
-        <p14:creationId xmlns:p14="http://schemas.microsoft.com/office/powerpoint/2010/main" val="3397948323"/>
-      </p:ext>
-    </p:extLst>
-  </p:cSld>
-  <p:clrMapOvr>
-    <a:masterClrMapping/>
-  </p:clrMapOvr>
-</p:sld>
-</file>
-
-<file path=ppt/slides/slide36.xml><?xml version="1.0" encoding="utf-8"?>
-<p:sld xmlns:a="http://schemas.openxmlformats.org/drawingml/2006/main" xmlns:r="http://schemas.openxmlformats.org/officeDocument/2006/relationships" xmlns:p="http://schemas.openxmlformats.org/presentationml/2006/main">
-  <p:cSld>
-    <p:spTree>
-      <p:nvGrpSpPr>
         <p:cNvPr id="1" name=""/>
         <p:cNvGrpSpPr/>
         <p:nvPr/>
@@ -26531,7 +26101,7 @@
         </p:nvSpPr>
         <p:spPr>
           <a:xfrm>
-            <a:off x="7976508" y="698024"/>
+            <a:off x="4490433" y="6011006"/>
             <a:ext cx="2662314" cy="646331"/>
           </a:xfrm>
           <a:prstGeom prst="rect">
@@ -26547,17 +26117,87 @@
           <a:p>
             <a:r>
               <a:rPr lang="en-NZ" dirty="0"/>
-              <a:t>Results worked as expected</a:t>
+              <a:t>All Results worked  as expected </a:t>
+            </a:r>
+          </a:p>
+        </p:txBody>
+      </p:sp>
+      <p:sp>
+        <p:nvSpPr>
+          <p:cNvPr id="22" name="TextBox 21">
+            <a:extLst>
+              <a:ext uri="{FF2B5EF4-FFF2-40B4-BE49-F238E27FC236}">
+                <a16:creationId xmlns:a16="http://schemas.microsoft.com/office/drawing/2014/main" id="{C61E437E-2101-4F0F-A320-9DDFAFE9B4B5}"/>
+              </a:ext>
+            </a:extLst>
+          </p:cNvPr>
+          <p:cNvSpPr txBox="1"/>
+          <p:nvPr/>
+        </p:nvSpPr>
+        <p:spPr>
+          <a:xfrm>
+            <a:off x="6259725" y="1171221"/>
+            <a:ext cx="2662314" cy="369332"/>
+          </a:xfrm>
+          <a:prstGeom prst="rect">
+            <a:avLst/>
+          </a:prstGeom>
+          <a:noFill/>
+        </p:spPr>
+        <p:txBody>
+          <a:bodyPr wrap="square" rtlCol="0">
+            <a:spAutoFit/>
+          </a:bodyPr>
+          <a:lstStyle/>
+          <a:p>
+            <a:r>
+              <a:rPr lang="en-NZ" b="1" dirty="0"/>
+              <a:t>DO NOT PLAY AGAIN</a:t>
+            </a:r>
+          </a:p>
+        </p:txBody>
+      </p:sp>
+      <p:sp>
+        <p:nvSpPr>
+          <p:cNvPr id="23" name="TextBox 22">
+            <a:extLst>
+              <a:ext uri="{FF2B5EF4-FFF2-40B4-BE49-F238E27FC236}">
+                <a16:creationId xmlns:a16="http://schemas.microsoft.com/office/drawing/2014/main" id="{9EF26EFE-0D5E-474D-8810-2EFEAC2CE894}"/>
+              </a:ext>
+            </a:extLst>
+          </p:cNvPr>
+          <p:cNvSpPr txBox="1"/>
+          <p:nvPr/>
+        </p:nvSpPr>
+        <p:spPr>
+          <a:xfrm>
+            <a:off x="284577" y="1233916"/>
+            <a:ext cx="2662314" cy="369332"/>
+          </a:xfrm>
+          <a:prstGeom prst="rect">
+            <a:avLst/>
+          </a:prstGeom>
+          <a:noFill/>
+        </p:spPr>
+        <p:txBody>
+          <a:bodyPr wrap="square" rtlCol="0">
+            <a:spAutoFit/>
+          </a:bodyPr>
+          <a:lstStyle/>
+          <a:p>
+            <a:r>
+              <a:rPr lang="en-NZ" b="1" dirty="0"/>
+              <a:t>PLAY AGAIN</a:t>
             </a:r>
           </a:p>
         </p:txBody>
       </p:sp>
       <p:pic>
         <p:nvPicPr>
-          <p:cNvPr id="5" name="Picture 4">
+          <p:cNvPr id="4" name="Picture 3">
             <a:extLst>
               <a:ext uri="{FF2B5EF4-FFF2-40B4-BE49-F238E27FC236}">
-                <a16:creationId xmlns:a16="http://schemas.microsoft.com/office/drawing/2014/main" id="{C58B4D7B-D720-4C21-8F72-76455C6FD32F}"/>
+                <a16:creationId xmlns:a16="http://schemas.microsoft.com/office/drawing/2014/main" id="{740750CF-E2FA-4505-92FD-1CB938A0FD34}"/>
               </a:ext>
             </a:extLst>
           </p:cNvPr>
@@ -26574,8 +26214,8 @@
         </p:blipFill>
         <p:spPr>
           <a:xfrm>
-            <a:off x="267071" y="989648"/>
-            <a:ext cx="3232316" cy="5156465"/>
+            <a:off x="284577" y="2091458"/>
+            <a:ext cx="5235824" cy="3112918"/>
           </a:xfrm>
           <a:prstGeom prst="rect">
             <a:avLst/>
@@ -26584,10 +26224,10 @@
       </p:pic>
       <p:sp>
         <p:nvSpPr>
-          <p:cNvPr id="22" name="正方形/長方形 21">
+          <p:cNvPr id="24" name="Rectangle 23">
             <a:extLst>
               <a:ext uri="{FF2B5EF4-FFF2-40B4-BE49-F238E27FC236}">
-                <a16:creationId xmlns:a16="http://schemas.microsoft.com/office/drawing/2014/main" id="{2E2E3CF0-92A2-4240-A82E-6AB5D46AFBB0}"/>
+                <a16:creationId xmlns:a16="http://schemas.microsoft.com/office/drawing/2014/main" id="{C914EA71-AFC2-4CE2-981B-634FDF7F198E}"/>
               </a:ext>
             </a:extLst>
           </p:cNvPr>
@@ -26596,8 +26236,8 @@
         </p:nvSpPr>
         <p:spPr>
           <a:xfrm>
-            <a:off x="779760" y="1063440"/>
-            <a:ext cx="731520" cy="365760"/>
+            <a:off x="472680" y="2123640"/>
+            <a:ext cx="4572000" cy="1097280"/>
           </a:xfrm>
           <a:prstGeom prst="rect">
             <a:avLst/>
@@ -26633,7 +26273,7 @@
           <a:bodyPr wrap="none" rtlCol="0" anchor="ctr" anchorCtr="1"/>
           <a:lstStyle/>
           <a:p>
-            <a:endParaRPr lang="en-US">
+            <a:endParaRPr lang="he-IL">
               <a:solidFill>
                 <a:srgbClr val="66CC00"/>
               </a:solidFill>
@@ -26641,12 +26281,144 @@
           </a:p>
         </p:txBody>
       </p:sp>
+      <mc:AlternateContent xmlns:mc="http://schemas.openxmlformats.org/markup-compatibility/2006" xmlns:p14="http://schemas.microsoft.com/office/powerpoint/2010/main">
+        <mc:Choice Requires="p14">
+          <p:contentPart p14:bwMode="auto" r:id="rId4">
+            <p14:nvContentPartPr>
+              <p14:cNvPr id="7" name="Ink 6">
+                <a:extLst>
+                  <a:ext uri="{FF2B5EF4-FFF2-40B4-BE49-F238E27FC236}">
+                    <a16:creationId xmlns:a16="http://schemas.microsoft.com/office/drawing/2014/main" id="{193A78CC-AD72-4ED2-97A0-130BDA259269}"/>
+                  </a:ext>
+                </a:extLst>
+              </p14:cNvPr>
+              <p14:cNvContentPartPr/>
+              <p14:nvPr/>
+            </p14:nvContentPartPr>
+            <p14:xfrm>
+              <a:off x="450836" y="3875955"/>
+              <a:ext cx="6120" cy="360"/>
+            </p14:xfrm>
+          </p:contentPart>
+        </mc:Choice>
+        <mc:Fallback xmlns="">
+          <p:pic>
+            <p:nvPicPr>
+              <p:cNvPr id="7" name="Ink 6">
+                <a:extLst>
+                  <a:ext uri="{FF2B5EF4-FFF2-40B4-BE49-F238E27FC236}">
+                    <a16:creationId xmlns:a16="http://schemas.microsoft.com/office/drawing/2014/main" id="{193A78CC-AD72-4ED2-97A0-130BDA259269}"/>
+                  </a:ext>
+                </a:extLst>
+              </p:cNvPr>
+              <p:cNvPicPr/>
+              <p:nvPr/>
+            </p:nvPicPr>
+            <p:blipFill>
+              <a:blip r:embed="rId5"/>
+              <a:stretch>
+                <a:fillRect/>
+              </a:stretch>
+            </p:blipFill>
+            <p:spPr>
+              <a:xfrm>
+                <a:off x="415196" y="3839955"/>
+                <a:ext cx="77760" cy="72000"/>
+              </a:xfrm>
+              <a:prstGeom prst="rect">
+                <a:avLst/>
+              </a:prstGeom>
+            </p:spPr>
+          </p:pic>
+        </mc:Fallback>
+      </mc:AlternateContent>
+      <mc:AlternateContent xmlns:mc="http://schemas.openxmlformats.org/markup-compatibility/2006" xmlns:p14="http://schemas.microsoft.com/office/powerpoint/2010/main">
+        <mc:Choice Requires="p14">
+          <p:contentPart p14:bwMode="auto" r:id="rId6">
+            <p14:nvContentPartPr>
+              <p14:cNvPr id="13" name="Ink 12">
+                <a:extLst>
+                  <a:ext uri="{FF2B5EF4-FFF2-40B4-BE49-F238E27FC236}">
+                    <a16:creationId xmlns:a16="http://schemas.microsoft.com/office/drawing/2014/main" id="{9FFCC11F-8384-41CB-981C-16BD53FFCF0A}"/>
+                  </a:ext>
+                </a:extLst>
+              </p14:cNvPr>
+              <p14:cNvContentPartPr/>
+              <p14:nvPr/>
+            </p14:nvContentPartPr>
+            <p14:xfrm>
+              <a:off x="1212596" y="4471035"/>
+              <a:ext cx="1283760" cy="63000"/>
+            </p14:xfrm>
+          </p:contentPart>
+        </mc:Choice>
+        <mc:Fallback xmlns="">
+          <p:pic>
+            <p:nvPicPr>
+              <p:cNvPr id="13" name="Ink 12">
+                <a:extLst>
+                  <a:ext uri="{FF2B5EF4-FFF2-40B4-BE49-F238E27FC236}">
+                    <a16:creationId xmlns:a16="http://schemas.microsoft.com/office/drawing/2014/main" id="{9FFCC11F-8384-41CB-981C-16BD53FFCF0A}"/>
+                  </a:ext>
+                </a:extLst>
+              </p:cNvPr>
+              <p:cNvPicPr/>
+              <p:nvPr/>
+            </p:nvPicPr>
+            <p:blipFill>
+              <a:blip r:embed="rId7"/>
+              <a:stretch>
+                <a:fillRect/>
+              </a:stretch>
+            </p:blipFill>
+            <p:spPr>
+              <a:xfrm>
+                <a:off x="1176956" y="4435395"/>
+                <a:ext cx="1355400" cy="134640"/>
+              </a:xfrm>
+              <a:prstGeom prst="rect">
+                <a:avLst/>
+              </a:prstGeom>
+            </p:spPr>
+          </p:pic>
+        </mc:Fallback>
+      </mc:AlternateContent>
+      <p:pic>
+        <p:nvPicPr>
+          <p:cNvPr id="15" name="Picture 14">
+            <a:extLst>
+              <a:ext uri="{FF2B5EF4-FFF2-40B4-BE49-F238E27FC236}">
+                <a16:creationId xmlns:a16="http://schemas.microsoft.com/office/drawing/2014/main" id="{C36ED0F3-B307-4705-ADE3-A584A86EBD1E}"/>
+              </a:ext>
+            </a:extLst>
+          </p:cNvPr>
+          <p:cNvPicPr>
+            <a:picLocks noChangeAspect="1"/>
+          </p:cNvPicPr>
+          <p:nvPr/>
+        </p:nvPicPr>
+        <p:blipFill>
+          <a:blip r:embed="rId8"/>
+          <a:stretch>
+            <a:fillRect/>
+          </a:stretch>
+        </p:blipFill>
+        <p:spPr>
+          <a:xfrm>
+            <a:off x="6305702" y="1889654"/>
+            <a:ext cx="5232674" cy="3314722"/>
+          </a:xfrm>
+          <a:prstGeom prst="rect">
+            <a:avLst/>
+          </a:prstGeom>
+        </p:spPr>
+      </p:pic>
       <p:sp>
         <p:nvSpPr>
-          <p:cNvPr id="23" name="正方形/長方形 22">
+          <p:cNvPr id="32" name="Rectangle 31">
             <a:extLst>
               <a:ext uri="{FF2B5EF4-FFF2-40B4-BE49-F238E27FC236}">
-                <a16:creationId xmlns:a16="http://schemas.microsoft.com/office/drawing/2014/main" id="{B14D1103-06EB-4E62-A428-D17324787994}"/>
+                <a16:creationId xmlns:a16="http://schemas.microsoft.com/office/drawing/2014/main" id="{FBF078B9-0DDA-4A23-B274-D4AC51B17418}"/>
               </a:ext>
             </a:extLst>
           </p:cNvPr>
@@ -26655,20 +26427,20 @@
         </p:nvSpPr>
         <p:spPr>
           <a:xfrm>
-            <a:off x="1583871" y="1890360"/>
-            <a:ext cx="424569" cy="365760"/>
+            <a:off x="6572520" y="1977840"/>
+            <a:ext cx="5120640" cy="914400"/>
           </a:xfrm>
           <a:prstGeom prst="rect">
             <a:avLst/>
           </a:prstGeom>
           <a:solidFill>
-            <a:srgbClr val="66CC00">
+            <a:srgbClr val="E71224">
               <a:alpha val="5000"/>
             </a:srgbClr>
           </a:solidFill>
           <a:ln w="72000">
             <a:solidFill>
-              <a:srgbClr val="66CC00"/>
+              <a:srgbClr val="E71224"/>
             </a:solidFill>
           </a:ln>
         </p:spPr>
@@ -26694,343 +26466,67 @@
           <a:p>
             <a:endParaRPr lang="en-US">
               <a:solidFill>
-                <a:srgbClr val="66CC00"/>
+                <a:srgbClr val="E71224"/>
               </a:solidFill>
             </a:endParaRPr>
           </a:p>
         </p:txBody>
       </p:sp>
-      <p:sp>
-        <p:nvSpPr>
-          <p:cNvPr id="17" name="平行四辺形 16">
-            <a:extLst>
-              <a:ext uri="{FF2B5EF4-FFF2-40B4-BE49-F238E27FC236}">
-                <a16:creationId xmlns:a16="http://schemas.microsoft.com/office/drawing/2014/main" id="{0777927A-27D7-46B8-B3D2-9BEA107D762A}"/>
-              </a:ext>
-            </a:extLst>
-          </p:cNvPr>
-          <p:cNvSpPr/>
-          <p:nvPr/>
-        </p:nvSpPr>
-        <p:spPr>
-          <a:xfrm>
-            <a:off x="720455" y="3647792"/>
-            <a:ext cx="863416" cy="548640"/>
-          </a:xfrm>
-          <a:prstGeom prst="parallelogram">
-            <a:avLst>
-              <a:gd name="adj" fmla="val 2281"/>
-            </a:avLst>
-          </a:prstGeom>
-          <a:solidFill>
-            <a:srgbClr val="66CC00">
-              <a:alpha val="5000"/>
-            </a:srgbClr>
-          </a:solidFill>
-          <a:ln w="72000">
-            <a:solidFill>
-              <a:srgbClr val="66CC00"/>
-            </a:solidFill>
-          </a:ln>
-        </p:spPr>
-        <p:style>
-          <a:lnRef idx="2">
-            <a:schemeClr val="accent1">
-              <a:shade val="50000"/>
-            </a:schemeClr>
-          </a:lnRef>
-          <a:fillRef idx="1">
-            <a:schemeClr val="accent1"/>
-          </a:fillRef>
-          <a:effectRef idx="0">
-            <a:schemeClr val="accent1"/>
-          </a:effectRef>
-          <a:fontRef idx="minor">
-            <a:schemeClr val="lt1"/>
-          </a:fontRef>
-        </p:style>
-        <p:txBody>
-          <a:bodyPr wrap="none" rtlCol="0" anchor="ctr" anchorCtr="1"/>
-          <a:lstStyle/>
-          <a:p>
-            <a:endParaRPr lang="en-US">
-              <a:solidFill>
-                <a:srgbClr val="66CC00"/>
-              </a:solidFill>
-            </a:endParaRPr>
-          </a:p>
-        </p:txBody>
-      </p:sp>
-      <p:sp>
-        <p:nvSpPr>
-          <p:cNvPr id="16" name="Rectangle 15">
-            <a:extLst>
-              <a:ext uri="{FF2B5EF4-FFF2-40B4-BE49-F238E27FC236}">
-                <a16:creationId xmlns:a16="http://schemas.microsoft.com/office/drawing/2014/main" id="{706886BE-9164-4085-AADC-D93844006E6A}"/>
-              </a:ext>
-            </a:extLst>
-          </p:cNvPr>
-          <p:cNvSpPr/>
-          <p:nvPr/>
-        </p:nvSpPr>
-        <p:spPr>
-          <a:xfrm>
-            <a:off x="1430395" y="4601881"/>
-            <a:ext cx="731520" cy="365760"/>
-          </a:xfrm>
-          <a:prstGeom prst="rect">
-            <a:avLst/>
-          </a:prstGeom>
-          <a:solidFill>
-            <a:srgbClr val="66CC00">
-              <a:alpha val="5000"/>
-            </a:srgbClr>
-          </a:solidFill>
-          <a:ln w="72000">
-            <a:solidFill>
-              <a:srgbClr val="66CC00"/>
-            </a:solidFill>
-          </a:ln>
-        </p:spPr>
-        <p:style>
-          <a:lnRef idx="2">
-            <a:schemeClr val="accent1">
-              <a:shade val="50000"/>
-            </a:schemeClr>
-          </a:lnRef>
-          <a:fillRef idx="1">
-            <a:schemeClr val="accent1"/>
-          </a:fillRef>
-          <a:effectRef idx="0">
-            <a:schemeClr val="accent1"/>
-          </a:effectRef>
-          <a:fontRef idx="minor">
-            <a:schemeClr val="lt1"/>
-          </a:fontRef>
-        </p:style>
-        <p:txBody>
-          <a:bodyPr wrap="none" rtlCol="0" anchor="ctr" anchorCtr="1"/>
-          <a:lstStyle/>
-          <a:p>
-            <a:endParaRPr lang="en-US">
-              <a:solidFill>
-                <a:srgbClr val="66CC00"/>
-              </a:solidFill>
-            </a:endParaRPr>
-          </a:p>
-        </p:txBody>
-      </p:sp>
-      <p:pic>
-        <p:nvPicPr>
-          <p:cNvPr id="12" name="Picture 11">
-            <a:extLst>
-              <a:ext uri="{FF2B5EF4-FFF2-40B4-BE49-F238E27FC236}">
-                <a16:creationId xmlns:a16="http://schemas.microsoft.com/office/drawing/2014/main" id="{9DAAE887-7BEC-46E5-942D-D835081FFB99}"/>
-              </a:ext>
-            </a:extLst>
-          </p:cNvPr>
-          <p:cNvPicPr>
-            <a:picLocks noChangeAspect="1"/>
-          </p:cNvPicPr>
-          <p:nvPr/>
-        </p:nvPicPr>
-        <p:blipFill>
-          <a:blip r:embed="rId4"/>
-          <a:stretch>
-            <a:fillRect/>
-          </a:stretch>
-        </p:blipFill>
-        <p:spPr>
-          <a:xfrm>
-            <a:off x="4557401" y="1205010"/>
-            <a:ext cx="3289469" cy="4159464"/>
-          </a:xfrm>
-          <a:prstGeom prst="rect">
-            <a:avLst/>
-          </a:prstGeom>
-        </p:spPr>
-      </p:pic>
-      <p:sp>
-        <p:nvSpPr>
-          <p:cNvPr id="51" name="正方形/長方形 50">
-            <a:extLst>
-              <a:ext uri="{FF2B5EF4-FFF2-40B4-BE49-F238E27FC236}">
-                <a16:creationId xmlns:a16="http://schemas.microsoft.com/office/drawing/2014/main" id="{DD1F40B4-C082-44DA-A6DA-517F3F84FB23}"/>
-              </a:ext>
-            </a:extLst>
-          </p:cNvPr>
-          <p:cNvSpPr/>
-          <p:nvPr/>
-        </p:nvSpPr>
-        <p:spPr>
-          <a:xfrm>
-            <a:off x="7148160" y="3395160"/>
-            <a:ext cx="548640" cy="365760"/>
-          </a:xfrm>
-          <a:prstGeom prst="rect">
-            <a:avLst/>
-          </a:prstGeom>
-          <a:solidFill>
-            <a:srgbClr val="66CC00">
-              <a:alpha val="5000"/>
-            </a:srgbClr>
-          </a:solidFill>
-          <a:ln w="72000">
-            <a:solidFill>
-              <a:srgbClr val="66CC00"/>
-            </a:solidFill>
-          </a:ln>
-        </p:spPr>
-        <p:style>
-          <a:lnRef idx="2">
-            <a:schemeClr val="accent1">
-              <a:shade val="50000"/>
-            </a:schemeClr>
-          </a:lnRef>
-          <a:fillRef idx="1">
-            <a:schemeClr val="accent1"/>
-          </a:fillRef>
-          <a:effectRef idx="0">
-            <a:schemeClr val="accent1"/>
-          </a:effectRef>
-          <a:fontRef idx="minor">
-            <a:schemeClr val="lt1"/>
-          </a:fontRef>
-        </p:style>
-        <p:txBody>
-          <a:bodyPr wrap="none" rtlCol="0" anchor="ctr" anchorCtr="1"/>
-          <a:lstStyle/>
-          <a:p>
-            <a:endParaRPr lang="en-US">
-              <a:solidFill>
-                <a:srgbClr val="66CC00"/>
-              </a:solidFill>
-            </a:endParaRPr>
-          </a:p>
-        </p:txBody>
-      </p:sp>
-      <p:sp>
-        <p:nvSpPr>
-          <p:cNvPr id="35" name="正方形/長方形 34">
-            <a:extLst>
-              <a:ext uri="{FF2B5EF4-FFF2-40B4-BE49-F238E27FC236}">
-                <a16:creationId xmlns:a16="http://schemas.microsoft.com/office/drawing/2014/main" id="{74EB984B-9957-496C-A901-66E82906AB49}"/>
-              </a:ext>
-            </a:extLst>
-          </p:cNvPr>
-          <p:cNvSpPr/>
-          <p:nvPr/>
-        </p:nvSpPr>
-        <p:spPr>
-          <a:xfrm>
-            <a:off x="6658920" y="2780280"/>
-            <a:ext cx="548640" cy="365760"/>
-          </a:xfrm>
-          <a:prstGeom prst="rect">
-            <a:avLst/>
-          </a:prstGeom>
-          <a:solidFill>
-            <a:srgbClr val="66CC00">
-              <a:alpha val="5000"/>
-            </a:srgbClr>
-          </a:solidFill>
-          <a:ln w="72000">
-            <a:solidFill>
-              <a:srgbClr val="66CC00"/>
-            </a:solidFill>
-          </a:ln>
-        </p:spPr>
-        <p:style>
-          <a:lnRef idx="2">
-            <a:schemeClr val="accent1">
-              <a:shade val="50000"/>
-            </a:schemeClr>
-          </a:lnRef>
-          <a:fillRef idx="1">
-            <a:schemeClr val="accent1"/>
-          </a:fillRef>
-          <a:effectRef idx="0">
-            <a:schemeClr val="accent1"/>
-          </a:effectRef>
-          <a:fontRef idx="minor">
-            <a:schemeClr val="lt1"/>
-          </a:fontRef>
-        </p:style>
-        <p:txBody>
-          <a:bodyPr wrap="none" rtlCol="0" anchor="ctr" anchorCtr="1"/>
-          <a:lstStyle/>
-          <a:p>
-            <a:endParaRPr lang="en-US">
-              <a:solidFill>
-                <a:srgbClr val="66CC00"/>
-              </a:solidFill>
-            </a:endParaRPr>
-          </a:p>
-        </p:txBody>
-      </p:sp>
-      <p:sp>
-        <p:nvSpPr>
-          <p:cNvPr id="32" name="正方形/長方形 31">
-            <a:extLst>
-              <a:ext uri="{FF2B5EF4-FFF2-40B4-BE49-F238E27FC236}">
-                <a16:creationId xmlns:a16="http://schemas.microsoft.com/office/drawing/2014/main" id="{17E01529-C5E6-48C5-96B1-C017A95D72A3}"/>
-              </a:ext>
-            </a:extLst>
-          </p:cNvPr>
-          <p:cNvSpPr/>
-          <p:nvPr/>
-        </p:nvSpPr>
-        <p:spPr>
-          <a:xfrm>
-            <a:off x="4557401" y="3760909"/>
-            <a:ext cx="1922063" cy="1463040"/>
-          </a:xfrm>
-          <a:prstGeom prst="rect">
-            <a:avLst/>
-          </a:prstGeom>
-          <a:solidFill>
-            <a:srgbClr val="66CC00">
-              <a:alpha val="5000"/>
-            </a:srgbClr>
-          </a:solidFill>
-          <a:ln w="72000">
-            <a:solidFill>
-              <a:srgbClr val="66CC00"/>
-            </a:solidFill>
-          </a:ln>
-        </p:spPr>
-        <p:style>
-          <a:lnRef idx="2">
-            <a:schemeClr val="accent1">
-              <a:shade val="50000"/>
-            </a:schemeClr>
-          </a:lnRef>
-          <a:fillRef idx="1">
-            <a:schemeClr val="accent1"/>
-          </a:fillRef>
-          <a:effectRef idx="0">
-            <a:schemeClr val="accent1"/>
-          </a:effectRef>
-          <a:fontRef idx="minor">
-            <a:schemeClr val="lt1"/>
-          </a:fontRef>
-        </p:style>
-        <p:txBody>
-          <a:bodyPr wrap="none" rtlCol="0" anchor="ctr" anchorCtr="1"/>
-          <a:lstStyle/>
-          <a:p>
-            <a:endParaRPr lang="en-US">
-              <a:solidFill>
-                <a:srgbClr val="66CC00"/>
-              </a:solidFill>
-            </a:endParaRPr>
-          </a:p>
-        </p:txBody>
-      </p:sp>
+      <mc:AlternateContent xmlns:mc="http://schemas.openxmlformats.org/markup-compatibility/2006" xmlns:p14="http://schemas.microsoft.com/office/powerpoint/2010/main">
+        <mc:Choice Requires="p14">
+          <p:contentPart p14:bwMode="auto" r:id="rId9">
+            <p14:nvContentPartPr>
+              <p14:cNvPr id="18" name="Ink 17">
+                <a:extLst>
+                  <a:ext uri="{FF2B5EF4-FFF2-40B4-BE49-F238E27FC236}">
+                    <a16:creationId xmlns:a16="http://schemas.microsoft.com/office/drawing/2014/main" id="{231A173E-73D6-4389-89B5-89A9EC0C1A33}"/>
+                  </a:ext>
+                </a:extLst>
+              </p14:cNvPr>
+              <p14:cNvContentPartPr/>
+              <p14:nvPr/>
+            </p14:nvContentPartPr>
+            <p14:xfrm>
+              <a:off x="7270316" y="4057395"/>
+              <a:ext cx="816840" cy="28440"/>
+            </p14:xfrm>
+          </p:contentPart>
+        </mc:Choice>
+        <mc:Fallback xmlns="">
+          <p:pic>
+            <p:nvPicPr>
+              <p:cNvPr id="18" name="Ink 17">
+                <a:extLst>
+                  <a:ext uri="{FF2B5EF4-FFF2-40B4-BE49-F238E27FC236}">
+                    <a16:creationId xmlns:a16="http://schemas.microsoft.com/office/drawing/2014/main" id="{231A173E-73D6-4389-89B5-89A9EC0C1A33}"/>
+                  </a:ext>
+                </a:extLst>
+              </p:cNvPr>
+              <p:cNvPicPr/>
+              <p:nvPr/>
+            </p:nvPicPr>
+            <p:blipFill>
+              <a:blip r:embed="rId10"/>
+              <a:stretch>
+                <a:fillRect/>
+              </a:stretch>
+            </p:blipFill>
+            <p:spPr>
+              <a:xfrm>
+                <a:off x="7234676" y="4021395"/>
+                <a:ext cx="888480" cy="100080"/>
+              </a:xfrm>
+              <a:prstGeom prst="rect">
+                <a:avLst/>
+              </a:prstGeom>
+            </p:spPr>
+          </p:pic>
+        </mc:Fallback>
+      </mc:AlternateContent>
     </p:spTree>
     <p:extLst>
       <p:ext uri="{BB962C8B-B14F-4D97-AF65-F5344CB8AC3E}">
-        <p14:creationId xmlns:p14="http://schemas.microsoft.com/office/powerpoint/2010/main" val="2088247680"/>
+        <p14:creationId xmlns:p14="http://schemas.microsoft.com/office/powerpoint/2010/main" val="2035673755"/>
       </p:ext>
     </p:extLst>
   </p:cSld>
@@ -27040,7 +26536,7 @@
 </p:sld>
 </file>
 
-<file path=ppt/slides/slide37.xml><?xml version="1.0" encoding="utf-8"?>
+<file path=ppt/slides/slide35.xml><?xml version="1.0" encoding="utf-8"?>
 <p:sld xmlns:a="http://schemas.openxmlformats.org/drawingml/2006/main" xmlns:r="http://schemas.openxmlformats.org/officeDocument/2006/relationships" xmlns:p="http://schemas.openxmlformats.org/presentationml/2006/main">
   <p:cSld>
     <p:spTree>
@@ -27115,14 +26611,14 @@
           <p:nvPr>
             <p:extLst>
               <p:ext uri="{D42A27DB-BD31-4B8C-83A1-F6EECF244321}">
-                <p14:modId xmlns:p14="http://schemas.microsoft.com/office/powerpoint/2010/main" val="2623322355"/>
+                <p14:modId xmlns:p14="http://schemas.microsoft.com/office/powerpoint/2010/main" val="814527088"/>
               </p:ext>
             </p:extLst>
           </p:nvPr>
         </p:nvGraphicFramePr>
         <p:xfrm>
           <a:off x="782320" y="1213485"/>
-          <a:ext cx="10627360" cy="2931160"/>
+          <a:ext cx="10627360" cy="4394200"/>
         </p:xfrm>
         <a:graphic>
           <a:graphicData uri="http://schemas.openxmlformats.org/drawingml/2006/table">
@@ -27208,7 +26704,7 @@
                     <a:p>
                       <a:r>
                         <a:rPr lang="en-NZ" dirty="0"/>
-                        <a:t>I have comprehensively tested my final project to ensure the functionality has been addressed</a:t>
+                        <a:t>I have comprehensively tested my final project to ensure the functionality has been addressed. This means that it will allow expected and unexpected cases.</a:t>
                       </a:r>
                     </a:p>
                   </a:txBody>
@@ -27241,7 +26737,7 @@
                     <a:p>
                       <a:r>
                         <a:rPr lang="en-NZ" dirty="0"/>
-                        <a:t>This has been achieved through the use of error messages and instructions </a:t>
+                        <a:t>The inclusion of error messages and instructions throughout this program have been used, ensuring that the outcome is easy to use.</a:t>
                       </a:r>
                     </a:p>
                   </a:txBody>
@@ -27250,6 +26746,47 @@
                 <a:extLst>
                   <a:ext uri="{0D108BD9-81ED-4DB2-BD59-A6C34878D82A}">
                     <a16:rowId xmlns:a16="http://schemas.microsoft.com/office/drawing/2014/main" val="845002142"/>
+                  </a:ext>
+                </a:extLst>
+              </a:tr>
+              <a:tr h="370840">
+                <a:tc>
+                  <a:txBody>
+                    <a:bodyPr/>
+                    <a:lstStyle/>
+                    <a:p>
+                      <a:r>
+                        <a:rPr lang="en-NZ" dirty="0"/>
+                        <a:t>Aesthetics </a:t>
+                      </a:r>
+                    </a:p>
+                  </a:txBody>
+                  <a:tcPr/>
+                </a:tc>
+                <a:tc>
+                  <a:txBody>
+                    <a:bodyPr/>
+                    <a:lstStyle/>
+                    <a:p>
+                      <a:r>
+                        <a:rPr lang="en-NZ" dirty="0"/>
+                        <a:t>The program has a carefully spaced output and used a statement formatter to enhance the appearance. Although aesthetics is not the main focus of text-based programs it helps by addressing </a:t>
+                      </a:r>
+                      <a:r>
+                        <a:rPr lang="en-NZ"/>
+                        <a:t>the usability </a:t>
+                      </a:r>
+                      <a:r>
+                        <a:rPr lang="en-NZ" dirty="0"/>
+                        <a:t>implication as it adds emphasis to important statements.</a:t>
+                      </a:r>
+                    </a:p>
+                  </a:txBody>
+                  <a:tcPr/>
+                </a:tc>
+                <a:extLst>
+                  <a:ext uri="{0D108BD9-81ED-4DB2-BD59-A6C34878D82A}">
+                    <a16:rowId xmlns:a16="http://schemas.microsoft.com/office/drawing/2014/main" val="1902211211"/>
                   </a:ext>
                 </a:extLst>
               </a:tr>
@@ -27274,8 +26811,13 @@
                     <a:p>
                       <a:r>
                         <a:rPr lang="en-NZ" dirty="0"/>
-                        <a:t>The maximum user limit is $10 this addresses the social implication of gambling as it stops the use of large amounts of money</a:t>
+                        <a:t>All Māori words are spelt correctly (with macrons when needed) this addresses the issue of </a:t>
                       </a:r>
+                      <a:r>
+                        <a:rPr lang="en-NZ"/>
+                        <a:t>social implications.  </a:t>
+                      </a:r>
+                      <a:endParaRPr lang="en-NZ" dirty="0"/>
                     </a:p>
                   </a:txBody>
                   <a:tcPr/>
@@ -27336,7 +26878,7 @@
 </p:sld>
 </file>
 
-<file path=ppt/slides/slide38.xml><?xml version="1.0" encoding="utf-8"?>
+<file path=ppt/slides/slide36.xml><?xml version="1.0" encoding="utf-8"?>
 <p:sld xmlns:a="http://schemas.openxmlformats.org/drawingml/2006/main" xmlns:r="http://schemas.openxmlformats.org/officeDocument/2006/relationships" xmlns:p="http://schemas.openxmlformats.org/presentationml/2006/main">
   <p:cSld>
     <p:spTree>
@@ -27461,7 +27003,7 @@
 </p:sld>
 </file>
 
-<file path=ppt/slides/slide39.xml><?xml version="1.0" encoding="utf-8"?>
+<file path=ppt/slides/slide37.xml><?xml version="1.0" encoding="utf-8"?>
 <p:sld xmlns:a="http://schemas.openxmlformats.org/drawingml/2006/main" xmlns:r="http://schemas.openxmlformats.org/officeDocument/2006/relationships" xmlns:p="http://schemas.openxmlformats.org/presentationml/2006/main">
   <p:cSld>
     <p:spTree>
@@ -27547,6 +27089,164 @@
     <p:extLst>
       <p:ext uri="{BB962C8B-B14F-4D97-AF65-F5344CB8AC3E}">
         <p14:creationId xmlns:p14="http://schemas.microsoft.com/office/powerpoint/2010/main" val="2856955835"/>
+      </p:ext>
+    </p:extLst>
+  </p:cSld>
+  <p:clrMapOvr>
+    <a:masterClrMapping/>
+  </p:clrMapOvr>
+</p:sld>
+</file>
+
+<file path=ppt/slides/slide38.xml><?xml version="1.0" encoding="utf-8"?>
+<p:sld xmlns:a="http://schemas.openxmlformats.org/drawingml/2006/main" xmlns:r="http://schemas.openxmlformats.org/officeDocument/2006/relationships" xmlns:p="http://schemas.openxmlformats.org/presentationml/2006/main">
+  <p:cSld>
+    <p:spTree>
+      <p:nvGrpSpPr>
+        <p:cNvPr id="1" name=""/>
+        <p:cNvGrpSpPr/>
+        <p:nvPr/>
+      </p:nvGrpSpPr>
+      <p:grpSpPr>
+        <a:xfrm>
+          <a:off x="0" y="0"/>
+          <a:ext cx="0" cy="0"/>
+          <a:chOff x="0" y="0"/>
+          <a:chExt cx="0" cy="0"/>
+        </a:xfrm>
+      </p:grpSpPr>
+      <p:sp>
+        <p:nvSpPr>
+          <p:cNvPr id="2" name="Title 1">
+            <a:extLst>
+              <a:ext uri="{FF2B5EF4-FFF2-40B4-BE49-F238E27FC236}">
+                <a16:creationId xmlns:a16="http://schemas.microsoft.com/office/drawing/2014/main" id="{0AC904DD-5A10-446B-A89E-8DA5AC00DE23}"/>
+              </a:ext>
+            </a:extLst>
+          </p:cNvPr>
+          <p:cNvSpPr>
+            <a:spLocks noGrp="1"/>
+          </p:cNvSpPr>
+          <p:nvPr>
+            <p:ph type="title"/>
+          </p:nvPr>
+        </p:nvSpPr>
+        <p:spPr>
+          <a:xfrm>
+            <a:off x="838200" y="365125"/>
+            <a:ext cx="10515600" cy="721995"/>
+          </a:xfrm>
+        </p:spPr>
+        <p:txBody>
+          <a:bodyPr>
+            <a:normAutofit/>
+          </a:bodyPr>
+          <a:lstStyle/>
+          <a:p>
+            <a:r>
+              <a:rPr lang="en-NZ" sz="4000" dirty="0"/>
+              <a:t>Final Discussion:</a:t>
+            </a:r>
+          </a:p>
+        </p:txBody>
+      </p:sp>
+      <p:sp>
+        <p:nvSpPr>
+          <p:cNvPr id="4" name="TextBox 3">
+            <a:extLst>
+              <a:ext uri="{FF2B5EF4-FFF2-40B4-BE49-F238E27FC236}">
+                <a16:creationId xmlns:a16="http://schemas.microsoft.com/office/drawing/2014/main" id="{3E0C2D1D-B6B1-4382-96F8-EC3E0ABBE3A6}"/>
+              </a:ext>
+            </a:extLst>
+          </p:cNvPr>
+          <p:cNvSpPr txBox="1"/>
+          <p:nvPr/>
+        </p:nvSpPr>
+        <p:spPr>
+          <a:xfrm>
+            <a:off x="838200" y="1159329"/>
+            <a:ext cx="8542564" cy="1754326"/>
+          </a:xfrm>
+          <a:prstGeom prst="rect">
+            <a:avLst/>
+          </a:prstGeom>
+          <a:noFill/>
+        </p:spPr>
+        <p:txBody>
+          <a:bodyPr wrap="square" rtlCol="0">
+            <a:spAutoFit/>
+          </a:bodyPr>
+          <a:lstStyle/>
+          <a:p>
+            <a:pPr marL="285750" indent="-285750">
+              <a:buFontTx/>
+              <a:buChar char="-"/>
+            </a:pPr>
+            <a:r>
+              <a:rPr lang="en-US" sz="1800" kern="1200" dirty="0">
+                <a:solidFill>
+                  <a:schemeClr val="tx1"/>
+                </a:solidFill>
+                <a:latin typeface="+mn-lt"/>
+                <a:ea typeface="+mn-ea"/>
+                <a:cs typeface="+mn-cs"/>
+              </a:rPr>
+              <a:t>Throughout making this code I have tested and trialed every component</a:t>
+            </a:r>
+          </a:p>
+          <a:p>
+            <a:pPr marL="285750" indent="-285750">
+              <a:buFontTx/>
+              <a:buChar char="-"/>
+            </a:pPr>
+            <a:r>
+              <a:rPr lang="en-US" dirty="0"/>
+              <a:t>I have also applied all relevant implications </a:t>
+            </a:r>
+          </a:p>
+          <a:p>
+            <a:pPr marL="285750" indent="-285750">
+              <a:buFontTx/>
+              <a:buChar char="-"/>
+            </a:pPr>
+            <a:r>
+              <a:rPr lang="en-US" dirty="0"/>
+              <a:t>By making a large program smaller by using functions I have been able to code my program more efficiently</a:t>
+            </a:r>
+          </a:p>
+          <a:p>
+            <a:pPr marL="285750" indent="-285750">
+              <a:buFontTx/>
+              <a:buChar char="-"/>
+            </a:pPr>
+            <a:r>
+              <a:rPr lang="en-US" dirty="0"/>
+              <a:t>Through testing I was able to find flaws in my code </a:t>
+            </a:r>
+          </a:p>
+          <a:p>
+            <a:pPr marL="285750" indent="-285750">
+              <a:buFontTx/>
+              <a:buChar char="-"/>
+            </a:pPr>
+            <a:r>
+              <a:rPr lang="en-US" sz="1800" kern="1200" dirty="0">
+                <a:solidFill>
+                  <a:schemeClr val="tx1"/>
+                </a:solidFill>
+                <a:latin typeface="+mn-lt"/>
+                <a:ea typeface="+mn-ea"/>
+                <a:cs typeface="+mn-cs"/>
+              </a:rPr>
+              <a:t> </a:t>
+            </a:r>
+          </a:p>
+        </p:txBody>
+      </p:sp>
+    </p:spTree>
+    <p:extLst>
+      <p:ext uri="{BB962C8B-B14F-4D97-AF65-F5344CB8AC3E}">
+        <p14:creationId xmlns:p14="http://schemas.microsoft.com/office/powerpoint/2010/main" val="2276153040"/>
       </p:ext>
     </p:extLst>
   </p:cSld>
@@ -27965,164 +27665,6 @@
     <p:extLst>
       <p:ext uri="{BB962C8B-B14F-4D97-AF65-F5344CB8AC3E}">
         <p14:creationId xmlns:p14="http://schemas.microsoft.com/office/powerpoint/2010/main" val="2202202434"/>
-      </p:ext>
-    </p:extLst>
-  </p:cSld>
-  <p:clrMapOvr>
-    <a:masterClrMapping/>
-  </p:clrMapOvr>
-</p:sld>
-</file>
-
-<file path=ppt/slides/slide40.xml><?xml version="1.0" encoding="utf-8"?>
-<p:sld xmlns:a="http://schemas.openxmlformats.org/drawingml/2006/main" xmlns:r="http://schemas.openxmlformats.org/officeDocument/2006/relationships" xmlns:p="http://schemas.openxmlformats.org/presentationml/2006/main">
-  <p:cSld>
-    <p:spTree>
-      <p:nvGrpSpPr>
-        <p:cNvPr id="1" name=""/>
-        <p:cNvGrpSpPr/>
-        <p:nvPr/>
-      </p:nvGrpSpPr>
-      <p:grpSpPr>
-        <a:xfrm>
-          <a:off x="0" y="0"/>
-          <a:ext cx="0" cy="0"/>
-          <a:chOff x="0" y="0"/>
-          <a:chExt cx="0" cy="0"/>
-        </a:xfrm>
-      </p:grpSpPr>
-      <p:sp>
-        <p:nvSpPr>
-          <p:cNvPr id="2" name="Title 1">
-            <a:extLst>
-              <a:ext uri="{FF2B5EF4-FFF2-40B4-BE49-F238E27FC236}">
-                <a16:creationId xmlns:a16="http://schemas.microsoft.com/office/drawing/2014/main" id="{0AC904DD-5A10-446B-A89E-8DA5AC00DE23}"/>
-              </a:ext>
-            </a:extLst>
-          </p:cNvPr>
-          <p:cNvSpPr>
-            <a:spLocks noGrp="1"/>
-          </p:cNvSpPr>
-          <p:nvPr>
-            <p:ph type="title"/>
-          </p:nvPr>
-        </p:nvSpPr>
-        <p:spPr>
-          <a:xfrm>
-            <a:off x="838200" y="365125"/>
-            <a:ext cx="10515600" cy="721995"/>
-          </a:xfrm>
-        </p:spPr>
-        <p:txBody>
-          <a:bodyPr>
-            <a:normAutofit/>
-          </a:bodyPr>
-          <a:lstStyle/>
-          <a:p>
-            <a:r>
-              <a:rPr lang="en-NZ" sz="4000" dirty="0"/>
-              <a:t>Final Discussion:</a:t>
-            </a:r>
-          </a:p>
-        </p:txBody>
-      </p:sp>
-      <p:sp>
-        <p:nvSpPr>
-          <p:cNvPr id="4" name="TextBox 3">
-            <a:extLst>
-              <a:ext uri="{FF2B5EF4-FFF2-40B4-BE49-F238E27FC236}">
-                <a16:creationId xmlns:a16="http://schemas.microsoft.com/office/drawing/2014/main" id="{3E0C2D1D-B6B1-4382-96F8-EC3E0ABBE3A6}"/>
-              </a:ext>
-            </a:extLst>
-          </p:cNvPr>
-          <p:cNvSpPr txBox="1"/>
-          <p:nvPr/>
-        </p:nvSpPr>
-        <p:spPr>
-          <a:xfrm>
-            <a:off x="838200" y="1159329"/>
-            <a:ext cx="8542564" cy="1754326"/>
-          </a:xfrm>
-          <a:prstGeom prst="rect">
-            <a:avLst/>
-          </a:prstGeom>
-          <a:noFill/>
-        </p:spPr>
-        <p:txBody>
-          <a:bodyPr wrap="square" rtlCol="0">
-            <a:spAutoFit/>
-          </a:bodyPr>
-          <a:lstStyle/>
-          <a:p>
-            <a:pPr marL="285750" indent="-285750">
-              <a:buFontTx/>
-              <a:buChar char="-"/>
-            </a:pPr>
-            <a:r>
-              <a:rPr lang="en-US" sz="1800" kern="1200" dirty="0">
-                <a:solidFill>
-                  <a:schemeClr val="tx1"/>
-                </a:solidFill>
-                <a:latin typeface="+mn-lt"/>
-                <a:ea typeface="+mn-ea"/>
-                <a:cs typeface="+mn-cs"/>
-              </a:rPr>
-              <a:t>Throughout making this code I have tested and trialed every component</a:t>
-            </a:r>
-          </a:p>
-          <a:p>
-            <a:pPr marL="285750" indent="-285750">
-              <a:buFontTx/>
-              <a:buChar char="-"/>
-            </a:pPr>
-            <a:r>
-              <a:rPr lang="en-US" dirty="0"/>
-              <a:t>I have also applied all relevant implications </a:t>
-            </a:r>
-          </a:p>
-          <a:p>
-            <a:pPr marL="285750" indent="-285750">
-              <a:buFontTx/>
-              <a:buChar char="-"/>
-            </a:pPr>
-            <a:r>
-              <a:rPr lang="en-US" dirty="0"/>
-              <a:t>By making a large program smaller by using functions I have been able to code my program more efficiently</a:t>
-            </a:r>
-          </a:p>
-          <a:p>
-            <a:pPr marL="285750" indent="-285750">
-              <a:buFontTx/>
-              <a:buChar char="-"/>
-            </a:pPr>
-            <a:r>
-              <a:rPr lang="en-US" dirty="0"/>
-              <a:t>Through testing I was able to find flaws in my code </a:t>
-            </a:r>
-          </a:p>
-          <a:p>
-            <a:pPr marL="285750" indent="-285750">
-              <a:buFontTx/>
-              <a:buChar char="-"/>
-            </a:pPr>
-            <a:r>
-              <a:rPr lang="en-US" sz="1800" kern="1200" dirty="0">
-                <a:solidFill>
-                  <a:schemeClr val="tx1"/>
-                </a:solidFill>
-                <a:latin typeface="+mn-lt"/>
-                <a:ea typeface="+mn-ea"/>
-                <a:cs typeface="+mn-cs"/>
-              </a:rPr>
-              <a:t> </a:t>
-            </a:r>
-          </a:p>
-        </p:txBody>
-      </p:sp>
-    </p:spTree>
-    <p:extLst>
-      <p:ext uri="{BB962C8B-B14F-4D97-AF65-F5344CB8AC3E}">
-        <p14:creationId xmlns:p14="http://schemas.microsoft.com/office/powerpoint/2010/main" val="2276153040"/>
       </p:ext>
     </p:extLst>
   </p:cSld>

--- a/AS91883(1.7) & AS91884(1.8) Documentation.pptx
+++ b/AS91883(1.7) & AS91884(1.8) Documentation.pptx
@@ -3219,7 +3219,7 @@
   <pc:docChgLst>
     <pc:chgData name="Molly Sankey" userId="944469c7-6883-451f-9b55-4524bc4915b3" providerId="ADAL" clId="{F1BAABD6-565A-4B4D-9F14-502B1B8F4095}"/>
     <pc:docChg chg="undo custSel addSld delSld modSld sldOrd">
-      <pc:chgData name="Molly Sankey" userId="944469c7-6883-451f-9b55-4524bc4915b3" providerId="ADAL" clId="{F1BAABD6-565A-4B4D-9F14-502B1B8F4095}" dt="2022-05-25T01:35:22.258" v="6487" actId="20577"/>
+      <pc:chgData name="Molly Sankey" userId="944469c7-6883-451f-9b55-4524bc4915b3" providerId="ADAL" clId="{F1BAABD6-565A-4B4D-9F14-502B1B8F4095}" dt="2022-05-25T01:36:13.600" v="6601" actId="20577"/>
       <pc:docMkLst>
         <pc:docMk/>
       </pc:docMkLst>
@@ -3690,13 +3690,13 @@
         </pc:spChg>
       </pc:sldChg>
       <pc:sldChg chg="modSp mod">
-        <pc:chgData name="Molly Sankey" userId="944469c7-6883-451f-9b55-4524bc4915b3" providerId="ADAL" clId="{F1BAABD6-565A-4B4D-9F14-502B1B8F4095}" dt="2022-05-25T01:35:22.258" v="6487" actId="20577"/>
+        <pc:chgData name="Molly Sankey" userId="944469c7-6883-451f-9b55-4524bc4915b3" providerId="ADAL" clId="{F1BAABD6-565A-4B4D-9F14-502B1B8F4095}" dt="2022-05-25T01:36:13.600" v="6601" actId="20577"/>
         <pc:sldMkLst>
           <pc:docMk/>
           <pc:sldMk cId="1053444694" sldId="270"/>
         </pc:sldMkLst>
         <pc:graphicFrameChg chg="modGraphic">
-          <ac:chgData name="Molly Sankey" userId="944469c7-6883-451f-9b55-4524bc4915b3" providerId="ADAL" clId="{F1BAABD6-565A-4B4D-9F14-502B1B8F4095}" dt="2022-05-25T01:35:22.258" v="6487" actId="20577"/>
+          <ac:chgData name="Molly Sankey" userId="944469c7-6883-451f-9b55-4524bc4915b3" providerId="ADAL" clId="{F1BAABD6-565A-4B4D-9F14-502B1B8F4095}" dt="2022-05-25T01:36:13.600" v="6601" actId="20577"/>
           <ac:graphicFrameMkLst>
             <pc:docMk/>
             <pc:sldMk cId="1053444694" sldId="270"/>
@@ -26611,14 +26611,14 @@
           <p:nvPr>
             <p:extLst>
               <p:ext uri="{D42A27DB-BD31-4B8C-83A1-F6EECF244321}">
-                <p14:modId xmlns:p14="http://schemas.microsoft.com/office/powerpoint/2010/main" val="814527088"/>
+                <p14:modId xmlns:p14="http://schemas.microsoft.com/office/powerpoint/2010/main" val="3421860860"/>
               </p:ext>
             </p:extLst>
           </p:nvPr>
         </p:nvGraphicFramePr>
         <p:xfrm>
           <a:off x="782320" y="1213485"/>
-          <a:ext cx="10627360" cy="4394200"/>
+          <a:ext cx="10627360" cy="4668520"/>
         </p:xfrm>
         <a:graphic>
           <a:graphicData uri="http://schemas.openxmlformats.org/drawingml/2006/table">
@@ -26811,13 +26811,8 @@
                     <a:p>
                       <a:r>
                         <a:rPr lang="en-NZ" dirty="0"/>
-                        <a:t>All Māori words are spelt correctly (with macrons when needed) this addresses the issue of </a:t>
+                        <a:t>All Māori words are spelt correctly (with macrons when needed) this addresses the issue of social implications.  </a:t>
                       </a:r>
-                      <a:r>
-                        <a:rPr lang="en-NZ"/>
-                        <a:t>social implications.  </a:t>
-                      </a:r>
-                      <a:endParaRPr lang="en-NZ" dirty="0"/>
                     </a:p>
                   </a:txBody>
                   <a:tcPr/>
@@ -26849,7 +26844,7 @@
                     <a:p>
                       <a:r>
                         <a:rPr lang="en-NZ" dirty="0"/>
-                        <a:t>I avoided the use of literals and used functions to make my code flexible and adaptable for the future.</a:t>
+                        <a:t>I avoided the use of literals and used functions to make my code flexible and adaptable for the future. It is also well documented so that a programmer in the future will know what each piece of code does. </a:t>
                       </a:r>
                     </a:p>
                   </a:txBody>

--- a/AS91883(1.7) & AS91884(1.8) Documentation.pptx
+++ b/AS91883(1.7) & AS91884(1.8) Documentation.pptx
@@ -5,7 +5,7 @@
     <p:sldMasterId id="2147483648" r:id="rId1"/>
   </p:sldMasterIdLst>
   <p:notesMasterIdLst>
-    <p:notesMasterId r:id="rId40"/>
+    <p:notesMasterId r:id="rId41"/>
   </p:notesMasterIdLst>
   <p:sldIdLst>
     <p:sldId id="256" r:id="rId2"/>
@@ -44,8 +44,9 @@
     <p:sldId id="309" r:id="rId35"/>
     <p:sldId id="270" r:id="rId36"/>
     <p:sldId id="261" r:id="rId37"/>
-    <p:sldId id="308" r:id="rId38"/>
-    <p:sldId id="266" r:id="rId39"/>
+    <p:sldId id="310" r:id="rId38"/>
+    <p:sldId id="308" r:id="rId39"/>
+    <p:sldId id="266" r:id="rId40"/>
   </p:sldIdLst>
   <p:sldSz cx="12192000" cy="6858000"/>
   <p:notesSz cx="6858000" cy="9144000"/>
@@ -155,7 +156,7 @@
 <file path=ppt/revisionInfo.xml><?xml version="1.0" encoding="utf-8"?>
 <p1510:revInfo xmlns:a="http://schemas.openxmlformats.org/drawingml/2006/main" xmlns:r="http://schemas.openxmlformats.org/officeDocument/2006/relationships" xmlns:p1510="http://schemas.microsoft.com/office/powerpoint/2015/10/main">
   <p1510:revLst>
-    <p1510:client id="{F1BAABD6-565A-4B4D-9F14-502B1B8F4095}" v="40" dt="2022-05-23T20:53:37.738"/>
+    <p1510:client id="{F1BAABD6-565A-4B4D-9F14-502B1B8F4095}" v="51" dt="2022-05-25T02:15:48.478"/>
   </p1510:revLst>
 </p1510:revInfo>
 </file>
@@ -3219,7 +3220,7 @@
   <pc:docChgLst>
     <pc:chgData name="Molly Sankey" userId="944469c7-6883-451f-9b55-4524bc4915b3" providerId="ADAL" clId="{F1BAABD6-565A-4B4D-9F14-502B1B8F4095}"/>
     <pc:docChg chg="undo custSel addSld delSld modSld sldOrd">
-      <pc:chgData name="Molly Sankey" userId="944469c7-6883-451f-9b55-4524bc4915b3" providerId="ADAL" clId="{F1BAABD6-565A-4B4D-9F14-502B1B8F4095}" dt="2022-05-25T01:36:13.600" v="6601" actId="20577"/>
+      <pc:chgData name="Molly Sankey" userId="944469c7-6883-451f-9b55-4524bc4915b3" providerId="ADAL" clId="{F1BAABD6-565A-4B4D-9F14-502B1B8F4095}" dt="2022-05-25T02:15:48.476" v="8124" actId="20577"/>
       <pc:docMkLst>
         <pc:docMk/>
       </pc:docMkLst>
@@ -3399,7 +3400,7 @@
         </pc:cxnChg>
       </pc:sldChg>
       <pc:sldChg chg="modSp mod">
-        <pc:chgData name="Molly Sankey" userId="944469c7-6883-451f-9b55-4524bc4915b3" providerId="ADAL" clId="{F1BAABD6-565A-4B4D-9F14-502B1B8F4095}" dt="2022-05-09T21:14:35.602" v="2458" actId="20577"/>
+        <pc:chgData name="Molly Sankey" userId="944469c7-6883-451f-9b55-4524bc4915b3" providerId="ADAL" clId="{F1BAABD6-565A-4B4D-9F14-502B1B8F4095}" dt="2022-05-25T02:15:48.476" v="8124" actId="20577"/>
         <pc:sldMkLst>
           <pc:docMk/>
           <pc:sldMk cId="3838895173" sldId="258"/>
@@ -3413,7 +3414,7 @@
           </ac:spMkLst>
         </pc:spChg>
         <pc:spChg chg="mod">
-          <ac:chgData name="Molly Sankey" userId="944469c7-6883-451f-9b55-4524bc4915b3" providerId="ADAL" clId="{F1BAABD6-565A-4B4D-9F14-502B1B8F4095}" dt="2022-05-09T21:14:35.602" v="2458" actId="20577"/>
+          <ac:chgData name="Molly Sankey" userId="944469c7-6883-451f-9b55-4524bc4915b3" providerId="ADAL" clId="{F1BAABD6-565A-4B4D-9F14-502B1B8F4095}" dt="2022-05-25T02:15:48.476" v="8124" actId="20577"/>
           <ac:spMkLst>
             <pc:docMk/>
             <pc:sldMk cId="3838895173" sldId="258"/>
@@ -3460,6 +3461,85 @@
           </ac:picMkLst>
         </pc:picChg>
       </pc:sldChg>
+      <pc:sldChg chg="addSp delSp modSp mod setBg">
+        <pc:chgData name="Molly Sankey" userId="944469c7-6883-451f-9b55-4524bc4915b3" providerId="ADAL" clId="{F1BAABD6-565A-4B4D-9F14-502B1B8F4095}" dt="2022-05-25T01:44:30.353" v="6642" actId="20577"/>
+        <pc:sldMkLst>
+          <pc:docMk/>
+          <pc:sldMk cId="1357549755" sldId="261"/>
+        </pc:sldMkLst>
+        <pc:spChg chg="mod">
+          <ac:chgData name="Molly Sankey" userId="944469c7-6883-451f-9b55-4524bc4915b3" providerId="ADAL" clId="{F1BAABD6-565A-4B4D-9F14-502B1B8F4095}" dt="2022-05-25T01:44:30.353" v="6642" actId="20577"/>
+          <ac:spMkLst>
+            <pc:docMk/>
+            <pc:sldMk cId="1357549755" sldId="261"/>
+            <ac:spMk id="2" creationId="{D62183D5-E1F8-4917-B0BA-FC2E62047445}"/>
+          </ac:spMkLst>
+        </pc:spChg>
+        <pc:spChg chg="add del">
+          <ac:chgData name="Molly Sankey" userId="944469c7-6883-451f-9b55-4524bc4915b3" providerId="ADAL" clId="{F1BAABD6-565A-4B4D-9F14-502B1B8F4095}" dt="2022-05-25T01:42:56.214" v="6626" actId="26606"/>
+          <ac:spMkLst>
+            <pc:docMk/>
+            <pc:sldMk cId="1357549755" sldId="261"/>
+            <ac:spMk id="17" creationId="{B4059D9B-2E55-47FE-A188-0F9BD734E0A0}"/>
+          </ac:spMkLst>
+        </pc:spChg>
+        <pc:grpChg chg="add del">
+          <ac:chgData name="Molly Sankey" userId="944469c7-6883-451f-9b55-4524bc4915b3" providerId="ADAL" clId="{F1BAABD6-565A-4B4D-9F14-502B1B8F4095}" dt="2022-05-25T01:42:56.214" v="6626" actId="26606"/>
+          <ac:grpSpMkLst>
+            <pc:docMk/>
+            <pc:sldMk cId="1357549755" sldId="261"/>
+            <ac:grpSpMk id="19" creationId="{F938B951-7EFC-40A2-B198-E73D39DFB3FC}"/>
+          </ac:grpSpMkLst>
+        </pc:grpChg>
+        <pc:picChg chg="add mod">
+          <ac:chgData name="Molly Sankey" userId="944469c7-6883-451f-9b55-4524bc4915b3" providerId="ADAL" clId="{F1BAABD6-565A-4B4D-9F14-502B1B8F4095}" dt="2022-05-25T01:42:56.214" v="6626" actId="26606"/>
+          <ac:picMkLst>
+            <pc:docMk/>
+            <pc:sldMk cId="1357549755" sldId="261"/>
+            <ac:picMk id="4" creationId="{032BD2D3-FA73-4C09-9F9C-C61A42626432}"/>
+          </ac:picMkLst>
+        </pc:picChg>
+        <pc:picChg chg="del">
+          <ac:chgData name="Molly Sankey" userId="944469c7-6883-451f-9b55-4524bc4915b3" providerId="ADAL" clId="{F1BAABD6-565A-4B4D-9F14-502B1B8F4095}" dt="2022-05-25T01:40:30.699" v="6602" actId="478"/>
+          <ac:picMkLst>
+            <pc:docMk/>
+            <pc:sldMk cId="1357549755" sldId="261"/>
+            <ac:picMk id="5" creationId="{6DA575D2-349F-47EF-A952-8B84EF6EA4B7}"/>
+          </ac:picMkLst>
+        </pc:picChg>
+        <pc:picChg chg="del">
+          <ac:chgData name="Molly Sankey" userId="944469c7-6883-451f-9b55-4524bc4915b3" providerId="ADAL" clId="{F1BAABD6-565A-4B4D-9F14-502B1B8F4095}" dt="2022-05-25T01:40:41.862" v="6612" actId="478"/>
+          <ac:picMkLst>
+            <pc:docMk/>
+            <pc:sldMk cId="1357549755" sldId="261"/>
+            <ac:picMk id="7" creationId="{7E30A647-B420-4AA4-BA5D-522438F30E69}"/>
+          </ac:picMkLst>
+        </pc:picChg>
+        <pc:picChg chg="add mod ord">
+          <ac:chgData name="Molly Sankey" userId="944469c7-6883-451f-9b55-4524bc4915b3" providerId="ADAL" clId="{F1BAABD6-565A-4B4D-9F14-502B1B8F4095}" dt="2022-05-25T01:42:56.214" v="6626" actId="26606"/>
+          <ac:picMkLst>
+            <pc:docMk/>
+            <pc:sldMk cId="1357549755" sldId="261"/>
+            <ac:picMk id="8" creationId="{4A6E8168-B287-4387-9906-5225A8B08295}"/>
+          </ac:picMkLst>
+        </pc:picChg>
+        <pc:picChg chg="add mod">
+          <ac:chgData name="Molly Sankey" userId="944469c7-6883-451f-9b55-4524bc4915b3" providerId="ADAL" clId="{F1BAABD6-565A-4B4D-9F14-502B1B8F4095}" dt="2022-05-25T01:43:17.687" v="6630" actId="1076"/>
+          <ac:picMkLst>
+            <pc:docMk/>
+            <pc:sldMk cId="1357549755" sldId="261"/>
+            <ac:picMk id="10" creationId="{032FCFFA-D13F-4D96-8911-EA197DD4335E}"/>
+          </ac:picMkLst>
+        </pc:picChg>
+        <pc:picChg chg="add mod">
+          <ac:chgData name="Molly Sankey" userId="944469c7-6883-451f-9b55-4524bc4915b3" providerId="ADAL" clId="{F1BAABD6-565A-4B4D-9F14-502B1B8F4095}" dt="2022-05-25T01:43:14.455" v="6629" actId="14100"/>
+          <ac:picMkLst>
+            <pc:docMk/>
+            <pc:sldMk cId="1357549755" sldId="261"/>
+            <ac:picMk id="12" creationId="{9A1FFEFD-9A9F-494E-9A2B-3C9F19FEAC20}"/>
+          </ac:picMkLst>
+        </pc:picChg>
+      </pc:sldChg>
       <pc:sldChg chg="addSp delSp modSp mod ord">
         <pc:chgData name="Molly Sankey" userId="944469c7-6883-451f-9b55-4524bc4915b3" providerId="ADAL" clId="{F1BAABD6-565A-4B4D-9F14-502B1B8F4095}" dt="2022-05-22T23:40:18.597" v="5596" actId="113"/>
         <pc:sldMkLst>
@@ -3618,6 +3698,21 @@
             <ac:inkMk id="22" creationId="{6D57A88F-6A49-430B-979C-5B0A06FAE203}"/>
           </ac:inkMkLst>
         </pc:inkChg>
+      </pc:sldChg>
+      <pc:sldChg chg="modSp mod">
+        <pc:chgData name="Molly Sankey" userId="944469c7-6883-451f-9b55-4524bc4915b3" providerId="ADAL" clId="{F1BAABD6-565A-4B4D-9F14-502B1B8F4095}" dt="2022-05-25T01:57:29.893" v="7810" actId="1076"/>
+        <pc:sldMkLst>
+          <pc:docMk/>
+          <pc:sldMk cId="2276153040" sldId="266"/>
+        </pc:sldMkLst>
+        <pc:spChg chg="mod">
+          <ac:chgData name="Molly Sankey" userId="944469c7-6883-451f-9b55-4524bc4915b3" providerId="ADAL" clId="{F1BAABD6-565A-4B4D-9F14-502B1B8F4095}" dt="2022-05-25T01:57:29.893" v="7810" actId="1076"/>
+          <ac:spMkLst>
+            <pc:docMk/>
+            <pc:sldMk cId="2276153040" sldId="266"/>
+            <ac:spMk id="4" creationId="{3E0C2D1D-B6B1-4382-96F8-EC3E0ABBE3A6}"/>
+          </ac:spMkLst>
+        </pc:spChg>
       </pc:sldChg>
       <pc:sldChg chg="addSp delSp modSp mod">
         <pc:chgData name="Molly Sankey" userId="944469c7-6883-451f-9b55-4524bc4915b3" providerId="ADAL" clId="{F1BAABD6-565A-4B4D-9F14-502B1B8F4095}" dt="2022-05-09T21:12:34.052" v="2451" actId="14100"/>
@@ -3996,13 +4091,13 @@
         </pc:inkChg>
       </pc:sldChg>
       <pc:sldChg chg="addSp modSp mod">
-        <pc:chgData name="Molly Sankey" userId="944469c7-6883-451f-9b55-4524bc4915b3" providerId="ADAL" clId="{F1BAABD6-565A-4B4D-9F14-502B1B8F4095}" dt="2022-05-08T23:26:00.956" v="1288" actId="403"/>
+        <pc:chgData name="Molly Sankey" userId="944469c7-6883-451f-9b55-4524bc4915b3" providerId="ADAL" clId="{F1BAABD6-565A-4B4D-9F14-502B1B8F4095}" dt="2022-05-25T02:02:07.355" v="8016" actId="20577"/>
         <pc:sldMkLst>
           <pc:docMk/>
           <pc:sldMk cId="3013588869" sldId="279"/>
         </pc:sldMkLst>
         <pc:spChg chg="add mod">
-          <ac:chgData name="Molly Sankey" userId="944469c7-6883-451f-9b55-4524bc4915b3" providerId="ADAL" clId="{F1BAABD6-565A-4B4D-9F14-502B1B8F4095}" dt="2022-05-08T23:26:00.956" v="1288" actId="403"/>
+          <ac:chgData name="Molly Sankey" userId="944469c7-6883-451f-9b55-4524bc4915b3" providerId="ADAL" clId="{F1BAABD6-565A-4B4D-9F14-502B1B8F4095}" dt="2022-05-25T02:00:39.436" v="8000" actId="1076"/>
           <ac:spMkLst>
             <pc:docMk/>
             <pc:sldMk cId="3013588869" sldId="279"/>
@@ -4018,7 +4113,7 @@
           </ac:spMkLst>
         </pc:spChg>
         <pc:graphicFrameChg chg="mod modGraphic">
-          <ac:chgData name="Molly Sankey" userId="944469c7-6883-451f-9b55-4524bc4915b3" providerId="ADAL" clId="{F1BAABD6-565A-4B4D-9F14-502B1B8F4095}" dt="2022-05-08T23:24:06.415" v="1105" actId="2165"/>
+          <ac:chgData name="Molly Sankey" userId="944469c7-6883-451f-9b55-4524bc4915b3" providerId="ADAL" clId="{F1BAABD6-565A-4B4D-9F14-502B1B8F4095}" dt="2022-05-25T02:02:07.355" v="8016" actId="20577"/>
           <ac:graphicFrameMkLst>
             <pc:docMk/>
             <pc:sldMk cId="3013588869" sldId="279"/>
@@ -4027,7 +4122,7 @@
         </pc:graphicFrameChg>
       </pc:sldChg>
       <pc:sldChg chg="addSp delSp modSp mod ord">
-        <pc:chgData name="Molly Sankey" userId="944469c7-6883-451f-9b55-4524bc4915b3" providerId="ADAL" clId="{F1BAABD6-565A-4B4D-9F14-502B1B8F4095}" dt="2022-05-08T23:34:22.087" v="1446" actId="20577"/>
+        <pc:chgData name="Molly Sankey" userId="944469c7-6883-451f-9b55-4524bc4915b3" providerId="ADAL" clId="{F1BAABD6-565A-4B4D-9F14-502B1B8F4095}" dt="2022-05-25T02:12:02.266" v="8112" actId="1076"/>
         <pc:sldMkLst>
           <pc:docMk/>
           <pc:sldMk cId="274688009" sldId="280"/>
@@ -4040,56 +4135,64 @@
             <ac:spMk id="2" creationId="{357FEE5A-F482-48CE-8D54-0452FE708BE8}"/>
           </ac:spMkLst>
         </pc:spChg>
-        <pc:spChg chg="mod">
-          <ac:chgData name="Molly Sankey" userId="944469c7-6883-451f-9b55-4524bc4915b3" providerId="ADAL" clId="{F1BAABD6-565A-4B4D-9F14-502B1B8F4095}" dt="2022-05-08T23:34:22.087" v="1446" actId="20577"/>
+        <pc:spChg chg="del mod">
+          <ac:chgData name="Molly Sankey" userId="944469c7-6883-451f-9b55-4524bc4915b3" providerId="ADAL" clId="{F1BAABD6-565A-4B4D-9F14-502B1B8F4095}" dt="2022-05-25T02:02:48.236" v="8028" actId="478"/>
           <ac:spMkLst>
             <pc:docMk/>
             <pc:sldMk cId="274688009" sldId="280"/>
             <ac:spMk id="6" creationId="{6F768BB2-CD0B-447B-A437-9DE010488F0C}"/>
           </ac:spMkLst>
         </pc:spChg>
-        <pc:spChg chg="add mod">
-          <ac:chgData name="Molly Sankey" userId="944469c7-6883-451f-9b55-4524bc4915b3" providerId="ADAL" clId="{F1BAABD6-565A-4B4D-9F14-502B1B8F4095}" dt="2022-05-08T23:32:57.083" v="1390"/>
+        <pc:spChg chg="add del mod">
+          <ac:chgData name="Molly Sankey" userId="944469c7-6883-451f-9b55-4524bc4915b3" providerId="ADAL" clId="{F1BAABD6-565A-4B4D-9F14-502B1B8F4095}" dt="2022-05-25T02:01:46.598" v="8005" actId="478"/>
           <ac:spMkLst>
             <pc:docMk/>
             <pc:sldMk cId="274688009" sldId="280"/>
             <ac:spMk id="7" creationId="{CC6B04D6-F294-4C53-8850-B4303EB606FC}"/>
           </ac:spMkLst>
         </pc:spChg>
-        <pc:spChg chg="add mod">
-          <ac:chgData name="Molly Sankey" userId="944469c7-6883-451f-9b55-4524bc4915b3" providerId="ADAL" clId="{F1BAABD6-565A-4B4D-9F14-502B1B8F4095}" dt="2022-05-08T23:29:51.482" v="1333" actId="1076"/>
+        <pc:spChg chg="add del mod">
+          <ac:chgData name="Molly Sankey" userId="944469c7-6883-451f-9b55-4524bc4915b3" providerId="ADAL" clId="{F1BAABD6-565A-4B4D-9F14-502B1B8F4095}" dt="2022-05-25T02:01:39.673" v="8002" actId="478"/>
           <ac:spMkLst>
             <pc:docMk/>
             <pc:sldMk cId="274688009" sldId="280"/>
             <ac:spMk id="20" creationId="{C63856B4-6F03-4FFF-B887-FA40D36B0660}"/>
           </ac:spMkLst>
         </pc:spChg>
-        <pc:spChg chg="add mod">
-          <ac:chgData name="Molly Sankey" userId="944469c7-6883-451f-9b55-4524bc4915b3" providerId="ADAL" clId="{F1BAABD6-565A-4B4D-9F14-502B1B8F4095}" dt="2022-05-08T23:31:11.807" v="1355" actId="14100"/>
+        <pc:spChg chg="add del mod">
+          <ac:chgData name="Molly Sankey" userId="944469c7-6883-451f-9b55-4524bc4915b3" providerId="ADAL" clId="{F1BAABD6-565A-4B4D-9F14-502B1B8F4095}" dt="2022-05-25T02:01:40.909" v="8003" actId="478"/>
           <ac:spMkLst>
             <pc:docMk/>
             <pc:sldMk cId="274688009" sldId="280"/>
             <ac:spMk id="27" creationId="{B53C58C3-1014-475C-B8E3-69C987E3C09E}"/>
           </ac:spMkLst>
         </pc:spChg>
-        <pc:spChg chg="add mod ord">
-          <ac:chgData name="Molly Sankey" userId="944469c7-6883-451f-9b55-4524bc4915b3" providerId="ADAL" clId="{F1BAABD6-565A-4B4D-9F14-502B1B8F4095}" dt="2022-05-08T23:31:25.941" v="1358" actId="167"/>
+        <pc:spChg chg="add mod">
+          <ac:chgData name="Molly Sankey" userId="944469c7-6883-451f-9b55-4524bc4915b3" providerId="ADAL" clId="{F1BAABD6-565A-4B4D-9F14-502B1B8F4095}" dt="2022-05-25T02:08:44.187" v="8077" actId="14100"/>
+          <ac:spMkLst>
+            <pc:docMk/>
+            <pc:sldMk cId="274688009" sldId="280"/>
+            <ac:spMk id="28" creationId="{2C2CEBCF-E4CF-4079-B252-01FD0B2574DB}"/>
+          </ac:spMkLst>
+        </pc:spChg>
+        <pc:spChg chg="add del mod ord">
+          <ac:chgData name="Molly Sankey" userId="944469c7-6883-451f-9b55-4524bc4915b3" providerId="ADAL" clId="{F1BAABD6-565A-4B4D-9F14-502B1B8F4095}" dt="2022-05-25T02:01:47.826" v="8006" actId="478"/>
           <ac:spMkLst>
             <pc:docMk/>
             <pc:sldMk cId="274688009" sldId="280"/>
             <ac:spMk id="28" creationId="{B6ECE650-68AF-4AEA-86FF-4495C2678335}"/>
           </ac:spMkLst>
         </pc:spChg>
-        <pc:spChg chg="add mod">
-          <ac:chgData name="Molly Sankey" userId="944469c7-6883-451f-9b55-4524bc4915b3" providerId="ADAL" clId="{F1BAABD6-565A-4B4D-9F14-502B1B8F4095}" dt="2022-05-08T23:33:12.232" v="1393"/>
+        <pc:spChg chg="add del mod">
+          <ac:chgData name="Molly Sankey" userId="944469c7-6883-451f-9b55-4524bc4915b3" providerId="ADAL" clId="{F1BAABD6-565A-4B4D-9F14-502B1B8F4095}" dt="2022-05-25T02:01:56.474" v="8009" actId="478"/>
           <ac:spMkLst>
             <pc:docMk/>
             <pc:sldMk cId="274688009" sldId="280"/>
             <ac:spMk id="29" creationId="{33A2BB84-5E6B-42FB-AF03-A439797C1E1F}"/>
           </ac:spMkLst>
         </pc:spChg>
-        <pc:spChg chg="add mod ord">
-          <ac:chgData name="Molly Sankey" userId="944469c7-6883-451f-9b55-4524bc4915b3" providerId="ADAL" clId="{F1BAABD6-565A-4B4D-9F14-502B1B8F4095}" dt="2022-05-08T23:33:07.999" v="1392" actId="167"/>
+        <pc:spChg chg="add del mod ord">
+          <ac:chgData name="Molly Sankey" userId="944469c7-6883-451f-9b55-4524bc4915b3" providerId="ADAL" clId="{F1BAABD6-565A-4B4D-9F14-502B1B8F4095}" dt="2022-05-25T02:01:57.617" v="8010" actId="478"/>
           <ac:spMkLst>
             <pc:docMk/>
             <pc:sldMk cId="274688009" sldId="280"/>
@@ -4097,7 +4200,23 @@
           </ac:spMkLst>
         </pc:spChg>
         <pc:spChg chg="add mod">
-          <ac:chgData name="Molly Sankey" userId="944469c7-6883-451f-9b55-4524bc4915b3" providerId="ADAL" clId="{F1BAABD6-565A-4B4D-9F14-502B1B8F4095}" dt="2022-05-08T23:33:31.080" v="1405" actId="403"/>
+          <ac:chgData name="Molly Sankey" userId="944469c7-6883-451f-9b55-4524bc4915b3" providerId="ADAL" clId="{F1BAABD6-565A-4B4D-9F14-502B1B8F4095}" dt="2022-05-25T02:06:37.729" v="8053" actId="14100"/>
+          <ac:spMkLst>
+            <pc:docMk/>
+            <pc:sldMk cId="274688009" sldId="280"/>
+            <ac:spMk id="30" creationId="{85B5823E-7352-4720-A719-F7FC536FC464}"/>
+          </ac:spMkLst>
+        </pc:spChg>
+        <pc:spChg chg="add mod">
+          <ac:chgData name="Molly Sankey" userId="944469c7-6883-451f-9b55-4524bc4915b3" providerId="ADAL" clId="{F1BAABD6-565A-4B4D-9F14-502B1B8F4095}" dt="2022-05-25T02:09:07.123" v="8079" actId="14100"/>
+          <ac:spMkLst>
+            <pc:docMk/>
+            <pc:sldMk cId="274688009" sldId="280"/>
+            <ac:spMk id="32" creationId="{440992AF-7473-4FD3-A380-CBC5B2C365E2}"/>
+          </ac:spMkLst>
+        </pc:spChg>
+        <pc:spChg chg="add del mod">
+          <ac:chgData name="Molly Sankey" userId="944469c7-6883-451f-9b55-4524bc4915b3" providerId="ADAL" clId="{F1BAABD6-565A-4B4D-9F14-502B1B8F4095}" dt="2022-05-25T02:02:01.571" v="8013" actId="478"/>
           <ac:spMkLst>
             <pc:docMk/>
             <pc:sldMk cId="274688009" sldId="280"/>
@@ -4105,7 +4224,23 @@
           </ac:spMkLst>
         </pc:spChg>
         <pc:spChg chg="add mod">
-          <ac:chgData name="Molly Sankey" userId="944469c7-6883-451f-9b55-4524bc4915b3" providerId="ADAL" clId="{F1BAABD6-565A-4B4D-9F14-502B1B8F4095}" dt="2022-05-08T23:33:51.931" v="1410" actId="14100"/>
+          <ac:chgData name="Molly Sankey" userId="944469c7-6883-451f-9b55-4524bc4915b3" providerId="ADAL" clId="{F1BAABD6-565A-4B4D-9F14-502B1B8F4095}" dt="2022-05-25T02:07:00.507" v="8058" actId="14100"/>
+          <ac:spMkLst>
+            <pc:docMk/>
+            <pc:sldMk cId="274688009" sldId="280"/>
+            <ac:spMk id="33" creationId="{7923D4DC-E8AE-47F1-91DE-BB6AADFC916A}"/>
+          </ac:spMkLst>
+        </pc:spChg>
+        <pc:spChg chg="add mod">
+          <ac:chgData name="Molly Sankey" userId="944469c7-6883-451f-9b55-4524bc4915b3" providerId="ADAL" clId="{F1BAABD6-565A-4B4D-9F14-502B1B8F4095}" dt="2022-05-25T02:08:12.410" v="8073" actId="14100"/>
+          <ac:spMkLst>
+            <pc:docMk/>
+            <pc:sldMk cId="274688009" sldId="280"/>
+            <ac:spMk id="34" creationId="{4BB875E0-85EF-4EB9-8133-32E95CFE26C2}"/>
+          </ac:spMkLst>
+        </pc:spChg>
+        <pc:spChg chg="add del mod">
+          <ac:chgData name="Molly Sankey" userId="944469c7-6883-451f-9b55-4524bc4915b3" providerId="ADAL" clId="{F1BAABD6-565A-4B4D-9F14-502B1B8F4095}" dt="2022-05-25T02:01:59.558" v="8011" actId="478"/>
           <ac:spMkLst>
             <pc:docMk/>
             <pc:sldMk cId="274688009" sldId="280"/>
@@ -4113,11 +4248,67 @@
           </ac:spMkLst>
         </pc:spChg>
         <pc:spChg chg="add mod">
-          <ac:chgData name="Molly Sankey" userId="944469c7-6883-451f-9b55-4524bc4915b3" providerId="ADAL" clId="{F1BAABD6-565A-4B4D-9F14-502B1B8F4095}" dt="2022-05-08T23:32:49.229" v="1389" actId="14100"/>
+          <ac:chgData name="Molly Sankey" userId="944469c7-6883-451f-9b55-4524bc4915b3" providerId="ADAL" clId="{F1BAABD6-565A-4B4D-9F14-502B1B8F4095}" dt="2022-05-25T02:09:02.239" v="8078" actId="14100"/>
+          <ac:spMkLst>
+            <pc:docMk/>
+            <pc:sldMk cId="274688009" sldId="280"/>
+            <ac:spMk id="36" creationId="{96CF7F5A-EED5-413A-8F78-13F4BBD40D6F}"/>
+          </ac:spMkLst>
+        </pc:spChg>
+        <pc:spChg chg="add del mod">
+          <ac:chgData name="Molly Sankey" userId="944469c7-6883-451f-9b55-4524bc4915b3" providerId="ADAL" clId="{F1BAABD6-565A-4B4D-9F14-502B1B8F4095}" dt="2022-05-25T02:01:43.554" v="8004" actId="478"/>
           <ac:spMkLst>
             <pc:docMk/>
             <pc:sldMk cId="274688009" sldId="280"/>
             <ac:spMk id="36" creationId="{FB5D623D-1A9E-48DC-AA08-25619E84BFC7}"/>
+          </ac:spMkLst>
+        </pc:spChg>
+        <pc:spChg chg="add mod">
+          <ac:chgData name="Molly Sankey" userId="944469c7-6883-451f-9b55-4524bc4915b3" providerId="ADAL" clId="{F1BAABD6-565A-4B4D-9F14-502B1B8F4095}" dt="2022-05-25T02:10:15.299" v="8093" actId="14100"/>
+          <ac:spMkLst>
+            <pc:docMk/>
+            <pc:sldMk cId="274688009" sldId="280"/>
+            <ac:spMk id="40" creationId="{42917F72-EF63-4B78-B758-BC694950F438}"/>
+          </ac:spMkLst>
+        </pc:spChg>
+        <pc:spChg chg="add mod">
+          <ac:chgData name="Molly Sankey" userId="944469c7-6883-451f-9b55-4524bc4915b3" providerId="ADAL" clId="{F1BAABD6-565A-4B4D-9F14-502B1B8F4095}" dt="2022-05-25T02:10:31.711" v="8096" actId="1076"/>
+          <ac:spMkLst>
+            <pc:docMk/>
+            <pc:sldMk cId="274688009" sldId="280"/>
+            <ac:spMk id="43" creationId="{131A1C35-95CC-44EB-96FD-3B330FEA34B9}"/>
+          </ac:spMkLst>
+        </pc:spChg>
+        <pc:spChg chg="add mod">
+          <ac:chgData name="Molly Sankey" userId="944469c7-6883-451f-9b55-4524bc4915b3" providerId="ADAL" clId="{F1BAABD6-565A-4B4D-9F14-502B1B8F4095}" dt="2022-05-25T02:11:39.410" v="8105" actId="1076"/>
+          <ac:spMkLst>
+            <pc:docMk/>
+            <pc:sldMk cId="274688009" sldId="280"/>
+            <ac:spMk id="51" creationId="{83CEEEFE-239C-4DCA-96D2-557CD264D070}"/>
+          </ac:spMkLst>
+        </pc:spChg>
+        <pc:spChg chg="add mod">
+          <ac:chgData name="Molly Sankey" userId="944469c7-6883-451f-9b55-4524bc4915b3" providerId="ADAL" clId="{F1BAABD6-565A-4B4D-9F14-502B1B8F4095}" dt="2022-05-25T02:11:50.887" v="8108" actId="14100"/>
+          <ac:spMkLst>
+            <pc:docMk/>
+            <pc:sldMk cId="274688009" sldId="280"/>
+            <ac:spMk id="52" creationId="{34777342-0EA8-4B8C-B019-6545CB38474E}"/>
+          </ac:spMkLst>
+        </pc:spChg>
+        <pc:spChg chg="add mod">
+          <ac:chgData name="Molly Sankey" userId="944469c7-6883-451f-9b55-4524bc4915b3" providerId="ADAL" clId="{F1BAABD6-565A-4B4D-9F14-502B1B8F4095}" dt="2022-05-25T02:11:57.144" v="8110" actId="1076"/>
+          <ac:spMkLst>
+            <pc:docMk/>
+            <pc:sldMk cId="274688009" sldId="280"/>
+            <ac:spMk id="53" creationId="{332598E0-D04C-4D07-934B-8B889C2F1DBC}"/>
+          </ac:spMkLst>
+        </pc:spChg>
+        <pc:spChg chg="add mod">
+          <ac:chgData name="Molly Sankey" userId="944469c7-6883-451f-9b55-4524bc4915b3" providerId="ADAL" clId="{F1BAABD6-565A-4B4D-9F14-502B1B8F4095}" dt="2022-05-25T02:12:02.266" v="8112" actId="1076"/>
+          <ac:spMkLst>
+            <pc:docMk/>
+            <pc:sldMk cId="274688009" sldId="280"/>
+            <ac:spMk id="54" creationId="{9576218B-A098-4C5A-B11C-56B151B5DDDA}"/>
           </ac:spMkLst>
         </pc:spChg>
         <pc:grpChg chg="del mod">
@@ -4128,6 +4319,14 @@
             <ac:grpSpMk id="14" creationId="{2BD7B5C4-E2C0-4890-B719-750EC789BB4A}"/>
           </ac:grpSpMkLst>
         </pc:grpChg>
+        <pc:grpChg chg="del mod">
+          <ac:chgData name="Molly Sankey" userId="944469c7-6883-451f-9b55-4524bc4915b3" providerId="ADAL" clId="{F1BAABD6-565A-4B4D-9F14-502B1B8F4095}" dt="2022-05-25T02:05:25.467" v="8042" actId="34122"/>
+          <ac:grpSpMkLst>
+            <pc:docMk/>
+            <pc:sldMk cId="274688009" sldId="280"/>
+            <ac:grpSpMk id="18" creationId="{E3BEE731-34C7-4B66-A016-016CFBDA9322}"/>
+          </ac:grpSpMkLst>
+        </pc:grpChg>
         <pc:grpChg chg="mod">
           <ac:chgData name="Molly Sankey" userId="944469c7-6883-451f-9b55-4524bc4915b3" providerId="ADAL" clId="{F1BAABD6-565A-4B4D-9F14-502B1B8F4095}" dt="2022-05-08T23:29:28.461" v="1328"/>
           <ac:grpSpMkLst>
@@ -4136,8 +4335,16 @@
             <ac:grpSpMk id="18" creationId="{FBF45B46-3857-4ECC-A506-B026098C0EC3}"/>
           </ac:grpSpMkLst>
         </pc:grpChg>
-        <pc:picChg chg="add mod">
-          <ac:chgData name="Molly Sankey" userId="944469c7-6883-451f-9b55-4524bc4915b3" providerId="ADAL" clId="{F1BAABD6-565A-4B4D-9F14-502B1B8F4095}" dt="2022-05-08T23:27:37.594" v="1301" actId="1076"/>
+        <pc:graphicFrameChg chg="add mod modGraphic">
+          <ac:chgData name="Molly Sankey" userId="944469c7-6883-451f-9b55-4524bc4915b3" providerId="ADAL" clId="{F1BAABD6-565A-4B4D-9F14-502B1B8F4095}" dt="2022-05-25T02:02:45.776" v="8027" actId="1076"/>
+          <ac:graphicFrameMkLst>
+            <pc:docMk/>
+            <pc:sldMk cId="274688009" sldId="280"/>
+            <ac:graphicFrameMk id="3" creationId="{5AF9258C-F104-48C8-A4EC-B5C5F30684B3}"/>
+          </ac:graphicFrameMkLst>
+        </pc:graphicFrameChg>
+        <pc:picChg chg="add del mod">
+          <ac:chgData name="Molly Sankey" userId="944469c7-6883-451f-9b55-4524bc4915b3" providerId="ADAL" clId="{F1BAABD6-565A-4B4D-9F14-502B1B8F4095}" dt="2022-05-25T02:01:38.447" v="8001" actId="478"/>
           <ac:picMkLst>
             <pc:docMk/>
             <pc:sldMk cId="274688009" sldId="280"/>
@@ -4160,12 +4367,44 @@
             <ac:picMk id="8" creationId="{B2F8DFCC-5CC7-4F47-87EA-A5AD6A052A1A}"/>
           </ac:picMkLst>
         </pc:picChg>
+        <pc:picChg chg="add mod">
+          <ac:chgData name="Molly Sankey" userId="944469c7-6883-451f-9b55-4524bc4915b3" providerId="ADAL" clId="{F1BAABD6-565A-4B4D-9F14-502B1B8F4095}" dt="2022-05-25T02:03:24.719" v="8030" actId="1076"/>
+          <ac:picMkLst>
+            <pc:docMk/>
+            <pc:sldMk cId="274688009" sldId="280"/>
+            <ac:picMk id="8" creationId="{BA758F41-7E9C-40D0-841D-C782E90B0F10}"/>
+          </ac:picMkLst>
+        </pc:picChg>
         <pc:picChg chg="del">
           <ac:chgData name="Molly Sankey" userId="944469c7-6883-451f-9b55-4524bc4915b3" providerId="ADAL" clId="{F1BAABD6-565A-4B4D-9F14-502B1B8F4095}" dt="2022-05-08T23:26:10.311" v="1290" actId="478"/>
           <ac:picMkLst>
             <pc:docMk/>
             <pc:sldMk cId="274688009" sldId="280"/>
             <ac:picMk id="10" creationId="{4141CD4D-C0D8-407C-B861-E879C2EA2A95}"/>
+          </ac:picMkLst>
+        </pc:picChg>
+        <pc:picChg chg="add mod">
+          <ac:chgData name="Molly Sankey" userId="944469c7-6883-451f-9b55-4524bc4915b3" providerId="ADAL" clId="{F1BAABD6-565A-4B4D-9F14-502B1B8F4095}" dt="2022-05-25T02:03:55.299" v="8032" actId="1076"/>
+          <ac:picMkLst>
+            <pc:docMk/>
+            <pc:sldMk cId="274688009" sldId="280"/>
+            <ac:picMk id="10" creationId="{7F9F686E-D0DE-4E19-A0B9-2B3330F7AA49}"/>
+          </ac:picMkLst>
+        </pc:picChg>
+        <pc:picChg chg="add mod">
+          <ac:chgData name="Molly Sankey" userId="944469c7-6883-451f-9b55-4524bc4915b3" providerId="ADAL" clId="{F1BAABD6-565A-4B4D-9F14-502B1B8F4095}" dt="2022-05-25T02:04:29.182" v="8034" actId="1076"/>
+          <ac:picMkLst>
+            <pc:docMk/>
+            <pc:sldMk cId="274688009" sldId="280"/>
+            <ac:picMk id="12" creationId="{98BD3603-ACE3-4528-9AD0-510748E49FE1}"/>
+          </ac:picMkLst>
+        </pc:picChg>
+        <pc:picChg chg="add mod">
+          <ac:chgData name="Molly Sankey" userId="944469c7-6883-451f-9b55-4524bc4915b3" providerId="ADAL" clId="{F1BAABD6-565A-4B4D-9F14-502B1B8F4095}" dt="2022-05-25T02:05:00.539" v="8036" actId="1076"/>
+          <ac:picMkLst>
+            <pc:docMk/>
+            <pc:sldMk cId="274688009" sldId="280"/>
+            <ac:picMk id="14" creationId="{4A168DD1-D7D5-4B44-93B4-0434C148F686}"/>
           </ac:picMkLst>
         </pc:picChg>
         <pc:inkChg chg="add del">
@@ -4208,12 +4447,36 @@
             <ac:inkMk id="15" creationId="{613B4A9E-F441-4AA1-9B6F-5B4D0EEADD4A}"/>
           </ac:inkMkLst>
         </pc:inkChg>
+        <pc:inkChg chg="add del">
+          <ac:chgData name="Molly Sankey" userId="944469c7-6883-451f-9b55-4524bc4915b3" providerId="ADAL" clId="{F1BAABD6-565A-4B4D-9F14-502B1B8F4095}" dt="2022-05-25T02:05:10.649" v="8038" actId="9405"/>
+          <ac:inkMkLst>
+            <pc:docMk/>
+            <pc:sldMk cId="274688009" sldId="280"/>
+            <ac:inkMk id="15" creationId="{6CB8BB48-BE95-4A00-AE58-F5C467C3F3CC}"/>
+          </ac:inkMkLst>
+        </pc:inkChg>
+        <pc:inkChg chg="add del mod topLvl">
+          <ac:chgData name="Molly Sankey" userId="944469c7-6883-451f-9b55-4524bc4915b3" providerId="ADAL" clId="{F1BAABD6-565A-4B4D-9F14-502B1B8F4095}" dt="2022-05-25T02:05:25.467" v="8042" actId="34122"/>
+          <ac:inkMkLst>
+            <pc:docMk/>
+            <pc:sldMk cId="274688009" sldId="280"/>
+            <ac:inkMk id="16" creationId="{18B9A263-0E67-482C-8EE1-229A74608D0A}"/>
+          </ac:inkMkLst>
+        </pc:inkChg>
         <pc:inkChg chg="add del mod">
           <ac:chgData name="Molly Sankey" userId="944469c7-6883-451f-9b55-4524bc4915b3" providerId="ADAL" clId="{F1BAABD6-565A-4B4D-9F14-502B1B8F4095}" dt="2022-05-08T23:29:28.756" v="1329" actId="9405"/>
           <ac:inkMkLst>
             <pc:docMk/>
             <pc:sldMk cId="274688009" sldId="280"/>
             <ac:inkMk id="16" creationId="{ABDBFDD2-3CB1-4690-9821-56BF7C62B490}"/>
+          </ac:inkMkLst>
+        </pc:inkChg>
+        <pc:inkChg chg="add del mod topLvl">
+          <ac:chgData name="Molly Sankey" userId="944469c7-6883-451f-9b55-4524bc4915b3" providerId="ADAL" clId="{F1BAABD6-565A-4B4D-9F14-502B1B8F4095}" dt="2022-05-25T02:05:32.339" v="8044" actId="478"/>
+          <ac:inkMkLst>
+            <pc:docMk/>
+            <pc:sldMk cId="274688009" sldId="280"/>
+            <ac:inkMk id="17" creationId="{78B9A216-2D4B-45F5-8FAA-32A2BC48AE4F}"/>
           </ac:inkMkLst>
         </pc:inkChg>
         <pc:inkChg chg="add del mod">
@@ -4224,12 +4487,20 @@
             <ac:inkMk id="17" creationId="{80A0A07B-67B4-4C6D-B24E-4AF4CB7EA6DE}"/>
           </ac:inkMkLst>
         </pc:inkChg>
-        <pc:inkChg chg="add">
-          <ac:chgData name="Molly Sankey" userId="944469c7-6883-451f-9b55-4524bc4915b3" providerId="ADAL" clId="{F1BAABD6-565A-4B4D-9F14-502B1B8F4095}" dt="2022-05-08T23:30:34.659" v="1346" actId="9405"/>
+        <pc:inkChg chg="add del">
+          <ac:chgData name="Molly Sankey" userId="944469c7-6883-451f-9b55-4524bc4915b3" providerId="ADAL" clId="{F1BAABD6-565A-4B4D-9F14-502B1B8F4095}" dt="2022-05-25T02:01:49.670" v="8007" actId="478"/>
           <ac:inkMkLst>
             <pc:docMk/>
             <pc:sldMk cId="274688009" sldId="280"/>
             <ac:inkMk id="19" creationId="{02CE57DD-6197-4180-8373-3348F1BE836B}"/>
+          </ac:inkMkLst>
+        </pc:inkChg>
+        <pc:inkChg chg="add del">
+          <ac:chgData name="Molly Sankey" userId="944469c7-6883-451f-9b55-4524bc4915b3" providerId="ADAL" clId="{F1BAABD6-565A-4B4D-9F14-502B1B8F4095}" dt="2022-05-25T02:05:53.066" v="8046" actId="34122"/>
+          <ac:inkMkLst>
+            <pc:docMk/>
+            <pc:sldMk cId="274688009" sldId="280"/>
+            <ac:inkMk id="21" creationId="{00E6EF4E-7281-465D-8481-60C58EE646CD}"/>
           </ac:inkMkLst>
         </pc:inkChg>
         <pc:inkChg chg="add del">
@@ -4248,6 +4519,14 @@
             <ac:inkMk id="22" creationId="{681E9C3E-59E1-4CDB-A1C3-6E71BC8AA402}"/>
           </ac:inkMkLst>
         </pc:inkChg>
+        <pc:inkChg chg="add">
+          <ac:chgData name="Molly Sankey" userId="944469c7-6883-451f-9b55-4524bc4915b3" providerId="ADAL" clId="{F1BAABD6-565A-4B4D-9F14-502B1B8F4095}" dt="2022-05-25T02:06:07.709" v="8048" actId="9405"/>
+          <ac:inkMkLst>
+            <pc:docMk/>
+            <pc:sldMk cId="274688009" sldId="280"/>
+            <ac:inkMk id="22" creationId="{F0D40B0E-DDEC-4081-BE36-2857AC83E989}"/>
+          </ac:inkMkLst>
+        </pc:inkChg>
         <pc:inkChg chg="add del">
           <ac:chgData name="Molly Sankey" userId="944469c7-6883-451f-9b55-4524bc4915b3" providerId="ADAL" clId="{F1BAABD6-565A-4B4D-9F14-502B1B8F4095}" dt="2022-05-08T23:30:57.689" v="1351" actId="9405"/>
           <ac:inkMkLst>
@@ -4256,8 +4535,24 @@
             <ac:inkMk id="23" creationId="{38345A6F-BAC1-44A6-95AA-C080B024175D}"/>
           </ac:inkMkLst>
         </pc:inkChg>
-        <pc:inkChg chg="add">
-          <ac:chgData name="Molly Sankey" userId="944469c7-6883-451f-9b55-4524bc4915b3" providerId="ADAL" clId="{F1BAABD6-565A-4B4D-9F14-502B1B8F4095}" dt="2022-05-08T23:32:23.876" v="1384" actId="9405"/>
+        <pc:inkChg chg="add del">
+          <ac:chgData name="Molly Sankey" userId="944469c7-6883-451f-9b55-4524bc4915b3" providerId="ADAL" clId="{F1BAABD6-565A-4B4D-9F14-502B1B8F4095}" dt="2022-05-25T02:06:43.457" v="8055" actId="478"/>
+          <ac:inkMkLst>
+            <pc:docMk/>
+            <pc:sldMk cId="274688009" sldId="280"/>
+            <ac:inkMk id="23" creationId="{41409AE0-7255-4F74-9710-BA7BDCB764D8}"/>
+          </ac:inkMkLst>
+        </pc:inkChg>
+        <pc:inkChg chg="add del">
+          <ac:chgData name="Molly Sankey" userId="944469c7-6883-451f-9b55-4524bc4915b3" providerId="ADAL" clId="{F1BAABD6-565A-4B4D-9F14-502B1B8F4095}" dt="2022-05-25T02:06:24.205" v="8051" actId="34122"/>
+          <ac:inkMkLst>
+            <pc:docMk/>
+            <pc:sldMk cId="274688009" sldId="280"/>
+            <ac:inkMk id="24" creationId="{498332AB-A325-4038-A34A-BAF9F7CF9F33}"/>
+          </ac:inkMkLst>
+        </pc:inkChg>
+        <pc:inkChg chg="add del">
+          <ac:chgData name="Molly Sankey" userId="944469c7-6883-451f-9b55-4524bc4915b3" providerId="ADAL" clId="{F1BAABD6-565A-4B4D-9F14-502B1B8F4095}" dt="2022-05-25T02:01:52.962" v="8008" actId="478"/>
           <ac:inkMkLst>
             <pc:docMk/>
             <pc:sldMk cId="274688009" sldId="280"/>
@@ -4272,12 +4567,148 @@
             <ac:inkMk id="26" creationId="{02D51FE6-018F-49AA-B730-BEF05AD826F5}"/>
           </ac:inkMkLst>
         </pc:inkChg>
-        <pc:inkChg chg="add">
-          <ac:chgData name="Molly Sankey" userId="944469c7-6883-451f-9b55-4524bc4915b3" providerId="ADAL" clId="{F1BAABD6-565A-4B4D-9F14-502B1B8F4095}" dt="2022-05-08T23:34:01.374" v="1411" actId="9405"/>
+        <pc:inkChg chg="add del">
+          <ac:chgData name="Molly Sankey" userId="944469c7-6883-451f-9b55-4524bc4915b3" providerId="ADAL" clId="{F1BAABD6-565A-4B4D-9F14-502B1B8F4095}" dt="2022-05-25T02:07:16.636" v="8060" actId="34122"/>
+          <ac:inkMkLst>
+            <pc:docMk/>
+            <pc:sldMk cId="274688009" sldId="280"/>
+            <ac:inkMk id="26" creationId="{14749350-D778-4AE0-A34A-7FD006D5DF2B}"/>
+          </ac:inkMkLst>
+        </pc:inkChg>
+        <pc:inkChg chg="add del">
+          <ac:chgData name="Molly Sankey" userId="944469c7-6883-451f-9b55-4524bc4915b3" providerId="ADAL" clId="{F1BAABD6-565A-4B4D-9F14-502B1B8F4095}" dt="2022-05-25T02:07:30.108" v="8063"/>
+          <ac:inkMkLst>
+            <pc:docMk/>
+            <pc:sldMk cId="274688009" sldId="280"/>
+            <ac:inkMk id="31" creationId="{3F0C0EFC-E7E6-4061-8310-3F1EC038DA05}"/>
+          </ac:inkMkLst>
+        </pc:inkChg>
+        <pc:inkChg chg="add del">
+          <ac:chgData name="Molly Sankey" userId="944469c7-6883-451f-9b55-4524bc4915b3" providerId="ADAL" clId="{F1BAABD6-565A-4B4D-9F14-502B1B8F4095}" dt="2022-05-25T02:02:03.308" v="8014" actId="478"/>
           <ac:inkMkLst>
             <pc:docMk/>
             <pc:sldMk cId="274688009" sldId="280"/>
             <ac:inkMk id="32" creationId="{7D46211E-564E-4421-A655-E9D2E8BE0051}"/>
+          </ac:inkMkLst>
+        </pc:inkChg>
+        <pc:inkChg chg="add del">
+          <ac:chgData name="Molly Sankey" userId="944469c7-6883-451f-9b55-4524bc4915b3" providerId="ADAL" clId="{F1BAABD6-565A-4B4D-9F14-502B1B8F4095}" dt="2022-05-25T02:07:34.097" v="8065"/>
+          <ac:inkMkLst>
+            <pc:docMk/>
+            <pc:sldMk cId="274688009" sldId="280"/>
+            <ac:inkMk id="35" creationId="{A9976B3F-59E5-45DD-8770-0DAA16990B3C}"/>
+          </ac:inkMkLst>
+        </pc:inkChg>
+        <pc:inkChg chg="add">
+          <ac:chgData name="Molly Sankey" userId="944469c7-6883-451f-9b55-4524bc4915b3" providerId="ADAL" clId="{F1BAABD6-565A-4B4D-9F14-502B1B8F4095}" dt="2022-05-25T02:07:41.146" v="8066" actId="9405"/>
+          <ac:inkMkLst>
+            <pc:docMk/>
+            <pc:sldMk cId="274688009" sldId="280"/>
+            <ac:inkMk id="37" creationId="{CEAAC40F-3C4A-4E3D-BDC0-7DB4A198276F}"/>
+          </ac:inkMkLst>
+        </pc:inkChg>
+        <pc:inkChg chg="add del">
+          <ac:chgData name="Molly Sankey" userId="944469c7-6883-451f-9b55-4524bc4915b3" providerId="ADAL" clId="{F1BAABD6-565A-4B4D-9F14-502B1B8F4095}" dt="2022-05-25T02:07:53.498" v="8068" actId="9405"/>
+          <ac:inkMkLst>
+            <pc:docMk/>
+            <pc:sldMk cId="274688009" sldId="280"/>
+            <ac:inkMk id="38" creationId="{BD42F458-2589-472D-B69D-0E573015EB04}"/>
+          </ac:inkMkLst>
+        </pc:inkChg>
+        <pc:inkChg chg="add del">
+          <ac:chgData name="Molly Sankey" userId="944469c7-6883-451f-9b55-4524bc4915b3" providerId="ADAL" clId="{F1BAABD6-565A-4B4D-9F14-502B1B8F4095}" dt="2022-05-25T02:08:02.507" v="8070" actId="34122"/>
+          <ac:inkMkLst>
+            <pc:docMk/>
+            <pc:sldMk cId="274688009" sldId="280"/>
+            <ac:inkMk id="39" creationId="{0FF53087-D732-4CE6-9D1E-740E0DCB82CC}"/>
+          </ac:inkMkLst>
+        </pc:inkChg>
+        <pc:inkChg chg="add del">
+          <ac:chgData name="Molly Sankey" userId="944469c7-6883-451f-9b55-4524bc4915b3" providerId="ADAL" clId="{F1BAABD6-565A-4B4D-9F14-502B1B8F4095}" dt="2022-05-25T02:08:31.158" v="8075" actId="34122"/>
+          <ac:inkMkLst>
+            <pc:docMk/>
+            <pc:sldMk cId="274688009" sldId="280"/>
+            <ac:inkMk id="40" creationId="{4796E1E2-C887-4CAE-920A-00DA1A0EA03D}"/>
+          </ac:inkMkLst>
+        </pc:inkChg>
+        <pc:inkChg chg="add">
+          <ac:chgData name="Molly Sankey" userId="944469c7-6883-451f-9b55-4524bc4915b3" providerId="ADAL" clId="{F1BAABD6-565A-4B4D-9F14-502B1B8F4095}" dt="2022-05-25T02:09:11.161" v="8080" actId="9405"/>
+          <ac:inkMkLst>
+            <pc:docMk/>
+            <pc:sldMk cId="274688009" sldId="280"/>
+            <ac:inkMk id="41" creationId="{5D71D41B-3FC0-4214-9161-55AEF17A3456}"/>
+          </ac:inkMkLst>
+        </pc:inkChg>
+        <pc:inkChg chg="add del">
+          <ac:chgData name="Molly Sankey" userId="944469c7-6883-451f-9b55-4524bc4915b3" providerId="ADAL" clId="{F1BAABD6-565A-4B4D-9F14-502B1B8F4095}" dt="2022-05-25T02:09:22.950" v="8082" actId="9405"/>
+          <ac:inkMkLst>
+            <pc:docMk/>
+            <pc:sldMk cId="274688009" sldId="280"/>
+            <ac:inkMk id="42" creationId="{109CB759-8A1B-4A2B-85F6-9F626823D486}"/>
+          </ac:inkMkLst>
+        </pc:inkChg>
+        <pc:inkChg chg="add del">
+          <ac:chgData name="Molly Sankey" userId="944469c7-6883-451f-9b55-4524bc4915b3" providerId="ADAL" clId="{F1BAABD6-565A-4B4D-9F14-502B1B8F4095}" dt="2022-05-25T02:09:38.837" v="8084" actId="9405"/>
+          <ac:inkMkLst>
+            <pc:docMk/>
+            <pc:sldMk cId="274688009" sldId="280"/>
+            <ac:inkMk id="43" creationId="{480486E8-F2C2-4B46-8D7E-6F2BD92FF373}"/>
+          </ac:inkMkLst>
+        </pc:inkChg>
+        <pc:inkChg chg="add del">
+          <ac:chgData name="Molly Sankey" userId="944469c7-6883-451f-9b55-4524bc4915b3" providerId="ADAL" clId="{F1BAABD6-565A-4B4D-9F14-502B1B8F4095}" dt="2022-05-25T02:09:42.132" v="8086" actId="9405"/>
+          <ac:inkMkLst>
+            <pc:docMk/>
+            <pc:sldMk cId="274688009" sldId="280"/>
+            <ac:inkMk id="44" creationId="{B629DDB3-BBA3-4F1C-90BA-B182C7878271}"/>
+          </ac:inkMkLst>
+        </pc:inkChg>
+        <pc:inkChg chg="add del">
+          <ac:chgData name="Molly Sankey" userId="944469c7-6883-451f-9b55-4524bc4915b3" providerId="ADAL" clId="{F1BAABD6-565A-4B4D-9F14-502B1B8F4095}" dt="2022-05-25T02:09:58.763" v="8088" actId="34122"/>
+          <ac:inkMkLst>
+            <pc:docMk/>
+            <pc:sldMk cId="274688009" sldId="280"/>
+            <ac:inkMk id="45" creationId="{BD427DDA-EF39-4AB8-A25F-BC889E0514B7}"/>
+          </ac:inkMkLst>
+        </pc:inkChg>
+        <pc:inkChg chg="add del">
+          <ac:chgData name="Molly Sankey" userId="944469c7-6883-451f-9b55-4524bc4915b3" providerId="ADAL" clId="{F1BAABD6-565A-4B4D-9F14-502B1B8F4095}" dt="2022-05-25T02:10:26.876" v="8095" actId="34122"/>
+          <ac:inkMkLst>
+            <pc:docMk/>
+            <pc:sldMk cId="274688009" sldId="280"/>
+            <ac:inkMk id="46" creationId="{D3A48297-6656-4C8E-AFE3-B2155F2E9CBC}"/>
+          </ac:inkMkLst>
+        </pc:inkChg>
+        <pc:inkChg chg="add del">
+          <ac:chgData name="Molly Sankey" userId="944469c7-6883-451f-9b55-4524bc4915b3" providerId="ADAL" clId="{F1BAABD6-565A-4B4D-9F14-502B1B8F4095}" dt="2022-05-25T02:10:36.252" v="8098" actId="9405"/>
+          <ac:inkMkLst>
+            <pc:docMk/>
+            <pc:sldMk cId="274688009" sldId="280"/>
+            <ac:inkMk id="47" creationId="{D3CE1900-1879-49C0-8EA2-599F8EF17F21}"/>
+          </ac:inkMkLst>
+        </pc:inkChg>
+        <pc:inkChg chg="add del">
+          <ac:chgData name="Molly Sankey" userId="944469c7-6883-451f-9b55-4524bc4915b3" providerId="ADAL" clId="{F1BAABD6-565A-4B4D-9F14-502B1B8F4095}" dt="2022-05-25T02:10:38.693" v="8100" actId="9405"/>
+          <ac:inkMkLst>
+            <pc:docMk/>
+            <pc:sldMk cId="274688009" sldId="280"/>
+            <ac:inkMk id="48" creationId="{D5F4DBB8-6C50-45AB-BADF-9BC48D455B98}"/>
+          </ac:inkMkLst>
+        </pc:inkChg>
+        <pc:inkChg chg="add del">
+          <ac:chgData name="Molly Sankey" userId="944469c7-6883-451f-9b55-4524bc4915b3" providerId="ADAL" clId="{F1BAABD6-565A-4B4D-9F14-502B1B8F4095}" dt="2022-05-25T02:10:43.107" v="8102" actId="9405"/>
+          <ac:inkMkLst>
+            <pc:docMk/>
+            <pc:sldMk cId="274688009" sldId="280"/>
+            <ac:inkMk id="49" creationId="{D35AA48B-08C3-4A10-80C8-892C33BE946F}"/>
+          </ac:inkMkLst>
+        </pc:inkChg>
+        <pc:inkChg chg="add">
+          <ac:chgData name="Molly Sankey" userId="944469c7-6883-451f-9b55-4524bc4915b3" providerId="ADAL" clId="{F1BAABD6-565A-4B4D-9F14-502B1B8F4095}" dt="2022-05-25T02:10:50.827" v="8103" actId="9405"/>
+          <ac:inkMkLst>
+            <pc:docMk/>
+            <pc:sldMk cId="274688009" sldId="280"/>
+            <ac:inkMk id="50" creationId="{130CAC69-DE42-475A-8210-524DBFB05810}"/>
           </ac:inkMkLst>
         </pc:inkChg>
       </pc:sldChg>
@@ -6291,6 +6722,53 @@
             <ac:inkMk id="18" creationId="{231A173E-73D6-4389-89B5-89A9EC0C1A33}"/>
           </ac:inkMkLst>
         </pc:inkChg>
+      </pc:sldChg>
+      <pc:sldChg chg="delSp modSp add mod">
+        <pc:chgData name="Molly Sankey" userId="944469c7-6883-451f-9b55-4524bc4915b3" providerId="ADAL" clId="{F1BAABD6-565A-4B4D-9F14-502B1B8F4095}" dt="2022-05-25T01:45:05.022" v="6695" actId="20577"/>
+        <pc:sldMkLst>
+          <pc:docMk/>
+          <pc:sldMk cId="4133279710" sldId="310"/>
+        </pc:sldMkLst>
+        <pc:spChg chg="mod">
+          <ac:chgData name="Molly Sankey" userId="944469c7-6883-451f-9b55-4524bc4915b3" providerId="ADAL" clId="{F1BAABD6-565A-4B4D-9F14-502B1B8F4095}" dt="2022-05-25T01:45:05.022" v="6695" actId="20577"/>
+          <ac:spMkLst>
+            <pc:docMk/>
+            <pc:sldMk cId="4133279710" sldId="310"/>
+            <ac:spMk id="2" creationId="{D62183D5-E1F8-4917-B0BA-FC2E62047445}"/>
+          </ac:spMkLst>
+        </pc:spChg>
+        <pc:picChg chg="del">
+          <ac:chgData name="Molly Sankey" userId="944469c7-6883-451f-9b55-4524bc4915b3" providerId="ADAL" clId="{F1BAABD6-565A-4B4D-9F14-502B1B8F4095}" dt="2022-05-25T01:44:19.590" v="6632" actId="478"/>
+          <ac:picMkLst>
+            <pc:docMk/>
+            <pc:sldMk cId="4133279710" sldId="310"/>
+            <ac:picMk id="4" creationId="{032BD2D3-FA73-4C09-9F9C-C61A42626432}"/>
+          </ac:picMkLst>
+        </pc:picChg>
+        <pc:picChg chg="del">
+          <ac:chgData name="Molly Sankey" userId="944469c7-6883-451f-9b55-4524bc4915b3" providerId="ADAL" clId="{F1BAABD6-565A-4B4D-9F14-502B1B8F4095}" dt="2022-05-25T01:44:20.810" v="6633" actId="478"/>
+          <ac:picMkLst>
+            <pc:docMk/>
+            <pc:sldMk cId="4133279710" sldId="310"/>
+            <ac:picMk id="8" creationId="{4A6E8168-B287-4387-9906-5225A8B08295}"/>
+          </ac:picMkLst>
+        </pc:picChg>
+        <pc:picChg chg="del">
+          <ac:chgData name="Molly Sankey" userId="944469c7-6883-451f-9b55-4524bc4915b3" providerId="ADAL" clId="{F1BAABD6-565A-4B4D-9F14-502B1B8F4095}" dt="2022-05-25T01:44:22.125" v="6634" actId="478"/>
+          <ac:picMkLst>
+            <pc:docMk/>
+            <pc:sldMk cId="4133279710" sldId="310"/>
+            <ac:picMk id="10" creationId="{032FCFFA-D13F-4D96-8911-EA197DD4335E}"/>
+          </ac:picMkLst>
+        </pc:picChg>
+        <pc:picChg chg="del">
+          <ac:chgData name="Molly Sankey" userId="944469c7-6883-451f-9b55-4524bc4915b3" providerId="ADAL" clId="{F1BAABD6-565A-4B4D-9F14-502B1B8F4095}" dt="2022-05-25T01:44:24.569" v="6635" actId="478"/>
+          <ac:picMkLst>
+            <pc:docMk/>
+            <pc:sldMk cId="4133279710" sldId="310"/>
+            <ac:picMk id="12" creationId="{9A1FFEFD-9A9F-494E-9A2B-3C9F19FEAC20}"/>
+          </ac:picMkLst>
+        </pc:picChg>
       </pc:sldChg>
     </pc:docChg>
   </pc:docChgLst>
@@ -6666,7 +7144,7 @@
           <inkml:channelProperty channel="F" name="resolution" value="0" units="1/dev"/>
         </inkml:channelProperties>
       </inkml:inkSource>
-      <inkml:timestamp xml:id="ts0" timeString="2022-05-08T23:30:34.658"/>
+      <inkml:timestamp xml:id="ts0" timeString="2022-05-25T02:06:07.709"/>
     </inkml:context>
     <inkml:brush xml:id="br0">
       <inkml:brushProperty name="width" value="0.2" units="cm"/>
@@ -6674,7 +7152,7 @@
       <inkml:brushProperty name="color" value="#E71224"/>
     </inkml:brush>
   </inkml:definitions>
-  <inkml:trace contextRef="#ctx0" brushRef="#br0">127 295 1336,'-1'2'190,"-1"0"0,1-1 0,-1 1 0,1-1 0,-1 1 0,1-1 0,-1 1 0,0-1 0,0 0 0,0 0 0,0 0 0,0 0 0,0 0 0,0-1 0,0 1 0,0 0 0,0-1 0,-1 0 0,1 1 0,0-1 0,0 0 0,0 0 0,-3 0 0,2 0-23,-1 0 0,1 0 1,-1 0-1,1 1 0,0 0 0,-1-1 1,1 1-1,0 0 0,-4 2 0,-7 4 66,12-7-176,0 1-1,0-1 0,1 1 0,-1-1 0,0 1 1,1 0-1,-1 0 0,0 0 0,1 0 0,0 0 0,-1 0 1,1 1-1,0-1 0,-1 0 0,1 1 0,-2 2 1,28-1 651,231-30 369,-107 8-637,249-12 844,554 28 0,-409 19-823,1-25-6,-399 0-340,594-25 371,-291 25-188,505-17 654,-823 20-845,508-15 278,-610 22-387,0 1-1,0 2 1,0 1 0,0 1 0,48 17 0,-67-20-86,1 1 1,1-2 0,-1 1 0,0-2-1,1 1 1,-1-1 0,1-1 0,11-1-1,-19 1 62,0 0-1,0 0 1,-1-1-1,1 0 1,0 1-1,-1-1 1,1 0-1,0-1 1,-1 1-1,1 0 1,-1-1-1,0 1 0,1-1 1,-1 0-1,0 1 1,0-1-1,0 0 1,0-1-1,0 1 1,-1 0-1,1 0 1,-1-1-1,1 1 1,-1-1-1,0 1 1,0-1-1,0 0 0,0 1 1,-1-1-1,1 0 1,-1 0-1,1 1 1,-1-1-1,0 0 1,0-4-1,-2-7-74,1 0 0,-2 0-1,0 0 1,0 1-1,-7-17 1,-13-30-351</inkml:trace>
+  <inkml:trace contextRef="#ctx0" brushRef="#br0">1 1 2224,'16'2'6083,"9"5"-4450,41 8-1820,-14-6 385,1 2-1,78 28 1,-100-30-142,34 7 165,0-2-1,1-4 0,73 3 0,114 18 167,-241-28-360,1 0 34,0 0 0,0-1 0,-1 0 0,2-1 0,-1-1 0,19-1 0,3-3-154,-56-6 2106,9 5-1670</inkml:trace>
 </inkml:ink>
 </file>
 
@@ -6686,23 +7164,22 @@
         <inkml:traceFormat>
           <inkml:channel name="X" type="integer" min="-2.14748E9" max="2.14748E9" units="cm"/>
           <inkml:channel name="Y" type="integer" min="-2.14748E9" max="2.14748E9" units="cm"/>
-          <inkml:channel name="F" type="integer" max="32767" units="dev"/>
         </inkml:traceFormat>
         <inkml:channelProperties>
           <inkml:channelProperty channel="X" name="resolution" value="1000" units="1/cm"/>
           <inkml:channelProperty channel="Y" name="resolution" value="1000" units="1/cm"/>
-          <inkml:channelProperty channel="F" name="resolution" value="0" units="1/dev"/>
         </inkml:channelProperties>
       </inkml:inkSource>
-      <inkml:timestamp xml:id="ts0" timeString="2022-05-08T23:32:23.875"/>
+      <inkml:timestamp xml:id="ts0" timeString="2022-05-25T02:07:41.146"/>
     </inkml:context>
     <inkml:brush xml:id="br0">
       <inkml:brushProperty name="width" value="0.2" units="cm"/>
       <inkml:brushProperty name="height" value="0.2" units="cm"/>
-      <inkml:brushProperty name="color" value="#33CCFF"/>
+      <inkml:brushProperty name="color" value="#66CC00"/>
+      <inkml:brushProperty name="ignorePressure" value="1"/>
     </inkml:brush>
   </inkml:definitions>
-  <inkml:trace contextRef="#ctx0" brushRef="#br0">1 365 4561,'20'23'2071,"-17"-19"-1858,1 0 1,-1 0 0,0 0 0,1 0 0,0-1-1,0 1 1,0-1 0,1 0 0,-1 0 0,1-1 0,-1 1-1,1-1 1,0 0 0,0 0 0,8 1 0,62 6 776,99-2 1,-2-1-266,-117-2-543,315 20 781,-346-25-807,0 0-1,0-1 1,44-11-1,71-28 307,8-1-100,-78 30-224,1 3 1,0 3-1,0 4 1,105 8-1,-116-4-16,0-3 0,0-3-1,-1-2 1,87-20 0,224-81 243,-360 104-359,78-22 6,0 3-1,2 4 1,0 4-1,1 4 1,0 4-1,0 4 1,138 14-1,-69 3 13,246-8 0,181-18 304,-170-8-80,386-9 49,-752 30-277,-34 0 8,0-2 0,0 1 0,0-2 0,30-5 0,-42 6-38,-1 0 1,1-1-1,0 1 1,0 0 0,0 1-1,0-1 1,5 2-1,-7-1-64,0-1-1,1 1 0,-1-1 1,1 1-1,-1-1 0,1 0 1,-1 0-1,1 0 0,-1 0 1,1-1-1,-1 1 1,1-1-1,-1 1 0,0-1 1,4-2-1,-5 3 39,0-1-1,-1 1 1,0-1 0,1 1 0,-1-1 0,1 1-1,-1-1 1,0 0 0,1 1 0,-1-1-1,0 1 1,1-1 0,-1 0 0,0 1-1,0-1 1,0 0 0,0 0 0,0 1 0,0-1-1,0 0 1,0 1 0,0-1 0,0 0-1,0 1 1,0-1 0,-1-1 0,-9-23-237,7 19 126,-19-40-305</inkml:trace>
+  <inkml:trace contextRef="#ctx0" brushRef="#br0">139 139,'1120'1120,"-2145"-2145,1009 1009,-151-151,117 116,70 71,-13-12,-9-11,-10-8</inkml:trace>
 </inkml:ink>
 </file>
 
@@ -6722,19 +7199,46 @@
           <inkml:channelProperty channel="F" name="resolution" value="0" units="1/dev"/>
         </inkml:channelProperties>
       </inkml:inkSource>
-      <inkml:timestamp xml:id="ts0" timeString="2022-05-08T23:34:01.374"/>
+      <inkml:timestamp xml:id="ts0" timeString="2022-05-25T02:09:11.160"/>
     </inkml:context>
     <inkml:brush xml:id="br0">
       <inkml:brushProperty name="width" value="0.2" units="cm"/>
       <inkml:brushProperty name="height" value="0.2" units="cm"/>
-      <inkml:brushProperty name="color" value="#66CC00"/>
+      <inkml:brushProperty name="color" value="#33CCFF"/>
     </inkml:brush>
   </inkml:definitions>
-  <inkml:trace contextRef="#ctx0" brushRef="#br0">1 4 3545,'24'-1'659,"-20"0"-414,0 1-1,1-1 1,-1 1-1,0 0 1,1 0-1,-1 0 1,1 1-1,-1 0 1,0 0-1,1 0 1,-1 0-1,0 0 1,0 1-1,0 0 1,6 3-1,3 3-45,-1 0 0,1-2-1,1 0 1,0 0 0,0-1 0,0-1-1,17 4 1,10 3 41,13 6-3,180 60 957,-198-64-976,1-2 0,0-1 0,48 6 0,116-3 261,-130-12-386,536 5 1200,-380-18-959,-138 5-159,150 6 0,-193 6-154,0 3 0,-1 1 1,50 18-1,128 57 29,-17 12 71,-126-55 0,2-4 0,130 40 0,-97-50 88,1-5 0,230 14 0,-176-33-152,244-26 0,-117-24 39,-70 9-25,-155 29-40,86 0 1,-17 21 9,-34-1-18,-60-11-20,-34-1 1,0 1-1,-1 1 0,1 0 1,0 0-1,19 6 1,22 7-58,2-3-1,-1-1 1,73 2 0,-101-7-239,-37-6-1007,4-2 1258,-1 1 0,0 0 1,0 1-1,-11-2 0,-7-1-2581</inkml:trace>
+  <inkml:trace contextRef="#ctx0" brushRef="#br0">29 1193 4425,'-4'9'186,"-1"0"1,0 0-1,-9 13 941,21-23-421,5-4 143,13-9-277,0 0 0,-1-2 0,0 0 0,-2-2 0,0 0 0,38-43 0,101-144 232,-135 170-607,47-69 14,99-128-9,-78 119-181,169-159-1,-256 266 87,4-3-250,-1 0 1,-1 0-1,1-1 1,-1-1 0,-1 1-1,8-15 1,-1-3-58</inkml:trace>
 </inkml:ink>
 </file>
 
 <file path=ppt/ink/ink23.xml><?xml version="1.0" encoding="utf-8"?>
+<inkml:ink xmlns:inkml="http://www.w3.org/2003/InkML">
+  <inkml:definitions>
+    <inkml:context xml:id="ctx0">
+      <inkml:inkSource xml:id="inkSrc0">
+        <inkml:traceFormat>
+          <inkml:channel name="X" type="integer" min="-2.14748E9" max="2.14748E9" units="cm"/>
+          <inkml:channel name="Y" type="integer" min="-2.14748E9" max="2.14748E9" units="cm"/>
+        </inkml:traceFormat>
+        <inkml:channelProperties>
+          <inkml:channelProperty channel="X" name="resolution" value="1000" units="1/cm"/>
+          <inkml:channelProperty channel="Y" name="resolution" value="1000" units="1/cm"/>
+        </inkml:channelProperties>
+      </inkml:inkSource>
+      <inkml:timestamp xml:id="ts0" timeString="2022-05-25T02:10:50.827"/>
+    </inkml:context>
+    <inkml:brush xml:id="br0">
+      <inkml:brushProperty name="width" value="0.2" units="cm"/>
+      <inkml:brushProperty name="height" value="0.2" units="cm"/>
+      <inkml:brushProperty name="color" value="#FFC114"/>
+      <inkml:brushProperty name="ignorePressure" value="1"/>
+    </inkml:brush>
+  </inkml:definitions>
+  <inkml:trace contextRef="#ctx0" brushRef="#br0">1 1567,'1178'-1563,"-1175"1559</inkml:trace>
+</inkml:ink>
+</file>
+
+<file path=ppt/ink/ink24.xml><?xml version="1.0" encoding="utf-8"?>
 <inkml:ink xmlns:inkml="http://www.w3.org/2003/InkML">
   <inkml:definitions>
     <inkml:context xml:id="ctx0">
@@ -6762,7 +7266,7 @@
 </inkml:ink>
 </file>
 
-<file path=ppt/ink/ink24.xml><?xml version="1.0" encoding="utf-8"?>
+<file path=ppt/ink/ink25.xml><?xml version="1.0" encoding="utf-8"?>
 <inkml:ink xmlns:inkml="http://www.w3.org/2003/InkML">
   <inkml:definitions>
     <inkml:context xml:id="ctx0">
@@ -6790,7 +7294,7 @@
 </inkml:ink>
 </file>
 
-<file path=ppt/ink/ink25.xml><?xml version="1.0" encoding="utf-8"?>
+<file path=ppt/ink/ink26.xml><?xml version="1.0" encoding="utf-8"?>
 <inkml:ink xmlns:inkml="http://www.w3.org/2003/InkML">
   <inkml:definitions>
     <inkml:context xml:id="ctx0">
@@ -6818,7 +7322,7 @@
 </inkml:ink>
 </file>
 
-<file path=ppt/ink/ink26.xml><?xml version="1.0" encoding="utf-8"?>
+<file path=ppt/ink/ink27.xml><?xml version="1.0" encoding="utf-8"?>
 <inkml:ink xmlns:inkml="http://www.w3.org/2003/InkML">
   <inkml:definitions>
     <inkml:context xml:id="ctx0">
@@ -6846,7 +7350,7 @@
 </inkml:ink>
 </file>
 
-<file path=ppt/ink/ink27.xml><?xml version="1.0" encoding="utf-8"?>
+<file path=ppt/ink/ink28.xml><?xml version="1.0" encoding="utf-8"?>
 <inkml:ink xmlns:inkml="http://www.w3.org/2003/InkML">
   <inkml:definitions>
     <inkml:context xml:id="ctx0">
@@ -6874,7 +7378,7 @@
 </inkml:ink>
 </file>
 
-<file path=ppt/ink/ink28.xml><?xml version="1.0" encoding="utf-8"?>
+<file path=ppt/ink/ink29.xml><?xml version="1.0" encoding="utf-8"?>
 <inkml:ink xmlns:inkml="http://www.w3.org/2003/InkML">
   <inkml:definitions>
     <inkml:context xml:id="ctx0">
@@ -6899,34 +7403,6 @@
     </inkml:brush>
   </inkml:definitions>
   <inkml:trace contextRef="#ctx0" brushRef="#br0">394 92 2320,'-5'0'137,"-1"1"0,1 0 0,0 0-1,0 1 1,-1 0 0,1 0 0,0 0-1,1 0 1,-1 1 0,0 0 0,1 0-1,-8 11 2538,12-14-2613,9 2 921,15-6-748,-22 4-82,341-33 1232,3 26-821,-37 3-338,-276 3-212,49-2 207,154-24 0,-208 22-168,27-7 267,-55 12-308,1 0 1,-1-1-1,0 1 1,0 0-1,1 0 1,-1-1-1,0 1 0,0 0 1,0-1-1,0 1 1,0 0-1,0 0 1,1-1-1,-1 1 1,0 0-1,0-1 1,0 1-1,0 0 1,0-1-1,0 1 1,0 0-1,0-1 1,0 1-1,0 0 1,-1-1-1,1 1 0,0 0 1,0-1-1,0 1 1,0 0-1,0 0 1,-1-1-1,1 1 1,0-1-1,-6-8 17,3 7-32,0 0-1,-1 1 1,0-1 0,1 1-1,-1-1 1,0 1-1,0 0 1,0 1 0,0-1-1,0 1 1,-5-1-1,-47 5 29,37-1-18,-307 8-2,152-9 8,-56 16-4,80-1-7,98-10-3,-70 2 1,-76-14 18,168 5 10,-1 1-1,-49 10 0,45-6 4,-53 2 0,-55-5 146,176-6-588,-54-4 310</inkml:trace>
-</inkml:ink>
-</file>
-
-<file path=ppt/ink/ink29.xml><?xml version="1.0" encoding="utf-8"?>
-<inkml:ink xmlns:inkml="http://www.w3.org/2003/InkML">
-  <inkml:definitions>
-    <inkml:context xml:id="ctx0">
-      <inkml:inkSource xml:id="inkSrc0">
-        <inkml:traceFormat>
-          <inkml:channel name="X" type="integer" min="-2.14748E9" max="2.14748E9" units="cm"/>
-          <inkml:channel name="Y" type="integer" min="-2.14748E9" max="2.14748E9" units="cm"/>
-          <inkml:channel name="F" type="integer" max="32767" units="dev"/>
-        </inkml:traceFormat>
-        <inkml:channelProperties>
-          <inkml:channelProperty channel="X" name="resolution" value="1000" units="1/cm"/>
-          <inkml:channelProperty channel="Y" name="resolution" value="1000" units="1/cm"/>
-          <inkml:channelProperty channel="F" name="resolution" value="0" units="1/dev"/>
-        </inkml:channelProperties>
-      </inkml:inkSource>
-      <inkml:timestamp xml:id="ts0" timeString="2022-05-23T20:53:33.573"/>
-    </inkml:context>
-    <inkml:brush xml:id="br0">
-      <inkml:brushProperty name="width" value="0.2" units="cm"/>
-      <inkml:brushProperty name="height" value="0.2" units="cm"/>
-      <inkml:brushProperty name="color" value="#66CC00"/>
-    </inkml:brush>
-  </inkml:definitions>
-  <inkml:trace contextRef="#ctx0" brushRef="#br0">17 0 416,'-16'0'120</inkml:trace>
 </inkml:ink>
 </file>
 
@@ -6973,6 +7449,34 @@
           <inkml:channelProperty channel="F" name="resolution" value="0" units="1/dev"/>
         </inkml:channelProperties>
       </inkml:inkSource>
+      <inkml:timestamp xml:id="ts0" timeString="2022-05-23T20:53:33.573"/>
+    </inkml:context>
+    <inkml:brush xml:id="br0">
+      <inkml:brushProperty name="width" value="0.2" units="cm"/>
+      <inkml:brushProperty name="height" value="0.2" units="cm"/>
+      <inkml:brushProperty name="color" value="#66CC00"/>
+    </inkml:brush>
+  </inkml:definitions>
+  <inkml:trace contextRef="#ctx0" brushRef="#br0">17 0 416,'-16'0'120</inkml:trace>
+</inkml:ink>
+</file>
+
+<file path=ppt/ink/ink31.xml><?xml version="1.0" encoding="utf-8"?>
+<inkml:ink xmlns:inkml="http://www.w3.org/2003/InkML">
+  <inkml:definitions>
+    <inkml:context xml:id="ctx0">
+      <inkml:inkSource xml:id="inkSrc0">
+        <inkml:traceFormat>
+          <inkml:channel name="X" type="integer" min="-2.14748E9" max="2.14748E9" units="cm"/>
+          <inkml:channel name="Y" type="integer" min="-2.14748E9" max="2.14748E9" units="cm"/>
+          <inkml:channel name="F" type="integer" max="32767" units="dev"/>
+        </inkml:traceFormat>
+        <inkml:channelProperties>
+          <inkml:channelProperty channel="X" name="resolution" value="1000" units="1/cm"/>
+          <inkml:channelProperty channel="Y" name="resolution" value="1000" units="1/cm"/>
+          <inkml:channelProperty channel="F" name="resolution" value="0" units="1/dev"/>
+        </inkml:channelProperties>
+      </inkml:inkSource>
       <inkml:timestamp xml:id="ts0" timeString="2022-05-23T20:53:51.289"/>
     </inkml:context>
     <inkml:brush xml:id="br0">
@@ -6985,7 +7489,7 @@
 </inkml:ink>
 </file>
 
-<file path=ppt/ink/ink31.xml><?xml version="1.0" encoding="utf-8"?>
+<file path=ppt/ink/ink32.xml><?xml version="1.0" encoding="utf-8"?>
 <inkml:ink xmlns:inkml="http://www.w3.org/2003/InkML">
   <inkml:definitions>
     <inkml:context xml:id="ctx0">
@@ -10378,9 +10882,14 @@
             <a:r>
               <a:rPr lang="en-NZ" i="1" dirty="0">
                 <a:latin typeface="Arial" panose="020B0604020202020204" pitchFamily="34" charset="0"/>
+                <a:ea typeface="Arial" panose="020B0604020202020204" pitchFamily="34" charset="0"/>
               </a:rPr>
-              <a:t>Discuss how the information from planning, testing and trialling of components assisted in the development of a high-quality outcome.</a:t>
+              <a:t>Your version control evidence should go here.  This could be in the form of screenshots (both of your GitHub repository as well as your local project folder) as evidence of your incremental development.</a:t>
             </a:r>
+            <a:endParaRPr lang="en-NZ" dirty="0">
+              <a:latin typeface="Arial" panose="020B0604020202020204" pitchFamily="34" charset="0"/>
+              <a:ea typeface="Arial" panose="020B0604020202020204" pitchFamily="34" charset="0"/>
+            </a:endParaRPr>
           </a:p>
           <a:p>
             <a:endParaRPr lang="en-NZ" dirty="0"/>
@@ -10413,7 +10922,7 @@
     </p:spTree>
     <p:extLst>
       <p:ext uri="{BB962C8B-B14F-4D97-AF65-F5344CB8AC3E}">
-        <p14:creationId xmlns:p14="http://schemas.microsoft.com/office/powerpoint/2010/main" val="906380562"/>
+        <p14:creationId xmlns:p14="http://schemas.microsoft.com/office/powerpoint/2010/main" val="3123601344"/>
       </p:ext>
     </p:extLst>
   </p:cSld>
@@ -10514,6 +11023,115 @@
             <a:fld id="{D89B2B17-F4B1-4A14-AF99-5A366D45E74A}" type="slidenum">
               <a:rPr lang="en-NZ" smtClean="0"/>
               <a:t>38</a:t>
+            </a:fld>
+            <a:endParaRPr lang="en-NZ"/>
+          </a:p>
+        </p:txBody>
+      </p:sp>
+    </p:spTree>
+    <p:extLst>
+      <p:ext uri="{BB962C8B-B14F-4D97-AF65-F5344CB8AC3E}">
+        <p14:creationId xmlns:p14="http://schemas.microsoft.com/office/powerpoint/2010/main" val="906380562"/>
+      </p:ext>
+    </p:extLst>
+  </p:cSld>
+  <p:clrMapOvr>
+    <a:masterClrMapping/>
+  </p:clrMapOvr>
+</p:notes>
+</file>
+
+<file path=ppt/notesSlides/notesSlide33.xml><?xml version="1.0" encoding="utf-8"?>
+<p:notes xmlns:a="http://schemas.openxmlformats.org/drawingml/2006/main" xmlns:r="http://schemas.openxmlformats.org/officeDocument/2006/relationships" xmlns:p="http://schemas.openxmlformats.org/presentationml/2006/main">
+  <p:cSld>
+    <p:spTree>
+      <p:nvGrpSpPr>
+        <p:cNvPr id="1" name=""/>
+        <p:cNvGrpSpPr/>
+        <p:nvPr/>
+      </p:nvGrpSpPr>
+      <p:grpSpPr>
+        <a:xfrm>
+          <a:off x="0" y="0"/>
+          <a:ext cx="0" cy="0"/>
+          <a:chOff x="0" y="0"/>
+          <a:chExt cx="0" cy="0"/>
+        </a:xfrm>
+      </p:grpSpPr>
+      <p:sp>
+        <p:nvSpPr>
+          <p:cNvPr id="2" name="Slide Image Placeholder 1"/>
+          <p:cNvSpPr>
+            <a:spLocks noGrp="1" noRot="1" noChangeAspect="1"/>
+          </p:cNvSpPr>
+          <p:nvPr>
+            <p:ph type="sldImg"/>
+          </p:nvPr>
+        </p:nvSpPr>
+        <p:spPr/>
+      </p:sp>
+      <p:sp>
+        <p:nvSpPr>
+          <p:cNvPr id="3" name="Notes Placeholder 2"/>
+          <p:cNvSpPr>
+            <a:spLocks noGrp="1"/>
+          </p:cNvSpPr>
+          <p:nvPr>
+            <p:ph type="body" idx="1"/>
+          </p:nvPr>
+        </p:nvSpPr>
+        <p:spPr/>
+        <p:txBody>
+          <a:bodyPr/>
+          <a:lstStyle/>
+          <a:p>
+            <a:pPr marL="0" marR="0" lvl="0" indent="0" algn="l" defTabSz="914400" rtl="0" eaLnBrk="1" fontAlgn="auto" latinLnBrk="0" hangingPunct="1">
+              <a:lnSpc>
+                <a:spcPct val="100000"/>
+              </a:lnSpc>
+              <a:spcBef>
+                <a:spcPts val="0"/>
+              </a:spcBef>
+              <a:spcAft>
+                <a:spcPts val="0"/>
+              </a:spcAft>
+              <a:buClrTx/>
+              <a:buSzTx/>
+              <a:buFontTx/>
+              <a:buNone/>
+              <a:tabLst/>
+              <a:defRPr/>
+            </a:pPr>
+            <a:r>
+              <a:rPr lang="en-NZ" i="1" dirty="0">
+                <a:latin typeface="Arial" panose="020B0604020202020204" pitchFamily="34" charset="0"/>
+              </a:rPr>
+              <a:t>Discuss how the information from planning, testing and trialling of components assisted in the development of a high-quality outcome.</a:t>
+            </a:r>
+          </a:p>
+          <a:p>
+            <a:endParaRPr lang="en-NZ" dirty="0"/>
+          </a:p>
+        </p:txBody>
+      </p:sp>
+      <p:sp>
+        <p:nvSpPr>
+          <p:cNvPr id="4" name="Slide Number Placeholder 3"/>
+          <p:cNvSpPr>
+            <a:spLocks noGrp="1"/>
+          </p:cNvSpPr>
+          <p:nvPr>
+            <p:ph type="sldNum" sz="quarter" idx="5"/>
+          </p:nvPr>
+        </p:nvSpPr>
+        <p:spPr/>
+        <p:txBody>
+          <a:bodyPr/>
+          <a:lstStyle/>
+          <a:p>
+            <a:fld id="{D89B2B17-F4B1-4A14-AF99-5A366D45E74A}" type="slidenum">
+              <a:rPr lang="en-NZ" smtClean="0"/>
+              <a:t>39</a:t>
             </a:fld>
             <a:endParaRPr lang="en-NZ"/>
           </a:p>
@@ -17799,14 +18417,14 @@
           <p:nvPr>
             <p:extLst>
               <p:ext uri="{D42A27DB-BD31-4B8C-83A1-F6EECF244321}">
-                <p14:modId xmlns:p14="http://schemas.microsoft.com/office/powerpoint/2010/main" val="1535948206"/>
+                <p14:modId xmlns:p14="http://schemas.microsoft.com/office/powerpoint/2010/main" val="678669501"/>
               </p:ext>
             </p:extLst>
           </p:nvPr>
         </p:nvGraphicFramePr>
         <p:xfrm>
-          <a:off x="415600" y="910593"/>
-          <a:ext cx="11360800" cy="2438240"/>
+          <a:off x="415600" y="910592"/>
+          <a:ext cx="11360800" cy="4366939"/>
         </p:xfrm>
         <a:graphic>
           <a:graphicData uri="http://schemas.openxmlformats.org/drawingml/2006/table">
@@ -17830,7 +18448,7 @@
                   </a:extLst>
                 </a:gridCol>
               </a:tblGrid>
-              <a:tr h="609560">
+              <a:tr h="805433">
                 <a:tc>
                   <a:txBody>
                     <a:bodyPr/>
@@ -17891,7 +18509,7 @@
                   </a:ext>
                 </a:extLst>
               </a:tr>
-              <a:tr h="609560">
+              <a:tr h="805433">
                 <a:tc>
                   <a:txBody>
                     <a:bodyPr/>
@@ -17939,7 +18557,7 @@
                       </a:pPr>
                       <a:r>
                         <a:rPr lang="en-NZ" sz="2400" dirty="0"/>
-                        <a:t>Correct / incorrect</a:t>
+                        <a:t>Correct</a:t>
                       </a:r>
                     </a:p>
                   </a:txBody>
@@ -17951,7 +18569,7 @@
                   </a:ext>
                 </a:extLst>
               </a:tr>
-              <a:tr h="609560">
+              <a:tr h="805433">
                 <a:tc>
                   <a:txBody>
                     <a:bodyPr/>
@@ -17968,7 +18586,7 @@
                       </a:pPr>
                       <a:r>
                         <a:rPr lang="en-NZ" sz="2400" dirty="0"/>
-                        <a:t>xxi</a:t>
+                        <a:t>One (correct in written form)</a:t>
                       </a:r>
                       <a:endParaRPr sz="2400" dirty="0"/>
                     </a:p>
@@ -17999,7 +18617,7 @@
                       </a:pPr>
                       <a:r>
                         <a:rPr lang="en-NZ" sz="2400" dirty="0"/>
-                        <a:t>Correct / incorrect</a:t>
+                        <a:t>Correct </a:t>
                       </a:r>
                     </a:p>
                   </a:txBody>
@@ -18007,11 +18625,11 @@
                 </a:tc>
                 <a:extLst>
                   <a:ext uri="{0D108BD9-81ED-4DB2-BD59-A6C34878D82A}">
-                    <a16:rowId xmlns:a16="http://schemas.microsoft.com/office/drawing/2014/main" val="2099733630"/>
+                    <a16:rowId xmlns:a16="http://schemas.microsoft.com/office/drawing/2014/main" val="1196510226"/>
                   </a:ext>
                 </a:extLst>
               </a:tr>
-              <a:tr h="609560">
+              <a:tr h="805433">
                 <a:tc>
                   <a:txBody>
                     <a:bodyPr/>
@@ -18027,8 +18645,12 @@
                         <a:buNone/>
                       </a:pPr>
                       <a:r>
+                        <a:rPr lang="en-NZ" sz="2400" dirty="0" err="1"/>
+                        <a:t>Xxi</a:t>
+                      </a:r>
+                      <a:r>
                         <a:rPr lang="en-NZ" sz="2400" dirty="0"/>
-                        <a:t>0.4</a:t>
+                        <a:t> (incorrect answer)</a:t>
                       </a:r>
                       <a:endParaRPr sz="2400" dirty="0"/>
                     </a:p>
@@ -18059,7 +18681,113 @@
                       </a:pPr>
                       <a:r>
                         <a:rPr lang="en-NZ" sz="2400" dirty="0"/>
-                        <a:t>Correct / incorrect</a:t>
+                        <a:t>Incorrect</a:t>
+                      </a:r>
+                    </a:p>
+                    <a:p>
+                      <a:pPr marL="0" marR="0" lvl="0" indent="0" algn="l" defTabSz="914400" rtl="0" eaLnBrk="1" fontAlgn="auto" latinLnBrk="0" hangingPunct="1">
+                        <a:lnSpc>
+                          <a:spcPct val="100000"/>
+                        </a:lnSpc>
+                        <a:spcBef>
+                          <a:spcPts val="0"/>
+                        </a:spcBef>
+                        <a:spcAft>
+                          <a:spcPts val="0"/>
+                        </a:spcAft>
+                        <a:buClrTx/>
+                        <a:buSzTx/>
+                        <a:buFontTx/>
+                        <a:buNone/>
+                        <a:tabLst/>
+                        <a:defRPr/>
+                      </a:pPr>
+                      <a:r>
+                        <a:rPr lang="en-NZ" sz="2400" dirty="0"/>
+                        <a:t>“The answer was {}”</a:t>
+                      </a:r>
+                    </a:p>
+                  </a:txBody>
+                  <a:tcPr marL="121900" marR="121900" marT="121900" marB="121900"/>
+                </a:tc>
+                <a:extLst>
+                  <a:ext uri="{0D108BD9-81ED-4DB2-BD59-A6C34878D82A}">
+                    <a16:rowId xmlns:a16="http://schemas.microsoft.com/office/drawing/2014/main" val="2099733630"/>
+                  </a:ext>
+                </a:extLst>
+              </a:tr>
+              <a:tr h="805433">
+                <a:tc>
+                  <a:txBody>
+                    <a:bodyPr/>
+                    <a:lstStyle/>
+                    <a:p>
+                      <a:pPr marL="0" lvl="0" indent="0" algn="l" rtl="0">
+                        <a:spcBef>
+                          <a:spcPts val="0"/>
+                        </a:spcBef>
+                        <a:spcAft>
+                          <a:spcPts val="0"/>
+                        </a:spcAft>
+                        <a:buNone/>
+                      </a:pPr>
+                      <a:r>
+                        <a:rPr lang="en-NZ" sz="2400" dirty="0"/>
+                        <a:t>0.4 (incorrect answer)</a:t>
+                      </a:r>
+                      <a:endParaRPr sz="2400" dirty="0"/>
+                    </a:p>
+                  </a:txBody>
+                  <a:tcPr marL="121900" marR="121900" marT="121900" marB="121900"/>
+                </a:tc>
+                <a:tc>
+                  <a:txBody>
+                    <a:bodyPr/>
+                    <a:lstStyle/>
+                    <a:p>
+                      <a:pPr marL="0" marR="0" lvl="0" indent="0" algn="l" defTabSz="914400" rtl="0" eaLnBrk="1" fontAlgn="auto" latinLnBrk="0" hangingPunct="1">
+                        <a:lnSpc>
+                          <a:spcPct val="100000"/>
+                        </a:lnSpc>
+                        <a:spcBef>
+                          <a:spcPts val="0"/>
+                        </a:spcBef>
+                        <a:spcAft>
+                          <a:spcPts val="0"/>
+                        </a:spcAft>
+                        <a:buClrTx/>
+                        <a:buSzTx/>
+                        <a:buFontTx/>
+                        <a:buNone/>
+                        <a:tabLst/>
+                        <a:defRPr/>
+                      </a:pPr>
+                      <a:r>
+                        <a:rPr lang="en-NZ" sz="2400" dirty="0"/>
+                        <a:t>Incorrect</a:t>
+                      </a:r>
+                    </a:p>
+                    <a:p>
+                      <a:pPr marL="0" marR="0" lvl="0" indent="0" algn="l" defTabSz="914400" rtl="0" eaLnBrk="1" fontAlgn="auto" latinLnBrk="0" hangingPunct="1">
+                        <a:lnSpc>
+                          <a:spcPct val="100000"/>
+                        </a:lnSpc>
+                        <a:spcBef>
+                          <a:spcPts val="0"/>
+                        </a:spcBef>
+                        <a:spcAft>
+                          <a:spcPts val="0"/>
+                        </a:spcAft>
+                        <a:buClrTx/>
+                        <a:buSzTx/>
+                        <a:buFontTx/>
+                        <a:buNone/>
+                        <a:tabLst/>
+                        <a:defRPr/>
+                      </a:pPr>
+                      <a:r>
+                        <a:rPr lang="en-NZ" sz="2400" dirty="0"/>
+                        <a:t>“The answer was {}”</a:t>
                       </a:r>
                     </a:p>
                   </a:txBody>
@@ -18089,7 +18817,7 @@
         </p:nvSpPr>
         <p:spPr>
           <a:xfrm>
-            <a:off x="873760" y="3942080"/>
+            <a:off x="415600" y="5563335"/>
             <a:ext cx="7884160" cy="1077218"/>
           </a:xfrm>
           <a:prstGeom prst="rect">
@@ -18142,10 +18870,559 @@
       </p:grpSpPr>
       <p:sp>
         <p:nvSpPr>
-          <p:cNvPr id="30" name="직사각형 26">
+          <p:cNvPr id="2" name="Title 1">
             <a:extLst>
               <a:ext uri="{FF2B5EF4-FFF2-40B4-BE49-F238E27FC236}">
-                <a16:creationId xmlns:a16="http://schemas.microsoft.com/office/drawing/2014/main" id="{6C05B776-E39C-4CB4-8FEA-C21AF98EFD9B}"/>
+                <a16:creationId xmlns:a16="http://schemas.microsoft.com/office/drawing/2014/main" id="{357FEE5A-F482-48CE-8D54-0452FE708BE8}"/>
+              </a:ext>
+            </a:extLst>
+          </p:cNvPr>
+          <p:cNvSpPr>
+            <a:spLocks noGrp="1"/>
+          </p:cNvSpPr>
+          <p:nvPr>
+            <p:ph type="title"/>
+          </p:nvPr>
+        </p:nvSpPr>
+        <p:spPr/>
+        <p:txBody>
+          <a:bodyPr/>
+          <a:lstStyle/>
+          <a:p>
+            <a:r>
+              <a:rPr lang="en-NZ" dirty="0"/>
+              <a:t>Question Generator - Testing</a:t>
+            </a:r>
+          </a:p>
+        </p:txBody>
+      </p:sp>
+      <p:graphicFrame>
+        <p:nvGraphicFramePr>
+          <p:cNvPr id="3" name="Table 2">
+            <a:extLst>
+              <a:ext uri="{FF2B5EF4-FFF2-40B4-BE49-F238E27FC236}">
+                <a16:creationId xmlns:a16="http://schemas.microsoft.com/office/drawing/2014/main" id="{5AF9258C-F104-48C8-A4EC-B5C5F30684B3}"/>
+              </a:ext>
+            </a:extLst>
+          </p:cNvPr>
+          <p:cNvGraphicFramePr>
+            <a:graphicFrameLocks noGrp="1"/>
+          </p:cNvGraphicFramePr>
+          <p:nvPr>
+            <p:extLst>
+              <p:ext uri="{D42A27DB-BD31-4B8C-83A1-F6EECF244321}">
+                <p14:modId xmlns:p14="http://schemas.microsoft.com/office/powerpoint/2010/main" val="1742139282"/>
+              </p:ext>
+            </p:extLst>
+          </p:nvPr>
+        </p:nvGraphicFramePr>
+        <p:xfrm>
+          <a:off x="3826820" y="2042183"/>
+          <a:ext cx="8050220" cy="3169480"/>
+        </p:xfrm>
+        <a:graphic>
+          <a:graphicData uri="http://schemas.openxmlformats.org/drawingml/2006/table">
+            <a:tbl>
+              <a:tblPr>
+                <a:noFill/>
+              </a:tblPr>
+              <a:tblGrid>
+                <a:gridCol w="4025110">
+                  <a:extLst>
+                    <a:ext uri="{9D8B030D-6E8A-4147-A177-3AD203B41FA5}">
+                      <a16:colId xmlns:a16="http://schemas.microsoft.com/office/drawing/2014/main" val="4100212963"/>
+                    </a:ext>
+                  </a:extLst>
+                </a:gridCol>
+                <a:gridCol w="4025110">
+                  <a:extLst>
+                    <a:ext uri="{9D8B030D-6E8A-4147-A177-3AD203B41FA5}">
+                      <a16:colId xmlns:a16="http://schemas.microsoft.com/office/drawing/2014/main" val="390796121"/>
+                    </a:ext>
+                  </a:extLst>
+                </a:gridCol>
+              </a:tblGrid>
+              <a:tr h="504713">
+                <a:tc>
+                  <a:txBody>
+                    <a:bodyPr/>
+                    <a:lstStyle/>
+                    <a:p>
+                      <a:pPr marL="0" lvl="0" indent="0" algn="l" rtl="0">
+                        <a:spcBef>
+                          <a:spcPts val="0"/>
+                        </a:spcBef>
+                        <a:spcAft>
+                          <a:spcPts val="0"/>
+                        </a:spcAft>
+                        <a:buNone/>
+                      </a:pPr>
+                      <a:r>
+                        <a:rPr lang="en" sz="1800" b="1" dirty="0"/>
+                        <a:t>Test Cases - input</a:t>
+                      </a:r>
+                      <a:endParaRPr sz="1800" b="1" dirty="0"/>
+                    </a:p>
+                  </a:txBody>
+                  <a:tcPr marL="121900" marR="121900" marT="121900" marB="121900">
+                    <a:solidFill>
+                      <a:srgbClr val="CCCCCC"/>
+                    </a:solidFill>
+                  </a:tcPr>
+                </a:tc>
+                <a:tc>
+                  <a:txBody>
+                    <a:bodyPr/>
+                    <a:lstStyle/>
+                    <a:p>
+                      <a:pPr marL="0" lvl="0" indent="0" algn="l" rtl="0">
+                        <a:spcBef>
+                          <a:spcPts val="0"/>
+                        </a:spcBef>
+                        <a:spcAft>
+                          <a:spcPts val="0"/>
+                        </a:spcAft>
+                        <a:buNone/>
+                      </a:pPr>
+                      <a:r>
+                        <a:rPr lang="en" sz="1800" b="1" dirty="0"/>
+                        <a:t>Expected output</a:t>
+                      </a:r>
+                      <a:endParaRPr sz="1800" b="1" dirty="0"/>
+                    </a:p>
+                  </a:txBody>
+                  <a:tcPr marL="121900" marR="121900" marT="121900" marB="121900">
+                    <a:solidFill>
+                      <a:srgbClr val="CCCCCC"/>
+                    </a:solidFill>
+                  </a:tcPr>
+                </a:tc>
+                <a:extLst>
+                  <a:ext uri="{0D108BD9-81ED-4DB2-BD59-A6C34878D82A}">
+                    <a16:rowId xmlns:a16="http://schemas.microsoft.com/office/drawing/2014/main" val="312763338"/>
+                  </a:ext>
+                </a:extLst>
+              </a:tr>
+              <a:tr h="504713">
+                <a:tc>
+                  <a:txBody>
+                    <a:bodyPr/>
+                    <a:lstStyle/>
+                    <a:p>
+                      <a:pPr marL="0" lvl="0" indent="0" algn="l" rtl="0">
+                        <a:spcBef>
+                          <a:spcPts val="0"/>
+                        </a:spcBef>
+                        <a:spcAft>
+                          <a:spcPts val="0"/>
+                        </a:spcAft>
+                        <a:buNone/>
+                      </a:pPr>
+                      <a:r>
+                        <a:rPr lang="en-NZ" sz="1800" dirty="0"/>
+                        <a:t>1</a:t>
+                      </a:r>
+                      <a:endParaRPr sz="1800" dirty="0"/>
+                    </a:p>
+                  </a:txBody>
+                  <a:tcPr marL="121900" marR="121900" marT="121900" marB="121900"/>
+                </a:tc>
+                <a:tc>
+                  <a:txBody>
+                    <a:bodyPr/>
+                    <a:lstStyle/>
+                    <a:p>
+                      <a:pPr marL="0" marR="0" lvl="0" indent="0" algn="l" defTabSz="914400" rtl="0" eaLnBrk="1" fontAlgn="auto" latinLnBrk="0" hangingPunct="1">
+                        <a:lnSpc>
+                          <a:spcPct val="100000"/>
+                        </a:lnSpc>
+                        <a:spcBef>
+                          <a:spcPts val="0"/>
+                        </a:spcBef>
+                        <a:spcAft>
+                          <a:spcPts val="0"/>
+                        </a:spcAft>
+                        <a:buClrTx/>
+                        <a:buSzTx/>
+                        <a:buFontTx/>
+                        <a:buNone/>
+                        <a:tabLst/>
+                        <a:defRPr/>
+                      </a:pPr>
+                      <a:r>
+                        <a:rPr lang="en-NZ" sz="1800" dirty="0"/>
+                        <a:t>Correct</a:t>
+                      </a:r>
+                    </a:p>
+                  </a:txBody>
+                  <a:tcPr marL="121900" marR="121900" marT="121900" marB="121900"/>
+                </a:tc>
+                <a:extLst>
+                  <a:ext uri="{0D108BD9-81ED-4DB2-BD59-A6C34878D82A}">
+                    <a16:rowId xmlns:a16="http://schemas.microsoft.com/office/drawing/2014/main" val="257776678"/>
+                  </a:ext>
+                </a:extLst>
+              </a:tr>
+              <a:tr h="504713">
+                <a:tc>
+                  <a:txBody>
+                    <a:bodyPr/>
+                    <a:lstStyle/>
+                    <a:p>
+                      <a:pPr marL="0" lvl="0" indent="0" algn="l" rtl="0">
+                        <a:spcBef>
+                          <a:spcPts val="0"/>
+                        </a:spcBef>
+                        <a:spcAft>
+                          <a:spcPts val="0"/>
+                        </a:spcAft>
+                        <a:buNone/>
+                      </a:pPr>
+                      <a:r>
+                        <a:rPr lang="en-NZ" sz="1800" dirty="0"/>
+                        <a:t>One (correct in written form)</a:t>
+                      </a:r>
+                      <a:endParaRPr sz="1800" dirty="0"/>
+                    </a:p>
+                  </a:txBody>
+                  <a:tcPr marL="121900" marR="121900" marT="121900" marB="121900"/>
+                </a:tc>
+                <a:tc>
+                  <a:txBody>
+                    <a:bodyPr/>
+                    <a:lstStyle/>
+                    <a:p>
+                      <a:pPr marL="0" marR="0" lvl="0" indent="0" algn="l" defTabSz="914400" rtl="0" eaLnBrk="1" fontAlgn="auto" latinLnBrk="0" hangingPunct="1">
+                        <a:lnSpc>
+                          <a:spcPct val="100000"/>
+                        </a:lnSpc>
+                        <a:spcBef>
+                          <a:spcPts val="0"/>
+                        </a:spcBef>
+                        <a:spcAft>
+                          <a:spcPts val="0"/>
+                        </a:spcAft>
+                        <a:buClrTx/>
+                        <a:buSzTx/>
+                        <a:buFontTx/>
+                        <a:buNone/>
+                        <a:tabLst/>
+                        <a:defRPr/>
+                      </a:pPr>
+                      <a:r>
+                        <a:rPr lang="en-NZ" sz="1800" dirty="0"/>
+                        <a:t>Correct </a:t>
+                      </a:r>
+                    </a:p>
+                  </a:txBody>
+                  <a:tcPr marL="121900" marR="121900" marT="121900" marB="121900"/>
+                </a:tc>
+                <a:extLst>
+                  <a:ext uri="{0D108BD9-81ED-4DB2-BD59-A6C34878D82A}">
+                    <a16:rowId xmlns:a16="http://schemas.microsoft.com/office/drawing/2014/main" val="3652416908"/>
+                  </a:ext>
+                </a:extLst>
+              </a:tr>
+              <a:tr h="807560">
+                <a:tc>
+                  <a:txBody>
+                    <a:bodyPr/>
+                    <a:lstStyle/>
+                    <a:p>
+                      <a:pPr marL="0" lvl="0" indent="0" algn="l" rtl="0">
+                        <a:spcBef>
+                          <a:spcPts val="0"/>
+                        </a:spcBef>
+                        <a:spcAft>
+                          <a:spcPts val="0"/>
+                        </a:spcAft>
+                        <a:buNone/>
+                      </a:pPr>
+                      <a:r>
+                        <a:rPr lang="en-NZ" sz="1800" dirty="0" err="1"/>
+                        <a:t>Xxi</a:t>
+                      </a:r>
+                      <a:r>
+                        <a:rPr lang="en-NZ" sz="1800" dirty="0"/>
+                        <a:t> (incorrect answer)</a:t>
+                      </a:r>
+                      <a:endParaRPr sz="1800" dirty="0"/>
+                    </a:p>
+                  </a:txBody>
+                  <a:tcPr marL="121900" marR="121900" marT="121900" marB="121900"/>
+                </a:tc>
+                <a:tc>
+                  <a:txBody>
+                    <a:bodyPr/>
+                    <a:lstStyle/>
+                    <a:p>
+                      <a:pPr marL="0" marR="0" lvl="0" indent="0" algn="l" defTabSz="914400" rtl="0" eaLnBrk="1" fontAlgn="auto" latinLnBrk="0" hangingPunct="1">
+                        <a:lnSpc>
+                          <a:spcPct val="100000"/>
+                        </a:lnSpc>
+                        <a:spcBef>
+                          <a:spcPts val="0"/>
+                        </a:spcBef>
+                        <a:spcAft>
+                          <a:spcPts val="0"/>
+                        </a:spcAft>
+                        <a:buClrTx/>
+                        <a:buSzTx/>
+                        <a:buFontTx/>
+                        <a:buNone/>
+                        <a:tabLst/>
+                        <a:defRPr/>
+                      </a:pPr>
+                      <a:r>
+                        <a:rPr lang="en-NZ" sz="1800" dirty="0"/>
+                        <a:t>Incorrect</a:t>
+                      </a:r>
+                    </a:p>
+                    <a:p>
+                      <a:pPr marL="0" marR="0" lvl="0" indent="0" algn="l" defTabSz="914400" rtl="0" eaLnBrk="1" fontAlgn="auto" latinLnBrk="0" hangingPunct="1">
+                        <a:lnSpc>
+                          <a:spcPct val="100000"/>
+                        </a:lnSpc>
+                        <a:spcBef>
+                          <a:spcPts val="0"/>
+                        </a:spcBef>
+                        <a:spcAft>
+                          <a:spcPts val="0"/>
+                        </a:spcAft>
+                        <a:buClrTx/>
+                        <a:buSzTx/>
+                        <a:buFontTx/>
+                        <a:buNone/>
+                        <a:tabLst/>
+                        <a:defRPr/>
+                      </a:pPr>
+                      <a:r>
+                        <a:rPr lang="en-NZ" sz="1800" dirty="0"/>
+                        <a:t>“The answer was {}”</a:t>
+                      </a:r>
+                    </a:p>
+                  </a:txBody>
+                  <a:tcPr marL="121900" marR="121900" marT="121900" marB="121900"/>
+                </a:tc>
+                <a:extLst>
+                  <a:ext uri="{0D108BD9-81ED-4DB2-BD59-A6C34878D82A}">
+                    <a16:rowId xmlns:a16="http://schemas.microsoft.com/office/drawing/2014/main" val="1497544828"/>
+                  </a:ext>
+                </a:extLst>
+              </a:tr>
+              <a:tr h="807560">
+                <a:tc>
+                  <a:txBody>
+                    <a:bodyPr/>
+                    <a:lstStyle/>
+                    <a:p>
+                      <a:pPr marL="0" lvl="0" indent="0" algn="l" rtl="0">
+                        <a:spcBef>
+                          <a:spcPts val="0"/>
+                        </a:spcBef>
+                        <a:spcAft>
+                          <a:spcPts val="0"/>
+                        </a:spcAft>
+                        <a:buNone/>
+                      </a:pPr>
+                      <a:r>
+                        <a:rPr lang="en-NZ" sz="1800" dirty="0"/>
+                        <a:t>0.4 (incorrect answer)</a:t>
+                      </a:r>
+                      <a:endParaRPr sz="1800" dirty="0"/>
+                    </a:p>
+                  </a:txBody>
+                  <a:tcPr marL="121900" marR="121900" marT="121900" marB="121900"/>
+                </a:tc>
+                <a:tc>
+                  <a:txBody>
+                    <a:bodyPr/>
+                    <a:lstStyle/>
+                    <a:p>
+                      <a:pPr marL="0" marR="0" lvl="0" indent="0" algn="l" defTabSz="914400" rtl="0" eaLnBrk="1" fontAlgn="auto" latinLnBrk="0" hangingPunct="1">
+                        <a:lnSpc>
+                          <a:spcPct val="100000"/>
+                        </a:lnSpc>
+                        <a:spcBef>
+                          <a:spcPts val="0"/>
+                        </a:spcBef>
+                        <a:spcAft>
+                          <a:spcPts val="0"/>
+                        </a:spcAft>
+                        <a:buClrTx/>
+                        <a:buSzTx/>
+                        <a:buFontTx/>
+                        <a:buNone/>
+                        <a:tabLst/>
+                        <a:defRPr/>
+                      </a:pPr>
+                      <a:r>
+                        <a:rPr lang="en-NZ" sz="1800" dirty="0"/>
+                        <a:t>Incorrect</a:t>
+                      </a:r>
+                    </a:p>
+                    <a:p>
+                      <a:pPr marL="0" marR="0" lvl="0" indent="0" algn="l" defTabSz="914400" rtl="0" eaLnBrk="1" fontAlgn="auto" latinLnBrk="0" hangingPunct="1">
+                        <a:lnSpc>
+                          <a:spcPct val="100000"/>
+                        </a:lnSpc>
+                        <a:spcBef>
+                          <a:spcPts val="0"/>
+                        </a:spcBef>
+                        <a:spcAft>
+                          <a:spcPts val="0"/>
+                        </a:spcAft>
+                        <a:buClrTx/>
+                        <a:buSzTx/>
+                        <a:buFontTx/>
+                        <a:buNone/>
+                        <a:tabLst/>
+                        <a:defRPr/>
+                      </a:pPr>
+                      <a:r>
+                        <a:rPr lang="en-NZ" sz="1800" dirty="0"/>
+                        <a:t>“The answer was {}”</a:t>
+                      </a:r>
+                    </a:p>
+                  </a:txBody>
+                  <a:tcPr marL="121900" marR="121900" marT="121900" marB="121900"/>
+                </a:tc>
+                <a:extLst>
+                  <a:ext uri="{0D108BD9-81ED-4DB2-BD59-A6C34878D82A}">
+                    <a16:rowId xmlns:a16="http://schemas.microsoft.com/office/drawing/2014/main" val="727838334"/>
+                  </a:ext>
+                </a:extLst>
+              </a:tr>
+            </a:tbl>
+          </a:graphicData>
+        </a:graphic>
+      </p:graphicFrame>
+      <p:pic>
+        <p:nvPicPr>
+          <p:cNvPr id="8" name="Picture 7">
+            <a:extLst>
+              <a:ext uri="{FF2B5EF4-FFF2-40B4-BE49-F238E27FC236}">
+                <a16:creationId xmlns:a16="http://schemas.microsoft.com/office/drawing/2014/main" id="{BA758F41-7E9C-40D0-841D-C782E90B0F10}"/>
+              </a:ext>
+            </a:extLst>
+          </p:cNvPr>
+          <p:cNvPicPr>
+            <a:picLocks noChangeAspect="1"/>
+          </p:cNvPicPr>
+          <p:nvPr/>
+        </p:nvPicPr>
+        <p:blipFill>
+          <a:blip r:embed="rId2"/>
+          <a:stretch>
+            <a:fillRect/>
+          </a:stretch>
+        </p:blipFill>
+        <p:spPr>
+          <a:xfrm>
+            <a:off x="532693" y="1853542"/>
+            <a:ext cx="2775093" cy="895396"/>
+          </a:xfrm>
+          <a:prstGeom prst="rect">
+            <a:avLst/>
+          </a:prstGeom>
+        </p:spPr>
+      </p:pic>
+      <p:pic>
+        <p:nvPicPr>
+          <p:cNvPr id="10" name="Picture 9">
+            <a:extLst>
+              <a:ext uri="{FF2B5EF4-FFF2-40B4-BE49-F238E27FC236}">
+                <a16:creationId xmlns:a16="http://schemas.microsoft.com/office/drawing/2014/main" id="{7F9F686E-D0DE-4E19-A0B9-2B3330F7AA49}"/>
+              </a:ext>
+            </a:extLst>
+          </p:cNvPr>
+          <p:cNvPicPr>
+            <a:picLocks noChangeAspect="1"/>
+          </p:cNvPicPr>
+          <p:nvPr/>
+        </p:nvPicPr>
+        <p:blipFill>
+          <a:blip r:embed="rId3"/>
+          <a:stretch>
+            <a:fillRect/>
+          </a:stretch>
+        </p:blipFill>
+        <p:spPr>
+          <a:xfrm>
+            <a:off x="504116" y="2880336"/>
+            <a:ext cx="2832246" cy="914447"/>
+          </a:xfrm>
+          <a:prstGeom prst="rect">
+            <a:avLst/>
+          </a:prstGeom>
+        </p:spPr>
+      </p:pic>
+      <p:pic>
+        <p:nvPicPr>
+          <p:cNvPr id="12" name="Picture 11">
+            <a:extLst>
+              <a:ext uri="{FF2B5EF4-FFF2-40B4-BE49-F238E27FC236}">
+                <a16:creationId xmlns:a16="http://schemas.microsoft.com/office/drawing/2014/main" id="{98BD3603-ACE3-4528-9AD0-510748E49FE1}"/>
+              </a:ext>
+            </a:extLst>
+          </p:cNvPr>
+          <p:cNvPicPr>
+            <a:picLocks noChangeAspect="1"/>
+          </p:cNvPicPr>
+          <p:nvPr/>
+        </p:nvPicPr>
+        <p:blipFill>
+          <a:blip r:embed="rId4"/>
+          <a:stretch>
+            <a:fillRect/>
+          </a:stretch>
+        </p:blipFill>
+        <p:spPr>
+          <a:xfrm>
+            <a:off x="532693" y="3926181"/>
+            <a:ext cx="2832246" cy="1041454"/>
+          </a:xfrm>
+          <a:prstGeom prst="rect">
+            <a:avLst/>
+          </a:prstGeom>
+        </p:spPr>
+      </p:pic>
+      <p:pic>
+        <p:nvPicPr>
+          <p:cNvPr id="14" name="Picture 13">
+            <a:extLst>
+              <a:ext uri="{FF2B5EF4-FFF2-40B4-BE49-F238E27FC236}">
+                <a16:creationId xmlns:a16="http://schemas.microsoft.com/office/drawing/2014/main" id="{4A168DD1-D7D5-4B44-93B4-0434C148F686}"/>
+              </a:ext>
+            </a:extLst>
+          </p:cNvPr>
+          <p:cNvPicPr>
+            <a:picLocks noChangeAspect="1"/>
+          </p:cNvPicPr>
+          <p:nvPr/>
+        </p:nvPicPr>
+        <p:blipFill>
+          <a:blip r:embed="rId5"/>
+          <a:stretch>
+            <a:fillRect/>
+          </a:stretch>
+        </p:blipFill>
+        <p:spPr>
+          <a:xfrm>
+            <a:off x="504116" y="5178727"/>
+            <a:ext cx="2768742" cy="1085906"/>
+          </a:xfrm>
+          <a:prstGeom prst="rect">
+            <a:avLst/>
+          </a:prstGeom>
+        </p:spPr>
+      </p:pic>
+      <p:sp>
+        <p:nvSpPr>
+          <p:cNvPr id="30" name="矩形 29">
+            <a:extLst>
+              <a:ext uri="{FF2B5EF4-FFF2-40B4-BE49-F238E27FC236}">
+                <a16:creationId xmlns:a16="http://schemas.microsoft.com/office/drawing/2014/main" id="{85B5823E-7352-4720-A719-F7FC536FC464}"/>
               </a:ext>
             </a:extLst>
           </p:cNvPr>
@@ -18154,67 +19431,8 @@
         </p:nvSpPr>
         <p:spPr>
           <a:xfrm>
-            <a:off x="7582880" y="2760198"/>
-            <a:ext cx="1484206" cy="499460"/>
-          </a:xfrm>
-          <a:prstGeom prst="rect">
-            <a:avLst/>
-          </a:prstGeom>
-          <a:solidFill>
-            <a:srgbClr val="33CCFF">
-              <a:alpha val="5000"/>
-            </a:srgbClr>
-          </a:solidFill>
-          <a:ln w="72000">
-            <a:solidFill>
-              <a:srgbClr val="33CCFF"/>
-            </a:solidFill>
-          </a:ln>
-        </p:spPr>
-        <p:style>
-          <a:lnRef idx="2">
-            <a:schemeClr val="accent1">
-              <a:shade val="50000"/>
-            </a:schemeClr>
-          </a:lnRef>
-          <a:fillRef idx="1">
-            <a:schemeClr val="accent1"/>
-          </a:fillRef>
-          <a:effectRef idx="0">
-            <a:schemeClr val="accent1"/>
-          </a:effectRef>
-          <a:fontRef idx="minor">
-            <a:schemeClr val="lt1"/>
-          </a:fontRef>
-        </p:style>
-        <p:txBody>
-          <a:bodyPr wrap="none" rtlCol="0" anchor="ctr" anchorCtr="1"/>
-          <a:lstStyle/>
-          <a:p>
-            <a:endParaRPr lang="en-US" dirty="0">
-              <a:solidFill>
-                <a:srgbClr val="33CCFF"/>
-              </a:solidFill>
-            </a:endParaRPr>
-          </a:p>
-        </p:txBody>
-      </p:sp>
-      <p:sp>
-        <p:nvSpPr>
-          <p:cNvPr id="28" name="직사각형 27">
-            <a:extLst>
-              <a:ext uri="{FF2B5EF4-FFF2-40B4-BE49-F238E27FC236}">
-                <a16:creationId xmlns:a16="http://schemas.microsoft.com/office/drawing/2014/main" id="{B6ECE650-68AF-4AEA-86FF-4495C2678335}"/>
-              </a:ext>
-            </a:extLst>
-          </p:cNvPr>
-          <p:cNvSpPr/>
-          <p:nvPr/>
-        </p:nvSpPr>
-        <p:spPr>
-          <a:xfrm>
-            <a:off x="7527712" y="1682208"/>
-            <a:ext cx="1484207" cy="548640"/>
+            <a:off x="3855396" y="3037699"/>
+            <a:ext cx="3979644" cy="548640"/>
           </a:xfrm>
           <a:prstGeom prst="rect">
             <a:avLst/>
@@ -18250,7 +19468,7 @@
           <a:bodyPr wrap="none" rtlCol="0" anchor="ctr" anchorCtr="1"/>
           <a:lstStyle/>
           <a:p>
-            <a:endParaRPr lang="ja-JP" altLang="en-US" sz="2000" dirty="0">
+            <a:endParaRPr lang="en-US">
               <a:solidFill>
                 <a:srgbClr val="E71224"/>
               </a:solidFill>
@@ -18260,162 +19478,10 @@
       </p:sp>
       <p:sp>
         <p:nvSpPr>
-          <p:cNvPr id="2" name="Title 1">
+          <p:cNvPr id="28" name="직사각형 27">
             <a:extLst>
               <a:ext uri="{FF2B5EF4-FFF2-40B4-BE49-F238E27FC236}">
-                <a16:creationId xmlns:a16="http://schemas.microsoft.com/office/drawing/2014/main" id="{357FEE5A-F482-48CE-8D54-0452FE708BE8}"/>
-              </a:ext>
-            </a:extLst>
-          </p:cNvPr>
-          <p:cNvSpPr>
-            <a:spLocks noGrp="1"/>
-          </p:cNvSpPr>
-          <p:nvPr>
-            <p:ph type="title"/>
-          </p:nvPr>
-        </p:nvSpPr>
-        <p:spPr/>
-        <p:txBody>
-          <a:bodyPr/>
-          <a:lstStyle/>
-          <a:p>
-            <a:r>
-              <a:rPr lang="en-NZ" dirty="0"/>
-              <a:t>Question Generator - Testing</a:t>
-            </a:r>
-          </a:p>
-        </p:txBody>
-      </p:sp>
-      <p:sp>
-        <p:nvSpPr>
-          <p:cNvPr id="6" name="TextBox 5">
-            <a:extLst>
-              <a:ext uri="{FF2B5EF4-FFF2-40B4-BE49-F238E27FC236}">
-                <a16:creationId xmlns:a16="http://schemas.microsoft.com/office/drawing/2014/main" id="{6F768BB2-CD0B-447B-A437-9DE010488F0C}"/>
-              </a:ext>
-            </a:extLst>
-          </p:cNvPr>
-          <p:cNvSpPr txBox="1"/>
-          <p:nvPr/>
-        </p:nvSpPr>
-        <p:spPr>
-          <a:xfrm>
-            <a:off x="415600" y="5618302"/>
-            <a:ext cx="5438899" cy="923330"/>
-          </a:xfrm>
-          <a:prstGeom prst="rect">
-            <a:avLst/>
-          </a:prstGeom>
-          <a:noFill/>
-        </p:spPr>
-        <p:txBody>
-          <a:bodyPr wrap="square" rtlCol="0">
-            <a:spAutoFit/>
-          </a:bodyPr>
-          <a:lstStyle/>
-          <a:p>
-            <a:r>
-              <a:rPr lang="en-NZ" dirty="0">
-                <a:solidFill>
-                  <a:srgbClr val="FF0000"/>
-                </a:solidFill>
-              </a:rPr>
-              <a:t>All tests passed </a:t>
-            </a:r>
-          </a:p>
-          <a:p>
-            <a:r>
-              <a:rPr lang="en-NZ" dirty="0">
-                <a:solidFill>
-                  <a:srgbClr val="FF0000"/>
-                </a:solidFill>
-              </a:rPr>
-              <a:t>Program works for unexpected and expected cases</a:t>
-            </a:r>
-          </a:p>
-          <a:p>
-            <a:r>
-              <a:rPr lang="en-NZ" dirty="0">
-                <a:solidFill>
-                  <a:srgbClr val="FF0000"/>
-                </a:solidFill>
-              </a:rPr>
-              <a:t>And program continued as expected</a:t>
-            </a:r>
-          </a:p>
-        </p:txBody>
-      </p:sp>
-      <p:pic>
-        <p:nvPicPr>
-          <p:cNvPr id="4" name="Picture 3">
-            <a:extLst>
-              <a:ext uri="{FF2B5EF4-FFF2-40B4-BE49-F238E27FC236}">
-                <a16:creationId xmlns:a16="http://schemas.microsoft.com/office/drawing/2014/main" id="{67F3C9FC-97D2-41CA-8666-2EC65BB35B32}"/>
-              </a:ext>
-            </a:extLst>
-          </p:cNvPr>
-          <p:cNvPicPr>
-            <a:picLocks noChangeAspect="1"/>
-          </p:cNvPicPr>
-          <p:nvPr/>
-        </p:nvPicPr>
-        <p:blipFill>
-          <a:blip r:embed="rId2"/>
-          <a:stretch>
-            <a:fillRect/>
-          </a:stretch>
-        </p:blipFill>
-        <p:spPr>
-          <a:xfrm>
-            <a:off x="415600" y="1771862"/>
-            <a:ext cx="5118813" cy="3314275"/>
-          </a:xfrm>
-          <a:prstGeom prst="rect">
-            <a:avLst/>
-          </a:prstGeom>
-        </p:spPr>
-      </p:pic>
-      <p:sp>
-        <p:nvSpPr>
-          <p:cNvPr id="7" name="TextBox 6">
-            <a:extLst>
-              <a:ext uri="{FF2B5EF4-FFF2-40B4-BE49-F238E27FC236}">
-                <a16:creationId xmlns:a16="http://schemas.microsoft.com/office/drawing/2014/main" id="{CC6B04D6-F294-4C53-8850-B4303EB606FC}"/>
-              </a:ext>
-            </a:extLst>
-          </p:cNvPr>
-          <p:cNvSpPr txBox="1"/>
-          <p:nvPr/>
-        </p:nvSpPr>
-        <p:spPr>
-          <a:xfrm>
-            <a:off x="7608080" y="1693236"/>
-            <a:ext cx="3233667" cy="584775"/>
-          </a:xfrm>
-          <a:prstGeom prst="rect">
-            <a:avLst/>
-          </a:prstGeom>
-          <a:noFill/>
-        </p:spPr>
-        <p:txBody>
-          <a:bodyPr wrap="square" rtlCol="0">
-            <a:spAutoFit/>
-          </a:bodyPr>
-          <a:lstStyle/>
-          <a:p>
-            <a:r>
-              <a:rPr lang="en-NZ" sz="3200" dirty="0"/>
-              <a:t>Integer </a:t>
-            </a:r>
-          </a:p>
-        </p:txBody>
-      </p:sp>
-      <p:sp>
-        <p:nvSpPr>
-          <p:cNvPr id="20" name="직사각형 27">
-            <a:extLst>
-              <a:ext uri="{FF2B5EF4-FFF2-40B4-BE49-F238E27FC236}">
-                <a16:creationId xmlns:a16="http://schemas.microsoft.com/office/drawing/2014/main" id="{C63856B4-6F03-4FFF-B887-FA40D36B0660}"/>
+                <a16:creationId xmlns:a16="http://schemas.microsoft.com/office/drawing/2014/main" id="{2C2CEBCF-E4CF-4079-B252-01FD0B2574DB}"/>
               </a:ext>
             </a:extLst>
           </p:cNvPr>
@@ -18424,8 +19490,8 @@
         </p:nvSpPr>
         <p:spPr>
           <a:xfrm>
-            <a:off x="4423560" y="1682208"/>
-            <a:ext cx="914400" cy="548640"/>
+            <a:off x="457199" y="2931818"/>
+            <a:ext cx="2945881" cy="833061"/>
           </a:xfrm>
           <a:prstGeom prst="rect">
             <a:avLst/>
@@ -18461,7 +19527,7 @@
           <a:bodyPr wrap="none" rtlCol="0" anchor="ctr" anchorCtr="1"/>
           <a:lstStyle/>
           <a:p>
-            <a:endParaRPr lang="ja-JP" altLang="en-US">
+            <a:endParaRPr lang="en-US">
               <a:solidFill>
                 <a:srgbClr val="E71224"/>
               </a:solidFill>
@@ -18469,14 +19535,14 @@
           </a:p>
         </p:txBody>
       </p:sp>
-      <mc:AlternateContent xmlns:mc="http://schemas.openxmlformats.org/markup-compatibility/2006" xmlns:p14="http://schemas.microsoft.com/office/powerpoint/2010/main">
-        <mc:Choice Requires="p14">
-          <p:contentPart p14:bwMode="auto" r:id="rId3">
+      <mc:AlternateContent xmlns:mc="http://schemas.openxmlformats.org/markup-compatibility/2006">
+        <mc:Choice xmlns:p14="http://schemas.microsoft.com/office/powerpoint/2010/main" Requires="p14">
+          <p:contentPart p14:bwMode="auto" r:id="rId6">
             <p14:nvContentPartPr>
-              <p14:cNvPr id="19" name="Ink 18">
+              <p14:cNvPr id="22" name="Ink 21">
                 <a:extLst>
                   <a:ext uri="{FF2B5EF4-FFF2-40B4-BE49-F238E27FC236}">
-                    <a16:creationId xmlns:a16="http://schemas.microsoft.com/office/drawing/2014/main" id="{02CE57DD-6197-4180-8373-3348F1BE836B}"/>
+                    <a16:creationId xmlns:a16="http://schemas.microsoft.com/office/drawing/2014/main" id="{F0D40B0E-DDEC-4081-BE36-2857AC83E989}"/>
                   </a:ext>
                 </a:extLst>
               </p14:cNvPr>
@@ -18484,18 +19550,18 @@
               <p14:nvPr/>
             </p14:nvContentPartPr>
             <p14:xfrm>
-              <a:off x="5339000" y="1825880"/>
-              <a:ext cx="2269080" cy="127080"/>
+              <a:off x="3429840" y="3360545"/>
+              <a:ext cx="403200" cy="68760"/>
             </p14:xfrm>
           </p:contentPart>
         </mc:Choice>
-        <mc:Fallback xmlns="">
+        <mc:Fallback>
           <p:pic>
             <p:nvPicPr>
-              <p:cNvPr id="19" name="Ink 18">
+              <p:cNvPr id="22" name="Ink 21">
                 <a:extLst>
                   <a:ext uri="{FF2B5EF4-FFF2-40B4-BE49-F238E27FC236}">
-                    <a16:creationId xmlns:a16="http://schemas.microsoft.com/office/drawing/2014/main" id="{02CE57DD-6197-4180-8373-3348F1BE836B}"/>
+                    <a16:creationId xmlns:a16="http://schemas.microsoft.com/office/drawing/2014/main" id="{F0D40B0E-DDEC-4081-BE36-2857AC83E989}"/>
                   </a:ext>
                 </a:extLst>
               </p:cNvPr>
@@ -18503,15 +19569,15 @@
               <p:nvPr/>
             </p:nvPicPr>
             <p:blipFill>
-              <a:blip r:embed="rId4"/>
+              <a:blip r:embed="rId7"/>
               <a:stretch>
                 <a:fillRect/>
               </a:stretch>
             </p:blipFill>
             <p:spPr>
               <a:xfrm>
-                <a:off x="5303000" y="1790240"/>
-                <a:ext cx="2340720" cy="198720"/>
+                <a:off x="3394200" y="3324905"/>
+                <a:ext cx="474840" cy="140400"/>
               </a:xfrm>
               <a:prstGeom prst="rect">
                 <a:avLst/>
@@ -18522,10 +19588,10 @@
       </mc:AlternateContent>
       <p:sp>
         <p:nvSpPr>
-          <p:cNvPr id="27" name="직사각형 26">
+          <p:cNvPr id="33" name="矩形 32">
             <a:extLst>
               <a:ext uri="{FF2B5EF4-FFF2-40B4-BE49-F238E27FC236}">
-                <a16:creationId xmlns:a16="http://schemas.microsoft.com/office/drawing/2014/main" id="{B53C58C3-1014-475C-B8E3-69C987E3C09E}"/>
+                <a16:creationId xmlns:a16="http://schemas.microsoft.com/office/drawing/2014/main" id="{7923D4DC-E8AE-47F1-91DE-BB6AADFC916A}"/>
               </a:ext>
             </a:extLst>
           </p:cNvPr>
@@ -18534,8 +19600,177 @@
         </p:nvSpPr>
         <p:spPr>
           <a:xfrm>
-            <a:off x="4714240" y="2905760"/>
-            <a:ext cx="669920" cy="409480"/>
+            <a:off x="3840256" y="2583873"/>
+            <a:ext cx="3994784" cy="453826"/>
+          </a:xfrm>
+          <a:prstGeom prst="rect">
+            <a:avLst/>
+          </a:prstGeom>
+          <a:solidFill>
+            <a:srgbClr val="66CC00">
+              <a:alpha val="5000"/>
+            </a:srgbClr>
+          </a:solidFill>
+          <a:ln w="72000">
+            <a:solidFill>
+              <a:srgbClr val="66CC00"/>
+            </a:solidFill>
+          </a:ln>
+        </p:spPr>
+        <p:style>
+          <a:lnRef idx="2">
+            <a:schemeClr val="accent1">
+              <a:shade val="50000"/>
+            </a:schemeClr>
+          </a:lnRef>
+          <a:fillRef idx="1">
+            <a:schemeClr val="accent1"/>
+          </a:fillRef>
+          <a:effectRef idx="0">
+            <a:schemeClr val="accent1"/>
+          </a:effectRef>
+          <a:fontRef idx="minor">
+            <a:schemeClr val="lt1"/>
+          </a:fontRef>
+        </p:style>
+        <p:txBody>
+          <a:bodyPr wrap="none" rtlCol="0" anchor="ctr" anchorCtr="1"/>
+          <a:lstStyle/>
+          <a:p>
+            <a:endParaRPr lang="en-US">
+              <a:solidFill>
+                <a:srgbClr val="66CC00"/>
+              </a:solidFill>
+            </a:endParaRPr>
+          </a:p>
+        </p:txBody>
+      </p:sp>
+      <p:sp>
+        <p:nvSpPr>
+          <p:cNvPr id="32" name="สี่เหลี่ยมผืนผ้า 31">
+            <a:extLst>
+              <a:ext uri="{FF2B5EF4-FFF2-40B4-BE49-F238E27FC236}">
+                <a16:creationId xmlns:a16="http://schemas.microsoft.com/office/drawing/2014/main" id="{440992AF-7473-4FD3-A380-CBC5B2C365E2}"/>
+              </a:ext>
+            </a:extLst>
+          </p:cNvPr>
+          <p:cNvSpPr/>
+          <p:nvPr/>
+        </p:nvSpPr>
+        <p:spPr>
+          <a:xfrm>
+            <a:off x="457198" y="1856116"/>
+            <a:ext cx="2943481" cy="914400"/>
+          </a:xfrm>
+          <a:prstGeom prst="rect">
+            <a:avLst/>
+          </a:prstGeom>
+          <a:solidFill>
+            <a:srgbClr val="66CC00">
+              <a:alpha val="5000"/>
+            </a:srgbClr>
+          </a:solidFill>
+          <a:ln w="72000">
+            <a:solidFill>
+              <a:srgbClr val="66CC00"/>
+            </a:solidFill>
+          </a:ln>
+        </p:spPr>
+        <p:style>
+          <a:lnRef idx="2">
+            <a:schemeClr val="accent1">
+              <a:shade val="50000"/>
+            </a:schemeClr>
+          </a:lnRef>
+          <a:fillRef idx="1">
+            <a:schemeClr val="accent1"/>
+          </a:fillRef>
+          <a:effectRef idx="0">
+            <a:schemeClr val="accent1"/>
+          </a:effectRef>
+          <a:fontRef idx="minor">
+            <a:schemeClr val="lt1"/>
+          </a:fontRef>
+        </p:style>
+        <p:txBody>
+          <a:bodyPr wrap="none" rtlCol="0" anchor="ctr" anchorCtr="1"/>
+          <a:lstStyle/>
+          <a:p>
+            <a:endParaRPr lang="ko-KR" altLang="en-US">
+              <a:solidFill>
+                <a:srgbClr val="66CC00"/>
+              </a:solidFill>
+            </a:endParaRPr>
+          </a:p>
+        </p:txBody>
+      </p:sp>
+      <mc:AlternateContent xmlns:mc="http://schemas.openxmlformats.org/markup-compatibility/2006">
+        <mc:Choice xmlns:p14="http://schemas.microsoft.com/office/powerpoint/2010/main" Requires="p14">
+          <p:contentPart p14:bwMode="auto" r:id="rId8">
+            <p14:nvContentPartPr>
+              <p14:cNvPr id="37" name="Ink 36">
+                <a:extLst>
+                  <a:ext uri="{FF2B5EF4-FFF2-40B4-BE49-F238E27FC236}">
+                    <a16:creationId xmlns:a16="http://schemas.microsoft.com/office/drawing/2014/main" id="{CEAAC40F-3C4A-4E3D-BDC0-7DB4A198276F}"/>
+                  </a:ext>
+                </a:extLst>
+              </p14:cNvPr>
+              <p14:cNvContentPartPr/>
+              <p14:nvPr/>
+            </p14:nvContentPartPr>
+            <p14:xfrm>
+              <a:off x="3400680" y="2401505"/>
+              <a:ext cx="453600" cy="453600"/>
+            </p14:xfrm>
+          </p:contentPart>
+        </mc:Choice>
+        <mc:Fallback>
+          <p:pic>
+            <p:nvPicPr>
+              <p:cNvPr id="37" name="Ink 36">
+                <a:extLst>
+                  <a:ext uri="{FF2B5EF4-FFF2-40B4-BE49-F238E27FC236}">
+                    <a16:creationId xmlns:a16="http://schemas.microsoft.com/office/drawing/2014/main" id="{CEAAC40F-3C4A-4E3D-BDC0-7DB4A198276F}"/>
+                  </a:ext>
+                </a:extLst>
+              </p:cNvPr>
+              <p:cNvPicPr/>
+              <p:nvPr/>
+            </p:nvPicPr>
+            <p:blipFill>
+              <a:blip r:embed="rId9"/>
+              <a:stretch>
+                <a:fillRect/>
+              </a:stretch>
+            </p:blipFill>
+            <p:spPr>
+              <a:xfrm>
+                <a:off x="3365040" y="2365505"/>
+                <a:ext cx="525240" cy="525240"/>
+              </a:xfrm>
+              <a:prstGeom prst="rect">
+                <a:avLst/>
+              </a:prstGeom>
+            </p:spPr>
+          </p:pic>
+        </mc:Fallback>
+      </mc:AlternateContent>
+      <p:sp>
+        <p:nvSpPr>
+          <p:cNvPr id="34" name="矩形 33">
+            <a:extLst>
+              <a:ext uri="{FF2B5EF4-FFF2-40B4-BE49-F238E27FC236}">
+                <a16:creationId xmlns:a16="http://schemas.microsoft.com/office/drawing/2014/main" id="{4BB875E0-85EF-4EB9-8133-32E95CFE26C2}"/>
+              </a:ext>
+            </a:extLst>
+          </p:cNvPr>
+          <p:cNvSpPr/>
+          <p:nvPr/>
+        </p:nvSpPr>
+        <p:spPr>
+          <a:xfrm>
+            <a:off x="3866400" y="3643745"/>
+            <a:ext cx="3968640" cy="734291"/>
           </a:xfrm>
           <a:prstGeom prst="rect">
             <a:avLst/>
@@ -18581,47 +19816,71 @@
       </p:sp>
       <p:sp>
         <p:nvSpPr>
-          <p:cNvPr id="29" name="TextBox 28">
+          <p:cNvPr id="36" name="직사각형 35">
             <a:extLst>
               <a:ext uri="{FF2B5EF4-FFF2-40B4-BE49-F238E27FC236}">
-                <a16:creationId xmlns:a16="http://schemas.microsoft.com/office/drawing/2014/main" id="{33A2BB84-5E6B-42FB-AF03-A439797C1E1F}"/>
+                <a16:creationId xmlns:a16="http://schemas.microsoft.com/office/drawing/2014/main" id="{96CF7F5A-EED5-413A-8F78-13F4BBD40D6F}"/>
               </a:ext>
             </a:extLst>
           </p:cNvPr>
-          <p:cNvSpPr txBox="1"/>
+          <p:cNvSpPr/>
           <p:nvPr/>
         </p:nvSpPr>
         <p:spPr>
           <a:xfrm>
-            <a:off x="7608080" y="2749257"/>
-            <a:ext cx="6096000" cy="584775"/>
+            <a:off x="457199" y="3886920"/>
+            <a:ext cx="2943481" cy="1097280"/>
           </a:xfrm>
           <a:prstGeom prst="rect">
             <a:avLst/>
           </a:prstGeom>
-          <a:noFill/>
+          <a:solidFill>
+            <a:srgbClr val="33CCFF">
+              <a:alpha val="5000"/>
+            </a:srgbClr>
+          </a:solidFill>
+          <a:ln w="72000">
+            <a:solidFill>
+              <a:srgbClr val="33CCFF"/>
+            </a:solidFill>
+          </a:ln>
         </p:spPr>
+        <p:style>
+          <a:lnRef idx="2">
+            <a:schemeClr val="accent1">
+              <a:shade val="50000"/>
+            </a:schemeClr>
+          </a:lnRef>
+          <a:fillRef idx="1">
+            <a:schemeClr val="accent1"/>
+          </a:fillRef>
+          <a:effectRef idx="0">
+            <a:schemeClr val="accent1"/>
+          </a:effectRef>
+          <a:fontRef idx="minor">
+            <a:schemeClr val="lt1"/>
+          </a:fontRef>
+        </p:style>
         <p:txBody>
-          <a:bodyPr wrap="square">
-            <a:spAutoFit/>
-          </a:bodyPr>
+          <a:bodyPr wrap="none" rtlCol="0" anchor="ctr" anchorCtr="1"/>
           <a:lstStyle/>
           <a:p>
-            <a:r>
-              <a:rPr lang="en-NZ" sz="3200" dirty="0"/>
-              <a:t>String</a:t>
-            </a:r>
+            <a:endParaRPr lang="en-US">
+              <a:solidFill>
+                <a:srgbClr val="33CCFF"/>
+              </a:solidFill>
+            </a:endParaRPr>
           </a:p>
         </p:txBody>
       </p:sp>
-      <mc:AlternateContent xmlns:mc="http://schemas.openxmlformats.org/markup-compatibility/2006" xmlns:p14="http://schemas.microsoft.com/office/powerpoint/2010/main">
-        <mc:Choice Requires="p14">
-          <p:contentPart p14:bwMode="auto" r:id="rId5">
+      <mc:AlternateContent xmlns:mc="http://schemas.openxmlformats.org/markup-compatibility/2006">
+        <mc:Choice xmlns:p14="http://schemas.microsoft.com/office/powerpoint/2010/main" Requires="p14">
+          <p:contentPart p14:bwMode="auto" r:id="rId10">
             <p14:nvContentPartPr>
-              <p14:cNvPr id="25" name="Ink 24">
+              <p14:cNvPr id="41" name="Ink 40">
                 <a:extLst>
                   <a:ext uri="{FF2B5EF4-FFF2-40B4-BE49-F238E27FC236}">
-                    <a16:creationId xmlns:a16="http://schemas.microsoft.com/office/drawing/2014/main" id="{A2B1264E-9EA1-4CF9-ACA4-466744028AAC}"/>
+                    <a16:creationId xmlns:a16="http://schemas.microsoft.com/office/drawing/2014/main" id="{5D71D41B-3FC0-4214-9161-55AEF17A3456}"/>
                   </a:ext>
                 </a:extLst>
               </p14:cNvPr>
@@ -18629,18 +19888,18 @@
               <p14:nvPr/>
             </p14:nvContentPartPr>
             <p14:xfrm>
-              <a:off x="5407760" y="2966000"/>
-              <a:ext cx="2175120" cy="175680"/>
+              <a:off x="3399960" y="4020764"/>
+              <a:ext cx="398160" cy="447480"/>
             </p14:xfrm>
           </p:contentPart>
         </mc:Choice>
-        <mc:Fallback xmlns="">
+        <mc:Fallback>
           <p:pic>
             <p:nvPicPr>
-              <p:cNvPr id="25" name="Ink 24">
+              <p:cNvPr id="41" name="Ink 40">
                 <a:extLst>
                   <a:ext uri="{FF2B5EF4-FFF2-40B4-BE49-F238E27FC236}">
-                    <a16:creationId xmlns:a16="http://schemas.microsoft.com/office/drawing/2014/main" id="{A2B1264E-9EA1-4CF9-ACA4-466744028AAC}"/>
+                    <a16:creationId xmlns:a16="http://schemas.microsoft.com/office/drawing/2014/main" id="{5D71D41B-3FC0-4214-9161-55AEF17A3456}"/>
                   </a:ext>
                 </a:extLst>
               </p:cNvPr>
@@ -18648,15 +19907,15 @@
               <p:nvPr/>
             </p:nvPicPr>
             <p:blipFill>
-              <a:blip r:embed="rId6"/>
+              <a:blip r:embed="rId11"/>
               <a:stretch>
                 <a:fillRect/>
               </a:stretch>
             </p:blipFill>
             <p:spPr>
               <a:xfrm>
-                <a:off x="5372120" y="2930360"/>
-                <a:ext cx="2246760" cy="247320"/>
+                <a:off x="3364320" y="3985124"/>
+                <a:ext cx="469800" cy="519120"/>
               </a:xfrm>
               <a:prstGeom prst="rect">
                 <a:avLst/>
@@ -18667,10 +19926,10 @@
       </mc:AlternateContent>
       <p:sp>
         <p:nvSpPr>
-          <p:cNvPr id="36" name="Rectangle 35">
+          <p:cNvPr id="40" name="직사각형 39">
             <a:extLst>
               <a:ext uri="{FF2B5EF4-FFF2-40B4-BE49-F238E27FC236}">
-                <a16:creationId xmlns:a16="http://schemas.microsoft.com/office/drawing/2014/main" id="{FB5D623D-1A9E-48DC-AA08-25619E84BFC7}"/>
+                <a16:creationId xmlns:a16="http://schemas.microsoft.com/office/drawing/2014/main" id="{42917F72-EF63-4B78-B758-BC694950F438}"/>
               </a:ext>
             </a:extLst>
           </p:cNvPr>
@@ -18679,8 +19938,177 @@
         </p:nvSpPr>
         <p:spPr>
           <a:xfrm>
-            <a:off x="4537484" y="4091480"/>
-            <a:ext cx="731520" cy="409480"/>
+            <a:off x="3833040" y="4435442"/>
+            <a:ext cx="4002000" cy="776221"/>
+          </a:xfrm>
+          <a:prstGeom prst="rect">
+            <a:avLst/>
+          </a:prstGeom>
+          <a:solidFill>
+            <a:srgbClr val="FFC114">
+              <a:alpha val="5000"/>
+            </a:srgbClr>
+          </a:solidFill>
+          <a:ln w="72000">
+            <a:solidFill>
+              <a:srgbClr val="FFC114"/>
+            </a:solidFill>
+          </a:ln>
+        </p:spPr>
+        <p:style>
+          <a:lnRef idx="2">
+            <a:schemeClr val="accent1">
+              <a:shade val="50000"/>
+            </a:schemeClr>
+          </a:lnRef>
+          <a:fillRef idx="1">
+            <a:schemeClr val="accent1"/>
+          </a:fillRef>
+          <a:effectRef idx="0">
+            <a:schemeClr val="accent1"/>
+          </a:effectRef>
+          <a:fontRef idx="minor">
+            <a:schemeClr val="lt1"/>
+          </a:fontRef>
+        </p:style>
+        <p:txBody>
+          <a:bodyPr wrap="none" rtlCol="0" anchor="ctr" anchorCtr="1"/>
+          <a:lstStyle/>
+          <a:p>
+            <a:endParaRPr lang="zh-CN" altLang="en-US">
+              <a:solidFill>
+                <a:srgbClr val="FFC114"/>
+              </a:solidFill>
+            </a:endParaRPr>
+          </a:p>
+        </p:txBody>
+      </p:sp>
+      <p:sp>
+        <p:nvSpPr>
+          <p:cNvPr id="43" name="Rectangle 42">
+            <a:extLst>
+              <a:ext uri="{FF2B5EF4-FFF2-40B4-BE49-F238E27FC236}">
+                <a16:creationId xmlns:a16="http://schemas.microsoft.com/office/drawing/2014/main" id="{131A1C35-95CC-44EB-96FD-3B330FEA34B9}"/>
+              </a:ext>
+            </a:extLst>
+          </p:cNvPr>
+          <p:cNvSpPr/>
+          <p:nvPr/>
+        </p:nvSpPr>
+        <p:spPr>
+          <a:xfrm>
+            <a:off x="457199" y="5196235"/>
+            <a:ext cx="2926080" cy="1097280"/>
+          </a:xfrm>
+          <a:prstGeom prst="rect">
+            <a:avLst/>
+          </a:prstGeom>
+          <a:solidFill>
+            <a:srgbClr val="FFC114">
+              <a:alpha val="5000"/>
+            </a:srgbClr>
+          </a:solidFill>
+          <a:ln w="72000">
+            <a:solidFill>
+              <a:srgbClr val="FFC114"/>
+            </a:solidFill>
+          </a:ln>
+        </p:spPr>
+        <p:style>
+          <a:lnRef idx="2">
+            <a:schemeClr val="accent1">
+              <a:shade val="50000"/>
+            </a:schemeClr>
+          </a:lnRef>
+          <a:fillRef idx="1">
+            <a:schemeClr val="accent1"/>
+          </a:fillRef>
+          <a:effectRef idx="0">
+            <a:schemeClr val="accent1"/>
+          </a:effectRef>
+          <a:fontRef idx="minor">
+            <a:schemeClr val="lt1"/>
+          </a:fontRef>
+        </p:style>
+        <p:txBody>
+          <a:bodyPr wrap="none" rtlCol="0" anchor="ctr" anchorCtr="1"/>
+          <a:lstStyle/>
+          <a:p>
+            <a:endParaRPr lang="en-US">
+              <a:solidFill>
+                <a:srgbClr val="FFC114"/>
+              </a:solidFill>
+            </a:endParaRPr>
+          </a:p>
+        </p:txBody>
+      </p:sp>
+      <mc:AlternateContent xmlns:mc="http://schemas.openxmlformats.org/markup-compatibility/2006">
+        <mc:Choice xmlns:p14="http://schemas.microsoft.com/office/powerpoint/2010/main" Requires="p14">
+          <p:contentPart p14:bwMode="auto" r:id="rId12">
+            <p14:nvContentPartPr>
+              <p14:cNvPr id="50" name="Ink 49">
+                <a:extLst>
+                  <a:ext uri="{FF2B5EF4-FFF2-40B4-BE49-F238E27FC236}">
+                    <a16:creationId xmlns:a16="http://schemas.microsoft.com/office/drawing/2014/main" id="{130CAC69-DE42-475A-8210-524DBFB05810}"/>
+                  </a:ext>
+                </a:extLst>
+              </p14:cNvPr>
+              <p14:cNvContentPartPr/>
+              <p14:nvPr/>
+            </p14:nvContentPartPr>
+            <p14:xfrm>
+              <a:off x="3368280" y="4977284"/>
+              <a:ext cx="425520" cy="564480"/>
+            </p14:xfrm>
+          </p:contentPart>
+        </mc:Choice>
+        <mc:Fallback>
+          <p:pic>
+            <p:nvPicPr>
+              <p:cNvPr id="50" name="Ink 49">
+                <a:extLst>
+                  <a:ext uri="{FF2B5EF4-FFF2-40B4-BE49-F238E27FC236}">
+                    <a16:creationId xmlns:a16="http://schemas.microsoft.com/office/drawing/2014/main" id="{130CAC69-DE42-475A-8210-524DBFB05810}"/>
+                  </a:ext>
+                </a:extLst>
+              </p:cNvPr>
+              <p:cNvPicPr/>
+              <p:nvPr/>
+            </p:nvPicPr>
+            <p:blipFill>
+              <a:blip r:embed="rId13"/>
+              <a:stretch>
+                <a:fillRect/>
+              </a:stretch>
+            </p:blipFill>
+            <p:spPr>
+              <a:xfrm>
+                <a:off x="3332640" y="4941284"/>
+                <a:ext cx="497160" cy="636120"/>
+              </a:xfrm>
+              <a:prstGeom prst="rect">
+                <a:avLst/>
+              </a:prstGeom>
+            </p:spPr>
+          </p:pic>
+        </mc:Fallback>
+      </mc:AlternateContent>
+      <p:sp>
+        <p:nvSpPr>
+          <p:cNvPr id="51" name="矩形 32">
+            <a:extLst>
+              <a:ext uri="{FF2B5EF4-FFF2-40B4-BE49-F238E27FC236}">
+                <a16:creationId xmlns:a16="http://schemas.microsoft.com/office/drawing/2014/main" id="{83CEEEFE-239C-4DCA-96D2-557CD264D070}"/>
+              </a:ext>
+            </a:extLst>
+          </p:cNvPr>
+          <p:cNvSpPr/>
+          <p:nvPr/>
+        </p:nvSpPr>
+        <p:spPr>
+          <a:xfrm>
+            <a:off x="7882256" y="2583873"/>
+            <a:ext cx="3994784" cy="453826"/>
           </a:xfrm>
           <a:prstGeom prst="rect">
             <a:avLst/>
@@ -18726,46 +20154,10 @@
       </p:sp>
       <p:sp>
         <p:nvSpPr>
-          <p:cNvPr id="33" name="TextBox 32">
+          <p:cNvPr id="52" name="矩形 29">
             <a:extLst>
               <a:ext uri="{FF2B5EF4-FFF2-40B4-BE49-F238E27FC236}">
-                <a16:creationId xmlns:a16="http://schemas.microsoft.com/office/drawing/2014/main" id="{09A9A500-51AC-40A4-882C-25382D4DDA53}"/>
-              </a:ext>
-            </a:extLst>
-          </p:cNvPr>
-          <p:cNvSpPr txBox="1"/>
-          <p:nvPr/>
-        </p:nvSpPr>
-        <p:spPr>
-          <a:xfrm>
-            <a:off x="7527712" y="4150738"/>
-            <a:ext cx="6852920" cy="584775"/>
-          </a:xfrm>
-          <a:prstGeom prst="rect">
-            <a:avLst/>
-          </a:prstGeom>
-          <a:noFill/>
-        </p:spPr>
-        <p:txBody>
-          <a:bodyPr wrap="square">
-            <a:spAutoFit/>
-          </a:bodyPr>
-          <a:lstStyle/>
-          <a:p>
-            <a:r>
-              <a:rPr lang="en-NZ" sz="3200" dirty="0"/>
-              <a:t>Float</a:t>
-            </a:r>
-            <a:endParaRPr lang="en-NZ" sz="1800" dirty="0"/>
-          </a:p>
-        </p:txBody>
-      </p:sp>
-      <p:sp>
-        <p:nvSpPr>
-          <p:cNvPr id="34" name="Rectangle 33">
-            <a:extLst>
-              <a:ext uri="{FF2B5EF4-FFF2-40B4-BE49-F238E27FC236}">
-                <a16:creationId xmlns:a16="http://schemas.microsoft.com/office/drawing/2014/main" id="{BDAAEE3E-CDA6-4748-8629-3E5B1D62963F}"/>
+                <a16:creationId xmlns:a16="http://schemas.microsoft.com/office/drawing/2014/main" id="{34777342-0EA8-4B8C-B019-6545CB38474E}"/>
               </a:ext>
             </a:extLst>
           </p:cNvPr>
@@ -18774,20 +20166,20 @@
         </p:nvSpPr>
         <p:spPr>
           <a:xfrm>
-            <a:off x="7437120" y="4214404"/>
-            <a:ext cx="1452879" cy="511918"/>
+            <a:off x="7882256" y="3037699"/>
+            <a:ext cx="3979644" cy="548640"/>
           </a:xfrm>
           <a:prstGeom prst="rect">
             <a:avLst/>
           </a:prstGeom>
           <a:solidFill>
-            <a:srgbClr val="66CC00">
+            <a:srgbClr val="E71224">
               <a:alpha val="5000"/>
             </a:srgbClr>
           </a:solidFill>
           <a:ln w="72000">
             <a:solidFill>
-              <a:srgbClr val="66CC00"/>
+              <a:srgbClr val="E71224"/>
             </a:solidFill>
           </a:ln>
         </p:spPr>
@@ -18813,63 +20205,130 @@
           <a:p>
             <a:endParaRPr lang="en-US">
               <a:solidFill>
-                <a:srgbClr val="66CC00"/>
+                <a:srgbClr val="E71224"/>
               </a:solidFill>
             </a:endParaRPr>
           </a:p>
         </p:txBody>
       </p:sp>
-      <mc:AlternateContent xmlns:mc="http://schemas.openxmlformats.org/markup-compatibility/2006" xmlns:p14="http://schemas.microsoft.com/office/powerpoint/2010/main">
-        <mc:Choice Requires="p14">
-          <p:contentPart p14:bwMode="auto" r:id="rId7">
-            <p14:nvContentPartPr>
-              <p14:cNvPr id="32" name="Ink 31">
-                <a:extLst>
-                  <a:ext uri="{FF2B5EF4-FFF2-40B4-BE49-F238E27FC236}">
-                    <a16:creationId xmlns:a16="http://schemas.microsoft.com/office/drawing/2014/main" id="{7D46211E-564E-4421-A655-E9D2E8BE0051}"/>
-                  </a:ext>
-                </a:extLst>
-              </p14:cNvPr>
-              <p14:cNvContentPartPr/>
-              <p14:nvPr/>
-            </p14:nvContentPartPr>
-            <p14:xfrm>
-              <a:off x="5276400" y="4262000"/>
-              <a:ext cx="2103480" cy="250200"/>
-            </p14:xfrm>
-          </p:contentPart>
-        </mc:Choice>
-        <mc:Fallback xmlns="">
-          <p:pic>
-            <p:nvPicPr>
-              <p:cNvPr id="32" name="Ink 31">
-                <a:extLst>
-                  <a:ext uri="{FF2B5EF4-FFF2-40B4-BE49-F238E27FC236}">
-                    <a16:creationId xmlns:a16="http://schemas.microsoft.com/office/drawing/2014/main" id="{7D46211E-564E-4421-A655-E9D2E8BE0051}"/>
-                  </a:ext>
-                </a:extLst>
-              </p:cNvPr>
-              <p:cNvPicPr/>
-              <p:nvPr/>
-            </p:nvPicPr>
-            <p:blipFill>
-              <a:blip r:embed="rId8"/>
-              <a:stretch>
-                <a:fillRect/>
-              </a:stretch>
-            </p:blipFill>
-            <p:spPr>
-              <a:xfrm>
-                <a:off x="5240760" y="4226360"/>
-                <a:ext cx="2175120" cy="321840"/>
-              </a:xfrm>
-              <a:prstGeom prst="rect">
-                <a:avLst/>
-              </a:prstGeom>
-            </p:spPr>
-          </p:pic>
-        </mc:Fallback>
-      </mc:AlternateContent>
+      <p:sp>
+        <p:nvSpPr>
+          <p:cNvPr id="53" name="矩形 33">
+            <a:extLst>
+              <a:ext uri="{FF2B5EF4-FFF2-40B4-BE49-F238E27FC236}">
+                <a16:creationId xmlns:a16="http://schemas.microsoft.com/office/drawing/2014/main" id="{332598E0-D04C-4D07-934B-8B889C2F1DBC}"/>
+              </a:ext>
+            </a:extLst>
+          </p:cNvPr>
+          <p:cNvSpPr/>
+          <p:nvPr/>
+        </p:nvSpPr>
+        <p:spPr>
+          <a:xfrm>
+            <a:off x="7908400" y="3625988"/>
+            <a:ext cx="3968640" cy="734291"/>
+          </a:xfrm>
+          <a:prstGeom prst="rect">
+            <a:avLst/>
+          </a:prstGeom>
+          <a:solidFill>
+            <a:srgbClr val="33CCFF">
+              <a:alpha val="5000"/>
+            </a:srgbClr>
+          </a:solidFill>
+          <a:ln w="72000">
+            <a:solidFill>
+              <a:srgbClr val="33CCFF"/>
+            </a:solidFill>
+          </a:ln>
+        </p:spPr>
+        <p:style>
+          <a:lnRef idx="2">
+            <a:schemeClr val="accent1">
+              <a:shade val="50000"/>
+            </a:schemeClr>
+          </a:lnRef>
+          <a:fillRef idx="1">
+            <a:schemeClr val="accent1"/>
+          </a:fillRef>
+          <a:effectRef idx="0">
+            <a:schemeClr val="accent1"/>
+          </a:effectRef>
+          <a:fontRef idx="minor">
+            <a:schemeClr val="lt1"/>
+          </a:fontRef>
+        </p:style>
+        <p:txBody>
+          <a:bodyPr wrap="none" rtlCol="0" anchor="ctr" anchorCtr="1"/>
+          <a:lstStyle/>
+          <a:p>
+            <a:endParaRPr lang="en-US">
+              <a:solidFill>
+                <a:srgbClr val="33CCFF"/>
+              </a:solidFill>
+            </a:endParaRPr>
+          </a:p>
+        </p:txBody>
+      </p:sp>
+      <p:sp>
+        <p:nvSpPr>
+          <p:cNvPr id="54" name="직사각형 39">
+            <a:extLst>
+              <a:ext uri="{FF2B5EF4-FFF2-40B4-BE49-F238E27FC236}">
+                <a16:creationId xmlns:a16="http://schemas.microsoft.com/office/drawing/2014/main" id="{9576218B-A098-4C5A-B11C-56B151B5DDDA}"/>
+              </a:ext>
+            </a:extLst>
+          </p:cNvPr>
+          <p:cNvSpPr/>
+          <p:nvPr/>
+        </p:nvSpPr>
+        <p:spPr>
+          <a:xfrm>
+            <a:off x="7891720" y="4413885"/>
+            <a:ext cx="4002000" cy="776221"/>
+          </a:xfrm>
+          <a:prstGeom prst="rect">
+            <a:avLst/>
+          </a:prstGeom>
+          <a:solidFill>
+            <a:srgbClr val="FFC114">
+              <a:alpha val="5000"/>
+            </a:srgbClr>
+          </a:solidFill>
+          <a:ln w="72000">
+            <a:solidFill>
+              <a:srgbClr val="FFC114"/>
+            </a:solidFill>
+          </a:ln>
+        </p:spPr>
+        <p:style>
+          <a:lnRef idx="2">
+            <a:schemeClr val="accent1">
+              <a:shade val="50000"/>
+            </a:schemeClr>
+          </a:lnRef>
+          <a:fillRef idx="1">
+            <a:schemeClr val="accent1"/>
+          </a:fillRef>
+          <a:effectRef idx="0">
+            <a:schemeClr val="accent1"/>
+          </a:effectRef>
+          <a:fontRef idx="minor">
+            <a:schemeClr val="lt1"/>
+          </a:fontRef>
+        </p:style>
+        <p:txBody>
+          <a:bodyPr wrap="none" rtlCol="0" anchor="ctr" anchorCtr="1"/>
+          <a:lstStyle/>
+          <a:p>
+            <a:endParaRPr lang="zh-CN" altLang="en-US">
+              <a:solidFill>
+                <a:srgbClr val="FFC114"/>
+              </a:solidFill>
+            </a:endParaRPr>
+          </a:p>
+        </p:txBody>
+      </p:sp>
     </p:spTree>
     <p:extLst>
       <p:ext uri="{BB962C8B-B14F-4D97-AF65-F5344CB8AC3E}">
@@ -20611,7 +22070,7 @@
                   <a:srgbClr val="274E13"/>
                 </a:solidFill>
               </a:rPr>
-              <a:t>  </a:t>
+              <a:t> </a:t>
             </a:r>
             <a:endParaRPr lang="en-NZ" sz="2000" dirty="0">
               <a:solidFill>
@@ -20679,26 +22138,27 @@
                   <a:srgbClr val="274E13"/>
                 </a:solidFill>
               </a:rPr>
-              <a:t>Link to final version of your program: [here]</a:t>
+              <a:t>Link to final version of your </a:t>
             </a:r>
-          </a:p>
-          <a:p>
-            <a:pPr marL="0" indent="0">
-              <a:lnSpc>
-                <a:spcPct val="100000"/>
-              </a:lnSpc>
-              <a:spcBef>
-                <a:spcPts val="0"/>
-              </a:spcBef>
-              <a:buClr>
-                <a:schemeClr val="dk1"/>
-              </a:buClr>
-              <a:buSzPts val="1100"/>
-              <a:buFont typeface="Arial"/>
-              <a:buNone/>
-            </a:pPr>
             <a:r>
-              <a:rPr lang="en-NZ" sz="2000" b="1" dirty="0">
+              <a:rPr lang="en-NZ" sz="2000" b="1">
+                <a:solidFill>
+                  <a:srgbClr val="274E13"/>
+                </a:solidFill>
+              </a:rPr>
+              <a:t>program: </a:t>
+            </a:r>
+            <a:r>
+              <a:rPr lang="en-NZ" sz="2000" b="1">
+                <a:solidFill>
+                  <a:srgbClr val="274E13"/>
+                </a:solidFill>
+                <a:hlinkClick r:id="rId4"/>
+              </a:rPr>
+              <a:t>https://github.com/MOLLY-S1/Assessment/commit/c31fd114821ce419191d351dbbf415c88d2ec27f</a:t>
+            </a:r>
+            <a:r>
+              <a:rPr lang="en-NZ" sz="2000" b="1">
                 <a:solidFill>
                   <a:srgbClr val="274E13"/>
                 </a:solidFill>
@@ -26927,10 +28387,10 @@
       </p:sp>
       <p:pic>
         <p:nvPicPr>
-          <p:cNvPr id="5" name="Picture 4">
+          <p:cNvPr id="4" name="Picture 3">
             <a:extLst>
               <a:ext uri="{FF2B5EF4-FFF2-40B4-BE49-F238E27FC236}">
-                <a16:creationId xmlns:a16="http://schemas.microsoft.com/office/drawing/2014/main" id="{6DA575D2-349F-47EF-A952-8B84EF6EA4B7}"/>
+                <a16:creationId xmlns:a16="http://schemas.microsoft.com/office/drawing/2014/main" id="{032BD2D3-FA73-4C09-9F9C-C61A42626432}"/>
               </a:ext>
             </a:extLst>
           </p:cNvPr>
@@ -26947,8 +28407,8 @@
         </p:blipFill>
         <p:spPr>
           <a:xfrm>
-            <a:off x="248802" y="793623"/>
-            <a:ext cx="8134768" cy="4927853"/>
+            <a:off x="153733" y="866487"/>
+            <a:ext cx="5088827" cy="3677570"/>
           </a:xfrm>
           <a:prstGeom prst="rect">
             <a:avLst/>
@@ -26957,10 +28417,10 @@
       </p:pic>
       <p:pic>
         <p:nvPicPr>
-          <p:cNvPr id="7" name="Picture 6">
+          <p:cNvPr id="8" name="Picture 7">
             <a:extLst>
               <a:ext uri="{FF2B5EF4-FFF2-40B4-BE49-F238E27FC236}">
-                <a16:creationId xmlns:a16="http://schemas.microsoft.com/office/drawing/2014/main" id="{7E30A647-B420-4AA4-BA5D-522438F30E69}"/>
+                <a16:creationId xmlns:a16="http://schemas.microsoft.com/office/drawing/2014/main" id="{4A6E8168-B287-4387-9906-5225A8B08295}"/>
               </a:ext>
             </a:extLst>
           </p:cNvPr>
@@ -26977,8 +28437,68 @@
         </p:blipFill>
         <p:spPr>
           <a:xfrm>
-            <a:off x="7682129" y="793623"/>
-            <a:ext cx="8522138" cy="5302523"/>
+            <a:off x="31805" y="4542155"/>
+            <a:ext cx="6064195" cy="1950720"/>
+          </a:xfrm>
+          <a:prstGeom prst="rect">
+            <a:avLst/>
+          </a:prstGeom>
+        </p:spPr>
+      </p:pic>
+      <p:pic>
+        <p:nvPicPr>
+          <p:cNvPr id="10" name="Picture 9">
+            <a:extLst>
+              <a:ext uri="{FF2B5EF4-FFF2-40B4-BE49-F238E27FC236}">
+                <a16:creationId xmlns:a16="http://schemas.microsoft.com/office/drawing/2014/main" id="{032FCFFA-D13F-4D96-8911-EA197DD4335E}"/>
+              </a:ext>
+            </a:extLst>
+          </p:cNvPr>
+          <p:cNvPicPr>
+            <a:picLocks noChangeAspect="1"/>
+          </p:cNvPicPr>
+          <p:nvPr/>
+        </p:nvPicPr>
+        <p:blipFill>
+          <a:blip r:embed="rId5"/>
+          <a:stretch>
+            <a:fillRect/>
+          </a:stretch>
+        </p:blipFill>
+        <p:spPr>
+          <a:xfrm>
+            <a:off x="5616187" y="873818"/>
+            <a:ext cx="5363986" cy="3452634"/>
+          </a:xfrm>
+          <a:prstGeom prst="rect">
+            <a:avLst/>
+          </a:prstGeom>
+        </p:spPr>
+      </p:pic>
+      <p:pic>
+        <p:nvPicPr>
+          <p:cNvPr id="12" name="Picture 11">
+            <a:extLst>
+              <a:ext uri="{FF2B5EF4-FFF2-40B4-BE49-F238E27FC236}">
+                <a16:creationId xmlns:a16="http://schemas.microsoft.com/office/drawing/2014/main" id="{9A1FFEFD-9A9F-494E-9A2B-3C9F19FEAC20}"/>
+              </a:ext>
+            </a:extLst>
+          </p:cNvPr>
+          <p:cNvPicPr>
+            <a:picLocks noChangeAspect="1"/>
+          </p:cNvPicPr>
+          <p:nvPr/>
+        </p:nvPicPr>
+        <p:blipFill>
+          <a:blip r:embed="rId6"/>
+          <a:stretch>
+            <a:fillRect/>
+          </a:stretch>
+        </p:blipFill>
+        <p:spPr>
+          <a:xfrm>
+            <a:off x="6096000" y="4437969"/>
+            <a:ext cx="5363986" cy="2272188"/>
           </a:xfrm>
           <a:prstGeom prst="rect">
             <a:avLst/>
@@ -26999,6 +28519,71 @@
 </file>
 
 <file path=ppt/slides/slide37.xml><?xml version="1.0" encoding="utf-8"?>
+<p:sld xmlns:a="http://schemas.openxmlformats.org/drawingml/2006/main" xmlns:r="http://schemas.openxmlformats.org/officeDocument/2006/relationships" xmlns:p="http://schemas.openxmlformats.org/presentationml/2006/main">
+  <p:cSld>
+    <p:spTree>
+      <p:nvGrpSpPr>
+        <p:cNvPr id="1" name=""/>
+        <p:cNvGrpSpPr/>
+        <p:nvPr/>
+      </p:nvGrpSpPr>
+      <p:grpSpPr>
+        <a:xfrm>
+          <a:off x="0" y="0"/>
+          <a:ext cx="0" cy="0"/>
+          <a:chOff x="0" y="0"/>
+          <a:chExt cx="0" cy="0"/>
+        </a:xfrm>
+      </p:grpSpPr>
+      <p:sp>
+        <p:nvSpPr>
+          <p:cNvPr id="2" name="Title 1">
+            <a:extLst>
+              <a:ext uri="{FF2B5EF4-FFF2-40B4-BE49-F238E27FC236}">
+                <a16:creationId xmlns:a16="http://schemas.microsoft.com/office/drawing/2014/main" id="{D62183D5-E1F8-4917-B0BA-FC2E62047445}"/>
+              </a:ext>
+            </a:extLst>
+          </p:cNvPr>
+          <p:cNvSpPr>
+            <a:spLocks noGrp="1"/>
+          </p:cNvSpPr>
+          <p:nvPr>
+            <p:ph type="title"/>
+          </p:nvPr>
+        </p:nvSpPr>
+        <p:spPr>
+          <a:xfrm>
+            <a:off x="838200" y="365125"/>
+            <a:ext cx="10515600" cy="559435"/>
+          </a:xfrm>
+        </p:spPr>
+        <p:txBody>
+          <a:bodyPr>
+            <a:normAutofit fontScale="90000"/>
+          </a:bodyPr>
+          <a:lstStyle/>
+          <a:p>
+            <a:r>
+              <a:rPr lang="en-NZ" sz="4000" dirty="0"/>
+              <a:t>End User Testing </a:t>
+            </a:r>
+          </a:p>
+        </p:txBody>
+      </p:sp>
+    </p:spTree>
+    <p:extLst>
+      <p:ext uri="{BB962C8B-B14F-4D97-AF65-F5344CB8AC3E}">
+        <p14:creationId xmlns:p14="http://schemas.microsoft.com/office/powerpoint/2010/main" val="4133279710"/>
+      </p:ext>
+    </p:extLst>
+  </p:cSld>
+  <p:clrMapOvr>
+    <a:masterClrMapping/>
+  </p:clrMapOvr>
+</p:sld>
+</file>
+
+<file path=ppt/slides/slide38.xml><?xml version="1.0" encoding="utf-8"?>
 <p:sld xmlns:a="http://schemas.openxmlformats.org/drawingml/2006/main" xmlns:r="http://schemas.openxmlformats.org/officeDocument/2006/relationships" xmlns:p="http://schemas.openxmlformats.org/presentationml/2006/main">
   <p:cSld>
     <p:spTree>
@@ -27093,7 +28678,7 @@
 </p:sld>
 </file>
 
-<file path=ppt/slides/slide38.xml><?xml version="1.0" encoding="utf-8"?>
+<file path=ppt/slides/slide39.xml><?xml version="1.0" encoding="utf-8"?>
 <p:sld xmlns:a="http://schemas.openxmlformats.org/drawingml/2006/main" xmlns:r="http://schemas.openxmlformats.org/officeDocument/2006/relationships" xmlns:p="http://schemas.openxmlformats.org/presentationml/2006/main">
   <p:cSld>
     <p:spTree>
@@ -27159,8 +28744,8 @@
         </p:nvSpPr>
         <p:spPr>
           <a:xfrm>
-            <a:off x="838200" y="1159329"/>
-            <a:ext cx="8542564" cy="1754326"/>
+            <a:off x="0" y="856357"/>
+            <a:ext cx="12009120" cy="6001643"/>
           </a:xfrm>
           <a:prstGeom prst="rect">
             <a:avLst/>
@@ -27178,7 +28763,7 @@
               <a:buChar char="-"/>
             </a:pPr>
             <a:r>
-              <a:rPr lang="en-US" sz="1800" kern="1200" dirty="0">
+              <a:rPr lang="en-US" sz="2400" kern="1200" dirty="0">
                 <a:solidFill>
                   <a:schemeClr val="tx1"/>
                 </a:solidFill>
@@ -27186,7 +28771,55 @@
                 <a:ea typeface="+mn-ea"/>
                 <a:cs typeface="+mn-cs"/>
               </a:rPr>
-              <a:t>Throughout making this code I have tested and trialed every component</a:t>
+              <a:t>Throughout making this code I have tested and trialed every component as a standalone function/piece of code and as a full program </a:t>
+            </a:r>
+          </a:p>
+          <a:p>
+            <a:pPr marL="342900" indent="-342900">
+              <a:buFontTx/>
+              <a:buChar char="-"/>
+            </a:pPr>
+            <a:r>
+              <a:rPr lang="en-US" sz="2400" dirty="0"/>
+              <a:t>By decomposing the problem, I was able to focus on creating each chunk of code on its own and testing to make sure that it was finished before I began the next. Each of these smaller chunks were thoroughly tested before being added to the base component. </a:t>
+            </a:r>
+          </a:p>
+          <a:p>
+            <a:pPr marL="342900" indent="-342900">
+              <a:buFontTx/>
+              <a:buChar char="-"/>
+            </a:pPr>
+            <a:r>
+              <a:rPr lang="en-US" sz="2400" dirty="0"/>
+              <a:t>Through testing I have been able to find and fix any flaws in my code before they were combined into a full program.</a:t>
+            </a:r>
+          </a:p>
+          <a:p>
+            <a:pPr marL="342900" indent="-342900">
+              <a:buFontTx/>
+              <a:buChar char="-"/>
+            </a:pPr>
+            <a:r>
+              <a:rPr lang="en-US" sz="2400" dirty="0"/>
+              <a:t>Through having other people (not in this class) test my program I was able to find out how to improve its functionality and gain ideas on how to make it more user friendly. This improved the quality of my finished program.</a:t>
+            </a:r>
+            <a:endParaRPr lang="en-US" sz="2400" kern="1200" dirty="0">
+              <a:solidFill>
+                <a:schemeClr val="tx1"/>
+              </a:solidFill>
+              <a:latin typeface="+mn-lt"/>
+              <a:ea typeface="+mn-ea"/>
+              <a:cs typeface="+mn-cs"/>
+            </a:endParaRPr>
+          </a:p>
+          <a:p>
+            <a:pPr marL="285750" indent="-285750">
+              <a:buFontTx/>
+              <a:buChar char="-"/>
+            </a:pPr>
+            <a:r>
+              <a:rPr lang="en-US" sz="2400" dirty="0"/>
+              <a:t>I have also applied all relevant implications that I stated to my code. This makes the code a higher quality and more user friendly</a:t>
             </a:r>
           </a:p>
           <a:p>
@@ -27195,8 +28828,8 @@
               <a:buChar char="-"/>
             </a:pPr>
             <a:r>
-              <a:rPr lang="en-US" dirty="0"/>
-              <a:t>I have also applied all relevant implications </a:t>
+              <a:rPr lang="en-US" sz="2400" dirty="0"/>
+              <a:t>By making a large program smaller by using functions I have been able to code my program more efficient overall. </a:t>
             </a:r>
           </a:p>
           <a:p>
@@ -27205,27 +28838,7 @@
               <a:buChar char="-"/>
             </a:pPr>
             <a:r>
-              <a:rPr lang="en-US" dirty="0"/>
-              <a:t>By making a large program smaller by using functions I have been able to code my program more efficiently</a:t>
-            </a:r>
-          </a:p>
-          <a:p>
-            <a:pPr marL="285750" indent="-285750">
-              <a:buFontTx/>
-              <a:buChar char="-"/>
-            </a:pPr>
-            <a:r>
-              <a:rPr lang="en-US" dirty="0"/>
-              <a:t>Through testing I was able to find flaws in my code </a:t>
-            </a:r>
-          </a:p>
-          <a:p>
-            <a:pPr marL="285750" indent="-285750">
-              <a:buFontTx/>
-              <a:buChar char="-"/>
-            </a:pPr>
-            <a:r>
-              <a:rPr lang="en-US" sz="1800" kern="1200" dirty="0">
+              <a:rPr lang="en-US" sz="2400" kern="1200" dirty="0">
                 <a:solidFill>
                   <a:schemeClr val="tx1"/>
                 </a:solidFill>
@@ -27233,7 +28846,7 @@
                 <a:ea typeface="+mn-ea"/>
                 <a:cs typeface="+mn-cs"/>
               </a:rPr>
-              <a:t> </a:t>
+              <a:t>I have tested my code using the PP8 checker to make sure it met the conventions regarding space and layout.</a:t>
             </a:r>
           </a:p>
         </p:txBody>

--- a/AS91883(1.7) & AS91884(1.8) Documentation.pptx
+++ b/AS91883(1.7) & AS91884(1.8) Documentation.pptx
@@ -156,7 +156,7 @@
 <file path=ppt/revisionInfo.xml><?xml version="1.0" encoding="utf-8"?>
 <p1510:revInfo xmlns:a="http://schemas.openxmlformats.org/drawingml/2006/main" xmlns:r="http://schemas.openxmlformats.org/officeDocument/2006/relationships" xmlns:p1510="http://schemas.microsoft.com/office/powerpoint/2015/10/main">
   <p1510:revLst>
-    <p1510:client id="{F1BAABD6-565A-4B4D-9F14-502B1B8F4095}" v="51" dt="2022-05-25T02:15:48.478"/>
+    <p1510:client id="{F1BAABD6-565A-4B4D-9F14-502B1B8F4095}" v="53" dt="2022-05-25T23:48:25.491"/>
   </p1510:revLst>
 </p1510:revInfo>
 </file>
@@ -3220,7 +3220,7 @@
   <pc:docChgLst>
     <pc:chgData name="Molly Sankey" userId="944469c7-6883-451f-9b55-4524bc4915b3" providerId="ADAL" clId="{F1BAABD6-565A-4B4D-9F14-502B1B8F4095}"/>
     <pc:docChg chg="undo custSel addSld delSld modSld sldOrd">
-      <pc:chgData name="Molly Sankey" userId="944469c7-6883-451f-9b55-4524bc4915b3" providerId="ADAL" clId="{F1BAABD6-565A-4B4D-9F14-502B1B8F4095}" dt="2022-05-25T02:15:48.476" v="8124" actId="20577"/>
+      <pc:chgData name="Molly Sankey" userId="944469c7-6883-451f-9b55-4524bc4915b3" providerId="ADAL" clId="{F1BAABD6-565A-4B4D-9F14-502B1B8F4095}" dt="2022-05-25T23:57:56.036" v="8838" actId="1076"/>
       <pc:docMkLst>
         <pc:docMk/>
       </pc:docMkLst>
@@ -3400,7 +3400,7 @@
         </pc:cxnChg>
       </pc:sldChg>
       <pc:sldChg chg="modSp mod">
-        <pc:chgData name="Molly Sankey" userId="944469c7-6883-451f-9b55-4524bc4915b3" providerId="ADAL" clId="{F1BAABD6-565A-4B4D-9F14-502B1B8F4095}" dt="2022-05-25T02:15:48.476" v="8124" actId="20577"/>
+        <pc:chgData name="Molly Sankey" userId="944469c7-6883-451f-9b55-4524bc4915b3" providerId="ADAL" clId="{F1BAABD6-565A-4B4D-9F14-502B1B8F4095}" dt="2022-05-25T02:19:23.100" v="8212" actId="20577"/>
         <pc:sldMkLst>
           <pc:docMk/>
           <pc:sldMk cId="3838895173" sldId="258"/>
@@ -3414,7 +3414,7 @@
           </ac:spMkLst>
         </pc:spChg>
         <pc:spChg chg="mod">
-          <ac:chgData name="Molly Sankey" userId="944469c7-6883-451f-9b55-4524bc4915b3" providerId="ADAL" clId="{F1BAABD6-565A-4B4D-9F14-502B1B8F4095}" dt="2022-05-25T02:15:48.476" v="8124" actId="20577"/>
+          <ac:chgData name="Molly Sankey" userId="944469c7-6883-451f-9b55-4524bc4915b3" providerId="ADAL" clId="{F1BAABD6-565A-4B4D-9F14-502B1B8F4095}" dt="2022-05-25T02:19:23.100" v="8212" actId="20577"/>
           <ac:spMkLst>
             <pc:docMk/>
             <pc:sldMk cId="3838895173" sldId="258"/>
@@ -3423,7 +3423,7 @@
         </pc:spChg>
       </pc:sldChg>
       <pc:sldChg chg="addSp delSp modSp mod">
-        <pc:chgData name="Molly Sankey" userId="944469c7-6883-451f-9b55-4524bc4915b3" providerId="ADAL" clId="{F1BAABD6-565A-4B4D-9F14-502B1B8F4095}" dt="2022-05-09T21:10:13.709" v="2433" actId="1076"/>
+        <pc:chgData name="Molly Sankey" userId="944469c7-6883-451f-9b55-4524bc4915b3" providerId="ADAL" clId="{F1BAABD6-565A-4B4D-9F14-502B1B8F4095}" dt="2022-05-25T23:57:19.208" v="8832" actId="1076"/>
         <pc:sldMkLst>
           <pc:docMk/>
           <pc:sldMk cId="3760331451" sldId="260"/>
@@ -3445,7 +3445,7 @@
           </ac:picMkLst>
         </pc:picChg>
         <pc:picChg chg="add mod">
-          <ac:chgData name="Molly Sankey" userId="944469c7-6883-451f-9b55-4524bc4915b3" providerId="ADAL" clId="{F1BAABD6-565A-4B4D-9F14-502B1B8F4095}" dt="2022-05-09T21:10:13.709" v="2433" actId="1076"/>
+          <ac:chgData name="Molly Sankey" userId="944469c7-6883-451f-9b55-4524bc4915b3" providerId="ADAL" clId="{F1BAABD6-565A-4B4D-9F14-502B1B8F4095}" dt="2022-05-25T23:57:19.208" v="8832" actId="1076"/>
           <ac:picMkLst>
             <pc:docMk/>
             <pc:sldMk cId="3760331451" sldId="260"/>
@@ -6723,8 +6723,8 @@
           </ac:inkMkLst>
         </pc:inkChg>
       </pc:sldChg>
-      <pc:sldChg chg="delSp modSp add mod">
-        <pc:chgData name="Molly Sankey" userId="944469c7-6883-451f-9b55-4524bc4915b3" providerId="ADAL" clId="{F1BAABD6-565A-4B4D-9F14-502B1B8F4095}" dt="2022-05-25T01:45:05.022" v="6695" actId="20577"/>
+      <pc:sldChg chg="addSp delSp modSp add mod">
+        <pc:chgData name="Molly Sankey" userId="944469c7-6883-451f-9b55-4524bc4915b3" providerId="ADAL" clId="{F1BAABD6-565A-4B4D-9F14-502B1B8F4095}" dt="2022-05-25T23:57:56.036" v="8838" actId="1076"/>
         <pc:sldMkLst>
           <pc:docMk/>
           <pc:sldMk cId="4133279710" sldId="310"/>
@@ -6737,12 +6737,36 @@
             <ac:spMk id="2" creationId="{D62183D5-E1F8-4917-B0BA-FC2E62047445}"/>
           </ac:spMkLst>
         </pc:spChg>
+        <pc:spChg chg="add mod">
+          <ac:chgData name="Molly Sankey" userId="944469c7-6883-451f-9b55-4524bc4915b3" providerId="ADAL" clId="{F1BAABD6-565A-4B4D-9F14-502B1B8F4095}" dt="2022-05-25T23:56:16.680" v="8828" actId="20577"/>
+          <ac:spMkLst>
+            <pc:docMk/>
+            <pc:sldMk cId="4133279710" sldId="310"/>
+            <ac:spMk id="3" creationId="{19FB17FB-0EC6-47CF-96D8-0B293598653D}"/>
+          </ac:spMkLst>
+        </pc:spChg>
+        <pc:spChg chg="add mod">
+          <ac:chgData name="Molly Sankey" userId="944469c7-6883-451f-9b55-4524bc4915b3" providerId="ADAL" clId="{F1BAABD6-565A-4B4D-9F14-502B1B8F4095}" dt="2022-05-25T23:57:56.036" v="8838" actId="1076"/>
+          <ac:spMkLst>
+            <pc:docMk/>
+            <pc:sldMk cId="4133279710" sldId="310"/>
+            <ac:spMk id="23" creationId="{B0825DC8-B87A-4E9C-9D2A-9089FEDB397F}"/>
+          </ac:spMkLst>
+        </pc:spChg>
         <pc:picChg chg="del">
           <ac:chgData name="Molly Sankey" userId="944469c7-6883-451f-9b55-4524bc4915b3" providerId="ADAL" clId="{F1BAABD6-565A-4B4D-9F14-502B1B8F4095}" dt="2022-05-25T01:44:19.590" v="6632" actId="478"/>
           <ac:picMkLst>
             <pc:docMk/>
             <pc:sldMk cId="4133279710" sldId="310"/>
             <ac:picMk id="4" creationId="{032BD2D3-FA73-4C09-9F9C-C61A42626432}"/>
+          </ac:picMkLst>
+        </pc:picChg>
+        <pc:picChg chg="add mod">
+          <ac:chgData name="Molly Sankey" userId="944469c7-6883-451f-9b55-4524bc4915b3" providerId="ADAL" clId="{F1BAABD6-565A-4B4D-9F14-502B1B8F4095}" dt="2022-05-25T23:53:33.670" v="8526" actId="14100"/>
+          <ac:picMkLst>
+            <pc:docMk/>
+            <pc:sldMk cId="4133279710" sldId="310"/>
+            <ac:picMk id="6" creationId="{3E043E90-E686-44DA-915A-56A25A4BFAF9}"/>
           </ac:picMkLst>
         </pc:picChg>
         <pc:picChg chg="del">
@@ -6751,6 +6775,14 @@
             <pc:docMk/>
             <pc:sldMk cId="4133279710" sldId="310"/>
             <ac:picMk id="8" creationId="{4A6E8168-B287-4387-9906-5225A8B08295}"/>
+          </ac:picMkLst>
+        </pc:picChg>
+        <pc:picChg chg="add mod">
+          <ac:chgData name="Molly Sankey" userId="944469c7-6883-451f-9b55-4524bc4915b3" providerId="ADAL" clId="{F1BAABD6-565A-4B4D-9F14-502B1B8F4095}" dt="2022-05-25T23:57:51.663" v="8837" actId="14100"/>
+          <ac:picMkLst>
+            <pc:docMk/>
+            <pc:sldMk cId="4133279710" sldId="310"/>
+            <ac:picMk id="9" creationId="{2BAEF07C-B671-45B5-89F4-19C814EF21DD}"/>
           </ac:picMkLst>
         </pc:picChg>
         <pc:picChg chg="del">
@@ -6769,6 +6801,22 @@
             <ac:picMk id="12" creationId="{9A1FFEFD-9A9F-494E-9A2B-3C9F19FEAC20}"/>
           </ac:picMkLst>
         </pc:picChg>
+        <pc:inkChg chg="add del">
+          <ac:chgData name="Molly Sankey" userId="944469c7-6883-451f-9b55-4524bc4915b3" providerId="ADAL" clId="{F1BAABD6-565A-4B4D-9F14-502B1B8F4095}" dt="2022-05-25T23:57:36.008" v="8834" actId="9405"/>
+          <ac:inkMkLst>
+            <pc:docMk/>
+            <pc:sldMk cId="4133279710" sldId="310"/>
+            <ac:inkMk id="11" creationId="{E4116341-2227-4CEE-BD9D-114B234DFB94}"/>
+          </ac:inkMkLst>
+        </pc:inkChg>
+        <pc:inkChg chg="add del">
+          <ac:chgData name="Molly Sankey" userId="944469c7-6883-451f-9b55-4524bc4915b3" providerId="ADAL" clId="{F1BAABD6-565A-4B4D-9F14-502B1B8F4095}" dt="2022-05-25T23:57:45.702" v="8836" actId="34122"/>
+          <ac:inkMkLst>
+            <pc:docMk/>
+            <pc:sldMk cId="4133279710" sldId="310"/>
+            <ac:inkMk id="13" creationId="{8E19B01D-2F9D-4C3E-BC12-FF98D61F8465}"/>
+          </ac:inkMkLst>
+        </pc:inkChg>
       </pc:sldChg>
     </pc:docChg>
   </pc:docChgLst>
@@ -22138,32 +22186,24 @@
                   <a:srgbClr val="274E13"/>
                 </a:solidFill>
               </a:rPr>
-              <a:t>Link to final version of your </a:t>
+              <a:t>Link to final version of your program: </a:t>
             </a:r>
             <a:r>
-              <a:rPr lang="en-NZ" sz="2000" b="1">
-                <a:solidFill>
-                  <a:srgbClr val="274E13"/>
-                </a:solidFill>
-              </a:rPr>
-              <a:t>program: </a:t>
-            </a:r>
-            <a:r>
-              <a:rPr lang="en-NZ" sz="2000" b="1">
+              <a:rPr lang="en-NZ" sz="2000" b="1" dirty="0">
                 <a:solidFill>
                   <a:srgbClr val="274E13"/>
                 </a:solidFill>
                 <a:hlinkClick r:id="rId4"/>
               </a:rPr>
-              <a:t>https://github.com/MOLLY-S1/Assessment/commit/c31fd114821ce419191d351dbbf415c88d2ec27f</a:t>
+              <a:t>https://github.com/MOLLY-S1/Assessment/commit/f2f38fd020cdef66e2f48757b8d04161ed833f98</a:t>
             </a:r>
             <a:r>
-              <a:rPr lang="en-NZ" sz="2000" b="1">
+              <a:rPr lang="en-NZ" sz="2000" b="1" dirty="0">
                 <a:solidFill>
                   <a:srgbClr val="274E13"/>
                 </a:solidFill>
               </a:rPr>
-              <a:t> </a:t>
+              <a:t>  </a:t>
             </a:r>
             <a:endParaRPr lang="en-NZ" sz="2000" dirty="0"/>
           </a:p>
@@ -28570,6 +28610,226 @@
           </a:p>
         </p:txBody>
       </p:sp>
+      <p:sp>
+        <p:nvSpPr>
+          <p:cNvPr id="3" name="TextBox 2">
+            <a:extLst>
+              <a:ext uri="{FF2B5EF4-FFF2-40B4-BE49-F238E27FC236}">
+                <a16:creationId xmlns:a16="http://schemas.microsoft.com/office/drawing/2014/main" id="{19FB17FB-0EC6-47CF-96D8-0B293598653D}"/>
+              </a:ext>
+            </a:extLst>
+          </p:cNvPr>
+          <p:cNvSpPr txBox="1"/>
+          <p:nvPr/>
+        </p:nvSpPr>
+        <p:spPr>
+          <a:xfrm>
+            <a:off x="670560" y="999173"/>
+            <a:ext cx="10850880" cy="4893647"/>
+          </a:xfrm>
+          <a:prstGeom prst="rect">
+            <a:avLst/>
+          </a:prstGeom>
+          <a:noFill/>
+        </p:spPr>
+        <p:txBody>
+          <a:bodyPr wrap="square" rtlCol="0">
+            <a:spAutoFit/>
+          </a:bodyPr>
+          <a:lstStyle/>
+          <a:p>
+            <a:r>
+              <a:rPr lang="en-NZ" sz="2400" b="1" u="sng" dirty="0"/>
+              <a:t>When talking with users about my final problems there was a few problems found:</a:t>
+            </a:r>
+            <a:endParaRPr lang="en-NZ" sz="2400" dirty="0"/>
+          </a:p>
+          <a:p>
+            <a:pPr marL="342900" indent="-342900">
+              <a:buFontTx/>
+              <a:buChar char="-"/>
+            </a:pPr>
+            <a:r>
+              <a:rPr lang="en-NZ" sz="2400" dirty="0"/>
+              <a:t>The questions did not reset from 0 when a new round was played. I have now fixed this by adding two lines of code:</a:t>
+            </a:r>
+          </a:p>
+          <a:p>
+            <a:pPr marL="342900" indent="-342900">
+              <a:buFontTx/>
+              <a:buChar char="-"/>
+            </a:pPr>
+            <a:endParaRPr lang="en-NZ" sz="2400" dirty="0"/>
+          </a:p>
+          <a:p>
+            <a:pPr marL="342900" indent="-342900">
+              <a:buFontTx/>
+              <a:buChar char="-"/>
+            </a:pPr>
+            <a:endParaRPr lang="en-NZ" sz="2400" dirty="0"/>
+          </a:p>
+          <a:p>
+            <a:pPr marL="342900" indent="-342900">
+              <a:buFontTx/>
+              <a:buChar char="-"/>
+            </a:pPr>
+            <a:endParaRPr lang="en-NZ" sz="2400" dirty="0"/>
+          </a:p>
+          <a:p>
+            <a:pPr marL="342900" indent="-342900">
+              <a:buFontTx/>
+              <a:buChar char="-"/>
+            </a:pPr>
+            <a:endParaRPr lang="en-NZ" sz="2400" dirty="0"/>
+          </a:p>
+          <a:p>
+            <a:pPr marL="342900" indent="-342900">
+              <a:buFontTx/>
+              <a:buChar char="-"/>
+            </a:pPr>
+            <a:r>
+              <a:rPr lang="en-NZ" sz="2400" dirty="0"/>
+              <a:t>When a new round is wanting to  be played the code previously stated that “press &lt;enter&gt; to play again but if any thing except ‘x’ will play another round. This has now been changed to show that any key can be entered to play again.</a:t>
+            </a:r>
+          </a:p>
+          <a:p>
+            <a:pPr marL="342900" indent="-342900">
+              <a:buFontTx/>
+              <a:buChar char="-"/>
+            </a:pPr>
+            <a:endParaRPr lang="en-NZ" sz="2400" dirty="0"/>
+          </a:p>
+          <a:p>
+            <a:pPr marL="342900" indent="-342900">
+              <a:buFontTx/>
+              <a:buChar char="-"/>
+            </a:pPr>
+            <a:endParaRPr lang="en-NZ" sz="2400" dirty="0"/>
+          </a:p>
+          <a:p>
+            <a:endParaRPr lang="en-NZ" sz="2400" dirty="0"/>
+          </a:p>
+        </p:txBody>
+      </p:sp>
+      <p:pic>
+        <p:nvPicPr>
+          <p:cNvPr id="6" name="Picture 5">
+            <a:extLst>
+              <a:ext uri="{FF2B5EF4-FFF2-40B4-BE49-F238E27FC236}">
+                <a16:creationId xmlns:a16="http://schemas.microsoft.com/office/drawing/2014/main" id="{3E043E90-E686-44DA-915A-56A25A4BFAF9}"/>
+              </a:ext>
+            </a:extLst>
+          </p:cNvPr>
+          <p:cNvPicPr>
+            <a:picLocks noChangeAspect="1"/>
+          </p:cNvPicPr>
+          <p:nvPr/>
+        </p:nvPicPr>
+        <p:blipFill>
+          <a:blip r:embed="rId3"/>
+          <a:stretch>
+            <a:fillRect/>
+          </a:stretch>
+        </p:blipFill>
+        <p:spPr>
+          <a:xfrm>
+            <a:off x="1088960" y="2250272"/>
+            <a:ext cx="3513519" cy="1099651"/>
+          </a:xfrm>
+          <a:prstGeom prst="rect">
+            <a:avLst/>
+          </a:prstGeom>
+        </p:spPr>
+      </p:pic>
+      <p:pic>
+        <p:nvPicPr>
+          <p:cNvPr id="9" name="Picture 8">
+            <a:extLst>
+              <a:ext uri="{FF2B5EF4-FFF2-40B4-BE49-F238E27FC236}">
+                <a16:creationId xmlns:a16="http://schemas.microsoft.com/office/drawing/2014/main" id="{2BAEF07C-B671-45B5-89F4-19C814EF21DD}"/>
+              </a:ext>
+            </a:extLst>
+          </p:cNvPr>
+          <p:cNvPicPr>
+            <a:picLocks noChangeAspect="1"/>
+          </p:cNvPicPr>
+          <p:nvPr/>
+        </p:nvPicPr>
+        <p:blipFill>
+          <a:blip r:embed="rId4"/>
+          <a:stretch>
+            <a:fillRect/>
+          </a:stretch>
+        </p:blipFill>
+        <p:spPr>
+          <a:xfrm>
+            <a:off x="838199" y="4768190"/>
+            <a:ext cx="7366150" cy="1515379"/>
+          </a:xfrm>
+          <a:prstGeom prst="rect">
+            <a:avLst/>
+          </a:prstGeom>
+        </p:spPr>
+      </p:pic>
+      <p:sp>
+        <p:nvSpPr>
+          <p:cNvPr id="23" name="Rectangle 22">
+            <a:extLst>
+              <a:ext uri="{FF2B5EF4-FFF2-40B4-BE49-F238E27FC236}">
+                <a16:creationId xmlns:a16="http://schemas.microsoft.com/office/drawing/2014/main" id="{B0825DC8-B87A-4E9C-9D2A-9089FEDB397F}"/>
+              </a:ext>
+            </a:extLst>
+          </p:cNvPr>
+          <p:cNvSpPr/>
+          <p:nvPr/>
+        </p:nvSpPr>
+        <p:spPr>
+          <a:xfrm>
+            <a:off x="4070256" y="5531221"/>
+            <a:ext cx="365760" cy="182880"/>
+          </a:xfrm>
+          <a:prstGeom prst="rect">
+            <a:avLst/>
+          </a:prstGeom>
+          <a:solidFill>
+            <a:srgbClr val="FFC114">
+              <a:alpha val="5000"/>
+            </a:srgbClr>
+          </a:solidFill>
+          <a:ln w="72000">
+            <a:solidFill>
+              <a:srgbClr val="FFC114"/>
+            </a:solidFill>
+          </a:ln>
+        </p:spPr>
+        <p:style>
+          <a:lnRef idx="2">
+            <a:schemeClr val="accent1">
+              <a:shade val="50000"/>
+            </a:schemeClr>
+          </a:lnRef>
+          <a:fillRef idx="1">
+            <a:schemeClr val="accent1"/>
+          </a:fillRef>
+          <a:effectRef idx="0">
+            <a:schemeClr val="accent1"/>
+          </a:effectRef>
+          <a:fontRef idx="minor">
+            <a:schemeClr val="lt1"/>
+          </a:fontRef>
+        </p:style>
+        <p:txBody>
+          <a:bodyPr wrap="none" rtlCol="0" anchor="ctr" anchorCtr="1"/>
+          <a:lstStyle/>
+          <a:p>
+            <a:endParaRPr lang="ko-KR" altLang="en-US">
+              <a:solidFill>
+                <a:srgbClr val="FFC114"/>
+              </a:solidFill>
+            </a:endParaRPr>
+          </a:p>
+        </p:txBody>
+      </p:sp>
     </p:spTree>
     <p:extLst>
       <p:ext uri="{BB962C8B-B14F-4D97-AF65-F5344CB8AC3E}">
@@ -29356,7 +29616,7 @@
         </p:blipFill>
         <p:spPr>
           <a:xfrm>
-            <a:off x="3886130" y="1100719"/>
+            <a:off x="756850" y="965200"/>
             <a:ext cx="3479869" cy="5392156"/>
           </a:xfrm>
           <a:prstGeom prst="rect">

--- a/AS91883(1.7) & AS91884(1.8) Documentation.pptx
+++ b/AS91883(1.7) & AS91884(1.8) Documentation.pptx
@@ -3220,7 +3220,7 @@
   <pc:docChgLst>
     <pc:chgData name="Molly Sankey" userId="944469c7-6883-451f-9b55-4524bc4915b3" providerId="ADAL" clId="{F1BAABD6-565A-4B4D-9F14-502B1B8F4095}"/>
     <pc:docChg chg="undo custSel addSld delSld modSld sldOrd">
-      <pc:chgData name="Molly Sankey" userId="944469c7-6883-451f-9b55-4524bc4915b3" providerId="ADAL" clId="{F1BAABD6-565A-4B4D-9F14-502B1B8F4095}" dt="2022-05-25T23:57:56.036" v="8838" actId="1076"/>
+      <pc:chgData name="Molly Sankey" userId="944469c7-6883-451f-9b55-4524bc4915b3" providerId="ADAL" clId="{F1BAABD6-565A-4B4D-9F14-502B1B8F4095}" dt="2022-05-25T23:58:27.615" v="8842" actId="20577"/>
       <pc:docMkLst>
         <pc:docMk/>
       </pc:docMkLst>
@@ -6724,7 +6724,7 @@
         </pc:inkChg>
       </pc:sldChg>
       <pc:sldChg chg="addSp delSp modSp add mod">
-        <pc:chgData name="Molly Sankey" userId="944469c7-6883-451f-9b55-4524bc4915b3" providerId="ADAL" clId="{F1BAABD6-565A-4B4D-9F14-502B1B8F4095}" dt="2022-05-25T23:57:56.036" v="8838" actId="1076"/>
+        <pc:chgData name="Molly Sankey" userId="944469c7-6883-451f-9b55-4524bc4915b3" providerId="ADAL" clId="{F1BAABD6-565A-4B4D-9F14-502B1B8F4095}" dt="2022-05-25T23:58:27.615" v="8842" actId="20577"/>
         <pc:sldMkLst>
           <pc:docMk/>
           <pc:sldMk cId="4133279710" sldId="310"/>
@@ -6738,7 +6738,7 @@
           </ac:spMkLst>
         </pc:spChg>
         <pc:spChg chg="add mod">
-          <ac:chgData name="Molly Sankey" userId="944469c7-6883-451f-9b55-4524bc4915b3" providerId="ADAL" clId="{F1BAABD6-565A-4B4D-9F14-502B1B8F4095}" dt="2022-05-25T23:56:16.680" v="8828" actId="20577"/>
+          <ac:chgData name="Molly Sankey" userId="944469c7-6883-451f-9b55-4524bc4915b3" providerId="ADAL" clId="{F1BAABD6-565A-4B4D-9F14-502B1B8F4095}" dt="2022-05-25T23:58:27.615" v="8842" actId="20577"/>
           <ac:spMkLst>
             <pc:docMk/>
             <pc:sldMk cId="4133279710" sldId="310"/>
@@ -6746,7 +6746,7 @@
           </ac:spMkLst>
         </pc:spChg>
         <pc:spChg chg="add mod">
-          <ac:chgData name="Molly Sankey" userId="944469c7-6883-451f-9b55-4524bc4915b3" providerId="ADAL" clId="{F1BAABD6-565A-4B4D-9F14-502B1B8F4095}" dt="2022-05-25T23:57:56.036" v="8838" actId="1076"/>
+          <ac:chgData name="Molly Sankey" userId="944469c7-6883-451f-9b55-4524bc4915b3" providerId="ADAL" clId="{F1BAABD6-565A-4B4D-9F14-502B1B8F4095}" dt="2022-05-25T23:58:06.706" v="8840" actId="1076"/>
           <ac:spMkLst>
             <pc:docMk/>
             <pc:sldMk cId="4133279710" sldId="310"/>
@@ -28689,7 +28689,7 @@
             </a:pPr>
             <a:r>
               <a:rPr lang="en-NZ" sz="2400" dirty="0"/>
-              <a:t>When a new round is wanting to  be played the code previously stated that “press &lt;enter&gt; to play again but if any thing except ‘x’ will play another round. This has now been changed to show that any key can be entered to play again.</a:t>
+              <a:t>When a new round is wanting to  be played the code previously stated that “press &lt;enter&gt; to play again but if any thing except ‘x’ will play another round. This has now been changed to show that any key can be entered to play again:</a:t>
             </a:r>
           </a:p>
           <a:p>
@@ -28785,8 +28785,8 @@
         </p:nvSpPr>
         <p:spPr>
           <a:xfrm>
-            <a:off x="4070256" y="5531221"/>
-            <a:ext cx="365760" cy="182880"/>
+            <a:off x="3991707" y="5513636"/>
+            <a:ext cx="1417324" cy="265841"/>
           </a:xfrm>
           <a:prstGeom prst="rect">
             <a:avLst/>

--- a/AS91883(1.7) & AS91884(1.8) Documentation.pptx
+++ b/AS91883(1.7) & AS91884(1.8) Documentation.pptx
@@ -12,7 +12,7 @@
     <p:sldId id="258" r:id="rId3"/>
     <p:sldId id="272" r:id="rId4"/>
     <p:sldId id="275" r:id="rId5"/>
-    <p:sldId id="260" r:id="rId6"/>
+    <p:sldId id="311" r:id="rId6"/>
     <p:sldId id="268" r:id="rId7"/>
     <p:sldId id="269" r:id="rId8"/>
     <p:sldId id="276" r:id="rId9"/>
@@ -21,12 +21,12 @@
     <p:sldId id="273" r:id="rId12"/>
     <p:sldId id="278" r:id="rId13"/>
     <p:sldId id="279" r:id="rId14"/>
-    <p:sldId id="280" r:id="rId15"/>
-    <p:sldId id="300" r:id="rId16"/>
-    <p:sldId id="298" r:id="rId17"/>
-    <p:sldId id="299" r:id="rId18"/>
-    <p:sldId id="302" r:id="rId19"/>
-    <p:sldId id="303" r:id="rId20"/>
+    <p:sldId id="303" r:id="rId15"/>
+    <p:sldId id="302" r:id="rId16"/>
+    <p:sldId id="280" r:id="rId17"/>
+    <p:sldId id="300" r:id="rId18"/>
+    <p:sldId id="298" r:id="rId19"/>
+    <p:sldId id="299" r:id="rId20"/>
     <p:sldId id="301" r:id="rId21"/>
     <p:sldId id="287" r:id="rId22"/>
     <p:sldId id="288" r:id="rId23"/>
@@ -156,7 +156,7 @@
 <file path=ppt/revisionInfo.xml><?xml version="1.0" encoding="utf-8"?>
 <p1510:revInfo xmlns:a="http://schemas.openxmlformats.org/drawingml/2006/main" xmlns:r="http://schemas.openxmlformats.org/officeDocument/2006/relationships" xmlns:p1510="http://schemas.microsoft.com/office/powerpoint/2015/10/main">
   <p1510:revLst>
-    <p1510:client id="{F1BAABD6-565A-4B4D-9F14-502B1B8F4095}" v="53" dt="2022-05-25T23:48:25.491"/>
+    <p1510:client id="{F1BAABD6-565A-4B4D-9F14-502B1B8F4095}" v="87" dt="2022-05-26T00:06:27.777"/>
   </p1510:revLst>
 </p1510:revInfo>
 </file>
@@ -3220,7 +3220,7 @@
   <pc:docChgLst>
     <pc:chgData name="Molly Sankey" userId="944469c7-6883-451f-9b55-4524bc4915b3" providerId="ADAL" clId="{F1BAABD6-565A-4B4D-9F14-502B1B8F4095}"/>
     <pc:docChg chg="undo custSel addSld delSld modSld sldOrd">
-      <pc:chgData name="Molly Sankey" userId="944469c7-6883-451f-9b55-4524bc4915b3" providerId="ADAL" clId="{F1BAABD6-565A-4B4D-9F14-502B1B8F4095}" dt="2022-05-25T23:58:27.615" v="8842" actId="20577"/>
+      <pc:chgData name="Molly Sankey" userId="944469c7-6883-451f-9b55-4524bc4915b3" providerId="ADAL" clId="{F1BAABD6-565A-4B4D-9F14-502B1B8F4095}" dt="2022-05-26T00:33:47.793" v="8961" actId="2696"/>
       <pc:docMkLst>
         <pc:docMk/>
       </pc:docMkLst>
@@ -3422,12 +3422,20 @@
           </ac:spMkLst>
         </pc:spChg>
       </pc:sldChg>
-      <pc:sldChg chg="addSp delSp modSp mod">
-        <pc:chgData name="Molly Sankey" userId="944469c7-6883-451f-9b55-4524bc4915b3" providerId="ADAL" clId="{F1BAABD6-565A-4B4D-9F14-502B1B8F4095}" dt="2022-05-25T23:57:19.208" v="8832" actId="1076"/>
+      <pc:sldChg chg="addSp delSp modSp del mod">
+        <pc:chgData name="Molly Sankey" userId="944469c7-6883-451f-9b55-4524bc4915b3" providerId="ADAL" clId="{F1BAABD6-565A-4B4D-9F14-502B1B8F4095}" dt="2022-05-26T00:33:47.793" v="8961" actId="2696"/>
         <pc:sldMkLst>
           <pc:docMk/>
           <pc:sldMk cId="3760331451" sldId="260"/>
         </pc:sldMkLst>
+        <pc:spChg chg="mod">
+          <ac:chgData name="Molly Sankey" userId="944469c7-6883-451f-9b55-4524bc4915b3" providerId="ADAL" clId="{F1BAABD6-565A-4B4D-9F14-502B1B8F4095}" dt="2022-05-26T00:02:01.441" v="8851" actId="20577"/>
+          <ac:spMkLst>
+            <pc:docMk/>
+            <pc:sldMk cId="3760331451" sldId="260"/>
+            <ac:spMk id="2" creationId="{321F8E66-F9B8-4062-8E8D-D5ADB11625DA}"/>
+          </ac:spMkLst>
+        </pc:spChg>
         <pc:spChg chg="del">
           <ac:chgData name="Molly Sankey" userId="944469c7-6883-451f-9b55-4524bc4915b3" providerId="ADAL" clId="{F1BAABD6-565A-4B4D-9F14-502B1B8F4095}" dt="2022-05-04T01:51:38.783" v="251" actId="478"/>
           <ac:spMkLst>
@@ -3436,6 +3444,70 @@
             <ac:spMk id="4" creationId="{937BF58F-E358-4625-919F-7C3D6EEBA8FB}"/>
           </ac:spMkLst>
         </pc:spChg>
+        <pc:grpChg chg="del mod">
+          <ac:chgData name="Molly Sankey" userId="944469c7-6883-451f-9b55-4524bc4915b3" providerId="ADAL" clId="{F1BAABD6-565A-4B4D-9F14-502B1B8F4095}" dt="2022-05-26T00:05:03.513" v="8875"/>
+          <ac:grpSpMkLst>
+            <pc:docMk/>
+            <pc:sldMk cId="3760331451" sldId="260"/>
+            <ac:grpSpMk id="16" creationId="{659039A2-A012-48D3-B93C-AF93A80BDE82}"/>
+          </ac:grpSpMkLst>
+        </pc:grpChg>
+        <pc:grpChg chg="del mod">
+          <ac:chgData name="Molly Sankey" userId="944469c7-6883-451f-9b55-4524bc4915b3" providerId="ADAL" clId="{F1BAABD6-565A-4B4D-9F14-502B1B8F4095}" dt="2022-05-26T00:05:35.171" v="8885"/>
+          <ac:grpSpMkLst>
+            <pc:docMk/>
+            <pc:sldMk cId="3760331451" sldId="260"/>
+            <ac:grpSpMk id="18" creationId="{DECF9255-A410-4222-B4BF-502E55E22CA6}"/>
+          </ac:grpSpMkLst>
+        </pc:grpChg>
+        <pc:grpChg chg="del mod">
+          <ac:chgData name="Molly Sankey" userId="944469c7-6883-451f-9b55-4524bc4915b3" providerId="ADAL" clId="{F1BAABD6-565A-4B4D-9F14-502B1B8F4095}" dt="2022-05-26T00:05:47.201" v="8891"/>
+          <ac:grpSpMkLst>
+            <pc:docMk/>
+            <pc:sldMk cId="3760331451" sldId="260"/>
+            <ac:grpSpMk id="21" creationId="{D3B723AE-8E83-4886-9F29-EB5CBD5D11AF}"/>
+          </ac:grpSpMkLst>
+        </pc:grpChg>
+        <pc:grpChg chg="del mod">
+          <ac:chgData name="Molly Sankey" userId="944469c7-6883-451f-9b55-4524bc4915b3" providerId="ADAL" clId="{F1BAABD6-565A-4B4D-9F14-502B1B8F4095}" dt="2022-05-26T00:06:03.393" v="8901"/>
+          <ac:grpSpMkLst>
+            <pc:docMk/>
+            <pc:sldMk cId="3760331451" sldId="260"/>
+            <ac:grpSpMk id="27" creationId="{0E5E6E08-633E-4BA5-AD42-EB2E7AA6FCFB}"/>
+          </ac:grpSpMkLst>
+        </pc:grpChg>
+        <pc:grpChg chg="del mod">
+          <ac:chgData name="Molly Sankey" userId="944469c7-6883-451f-9b55-4524bc4915b3" providerId="ADAL" clId="{F1BAABD6-565A-4B4D-9F14-502B1B8F4095}" dt="2022-05-26T00:06:03.936" v="8903"/>
+          <ac:grpSpMkLst>
+            <pc:docMk/>
+            <pc:sldMk cId="3760331451" sldId="260"/>
+            <ac:grpSpMk id="30" creationId="{1A78B14E-48DC-47B0-8626-C4AB8BC85B57}"/>
+          </ac:grpSpMkLst>
+        </pc:grpChg>
+        <pc:grpChg chg="del mod">
+          <ac:chgData name="Molly Sankey" userId="944469c7-6883-451f-9b55-4524bc4915b3" providerId="ADAL" clId="{F1BAABD6-565A-4B4D-9F14-502B1B8F4095}" dt="2022-05-26T00:06:08.682" v="8906"/>
+          <ac:grpSpMkLst>
+            <pc:docMk/>
+            <pc:sldMk cId="3760331451" sldId="260"/>
+            <ac:grpSpMk id="32" creationId="{DE23E0A4-8E96-41BA-8F04-4EF17AE051AA}"/>
+          </ac:grpSpMkLst>
+        </pc:grpChg>
+        <pc:grpChg chg="del mod">
+          <ac:chgData name="Molly Sankey" userId="944469c7-6883-451f-9b55-4524bc4915b3" providerId="ADAL" clId="{F1BAABD6-565A-4B4D-9F14-502B1B8F4095}" dt="2022-05-26T00:06:27.777" v="8918"/>
+          <ac:grpSpMkLst>
+            <pc:docMk/>
+            <pc:sldMk cId="3760331451" sldId="260"/>
+            <ac:grpSpMk id="36" creationId="{71F2A595-649C-4055-ACD1-35E34CF29AEF}"/>
+          </ac:grpSpMkLst>
+        </pc:grpChg>
+        <pc:picChg chg="add mod">
+          <ac:chgData name="Molly Sankey" userId="944469c7-6883-451f-9b55-4524bc4915b3" providerId="ADAL" clId="{F1BAABD6-565A-4B4D-9F14-502B1B8F4095}" dt="2022-05-26T00:03:21.433" v="8855" actId="14100"/>
+          <ac:picMkLst>
+            <pc:docMk/>
+            <pc:sldMk cId="3760331451" sldId="260"/>
+            <ac:picMk id="4" creationId="{31DDD471-47CF-483F-9FB3-A56974A3AD38}"/>
+          </ac:picMkLst>
+        </pc:picChg>
         <pc:picChg chg="del">
           <ac:chgData name="Molly Sankey" userId="944469c7-6883-451f-9b55-4524bc4915b3" providerId="ADAL" clId="{F1BAABD6-565A-4B4D-9F14-502B1B8F4095}" dt="2022-05-04T01:51:35.516" v="250" actId="478"/>
           <ac:picMkLst>
@@ -3444,8 +3516,8 @@
             <ac:picMk id="5" creationId="{C18FCE1D-AC2C-4CD0-8B04-B14C63CF3922}"/>
           </ac:picMkLst>
         </pc:picChg>
-        <pc:picChg chg="add mod">
-          <ac:chgData name="Molly Sankey" userId="944469c7-6883-451f-9b55-4524bc4915b3" providerId="ADAL" clId="{F1BAABD6-565A-4B4D-9F14-502B1B8F4095}" dt="2022-05-25T23:57:19.208" v="8832" actId="1076"/>
+        <pc:picChg chg="add del mod">
+          <ac:chgData name="Molly Sankey" userId="944469c7-6883-451f-9b55-4524bc4915b3" providerId="ADAL" clId="{F1BAABD6-565A-4B4D-9F14-502B1B8F4095}" dt="2022-05-26T00:01:56.388" v="8844" actId="478"/>
           <ac:picMkLst>
             <pc:docMk/>
             <pc:sldMk cId="3760331451" sldId="260"/>
@@ -3460,6 +3532,206 @@
             <ac:picMk id="9" creationId="{0CE74815-ED95-48B3-8898-ADCA0F6053FE}"/>
           </ac:picMkLst>
         </pc:picChg>
+        <pc:inkChg chg="add del">
+          <ac:chgData name="Molly Sankey" userId="944469c7-6883-451f-9b55-4524bc4915b3" providerId="ADAL" clId="{F1BAABD6-565A-4B4D-9F14-502B1B8F4095}" dt="2022-05-26T00:05:36.702" v="8887"/>
+          <ac:inkMkLst>
+            <pc:docMk/>
+            <pc:sldMk cId="3760331451" sldId="260"/>
+            <ac:inkMk id="5" creationId="{1D1F57CC-CCAA-4CFA-A774-D8FCD872C0BB}"/>
+          </ac:inkMkLst>
+        </pc:inkChg>
+        <pc:inkChg chg="add del">
+          <ac:chgData name="Molly Sankey" userId="944469c7-6883-451f-9b55-4524bc4915b3" providerId="ADAL" clId="{F1BAABD6-565A-4B4D-9F14-502B1B8F4095}" dt="2022-05-26T00:03:39.768" v="8858" actId="9405"/>
+          <ac:inkMkLst>
+            <pc:docMk/>
+            <pc:sldMk cId="3760331451" sldId="260"/>
+            <ac:inkMk id="7" creationId="{D390701A-3B69-4489-9759-813CEC7384FB}"/>
+          </ac:inkMkLst>
+        </pc:inkChg>
+        <pc:inkChg chg="add del">
+          <ac:chgData name="Molly Sankey" userId="944469c7-6883-451f-9b55-4524bc4915b3" providerId="ADAL" clId="{F1BAABD6-565A-4B4D-9F14-502B1B8F4095}" dt="2022-05-26T00:04:02.645" v="8860" actId="9405"/>
+          <ac:inkMkLst>
+            <pc:docMk/>
+            <pc:sldMk cId="3760331451" sldId="260"/>
+            <ac:inkMk id="8" creationId="{21E2885F-D429-4B6C-9CCA-17B5787E7C28}"/>
+          </ac:inkMkLst>
+        </pc:inkChg>
+        <pc:inkChg chg="add del">
+          <ac:chgData name="Molly Sankey" userId="944469c7-6883-451f-9b55-4524bc4915b3" providerId="ADAL" clId="{F1BAABD6-565A-4B4D-9F14-502B1B8F4095}" dt="2022-05-26T00:04:41.090" v="8870"/>
+          <ac:inkMkLst>
+            <pc:docMk/>
+            <pc:sldMk cId="3760331451" sldId="260"/>
+            <ac:inkMk id="9" creationId="{37009931-33F7-41C5-A68C-93E97B6FD024}"/>
+          </ac:inkMkLst>
+        </pc:inkChg>
+        <pc:inkChg chg="add del">
+          <ac:chgData name="Molly Sankey" userId="944469c7-6883-451f-9b55-4524bc4915b3" providerId="ADAL" clId="{F1BAABD6-565A-4B4D-9F14-502B1B8F4095}" dt="2022-05-26T00:04:41.090" v="8868"/>
+          <ac:inkMkLst>
+            <pc:docMk/>
+            <pc:sldMk cId="3760331451" sldId="260"/>
+            <ac:inkMk id="10" creationId="{17AD6B5C-6ECF-4EAD-AC70-1AF59A5886F7}"/>
+          </ac:inkMkLst>
+        </pc:inkChg>
+        <pc:inkChg chg="add del">
+          <ac:chgData name="Molly Sankey" userId="944469c7-6883-451f-9b55-4524bc4915b3" providerId="ADAL" clId="{F1BAABD6-565A-4B4D-9F14-502B1B8F4095}" dt="2022-05-26T00:04:31.910" v="8864"/>
+          <ac:inkMkLst>
+            <pc:docMk/>
+            <pc:sldMk cId="3760331451" sldId="260"/>
+            <ac:inkMk id="11" creationId="{2739A068-9169-4078-A3B6-C3012D1D5794}"/>
+          </ac:inkMkLst>
+        </pc:inkChg>
+        <pc:inkChg chg="add del">
+          <ac:chgData name="Molly Sankey" userId="944469c7-6883-451f-9b55-4524bc4915b3" providerId="ADAL" clId="{F1BAABD6-565A-4B4D-9F14-502B1B8F4095}" dt="2022-05-26T00:04:41.090" v="8869"/>
+          <ac:inkMkLst>
+            <pc:docMk/>
+            <pc:sldMk cId="3760331451" sldId="260"/>
+            <ac:inkMk id="12" creationId="{46762CD3-F829-4EE5-A32B-274BFB03156E}"/>
+          </ac:inkMkLst>
+        </pc:inkChg>
+        <pc:inkChg chg="add del">
+          <ac:chgData name="Molly Sankey" userId="944469c7-6883-451f-9b55-4524bc4915b3" providerId="ADAL" clId="{F1BAABD6-565A-4B4D-9F14-502B1B8F4095}" dt="2022-05-26T00:04:41.082" v="8867"/>
+          <ac:inkMkLst>
+            <pc:docMk/>
+            <pc:sldMk cId="3760331451" sldId="260"/>
+            <ac:inkMk id="13" creationId="{B38343C2-80AD-4D4D-93B6-FA5A85053C77}"/>
+          </ac:inkMkLst>
+        </pc:inkChg>
+        <pc:inkChg chg="add del mod">
+          <ac:chgData name="Molly Sankey" userId="944469c7-6883-451f-9b55-4524bc4915b3" providerId="ADAL" clId="{F1BAABD6-565A-4B4D-9F14-502B1B8F4095}" dt="2022-05-26T00:05:35.171" v="8885"/>
+          <ac:inkMkLst>
+            <pc:docMk/>
+            <pc:sldMk cId="3760331451" sldId="260"/>
+            <ac:inkMk id="14" creationId="{8B786E0B-C727-48F6-9A51-87184AC885E1}"/>
+          </ac:inkMkLst>
+        </pc:inkChg>
+        <pc:inkChg chg="add del mod">
+          <ac:chgData name="Molly Sankey" userId="944469c7-6883-451f-9b55-4524bc4915b3" providerId="ADAL" clId="{F1BAABD6-565A-4B4D-9F14-502B1B8F4095}" dt="2022-05-26T00:05:35.877" v="8886"/>
+          <ac:inkMkLst>
+            <pc:docMk/>
+            <pc:sldMk cId="3760331451" sldId="260"/>
+            <ac:inkMk id="15" creationId="{A594DF9A-0B33-4A8D-97BB-EE6D5A5CD292}"/>
+          </ac:inkMkLst>
+        </pc:inkChg>
+        <pc:inkChg chg="add del mod">
+          <ac:chgData name="Molly Sankey" userId="944469c7-6883-451f-9b55-4524bc4915b3" providerId="ADAL" clId="{F1BAABD6-565A-4B4D-9F14-502B1B8F4095}" dt="2022-05-26T00:05:35.171" v="8884"/>
+          <ac:inkMkLst>
+            <pc:docMk/>
+            <pc:sldMk cId="3760331451" sldId="260"/>
+            <ac:inkMk id="17" creationId="{189FE8DE-582B-4599-8391-5966DE4D6ABF}"/>
+          </ac:inkMkLst>
+        </pc:inkChg>
+        <pc:inkChg chg="add del mod">
+          <ac:chgData name="Molly Sankey" userId="944469c7-6883-451f-9b55-4524bc4915b3" providerId="ADAL" clId="{F1BAABD6-565A-4B4D-9F14-502B1B8F4095}" dt="2022-05-26T00:05:47.201" v="8892"/>
+          <ac:inkMkLst>
+            <pc:docMk/>
+            <pc:sldMk cId="3760331451" sldId="260"/>
+            <ac:inkMk id="19" creationId="{9BBC4C4B-3D00-4422-AFAA-DA5656553DC4}"/>
+          </ac:inkMkLst>
+        </pc:inkChg>
+        <pc:inkChg chg="add del mod">
+          <ac:chgData name="Molly Sankey" userId="944469c7-6883-451f-9b55-4524bc4915b3" providerId="ADAL" clId="{F1BAABD6-565A-4B4D-9F14-502B1B8F4095}" dt="2022-05-26T00:05:47.201" v="8891"/>
+          <ac:inkMkLst>
+            <pc:docMk/>
+            <pc:sldMk cId="3760331451" sldId="260"/>
+            <ac:inkMk id="20" creationId="{BF29D7BD-E883-499D-85C4-6FC95D7CBEB6}"/>
+          </ac:inkMkLst>
+        </pc:inkChg>
+        <pc:inkChg chg="add del mod">
+          <ac:chgData name="Molly Sankey" userId="944469c7-6883-451f-9b55-4524bc4915b3" providerId="ADAL" clId="{F1BAABD6-565A-4B4D-9F14-502B1B8F4095}" dt="2022-05-26T00:06:12.937" v="8911"/>
+          <ac:inkMkLst>
+            <pc:docMk/>
+            <pc:sldMk cId="3760331451" sldId="260"/>
+            <ac:inkMk id="22" creationId="{CE4114EC-2722-4B69-A170-F4224E25D69C}"/>
+          </ac:inkMkLst>
+        </pc:inkChg>
+        <pc:inkChg chg="add del mod">
+          <ac:chgData name="Molly Sankey" userId="944469c7-6883-451f-9b55-4524bc4915b3" providerId="ADAL" clId="{F1BAABD6-565A-4B4D-9F14-502B1B8F4095}" dt="2022-05-26T00:06:09.789" v="8910"/>
+          <ac:inkMkLst>
+            <pc:docMk/>
+            <pc:sldMk cId="3760331451" sldId="260"/>
+            <ac:inkMk id="23" creationId="{9F897B08-D106-4440-AE33-5A987CB64A4D}"/>
+          </ac:inkMkLst>
+        </pc:inkChg>
+        <pc:inkChg chg="add del mod">
+          <ac:chgData name="Molly Sankey" userId="944469c7-6883-451f-9b55-4524bc4915b3" providerId="ADAL" clId="{F1BAABD6-565A-4B4D-9F14-502B1B8F4095}" dt="2022-05-26T00:06:08.682" v="8908"/>
+          <ac:inkMkLst>
+            <pc:docMk/>
+            <pc:sldMk cId="3760331451" sldId="260"/>
+            <ac:inkMk id="24" creationId="{3100B8B8-3A5B-40D5-BE67-E27087B095D8}"/>
+          </ac:inkMkLst>
+        </pc:inkChg>
+        <pc:inkChg chg="add del mod">
+          <ac:chgData name="Molly Sankey" userId="944469c7-6883-451f-9b55-4524bc4915b3" providerId="ADAL" clId="{F1BAABD6-565A-4B4D-9F14-502B1B8F4095}" dt="2022-05-26T00:06:08.682" v="8909"/>
+          <ac:inkMkLst>
+            <pc:docMk/>
+            <pc:sldMk cId="3760331451" sldId="260"/>
+            <ac:inkMk id="25" creationId="{F8DEACB3-5449-4CE1-AC17-55CBED9A08B4}"/>
+          </ac:inkMkLst>
+        </pc:inkChg>
+        <pc:inkChg chg="add del mod">
+          <ac:chgData name="Molly Sankey" userId="944469c7-6883-451f-9b55-4524bc4915b3" providerId="ADAL" clId="{F1BAABD6-565A-4B4D-9F14-502B1B8F4095}" dt="2022-05-26T00:06:08.682" v="8906"/>
+          <ac:inkMkLst>
+            <pc:docMk/>
+            <pc:sldMk cId="3760331451" sldId="260"/>
+            <ac:inkMk id="26" creationId="{DAE1A577-E864-4DFF-8874-A998EA8B4175}"/>
+          </ac:inkMkLst>
+        </pc:inkChg>
+        <pc:inkChg chg="add del mod">
+          <ac:chgData name="Molly Sankey" userId="944469c7-6883-451f-9b55-4524bc4915b3" providerId="ADAL" clId="{F1BAABD6-565A-4B4D-9F14-502B1B8F4095}" dt="2022-05-26T00:06:08.682" v="8907"/>
+          <ac:inkMkLst>
+            <pc:docMk/>
+            <pc:sldMk cId="3760331451" sldId="260"/>
+            <ac:inkMk id="28" creationId="{E620C5A3-0C82-4086-A405-5E36DA79B610}"/>
+          </ac:inkMkLst>
+        </pc:inkChg>
+        <pc:inkChg chg="add del mod">
+          <ac:chgData name="Molly Sankey" userId="944469c7-6883-451f-9b55-4524bc4915b3" providerId="ADAL" clId="{F1BAABD6-565A-4B4D-9F14-502B1B8F4095}" dt="2022-05-26T00:06:08.682" v="8905"/>
+          <ac:inkMkLst>
+            <pc:docMk/>
+            <pc:sldMk cId="3760331451" sldId="260"/>
+            <ac:inkMk id="29" creationId="{C5BEF307-D355-4F80-A060-72FAE5A88A1F}"/>
+          </ac:inkMkLst>
+        </pc:inkChg>
+        <pc:inkChg chg="add del mod">
+          <ac:chgData name="Molly Sankey" userId="944469c7-6883-451f-9b55-4524bc4915b3" providerId="ADAL" clId="{F1BAABD6-565A-4B4D-9F14-502B1B8F4095}" dt="2022-05-26T00:06:08.682" v="8904"/>
+          <ac:inkMkLst>
+            <pc:docMk/>
+            <pc:sldMk cId="3760331451" sldId="260"/>
+            <ac:inkMk id="31" creationId="{4A91A3F8-FFB3-4209-9B68-014E1B65A2F8}"/>
+          </ac:inkMkLst>
+        </pc:inkChg>
+        <pc:inkChg chg="add del mod">
+          <ac:chgData name="Molly Sankey" userId="944469c7-6883-451f-9b55-4524bc4915b3" providerId="ADAL" clId="{F1BAABD6-565A-4B4D-9F14-502B1B8F4095}" dt="2022-05-26T00:06:27.777" v="8918"/>
+          <ac:inkMkLst>
+            <pc:docMk/>
+            <pc:sldMk cId="3760331451" sldId="260"/>
+            <ac:inkMk id="33" creationId="{8EDA21B2-F8BF-41D7-A389-B3665EAAE3C7}"/>
+          </ac:inkMkLst>
+        </pc:inkChg>
+        <pc:inkChg chg="add del mod">
+          <ac:chgData name="Molly Sankey" userId="944469c7-6883-451f-9b55-4524bc4915b3" providerId="ADAL" clId="{F1BAABD6-565A-4B4D-9F14-502B1B8F4095}" dt="2022-05-26T00:06:27.777" v="8920"/>
+          <ac:inkMkLst>
+            <pc:docMk/>
+            <pc:sldMk cId="3760331451" sldId="260"/>
+            <ac:inkMk id="34" creationId="{3C557D74-D43B-490F-A6CA-63D90543EAB8}"/>
+          </ac:inkMkLst>
+        </pc:inkChg>
+        <pc:inkChg chg="add del mod">
+          <ac:chgData name="Molly Sankey" userId="944469c7-6883-451f-9b55-4524bc4915b3" providerId="ADAL" clId="{F1BAABD6-565A-4B4D-9F14-502B1B8F4095}" dt="2022-05-26T00:06:27.777" v="8917"/>
+          <ac:inkMkLst>
+            <pc:docMk/>
+            <pc:sldMk cId="3760331451" sldId="260"/>
+            <ac:inkMk id="35" creationId="{0DBD7305-4A61-423F-B120-02D49990D6FA}"/>
+          </ac:inkMkLst>
+        </pc:inkChg>
+        <pc:inkChg chg="add del">
+          <ac:chgData name="Molly Sankey" userId="944469c7-6883-451f-9b55-4524bc4915b3" providerId="ADAL" clId="{F1BAABD6-565A-4B4D-9F14-502B1B8F4095}" dt="2022-05-26T00:06:27.777" v="8919"/>
+          <ac:inkMkLst>
+            <pc:docMk/>
+            <pc:sldMk cId="3760331451" sldId="260"/>
+            <ac:inkMk id="37" creationId="{D47F0941-0704-4D53-97B5-D67EFD44EC6F}"/>
+          </ac:inkMkLst>
+        </pc:inkChg>
       </pc:sldChg>
       <pc:sldChg chg="addSp delSp modSp mod setBg">
         <pc:chgData name="Molly Sankey" userId="944469c7-6883-451f-9b55-4524bc4915b3" providerId="ADAL" clId="{F1BAABD6-565A-4B4D-9F14-502B1B8F4095}" dt="2022-05-25T01:44:30.353" v="6642" actId="20577"/>
@@ -4122,7 +4394,7 @@
         </pc:graphicFrameChg>
       </pc:sldChg>
       <pc:sldChg chg="addSp delSp modSp mod ord">
-        <pc:chgData name="Molly Sankey" userId="944469c7-6883-451f-9b55-4524bc4915b3" providerId="ADAL" clId="{F1BAABD6-565A-4B4D-9F14-502B1B8F4095}" dt="2022-05-25T02:12:02.266" v="8112" actId="1076"/>
+        <pc:chgData name="Molly Sankey" userId="944469c7-6883-451f-9b55-4524bc4915b3" providerId="ADAL" clId="{F1BAABD6-565A-4B4D-9F14-502B1B8F4095}" dt="2022-05-26T00:33:10.236" v="8960"/>
         <pc:sldMkLst>
           <pc:docMk/>
           <pc:sldMk cId="274688009" sldId="280"/>
@@ -4840,8 +5112,8 @@
           </ac:picMkLst>
         </pc:picChg>
       </pc:sldChg>
-      <pc:sldChg chg="addSp delSp modSp mod">
-        <pc:chgData name="Molly Sankey" userId="944469c7-6883-451f-9b55-4524bc4915b3" providerId="ADAL" clId="{F1BAABD6-565A-4B4D-9F14-502B1B8F4095}" dt="2022-05-22T23:04:30.028" v="4686" actId="20577"/>
+      <pc:sldChg chg="addSp delSp modSp mod ord">
+        <pc:chgData name="Molly Sankey" userId="944469c7-6883-451f-9b55-4524bc4915b3" providerId="ADAL" clId="{F1BAABD6-565A-4B4D-9F14-502B1B8F4095}" dt="2022-05-26T00:32:53.071" v="8948"/>
         <pc:sldMkLst>
           <pc:docMk/>
           <pc:sldMk cId="3535405805" sldId="289"/>
@@ -5335,8 +5607,8 @@
           <pc:sldMk cId="2088247680" sldId="297"/>
         </pc:sldMkLst>
       </pc:sldChg>
-      <pc:sldChg chg="modSp add mod">
-        <pc:chgData name="Molly Sankey" userId="944469c7-6883-451f-9b55-4524bc4915b3" providerId="ADAL" clId="{F1BAABD6-565A-4B4D-9F14-502B1B8F4095}" dt="2022-05-08T23:22:31.564" v="1069" actId="2165"/>
+      <pc:sldChg chg="modSp add mod ord">
+        <pc:chgData name="Molly Sankey" userId="944469c7-6883-451f-9b55-4524bc4915b3" providerId="ADAL" clId="{F1BAABD6-565A-4B4D-9F14-502B1B8F4095}" dt="2022-05-26T00:33:03.473" v="8956"/>
         <pc:sldMkLst>
           <pc:docMk/>
           <pc:sldMk cId="1777159380" sldId="298"/>
@@ -5359,7 +5631,7 @@
         </pc:graphicFrameChg>
       </pc:sldChg>
       <pc:sldChg chg="addSp delSp modSp add mod ord">
-        <pc:chgData name="Molly Sankey" userId="944469c7-6883-451f-9b55-4524bc4915b3" providerId="ADAL" clId="{F1BAABD6-565A-4B4D-9F14-502B1B8F4095}" dt="2022-05-09T20:43:50.744" v="1633" actId="9405"/>
+        <pc:chgData name="Molly Sankey" userId="944469c7-6883-451f-9b55-4524bc4915b3" providerId="ADAL" clId="{F1BAABD6-565A-4B4D-9F14-502B1B8F4095}" dt="2022-05-26T00:14:45.155" v="8922"/>
         <pc:sldMkLst>
           <pc:docMk/>
           <pc:sldMk cId="1604990464" sldId="299"/>
@@ -5598,7 +5870,7 @@
         </pc:inkChg>
       </pc:sldChg>
       <pc:sldChg chg="addSp delSp modSp add mod ord">
-        <pc:chgData name="Molly Sankey" userId="944469c7-6883-451f-9b55-4524bc4915b3" providerId="ADAL" clId="{F1BAABD6-565A-4B4D-9F14-502B1B8F4095}" dt="2022-05-09T21:11:55.302" v="2441" actId="14100"/>
+        <pc:chgData name="Molly Sankey" userId="944469c7-6883-451f-9b55-4524bc4915b3" providerId="ADAL" clId="{F1BAABD6-565A-4B4D-9F14-502B1B8F4095}" dt="2022-05-26T00:33:05.494" v="8958"/>
         <pc:sldMkLst>
           <pc:docMk/>
           <pc:sldMk cId="363379430" sldId="300"/>
@@ -5692,7 +5964,7 @@
         </pc:graphicFrameChg>
       </pc:sldChg>
       <pc:sldChg chg="addSp delSp modSp add mod ord">
-        <pc:chgData name="Molly Sankey" userId="944469c7-6883-451f-9b55-4524bc4915b3" providerId="ADAL" clId="{F1BAABD6-565A-4B4D-9F14-502B1B8F4095}" dt="2022-05-11T02:05:15.318" v="3366" actId="478"/>
+        <pc:chgData name="Molly Sankey" userId="944469c7-6883-451f-9b55-4524bc4915b3" providerId="ADAL" clId="{F1BAABD6-565A-4B4D-9F14-502B1B8F4095}" dt="2022-05-26T00:32:59.576" v="8954"/>
         <pc:sldMkLst>
           <pc:docMk/>
           <pc:sldMk cId="330855232" sldId="302"/>
@@ -6815,6 +7087,45 @@
             <pc:docMk/>
             <pc:sldMk cId="4133279710" sldId="310"/>
             <ac:inkMk id="13" creationId="{8E19B01D-2F9D-4C3E-BC12-FF98D61F8465}"/>
+          </ac:inkMkLst>
+        </pc:inkChg>
+      </pc:sldChg>
+      <pc:sldChg chg="addSp delSp add mod">
+        <pc:chgData name="Molly Sankey" userId="944469c7-6883-451f-9b55-4524bc4915b3" providerId="ADAL" clId="{F1BAABD6-565A-4B4D-9F14-502B1B8F4095}" dt="2022-05-26T00:05:29.538" v="8883"/>
+        <pc:sldMkLst>
+          <pc:docMk/>
+          <pc:sldMk cId="3848964854" sldId="311"/>
+        </pc:sldMkLst>
+        <pc:inkChg chg="add del">
+          <ac:chgData name="Molly Sankey" userId="944469c7-6883-451f-9b55-4524bc4915b3" providerId="ADAL" clId="{F1BAABD6-565A-4B4D-9F14-502B1B8F4095}" dt="2022-05-26T00:05:28.521" v="8880"/>
+          <ac:inkMkLst>
+            <pc:docMk/>
+            <pc:sldMk cId="3848964854" sldId="311"/>
+            <ac:inkMk id="3" creationId="{613C3CE7-E863-4309-9BDC-37B20E30216E}"/>
+          </ac:inkMkLst>
+        </pc:inkChg>
+        <pc:inkChg chg="add del">
+          <ac:chgData name="Molly Sankey" userId="944469c7-6883-451f-9b55-4524bc4915b3" providerId="ADAL" clId="{F1BAABD6-565A-4B4D-9F14-502B1B8F4095}" dt="2022-05-26T00:05:29.538" v="8883"/>
+          <ac:inkMkLst>
+            <pc:docMk/>
+            <pc:sldMk cId="3848964854" sldId="311"/>
+            <ac:inkMk id="4" creationId="{DDF732FB-E90D-4B8F-A33F-DD618C6AAA85}"/>
+          </ac:inkMkLst>
+        </pc:inkChg>
+        <pc:inkChg chg="add del">
+          <ac:chgData name="Molly Sankey" userId="944469c7-6883-451f-9b55-4524bc4915b3" providerId="ADAL" clId="{F1BAABD6-565A-4B4D-9F14-502B1B8F4095}" dt="2022-05-26T00:05:28.521" v="8881"/>
+          <ac:inkMkLst>
+            <pc:docMk/>
+            <pc:sldMk cId="3848964854" sldId="311"/>
+            <ac:inkMk id="5" creationId="{97328BD1-891E-4399-AE97-921F025FC249}"/>
+          </ac:inkMkLst>
+        </pc:inkChg>
+        <pc:inkChg chg="add del">
+          <ac:chgData name="Molly Sankey" userId="944469c7-6883-451f-9b55-4524bc4915b3" providerId="ADAL" clId="{F1BAABD6-565A-4B4D-9F14-502B1B8F4095}" dt="2022-05-26T00:05:28.931" v="8882"/>
+          <ac:inkMkLst>
+            <pc:docMk/>
+            <pc:sldMk cId="3848964854" sldId="311"/>
+            <ac:inkMk id="7" creationId="{00A9BBBF-A961-4C1D-BD7C-FEC3D7D5428E}"/>
           </ac:inkMkLst>
         </pc:inkChg>
       </pc:sldChg>
@@ -11322,7 +11633,7 @@
     </p:spTree>
     <p:extLst>
       <p:ext uri="{BB962C8B-B14F-4D97-AF65-F5344CB8AC3E}">
-        <p14:creationId xmlns:p14="http://schemas.microsoft.com/office/powerpoint/2010/main" val="992946406"/>
+        <p14:creationId xmlns:p14="http://schemas.microsoft.com/office/powerpoint/2010/main" val="3341573228"/>
       </p:ext>
     </p:extLst>
   </p:cSld>
@@ -18900,6 +19211,671 @@
 </file>
 
 <file path=ppt/slides/slide14.xml><?xml version="1.0" encoding="utf-8"?>
+<p:sld xmlns:a="http://schemas.openxmlformats.org/drawingml/2006/main" xmlns:r="http://schemas.openxmlformats.org/officeDocument/2006/relationships" xmlns:p="http://schemas.openxmlformats.org/presentationml/2006/main">
+  <p:cSld>
+    <p:spTree>
+      <p:nvGrpSpPr>
+        <p:cNvPr id="1" name=""/>
+        <p:cNvGrpSpPr/>
+        <p:nvPr/>
+      </p:nvGrpSpPr>
+      <p:grpSpPr>
+        <a:xfrm>
+          <a:off x="0" y="0"/>
+          <a:ext cx="0" cy="0"/>
+          <a:chOff x="0" y="0"/>
+          <a:chExt cx="0" cy="0"/>
+        </a:xfrm>
+      </p:grpSpPr>
+      <p:sp>
+        <p:nvSpPr>
+          <p:cNvPr id="2" name="Title 1">
+            <a:extLst>
+              <a:ext uri="{FF2B5EF4-FFF2-40B4-BE49-F238E27FC236}">
+                <a16:creationId xmlns:a16="http://schemas.microsoft.com/office/drawing/2014/main" id="{357FEE5A-F482-48CE-8D54-0452FE708BE8}"/>
+              </a:ext>
+            </a:extLst>
+          </p:cNvPr>
+          <p:cNvSpPr>
+            <a:spLocks noGrp="1"/>
+          </p:cNvSpPr>
+          <p:nvPr>
+            <p:ph type="title"/>
+          </p:nvPr>
+        </p:nvSpPr>
+        <p:spPr/>
+        <p:txBody>
+          <a:bodyPr/>
+          <a:lstStyle/>
+          <a:p>
+            <a:r>
+              <a:rPr lang="en-NZ" dirty="0"/>
+              <a:t>Question Generator – Trialling Part 2</a:t>
+            </a:r>
+          </a:p>
+        </p:txBody>
+      </p:sp>
+      <p:sp>
+        <p:nvSpPr>
+          <p:cNvPr id="5" name="TextBox 4">
+            <a:extLst>
+              <a:ext uri="{FF2B5EF4-FFF2-40B4-BE49-F238E27FC236}">
+                <a16:creationId xmlns:a16="http://schemas.microsoft.com/office/drawing/2014/main" id="{83C33489-2BFB-4D6F-9A1A-2F177F6A6552}"/>
+              </a:ext>
+            </a:extLst>
+          </p:cNvPr>
+          <p:cNvSpPr txBox="1"/>
+          <p:nvPr/>
+        </p:nvSpPr>
+        <p:spPr>
+          <a:xfrm>
+            <a:off x="8511883" y="1428187"/>
+            <a:ext cx="2178633" cy="4247317"/>
+          </a:xfrm>
+          <a:prstGeom prst="rect">
+            <a:avLst/>
+          </a:prstGeom>
+          <a:noFill/>
+        </p:spPr>
+        <p:txBody>
+          <a:bodyPr wrap="square" rtlCol="0">
+            <a:spAutoFit/>
+          </a:bodyPr>
+          <a:lstStyle/>
+          <a:p>
+            <a:r>
+              <a:rPr lang="en-NZ" b="1" dirty="0"/>
+              <a:t>In this version of the code the question is determined by a list of numbers being shuffled. This means that it will never pick the same question more than once and is easily adaptable in the future. It is also less bulky than the other code and this is why I have chosen this as my final component’s code.</a:t>
+            </a:r>
+          </a:p>
+        </p:txBody>
+      </p:sp>
+      <p:pic>
+        <p:nvPicPr>
+          <p:cNvPr id="6" name="Picture 5">
+            <a:extLst>
+              <a:ext uri="{FF2B5EF4-FFF2-40B4-BE49-F238E27FC236}">
+                <a16:creationId xmlns:a16="http://schemas.microsoft.com/office/drawing/2014/main" id="{4C6BD6A7-6E5F-4E84-8440-D770C4E925FD}"/>
+              </a:ext>
+            </a:extLst>
+          </p:cNvPr>
+          <p:cNvPicPr>
+            <a:picLocks noChangeAspect="1"/>
+          </p:cNvPicPr>
+          <p:nvPr/>
+        </p:nvPicPr>
+        <p:blipFill>
+          <a:blip r:embed="rId2"/>
+          <a:stretch>
+            <a:fillRect/>
+          </a:stretch>
+        </p:blipFill>
+        <p:spPr>
+          <a:xfrm>
+            <a:off x="513856" y="1554514"/>
+            <a:ext cx="7218394" cy="3547103"/>
+          </a:xfrm>
+          <a:prstGeom prst="rect">
+            <a:avLst/>
+          </a:prstGeom>
+        </p:spPr>
+      </p:pic>
+      <p:sp>
+        <p:nvSpPr>
+          <p:cNvPr id="22" name="Rectangle 21">
+            <a:extLst>
+              <a:ext uri="{FF2B5EF4-FFF2-40B4-BE49-F238E27FC236}">
+                <a16:creationId xmlns:a16="http://schemas.microsoft.com/office/drawing/2014/main" id="{8A0F9C83-F9A5-43D2-AC58-DA0B88467C89}"/>
+              </a:ext>
+            </a:extLst>
+          </p:cNvPr>
+          <p:cNvSpPr/>
+          <p:nvPr/>
+        </p:nvSpPr>
+        <p:spPr>
+          <a:xfrm>
+            <a:off x="918720" y="4804920"/>
+            <a:ext cx="2377440" cy="365760"/>
+          </a:xfrm>
+          <a:prstGeom prst="rect">
+            <a:avLst/>
+          </a:prstGeom>
+          <a:solidFill>
+            <a:srgbClr val="66CC00">
+              <a:alpha val="5000"/>
+            </a:srgbClr>
+          </a:solidFill>
+          <a:ln w="72000">
+            <a:solidFill>
+              <a:srgbClr val="66CC00"/>
+            </a:solidFill>
+          </a:ln>
+        </p:spPr>
+        <p:style>
+          <a:lnRef idx="2">
+            <a:schemeClr val="accent1">
+              <a:shade val="50000"/>
+            </a:schemeClr>
+          </a:lnRef>
+          <a:fillRef idx="1">
+            <a:schemeClr val="accent1"/>
+          </a:fillRef>
+          <a:effectRef idx="0">
+            <a:schemeClr val="accent1"/>
+          </a:effectRef>
+          <a:fontRef idx="minor">
+            <a:schemeClr val="lt1"/>
+          </a:fontRef>
+        </p:style>
+        <p:txBody>
+          <a:bodyPr wrap="none" rtlCol="0" anchor="ctr" anchorCtr="1"/>
+          <a:lstStyle/>
+          <a:p>
+            <a:endParaRPr lang="en-US">
+              <a:solidFill>
+                <a:srgbClr val="66CC00"/>
+              </a:solidFill>
+            </a:endParaRPr>
+          </a:p>
+        </p:txBody>
+      </p:sp>
+      <p:pic>
+        <p:nvPicPr>
+          <p:cNvPr id="12" name="Picture 11">
+            <a:extLst>
+              <a:ext uri="{FF2B5EF4-FFF2-40B4-BE49-F238E27FC236}">
+                <a16:creationId xmlns:a16="http://schemas.microsoft.com/office/drawing/2014/main" id="{6BA33409-5B17-4A7E-B615-9ACE126672A2}"/>
+              </a:ext>
+            </a:extLst>
+          </p:cNvPr>
+          <p:cNvPicPr>
+            <a:picLocks noChangeAspect="1"/>
+          </p:cNvPicPr>
+          <p:nvPr/>
+        </p:nvPicPr>
+        <p:blipFill>
+          <a:blip r:embed="rId3"/>
+          <a:stretch>
+            <a:fillRect/>
+          </a:stretch>
+        </p:blipFill>
+        <p:spPr>
+          <a:xfrm>
+            <a:off x="4206240" y="4361732"/>
+            <a:ext cx="3820254" cy="1485654"/>
+          </a:xfrm>
+          <a:prstGeom prst="rect">
+            <a:avLst/>
+          </a:prstGeom>
+        </p:spPr>
+      </p:pic>
+      <p:sp>
+        <p:nvSpPr>
+          <p:cNvPr id="25" name="矩形 24">
+            <a:extLst>
+              <a:ext uri="{FF2B5EF4-FFF2-40B4-BE49-F238E27FC236}">
+                <a16:creationId xmlns:a16="http://schemas.microsoft.com/office/drawing/2014/main" id="{E23B3B54-7432-45CF-B314-20FC4909921A}"/>
+              </a:ext>
+            </a:extLst>
+          </p:cNvPr>
+          <p:cNvSpPr/>
+          <p:nvPr/>
+        </p:nvSpPr>
+        <p:spPr>
+          <a:xfrm>
+            <a:off x="4153320" y="4256640"/>
+            <a:ext cx="3474720" cy="1645920"/>
+          </a:xfrm>
+          <a:prstGeom prst="rect">
+            <a:avLst/>
+          </a:prstGeom>
+          <a:solidFill>
+            <a:srgbClr val="66CC00">
+              <a:alpha val="5000"/>
+            </a:srgbClr>
+          </a:solidFill>
+          <a:ln w="72000">
+            <a:solidFill>
+              <a:srgbClr val="66CC00"/>
+            </a:solidFill>
+          </a:ln>
+        </p:spPr>
+        <p:style>
+          <a:lnRef idx="2">
+            <a:schemeClr val="accent1">
+              <a:shade val="50000"/>
+            </a:schemeClr>
+          </a:lnRef>
+          <a:fillRef idx="1">
+            <a:schemeClr val="accent1"/>
+          </a:fillRef>
+          <a:effectRef idx="0">
+            <a:schemeClr val="accent1"/>
+          </a:effectRef>
+          <a:fontRef idx="minor">
+            <a:schemeClr val="lt1"/>
+          </a:fontRef>
+        </p:style>
+        <p:txBody>
+          <a:bodyPr wrap="none" rtlCol="0" anchor="ctr" anchorCtr="1"/>
+          <a:lstStyle/>
+          <a:p>
+            <a:endParaRPr lang="ko-KR" altLang="en-US">
+              <a:solidFill>
+                <a:srgbClr val="66CC00"/>
+              </a:solidFill>
+            </a:endParaRPr>
+          </a:p>
+        </p:txBody>
+      </p:sp>
+      <p:sp>
+        <p:nvSpPr>
+          <p:cNvPr id="59" name="文本框 58">
+            <a:extLst>
+              <a:ext uri="{FF2B5EF4-FFF2-40B4-BE49-F238E27FC236}">
+                <a16:creationId xmlns:a16="http://schemas.microsoft.com/office/drawing/2014/main" id="{AC1EC532-4319-445C-BA83-5FA5FFAEF0B7}"/>
+              </a:ext>
+            </a:extLst>
+          </p:cNvPr>
+          <p:cNvSpPr txBox="1"/>
+          <p:nvPr/>
+        </p:nvSpPr>
+        <p:spPr>
+          <a:xfrm>
+            <a:off x="5119460" y="3649881"/>
+            <a:ext cx="1301959" cy="553998"/>
+          </a:xfrm>
+          <a:prstGeom prst="rect">
+            <a:avLst/>
+          </a:prstGeom>
+          <a:noFill/>
+        </p:spPr>
+        <p:txBody>
+          <a:bodyPr wrap="none" rtlCol="0" anchor="ctr" anchorCtr="1">
+            <a:spAutoFit/>
+          </a:bodyPr>
+          <a:lstStyle/>
+          <a:p>
+            <a:pPr algn="ctr"/>
+            <a:r>
+              <a:rPr lang="en-NZ" altLang="ja-JP" sz="3000">
+                <a:solidFill>
+                  <a:srgbClr val="000000"/>
+                </a:solidFill>
+              </a:rPr>
+              <a:t>Output</a:t>
+            </a:r>
+          </a:p>
+        </p:txBody>
+      </p:sp>
+    </p:spTree>
+    <p:extLst>
+      <p:ext uri="{BB962C8B-B14F-4D97-AF65-F5344CB8AC3E}">
+        <p14:creationId xmlns:p14="http://schemas.microsoft.com/office/powerpoint/2010/main" val="3112152446"/>
+      </p:ext>
+    </p:extLst>
+  </p:cSld>
+  <p:clrMapOvr>
+    <a:masterClrMapping/>
+  </p:clrMapOvr>
+</p:sld>
+</file>
+
+<file path=ppt/slides/slide15.xml><?xml version="1.0" encoding="utf-8"?>
+<p:sld xmlns:a="http://schemas.openxmlformats.org/drawingml/2006/main" xmlns:r="http://schemas.openxmlformats.org/officeDocument/2006/relationships" xmlns:p="http://schemas.openxmlformats.org/presentationml/2006/main">
+  <p:cSld>
+    <p:spTree>
+      <p:nvGrpSpPr>
+        <p:cNvPr id="1" name=""/>
+        <p:cNvGrpSpPr/>
+        <p:nvPr/>
+      </p:nvGrpSpPr>
+      <p:grpSpPr>
+        <a:xfrm>
+          <a:off x="0" y="0"/>
+          <a:ext cx="0" cy="0"/>
+          <a:chOff x="0" y="0"/>
+          <a:chExt cx="0" cy="0"/>
+        </a:xfrm>
+      </p:grpSpPr>
+      <p:sp>
+        <p:nvSpPr>
+          <p:cNvPr id="2" name="Title 1">
+            <a:extLst>
+              <a:ext uri="{FF2B5EF4-FFF2-40B4-BE49-F238E27FC236}">
+                <a16:creationId xmlns:a16="http://schemas.microsoft.com/office/drawing/2014/main" id="{357FEE5A-F482-48CE-8D54-0452FE708BE8}"/>
+              </a:ext>
+            </a:extLst>
+          </p:cNvPr>
+          <p:cNvSpPr>
+            <a:spLocks noGrp="1"/>
+          </p:cNvSpPr>
+          <p:nvPr>
+            <p:ph type="title"/>
+          </p:nvPr>
+        </p:nvSpPr>
+        <p:spPr/>
+        <p:txBody>
+          <a:bodyPr/>
+          <a:lstStyle/>
+          <a:p>
+            <a:r>
+              <a:rPr lang="en-NZ" dirty="0"/>
+              <a:t>Question Generator – Trialling Part 1</a:t>
+            </a:r>
+          </a:p>
+        </p:txBody>
+      </p:sp>
+      <p:pic>
+        <p:nvPicPr>
+          <p:cNvPr id="4" name="Picture 3">
+            <a:extLst>
+              <a:ext uri="{FF2B5EF4-FFF2-40B4-BE49-F238E27FC236}">
+                <a16:creationId xmlns:a16="http://schemas.microsoft.com/office/drawing/2014/main" id="{AF4B00E0-84E0-413E-980E-05AD179ED6AA}"/>
+              </a:ext>
+            </a:extLst>
+          </p:cNvPr>
+          <p:cNvPicPr>
+            <a:picLocks noChangeAspect="1"/>
+          </p:cNvPicPr>
+          <p:nvPr/>
+        </p:nvPicPr>
+        <p:blipFill rotWithShape="1">
+          <a:blip r:embed="rId2"/>
+          <a:srcRect r="26336"/>
+          <a:stretch/>
+        </p:blipFill>
+        <p:spPr>
+          <a:xfrm>
+            <a:off x="0" y="1356967"/>
+            <a:ext cx="4430719" cy="4448864"/>
+          </a:xfrm>
+          <a:prstGeom prst="rect">
+            <a:avLst/>
+          </a:prstGeom>
+        </p:spPr>
+      </p:pic>
+      <p:sp>
+        <p:nvSpPr>
+          <p:cNvPr id="5" name="TextBox 4">
+            <a:extLst>
+              <a:ext uri="{FF2B5EF4-FFF2-40B4-BE49-F238E27FC236}">
+                <a16:creationId xmlns:a16="http://schemas.microsoft.com/office/drawing/2014/main" id="{83C33489-2BFB-4D6F-9A1A-2F177F6A6552}"/>
+              </a:ext>
+            </a:extLst>
+          </p:cNvPr>
+          <p:cNvSpPr txBox="1"/>
+          <p:nvPr/>
+        </p:nvSpPr>
+        <p:spPr>
+          <a:xfrm>
+            <a:off x="4275163" y="1468827"/>
+            <a:ext cx="2694597" cy="3693319"/>
+          </a:xfrm>
+          <a:prstGeom prst="rect">
+            <a:avLst/>
+          </a:prstGeom>
+          <a:noFill/>
+        </p:spPr>
+        <p:txBody>
+          <a:bodyPr wrap="square" rtlCol="0">
+            <a:spAutoFit/>
+          </a:bodyPr>
+          <a:lstStyle/>
+          <a:p>
+            <a:r>
+              <a:rPr lang="en-NZ" b="1" dirty="0"/>
+              <a:t>In this version of the code the question a random number and is determined by if, </a:t>
+            </a:r>
+            <a:r>
+              <a:rPr lang="en-NZ" b="1" dirty="0" err="1"/>
+              <a:t>elif</a:t>
+            </a:r>
+            <a:r>
+              <a:rPr lang="en-NZ" b="1" dirty="0"/>
+              <a:t> statements dependent on what number they correspond to. Because of this the code will repeat itself, asking the same question multiple times .</a:t>
+            </a:r>
+          </a:p>
+          <a:p>
+            <a:r>
+              <a:rPr lang="en-NZ" b="1" dirty="0"/>
+              <a:t>This code is also very bulky and harder to adapt or recycle later </a:t>
+            </a:r>
+          </a:p>
+        </p:txBody>
+      </p:sp>
+      <p:pic>
+        <p:nvPicPr>
+          <p:cNvPr id="13" name="Picture 12">
+            <a:extLst>
+              <a:ext uri="{FF2B5EF4-FFF2-40B4-BE49-F238E27FC236}">
+                <a16:creationId xmlns:a16="http://schemas.microsoft.com/office/drawing/2014/main" id="{849C5F21-5842-4450-BFC2-3B9883461CAC}"/>
+              </a:ext>
+            </a:extLst>
+          </p:cNvPr>
+          <p:cNvPicPr>
+            <a:picLocks noChangeAspect="1"/>
+          </p:cNvPicPr>
+          <p:nvPr/>
+        </p:nvPicPr>
+        <p:blipFill>
+          <a:blip r:embed="rId3"/>
+          <a:stretch>
+            <a:fillRect/>
+          </a:stretch>
+        </p:blipFill>
+        <p:spPr>
+          <a:xfrm>
+            <a:off x="7129744" y="1468827"/>
+            <a:ext cx="4348283" cy="763600"/>
+          </a:xfrm>
+          <a:prstGeom prst="rect">
+            <a:avLst/>
+          </a:prstGeom>
+        </p:spPr>
+      </p:pic>
+      <p:sp>
+        <p:nvSpPr>
+          <p:cNvPr id="23" name="직사각형 22">
+            <a:extLst>
+              <a:ext uri="{FF2B5EF4-FFF2-40B4-BE49-F238E27FC236}">
+                <a16:creationId xmlns:a16="http://schemas.microsoft.com/office/drawing/2014/main" id="{C0D98276-6D2A-4104-8133-9688F0BA9C76}"/>
+              </a:ext>
+            </a:extLst>
+          </p:cNvPr>
+          <p:cNvSpPr/>
+          <p:nvPr/>
+        </p:nvSpPr>
+        <p:spPr>
+          <a:xfrm>
+            <a:off x="7129800" y="1484640"/>
+            <a:ext cx="4206240" cy="731520"/>
+          </a:xfrm>
+          <a:prstGeom prst="rect">
+            <a:avLst/>
+          </a:prstGeom>
+          <a:solidFill>
+            <a:srgbClr val="66CC00">
+              <a:alpha val="5000"/>
+            </a:srgbClr>
+          </a:solidFill>
+          <a:ln w="72000">
+            <a:solidFill>
+              <a:srgbClr val="66CC00"/>
+            </a:solidFill>
+          </a:ln>
+        </p:spPr>
+        <p:style>
+          <a:lnRef idx="2">
+            <a:schemeClr val="accent1">
+              <a:shade val="50000"/>
+            </a:schemeClr>
+          </a:lnRef>
+          <a:fillRef idx="1">
+            <a:schemeClr val="accent1"/>
+          </a:fillRef>
+          <a:effectRef idx="0">
+            <a:schemeClr val="accent1"/>
+          </a:effectRef>
+          <a:fontRef idx="minor">
+            <a:schemeClr val="lt1"/>
+          </a:fontRef>
+        </p:style>
+        <p:txBody>
+          <a:bodyPr wrap="none" rtlCol="0" anchor="ctr" anchorCtr="1"/>
+          <a:lstStyle/>
+          <a:p>
+            <a:endParaRPr lang="en-US">
+              <a:solidFill>
+                <a:srgbClr val="66CC00"/>
+              </a:solidFill>
+            </a:endParaRPr>
+          </a:p>
+        </p:txBody>
+      </p:sp>
+      <p:pic>
+        <p:nvPicPr>
+          <p:cNvPr id="17" name="Picture 16">
+            <a:extLst>
+              <a:ext uri="{FF2B5EF4-FFF2-40B4-BE49-F238E27FC236}">
+                <a16:creationId xmlns:a16="http://schemas.microsoft.com/office/drawing/2014/main" id="{DEFE9533-D383-481B-929E-072D3A52B3FF}"/>
+              </a:ext>
+            </a:extLst>
+          </p:cNvPr>
+          <p:cNvPicPr>
+            <a:picLocks noChangeAspect="1"/>
+          </p:cNvPicPr>
+          <p:nvPr/>
+        </p:nvPicPr>
+        <p:blipFill>
+          <a:blip r:embed="rId4"/>
+          <a:stretch>
+            <a:fillRect/>
+          </a:stretch>
+        </p:blipFill>
+        <p:spPr>
+          <a:xfrm>
+            <a:off x="7641759" y="4143665"/>
+            <a:ext cx="3603164" cy="1592646"/>
+          </a:xfrm>
+          <a:prstGeom prst="rect">
+            <a:avLst/>
+          </a:prstGeom>
+        </p:spPr>
+      </p:pic>
+      <p:sp>
+        <p:nvSpPr>
+          <p:cNvPr id="24" name="矩形 24">
+            <a:extLst>
+              <a:ext uri="{FF2B5EF4-FFF2-40B4-BE49-F238E27FC236}">
+                <a16:creationId xmlns:a16="http://schemas.microsoft.com/office/drawing/2014/main" id="{50CD7E9D-A042-49E6-8DA9-25A12EF0681C}"/>
+              </a:ext>
+            </a:extLst>
+          </p:cNvPr>
+          <p:cNvSpPr/>
+          <p:nvPr/>
+        </p:nvSpPr>
+        <p:spPr>
+          <a:xfrm>
+            <a:off x="7641759" y="4090391"/>
+            <a:ext cx="3474720" cy="1645920"/>
+          </a:xfrm>
+          <a:prstGeom prst="rect">
+            <a:avLst/>
+          </a:prstGeom>
+          <a:solidFill>
+            <a:srgbClr val="66CC00">
+              <a:alpha val="5000"/>
+            </a:srgbClr>
+          </a:solidFill>
+          <a:ln w="72000">
+            <a:solidFill>
+              <a:srgbClr val="66CC00"/>
+            </a:solidFill>
+          </a:ln>
+        </p:spPr>
+        <p:style>
+          <a:lnRef idx="2">
+            <a:schemeClr val="accent1">
+              <a:shade val="50000"/>
+            </a:schemeClr>
+          </a:lnRef>
+          <a:fillRef idx="1">
+            <a:schemeClr val="accent1"/>
+          </a:fillRef>
+          <a:effectRef idx="0">
+            <a:schemeClr val="accent1"/>
+          </a:effectRef>
+          <a:fontRef idx="minor">
+            <a:schemeClr val="lt1"/>
+          </a:fontRef>
+        </p:style>
+        <p:txBody>
+          <a:bodyPr wrap="none" rtlCol="0" anchor="ctr" anchorCtr="1"/>
+          <a:lstStyle/>
+          <a:p>
+            <a:endParaRPr lang="ko-KR" altLang="en-US">
+              <a:solidFill>
+                <a:srgbClr val="66CC00"/>
+              </a:solidFill>
+            </a:endParaRPr>
+          </a:p>
+        </p:txBody>
+      </p:sp>
+      <p:sp>
+        <p:nvSpPr>
+          <p:cNvPr id="61" name="TextBox 60">
+            <a:extLst>
+              <a:ext uri="{FF2B5EF4-FFF2-40B4-BE49-F238E27FC236}">
+                <a16:creationId xmlns:a16="http://schemas.microsoft.com/office/drawing/2014/main" id="{02E1CDEC-C301-4F7A-B9B9-720CDEA89B80}"/>
+              </a:ext>
+            </a:extLst>
+          </p:cNvPr>
+          <p:cNvSpPr txBox="1"/>
+          <p:nvPr/>
+        </p:nvSpPr>
+        <p:spPr>
+          <a:xfrm>
+            <a:off x="7786769" y="3080462"/>
+            <a:ext cx="1976823" cy="830997"/>
+          </a:xfrm>
+          <a:prstGeom prst="rect">
+            <a:avLst/>
+          </a:prstGeom>
+          <a:noFill/>
+        </p:spPr>
+        <p:txBody>
+          <a:bodyPr wrap="none" rtlCol="0" anchor="ctr" anchorCtr="1">
+            <a:spAutoFit/>
+          </a:bodyPr>
+          <a:lstStyle/>
+          <a:p>
+            <a:pPr algn="ctr"/>
+            <a:r>
+              <a:rPr lang="en-NZ" sz="4800" dirty="0">
+                <a:solidFill>
+                  <a:srgbClr val="000000"/>
+                </a:solidFill>
+              </a:rPr>
+              <a:t>Output</a:t>
+            </a:r>
+          </a:p>
+        </p:txBody>
+      </p:sp>
+    </p:spTree>
+    <p:extLst>
+      <p:ext uri="{BB962C8B-B14F-4D97-AF65-F5344CB8AC3E}">
+        <p14:creationId xmlns:p14="http://schemas.microsoft.com/office/powerpoint/2010/main" val="330855232"/>
+      </p:ext>
+    </p:extLst>
+  </p:cSld>
+  <p:clrMapOvr>
+    <a:masterClrMapping/>
+  </p:clrMapOvr>
+</p:sld>
+</file>
+
+<file path=ppt/slides/slide16.xml><?xml version="1.0" encoding="utf-8"?>
 <p:sld xmlns:a="http://schemas.openxmlformats.org/drawingml/2006/main" xmlns:r="http://schemas.openxmlformats.org/officeDocument/2006/relationships" xmlns:p="http://schemas.openxmlformats.org/presentationml/2006/main">
   <p:cSld>
     <p:spTree>
@@ -20390,7 +21366,7 @@
 </p:sld>
 </file>
 
-<file path=ppt/slides/slide15.xml><?xml version="1.0" encoding="utf-8"?>
+<file path=ppt/slides/slide17.xml><?xml version="1.0" encoding="utf-8"?>
 <p:sld xmlns:a="http://schemas.openxmlformats.org/drawingml/2006/main" xmlns:r="http://schemas.openxmlformats.org/officeDocument/2006/relationships" xmlns:p="http://schemas.openxmlformats.org/presentationml/2006/main">
   <p:cSld>
     <p:spTree>
@@ -20605,7 +21581,7 @@
 </p:sld>
 </file>
 
-<file path=ppt/slides/slide16.xml><?xml version="1.0" encoding="utf-8"?>
+<file path=ppt/slides/slide18.xml><?xml version="1.0" encoding="utf-8"?>
 <p:sld xmlns:a="http://schemas.openxmlformats.org/drawingml/2006/main" xmlns:r="http://schemas.openxmlformats.org/officeDocument/2006/relationships" xmlns:p="http://schemas.openxmlformats.org/presentationml/2006/main">
   <p:cSld>
     <p:spTree>
@@ -20891,7 +21867,7 @@
 </p:sld>
 </file>
 
-<file path=ppt/slides/slide17.xml><?xml version="1.0" encoding="utf-8"?>
+<file path=ppt/slides/slide19.xml><?xml version="1.0" encoding="utf-8"?>
 <p:sld xmlns:a="http://schemas.openxmlformats.org/drawingml/2006/main" xmlns:r="http://schemas.openxmlformats.org/officeDocument/2006/relationships" xmlns:p="http://schemas.openxmlformats.org/presentationml/2006/main">
   <p:cSld>
     <p:spTree>
@@ -21158,671 +22134,6 @@
     <p:extLst>
       <p:ext uri="{BB962C8B-B14F-4D97-AF65-F5344CB8AC3E}">
         <p14:creationId xmlns:p14="http://schemas.microsoft.com/office/powerpoint/2010/main" val="1604990464"/>
-      </p:ext>
-    </p:extLst>
-  </p:cSld>
-  <p:clrMapOvr>
-    <a:masterClrMapping/>
-  </p:clrMapOvr>
-</p:sld>
-</file>
-
-<file path=ppt/slides/slide18.xml><?xml version="1.0" encoding="utf-8"?>
-<p:sld xmlns:a="http://schemas.openxmlformats.org/drawingml/2006/main" xmlns:r="http://schemas.openxmlformats.org/officeDocument/2006/relationships" xmlns:p="http://schemas.openxmlformats.org/presentationml/2006/main">
-  <p:cSld>
-    <p:spTree>
-      <p:nvGrpSpPr>
-        <p:cNvPr id="1" name=""/>
-        <p:cNvGrpSpPr/>
-        <p:nvPr/>
-      </p:nvGrpSpPr>
-      <p:grpSpPr>
-        <a:xfrm>
-          <a:off x="0" y="0"/>
-          <a:ext cx="0" cy="0"/>
-          <a:chOff x="0" y="0"/>
-          <a:chExt cx="0" cy="0"/>
-        </a:xfrm>
-      </p:grpSpPr>
-      <p:sp>
-        <p:nvSpPr>
-          <p:cNvPr id="2" name="Title 1">
-            <a:extLst>
-              <a:ext uri="{FF2B5EF4-FFF2-40B4-BE49-F238E27FC236}">
-                <a16:creationId xmlns:a16="http://schemas.microsoft.com/office/drawing/2014/main" id="{357FEE5A-F482-48CE-8D54-0452FE708BE8}"/>
-              </a:ext>
-            </a:extLst>
-          </p:cNvPr>
-          <p:cNvSpPr>
-            <a:spLocks noGrp="1"/>
-          </p:cNvSpPr>
-          <p:nvPr>
-            <p:ph type="title"/>
-          </p:nvPr>
-        </p:nvSpPr>
-        <p:spPr/>
-        <p:txBody>
-          <a:bodyPr/>
-          <a:lstStyle/>
-          <a:p>
-            <a:r>
-              <a:rPr lang="en-NZ" dirty="0"/>
-              <a:t>Question Generator – Trialling Part 1</a:t>
-            </a:r>
-          </a:p>
-        </p:txBody>
-      </p:sp>
-      <p:pic>
-        <p:nvPicPr>
-          <p:cNvPr id="4" name="Picture 3">
-            <a:extLst>
-              <a:ext uri="{FF2B5EF4-FFF2-40B4-BE49-F238E27FC236}">
-                <a16:creationId xmlns:a16="http://schemas.microsoft.com/office/drawing/2014/main" id="{AF4B00E0-84E0-413E-980E-05AD179ED6AA}"/>
-              </a:ext>
-            </a:extLst>
-          </p:cNvPr>
-          <p:cNvPicPr>
-            <a:picLocks noChangeAspect="1"/>
-          </p:cNvPicPr>
-          <p:nvPr/>
-        </p:nvPicPr>
-        <p:blipFill rotWithShape="1">
-          <a:blip r:embed="rId2"/>
-          <a:srcRect r="26336"/>
-          <a:stretch/>
-        </p:blipFill>
-        <p:spPr>
-          <a:xfrm>
-            <a:off x="0" y="1356967"/>
-            <a:ext cx="4430719" cy="4448864"/>
-          </a:xfrm>
-          <a:prstGeom prst="rect">
-            <a:avLst/>
-          </a:prstGeom>
-        </p:spPr>
-      </p:pic>
-      <p:sp>
-        <p:nvSpPr>
-          <p:cNvPr id="5" name="TextBox 4">
-            <a:extLst>
-              <a:ext uri="{FF2B5EF4-FFF2-40B4-BE49-F238E27FC236}">
-                <a16:creationId xmlns:a16="http://schemas.microsoft.com/office/drawing/2014/main" id="{83C33489-2BFB-4D6F-9A1A-2F177F6A6552}"/>
-              </a:ext>
-            </a:extLst>
-          </p:cNvPr>
-          <p:cNvSpPr txBox="1"/>
-          <p:nvPr/>
-        </p:nvSpPr>
-        <p:spPr>
-          <a:xfrm>
-            <a:off x="4275163" y="1468827"/>
-            <a:ext cx="2694597" cy="3693319"/>
-          </a:xfrm>
-          <a:prstGeom prst="rect">
-            <a:avLst/>
-          </a:prstGeom>
-          <a:noFill/>
-        </p:spPr>
-        <p:txBody>
-          <a:bodyPr wrap="square" rtlCol="0">
-            <a:spAutoFit/>
-          </a:bodyPr>
-          <a:lstStyle/>
-          <a:p>
-            <a:r>
-              <a:rPr lang="en-NZ" b="1" dirty="0"/>
-              <a:t>In this version of the code the question a random number and is determined by if, </a:t>
-            </a:r>
-            <a:r>
-              <a:rPr lang="en-NZ" b="1" dirty="0" err="1"/>
-              <a:t>elif</a:t>
-            </a:r>
-            <a:r>
-              <a:rPr lang="en-NZ" b="1" dirty="0"/>
-              <a:t> statements dependent on what number they correspond to. Because of this the code will repeat itself, asking the same question multiple times .</a:t>
-            </a:r>
-          </a:p>
-          <a:p>
-            <a:r>
-              <a:rPr lang="en-NZ" b="1" dirty="0"/>
-              <a:t>This code is also very bulky and harder to adapt or recycle later </a:t>
-            </a:r>
-          </a:p>
-        </p:txBody>
-      </p:sp>
-      <p:pic>
-        <p:nvPicPr>
-          <p:cNvPr id="13" name="Picture 12">
-            <a:extLst>
-              <a:ext uri="{FF2B5EF4-FFF2-40B4-BE49-F238E27FC236}">
-                <a16:creationId xmlns:a16="http://schemas.microsoft.com/office/drawing/2014/main" id="{849C5F21-5842-4450-BFC2-3B9883461CAC}"/>
-              </a:ext>
-            </a:extLst>
-          </p:cNvPr>
-          <p:cNvPicPr>
-            <a:picLocks noChangeAspect="1"/>
-          </p:cNvPicPr>
-          <p:nvPr/>
-        </p:nvPicPr>
-        <p:blipFill>
-          <a:blip r:embed="rId3"/>
-          <a:stretch>
-            <a:fillRect/>
-          </a:stretch>
-        </p:blipFill>
-        <p:spPr>
-          <a:xfrm>
-            <a:off x="7129744" y="1468827"/>
-            <a:ext cx="4348283" cy="763600"/>
-          </a:xfrm>
-          <a:prstGeom prst="rect">
-            <a:avLst/>
-          </a:prstGeom>
-        </p:spPr>
-      </p:pic>
-      <p:sp>
-        <p:nvSpPr>
-          <p:cNvPr id="23" name="직사각형 22">
-            <a:extLst>
-              <a:ext uri="{FF2B5EF4-FFF2-40B4-BE49-F238E27FC236}">
-                <a16:creationId xmlns:a16="http://schemas.microsoft.com/office/drawing/2014/main" id="{C0D98276-6D2A-4104-8133-9688F0BA9C76}"/>
-              </a:ext>
-            </a:extLst>
-          </p:cNvPr>
-          <p:cNvSpPr/>
-          <p:nvPr/>
-        </p:nvSpPr>
-        <p:spPr>
-          <a:xfrm>
-            <a:off x="7129800" y="1484640"/>
-            <a:ext cx="4206240" cy="731520"/>
-          </a:xfrm>
-          <a:prstGeom prst="rect">
-            <a:avLst/>
-          </a:prstGeom>
-          <a:solidFill>
-            <a:srgbClr val="66CC00">
-              <a:alpha val="5000"/>
-            </a:srgbClr>
-          </a:solidFill>
-          <a:ln w="72000">
-            <a:solidFill>
-              <a:srgbClr val="66CC00"/>
-            </a:solidFill>
-          </a:ln>
-        </p:spPr>
-        <p:style>
-          <a:lnRef idx="2">
-            <a:schemeClr val="accent1">
-              <a:shade val="50000"/>
-            </a:schemeClr>
-          </a:lnRef>
-          <a:fillRef idx="1">
-            <a:schemeClr val="accent1"/>
-          </a:fillRef>
-          <a:effectRef idx="0">
-            <a:schemeClr val="accent1"/>
-          </a:effectRef>
-          <a:fontRef idx="minor">
-            <a:schemeClr val="lt1"/>
-          </a:fontRef>
-        </p:style>
-        <p:txBody>
-          <a:bodyPr wrap="none" rtlCol="0" anchor="ctr" anchorCtr="1"/>
-          <a:lstStyle/>
-          <a:p>
-            <a:endParaRPr lang="en-US">
-              <a:solidFill>
-                <a:srgbClr val="66CC00"/>
-              </a:solidFill>
-            </a:endParaRPr>
-          </a:p>
-        </p:txBody>
-      </p:sp>
-      <p:pic>
-        <p:nvPicPr>
-          <p:cNvPr id="17" name="Picture 16">
-            <a:extLst>
-              <a:ext uri="{FF2B5EF4-FFF2-40B4-BE49-F238E27FC236}">
-                <a16:creationId xmlns:a16="http://schemas.microsoft.com/office/drawing/2014/main" id="{DEFE9533-D383-481B-929E-072D3A52B3FF}"/>
-              </a:ext>
-            </a:extLst>
-          </p:cNvPr>
-          <p:cNvPicPr>
-            <a:picLocks noChangeAspect="1"/>
-          </p:cNvPicPr>
-          <p:nvPr/>
-        </p:nvPicPr>
-        <p:blipFill>
-          <a:blip r:embed="rId4"/>
-          <a:stretch>
-            <a:fillRect/>
-          </a:stretch>
-        </p:blipFill>
-        <p:spPr>
-          <a:xfrm>
-            <a:off x="7641759" y="4143665"/>
-            <a:ext cx="3603164" cy="1592646"/>
-          </a:xfrm>
-          <a:prstGeom prst="rect">
-            <a:avLst/>
-          </a:prstGeom>
-        </p:spPr>
-      </p:pic>
-      <p:sp>
-        <p:nvSpPr>
-          <p:cNvPr id="24" name="矩形 24">
-            <a:extLst>
-              <a:ext uri="{FF2B5EF4-FFF2-40B4-BE49-F238E27FC236}">
-                <a16:creationId xmlns:a16="http://schemas.microsoft.com/office/drawing/2014/main" id="{50CD7E9D-A042-49E6-8DA9-25A12EF0681C}"/>
-              </a:ext>
-            </a:extLst>
-          </p:cNvPr>
-          <p:cNvSpPr/>
-          <p:nvPr/>
-        </p:nvSpPr>
-        <p:spPr>
-          <a:xfrm>
-            <a:off x="7641759" y="4090391"/>
-            <a:ext cx="3474720" cy="1645920"/>
-          </a:xfrm>
-          <a:prstGeom prst="rect">
-            <a:avLst/>
-          </a:prstGeom>
-          <a:solidFill>
-            <a:srgbClr val="66CC00">
-              <a:alpha val="5000"/>
-            </a:srgbClr>
-          </a:solidFill>
-          <a:ln w="72000">
-            <a:solidFill>
-              <a:srgbClr val="66CC00"/>
-            </a:solidFill>
-          </a:ln>
-        </p:spPr>
-        <p:style>
-          <a:lnRef idx="2">
-            <a:schemeClr val="accent1">
-              <a:shade val="50000"/>
-            </a:schemeClr>
-          </a:lnRef>
-          <a:fillRef idx="1">
-            <a:schemeClr val="accent1"/>
-          </a:fillRef>
-          <a:effectRef idx="0">
-            <a:schemeClr val="accent1"/>
-          </a:effectRef>
-          <a:fontRef idx="minor">
-            <a:schemeClr val="lt1"/>
-          </a:fontRef>
-        </p:style>
-        <p:txBody>
-          <a:bodyPr wrap="none" rtlCol="0" anchor="ctr" anchorCtr="1"/>
-          <a:lstStyle/>
-          <a:p>
-            <a:endParaRPr lang="ko-KR" altLang="en-US">
-              <a:solidFill>
-                <a:srgbClr val="66CC00"/>
-              </a:solidFill>
-            </a:endParaRPr>
-          </a:p>
-        </p:txBody>
-      </p:sp>
-      <p:sp>
-        <p:nvSpPr>
-          <p:cNvPr id="61" name="TextBox 60">
-            <a:extLst>
-              <a:ext uri="{FF2B5EF4-FFF2-40B4-BE49-F238E27FC236}">
-                <a16:creationId xmlns:a16="http://schemas.microsoft.com/office/drawing/2014/main" id="{02E1CDEC-C301-4F7A-B9B9-720CDEA89B80}"/>
-              </a:ext>
-            </a:extLst>
-          </p:cNvPr>
-          <p:cNvSpPr txBox="1"/>
-          <p:nvPr/>
-        </p:nvSpPr>
-        <p:spPr>
-          <a:xfrm>
-            <a:off x="7786769" y="3080462"/>
-            <a:ext cx="1976823" cy="830997"/>
-          </a:xfrm>
-          <a:prstGeom prst="rect">
-            <a:avLst/>
-          </a:prstGeom>
-          <a:noFill/>
-        </p:spPr>
-        <p:txBody>
-          <a:bodyPr wrap="none" rtlCol="0" anchor="ctr" anchorCtr="1">
-            <a:spAutoFit/>
-          </a:bodyPr>
-          <a:lstStyle/>
-          <a:p>
-            <a:pPr algn="ctr"/>
-            <a:r>
-              <a:rPr lang="en-NZ" sz="4800" dirty="0">
-                <a:solidFill>
-                  <a:srgbClr val="000000"/>
-                </a:solidFill>
-              </a:rPr>
-              <a:t>Output</a:t>
-            </a:r>
-          </a:p>
-        </p:txBody>
-      </p:sp>
-    </p:spTree>
-    <p:extLst>
-      <p:ext uri="{BB962C8B-B14F-4D97-AF65-F5344CB8AC3E}">
-        <p14:creationId xmlns:p14="http://schemas.microsoft.com/office/powerpoint/2010/main" val="330855232"/>
-      </p:ext>
-    </p:extLst>
-  </p:cSld>
-  <p:clrMapOvr>
-    <a:masterClrMapping/>
-  </p:clrMapOvr>
-</p:sld>
-</file>
-
-<file path=ppt/slides/slide19.xml><?xml version="1.0" encoding="utf-8"?>
-<p:sld xmlns:a="http://schemas.openxmlformats.org/drawingml/2006/main" xmlns:r="http://schemas.openxmlformats.org/officeDocument/2006/relationships" xmlns:p="http://schemas.openxmlformats.org/presentationml/2006/main">
-  <p:cSld>
-    <p:spTree>
-      <p:nvGrpSpPr>
-        <p:cNvPr id="1" name=""/>
-        <p:cNvGrpSpPr/>
-        <p:nvPr/>
-      </p:nvGrpSpPr>
-      <p:grpSpPr>
-        <a:xfrm>
-          <a:off x="0" y="0"/>
-          <a:ext cx="0" cy="0"/>
-          <a:chOff x="0" y="0"/>
-          <a:chExt cx="0" cy="0"/>
-        </a:xfrm>
-      </p:grpSpPr>
-      <p:sp>
-        <p:nvSpPr>
-          <p:cNvPr id="2" name="Title 1">
-            <a:extLst>
-              <a:ext uri="{FF2B5EF4-FFF2-40B4-BE49-F238E27FC236}">
-                <a16:creationId xmlns:a16="http://schemas.microsoft.com/office/drawing/2014/main" id="{357FEE5A-F482-48CE-8D54-0452FE708BE8}"/>
-              </a:ext>
-            </a:extLst>
-          </p:cNvPr>
-          <p:cNvSpPr>
-            <a:spLocks noGrp="1"/>
-          </p:cNvSpPr>
-          <p:nvPr>
-            <p:ph type="title"/>
-          </p:nvPr>
-        </p:nvSpPr>
-        <p:spPr/>
-        <p:txBody>
-          <a:bodyPr/>
-          <a:lstStyle/>
-          <a:p>
-            <a:r>
-              <a:rPr lang="en-NZ" dirty="0"/>
-              <a:t>Question Generator – Trialling Part 2</a:t>
-            </a:r>
-          </a:p>
-        </p:txBody>
-      </p:sp>
-      <p:sp>
-        <p:nvSpPr>
-          <p:cNvPr id="5" name="TextBox 4">
-            <a:extLst>
-              <a:ext uri="{FF2B5EF4-FFF2-40B4-BE49-F238E27FC236}">
-                <a16:creationId xmlns:a16="http://schemas.microsoft.com/office/drawing/2014/main" id="{83C33489-2BFB-4D6F-9A1A-2F177F6A6552}"/>
-              </a:ext>
-            </a:extLst>
-          </p:cNvPr>
-          <p:cNvSpPr txBox="1"/>
-          <p:nvPr/>
-        </p:nvSpPr>
-        <p:spPr>
-          <a:xfrm>
-            <a:off x="8511883" y="1428187"/>
-            <a:ext cx="2178633" cy="4247317"/>
-          </a:xfrm>
-          <a:prstGeom prst="rect">
-            <a:avLst/>
-          </a:prstGeom>
-          <a:noFill/>
-        </p:spPr>
-        <p:txBody>
-          <a:bodyPr wrap="square" rtlCol="0">
-            <a:spAutoFit/>
-          </a:bodyPr>
-          <a:lstStyle/>
-          <a:p>
-            <a:r>
-              <a:rPr lang="en-NZ" b="1" dirty="0"/>
-              <a:t>In this version of the code the question is determined by a list of numbers being shuffled. This means that it will never pick the same question more than once and is easily adaptable in the future. It is also less bulky than the other code and this is why I have chosen this as my final component’s code.</a:t>
-            </a:r>
-          </a:p>
-        </p:txBody>
-      </p:sp>
-      <p:pic>
-        <p:nvPicPr>
-          <p:cNvPr id="6" name="Picture 5">
-            <a:extLst>
-              <a:ext uri="{FF2B5EF4-FFF2-40B4-BE49-F238E27FC236}">
-                <a16:creationId xmlns:a16="http://schemas.microsoft.com/office/drawing/2014/main" id="{4C6BD6A7-6E5F-4E84-8440-D770C4E925FD}"/>
-              </a:ext>
-            </a:extLst>
-          </p:cNvPr>
-          <p:cNvPicPr>
-            <a:picLocks noChangeAspect="1"/>
-          </p:cNvPicPr>
-          <p:nvPr/>
-        </p:nvPicPr>
-        <p:blipFill>
-          <a:blip r:embed="rId2"/>
-          <a:stretch>
-            <a:fillRect/>
-          </a:stretch>
-        </p:blipFill>
-        <p:spPr>
-          <a:xfrm>
-            <a:off x="513856" y="1554514"/>
-            <a:ext cx="7218394" cy="3547103"/>
-          </a:xfrm>
-          <a:prstGeom prst="rect">
-            <a:avLst/>
-          </a:prstGeom>
-        </p:spPr>
-      </p:pic>
-      <p:sp>
-        <p:nvSpPr>
-          <p:cNvPr id="22" name="Rectangle 21">
-            <a:extLst>
-              <a:ext uri="{FF2B5EF4-FFF2-40B4-BE49-F238E27FC236}">
-                <a16:creationId xmlns:a16="http://schemas.microsoft.com/office/drawing/2014/main" id="{8A0F9C83-F9A5-43D2-AC58-DA0B88467C89}"/>
-              </a:ext>
-            </a:extLst>
-          </p:cNvPr>
-          <p:cNvSpPr/>
-          <p:nvPr/>
-        </p:nvSpPr>
-        <p:spPr>
-          <a:xfrm>
-            <a:off x="918720" y="4804920"/>
-            <a:ext cx="2377440" cy="365760"/>
-          </a:xfrm>
-          <a:prstGeom prst="rect">
-            <a:avLst/>
-          </a:prstGeom>
-          <a:solidFill>
-            <a:srgbClr val="66CC00">
-              <a:alpha val="5000"/>
-            </a:srgbClr>
-          </a:solidFill>
-          <a:ln w="72000">
-            <a:solidFill>
-              <a:srgbClr val="66CC00"/>
-            </a:solidFill>
-          </a:ln>
-        </p:spPr>
-        <p:style>
-          <a:lnRef idx="2">
-            <a:schemeClr val="accent1">
-              <a:shade val="50000"/>
-            </a:schemeClr>
-          </a:lnRef>
-          <a:fillRef idx="1">
-            <a:schemeClr val="accent1"/>
-          </a:fillRef>
-          <a:effectRef idx="0">
-            <a:schemeClr val="accent1"/>
-          </a:effectRef>
-          <a:fontRef idx="minor">
-            <a:schemeClr val="lt1"/>
-          </a:fontRef>
-        </p:style>
-        <p:txBody>
-          <a:bodyPr wrap="none" rtlCol="0" anchor="ctr" anchorCtr="1"/>
-          <a:lstStyle/>
-          <a:p>
-            <a:endParaRPr lang="en-US">
-              <a:solidFill>
-                <a:srgbClr val="66CC00"/>
-              </a:solidFill>
-            </a:endParaRPr>
-          </a:p>
-        </p:txBody>
-      </p:sp>
-      <p:pic>
-        <p:nvPicPr>
-          <p:cNvPr id="12" name="Picture 11">
-            <a:extLst>
-              <a:ext uri="{FF2B5EF4-FFF2-40B4-BE49-F238E27FC236}">
-                <a16:creationId xmlns:a16="http://schemas.microsoft.com/office/drawing/2014/main" id="{6BA33409-5B17-4A7E-B615-9ACE126672A2}"/>
-              </a:ext>
-            </a:extLst>
-          </p:cNvPr>
-          <p:cNvPicPr>
-            <a:picLocks noChangeAspect="1"/>
-          </p:cNvPicPr>
-          <p:nvPr/>
-        </p:nvPicPr>
-        <p:blipFill>
-          <a:blip r:embed="rId3"/>
-          <a:stretch>
-            <a:fillRect/>
-          </a:stretch>
-        </p:blipFill>
-        <p:spPr>
-          <a:xfrm>
-            <a:off x="4206240" y="4361732"/>
-            <a:ext cx="3820254" cy="1485654"/>
-          </a:xfrm>
-          <a:prstGeom prst="rect">
-            <a:avLst/>
-          </a:prstGeom>
-        </p:spPr>
-      </p:pic>
-      <p:sp>
-        <p:nvSpPr>
-          <p:cNvPr id="25" name="矩形 24">
-            <a:extLst>
-              <a:ext uri="{FF2B5EF4-FFF2-40B4-BE49-F238E27FC236}">
-                <a16:creationId xmlns:a16="http://schemas.microsoft.com/office/drawing/2014/main" id="{E23B3B54-7432-45CF-B314-20FC4909921A}"/>
-              </a:ext>
-            </a:extLst>
-          </p:cNvPr>
-          <p:cNvSpPr/>
-          <p:nvPr/>
-        </p:nvSpPr>
-        <p:spPr>
-          <a:xfrm>
-            <a:off x="4153320" y="4256640"/>
-            <a:ext cx="3474720" cy="1645920"/>
-          </a:xfrm>
-          <a:prstGeom prst="rect">
-            <a:avLst/>
-          </a:prstGeom>
-          <a:solidFill>
-            <a:srgbClr val="66CC00">
-              <a:alpha val="5000"/>
-            </a:srgbClr>
-          </a:solidFill>
-          <a:ln w="72000">
-            <a:solidFill>
-              <a:srgbClr val="66CC00"/>
-            </a:solidFill>
-          </a:ln>
-        </p:spPr>
-        <p:style>
-          <a:lnRef idx="2">
-            <a:schemeClr val="accent1">
-              <a:shade val="50000"/>
-            </a:schemeClr>
-          </a:lnRef>
-          <a:fillRef idx="1">
-            <a:schemeClr val="accent1"/>
-          </a:fillRef>
-          <a:effectRef idx="0">
-            <a:schemeClr val="accent1"/>
-          </a:effectRef>
-          <a:fontRef idx="minor">
-            <a:schemeClr val="lt1"/>
-          </a:fontRef>
-        </p:style>
-        <p:txBody>
-          <a:bodyPr wrap="none" rtlCol="0" anchor="ctr" anchorCtr="1"/>
-          <a:lstStyle/>
-          <a:p>
-            <a:endParaRPr lang="ko-KR" altLang="en-US">
-              <a:solidFill>
-                <a:srgbClr val="66CC00"/>
-              </a:solidFill>
-            </a:endParaRPr>
-          </a:p>
-        </p:txBody>
-      </p:sp>
-      <p:sp>
-        <p:nvSpPr>
-          <p:cNvPr id="59" name="文本框 58">
-            <a:extLst>
-              <a:ext uri="{FF2B5EF4-FFF2-40B4-BE49-F238E27FC236}">
-                <a16:creationId xmlns:a16="http://schemas.microsoft.com/office/drawing/2014/main" id="{AC1EC532-4319-445C-BA83-5FA5FFAEF0B7}"/>
-              </a:ext>
-            </a:extLst>
-          </p:cNvPr>
-          <p:cNvSpPr txBox="1"/>
-          <p:nvPr/>
-        </p:nvSpPr>
-        <p:spPr>
-          <a:xfrm>
-            <a:off x="5119460" y="3649881"/>
-            <a:ext cx="1301959" cy="553998"/>
-          </a:xfrm>
-          <a:prstGeom prst="rect">
-            <a:avLst/>
-          </a:prstGeom>
-          <a:noFill/>
-        </p:spPr>
-        <p:txBody>
-          <a:bodyPr wrap="none" rtlCol="0" anchor="ctr" anchorCtr="1">
-            <a:spAutoFit/>
-          </a:bodyPr>
-          <a:lstStyle/>
-          <a:p>
-            <a:pPr algn="ctr"/>
-            <a:r>
-              <a:rPr lang="en-NZ" altLang="ja-JP" sz="3000">
-                <a:solidFill>
-                  <a:srgbClr val="000000"/>
-                </a:solidFill>
-              </a:rPr>
-              <a:t>Output</a:t>
-            </a:r>
-          </a:p>
-        </p:txBody>
-      </p:sp>
-    </p:spTree>
-    <p:extLst>
-      <p:ext uri="{BB962C8B-B14F-4D97-AF65-F5344CB8AC3E}">
-        <p14:creationId xmlns:p14="http://schemas.microsoft.com/office/powerpoint/2010/main" val="3112152446"/>
       </p:ext>
     </p:extLst>
   </p:cSld>
@@ -29627,7 +29938,7 @@
     </p:spTree>
     <p:extLst>
       <p:ext uri="{BB962C8B-B14F-4D97-AF65-F5344CB8AC3E}">
-        <p14:creationId xmlns:p14="http://schemas.microsoft.com/office/powerpoint/2010/main" val="3760331451"/>
+        <p14:creationId xmlns:p14="http://schemas.microsoft.com/office/powerpoint/2010/main" val="3848964854"/>
       </p:ext>
     </p:extLst>
   </p:cSld>
